--- a/DAC2024/KOSIM/KOSIM A Knowledge-oriented Derivative-free Subspace Method Based on Inexact Model for Inverse Lithography Problems.pptx
+++ b/DAC2024/KOSIM/KOSIM A Knowledge-oriented Derivative-free Subspace Method Based on Inexact Model for Inverse Lithography Problems.pptx
@@ -5,7 +5,7 @@
     <p:sldMasterId id="2147483648" r:id="rId1"/>
   </p:sldMasterIdLst>
   <p:notesMasterIdLst>
-    <p:notesMasterId r:id="rId16"/>
+    <p:notesMasterId r:id="rId25"/>
   </p:notesMasterIdLst>
   <p:sldIdLst>
     <p:sldId id="256" r:id="rId2"/>
@@ -21,7 +21,16 @@
     <p:sldId id="310" r:id="rId12"/>
     <p:sldId id="311" r:id="rId13"/>
     <p:sldId id="313" r:id="rId14"/>
-    <p:sldId id="298" r:id="rId15"/>
+    <p:sldId id="314" r:id="rId15"/>
+    <p:sldId id="315" r:id="rId16"/>
+    <p:sldId id="316" r:id="rId17"/>
+    <p:sldId id="317" r:id="rId18"/>
+    <p:sldId id="318" r:id="rId19"/>
+    <p:sldId id="319" r:id="rId20"/>
+    <p:sldId id="320" r:id="rId21"/>
+    <p:sldId id="321" r:id="rId22"/>
+    <p:sldId id="322" r:id="rId23"/>
+    <p:sldId id="298" r:id="rId24"/>
   </p:sldIdLst>
   <p:sldSz cx="12192000" cy="6858000"/>
   <p:notesSz cx="6858000" cy="9144000"/>
@@ -2128,53 +2137,56 @@
               <a:buChar char="•"/>
             </a:pPr>
             <a:r>
-              <a:rPr lang="zh-TW" altLang="en-US" dirty="0"/>
-              <a:t>會對</a:t>
-            </a:r>
-            <a:r>
-              <a:rPr lang="en-US" altLang="zh-TW" dirty="0"/>
-              <a:t>U</a:t>
-            </a:r>
-            <a:r>
-              <a:rPr lang="zh-TW" altLang="en-US" dirty="0"/>
-              <a:t>與</a:t>
-            </a:r>
-            <a:r>
-              <a:rPr lang="en-US" altLang="zh-TW" dirty="0"/>
-              <a:t>H</a:t>
-            </a:r>
-            <a:r>
-              <a:rPr lang="zh-TW" altLang="en-US" dirty="0"/>
-              <a:t>進行卷積，並做</a:t>
-            </a:r>
-            <a:r>
-              <a:rPr lang="en-US" altLang="zh-TW" dirty="0" err="1"/>
-              <a:t>Nt</a:t>
-            </a:r>
-            <a:r>
-              <a:rPr lang="zh-TW" altLang="en-US" dirty="0"/>
-              <a:t>次 </a:t>
-            </a:r>
-            <a:r>
-              <a:rPr lang="en-US" altLang="zh-TW" dirty="0"/>
-              <a:t>(</a:t>
-            </a:r>
-            <a:r>
-              <a:rPr lang="zh-TW" altLang="en-US" dirty="0"/>
-              <a:t>不是矩陣運算，所以</a:t>
-            </a:r>
-            <a:r>
-              <a:rPr lang="en-US" altLang="zh-TW" dirty="0"/>
-              <a:t>dimension</a:t>
-            </a:r>
-            <a:r>
-              <a:rPr lang="zh-TW" altLang="en-US" dirty="0"/>
-              <a:t>不需要對到</a:t>
-            </a:r>
-            <a:r>
-              <a:rPr lang="en-US" altLang="zh-TW" dirty="0"/>
-              <a:t>)</a:t>
-            </a:r>
+              <a:rPr lang="zh-TW" altLang="en-US" b="0" i="0" dirty="0">
+                <a:solidFill>
+                  <a:srgbClr val="0F0F0F"/>
+                </a:solidFill>
+                <a:effectLst/>
+                <a:latin typeface="Söhne"/>
+              </a:rPr>
+              <a:t>這裡的 </a:t>
+            </a:r>
+            <a:r>
+              <a:rPr lang="en-US" altLang="zh-TW" b="0" i="0" dirty="0">
+                <a:solidFill>
+                  <a:srgbClr val="0F0F0F"/>
+                </a:solidFill>
+                <a:effectLst/>
+                <a:latin typeface="Söhne"/>
+              </a:rPr>
+              <a:t>\(</a:t>
+            </a:r>
+            <a:r>
+              <a:rPr lang="zh-TW" altLang="en-US" b="0" i="0" dirty="0">
+                <a:solidFill>
+                  <a:srgbClr val="0F0F0F"/>
+                </a:solidFill>
+                <a:effectLst/>
+                <a:latin typeface="Söhne"/>
+              </a:rPr>
+              <a:t>𝑛</a:t>
+            </a:r>
+            <a:r>
+              <a:rPr lang="en-US" altLang="zh-TW" b="0" i="0" dirty="0">
+                <a:solidFill>
+                  <a:srgbClr val="0F0F0F"/>
+                </a:solidFill>
+                <a:effectLst/>
+                <a:latin typeface="Söhne"/>
+              </a:rPr>
+              <a:t>\) </a:t>
+            </a:r>
+            <a:r>
+              <a:rPr lang="zh-TW" altLang="en-US" b="0" i="0" dirty="0">
+                <a:solidFill>
+                  <a:srgbClr val="0F0F0F"/>
+                </a:solidFill>
+                <a:effectLst/>
+                <a:latin typeface="Söhne"/>
+              </a:rPr>
+              <a:t>表示原始問題的參數維度</a:t>
+            </a:r>
+            <a:endParaRPr lang="en-US" altLang="zh-TW" dirty="0"/>
           </a:p>
         </p:txBody>
       </p:sp>
@@ -2205,6 +2217,949 @@
     <p:extLst>
       <p:ext uri="{BB962C8B-B14F-4D97-AF65-F5344CB8AC3E}">
         <p14:creationId xmlns:p14="http://schemas.microsoft.com/office/powerpoint/2010/main" val="1850414774"/>
+      </p:ext>
+    </p:extLst>
+  </p:cSld>
+  <p:clrMapOvr>
+    <a:masterClrMapping/>
+  </p:clrMapOvr>
+</p:notes>
+</file>
+
+<file path=ppt/notesSlides/notesSlide13.xml><?xml version="1.0" encoding="utf-8"?>
+<p:notes xmlns:a="http://schemas.openxmlformats.org/drawingml/2006/main" xmlns:r="http://schemas.openxmlformats.org/officeDocument/2006/relationships" xmlns:p="http://schemas.openxmlformats.org/presentationml/2006/main">
+  <p:cSld>
+    <p:spTree>
+      <p:nvGrpSpPr>
+        <p:cNvPr id="1" name=""/>
+        <p:cNvGrpSpPr/>
+        <p:nvPr/>
+      </p:nvGrpSpPr>
+      <p:grpSpPr>
+        <a:xfrm>
+          <a:off x="0" y="0"/>
+          <a:ext cx="0" cy="0"/>
+          <a:chOff x="0" y="0"/>
+          <a:chExt cx="0" cy="0"/>
+        </a:xfrm>
+      </p:grpSpPr>
+      <p:sp>
+        <p:nvSpPr>
+          <p:cNvPr id="2" name="投影片影像版面配置區 1"/>
+          <p:cNvSpPr>
+            <a:spLocks noGrp="1" noRot="1" noChangeAspect="1"/>
+          </p:cNvSpPr>
+          <p:nvPr>
+            <p:ph type="sldImg"/>
+          </p:nvPr>
+        </p:nvSpPr>
+        <p:spPr/>
+      </p:sp>
+      <p:sp>
+        <p:nvSpPr>
+          <p:cNvPr id="3" name="備忘稿版面配置區 2"/>
+          <p:cNvSpPr>
+            <a:spLocks noGrp="1"/>
+          </p:cNvSpPr>
+          <p:nvPr>
+            <p:ph type="body" idx="1"/>
+          </p:nvPr>
+        </p:nvSpPr>
+        <p:spPr/>
+        <p:txBody>
+          <a:bodyPr/>
+          <a:lstStyle/>
+          <a:p>
+            <a:pPr marL="171450" indent="-171450" algn="l">
+              <a:buFont typeface="Arial" panose="020B0604020202020204" pitchFamily="34" charset="0"/>
+              <a:buChar char="•"/>
+            </a:pPr>
+            <a:r>
+              <a:rPr lang="zh-TW" altLang="en-US" dirty="0"/>
+              <a:t>構建 </a:t>
+            </a:r>
+            <a:r>
+              <a:rPr lang="en-US" altLang="zh-TW" dirty="0"/>
+              <a:t>\(m(</a:t>
+            </a:r>
+            <a:r>
+              <a:rPr lang="zh-TW" altLang="en-US" dirty="0"/>
+              <a:t>𝑘</a:t>
+            </a:r>
+            <a:r>
+              <a:rPr lang="en-US" altLang="zh-TW" dirty="0"/>
+              <a:t>)_</a:t>
+            </a:r>
+            <a:r>
+              <a:rPr lang="zh-TW" altLang="en-US" dirty="0"/>
+              <a:t>𝑖</a:t>
+            </a:r>
+            <a:r>
+              <a:rPr lang="en-US" altLang="zh-TW" dirty="0"/>
+              <a:t>\) </a:t>
+            </a:r>
+            <a:r>
+              <a:rPr lang="zh-TW" altLang="en-US" dirty="0"/>
+              <a:t>的直觀想法是在 </a:t>
+            </a:r>
+            <a:r>
+              <a:rPr lang="en-US" altLang="zh-TW" dirty="0"/>
+              <a:t>\(</a:t>
+            </a:r>
+            <a:r>
+              <a:rPr lang="zh-TW" altLang="en-US" dirty="0"/>
+              <a:t>𝑥 </a:t>
+            </a:r>
+            <a:r>
+              <a:rPr lang="en-US" altLang="zh-TW" dirty="0"/>
+              <a:t>(</a:t>
+            </a:r>
+            <a:r>
+              <a:rPr lang="zh-TW" altLang="en-US" dirty="0"/>
+              <a:t>𝑘</a:t>
+            </a:r>
+            <a:r>
+              <a:rPr lang="en-US" altLang="zh-TW" dirty="0"/>
+              <a:t>) + \text{span}(\</a:t>
+            </a:r>
+            <a:r>
+              <a:rPr lang="en-US" altLang="zh-TW" dirty="0" err="1"/>
+              <a:t>mathbf</a:t>
+            </a:r>
+            <a:r>
+              <a:rPr lang="en-US" altLang="zh-TW" dirty="0"/>
+              <a:t>{e}_</a:t>
+            </a:r>
+            <a:r>
+              <a:rPr lang="zh-TW" altLang="en-US" dirty="0"/>
+              <a:t>𝑖</a:t>
+            </a:r>
+            <a:r>
+              <a:rPr lang="en-US" altLang="zh-TW" dirty="0"/>
+              <a:t>)\) </a:t>
+            </a:r>
+            <a:r>
+              <a:rPr lang="zh-TW" altLang="en-US" dirty="0"/>
+              <a:t>上使用三個採樣點進行插值，以逼近 </a:t>
+            </a:r>
+            <a:r>
+              <a:rPr lang="en-US" altLang="zh-TW" dirty="0"/>
+              <a:t>\(f\)</a:t>
+            </a:r>
+            <a:r>
+              <a:rPr lang="zh-TW" altLang="en-US" dirty="0"/>
+              <a:t>。然而，這將導致 </a:t>
+            </a:r>
+            <a:r>
+              <a:rPr lang="en-US" altLang="zh-TW" dirty="0"/>
+              <a:t>O(</a:t>
+            </a:r>
+            <a:r>
+              <a:rPr lang="zh-TW" altLang="en-US" dirty="0"/>
+              <a:t>𝑛</a:t>
+            </a:r>
+            <a:r>
+              <a:rPr lang="en-US" altLang="zh-TW" dirty="0"/>
+              <a:t>) </a:t>
+            </a:r>
+            <a:r>
+              <a:rPr lang="zh-TW" altLang="en-US" dirty="0"/>
+              <a:t>的函數值評估成本。為了更經濟，考慮在離開線 </a:t>
+            </a:r>
+            <a:r>
+              <a:rPr lang="en-US" altLang="zh-TW" dirty="0"/>
+              <a:t>\(</a:t>
+            </a:r>
+            <a:r>
+              <a:rPr lang="zh-TW" altLang="en-US" dirty="0"/>
+              <a:t>𝑥 </a:t>
+            </a:r>
+            <a:r>
+              <a:rPr lang="en-US" altLang="zh-TW" dirty="0"/>
+              <a:t>(</a:t>
+            </a:r>
+            <a:r>
+              <a:rPr lang="zh-TW" altLang="en-US" dirty="0"/>
+              <a:t>𝑘</a:t>
+            </a:r>
+            <a:r>
+              <a:rPr lang="en-US" altLang="zh-TW" dirty="0"/>
+              <a:t>) + \text{span}(\</a:t>
+            </a:r>
+            <a:r>
+              <a:rPr lang="en-US" altLang="zh-TW" dirty="0" err="1"/>
+              <a:t>mathbf</a:t>
+            </a:r>
+            <a:r>
+              <a:rPr lang="en-US" altLang="zh-TW" dirty="0"/>
+              <a:t>{e}_</a:t>
+            </a:r>
+            <a:r>
+              <a:rPr lang="zh-TW" altLang="en-US" dirty="0"/>
+              <a:t>𝑖</a:t>
+            </a:r>
+            <a:r>
+              <a:rPr lang="en-US" altLang="zh-TW" dirty="0"/>
+              <a:t>)\) </a:t>
+            </a:r>
+            <a:r>
+              <a:rPr lang="zh-TW" altLang="en-US" dirty="0"/>
+              <a:t>的點上進行採樣，以便可以利用歷史採樣點</a:t>
+            </a:r>
+            <a:endParaRPr lang="en-US" altLang="zh-TW" dirty="0"/>
+          </a:p>
+        </p:txBody>
+      </p:sp>
+      <p:sp>
+        <p:nvSpPr>
+          <p:cNvPr id="4" name="投影片編號版面配置區 3"/>
+          <p:cNvSpPr>
+            <a:spLocks noGrp="1"/>
+          </p:cNvSpPr>
+          <p:nvPr>
+            <p:ph type="sldNum" sz="quarter" idx="5"/>
+          </p:nvPr>
+        </p:nvSpPr>
+        <p:spPr/>
+        <p:txBody>
+          <a:bodyPr/>
+          <a:lstStyle/>
+          <a:p>
+            <a:fld id="{9D457EAB-1485-47AD-BEAD-484FAEBF5A54}" type="slidenum">
+              <a:rPr lang="en-US" smtClean="0"/>
+              <a:t>13</a:t>
+            </a:fld>
+            <a:endParaRPr lang="en-US"/>
+          </a:p>
+        </p:txBody>
+      </p:sp>
+    </p:spTree>
+    <p:extLst>
+      <p:ext uri="{BB962C8B-B14F-4D97-AF65-F5344CB8AC3E}">
+        <p14:creationId xmlns:p14="http://schemas.microsoft.com/office/powerpoint/2010/main" val="1107728530"/>
+      </p:ext>
+    </p:extLst>
+  </p:cSld>
+  <p:clrMapOvr>
+    <a:masterClrMapping/>
+  </p:clrMapOvr>
+</p:notes>
+</file>
+
+<file path=ppt/notesSlides/notesSlide14.xml><?xml version="1.0" encoding="utf-8"?>
+<p:notes xmlns:a="http://schemas.openxmlformats.org/drawingml/2006/main" xmlns:r="http://schemas.openxmlformats.org/officeDocument/2006/relationships" xmlns:p="http://schemas.openxmlformats.org/presentationml/2006/main">
+  <p:cSld>
+    <p:spTree>
+      <p:nvGrpSpPr>
+        <p:cNvPr id="1" name=""/>
+        <p:cNvGrpSpPr/>
+        <p:nvPr/>
+      </p:nvGrpSpPr>
+      <p:grpSpPr>
+        <a:xfrm>
+          <a:off x="0" y="0"/>
+          <a:ext cx="0" cy="0"/>
+          <a:chOff x="0" y="0"/>
+          <a:chExt cx="0" cy="0"/>
+        </a:xfrm>
+      </p:grpSpPr>
+      <p:sp>
+        <p:nvSpPr>
+          <p:cNvPr id="2" name="投影片影像版面配置區 1"/>
+          <p:cNvSpPr>
+            <a:spLocks noGrp="1" noRot="1" noChangeAspect="1"/>
+          </p:cNvSpPr>
+          <p:nvPr>
+            <p:ph type="sldImg"/>
+          </p:nvPr>
+        </p:nvSpPr>
+        <p:spPr/>
+      </p:sp>
+      <p:sp>
+        <p:nvSpPr>
+          <p:cNvPr id="3" name="備忘稿版面配置區 2"/>
+          <p:cNvSpPr>
+            <a:spLocks noGrp="1"/>
+          </p:cNvSpPr>
+          <p:nvPr>
+            <p:ph type="body" idx="1"/>
+          </p:nvPr>
+        </p:nvSpPr>
+        <p:spPr/>
+        <p:txBody>
+          <a:bodyPr/>
+          <a:lstStyle/>
+          <a:p>
+            <a:pPr marL="171450" indent="-171450" algn="l">
+              <a:buFont typeface="Arial" panose="020B0604020202020204" pitchFamily="34" charset="0"/>
+              <a:buChar char="•"/>
+            </a:pPr>
+            <a:r>
+              <a:rPr lang="zh-TW" altLang="en-US" b="0" i="0" dirty="0">
+                <a:solidFill>
+                  <a:srgbClr val="0F0F0F"/>
+                </a:solidFill>
+                <a:effectLst/>
+                <a:latin typeface="Söhne"/>
+              </a:rPr>
+              <a:t>這裡的 </a:t>
+            </a:r>
+            <a:r>
+              <a:rPr lang="en-US" altLang="zh-TW" b="0" i="0" dirty="0">
+                <a:solidFill>
+                  <a:srgbClr val="0F0F0F"/>
+                </a:solidFill>
+                <a:effectLst/>
+                <a:latin typeface="Söhne"/>
+              </a:rPr>
+              <a:t>\(</a:t>
+            </a:r>
+            <a:r>
+              <a:rPr lang="zh-TW" altLang="en-US" b="0" i="0" dirty="0">
+                <a:solidFill>
+                  <a:srgbClr val="0F0F0F"/>
+                </a:solidFill>
+                <a:effectLst/>
+                <a:latin typeface="Söhne"/>
+              </a:rPr>
+              <a:t>𝑛</a:t>
+            </a:r>
+            <a:r>
+              <a:rPr lang="en-US" altLang="zh-TW" b="0" i="0" dirty="0">
+                <a:solidFill>
+                  <a:srgbClr val="0F0F0F"/>
+                </a:solidFill>
+                <a:effectLst/>
+                <a:latin typeface="Söhne"/>
+              </a:rPr>
+              <a:t>\) </a:t>
+            </a:r>
+            <a:r>
+              <a:rPr lang="zh-TW" altLang="en-US" b="0" i="0" dirty="0">
+                <a:solidFill>
+                  <a:srgbClr val="0F0F0F"/>
+                </a:solidFill>
+                <a:effectLst/>
+                <a:latin typeface="Söhne"/>
+              </a:rPr>
+              <a:t>表示原始問題的參數維度</a:t>
+            </a:r>
+            <a:endParaRPr lang="en-US" altLang="zh-TW" dirty="0"/>
+          </a:p>
+        </p:txBody>
+      </p:sp>
+      <p:sp>
+        <p:nvSpPr>
+          <p:cNvPr id="4" name="投影片編號版面配置區 3"/>
+          <p:cNvSpPr>
+            <a:spLocks noGrp="1"/>
+          </p:cNvSpPr>
+          <p:nvPr>
+            <p:ph type="sldNum" sz="quarter" idx="5"/>
+          </p:nvPr>
+        </p:nvSpPr>
+        <p:spPr/>
+        <p:txBody>
+          <a:bodyPr/>
+          <a:lstStyle/>
+          <a:p>
+            <a:fld id="{9D457EAB-1485-47AD-BEAD-484FAEBF5A54}" type="slidenum">
+              <a:rPr lang="en-US" smtClean="0"/>
+              <a:t>14</a:t>
+            </a:fld>
+            <a:endParaRPr lang="en-US"/>
+          </a:p>
+        </p:txBody>
+      </p:sp>
+    </p:spTree>
+    <p:extLst>
+      <p:ext uri="{BB962C8B-B14F-4D97-AF65-F5344CB8AC3E}">
+        <p14:creationId xmlns:p14="http://schemas.microsoft.com/office/powerpoint/2010/main" val="770593187"/>
+      </p:ext>
+    </p:extLst>
+  </p:cSld>
+  <p:clrMapOvr>
+    <a:masterClrMapping/>
+  </p:clrMapOvr>
+</p:notes>
+</file>
+
+<file path=ppt/notesSlides/notesSlide15.xml><?xml version="1.0" encoding="utf-8"?>
+<p:notes xmlns:a="http://schemas.openxmlformats.org/drawingml/2006/main" xmlns:r="http://schemas.openxmlformats.org/officeDocument/2006/relationships" xmlns:p="http://schemas.openxmlformats.org/presentationml/2006/main">
+  <p:cSld>
+    <p:spTree>
+      <p:nvGrpSpPr>
+        <p:cNvPr id="1" name=""/>
+        <p:cNvGrpSpPr/>
+        <p:nvPr/>
+      </p:nvGrpSpPr>
+      <p:grpSpPr>
+        <a:xfrm>
+          <a:off x="0" y="0"/>
+          <a:ext cx="0" cy="0"/>
+          <a:chOff x="0" y="0"/>
+          <a:chExt cx="0" cy="0"/>
+        </a:xfrm>
+      </p:grpSpPr>
+      <p:sp>
+        <p:nvSpPr>
+          <p:cNvPr id="2" name="投影片影像版面配置區 1"/>
+          <p:cNvSpPr>
+            <a:spLocks noGrp="1" noRot="1" noChangeAspect="1"/>
+          </p:cNvSpPr>
+          <p:nvPr>
+            <p:ph type="sldImg"/>
+          </p:nvPr>
+        </p:nvSpPr>
+        <p:spPr/>
+      </p:sp>
+      <p:sp>
+        <p:nvSpPr>
+          <p:cNvPr id="3" name="備忘稿版面配置區 2"/>
+          <p:cNvSpPr>
+            <a:spLocks noGrp="1"/>
+          </p:cNvSpPr>
+          <p:nvPr>
+            <p:ph type="body" idx="1"/>
+          </p:nvPr>
+        </p:nvSpPr>
+        <p:spPr/>
+        <p:txBody>
+          <a:bodyPr/>
+          <a:lstStyle/>
+          <a:p>
+            <a:pPr marL="171450" indent="-171450">
+              <a:buFont typeface="Arial" panose="020B0604020202020204" pitchFamily="34" charset="0"/>
+              <a:buChar char="•"/>
+            </a:pPr>
+            <a:r>
+              <a:rPr lang="zh-TW" altLang="en-US" dirty="0"/>
+              <a:t>比較</a:t>
+            </a:r>
+            <a:r>
+              <a:rPr lang="en-US" altLang="zh-TW" dirty="0"/>
+              <a:t>gradient</a:t>
+            </a:r>
+            <a:r>
+              <a:rPr lang="zh-TW" altLang="en-US" dirty="0"/>
+              <a:t>的部分</a:t>
+            </a:r>
+            <a:endParaRPr lang="en-US" altLang="zh-TW" dirty="0"/>
+          </a:p>
+          <a:p>
+            <a:pPr marL="171450" indent="-171450">
+              <a:buFont typeface="Arial" panose="020B0604020202020204" pitchFamily="34" charset="0"/>
+              <a:buChar char="•"/>
+            </a:pPr>
+            <a:r>
+              <a:rPr lang="zh-TW" altLang="en-US" b="0" i="0" dirty="0">
+                <a:solidFill>
+                  <a:srgbClr val="374151"/>
+                </a:solidFill>
+                <a:effectLst/>
+                <a:latin typeface="Söhne"/>
+              </a:rPr>
+              <a:t>從</a:t>
+            </a:r>
+            <a:r>
+              <a:rPr lang="en-US" altLang="zh-TW" b="0" i="0" dirty="0">
+                <a:solidFill>
+                  <a:srgbClr val="374151"/>
+                </a:solidFill>
+                <a:effectLst/>
+                <a:latin typeface="Söhne"/>
+              </a:rPr>
+              <a:t>Table 2</a:t>
+            </a:r>
+            <a:r>
+              <a:rPr lang="zh-TW" altLang="en-US" b="0" i="0" dirty="0">
+                <a:solidFill>
+                  <a:srgbClr val="374151"/>
+                </a:solidFill>
+                <a:effectLst/>
+                <a:latin typeface="Söhne"/>
+              </a:rPr>
+              <a:t>的結果中，我們可以觀察到</a:t>
+            </a:r>
+            <a:r>
+              <a:rPr lang="en-US" altLang="zh-TW" b="0" i="0" dirty="0">
+                <a:solidFill>
+                  <a:srgbClr val="374151"/>
+                </a:solidFill>
+                <a:effectLst/>
+                <a:latin typeface="Söhne"/>
+              </a:rPr>
+              <a:t>KOSIM</a:t>
+            </a:r>
+            <a:r>
+              <a:rPr lang="zh-TW" altLang="en-US" b="0" i="0" dirty="0">
+                <a:solidFill>
+                  <a:srgbClr val="374151"/>
+                </a:solidFill>
+                <a:effectLst/>
+                <a:latin typeface="Söhne"/>
+              </a:rPr>
+              <a:t>中的二次模型明顯加速了算法。</a:t>
+            </a:r>
+            <a:endParaRPr lang="zh-TW" altLang="en-US" dirty="0"/>
+          </a:p>
+        </p:txBody>
+      </p:sp>
+      <p:sp>
+        <p:nvSpPr>
+          <p:cNvPr id="4" name="投影片編號版面配置區 3"/>
+          <p:cNvSpPr>
+            <a:spLocks noGrp="1"/>
+          </p:cNvSpPr>
+          <p:nvPr>
+            <p:ph type="sldNum" sz="quarter" idx="5"/>
+          </p:nvPr>
+        </p:nvSpPr>
+        <p:spPr/>
+        <p:txBody>
+          <a:bodyPr/>
+          <a:lstStyle/>
+          <a:p>
+            <a:fld id="{9D457EAB-1485-47AD-BEAD-484FAEBF5A54}" type="slidenum">
+              <a:rPr lang="en-US" smtClean="0"/>
+              <a:t>15</a:t>
+            </a:fld>
+            <a:endParaRPr lang="en-US"/>
+          </a:p>
+        </p:txBody>
+      </p:sp>
+    </p:spTree>
+    <p:extLst>
+      <p:ext uri="{BB962C8B-B14F-4D97-AF65-F5344CB8AC3E}">
+        <p14:creationId xmlns:p14="http://schemas.microsoft.com/office/powerpoint/2010/main" val="3913242124"/>
+      </p:ext>
+    </p:extLst>
+  </p:cSld>
+  <p:clrMapOvr>
+    <a:masterClrMapping/>
+  </p:clrMapOvr>
+</p:notes>
+</file>
+
+<file path=ppt/notesSlides/notesSlide16.xml><?xml version="1.0" encoding="utf-8"?>
+<p:notes xmlns:a="http://schemas.openxmlformats.org/drawingml/2006/main" xmlns:r="http://schemas.openxmlformats.org/officeDocument/2006/relationships" xmlns:p="http://schemas.openxmlformats.org/presentationml/2006/main">
+  <p:cSld>
+    <p:spTree>
+      <p:nvGrpSpPr>
+        <p:cNvPr id="1" name=""/>
+        <p:cNvGrpSpPr/>
+        <p:nvPr/>
+      </p:nvGrpSpPr>
+      <p:grpSpPr>
+        <a:xfrm>
+          <a:off x="0" y="0"/>
+          <a:ext cx="0" cy="0"/>
+          <a:chOff x="0" y="0"/>
+          <a:chExt cx="0" cy="0"/>
+        </a:xfrm>
+      </p:grpSpPr>
+      <p:sp>
+        <p:nvSpPr>
+          <p:cNvPr id="2" name="投影片影像版面配置區 1"/>
+          <p:cNvSpPr>
+            <a:spLocks noGrp="1" noRot="1" noChangeAspect="1"/>
+          </p:cNvSpPr>
+          <p:nvPr>
+            <p:ph type="sldImg"/>
+          </p:nvPr>
+        </p:nvSpPr>
+        <p:spPr/>
+      </p:sp>
+      <p:sp>
+        <p:nvSpPr>
+          <p:cNvPr id="3" name="備忘稿版面配置區 2"/>
+          <p:cNvSpPr>
+            <a:spLocks noGrp="1"/>
+          </p:cNvSpPr>
+          <p:nvPr>
+            <p:ph type="body" idx="1"/>
+          </p:nvPr>
+        </p:nvSpPr>
+        <p:spPr/>
+        <p:txBody>
+          <a:bodyPr/>
+          <a:lstStyle/>
+          <a:p>
+            <a:r>
+              <a:rPr lang="zh-TW" altLang="en-US" dirty="0"/>
+              <a:t>比較</a:t>
+            </a:r>
+            <a:r>
+              <a:rPr lang="en-US" altLang="zh-TW" dirty="0"/>
+              <a:t>DFO</a:t>
+            </a:r>
+            <a:r>
+              <a:rPr lang="zh-TW" altLang="en-US" dirty="0"/>
+              <a:t>的部分</a:t>
+            </a:r>
+          </a:p>
+        </p:txBody>
+      </p:sp>
+      <p:sp>
+        <p:nvSpPr>
+          <p:cNvPr id="4" name="投影片編號版面配置區 3"/>
+          <p:cNvSpPr>
+            <a:spLocks noGrp="1"/>
+          </p:cNvSpPr>
+          <p:nvPr>
+            <p:ph type="sldNum" sz="quarter" idx="5"/>
+          </p:nvPr>
+        </p:nvSpPr>
+        <p:spPr/>
+        <p:txBody>
+          <a:bodyPr/>
+          <a:lstStyle/>
+          <a:p>
+            <a:fld id="{9D457EAB-1485-47AD-BEAD-484FAEBF5A54}" type="slidenum">
+              <a:rPr lang="en-US" smtClean="0"/>
+              <a:t>16</a:t>
+            </a:fld>
+            <a:endParaRPr lang="en-US"/>
+          </a:p>
+        </p:txBody>
+      </p:sp>
+    </p:spTree>
+    <p:extLst>
+      <p:ext uri="{BB962C8B-B14F-4D97-AF65-F5344CB8AC3E}">
+        <p14:creationId xmlns:p14="http://schemas.microsoft.com/office/powerpoint/2010/main" val="3708184894"/>
+      </p:ext>
+    </p:extLst>
+  </p:cSld>
+  <p:clrMapOvr>
+    <a:masterClrMapping/>
+  </p:clrMapOvr>
+</p:notes>
+</file>
+
+<file path=ppt/notesSlides/notesSlide17.xml><?xml version="1.0" encoding="utf-8"?>
+<p:notes xmlns:a="http://schemas.openxmlformats.org/drawingml/2006/main" xmlns:r="http://schemas.openxmlformats.org/officeDocument/2006/relationships" xmlns:p="http://schemas.openxmlformats.org/presentationml/2006/main">
+  <p:cSld>
+    <p:spTree>
+      <p:nvGrpSpPr>
+        <p:cNvPr id="1" name=""/>
+        <p:cNvGrpSpPr/>
+        <p:nvPr/>
+      </p:nvGrpSpPr>
+      <p:grpSpPr>
+        <a:xfrm>
+          <a:off x="0" y="0"/>
+          <a:ext cx="0" cy="0"/>
+          <a:chOff x="0" y="0"/>
+          <a:chExt cx="0" cy="0"/>
+        </a:xfrm>
+      </p:grpSpPr>
+      <p:sp>
+        <p:nvSpPr>
+          <p:cNvPr id="2" name="投影片影像版面配置區 1"/>
+          <p:cNvSpPr>
+            <a:spLocks noGrp="1" noRot="1" noChangeAspect="1"/>
+          </p:cNvSpPr>
+          <p:nvPr>
+            <p:ph type="sldImg"/>
+          </p:nvPr>
+        </p:nvSpPr>
+        <p:spPr/>
+      </p:sp>
+      <p:sp>
+        <p:nvSpPr>
+          <p:cNvPr id="3" name="備忘稿版面配置區 2"/>
+          <p:cNvSpPr>
+            <a:spLocks noGrp="1"/>
+          </p:cNvSpPr>
+          <p:nvPr>
+            <p:ph type="body" idx="1"/>
+          </p:nvPr>
+        </p:nvSpPr>
+        <p:spPr/>
+        <p:txBody>
+          <a:bodyPr/>
+          <a:lstStyle/>
+          <a:p>
+            <a:pPr marL="171450" indent="-171450">
+              <a:buFont typeface="Arial" panose="020B0604020202020204" pitchFamily="34" charset="0"/>
+              <a:buChar char="•"/>
+            </a:pPr>
+            <a:r>
+              <a:rPr lang="zh-TW" altLang="en-US" dirty="0"/>
+              <a:t>比較</a:t>
+            </a:r>
+            <a:r>
+              <a:rPr lang="en-US" altLang="zh-TW" dirty="0"/>
+              <a:t>DFO</a:t>
+            </a:r>
+            <a:r>
+              <a:rPr lang="zh-TW" altLang="en-US" dirty="0"/>
+              <a:t>的部分</a:t>
+            </a:r>
+            <a:endParaRPr lang="en-US" altLang="zh-TW" dirty="0"/>
+          </a:p>
+          <a:p>
+            <a:pPr marL="171450" indent="-171450">
+              <a:buFont typeface="Arial" panose="020B0604020202020204" pitchFamily="34" charset="0"/>
+              <a:buChar char="•"/>
+            </a:pPr>
+            <a:r>
+              <a:rPr lang="zh-TW" altLang="en-US" b="0" i="0" dirty="0">
+                <a:solidFill>
+                  <a:srgbClr val="374151"/>
+                </a:solidFill>
+                <a:effectLst/>
+                <a:latin typeface="Söhne"/>
+              </a:rPr>
+              <a:t>我們可以清楚地觀察到</a:t>
+            </a:r>
+            <a:r>
+              <a:rPr lang="en-US" altLang="zh-TW" b="0" i="0" dirty="0">
+                <a:solidFill>
+                  <a:srgbClr val="374151"/>
+                </a:solidFill>
+                <a:effectLst/>
+                <a:latin typeface="Söhne"/>
+              </a:rPr>
+              <a:t>KOSIM</a:t>
+            </a:r>
+            <a:r>
+              <a:rPr lang="zh-TW" altLang="en-US" b="0" i="0" dirty="0">
+                <a:solidFill>
+                  <a:srgbClr val="374151"/>
+                </a:solidFill>
+                <a:effectLst/>
+                <a:latin typeface="Söhne"/>
+              </a:rPr>
+              <a:t>在這兩個問題上的效率優於</a:t>
+            </a:r>
+            <a:r>
+              <a:rPr lang="en-US" altLang="zh-TW" b="0" i="0" dirty="0" err="1">
+                <a:solidFill>
+                  <a:srgbClr val="374151"/>
+                </a:solidFill>
+                <a:effectLst/>
+                <a:latin typeface="Söhne"/>
+              </a:rPr>
+              <a:t>Nevergrad</a:t>
+            </a:r>
+            <a:r>
+              <a:rPr lang="zh-TW" altLang="en-US" b="0" i="0" dirty="0">
+                <a:solidFill>
+                  <a:srgbClr val="374151"/>
+                </a:solidFill>
+                <a:effectLst/>
+                <a:latin typeface="Söhne"/>
+              </a:rPr>
+              <a:t>。</a:t>
+            </a:r>
+            <a:endParaRPr lang="zh-TW" altLang="en-US" dirty="0"/>
+          </a:p>
+        </p:txBody>
+      </p:sp>
+      <p:sp>
+        <p:nvSpPr>
+          <p:cNvPr id="4" name="投影片編號版面配置區 3"/>
+          <p:cNvSpPr>
+            <a:spLocks noGrp="1"/>
+          </p:cNvSpPr>
+          <p:nvPr>
+            <p:ph type="sldNum" sz="quarter" idx="5"/>
+          </p:nvPr>
+        </p:nvSpPr>
+        <p:spPr/>
+        <p:txBody>
+          <a:bodyPr/>
+          <a:lstStyle/>
+          <a:p>
+            <a:fld id="{9D457EAB-1485-47AD-BEAD-484FAEBF5A54}" type="slidenum">
+              <a:rPr lang="en-US" smtClean="0"/>
+              <a:t>17</a:t>
+            </a:fld>
+            <a:endParaRPr lang="en-US"/>
+          </a:p>
+        </p:txBody>
+      </p:sp>
+    </p:spTree>
+    <p:extLst>
+      <p:ext uri="{BB962C8B-B14F-4D97-AF65-F5344CB8AC3E}">
+        <p14:creationId xmlns:p14="http://schemas.microsoft.com/office/powerpoint/2010/main" val="2873187112"/>
+      </p:ext>
+    </p:extLst>
+  </p:cSld>
+  <p:clrMapOvr>
+    <a:masterClrMapping/>
+  </p:clrMapOvr>
+</p:notes>
+</file>
+
+<file path=ppt/notesSlides/notesSlide18.xml><?xml version="1.0" encoding="utf-8"?>
+<p:notes xmlns:a="http://schemas.openxmlformats.org/drawingml/2006/main" xmlns:r="http://schemas.openxmlformats.org/officeDocument/2006/relationships" xmlns:p="http://schemas.openxmlformats.org/presentationml/2006/main">
+  <p:cSld>
+    <p:spTree>
+      <p:nvGrpSpPr>
+        <p:cNvPr id="1" name=""/>
+        <p:cNvGrpSpPr/>
+        <p:nvPr/>
+      </p:nvGrpSpPr>
+      <p:grpSpPr>
+        <a:xfrm>
+          <a:off x="0" y="0"/>
+          <a:ext cx="0" cy="0"/>
+          <a:chOff x="0" y="0"/>
+          <a:chExt cx="0" cy="0"/>
+        </a:xfrm>
+      </p:grpSpPr>
+      <p:sp>
+        <p:nvSpPr>
+          <p:cNvPr id="2" name="投影片影像版面配置區 1"/>
+          <p:cNvSpPr>
+            <a:spLocks noGrp="1" noRot="1" noChangeAspect="1"/>
+          </p:cNvSpPr>
+          <p:nvPr>
+            <p:ph type="sldImg"/>
+          </p:nvPr>
+        </p:nvSpPr>
+        <p:spPr/>
+      </p:sp>
+      <p:sp>
+        <p:nvSpPr>
+          <p:cNvPr id="3" name="備忘稿版面配置區 2"/>
+          <p:cNvSpPr>
+            <a:spLocks noGrp="1"/>
+          </p:cNvSpPr>
+          <p:nvPr>
+            <p:ph type="body" idx="1"/>
+          </p:nvPr>
+        </p:nvSpPr>
+        <p:spPr/>
+        <p:txBody>
+          <a:bodyPr/>
+          <a:lstStyle/>
+          <a:p>
+            <a:pPr marL="171450" indent="-171450">
+              <a:buFont typeface="Arial" panose="020B0604020202020204" pitchFamily="34" charset="0"/>
+              <a:buChar char="•"/>
+            </a:pPr>
+            <a:endParaRPr lang="zh-TW" altLang="en-US" dirty="0"/>
+          </a:p>
+        </p:txBody>
+      </p:sp>
+      <p:sp>
+        <p:nvSpPr>
+          <p:cNvPr id="4" name="投影片編號版面配置區 3"/>
+          <p:cNvSpPr>
+            <a:spLocks noGrp="1"/>
+          </p:cNvSpPr>
+          <p:nvPr>
+            <p:ph type="sldNum" sz="quarter" idx="5"/>
+          </p:nvPr>
+        </p:nvSpPr>
+        <p:spPr/>
+        <p:txBody>
+          <a:bodyPr/>
+          <a:lstStyle/>
+          <a:p>
+            <a:fld id="{9D457EAB-1485-47AD-BEAD-484FAEBF5A54}" type="slidenum">
+              <a:rPr lang="en-US" smtClean="0"/>
+              <a:t>18</a:t>
+            </a:fld>
+            <a:endParaRPr lang="en-US"/>
+          </a:p>
+        </p:txBody>
+      </p:sp>
+    </p:spTree>
+    <p:extLst>
+      <p:ext uri="{BB962C8B-B14F-4D97-AF65-F5344CB8AC3E}">
+        <p14:creationId xmlns:p14="http://schemas.microsoft.com/office/powerpoint/2010/main" val="2857051385"/>
+      </p:ext>
+    </p:extLst>
+  </p:cSld>
+  <p:clrMapOvr>
+    <a:masterClrMapping/>
+  </p:clrMapOvr>
+</p:notes>
+</file>
+
+<file path=ppt/notesSlides/notesSlide19.xml><?xml version="1.0" encoding="utf-8"?>
+<p:notes xmlns:a="http://schemas.openxmlformats.org/drawingml/2006/main" xmlns:r="http://schemas.openxmlformats.org/officeDocument/2006/relationships" xmlns:p="http://schemas.openxmlformats.org/presentationml/2006/main">
+  <p:cSld>
+    <p:spTree>
+      <p:nvGrpSpPr>
+        <p:cNvPr id="1" name=""/>
+        <p:cNvGrpSpPr/>
+        <p:nvPr/>
+      </p:nvGrpSpPr>
+      <p:grpSpPr>
+        <a:xfrm>
+          <a:off x="0" y="0"/>
+          <a:ext cx="0" cy="0"/>
+          <a:chOff x="0" y="0"/>
+          <a:chExt cx="0" cy="0"/>
+        </a:xfrm>
+      </p:grpSpPr>
+      <p:sp>
+        <p:nvSpPr>
+          <p:cNvPr id="2" name="投影片影像版面配置區 1"/>
+          <p:cNvSpPr>
+            <a:spLocks noGrp="1" noRot="1" noChangeAspect="1"/>
+          </p:cNvSpPr>
+          <p:nvPr>
+            <p:ph type="sldImg"/>
+          </p:nvPr>
+        </p:nvSpPr>
+        <p:spPr/>
+      </p:sp>
+      <p:sp>
+        <p:nvSpPr>
+          <p:cNvPr id="3" name="備忘稿版面配置區 2"/>
+          <p:cNvSpPr>
+            <a:spLocks noGrp="1"/>
+          </p:cNvSpPr>
+          <p:nvPr>
+            <p:ph type="body" idx="1"/>
+          </p:nvPr>
+        </p:nvSpPr>
+        <p:spPr/>
+        <p:txBody>
+          <a:bodyPr/>
+          <a:lstStyle/>
+          <a:p>
+            <a:pPr marL="171450" indent="-171450">
+              <a:buFont typeface="Arial" panose="020B0604020202020204" pitchFamily="34" charset="0"/>
+              <a:buChar char="•"/>
+            </a:pPr>
+            <a:endParaRPr lang="zh-TW" altLang="en-US" dirty="0"/>
+          </a:p>
+        </p:txBody>
+      </p:sp>
+      <p:sp>
+        <p:nvSpPr>
+          <p:cNvPr id="4" name="投影片編號版面配置區 3"/>
+          <p:cNvSpPr>
+            <a:spLocks noGrp="1"/>
+          </p:cNvSpPr>
+          <p:nvPr>
+            <p:ph type="sldNum" sz="quarter" idx="5"/>
+          </p:nvPr>
+        </p:nvSpPr>
+        <p:spPr/>
+        <p:txBody>
+          <a:bodyPr/>
+          <a:lstStyle/>
+          <a:p>
+            <a:fld id="{9D457EAB-1485-47AD-BEAD-484FAEBF5A54}" type="slidenum">
+              <a:rPr lang="en-US" smtClean="0"/>
+              <a:t>19</a:t>
+            </a:fld>
+            <a:endParaRPr lang="en-US"/>
+          </a:p>
+        </p:txBody>
+      </p:sp>
+    </p:spTree>
+    <p:extLst>
+      <p:ext uri="{BB962C8B-B14F-4D97-AF65-F5344CB8AC3E}">
+        <p14:creationId xmlns:p14="http://schemas.microsoft.com/office/powerpoint/2010/main" val="2749690616"/>
       </p:ext>
     </p:extLst>
   </p:cSld>
@@ -2289,6 +3244,282 @@
     <p:extLst>
       <p:ext uri="{BB962C8B-B14F-4D97-AF65-F5344CB8AC3E}">
         <p14:creationId xmlns:p14="http://schemas.microsoft.com/office/powerpoint/2010/main" val="217789593"/>
+      </p:ext>
+    </p:extLst>
+  </p:cSld>
+  <p:clrMapOvr>
+    <a:masterClrMapping/>
+  </p:clrMapOvr>
+</p:notes>
+</file>
+
+<file path=ppt/notesSlides/notesSlide20.xml><?xml version="1.0" encoding="utf-8"?>
+<p:notes xmlns:a="http://schemas.openxmlformats.org/drawingml/2006/main" xmlns:r="http://schemas.openxmlformats.org/officeDocument/2006/relationships" xmlns:p="http://schemas.openxmlformats.org/presentationml/2006/main">
+  <p:cSld>
+    <p:spTree>
+      <p:nvGrpSpPr>
+        <p:cNvPr id="1" name=""/>
+        <p:cNvGrpSpPr/>
+        <p:nvPr/>
+      </p:nvGrpSpPr>
+      <p:grpSpPr>
+        <a:xfrm>
+          <a:off x="0" y="0"/>
+          <a:ext cx="0" cy="0"/>
+          <a:chOff x="0" y="0"/>
+          <a:chExt cx="0" cy="0"/>
+        </a:xfrm>
+      </p:grpSpPr>
+      <p:sp>
+        <p:nvSpPr>
+          <p:cNvPr id="2" name="投影片影像版面配置區 1"/>
+          <p:cNvSpPr>
+            <a:spLocks noGrp="1" noRot="1" noChangeAspect="1"/>
+          </p:cNvSpPr>
+          <p:nvPr>
+            <p:ph type="sldImg"/>
+          </p:nvPr>
+        </p:nvSpPr>
+        <p:spPr/>
+      </p:sp>
+      <p:sp>
+        <p:nvSpPr>
+          <p:cNvPr id="3" name="備忘稿版面配置區 2"/>
+          <p:cNvSpPr>
+            <a:spLocks noGrp="1"/>
+          </p:cNvSpPr>
+          <p:nvPr>
+            <p:ph type="body" idx="1"/>
+          </p:nvPr>
+        </p:nvSpPr>
+        <p:spPr/>
+        <p:txBody>
+          <a:bodyPr/>
+          <a:lstStyle/>
+          <a:p>
+            <a:pPr marL="171450" indent="-171450">
+              <a:buFont typeface="Arial" panose="020B0604020202020204" pitchFamily="34" charset="0"/>
+              <a:buChar char="•"/>
+            </a:pPr>
+            <a:endParaRPr lang="zh-TW" altLang="en-US" dirty="0"/>
+          </a:p>
+        </p:txBody>
+      </p:sp>
+      <p:sp>
+        <p:nvSpPr>
+          <p:cNvPr id="4" name="投影片編號版面配置區 3"/>
+          <p:cNvSpPr>
+            <a:spLocks noGrp="1"/>
+          </p:cNvSpPr>
+          <p:nvPr>
+            <p:ph type="sldNum" sz="quarter" idx="5"/>
+          </p:nvPr>
+        </p:nvSpPr>
+        <p:spPr/>
+        <p:txBody>
+          <a:bodyPr/>
+          <a:lstStyle/>
+          <a:p>
+            <a:fld id="{9D457EAB-1485-47AD-BEAD-484FAEBF5A54}" type="slidenum">
+              <a:rPr lang="en-US" smtClean="0"/>
+              <a:t>20</a:t>
+            </a:fld>
+            <a:endParaRPr lang="en-US"/>
+          </a:p>
+        </p:txBody>
+      </p:sp>
+    </p:spTree>
+    <p:extLst>
+      <p:ext uri="{BB962C8B-B14F-4D97-AF65-F5344CB8AC3E}">
+        <p14:creationId xmlns:p14="http://schemas.microsoft.com/office/powerpoint/2010/main" val="2191150234"/>
+      </p:ext>
+    </p:extLst>
+  </p:cSld>
+  <p:clrMapOvr>
+    <a:masterClrMapping/>
+  </p:clrMapOvr>
+</p:notes>
+</file>
+
+<file path=ppt/notesSlides/notesSlide21.xml><?xml version="1.0" encoding="utf-8"?>
+<p:notes xmlns:a="http://schemas.openxmlformats.org/drawingml/2006/main" xmlns:r="http://schemas.openxmlformats.org/officeDocument/2006/relationships" xmlns:p="http://schemas.openxmlformats.org/presentationml/2006/main">
+  <p:cSld>
+    <p:spTree>
+      <p:nvGrpSpPr>
+        <p:cNvPr id="1" name=""/>
+        <p:cNvGrpSpPr/>
+        <p:nvPr/>
+      </p:nvGrpSpPr>
+      <p:grpSpPr>
+        <a:xfrm>
+          <a:off x="0" y="0"/>
+          <a:ext cx="0" cy="0"/>
+          <a:chOff x="0" y="0"/>
+          <a:chExt cx="0" cy="0"/>
+        </a:xfrm>
+      </p:grpSpPr>
+      <p:sp>
+        <p:nvSpPr>
+          <p:cNvPr id="2" name="投影片影像版面配置區 1"/>
+          <p:cNvSpPr>
+            <a:spLocks noGrp="1" noRot="1" noChangeAspect="1"/>
+          </p:cNvSpPr>
+          <p:nvPr>
+            <p:ph type="sldImg"/>
+          </p:nvPr>
+        </p:nvSpPr>
+        <p:spPr/>
+      </p:sp>
+      <p:sp>
+        <p:nvSpPr>
+          <p:cNvPr id="3" name="備忘稿版面配置區 2"/>
+          <p:cNvSpPr>
+            <a:spLocks noGrp="1"/>
+          </p:cNvSpPr>
+          <p:nvPr>
+            <p:ph type="body" idx="1"/>
+          </p:nvPr>
+        </p:nvSpPr>
+        <p:spPr/>
+        <p:txBody>
+          <a:bodyPr/>
+          <a:lstStyle/>
+          <a:p>
+            <a:pPr marL="171450" marR="0" lvl="0" indent="-171450" algn="l" defTabSz="914400" rtl="0" eaLnBrk="1" fontAlgn="auto" latinLnBrk="0" hangingPunct="1">
+              <a:lnSpc>
+                <a:spcPct val="100000"/>
+              </a:lnSpc>
+              <a:spcBef>
+                <a:spcPts val="0"/>
+              </a:spcBef>
+              <a:spcAft>
+                <a:spcPts val="0"/>
+              </a:spcAft>
+              <a:buClrTx/>
+              <a:buSzTx/>
+              <a:buFont typeface="Arial" panose="020B0604020202020204" pitchFamily="34" charset="0"/>
+              <a:buChar char="•"/>
+              <a:tabLst/>
+              <a:defRPr/>
+            </a:pPr>
+            <a:r>
+              <a:rPr lang="en-US" altLang="zh-TW" b="0" i="0" dirty="0">
+                <a:solidFill>
+                  <a:srgbClr val="374151"/>
+                </a:solidFill>
+                <a:effectLst/>
+                <a:latin typeface="Söhne"/>
+              </a:rPr>
+              <a:t>KOSIM</a:t>
+            </a:r>
+            <a:r>
+              <a:rPr lang="zh-TW" altLang="en-US" b="0" i="0" dirty="0">
+                <a:solidFill>
+                  <a:srgbClr val="374151"/>
+                </a:solidFill>
+                <a:effectLst/>
+                <a:latin typeface="Söhne"/>
+              </a:rPr>
+              <a:t>在</a:t>
+            </a:r>
+            <a:r>
+              <a:rPr lang="en-US" altLang="zh-TW" b="0" i="0" dirty="0">
+                <a:solidFill>
+                  <a:srgbClr val="374151"/>
+                </a:solidFill>
+                <a:effectLst/>
+                <a:latin typeface="Söhne"/>
+              </a:rPr>
+              <a:t>500</a:t>
+            </a:r>
+            <a:r>
+              <a:rPr lang="zh-TW" altLang="en-US" b="0" i="0" dirty="0">
+                <a:solidFill>
+                  <a:srgbClr val="374151"/>
+                </a:solidFill>
+                <a:effectLst/>
+                <a:latin typeface="Söhne"/>
+              </a:rPr>
+              <a:t>次函數評估內給出了對</a:t>
+            </a:r>
+            <a:r>
+              <a:rPr lang="en-US" altLang="zh-TW" b="0" i="0" dirty="0">
+                <a:solidFill>
+                  <a:srgbClr val="374151"/>
+                </a:solidFill>
+                <a:effectLst/>
+                <a:latin typeface="Söhne"/>
+              </a:rPr>
+              <a:t>MASK</a:t>
+            </a:r>
+            <a:r>
+              <a:rPr lang="zh-TW" altLang="en-US" b="0" i="0" dirty="0">
+                <a:solidFill>
+                  <a:srgbClr val="374151"/>
+                </a:solidFill>
+                <a:effectLst/>
+                <a:latin typeface="Söhne"/>
+              </a:rPr>
+              <a:t>的高精度校正。這是一個相當可觀的結果，因為問題的維度遠大於</a:t>
+            </a:r>
+            <a:r>
+              <a:rPr lang="en-US" altLang="zh-TW" b="0" i="0" dirty="0">
+                <a:solidFill>
+                  <a:srgbClr val="374151"/>
+                </a:solidFill>
+                <a:effectLst/>
+                <a:latin typeface="Söhne"/>
+              </a:rPr>
+              <a:t>500</a:t>
+            </a:r>
+            <a:r>
+              <a:rPr lang="zh-TW" altLang="en-US" b="0" i="0" dirty="0">
+                <a:solidFill>
+                  <a:srgbClr val="374151"/>
+                </a:solidFill>
+                <a:effectLst/>
+                <a:latin typeface="Söhne"/>
+              </a:rPr>
+              <a:t>。</a:t>
+            </a:r>
+            <a:endParaRPr lang="zh-TW" altLang="en-US" dirty="0"/>
+          </a:p>
+          <a:p>
+            <a:pPr marL="171450" indent="-171450">
+              <a:buFont typeface="Arial" panose="020B0604020202020204" pitchFamily="34" charset="0"/>
+              <a:buChar char="•"/>
+            </a:pPr>
+            <a:endParaRPr lang="zh-TW" altLang="en-US" dirty="0"/>
+          </a:p>
+        </p:txBody>
+      </p:sp>
+      <p:sp>
+        <p:nvSpPr>
+          <p:cNvPr id="4" name="投影片編號版面配置區 3"/>
+          <p:cNvSpPr>
+            <a:spLocks noGrp="1"/>
+          </p:cNvSpPr>
+          <p:nvPr>
+            <p:ph type="sldNum" sz="quarter" idx="5"/>
+          </p:nvPr>
+        </p:nvSpPr>
+        <p:spPr/>
+        <p:txBody>
+          <a:bodyPr/>
+          <a:lstStyle/>
+          <a:p>
+            <a:fld id="{9D457EAB-1485-47AD-BEAD-484FAEBF5A54}" type="slidenum">
+              <a:rPr lang="en-US" smtClean="0"/>
+              <a:t>21</a:t>
+            </a:fld>
+            <a:endParaRPr lang="en-US"/>
+          </a:p>
+        </p:txBody>
+      </p:sp>
+    </p:spTree>
+    <p:extLst>
+      <p:ext uri="{BB962C8B-B14F-4D97-AF65-F5344CB8AC3E}">
+        <p14:creationId xmlns:p14="http://schemas.microsoft.com/office/powerpoint/2010/main" val="1630488597"/>
       </p:ext>
     </p:extLst>
   </p:cSld>
@@ -6377,7 +7608,7 @@
                   </a:lnSpc>
                 </a:pPr>
                 <a:r>
-                  <a:rPr lang="en-US" altLang="zh-TW" sz="2000" dirty="0">
+                  <a:rPr lang="en-US" altLang="zh-TW" sz="2200" dirty="0">
                     <a:latin typeface="Times" panose="02020603050405020304" pitchFamily="18" charset="0"/>
                     <a:ea typeface="標楷體" panose="03000509000000000000" pitchFamily="65" charset="-120"/>
                     <a:cs typeface="Times" panose="02020603050405020304" pitchFamily="18" charset="0"/>
@@ -6392,7 +7623,7 @@
                   </a:lnSpc>
                 </a:pPr>
                 <a:r>
-                  <a:rPr lang="en-US" altLang="zh-TW" sz="2000" dirty="0">
+                  <a:rPr lang="en-US" altLang="zh-TW" sz="2200" dirty="0">
                     <a:latin typeface="Times" panose="02020603050405020304" pitchFamily="18" charset="0"/>
                     <a:ea typeface="標楷體" panose="03000509000000000000" pitchFamily="65" charset="-120"/>
                     <a:cs typeface="Times" panose="02020603050405020304" pitchFamily="18" charset="0"/>
@@ -6404,7 +7635,7 @@
                     <m:sSub>
                       <m:sSubPr>
                         <m:ctrlPr>
-                          <a:rPr lang="en-US" altLang="zh-TW" sz="2000" i="1" smtClean="0">
+                          <a:rPr lang="en-US" altLang="zh-TW" sz="2200" i="1" smtClean="0">
                             <a:latin typeface="Cambria Math" panose="02040503050406030204" pitchFamily="18" charset="0"/>
                             <a:ea typeface="標楷體" panose="03000509000000000000" pitchFamily="65" charset="-120"/>
                             <a:cs typeface="Times" panose="02020603050405020304" pitchFamily="18" charset="0"/>
@@ -6413,7 +7644,7 @@
                       </m:sSubPr>
                       <m:e>
                         <m:r>
-                          <a:rPr lang="en-US" altLang="zh-TW" sz="2000" b="0" i="1" smtClean="0">
+                          <a:rPr lang="en-US" altLang="zh-TW" sz="2200" b="0" i="1" smtClean="0">
                             <a:latin typeface="Cambria Math" panose="02040503050406030204" pitchFamily="18" charset="0"/>
                             <a:ea typeface="標楷體" panose="03000509000000000000" pitchFamily="65" charset="-120"/>
                             <a:cs typeface="Times" panose="02020603050405020304" pitchFamily="18" charset="0"/>
@@ -6423,7 +7654,7 @@
                       </m:e>
                       <m:sub>
                         <m:r>
-                          <a:rPr lang="en-US" altLang="zh-TW" sz="2000" b="0" i="1" smtClean="0">
+                          <a:rPr lang="en-US" altLang="zh-TW" sz="2200" b="0" i="1" smtClean="0">
                             <a:latin typeface="Cambria Math" panose="02040503050406030204" pitchFamily="18" charset="0"/>
                             <a:ea typeface="標楷體" panose="03000509000000000000" pitchFamily="65" charset="-120"/>
                             <a:cs typeface="Times" panose="02020603050405020304" pitchFamily="18" charset="0"/>
@@ -6433,7 +7664,7 @@
                       </m:sub>
                     </m:sSub>
                     <m:r>
-                      <a:rPr lang="en-US" altLang="zh-TW" sz="2000" b="0" i="1" smtClean="0">
+                      <a:rPr lang="en-US" altLang="zh-TW" sz="2200" b="0" i="1" smtClean="0">
                         <a:latin typeface="Cambria Math" panose="02040503050406030204" pitchFamily="18" charset="0"/>
                         <a:ea typeface="標楷體" panose="03000509000000000000" pitchFamily="65" charset="-120"/>
                         <a:cs typeface="Times" panose="02020603050405020304" pitchFamily="18" charset="0"/>
@@ -6441,7 +7672,7 @@
                       <m:t> </m:t>
                     </m:r>
                     <m:r>
-                      <a:rPr lang="en-US" altLang="zh-TW" sz="2000" b="0" i="1" smtClean="0">
+                      <a:rPr lang="en-US" altLang="zh-TW" sz="2200" b="0" i="1" smtClean="0">
                         <a:latin typeface="Cambria Math" panose="02040503050406030204" pitchFamily="18" charset="0"/>
                         <a:ea typeface="Cambria Math" panose="02040503050406030204" pitchFamily="18" charset="0"/>
                         <a:cs typeface="Times" panose="02020603050405020304" pitchFamily="18" charset="0"/>
@@ -6449,7 +7680,7 @@
                       <m:t>∈ </m:t>
                     </m:r>
                     <m:r>
-                      <a:rPr lang="en-US" altLang="zh-TW" sz="2000" b="0" i="1" smtClean="0">
+                      <a:rPr lang="en-US" altLang="zh-TW" sz="2200" b="0" i="1" smtClean="0">
                         <a:latin typeface="Cambria Math" panose="02040503050406030204" pitchFamily="18" charset="0"/>
                         <a:ea typeface="Cambria Math" panose="02040503050406030204" pitchFamily="18" charset="0"/>
                         <a:cs typeface="Times" panose="02020603050405020304" pitchFamily="18" charset="0"/>
@@ -6459,7 +7690,7 @@
                   </m:oMath>
                 </a14:m>
                 <a:r>
-                  <a:rPr lang="en-US" altLang="zh-TW" sz="2000" dirty="0">
+                  <a:rPr lang="en-US" altLang="zh-TW" sz="2200" dirty="0">
                     <a:latin typeface="Times" panose="02020603050405020304" pitchFamily="18" charset="0"/>
                     <a:ea typeface="標楷體" panose="03000509000000000000" pitchFamily="65" charset="-120"/>
                     <a:cs typeface="Times" panose="02020603050405020304" pitchFamily="18" charset="0"/>
@@ -6469,7 +7700,7 @@
                 <a14:m>
                   <m:oMath xmlns:m="http://schemas.openxmlformats.org/officeDocument/2006/math">
                     <m:r>
-                      <a:rPr lang="en-US" altLang="zh-TW" sz="2000" i="1">
+                      <a:rPr lang="en-US" altLang="zh-TW" sz="2200" i="1">
                         <a:latin typeface="Cambria Math" panose="02040503050406030204" pitchFamily="18" charset="0"/>
                         <a:ea typeface="標楷體" panose="03000509000000000000" pitchFamily="65" charset="-120"/>
                         <a:cs typeface="Times" panose="02020603050405020304" pitchFamily="18" charset="0"/>
@@ -6477,7 +7708,7 @@
                       <m:t>𝑈</m:t>
                     </m:r>
                     <m:r>
-                      <a:rPr lang="en-US" altLang="zh-TW" sz="2000" i="1">
+                      <a:rPr lang="en-US" altLang="zh-TW" sz="2200" i="1">
                         <a:latin typeface="Cambria Math" panose="02040503050406030204" pitchFamily="18" charset="0"/>
                         <a:ea typeface="標楷體" panose="03000509000000000000" pitchFamily="65" charset="-120"/>
                         <a:cs typeface="Times" panose="02020603050405020304" pitchFamily="18" charset="0"/>
@@ -6487,7 +7718,7 @@
                     <m:sSup>
                       <m:sSupPr>
                         <m:ctrlPr>
-                          <a:rPr lang="en-US" altLang="zh-TW" sz="2000" i="1">
+                          <a:rPr lang="en-US" altLang="zh-TW" sz="2200" i="1">
                             <a:latin typeface="Cambria Math" panose="02040503050406030204" pitchFamily="18" charset="0"/>
                             <a:ea typeface="Cambria Math" panose="02040503050406030204" pitchFamily="18" charset="0"/>
                             <a:cs typeface="Times" panose="02020603050405020304" pitchFamily="18" charset="0"/>
@@ -6496,7 +7727,7 @@
                       </m:sSupPr>
                       <m:e>
                         <m:r>
-                          <a:rPr lang="en-US" altLang="zh-TW" sz="2000" i="1">
+                          <a:rPr lang="en-US" altLang="zh-TW" sz="2200" i="1">
                             <a:latin typeface="Cambria Math" panose="02040503050406030204" pitchFamily="18" charset="0"/>
                             <a:ea typeface="Cambria Math" panose="02040503050406030204" pitchFamily="18" charset="0"/>
                             <a:cs typeface="Times" panose="02020603050405020304" pitchFamily="18" charset="0"/>
@@ -6506,7 +7737,7 @@
                       </m:e>
                       <m:sup>
                         <m:r>
-                          <a:rPr lang="en-US" altLang="zh-TW" sz="2000" i="1">
+                          <a:rPr lang="en-US" altLang="zh-TW" sz="2200" i="1">
                             <a:latin typeface="Cambria Math" panose="02040503050406030204" pitchFamily="18" charset="0"/>
                             <a:ea typeface="Cambria Math" panose="02040503050406030204" pitchFamily="18" charset="0"/>
                             <a:cs typeface="Times" panose="02020603050405020304" pitchFamily="18" charset="0"/>
@@ -6514,7 +7745,7 @@
                           <m:t>𝑁</m:t>
                         </m:r>
                         <m:r>
-                          <a:rPr lang="en-US" altLang="zh-TW" sz="2000" i="1">
+                          <a:rPr lang="en-US" altLang="zh-TW" sz="2200" i="1">
                             <a:latin typeface="Cambria Math" panose="02040503050406030204" pitchFamily="18" charset="0"/>
                             <a:ea typeface="Cambria Math" panose="02040503050406030204" pitchFamily="18" charset="0"/>
                             <a:cs typeface="Times" panose="02020603050405020304" pitchFamily="18" charset="0"/>
@@ -6522,7 +7753,7 @@
                           <m:t>×</m:t>
                         </m:r>
                         <m:r>
-                          <a:rPr lang="en-US" altLang="zh-TW" sz="2000" i="1">
+                          <a:rPr lang="en-US" altLang="zh-TW" sz="2200" i="1">
                             <a:latin typeface="Cambria Math" panose="02040503050406030204" pitchFamily="18" charset="0"/>
                             <a:ea typeface="Cambria Math" panose="02040503050406030204" pitchFamily="18" charset="0"/>
                             <a:cs typeface="Times" panose="02020603050405020304" pitchFamily="18" charset="0"/>
@@ -6534,7 +7765,7 @@
                   </m:oMath>
                 </a14:m>
                 <a:r>
-                  <a:rPr lang="en-US" altLang="zh-TW" sz="2000" dirty="0">
+                  <a:rPr lang="en-US" altLang="zh-TW" sz="2200" dirty="0">
                     <a:latin typeface="Times" panose="02020603050405020304" pitchFamily="18" charset="0"/>
                     <a:ea typeface="標楷體" panose="03000509000000000000" pitchFamily="65" charset="-120"/>
                     <a:cs typeface="Times" panose="02020603050405020304" pitchFamily="18" charset="0"/>
@@ -6547,7 +7778,7 @@
                       <m:accPr>
                         <m:chr m:val="̂"/>
                         <m:ctrlPr>
-                          <a:rPr lang="en-US" altLang="zh-TW" sz="2000" i="1" smtClean="0">
+                          <a:rPr lang="en-US" altLang="zh-TW" sz="2200" i="1" smtClean="0">
                             <a:latin typeface="Cambria Math" panose="02040503050406030204" pitchFamily="18" charset="0"/>
                             <a:ea typeface="標楷體" panose="03000509000000000000" pitchFamily="65" charset="-120"/>
                             <a:cs typeface="Times" panose="02020603050405020304" pitchFamily="18" charset="0"/>
@@ -6556,7 +7787,7 @@
                       </m:accPr>
                       <m:e>
                         <m:r>
-                          <a:rPr lang="en-US" altLang="zh-TW" sz="2000" b="0" i="1" smtClean="0">
+                          <a:rPr lang="en-US" altLang="zh-TW" sz="2200" b="0" i="1" smtClean="0">
                             <a:latin typeface="Cambria Math" panose="02040503050406030204" pitchFamily="18" charset="0"/>
                             <a:ea typeface="標楷體" panose="03000509000000000000" pitchFamily="65" charset="-120"/>
                             <a:cs typeface="Times" panose="02020603050405020304" pitchFamily="18" charset="0"/>
@@ -6568,7 +7799,7 @@
                   </m:oMath>
                 </a14:m>
                 <a:r>
-                  <a:rPr lang="en-US" altLang="zh-TW" sz="2000" dirty="0">
+                  <a:rPr lang="en-US" altLang="zh-TW" sz="2200" dirty="0">
                     <a:latin typeface="Times" panose="02020603050405020304" pitchFamily="18" charset="0"/>
                     <a:ea typeface="標楷體" panose="03000509000000000000" pitchFamily="65" charset="-120"/>
                     <a:cs typeface="Times" panose="02020603050405020304" pitchFamily="18" charset="0"/>
@@ -6607,7 +7838,7 @@
                   </a:lnSpc>
                 </a:pPr>
                 <a:r>
-                  <a:rPr lang="en-US" altLang="zh-TW" sz="2000" dirty="0">
+                  <a:rPr lang="en-US" altLang="zh-TW" sz="2200" dirty="0">
                     <a:latin typeface="Times" panose="02020603050405020304" pitchFamily="18" charset="0"/>
                     <a:ea typeface="標楷體" panose="03000509000000000000" pitchFamily="65" charset="-120"/>
                     <a:cs typeface="Times" panose="02020603050405020304" pitchFamily="18" charset="0"/>
@@ -6617,7 +7848,7 @@
                 <a14:m>
                   <m:oMath xmlns:m="http://schemas.openxmlformats.org/officeDocument/2006/math">
                     <m:r>
-                      <a:rPr lang="en-US" altLang="zh-TW" sz="2000" b="0" i="1" smtClean="0">
+                      <a:rPr lang="en-US" altLang="zh-TW" sz="2200" b="0" i="1" smtClean="0">
                         <a:latin typeface="Cambria Math" panose="02040503050406030204" pitchFamily="18" charset="0"/>
                         <a:ea typeface="標楷體" panose="03000509000000000000" pitchFamily="65" charset="-120"/>
                         <a:cs typeface="Times" panose="02020603050405020304" pitchFamily="18" charset="0"/>
@@ -6627,7 +7858,7 @@
                   </m:oMath>
                 </a14:m>
                 <a:r>
-                  <a:rPr lang="en-US" altLang="zh-TW" sz="2000" dirty="0">
+                  <a:rPr lang="en-US" altLang="zh-TW" sz="2200" dirty="0">
                     <a:latin typeface="Times" panose="02020603050405020304" pitchFamily="18" charset="0"/>
                     <a:ea typeface="標楷體" panose="03000509000000000000" pitchFamily="65" charset="-120"/>
                     <a:cs typeface="Times" panose="02020603050405020304" pitchFamily="18" charset="0"/>
@@ -6675,7 +7906,7 @@
               <a:blipFill>
                 <a:blip r:embed="rId3"/>
                 <a:stretch>
-                  <a:fillRect l="-522"/>
+                  <a:fillRect l="-696" r="-464"/>
                 </a:stretch>
               </a:blipFill>
             </p:spPr>
@@ -6775,7 +8006,7 @@
         </p:blipFill>
         <p:spPr>
           <a:xfrm>
-            <a:off x="4863198" y="5666917"/>
+            <a:off x="4863198" y="5849926"/>
             <a:ext cx="2507214" cy="1012848"/>
           </a:xfrm>
           <a:prstGeom prst="rect">
@@ -6884,7 +8115,7 @@
                   </a:lnSpc>
                 </a:pPr>
                 <a:r>
-                  <a:rPr lang="en-US" altLang="zh-TW" sz="2000" dirty="0">
+                  <a:rPr lang="en-US" altLang="zh-TW" sz="2200" dirty="0">
                     <a:latin typeface="Times" panose="02020603050405020304" pitchFamily="18" charset="0"/>
                     <a:ea typeface="標楷體" panose="03000509000000000000" pitchFamily="65" charset="-120"/>
                     <a:cs typeface="Times" panose="02020603050405020304" pitchFamily="18" charset="0"/>
@@ -6894,7 +8125,7 @@
                 <a14:m>
                   <m:oMath xmlns:m="http://schemas.openxmlformats.org/officeDocument/2006/math">
                     <m:r>
-                      <a:rPr lang="en-US" altLang="zh-TW" sz="2000" b="0" i="1" smtClean="0">
+                      <a:rPr lang="en-US" altLang="zh-TW" sz="2200" b="0" i="1" smtClean="0">
                         <a:latin typeface="Cambria Math" panose="02040503050406030204" pitchFamily="18" charset="0"/>
                         <a:ea typeface="標楷體" panose="03000509000000000000" pitchFamily="65" charset="-120"/>
                         <a:cs typeface="Times" panose="02020603050405020304" pitchFamily="18" charset="0"/>
@@ -6902,7 +8133,7 @@
                       <m:t>𝑀</m:t>
                     </m:r>
                     <m:r>
-                      <a:rPr lang="en-US" altLang="zh-TW" sz="2000" b="0" i="1" smtClean="0">
+                      <a:rPr lang="en-US" altLang="zh-TW" sz="2200" b="0" i="1" smtClean="0">
                         <a:latin typeface="Cambria Math" panose="02040503050406030204" pitchFamily="18" charset="0"/>
                         <a:ea typeface="標楷體" panose="03000509000000000000" pitchFamily="65" charset="-120"/>
                         <a:cs typeface="Times" panose="02020603050405020304" pitchFamily="18" charset="0"/>
@@ -6912,7 +8143,7 @@
                     <m:sSup>
                       <m:sSupPr>
                         <m:ctrlPr>
-                          <a:rPr lang="en-US" altLang="zh-TW" sz="2000" b="0" i="1" smtClean="0">
+                          <a:rPr lang="en-US" altLang="zh-TW" sz="2200" b="0" i="1" smtClean="0">
                             <a:latin typeface="Cambria Math" panose="02040503050406030204" pitchFamily="18" charset="0"/>
                             <a:ea typeface="標楷體" panose="03000509000000000000" pitchFamily="65" charset="-120"/>
                             <a:cs typeface="Times" panose="02020603050405020304" pitchFamily="18" charset="0"/>
@@ -6921,7 +8152,7 @@
                       </m:sSupPr>
                       <m:e>
                         <m:r>
-                          <a:rPr lang="en-US" altLang="zh-TW" sz="2000" b="0" i="1" smtClean="0">
+                          <a:rPr lang="en-US" altLang="zh-TW" sz="2200" b="0" i="1" smtClean="0">
                             <a:latin typeface="Cambria Math" panose="02040503050406030204" pitchFamily="18" charset="0"/>
                             <a:ea typeface="Cambria Math" panose="02040503050406030204" pitchFamily="18" charset="0"/>
                             <a:cs typeface="Times" panose="02020603050405020304" pitchFamily="18" charset="0"/>
@@ -6931,7 +8162,7 @@
                       </m:e>
                       <m:sup>
                         <m:r>
-                          <a:rPr lang="en-US" altLang="zh-TW" sz="2000" b="0" i="1" smtClean="0">
+                          <a:rPr lang="en-US" altLang="zh-TW" sz="2200" b="0" i="1" smtClean="0">
                             <a:latin typeface="Cambria Math" panose="02040503050406030204" pitchFamily="18" charset="0"/>
                             <a:ea typeface="標楷體" panose="03000509000000000000" pitchFamily="65" charset="-120"/>
                             <a:cs typeface="Times" panose="02020603050405020304" pitchFamily="18" charset="0"/>
@@ -6939,7 +8170,7 @@
                           <m:t>𝑁</m:t>
                         </m:r>
                         <m:r>
-                          <a:rPr lang="en-US" altLang="zh-TW" sz="2000" b="0" i="1" smtClean="0">
+                          <a:rPr lang="en-US" altLang="zh-TW" sz="2200" b="0" i="1" smtClean="0">
                             <a:latin typeface="Cambria Math" panose="02040503050406030204" pitchFamily="18" charset="0"/>
                             <a:ea typeface="Cambria Math" panose="02040503050406030204" pitchFamily="18" charset="0"/>
                             <a:cs typeface="Times" panose="02020603050405020304" pitchFamily="18" charset="0"/>
@@ -6947,7 +8178,7 @@
                           <m:t>×</m:t>
                         </m:r>
                         <m:r>
-                          <a:rPr lang="en-US" altLang="zh-TW" sz="2000" b="0" i="1" smtClean="0">
+                          <a:rPr lang="en-US" altLang="zh-TW" sz="2200" b="0" i="1" smtClean="0">
                             <a:latin typeface="Cambria Math" panose="02040503050406030204" pitchFamily="18" charset="0"/>
                             <a:ea typeface="Cambria Math" panose="02040503050406030204" pitchFamily="18" charset="0"/>
                             <a:cs typeface="Times" panose="02020603050405020304" pitchFamily="18" charset="0"/>
@@ -6957,7 +8188,7 @@
                       </m:sup>
                     </m:sSup>
                     <m:r>
-                      <a:rPr lang="en-US" altLang="zh-TW" sz="2000" b="0" i="1" smtClean="0">
+                      <a:rPr lang="en-US" altLang="zh-TW" sz="2200" b="0" i="1" smtClean="0">
                         <a:latin typeface="Cambria Math" panose="02040503050406030204" pitchFamily="18" charset="0"/>
                         <a:ea typeface="標楷體" panose="03000509000000000000" pitchFamily="65" charset="-120"/>
                         <a:cs typeface="Times" panose="02020603050405020304" pitchFamily="18" charset="0"/>
@@ -6965,7 +8196,7 @@
                       <m:t> </m:t>
                     </m:r>
                     <m:r>
-                      <a:rPr lang="en-US" altLang="zh-TW" sz="2000" b="0" i="1" smtClean="0">
+                      <a:rPr lang="en-US" altLang="zh-TW" sz="2200" b="0" i="1" smtClean="0">
                         <a:latin typeface="Cambria Math" panose="02040503050406030204" pitchFamily="18" charset="0"/>
                         <a:ea typeface="Cambria Math" panose="02040503050406030204" pitchFamily="18" charset="0"/>
                         <a:cs typeface="Times" panose="02020603050405020304" pitchFamily="18" charset="0"/>
@@ -6975,7 +8206,7 @@
                     <m:sSup>
                       <m:sSupPr>
                         <m:ctrlPr>
-                          <a:rPr lang="en-US" altLang="zh-TW" sz="2000" i="1">
+                          <a:rPr lang="en-US" altLang="zh-TW" sz="2200" i="1">
                             <a:latin typeface="Cambria Math" panose="02040503050406030204" pitchFamily="18" charset="0"/>
                             <a:ea typeface="標楷體" panose="03000509000000000000" pitchFamily="65" charset="-120"/>
                             <a:cs typeface="Times" panose="02020603050405020304" pitchFamily="18" charset="0"/>
@@ -6984,7 +8215,7 @@
                       </m:sSupPr>
                       <m:e>
                         <m:r>
-                          <a:rPr lang="en-US" altLang="zh-TW" sz="2000" i="1">
+                          <a:rPr lang="en-US" altLang="zh-TW" sz="2200" i="1">
                             <a:latin typeface="Cambria Math" panose="02040503050406030204" pitchFamily="18" charset="0"/>
                             <a:ea typeface="Cambria Math" panose="02040503050406030204" pitchFamily="18" charset="0"/>
                             <a:cs typeface="Times" panose="02020603050405020304" pitchFamily="18" charset="0"/>
@@ -6994,7 +8225,7 @@
                       </m:e>
                       <m:sup>
                         <m:r>
-                          <a:rPr lang="en-US" altLang="zh-TW" sz="2000" i="1">
+                          <a:rPr lang="en-US" altLang="zh-TW" sz="2200" i="1">
                             <a:latin typeface="Cambria Math" panose="02040503050406030204" pitchFamily="18" charset="0"/>
                             <a:ea typeface="標楷體" panose="03000509000000000000" pitchFamily="65" charset="-120"/>
                             <a:cs typeface="Times" panose="02020603050405020304" pitchFamily="18" charset="0"/>
@@ -7002,7 +8233,7 @@
                           <m:t>𝑁</m:t>
                         </m:r>
                         <m:r>
-                          <a:rPr lang="en-US" altLang="zh-TW" sz="2000" i="1">
+                          <a:rPr lang="en-US" altLang="zh-TW" sz="2200" i="1">
                             <a:latin typeface="Cambria Math" panose="02040503050406030204" pitchFamily="18" charset="0"/>
                             <a:ea typeface="Cambria Math" panose="02040503050406030204" pitchFamily="18" charset="0"/>
                             <a:cs typeface="Times" panose="02020603050405020304" pitchFamily="18" charset="0"/>
@@ -7010,7 +8241,7 @@
                           <m:t>×</m:t>
                         </m:r>
                         <m:r>
-                          <a:rPr lang="en-US" altLang="zh-TW" sz="2000" i="1">
+                          <a:rPr lang="en-US" altLang="zh-TW" sz="2200" i="1">
                             <a:latin typeface="Cambria Math" panose="02040503050406030204" pitchFamily="18" charset="0"/>
                             <a:ea typeface="Cambria Math" panose="02040503050406030204" pitchFamily="18" charset="0"/>
                             <a:cs typeface="Times" panose="02020603050405020304" pitchFamily="18" charset="0"/>
@@ -7022,7 +8253,7 @@
                   </m:oMath>
                 </a14:m>
                 <a:r>
-                  <a:rPr lang="zh-TW" altLang="en-US" sz="2000" dirty="0">
+                  <a:rPr lang="zh-TW" altLang="en-US" sz="2200" dirty="0">
                     <a:latin typeface="Times" panose="02020603050405020304" pitchFamily="18" charset="0"/>
                     <a:ea typeface="標楷體" panose="03000509000000000000" pitchFamily="65" charset="-120"/>
                     <a:cs typeface="Times" panose="02020603050405020304" pitchFamily="18" charset="0"/>
@@ -7030,7 +8261,7 @@
                   <a:t> </a:t>
                 </a:r>
                 <a:r>
-                  <a:rPr lang="en-US" altLang="zh-TW" sz="2000" dirty="0">
+                  <a:rPr lang="en-US" altLang="zh-TW" sz="2200" dirty="0">
                     <a:latin typeface="Times" panose="02020603050405020304" pitchFamily="18" charset="0"/>
                     <a:ea typeface="標楷體" panose="03000509000000000000" pitchFamily="65" charset="-120"/>
                     <a:cs typeface="Times" panose="02020603050405020304" pitchFamily="18" charset="0"/>
@@ -7045,7 +8276,7 @@
                   </a:lnSpc>
                   <a:buNone/>
                 </a:pPr>
-                <a:endParaRPr lang="en-US" altLang="zh-TW" sz="2000" dirty="0">
+                <a:endParaRPr lang="en-US" altLang="zh-TW" sz="2200" dirty="0">
                   <a:latin typeface="Times" panose="02020603050405020304" pitchFamily="18" charset="0"/>
                   <a:ea typeface="標楷體" panose="03000509000000000000" pitchFamily="65" charset="-120"/>
                   <a:cs typeface="Times" panose="02020603050405020304" pitchFamily="18" charset="0"/>
@@ -7071,7 +8302,7 @@
                   </a:lnSpc>
                 </a:pPr>
                 <a:r>
-                  <a:rPr lang="en-US" altLang="zh-TW" sz="2000" dirty="0">
+                  <a:rPr lang="en-US" altLang="zh-TW" sz="2200" dirty="0">
                     <a:latin typeface="Times" panose="02020603050405020304" pitchFamily="18" charset="0"/>
                     <a:ea typeface="標楷體" panose="03000509000000000000" pitchFamily="65" charset="-120"/>
                     <a:cs typeface="Times" panose="02020603050405020304" pitchFamily="18" charset="0"/>
@@ -7110,7 +8341,7 @@
                   </a:lnSpc>
                 </a:pPr>
                 <a:r>
-                  <a:rPr lang="en-US" altLang="zh-TW" sz="2000" dirty="0">
+                  <a:rPr lang="en-US" altLang="zh-TW" sz="2200" dirty="0">
                     <a:latin typeface="Times" panose="02020603050405020304" pitchFamily="18" charset="0"/>
                     <a:ea typeface="標楷體" panose="03000509000000000000" pitchFamily="65" charset="-120"/>
                     <a:cs typeface="Times" panose="02020603050405020304" pitchFamily="18" charset="0"/>
@@ -7118,7 +8349,7 @@
                   <a:t>Where the </a:t>
                 </a:r>
                 <a:r>
-                  <a:rPr lang="en-US" altLang="zh-TW" sz="2000" dirty="0" err="1">
+                  <a:rPr lang="en-US" altLang="zh-TW" sz="2200" dirty="0" err="1">
                     <a:latin typeface="Times" panose="02020603050405020304" pitchFamily="18" charset="0"/>
                     <a:ea typeface="標楷體" panose="03000509000000000000" pitchFamily="65" charset="-120"/>
                     <a:cs typeface="Times" panose="02020603050405020304" pitchFamily="18" charset="0"/>
@@ -7126,7 +8357,7 @@
                   <a:t>matrization</a:t>
                 </a:r>
                 <a:r>
-                  <a:rPr lang="en-US" altLang="zh-TW" sz="2000" dirty="0">
+                  <a:rPr lang="en-US" altLang="zh-TW" sz="2200" dirty="0">
                     <a:latin typeface="Times" panose="02020603050405020304" pitchFamily="18" charset="0"/>
                     <a:ea typeface="標楷體" panose="03000509000000000000" pitchFamily="65" charset="-120"/>
                     <a:cs typeface="Times" panose="02020603050405020304" pitchFamily="18" charset="0"/>
@@ -7174,7 +8405,7 @@
               <a:blipFill>
                 <a:blip r:embed="rId3"/>
                 <a:stretch>
-                  <a:fillRect l="-522"/>
+                  <a:fillRect l="-696"/>
                 </a:stretch>
               </a:blipFill>
             </p:spPr>
@@ -7243,7 +8474,7 @@
         </p:blipFill>
         <p:spPr>
           <a:xfrm>
-            <a:off x="4963391" y="2630342"/>
+            <a:off x="4963390" y="2693175"/>
             <a:ext cx="2265217" cy="569469"/>
           </a:xfrm>
           <a:prstGeom prst="rect">
@@ -7273,7 +8504,7 @@
         </p:blipFill>
         <p:spPr>
           <a:xfrm>
-            <a:off x="4609747" y="4130194"/>
+            <a:off x="4609745" y="4332822"/>
             <a:ext cx="2972506" cy="569470"/>
           </a:xfrm>
           <a:prstGeom prst="rect">
@@ -7480,7 +8711,7 @@
                 <a:latin typeface="Times" panose="02020603050405020304" pitchFamily="18" charset="0"/>
                 <a:cs typeface="Times" panose="02020603050405020304" pitchFamily="18" charset="0"/>
               </a:rPr>
-              <a:t>Algorithm</a:t>
+              <a:t>Algorithm - knowledge-oriented inexact gradient</a:t>
             </a:r>
             <a:endParaRPr lang="zh-TW" altLang="en-US" dirty="0">
               <a:latin typeface="Times" panose="02020603050405020304" pitchFamily="18" charset="0"/>
@@ -7489,47 +8720,751 @@
           </a:p>
         </p:txBody>
       </p:sp>
-      <p:sp>
-        <p:nvSpPr>
-          <p:cNvPr id="3" name="內容版面配置區 2">
-            <a:extLst>
-              <a:ext uri="{FF2B5EF4-FFF2-40B4-BE49-F238E27FC236}">
-                <a16:creationId xmlns:a16="http://schemas.microsoft.com/office/drawing/2014/main" id="{CD74F3A4-97A5-7640-801C-D093727610C1}"/>
-              </a:ext>
-            </a:extLst>
-          </p:cNvPr>
-          <p:cNvSpPr>
-            <a:spLocks noGrp="1"/>
-          </p:cNvSpPr>
-          <p:nvPr>
-            <p:ph idx="1"/>
-          </p:nvPr>
-        </p:nvSpPr>
-        <p:spPr>
-          <a:xfrm>
-            <a:off x="838200" y="1825625"/>
-            <a:ext cx="10515600" cy="4895850"/>
-          </a:xfrm>
-        </p:spPr>
-        <p:txBody>
-          <a:bodyPr>
-            <a:normAutofit/>
-          </a:bodyPr>
-          <a:lstStyle/>
-          <a:p>
-            <a:pPr>
-              <a:lnSpc>
-                <a:spcPct val="150000"/>
-              </a:lnSpc>
-            </a:pPr>
-            <a:endParaRPr lang="zh-TW" altLang="en-US" sz="2000" dirty="0">
-              <a:latin typeface="Times" panose="02020603050405020304" pitchFamily="18" charset="0"/>
-              <a:ea typeface="標楷體" panose="03000509000000000000" pitchFamily="65" charset="-120"/>
-              <a:cs typeface="Times" panose="02020603050405020304" pitchFamily="18" charset="0"/>
-            </a:endParaRPr>
-          </a:p>
-        </p:txBody>
-      </p:sp>
+      <mc:AlternateContent xmlns:mc="http://schemas.openxmlformats.org/markup-compatibility/2006">
+        <mc:Choice xmlns:a14="http://schemas.microsoft.com/office/drawing/2010/main" Requires="a14">
+          <p:sp>
+            <p:nvSpPr>
+              <p:cNvPr id="3" name="內容版面配置區 2">
+                <a:extLst>
+                  <a:ext uri="{FF2B5EF4-FFF2-40B4-BE49-F238E27FC236}">
+                    <a16:creationId xmlns:a16="http://schemas.microsoft.com/office/drawing/2014/main" id="{CD74F3A4-97A5-7640-801C-D093727610C1}"/>
+                  </a:ext>
+                </a:extLst>
+              </p:cNvPr>
+              <p:cNvSpPr>
+                <a:spLocks noGrp="1"/>
+              </p:cNvSpPr>
+              <p:nvPr>
+                <p:ph idx="1"/>
+              </p:nvPr>
+            </p:nvSpPr>
+            <p:spPr>
+              <a:xfrm>
+                <a:off x="838200" y="1825625"/>
+                <a:ext cx="10515600" cy="4895850"/>
+              </a:xfrm>
+            </p:spPr>
+            <p:txBody>
+              <a:bodyPr>
+                <a:normAutofit/>
+              </a:bodyPr>
+              <a:lstStyle/>
+              <a:p>
+                <a:pPr>
+                  <a:lnSpc>
+                    <a:spcPct val="150000"/>
+                  </a:lnSpc>
+                </a:pPr>
+                <a:r>
+                  <a:rPr lang="en-US" altLang="zh-TW" sz="2200" dirty="0">
+                    <a:latin typeface="Times" panose="02020603050405020304" pitchFamily="18" charset="0"/>
+                    <a:ea typeface="標楷體" panose="03000509000000000000" pitchFamily="65" charset="-120"/>
+                    <a:cs typeface="Times" panose="02020603050405020304" pitchFamily="18" charset="0"/>
+                  </a:rPr>
+                  <a:t>To compute the inexact gradient </a:t>
+                </a:r>
+                <a14:m>
+                  <m:oMath xmlns:m="http://schemas.openxmlformats.org/officeDocument/2006/math">
+                    <m:sSup>
+                      <m:sSupPr>
+                        <m:ctrlPr>
+                          <a:rPr lang="en-US" altLang="zh-TW" sz="2200" i="1" smtClean="0">
+                            <a:latin typeface="Cambria Math" panose="02040503050406030204" pitchFamily="18" charset="0"/>
+                            <a:ea typeface="標楷體" panose="03000509000000000000" pitchFamily="65" charset="-120"/>
+                            <a:cs typeface="Times" panose="02020603050405020304" pitchFamily="18" charset="0"/>
+                          </a:rPr>
+                        </m:ctrlPr>
+                      </m:sSupPr>
+                      <m:e>
+                        <m:r>
+                          <a:rPr lang="en-US" altLang="zh-TW" sz="2200" b="0" i="1" smtClean="0">
+                            <a:latin typeface="Cambria Math" panose="02040503050406030204" pitchFamily="18" charset="0"/>
+                            <a:ea typeface="標楷體" panose="03000509000000000000" pitchFamily="65" charset="-120"/>
+                            <a:cs typeface="Times" panose="02020603050405020304" pitchFamily="18" charset="0"/>
+                          </a:rPr>
+                          <m:t>𝑔</m:t>
+                        </m:r>
+                      </m:e>
+                      <m:sup>
+                        <m:r>
+                          <a:rPr lang="en-US" altLang="zh-TW" sz="2200" b="0" i="1" smtClean="0">
+                            <a:latin typeface="Cambria Math" panose="02040503050406030204" pitchFamily="18" charset="0"/>
+                            <a:ea typeface="標楷體" panose="03000509000000000000" pitchFamily="65" charset="-120"/>
+                            <a:cs typeface="Times" panose="02020603050405020304" pitchFamily="18" charset="0"/>
+                          </a:rPr>
+                          <m:t>(</m:t>
+                        </m:r>
+                        <m:r>
+                          <a:rPr lang="en-US" altLang="zh-TW" sz="2200" b="0" i="1" smtClean="0">
+                            <a:latin typeface="Cambria Math" panose="02040503050406030204" pitchFamily="18" charset="0"/>
+                            <a:ea typeface="標楷體" panose="03000509000000000000" pitchFamily="65" charset="-120"/>
+                            <a:cs typeface="Times" panose="02020603050405020304" pitchFamily="18" charset="0"/>
+                          </a:rPr>
+                          <m:t>𝑘</m:t>
+                        </m:r>
+                        <m:r>
+                          <a:rPr lang="en-US" altLang="zh-TW" sz="2200" b="0" i="1" smtClean="0">
+                            <a:latin typeface="Cambria Math" panose="02040503050406030204" pitchFamily="18" charset="0"/>
+                            <a:ea typeface="標楷體" panose="03000509000000000000" pitchFamily="65" charset="-120"/>
+                            <a:cs typeface="Times" panose="02020603050405020304" pitchFamily="18" charset="0"/>
+                          </a:rPr>
+                          <m:t>)</m:t>
+                        </m:r>
+                      </m:sup>
+                    </m:sSup>
+                  </m:oMath>
+                </a14:m>
+                <a:r>
+                  <a:rPr lang="en-US" altLang="zh-TW" sz="2200" dirty="0">
+                    <a:latin typeface="Times" panose="02020603050405020304" pitchFamily="18" charset="0"/>
+                    <a:ea typeface="標楷體" panose="03000509000000000000" pitchFamily="65" charset="-120"/>
+                    <a:cs typeface="Times" panose="02020603050405020304" pitchFamily="18" charset="0"/>
+                  </a:rPr>
+                  <a:t>:</a:t>
+                </a:r>
+              </a:p>
+              <a:p>
+                <a:pPr marL="800100" lvl="1" indent="-342900">
+                  <a:lnSpc>
+                    <a:spcPct val="150000"/>
+                  </a:lnSpc>
+                  <a:buFont typeface="+mj-lt"/>
+                  <a:buAutoNum type="arabicPeriod"/>
+                </a:pPr>
+                <a:r>
+                  <a:rPr lang="en-US" altLang="zh-TW" sz="2000" dirty="0">
+                    <a:latin typeface="Times" panose="02020603050405020304" pitchFamily="18" charset="0"/>
+                    <a:ea typeface="標楷體" panose="03000509000000000000" pitchFamily="65" charset="-120"/>
+                    <a:cs typeface="Times" panose="02020603050405020304" pitchFamily="18" charset="0"/>
+                  </a:rPr>
+                  <a:t>To determine the </a:t>
+                </a:r>
+                <a14:m>
+                  <m:oMath xmlns:m="http://schemas.openxmlformats.org/officeDocument/2006/math">
+                    <m:r>
+                      <a:rPr lang="en-US" altLang="zh-TW" sz="2000" b="0" i="1" smtClean="0">
+                        <a:latin typeface="Cambria Math" panose="02040503050406030204" pitchFamily="18" charset="0"/>
+                        <a:ea typeface="標楷體" panose="03000509000000000000" pitchFamily="65" charset="-120"/>
+                        <a:cs typeface="Times" panose="02020603050405020304" pitchFamily="18" charset="0"/>
+                      </a:rPr>
+                      <m:t>𝑚</m:t>
+                    </m:r>
+                  </m:oMath>
+                </a14:m>
+                <a:r>
+                  <a:rPr lang="zh-TW" altLang="en-US" sz="2000" dirty="0">
+                    <a:latin typeface="Times" panose="02020603050405020304" pitchFamily="18" charset="0"/>
+                    <a:ea typeface="標楷體" panose="03000509000000000000" pitchFamily="65" charset="-120"/>
+                    <a:cs typeface="Times" panose="02020603050405020304" pitchFamily="18" charset="0"/>
+                  </a:rPr>
+                  <a:t> </a:t>
+                </a:r>
+                <a:r>
+                  <a:rPr lang="en-US" altLang="zh-TW" sz="2000" dirty="0">
+                    <a:latin typeface="Times" panose="02020603050405020304" pitchFamily="18" charset="0"/>
+                    <a:ea typeface="標楷體" panose="03000509000000000000" pitchFamily="65" charset="-120"/>
+                    <a:cs typeface="Times" panose="02020603050405020304" pitchFamily="18" charset="0"/>
+                  </a:rPr>
+                  <a:t>dimensional subspace </a:t>
+                </a:r>
+                <a14:m>
+                  <m:oMath xmlns:m="http://schemas.openxmlformats.org/officeDocument/2006/math">
+                    <m:sSubSup>
+                      <m:sSubSupPr>
+                        <m:ctrlPr>
+                          <a:rPr lang="en-US" altLang="zh-TW" sz="2000" i="1" smtClean="0">
+                            <a:latin typeface="Cambria Math" panose="02040503050406030204" pitchFamily="18" charset="0"/>
+                            <a:ea typeface="標楷體" panose="03000509000000000000" pitchFamily="65" charset="-120"/>
+                            <a:cs typeface="Times" panose="02020603050405020304" pitchFamily="18" charset="0"/>
+                          </a:rPr>
+                        </m:ctrlPr>
+                      </m:sSubSupPr>
+                      <m:e>
+                        <m:r>
+                          <a:rPr lang="en-US" altLang="zh-TW" sz="2000" b="0" i="1" smtClean="0">
+                            <a:latin typeface="Cambria Math" panose="02040503050406030204" pitchFamily="18" charset="0"/>
+                            <a:ea typeface="標楷體" panose="03000509000000000000" pitchFamily="65" charset="-120"/>
+                            <a:cs typeface="Times" panose="02020603050405020304" pitchFamily="18" charset="0"/>
+                          </a:rPr>
+                          <m:t>𝑆</m:t>
+                        </m:r>
+                      </m:e>
+                      <m:sub>
+                        <m:r>
+                          <a:rPr lang="en-US" altLang="zh-TW" sz="2000" b="0" i="1" smtClean="0">
+                            <a:latin typeface="Cambria Math" panose="02040503050406030204" pitchFamily="18" charset="0"/>
+                            <a:ea typeface="標楷體" panose="03000509000000000000" pitchFamily="65" charset="-120"/>
+                            <a:cs typeface="Times" panose="02020603050405020304" pitchFamily="18" charset="0"/>
+                          </a:rPr>
+                          <m:t>𝑔</m:t>
+                        </m:r>
+                      </m:sub>
+                      <m:sup>
+                        <m:d>
+                          <m:dPr>
+                            <m:ctrlPr>
+                              <a:rPr lang="en-US" altLang="zh-TW" sz="2000" b="0" i="1" smtClean="0">
+                                <a:latin typeface="Cambria Math" panose="02040503050406030204" pitchFamily="18" charset="0"/>
+                                <a:ea typeface="標楷體" panose="03000509000000000000" pitchFamily="65" charset="-120"/>
+                                <a:cs typeface="Times" panose="02020603050405020304" pitchFamily="18" charset="0"/>
+                              </a:rPr>
+                            </m:ctrlPr>
+                          </m:dPr>
+                          <m:e>
+                            <m:r>
+                              <a:rPr lang="en-US" altLang="zh-TW" sz="2000" b="0" i="1" smtClean="0">
+                                <a:latin typeface="Cambria Math" panose="02040503050406030204" pitchFamily="18" charset="0"/>
+                                <a:ea typeface="標楷體" panose="03000509000000000000" pitchFamily="65" charset="-120"/>
+                                <a:cs typeface="Times" panose="02020603050405020304" pitchFamily="18" charset="0"/>
+                              </a:rPr>
+                              <m:t>𝑘</m:t>
+                            </m:r>
+                          </m:e>
+                        </m:d>
+                      </m:sup>
+                    </m:sSubSup>
+                  </m:oMath>
+                </a14:m>
+                <a:r>
+                  <a:rPr lang="en-US" altLang="zh-TW" sz="2000" dirty="0">
+                    <a:latin typeface="Times" panose="02020603050405020304" pitchFamily="18" charset="0"/>
+                    <a:ea typeface="標楷體" panose="03000509000000000000" pitchFamily="65" charset="-120"/>
+                    <a:cs typeface="Times" panose="02020603050405020304" pitchFamily="18" charset="0"/>
+                  </a:rPr>
+                  <a:t>  (m &lt;&lt; n, where m = </a:t>
+                </a:r>
+                <a14:m>
+                  <m:oMath xmlns:m="http://schemas.openxmlformats.org/officeDocument/2006/math">
+                    <m:r>
+                      <a:rPr lang="en-US" altLang="zh-TW" sz="2000" i="1">
+                        <a:latin typeface="Cambria Math" panose="02040503050406030204" pitchFamily="18" charset="0"/>
+                        <a:ea typeface="標楷體" panose="03000509000000000000" pitchFamily="65" charset="-120"/>
+                        <a:cs typeface="Times" panose="02020603050405020304" pitchFamily="18" charset="0"/>
+                      </a:rPr>
+                      <m:t>𝑂</m:t>
+                    </m:r>
+                    <m:r>
+                      <a:rPr lang="en-US" altLang="zh-TW" sz="2000" i="1">
+                        <a:latin typeface="Cambria Math" panose="02040503050406030204" pitchFamily="18" charset="0"/>
+                        <a:ea typeface="標楷體" panose="03000509000000000000" pitchFamily="65" charset="-120"/>
+                        <a:cs typeface="Times" panose="02020603050405020304" pitchFamily="18" charset="0"/>
+                      </a:rPr>
+                      <m:t>(1)</m:t>
+                    </m:r>
+                  </m:oMath>
+                </a14:m>
+                <a:r>
+                  <a:rPr lang="en-US" altLang="zh-TW" sz="2000" dirty="0">
+                    <a:latin typeface="Times" panose="02020603050405020304" pitchFamily="18" charset="0"/>
+                    <a:ea typeface="標楷體" panose="03000509000000000000" pitchFamily="65" charset="-120"/>
+                    <a:cs typeface="Times" panose="02020603050405020304" pitchFamily="18" charset="0"/>
+                  </a:rPr>
+                  <a:t>).</a:t>
+                </a:r>
+              </a:p>
+              <a:p>
+                <a:pPr marL="800100" lvl="1" indent="-342900">
+                  <a:lnSpc>
+                    <a:spcPct val="150000"/>
+                  </a:lnSpc>
+                  <a:buFont typeface="+mj-lt"/>
+                  <a:buAutoNum type="arabicPeriod"/>
+                </a:pPr>
+                <a:r>
+                  <a:rPr lang="en-US" altLang="zh-TW" sz="2000" dirty="0">
+                    <a:latin typeface="Times" panose="02020603050405020304" pitchFamily="18" charset="0"/>
+                    <a:ea typeface="標楷體" panose="03000509000000000000" pitchFamily="65" charset="-120"/>
+                    <a:cs typeface="Times" panose="02020603050405020304" pitchFamily="18" charset="0"/>
+                  </a:rPr>
+                  <a:t>Approximately calculate the projection </a:t>
+                </a:r>
+                <a14:m>
+                  <m:oMath xmlns:m="http://schemas.openxmlformats.org/officeDocument/2006/math">
+                    <m:sSub>
+                      <m:sSubPr>
+                        <m:ctrlPr>
+                          <a:rPr lang="en-US" altLang="zh-TW" sz="2000" i="1" smtClean="0">
+                            <a:latin typeface="Cambria Math" panose="02040503050406030204" pitchFamily="18" charset="0"/>
+                            <a:ea typeface="標楷體" panose="03000509000000000000" pitchFamily="65" charset="-120"/>
+                            <a:cs typeface="Times" panose="02020603050405020304" pitchFamily="18" charset="0"/>
+                          </a:rPr>
+                        </m:ctrlPr>
+                      </m:sSubPr>
+                      <m:e>
+                        <m:r>
+                          <a:rPr lang="zh-TW" altLang="en-US" sz="2000" i="1" smtClean="0">
+                            <a:latin typeface="Cambria Math" panose="02040503050406030204" pitchFamily="18" charset="0"/>
+                            <a:ea typeface="標楷體" panose="03000509000000000000" pitchFamily="65" charset="-120"/>
+                            <a:cs typeface="Times" panose="02020603050405020304" pitchFamily="18" charset="0"/>
+                          </a:rPr>
+                          <m:t>𝒫</m:t>
+                        </m:r>
+                      </m:e>
+                      <m:sub>
+                        <m:sSubSup>
+                          <m:sSubSupPr>
+                            <m:ctrlPr>
+                              <a:rPr lang="en-US" altLang="zh-TW" sz="2000" i="1" smtClean="0">
+                                <a:latin typeface="Cambria Math" panose="02040503050406030204" pitchFamily="18" charset="0"/>
+                                <a:ea typeface="標楷體" panose="03000509000000000000" pitchFamily="65" charset="-120"/>
+                                <a:cs typeface="Times" panose="02020603050405020304" pitchFamily="18" charset="0"/>
+                              </a:rPr>
+                            </m:ctrlPr>
+                          </m:sSubSupPr>
+                          <m:e>
+                            <m:r>
+                              <a:rPr lang="en-US" altLang="zh-TW" sz="2000" b="0" i="1" smtClean="0">
+                                <a:latin typeface="Cambria Math" panose="02040503050406030204" pitchFamily="18" charset="0"/>
+                                <a:ea typeface="標楷體" panose="03000509000000000000" pitchFamily="65" charset="-120"/>
+                                <a:cs typeface="Times" panose="02020603050405020304" pitchFamily="18" charset="0"/>
+                              </a:rPr>
+                              <m:t>𝑆</m:t>
+                            </m:r>
+                          </m:e>
+                          <m:sub>
+                            <m:r>
+                              <a:rPr lang="en-US" altLang="zh-TW" sz="2000" b="0" i="1" smtClean="0">
+                                <a:latin typeface="Cambria Math" panose="02040503050406030204" pitchFamily="18" charset="0"/>
+                                <a:ea typeface="標楷體" panose="03000509000000000000" pitchFamily="65" charset="-120"/>
+                                <a:cs typeface="Times" panose="02020603050405020304" pitchFamily="18" charset="0"/>
+                              </a:rPr>
+                              <m:t>𝑔</m:t>
+                            </m:r>
+                          </m:sub>
+                          <m:sup>
+                            <m:r>
+                              <a:rPr lang="en-US" altLang="zh-TW" sz="2000" b="0" i="1" smtClean="0">
+                                <a:latin typeface="Cambria Math" panose="02040503050406030204" pitchFamily="18" charset="0"/>
+                                <a:ea typeface="標楷體" panose="03000509000000000000" pitchFamily="65" charset="-120"/>
+                                <a:cs typeface="Times" panose="02020603050405020304" pitchFamily="18" charset="0"/>
+                              </a:rPr>
+                              <m:t>(</m:t>
+                            </m:r>
+                            <m:r>
+                              <a:rPr lang="en-US" altLang="zh-TW" sz="2000" b="0" i="1" smtClean="0">
+                                <a:latin typeface="Cambria Math" panose="02040503050406030204" pitchFamily="18" charset="0"/>
+                                <a:ea typeface="標楷體" panose="03000509000000000000" pitchFamily="65" charset="-120"/>
+                                <a:cs typeface="Times" panose="02020603050405020304" pitchFamily="18" charset="0"/>
+                              </a:rPr>
+                              <m:t>𝑘</m:t>
+                            </m:r>
+                            <m:r>
+                              <a:rPr lang="en-US" altLang="zh-TW" sz="2000" b="0" i="1" smtClean="0">
+                                <a:latin typeface="Cambria Math" panose="02040503050406030204" pitchFamily="18" charset="0"/>
+                                <a:ea typeface="標楷體" panose="03000509000000000000" pitchFamily="65" charset="-120"/>
+                                <a:cs typeface="Times" panose="02020603050405020304" pitchFamily="18" charset="0"/>
+                              </a:rPr>
+                              <m:t>)</m:t>
+                            </m:r>
+                          </m:sup>
+                        </m:sSubSup>
+                      </m:sub>
+                    </m:sSub>
+                    <m:r>
+                      <a:rPr lang="en-US" altLang="zh-TW" sz="2000" b="0" i="1" smtClean="0">
+                        <a:latin typeface="Cambria Math" panose="02040503050406030204" pitchFamily="18" charset="0"/>
+                        <a:ea typeface="標楷體" panose="03000509000000000000" pitchFamily="65" charset="-120"/>
+                        <a:cs typeface="Times" panose="02020603050405020304" pitchFamily="18" charset="0"/>
+                      </a:rPr>
+                      <m:t> </m:t>
+                    </m:r>
+                    <m:r>
+                      <m:rPr>
+                        <m:sty m:val="p"/>
+                      </m:rPr>
+                      <a:rPr lang="en-US" altLang="zh-TW" sz="2000" b="0" i="1" smtClean="0">
+                        <a:latin typeface="Cambria Math" panose="02040503050406030204" pitchFamily="18" charset="0"/>
+                        <a:ea typeface="Cambria Math" panose="02040503050406030204" pitchFamily="18" charset="0"/>
+                        <a:cs typeface="Times" panose="02020603050405020304" pitchFamily="18" charset="0"/>
+                      </a:rPr>
+                      <m:t>∇</m:t>
+                    </m:r>
+                    <m:r>
+                      <a:rPr lang="en-US" altLang="zh-TW" sz="2000" b="0" i="1" smtClean="0">
+                        <a:latin typeface="Cambria Math" panose="02040503050406030204" pitchFamily="18" charset="0"/>
+                        <a:ea typeface="Cambria Math" panose="02040503050406030204" pitchFamily="18" charset="0"/>
+                        <a:cs typeface="Times" panose="02020603050405020304" pitchFamily="18" charset="0"/>
+                      </a:rPr>
+                      <m:t>𝑓</m:t>
+                    </m:r>
+                    <m:r>
+                      <a:rPr lang="en-US" altLang="zh-TW" sz="2000" b="0" i="1" smtClean="0">
+                        <a:latin typeface="Cambria Math" panose="02040503050406030204" pitchFamily="18" charset="0"/>
+                        <a:ea typeface="Cambria Math" panose="02040503050406030204" pitchFamily="18" charset="0"/>
+                        <a:cs typeface="Times" panose="02020603050405020304" pitchFamily="18" charset="0"/>
+                      </a:rPr>
+                      <m:t>(</m:t>
+                    </m:r>
+                    <m:sSup>
+                      <m:sSupPr>
+                        <m:ctrlPr>
+                          <a:rPr lang="en-US" altLang="zh-TW" sz="2000" b="0" i="1" smtClean="0">
+                            <a:latin typeface="Cambria Math" panose="02040503050406030204" pitchFamily="18" charset="0"/>
+                            <a:ea typeface="Cambria Math" panose="02040503050406030204" pitchFamily="18" charset="0"/>
+                            <a:cs typeface="Times" panose="02020603050405020304" pitchFamily="18" charset="0"/>
+                          </a:rPr>
+                        </m:ctrlPr>
+                      </m:sSupPr>
+                      <m:e>
+                        <m:r>
+                          <a:rPr lang="en-US" altLang="zh-TW" sz="2000" b="0" i="1" smtClean="0">
+                            <a:latin typeface="Cambria Math" panose="02040503050406030204" pitchFamily="18" charset="0"/>
+                            <a:ea typeface="Cambria Math" panose="02040503050406030204" pitchFamily="18" charset="0"/>
+                            <a:cs typeface="Times" panose="02020603050405020304" pitchFamily="18" charset="0"/>
+                          </a:rPr>
+                          <m:t>𝑥</m:t>
+                        </m:r>
+                      </m:e>
+                      <m:sup>
+                        <m:r>
+                          <a:rPr lang="en-US" altLang="zh-TW" sz="2000" b="0" i="1" smtClean="0">
+                            <a:latin typeface="Cambria Math" panose="02040503050406030204" pitchFamily="18" charset="0"/>
+                            <a:ea typeface="Cambria Math" panose="02040503050406030204" pitchFamily="18" charset="0"/>
+                            <a:cs typeface="Times" panose="02020603050405020304" pitchFamily="18" charset="0"/>
+                          </a:rPr>
+                          <m:t>(</m:t>
+                        </m:r>
+                        <m:r>
+                          <a:rPr lang="en-US" altLang="zh-TW" sz="2000" b="0" i="1" smtClean="0">
+                            <a:latin typeface="Cambria Math" panose="02040503050406030204" pitchFamily="18" charset="0"/>
+                            <a:ea typeface="Cambria Math" panose="02040503050406030204" pitchFamily="18" charset="0"/>
+                            <a:cs typeface="Times" panose="02020603050405020304" pitchFamily="18" charset="0"/>
+                          </a:rPr>
+                          <m:t>𝑘</m:t>
+                        </m:r>
+                        <m:r>
+                          <a:rPr lang="en-US" altLang="zh-TW" sz="2000" b="0" i="1" smtClean="0">
+                            <a:latin typeface="Cambria Math" panose="02040503050406030204" pitchFamily="18" charset="0"/>
+                            <a:ea typeface="Cambria Math" panose="02040503050406030204" pitchFamily="18" charset="0"/>
+                            <a:cs typeface="Times" panose="02020603050405020304" pitchFamily="18" charset="0"/>
+                          </a:rPr>
+                          <m:t>)</m:t>
+                        </m:r>
+                      </m:sup>
+                    </m:sSup>
+                    <m:r>
+                      <a:rPr lang="en-US" altLang="zh-TW" sz="2000" b="0" i="1" smtClean="0">
+                        <a:latin typeface="Cambria Math" panose="02040503050406030204" pitchFamily="18" charset="0"/>
+                        <a:ea typeface="Cambria Math" panose="02040503050406030204" pitchFamily="18" charset="0"/>
+                        <a:cs typeface="Times" panose="02020603050405020304" pitchFamily="18" charset="0"/>
+                      </a:rPr>
+                      <m:t>)</m:t>
+                    </m:r>
+                  </m:oMath>
+                </a14:m>
+                <a:r>
+                  <a:rPr lang="en-US" altLang="zh-TW" sz="2000" dirty="0">
+                    <a:latin typeface="Times" panose="02020603050405020304" pitchFamily="18" charset="0"/>
+                    <a:ea typeface="標楷體" panose="03000509000000000000" pitchFamily="65" charset="-120"/>
+                    <a:cs typeface="Times" panose="02020603050405020304" pitchFamily="18" charset="0"/>
+                  </a:rPr>
+                  <a:t>.</a:t>
+                </a:r>
+              </a:p>
+              <a:p>
+                <a:pPr lvl="2">
+                  <a:lnSpc>
+                    <a:spcPct val="150000"/>
+                  </a:lnSpc>
+                </a:pPr>
+                <a:r>
+                  <a:rPr lang="en-US" altLang="zh-TW" sz="1800" dirty="0">
+                    <a:latin typeface="Times" panose="02020603050405020304" pitchFamily="18" charset="0"/>
+                    <a:ea typeface="標楷體" panose="03000509000000000000" pitchFamily="65" charset="-120"/>
+                    <a:cs typeface="Times" panose="02020603050405020304" pitchFamily="18" charset="0"/>
+                  </a:rPr>
+                  <a:t>Invokes a simple finite difference with step length </a:t>
+                </a:r>
+                <a14:m>
+                  <m:oMath xmlns:m="http://schemas.openxmlformats.org/officeDocument/2006/math">
+                    <m:r>
+                      <a:rPr lang="zh-TW" altLang="en-US" sz="1800" i="1" dirty="0" smtClean="0">
+                        <a:latin typeface="Cambria Math" panose="02040503050406030204" pitchFamily="18" charset="0"/>
+                        <a:ea typeface="標楷體" panose="03000509000000000000" pitchFamily="65" charset="-120"/>
+                        <a:cs typeface="Times" panose="02020603050405020304" pitchFamily="18" charset="0"/>
+                      </a:rPr>
+                      <m:t>𝜌</m:t>
+                    </m:r>
+                    <m:r>
+                      <a:rPr lang="en-US" altLang="zh-TW" sz="1800" i="1" dirty="0" smtClean="0">
+                        <a:latin typeface="Cambria Math" panose="02040503050406030204" pitchFamily="18" charset="0"/>
+                        <a:ea typeface="標楷體" panose="03000509000000000000" pitchFamily="65" charset="-120"/>
+                        <a:cs typeface="Times" panose="02020603050405020304" pitchFamily="18" charset="0"/>
+                      </a:rPr>
+                      <m:t>(</m:t>
+                    </m:r>
+                    <m:r>
+                      <a:rPr lang="zh-TW" altLang="en-US" sz="1800" i="1" dirty="0" smtClean="0">
+                        <a:latin typeface="Cambria Math" panose="02040503050406030204" pitchFamily="18" charset="0"/>
+                        <a:ea typeface="標楷體" panose="03000509000000000000" pitchFamily="65" charset="-120"/>
+                        <a:cs typeface="Times" panose="02020603050405020304" pitchFamily="18" charset="0"/>
+                      </a:rPr>
+                      <m:t>𝑘</m:t>
+                    </m:r>
+                    <m:r>
+                      <a:rPr lang="en-US" altLang="zh-TW" sz="1800" i="1" dirty="0" smtClean="0">
+                        <a:latin typeface="Cambria Math" panose="02040503050406030204" pitchFamily="18" charset="0"/>
+                        <a:ea typeface="標楷體" panose="03000509000000000000" pitchFamily="65" charset="-120"/>
+                        <a:cs typeface="Times" panose="02020603050405020304" pitchFamily="18" charset="0"/>
+                      </a:rPr>
+                      <m:t>)</m:t>
+                    </m:r>
+                  </m:oMath>
+                </a14:m>
+                <a:r>
+                  <a:rPr lang="en-US" altLang="zh-TW" sz="1800" dirty="0">
+                    <a:latin typeface="Times" panose="02020603050405020304" pitchFamily="18" charset="0"/>
+                    <a:ea typeface="標楷體" panose="03000509000000000000" pitchFamily="65" charset="-120"/>
+                    <a:cs typeface="Times" panose="02020603050405020304" pitchFamily="18" charset="0"/>
+                  </a:rPr>
+                  <a:t> , which is adaptively chosen.</a:t>
+                </a:r>
+              </a:p>
+              <a:p>
+                <a:pPr>
+                  <a:lnSpc>
+                    <a:spcPct val="150000"/>
+                  </a:lnSpc>
+                </a:pPr>
+                <a:endParaRPr lang="en-US" altLang="zh-TW" sz="2600" dirty="0">
+                  <a:latin typeface="Times" panose="02020603050405020304" pitchFamily="18" charset="0"/>
+                  <a:ea typeface="標楷體" panose="03000509000000000000" pitchFamily="65" charset="-120"/>
+                  <a:cs typeface="Times" panose="02020603050405020304" pitchFamily="18" charset="0"/>
+                </a:endParaRPr>
+              </a:p>
+              <a:p>
+                <a:pPr>
+                  <a:lnSpc>
+                    <a:spcPct val="150000"/>
+                  </a:lnSpc>
+                </a:pPr>
+                <a:r>
+                  <a:rPr lang="en-US" altLang="zh-TW" sz="2000" dirty="0">
+                    <a:latin typeface="Times" panose="02020603050405020304" pitchFamily="18" charset="0"/>
+                    <a:ea typeface="標楷體" panose="03000509000000000000" pitchFamily="65" charset="-120"/>
+                    <a:cs typeface="Times" panose="02020603050405020304" pitchFamily="18" charset="0"/>
+                  </a:rPr>
+                  <a:t>When prior information is available, i.e., a prior generator </a:t>
+                </a:r>
+                <a14:m>
+                  <m:oMath xmlns:m="http://schemas.openxmlformats.org/officeDocument/2006/math">
+                    <m:r>
+                      <a:rPr lang="en-US" altLang="zh-TW" sz="2000" i="1" dirty="0" smtClean="0">
+                        <a:latin typeface="Cambria Math" panose="02040503050406030204" pitchFamily="18" charset="0"/>
+                        <a:ea typeface="標楷體" panose="03000509000000000000" pitchFamily="65" charset="-120"/>
+                        <a:cs typeface="Times" panose="02020603050405020304" pitchFamily="18" charset="0"/>
+                      </a:rPr>
+                      <m:t>𝐷</m:t>
+                    </m:r>
+                  </m:oMath>
+                </a14:m>
+                <a:r>
+                  <a:rPr lang="en-US" altLang="zh-TW" sz="2000" dirty="0">
+                    <a:latin typeface="Times" panose="02020603050405020304" pitchFamily="18" charset="0"/>
+                    <a:ea typeface="標楷體" panose="03000509000000000000" pitchFamily="65" charset="-120"/>
+                    <a:cs typeface="Times" panose="02020603050405020304" pitchFamily="18" charset="0"/>
+                  </a:rPr>
+                  <a:t> is inputted, we set </a:t>
+                </a:r>
+                <a14:m>
+                  <m:oMath xmlns:m="http://schemas.openxmlformats.org/officeDocument/2006/math">
+                    <m:r>
+                      <a:rPr lang="en-US" altLang="zh-TW" sz="2000" i="1" dirty="0" smtClean="0">
+                        <a:latin typeface="Cambria Math" panose="02040503050406030204" pitchFamily="18" charset="0"/>
+                        <a:ea typeface="標楷體" panose="03000509000000000000" pitchFamily="65" charset="-120"/>
+                        <a:cs typeface="Times" panose="02020603050405020304" pitchFamily="18" charset="0"/>
+                      </a:rPr>
+                      <m:t>𝐷</m:t>
+                    </m:r>
+                    <m:d>
+                      <m:dPr>
+                        <m:ctrlPr>
+                          <a:rPr lang="en-US" altLang="zh-TW" sz="2000" b="0" i="1" dirty="0" smtClean="0">
+                            <a:latin typeface="Cambria Math" panose="02040503050406030204" pitchFamily="18" charset="0"/>
+                            <a:ea typeface="標楷體" panose="03000509000000000000" pitchFamily="65" charset="-120"/>
+                            <a:cs typeface="Times" panose="02020603050405020304" pitchFamily="18" charset="0"/>
+                          </a:rPr>
+                        </m:ctrlPr>
+                      </m:dPr>
+                      <m:e>
+                        <m:sSup>
+                          <m:sSupPr>
+                            <m:ctrlPr>
+                              <a:rPr lang="en-US" altLang="zh-TW" sz="2000" b="0" i="1" dirty="0" smtClean="0">
+                                <a:latin typeface="Cambria Math" panose="02040503050406030204" pitchFamily="18" charset="0"/>
+                                <a:ea typeface="標楷體" panose="03000509000000000000" pitchFamily="65" charset="-120"/>
+                                <a:cs typeface="Times" panose="02020603050405020304" pitchFamily="18" charset="0"/>
+                              </a:rPr>
+                            </m:ctrlPr>
+                          </m:sSupPr>
+                          <m:e>
+                            <m:r>
+                              <a:rPr lang="en-US" altLang="zh-TW" sz="2000" b="0" i="1" dirty="0" smtClean="0">
+                                <a:latin typeface="Cambria Math" panose="02040503050406030204" pitchFamily="18" charset="0"/>
+                                <a:ea typeface="標楷體" panose="03000509000000000000" pitchFamily="65" charset="-120"/>
+                                <a:cs typeface="Times" panose="02020603050405020304" pitchFamily="18" charset="0"/>
+                              </a:rPr>
+                              <m:t>𝑥</m:t>
+                            </m:r>
+                          </m:e>
+                          <m:sup>
+                            <m:d>
+                              <m:dPr>
+                                <m:ctrlPr>
+                                  <a:rPr lang="en-US" altLang="zh-TW" sz="2000" b="0" i="1" dirty="0" smtClean="0">
+                                    <a:latin typeface="Cambria Math" panose="02040503050406030204" pitchFamily="18" charset="0"/>
+                                    <a:ea typeface="標楷體" panose="03000509000000000000" pitchFamily="65" charset="-120"/>
+                                    <a:cs typeface="Times" panose="02020603050405020304" pitchFamily="18" charset="0"/>
+                                  </a:rPr>
+                                </m:ctrlPr>
+                              </m:dPr>
+                              <m:e>
+                                <m:r>
+                                  <a:rPr lang="en-US" altLang="zh-TW" sz="2000" b="0" i="1" dirty="0" smtClean="0">
+                                    <a:latin typeface="Cambria Math" panose="02040503050406030204" pitchFamily="18" charset="0"/>
+                                    <a:ea typeface="標楷體" panose="03000509000000000000" pitchFamily="65" charset="-120"/>
+                                    <a:cs typeface="Times" panose="02020603050405020304" pitchFamily="18" charset="0"/>
+                                  </a:rPr>
+                                  <m:t>𝑘</m:t>
+                                </m:r>
+                              </m:e>
+                            </m:d>
+                          </m:sup>
+                        </m:sSup>
+                      </m:e>
+                    </m:d>
+                    <m:r>
+                      <a:rPr lang="en-US" altLang="zh-TW" sz="2000" i="1" dirty="0">
+                        <a:latin typeface="Cambria Math" panose="02040503050406030204" pitchFamily="18" charset="0"/>
+                        <a:ea typeface="標楷體" panose="03000509000000000000" pitchFamily="65" charset="-120"/>
+                        <a:cs typeface="Times" panose="02020603050405020304" pitchFamily="18" charset="0"/>
+                      </a:rPr>
+                      <m:t>∈</m:t>
+                    </m:r>
+                    <m:sSubSup>
+                      <m:sSubSupPr>
+                        <m:ctrlPr>
+                          <a:rPr lang="en-US" altLang="zh-TW" sz="2000" i="1">
+                            <a:latin typeface="Cambria Math" panose="02040503050406030204" pitchFamily="18" charset="0"/>
+                            <a:ea typeface="標楷體" panose="03000509000000000000" pitchFamily="65" charset="-120"/>
+                            <a:cs typeface="Times" panose="02020603050405020304" pitchFamily="18" charset="0"/>
+                          </a:rPr>
+                        </m:ctrlPr>
+                      </m:sSubSupPr>
+                      <m:e>
+                        <m:r>
+                          <a:rPr lang="en-US" altLang="zh-TW" sz="2000" i="1">
+                            <a:latin typeface="Cambria Math" panose="02040503050406030204" pitchFamily="18" charset="0"/>
+                            <a:ea typeface="標楷體" panose="03000509000000000000" pitchFamily="65" charset="-120"/>
+                            <a:cs typeface="Times" panose="02020603050405020304" pitchFamily="18" charset="0"/>
+                          </a:rPr>
+                          <m:t>𝑆</m:t>
+                        </m:r>
+                      </m:e>
+                      <m:sub>
+                        <m:r>
+                          <a:rPr lang="en-US" altLang="zh-TW" sz="2000" i="1">
+                            <a:latin typeface="Cambria Math" panose="02040503050406030204" pitchFamily="18" charset="0"/>
+                            <a:ea typeface="標楷體" panose="03000509000000000000" pitchFamily="65" charset="-120"/>
+                            <a:cs typeface="Times" panose="02020603050405020304" pitchFamily="18" charset="0"/>
+                          </a:rPr>
+                          <m:t>𝑔</m:t>
+                        </m:r>
+                      </m:sub>
+                      <m:sup>
+                        <m:d>
+                          <m:dPr>
+                            <m:ctrlPr>
+                              <a:rPr lang="en-US" altLang="zh-TW" sz="2000" i="1">
+                                <a:latin typeface="Cambria Math" panose="02040503050406030204" pitchFamily="18" charset="0"/>
+                                <a:ea typeface="標楷體" panose="03000509000000000000" pitchFamily="65" charset="-120"/>
+                                <a:cs typeface="Times" panose="02020603050405020304" pitchFamily="18" charset="0"/>
+                              </a:rPr>
+                            </m:ctrlPr>
+                          </m:dPr>
+                          <m:e>
+                            <m:r>
+                              <a:rPr lang="en-US" altLang="zh-TW" sz="2000" i="1">
+                                <a:latin typeface="Cambria Math" panose="02040503050406030204" pitchFamily="18" charset="0"/>
+                                <a:ea typeface="標楷體" panose="03000509000000000000" pitchFamily="65" charset="-120"/>
+                                <a:cs typeface="Times" panose="02020603050405020304" pitchFamily="18" charset="0"/>
+                              </a:rPr>
+                              <m:t>𝑘</m:t>
+                            </m:r>
+                          </m:e>
+                        </m:d>
+                      </m:sup>
+                    </m:sSubSup>
+                  </m:oMath>
+                </a14:m>
+                <a:r>
+                  <a:rPr lang="en-US" altLang="zh-TW" sz="2000" dirty="0">
+                    <a:latin typeface="Times" panose="02020603050405020304" pitchFamily="18" charset="0"/>
+                    <a:ea typeface="標楷體" panose="03000509000000000000" pitchFamily="65" charset="-120"/>
+                    <a:cs typeface="Times" panose="02020603050405020304" pitchFamily="18" charset="0"/>
+                  </a:rPr>
+                  <a:t>.</a:t>
+                </a:r>
+              </a:p>
+              <a:p>
+                <a:pPr>
+                  <a:lnSpc>
+                    <a:spcPct val="150000"/>
+                  </a:lnSpc>
+                </a:pPr>
+                <a:endParaRPr lang="zh-TW" altLang="en-US" sz="2600" b="1" dirty="0">
+                  <a:latin typeface="Times" panose="02020603050405020304" pitchFamily="18" charset="0"/>
+                  <a:ea typeface="標楷體" panose="03000509000000000000" pitchFamily="65" charset="-120"/>
+                  <a:cs typeface="Times" panose="02020603050405020304" pitchFamily="18" charset="0"/>
+                </a:endParaRPr>
+              </a:p>
+            </p:txBody>
+          </p:sp>
+        </mc:Choice>
+        <mc:Fallback>
+          <p:sp>
+            <p:nvSpPr>
+              <p:cNvPr id="3" name="內容版面配置區 2">
+                <a:extLst>
+                  <a:ext uri="{FF2B5EF4-FFF2-40B4-BE49-F238E27FC236}">
+                    <a16:creationId xmlns:a16="http://schemas.microsoft.com/office/drawing/2014/main" id="{CD74F3A4-97A5-7640-801C-D093727610C1}"/>
+                  </a:ext>
+                </a:extLst>
+              </p:cNvPr>
+              <p:cNvSpPr>
+                <a:spLocks noGrp="1" noRot="1" noChangeAspect="1" noMove="1" noResize="1" noEditPoints="1" noAdjustHandles="1" noChangeArrowheads="1" noChangeShapeType="1" noTextEdit="1"/>
+              </p:cNvSpPr>
+              <p:nvPr>
+                <p:ph idx="1"/>
+              </p:nvPr>
+            </p:nvSpPr>
+            <p:spPr>
+              <a:xfrm>
+                <a:off x="838200" y="1825625"/>
+                <a:ext cx="10515600" cy="4895850"/>
+              </a:xfrm>
+              <a:blipFill>
+                <a:blip r:embed="rId3"/>
+                <a:stretch>
+                  <a:fillRect l="-696"/>
+                </a:stretch>
+              </a:blipFill>
+            </p:spPr>
+            <p:txBody>
+              <a:bodyPr/>
+              <a:lstStyle/>
+              <a:p>
+                <a:r>
+                  <a:rPr lang="zh-TW" altLang="en-US">
+                    <a:noFill/>
+                  </a:rPr>
+                  <a:t> </a:t>
+                </a:r>
+              </a:p>
+            </p:txBody>
+          </p:sp>
+        </mc:Fallback>
+      </mc:AlternateContent>
       <p:sp>
         <p:nvSpPr>
           <p:cNvPr id="4" name="投影片編號版面配置區 3">
@@ -7591,10 +9526,800 @@
       </p:grpSpPr>
       <p:sp>
         <p:nvSpPr>
-          <p:cNvPr id="4" name="Slide Number Placeholder 3">
+          <p:cNvPr id="2" name="標題 1">
             <a:extLst>
               <a:ext uri="{FF2B5EF4-FFF2-40B4-BE49-F238E27FC236}">
-                <a16:creationId xmlns:a16="http://schemas.microsoft.com/office/drawing/2014/main" id="{DB47E6D4-11C1-7FA3-40FD-EC8CC1AC8613}"/>
+                <a16:creationId xmlns:a16="http://schemas.microsoft.com/office/drawing/2014/main" id="{5CEA9D29-2BBD-0E1E-DBD3-F6145D6CBC63}"/>
+              </a:ext>
+            </a:extLst>
+          </p:cNvPr>
+          <p:cNvSpPr>
+            <a:spLocks noGrp="1"/>
+          </p:cNvSpPr>
+          <p:nvPr>
+            <p:ph type="title"/>
+          </p:nvPr>
+        </p:nvSpPr>
+        <p:spPr/>
+        <p:txBody>
+          <a:bodyPr/>
+          <a:lstStyle/>
+          <a:p>
+            <a:r>
+              <a:rPr lang="en-US" altLang="zh-TW" sz="4000" dirty="0">
+                <a:latin typeface="Times" panose="02020603050405020304" pitchFamily="18" charset="0"/>
+                <a:cs typeface="Times" panose="02020603050405020304" pitchFamily="18" charset="0"/>
+              </a:rPr>
+              <a:t>Algorithm - Separable quadratic inexact model</a:t>
+            </a:r>
+            <a:endParaRPr lang="zh-TW" altLang="en-US" dirty="0">
+              <a:latin typeface="Times" panose="02020603050405020304" pitchFamily="18" charset="0"/>
+              <a:cs typeface="Times" panose="02020603050405020304" pitchFamily="18" charset="0"/>
+            </a:endParaRPr>
+          </a:p>
+        </p:txBody>
+      </p:sp>
+      <mc:AlternateContent xmlns:mc="http://schemas.openxmlformats.org/markup-compatibility/2006">
+        <mc:Choice xmlns:a14="http://schemas.microsoft.com/office/drawing/2010/main" Requires="a14">
+          <p:sp>
+            <p:nvSpPr>
+              <p:cNvPr id="3" name="內容版面配置區 2">
+                <a:extLst>
+                  <a:ext uri="{FF2B5EF4-FFF2-40B4-BE49-F238E27FC236}">
+                    <a16:creationId xmlns:a16="http://schemas.microsoft.com/office/drawing/2014/main" id="{CD74F3A4-97A5-7640-801C-D093727610C1}"/>
+                  </a:ext>
+                </a:extLst>
+              </p:cNvPr>
+              <p:cNvSpPr>
+                <a:spLocks noGrp="1"/>
+              </p:cNvSpPr>
+              <p:nvPr>
+                <p:ph idx="1"/>
+              </p:nvPr>
+            </p:nvSpPr>
+            <p:spPr>
+              <a:xfrm>
+                <a:off x="838200" y="1825625"/>
+                <a:ext cx="10515600" cy="4895850"/>
+              </a:xfrm>
+            </p:spPr>
+            <p:txBody>
+              <a:bodyPr>
+                <a:normAutofit/>
+              </a:bodyPr>
+              <a:lstStyle/>
+              <a:p>
+                <a:pPr>
+                  <a:lnSpc>
+                    <a:spcPct val="150000"/>
+                  </a:lnSpc>
+                </a:pPr>
+                <a:r>
+                  <a:rPr lang="en-US" altLang="zh-TW" sz="2200" dirty="0">
+                    <a:latin typeface="Times" panose="02020603050405020304" pitchFamily="18" charset="0"/>
+                    <a:ea typeface="標楷體" panose="03000509000000000000" pitchFamily="65" charset="-120"/>
+                    <a:cs typeface="Times" panose="02020603050405020304" pitchFamily="18" charset="0"/>
+                  </a:rPr>
+                  <a:t>Lower computational complexity compare with quadratic-model-based approaches. </a:t>
+                </a:r>
+              </a:p>
+              <a:p>
+                <a:pPr>
+                  <a:lnSpc>
+                    <a:spcPct val="150000"/>
+                  </a:lnSpc>
+                </a:pPr>
+                <a:r>
+                  <a:rPr lang="en-US" altLang="zh-TW" sz="2200" dirty="0">
+                    <a:latin typeface="Times" panose="02020603050405020304" pitchFamily="18" charset="0"/>
+                    <a:ea typeface="標楷體" panose="03000509000000000000" pitchFamily="65" charset="-120"/>
+                    <a:cs typeface="Times" panose="02020603050405020304" pitchFamily="18" charset="0"/>
+                  </a:rPr>
+                  <a:t> </a:t>
+                </a:r>
+              </a:p>
+              <a:p>
+                <a:pPr lvl="1">
+                  <a:lnSpc>
+                    <a:spcPct val="150000"/>
+                  </a:lnSpc>
+                </a:pPr>
+                <a14:m>
+                  <m:oMath xmlns:m="http://schemas.openxmlformats.org/officeDocument/2006/math">
+                    <m:sSubSup>
+                      <m:sSubSupPr>
+                        <m:ctrlPr>
+                          <a:rPr lang="en-US" altLang="zh-TW" sz="1800" i="1" smtClean="0">
+                            <a:latin typeface="Cambria Math" panose="02040503050406030204" pitchFamily="18" charset="0"/>
+                            <a:ea typeface="標楷體" panose="03000509000000000000" pitchFamily="65" charset="-120"/>
+                            <a:cs typeface="Times" panose="02020603050405020304" pitchFamily="18" charset="0"/>
+                          </a:rPr>
+                        </m:ctrlPr>
+                      </m:sSubSupPr>
+                      <m:e>
+                        <m:r>
+                          <a:rPr lang="en-US" altLang="zh-TW" sz="1800" b="0" i="1" smtClean="0">
+                            <a:latin typeface="Cambria Math" panose="02040503050406030204" pitchFamily="18" charset="0"/>
+                            <a:ea typeface="標楷體" panose="03000509000000000000" pitchFamily="65" charset="-120"/>
+                            <a:cs typeface="Times" panose="02020603050405020304" pitchFamily="18" charset="0"/>
+                          </a:rPr>
+                          <m:t>𝑚</m:t>
+                        </m:r>
+                      </m:e>
+                      <m:sub>
+                        <m:r>
+                          <a:rPr lang="en-US" altLang="zh-TW" sz="1800" b="0" i="1" smtClean="0">
+                            <a:latin typeface="Cambria Math" panose="02040503050406030204" pitchFamily="18" charset="0"/>
+                            <a:ea typeface="標楷體" panose="03000509000000000000" pitchFamily="65" charset="-120"/>
+                            <a:cs typeface="Times" panose="02020603050405020304" pitchFamily="18" charset="0"/>
+                          </a:rPr>
+                          <m:t>𝑖</m:t>
+                        </m:r>
+                      </m:sub>
+                      <m:sup>
+                        <m:d>
+                          <m:dPr>
+                            <m:ctrlPr>
+                              <a:rPr lang="en-US" altLang="zh-TW" sz="1800" b="0" i="1" smtClean="0">
+                                <a:latin typeface="Cambria Math" panose="02040503050406030204" pitchFamily="18" charset="0"/>
+                                <a:ea typeface="標楷體" panose="03000509000000000000" pitchFamily="65" charset="-120"/>
+                                <a:cs typeface="Times" panose="02020603050405020304" pitchFamily="18" charset="0"/>
+                              </a:rPr>
+                            </m:ctrlPr>
+                          </m:dPr>
+                          <m:e>
+                            <m:r>
+                              <a:rPr lang="en-US" altLang="zh-TW" sz="1800" b="0" i="1" smtClean="0">
+                                <a:latin typeface="Cambria Math" panose="02040503050406030204" pitchFamily="18" charset="0"/>
+                                <a:ea typeface="標楷體" panose="03000509000000000000" pitchFamily="65" charset="-120"/>
+                                <a:cs typeface="Times" panose="02020603050405020304" pitchFamily="18" charset="0"/>
+                              </a:rPr>
+                              <m:t>𝑘</m:t>
+                            </m:r>
+                          </m:e>
+                        </m:d>
+                      </m:sup>
+                    </m:sSubSup>
+                    <m:d>
+                      <m:dPr>
+                        <m:ctrlPr>
+                          <a:rPr lang="en-US" altLang="zh-TW" sz="1800" b="0" i="1" smtClean="0">
+                            <a:latin typeface="Cambria Math" panose="02040503050406030204" pitchFamily="18" charset="0"/>
+                            <a:ea typeface="標楷體" panose="03000509000000000000" pitchFamily="65" charset="-120"/>
+                            <a:cs typeface="Times" panose="02020603050405020304" pitchFamily="18" charset="0"/>
+                          </a:rPr>
+                        </m:ctrlPr>
+                      </m:dPr>
+                      <m:e>
+                        <m:r>
+                          <a:rPr lang="en-US" altLang="zh-TW" sz="1800" b="0" i="1" smtClean="0">
+                            <a:latin typeface="Cambria Math" panose="02040503050406030204" pitchFamily="18" charset="0"/>
+                            <a:ea typeface="標楷體" panose="03000509000000000000" pitchFamily="65" charset="-120"/>
+                            <a:cs typeface="Times" panose="02020603050405020304" pitchFamily="18" charset="0"/>
+                          </a:rPr>
+                          <m:t>𝑢</m:t>
+                        </m:r>
+                      </m:e>
+                    </m:d>
+                  </m:oMath>
+                </a14:m>
+                <a:r>
+                  <a:rPr lang="zh-TW" altLang="en-US" sz="1800" dirty="0">
+                    <a:latin typeface="Times" panose="02020603050405020304" pitchFamily="18" charset="0"/>
+                    <a:ea typeface="標楷體" panose="03000509000000000000" pitchFamily="65" charset="-120"/>
+                    <a:cs typeface="Times" panose="02020603050405020304" pitchFamily="18" charset="0"/>
+                  </a:rPr>
+                  <a:t> </a:t>
+                </a:r>
+                <a:r>
+                  <a:rPr lang="en-US" altLang="zh-TW" sz="1800" dirty="0">
+                    <a:latin typeface="Times" panose="02020603050405020304" pitchFamily="18" charset="0"/>
+                    <a:ea typeface="標楷體" panose="03000509000000000000" pitchFamily="65" charset="-120"/>
+                    <a:cs typeface="Times" panose="02020603050405020304" pitchFamily="18" charset="0"/>
+                  </a:rPr>
+                  <a:t>is a 1D quadratic model approximating </a:t>
+                </a:r>
+              </a:p>
+              <a:p>
+                <a:pPr lvl="1">
+                  <a:lnSpc>
+                    <a:spcPct val="150000"/>
+                  </a:lnSpc>
+                </a:pPr>
+                <a:r>
+                  <a:rPr lang="en-US" altLang="zh-TW" sz="1800" dirty="0">
+                    <a:latin typeface="Times" panose="02020603050405020304" pitchFamily="18" charset="0"/>
+                    <a:ea typeface="標楷體" panose="03000509000000000000" pitchFamily="65" charset="-120"/>
+                    <a:cs typeface="Times" panose="02020603050405020304" pitchFamily="18" charset="0"/>
+                  </a:rPr>
+                  <a:t>Use sampling points off the line </a:t>
+                </a:r>
+                <a14:m>
+                  <m:oMath xmlns:m="http://schemas.openxmlformats.org/officeDocument/2006/math">
+                    <m:sSup>
+                      <m:sSupPr>
+                        <m:ctrlPr>
+                          <a:rPr lang="en-US" altLang="zh-TW" sz="1800" i="1" dirty="0" smtClean="0">
+                            <a:latin typeface="Cambria Math" panose="02040503050406030204" pitchFamily="18" charset="0"/>
+                            <a:ea typeface="標楷體" panose="03000509000000000000" pitchFamily="65" charset="-120"/>
+                            <a:cs typeface="Times" panose="02020603050405020304" pitchFamily="18" charset="0"/>
+                          </a:rPr>
+                        </m:ctrlPr>
+                      </m:sSupPr>
+                      <m:e>
+                        <m:r>
+                          <a:rPr lang="en-US" altLang="zh-TW" sz="1800" b="0" i="1" dirty="0" smtClean="0">
+                            <a:latin typeface="Cambria Math" panose="02040503050406030204" pitchFamily="18" charset="0"/>
+                            <a:ea typeface="標楷體" panose="03000509000000000000" pitchFamily="65" charset="-120"/>
+                            <a:cs typeface="Times" panose="02020603050405020304" pitchFamily="18" charset="0"/>
+                          </a:rPr>
+                          <m:t>𝑥</m:t>
+                        </m:r>
+                      </m:e>
+                      <m:sup>
+                        <m:r>
+                          <a:rPr lang="en-US" altLang="zh-TW" sz="1800" b="0" i="1" dirty="0" smtClean="0">
+                            <a:latin typeface="Cambria Math" panose="02040503050406030204" pitchFamily="18" charset="0"/>
+                            <a:ea typeface="標楷體" panose="03000509000000000000" pitchFamily="65" charset="-120"/>
+                            <a:cs typeface="Times" panose="02020603050405020304" pitchFamily="18" charset="0"/>
+                          </a:rPr>
+                          <m:t>(</m:t>
+                        </m:r>
+                        <m:r>
+                          <a:rPr lang="en-US" altLang="zh-TW" sz="1800" b="0" i="1" dirty="0" smtClean="0">
+                            <a:latin typeface="Cambria Math" panose="02040503050406030204" pitchFamily="18" charset="0"/>
+                            <a:ea typeface="標楷體" panose="03000509000000000000" pitchFamily="65" charset="-120"/>
+                            <a:cs typeface="Times" panose="02020603050405020304" pitchFamily="18" charset="0"/>
+                          </a:rPr>
+                          <m:t>𝑘</m:t>
+                        </m:r>
+                        <m:r>
+                          <a:rPr lang="en-US" altLang="zh-TW" sz="1800" b="0" i="1" dirty="0" smtClean="0">
+                            <a:latin typeface="Cambria Math" panose="02040503050406030204" pitchFamily="18" charset="0"/>
+                            <a:ea typeface="標楷體" panose="03000509000000000000" pitchFamily="65" charset="-120"/>
+                            <a:cs typeface="Times" panose="02020603050405020304" pitchFamily="18" charset="0"/>
+                          </a:rPr>
+                          <m:t>)</m:t>
+                        </m:r>
+                      </m:sup>
+                    </m:sSup>
+                    <m:r>
+                      <a:rPr lang="en-US" altLang="zh-TW" sz="1800" i="1" dirty="0" smtClean="0">
+                        <a:latin typeface="Cambria Math" panose="02040503050406030204" pitchFamily="18" charset="0"/>
+                        <a:ea typeface="標楷體" panose="03000509000000000000" pitchFamily="65" charset="-120"/>
+                        <a:cs typeface="Times" panose="02020603050405020304" pitchFamily="18" charset="0"/>
+                      </a:rPr>
+                      <m:t>+</m:t>
+                    </m:r>
+                    <m:r>
+                      <a:rPr lang="en-US" altLang="zh-TW" sz="1800" i="1" dirty="0" smtClean="0">
+                        <a:latin typeface="Cambria Math" panose="02040503050406030204" pitchFamily="18" charset="0"/>
+                        <a:ea typeface="標楷體" panose="03000509000000000000" pitchFamily="65" charset="-120"/>
+                        <a:cs typeface="Times" panose="02020603050405020304" pitchFamily="18" charset="0"/>
+                      </a:rPr>
+                      <m:t>𝑠𝑝𝑎𝑛</m:t>
+                    </m:r>
+                    <m:r>
+                      <a:rPr lang="en-US" altLang="zh-TW" sz="1800" i="1" dirty="0" smtClean="0">
+                        <a:latin typeface="Cambria Math" panose="02040503050406030204" pitchFamily="18" charset="0"/>
+                        <a:ea typeface="標楷體" panose="03000509000000000000" pitchFamily="65" charset="-120"/>
+                        <a:cs typeface="Times" panose="02020603050405020304" pitchFamily="18" charset="0"/>
+                      </a:rPr>
+                      <m:t>(</m:t>
+                    </m:r>
+                    <m:sSub>
+                      <m:sSubPr>
+                        <m:ctrlPr>
+                          <a:rPr lang="en-US" altLang="zh-TW" sz="1800" i="1" dirty="0" smtClean="0">
+                            <a:latin typeface="Cambria Math" panose="02040503050406030204" pitchFamily="18" charset="0"/>
+                            <a:ea typeface="標楷體" panose="03000509000000000000" pitchFamily="65" charset="-120"/>
+                            <a:cs typeface="Times" panose="02020603050405020304" pitchFamily="18" charset="0"/>
+                          </a:rPr>
+                        </m:ctrlPr>
+                      </m:sSubPr>
+                      <m:e>
+                        <m:r>
+                          <a:rPr lang="en-US" altLang="zh-TW" sz="1800" b="0" i="1" dirty="0" smtClean="0">
+                            <a:latin typeface="Cambria Math" panose="02040503050406030204" pitchFamily="18" charset="0"/>
+                            <a:ea typeface="標楷體" panose="03000509000000000000" pitchFamily="65" charset="-120"/>
+                            <a:cs typeface="Times" panose="02020603050405020304" pitchFamily="18" charset="0"/>
+                          </a:rPr>
+                          <m:t>𝑒</m:t>
+                        </m:r>
+                      </m:e>
+                      <m:sub>
+                        <m:r>
+                          <a:rPr lang="en-US" altLang="zh-TW" sz="1800" b="0" i="1" dirty="0" smtClean="0">
+                            <a:latin typeface="Cambria Math" panose="02040503050406030204" pitchFamily="18" charset="0"/>
+                            <a:ea typeface="標楷體" panose="03000509000000000000" pitchFamily="65" charset="-120"/>
+                            <a:cs typeface="Times" panose="02020603050405020304" pitchFamily="18" charset="0"/>
+                          </a:rPr>
+                          <m:t>𝑖</m:t>
+                        </m:r>
+                      </m:sub>
+                    </m:sSub>
+                    <m:r>
+                      <a:rPr lang="en-US" altLang="zh-TW" sz="1800" b="0" i="1" dirty="0" smtClean="0">
+                        <a:latin typeface="Cambria Math" panose="02040503050406030204" pitchFamily="18" charset="0"/>
+                        <a:ea typeface="標楷體" panose="03000509000000000000" pitchFamily="65" charset="-120"/>
+                        <a:cs typeface="Times" panose="02020603050405020304" pitchFamily="18" charset="0"/>
+                      </a:rPr>
+                      <m:t>)</m:t>
+                    </m:r>
+                    <m:r>
+                      <a:rPr lang="zh-TW" altLang="en-US" sz="1800" i="1" dirty="0" smtClean="0">
+                        <a:latin typeface="Cambria Math" panose="02040503050406030204" pitchFamily="18" charset="0"/>
+                        <a:ea typeface="標楷體" panose="03000509000000000000" pitchFamily="65" charset="-120"/>
+                        <a:cs typeface="Times" panose="02020603050405020304" pitchFamily="18" charset="0"/>
+                      </a:rPr>
+                      <m:t> </m:t>
+                    </m:r>
+                  </m:oMath>
+                </a14:m>
+                <a:r>
+                  <a:rPr lang="en-US" altLang="zh-TW" sz="1800" dirty="0">
+                    <a:latin typeface="Times" panose="02020603050405020304" pitchFamily="18" charset="0"/>
+                    <a:ea typeface="標楷體" panose="03000509000000000000" pitchFamily="65" charset="-120"/>
+                    <a:cs typeface="Times" panose="02020603050405020304" pitchFamily="18" charset="0"/>
+                  </a:rPr>
+                  <a:t>, so that historical sampling points can be utilized.</a:t>
+                </a:r>
+              </a:p>
+              <a:p>
+                <a:pPr lvl="1">
+                  <a:lnSpc>
+                    <a:spcPct val="150000"/>
+                  </a:lnSpc>
+                </a:pPr>
+                <a:r>
+                  <a:rPr lang="zh-TW" altLang="en-US" sz="1800" dirty="0">
+                    <a:latin typeface="Times" panose="02020603050405020304" pitchFamily="18" charset="0"/>
+                    <a:ea typeface="標楷體" panose="03000509000000000000" pitchFamily="65" charset="-120"/>
+                    <a:cs typeface="Times" panose="02020603050405020304" pitchFamily="18" charset="0"/>
+                  </a:rPr>
+                  <a:t> </a:t>
+                </a:r>
+                <a:r>
+                  <a:rPr lang="en-US" altLang="zh-TW" sz="1800" dirty="0">
+                    <a:latin typeface="Times" panose="02020603050405020304" pitchFamily="18" charset="0"/>
+                    <a:ea typeface="標楷體" panose="03000509000000000000" pitchFamily="65" charset="-120"/>
+                    <a:cs typeface="Times" panose="02020603050405020304" pitchFamily="18" charset="0"/>
+                  </a:rPr>
+                  <a:t>Assume three sampling points for the </a:t>
+                </a:r>
+                <a:r>
+                  <a:rPr lang="zh-TW" altLang="en-US" sz="1800" dirty="0">
+                    <a:latin typeface="Times" panose="02020603050405020304" pitchFamily="18" charset="0"/>
+                    <a:ea typeface="標楷體" panose="03000509000000000000" pitchFamily="65" charset="-120"/>
+                    <a:cs typeface="Times" panose="02020603050405020304" pitchFamily="18" charset="0"/>
+                  </a:rPr>
+                  <a:t>𝑖</a:t>
+                </a:r>
+                <a:r>
+                  <a:rPr lang="en-US" altLang="zh-TW" sz="1800" dirty="0" err="1">
+                    <a:latin typeface="Times" panose="02020603050405020304" pitchFamily="18" charset="0"/>
+                    <a:ea typeface="標楷體" panose="03000509000000000000" pitchFamily="65" charset="-120"/>
+                    <a:cs typeface="Times" panose="02020603050405020304" pitchFamily="18" charset="0"/>
+                  </a:rPr>
+                  <a:t>th</a:t>
+                </a:r>
+                <a:r>
+                  <a:rPr lang="en-US" altLang="zh-TW" sz="1800" dirty="0">
+                    <a:latin typeface="Times" panose="02020603050405020304" pitchFamily="18" charset="0"/>
+                    <a:ea typeface="標楷體" panose="03000509000000000000" pitchFamily="65" charset="-120"/>
+                    <a:cs typeface="Times" panose="02020603050405020304" pitchFamily="18" charset="0"/>
+                  </a:rPr>
+                  <a:t> model </a:t>
+                </a:r>
+                <a14:m>
+                  <m:oMath xmlns:m="http://schemas.openxmlformats.org/officeDocument/2006/math">
+                    <m:sSubSup>
+                      <m:sSubSupPr>
+                        <m:ctrlPr>
+                          <a:rPr lang="en-US" altLang="zh-TW" sz="1800" i="1" smtClean="0">
+                            <a:latin typeface="Cambria Math" panose="02040503050406030204" pitchFamily="18" charset="0"/>
+                            <a:ea typeface="標楷體" panose="03000509000000000000" pitchFamily="65" charset="-120"/>
+                            <a:cs typeface="Times" panose="02020603050405020304" pitchFamily="18" charset="0"/>
+                          </a:rPr>
+                        </m:ctrlPr>
+                      </m:sSubSupPr>
+                      <m:e>
+                        <m:r>
+                          <a:rPr lang="en-US" altLang="zh-TW" sz="1800" b="0" i="1" smtClean="0">
+                            <a:latin typeface="Cambria Math" panose="02040503050406030204" pitchFamily="18" charset="0"/>
+                            <a:ea typeface="標楷體" panose="03000509000000000000" pitchFamily="65" charset="-120"/>
+                            <a:cs typeface="Times" panose="02020603050405020304" pitchFamily="18" charset="0"/>
+                          </a:rPr>
+                          <m:t>𝑚</m:t>
+                        </m:r>
+                      </m:e>
+                      <m:sub>
+                        <m:r>
+                          <a:rPr lang="en-US" altLang="zh-TW" sz="1800" b="0" i="1" smtClean="0">
+                            <a:latin typeface="Cambria Math" panose="02040503050406030204" pitchFamily="18" charset="0"/>
+                            <a:ea typeface="標楷體" panose="03000509000000000000" pitchFamily="65" charset="-120"/>
+                            <a:cs typeface="Times" panose="02020603050405020304" pitchFamily="18" charset="0"/>
+                          </a:rPr>
+                          <m:t>𝑖</m:t>
+                        </m:r>
+                      </m:sub>
+                      <m:sup>
+                        <m:d>
+                          <m:dPr>
+                            <m:ctrlPr>
+                              <a:rPr lang="en-US" altLang="zh-TW" sz="1800" b="0" i="1" smtClean="0">
+                                <a:latin typeface="Cambria Math" panose="02040503050406030204" pitchFamily="18" charset="0"/>
+                                <a:ea typeface="標楷體" panose="03000509000000000000" pitchFamily="65" charset="-120"/>
+                                <a:cs typeface="Times" panose="02020603050405020304" pitchFamily="18" charset="0"/>
+                              </a:rPr>
+                            </m:ctrlPr>
+                          </m:dPr>
+                          <m:e>
+                            <m:r>
+                              <a:rPr lang="en-US" altLang="zh-TW" sz="1800" b="0" i="1" smtClean="0">
+                                <a:latin typeface="Cambria Math" panose="02040503050406030204" pitchFamily="18" charset="0"/>
+                                <a:ea typeface="標楷體" panose="03000509000000000000" pitchFamily="65" charset="-120"/>
+                                <a:cs typeface="Times" panose="02020603050405020304" pitchFamily="18" charset="0"/>
+                              </a:rPr>
+                              <m:t>𝑘</m:t>
+                            </m:r>
+                          </m:e>
+                        </m:d>
+                      </m:sup>
+                    </m:sSubSup>
+                  </m:oMath>
+                </a14:m>
+                <a:r>
+                  <a:rPr lang="en-US" altLang="zh-TW" sz="1800" dirty="0">
+                    <a:latin typeface="Times" panose="02020603050405020304" pitchFamily="18" charset="0"/>
+                    <a:ea typeface="標楷體" panose="03000509000000000000" pitchFamily="65" charset="-120"/>
+                    <a:cs typeface="Times" panose="02020603050405020304" pitchFamily="18" charset="0"/>
+                  </a:rPr>
+                  <a:t> consist </a:t>
+                </a:r>
+                <a14:m>
+                  <m:oMath xmlns:m="http://schemas.openxmlformats.org/officeDocument/2006/math">
+                    <m:sSubSup>
+                      <m:sSubSupPr>
+                        <m:ctrlPr>
+                          <a:rPr lang="en-US" altLang="zh-TW" sz="1800" i="1" smtClean="0">
+                            <a:latin typeface="Cambria Math" panose="02040503050406030204" pitchFamily="18" charset="0"/>
+                            <a:ea typeface="標楷體" panose="03000509000000000000" pitchFamily="65" charset="-120"/>
+                            <a:cs typeface="Times" panose="02020603050405020304" pitchFamily="18" charset="0"/>
+                          </a:rPr>
+                        </m:ctrlPr>
+                      </m:sSubSupPr>
+                      <m:e>
+                        <m:r>
+                          <a:rPr lang="zh-TW" altLang="en-US" sz="1800" i="1" smtClean="0">
+                            <a:latin typeface="Cambria Math" panose="02040503050406030204" pitchFamily="18" charset="0"/>
+                            <a:ea typeface="標楷體" panose="03000509000000000000" pitchFamily="65" charset="-120"/>
+                            <a:cs typeface="Times" panose="02020603050405020304" pitchFamily="18" charset="0"/>
+                          </a:rPr>
+                          <m:t>𝒴</m:t>
+                        </m:r>
+                      </m:e>
+                      <m:sub>
+                        <m:r>
+                          <a:rPr lang="en-US" altLang="zh-TW" sz="1800" b="0" i="1" smtClean="0">
+                            <a:latin typeface="Cambria Math" panose="02040503050406030204" pitchFamily="18" charset="0"/>
+                            <a:ea typeface="標楷體" panose="03000509000000000000" pitchFamily="65" charset="-120"/>
+                            <a:cs typeface="Times" panose="02020603050405020304" pitchFamily="18" charset="0"/>
+                          </a:rPr>
+                          <m:t>𝑖</m:t>
+                        </m:r>
+                      </m:sub>
+                      <m:sup>
+                        <m:r>
+                          <a:rPr lang="en-US" altLang="zh-TW" sz="1800" b="0" i="1" smtClean="0">
+                            <a:latin typeface="Cambria Math" panose="02040503050406030204" pitchFamily="18" charset="0"/>
+                            <a:ea typeface="標楷體" panose="03000509000000000000" pitchFamily="65" charset="-120"/>
+                            <a:cs typeface="Times" panose="02020603050405020304" pitchFamily="18" charset="0"/>
+                          </a:rPr>
+                          <m:t>(</m:t>
+                        </m:r>
+                        <m:r>
+                          <a:rPr lang="en-US" altLang="zh-TW" sz="1800" b="0" i="1" smtClean="0">
+                            <a:latin typeface="Cambria Math" panose="02040503050406030204" pitchFamily="18" charset="0"/>
+                            <a:ea typeface="標楷體" panose="03000509000000000000" pitchFamily="65" charset="-120"/>
+                            <a:cs typeface="Times" panose="02020603050405020304" pitchFamily="18" charset="0"/>
+                          </a:rPr>
+                          <m:t>𝑘</m:t>
+                        </m:r>
+                        <m:r>
+                          <a:rPr lang="en-US" altLang="zh-TW" sz="1800" b="0" i="1" smtClean="0">
+                            <a:latin typeface="Cambria Math" panose="02040503050406030204" pitchFamily="18" charset="0"/>
+                            <a:ea typeface="標楷體" panose="03000509000000000000" pitchFamily="65" charset="-120"/>
+                            <a:cs typeface="Times" panose="02020603050405020304" pitchFamily="18" charset="0"/>
+                          </a:rPr>
+                          <m:t>)</m:t>
+                        </m:r>
+                      </m:sup>
+                    </m:sSubSup>
+                    <m:r>
+                      <a:rPr lang="en-US" altLang="zh-TW" sz="1800" b="0" i="1" smtClean="0">
+                        <a:latin typeface="Cambria Math" panose="02040503050406030204" pitchFamily="18" charset="0"/>
+                        <a:ea typeface="標楷體" panose="03000509000000000000" pitchFamily="65" charset="-120"/>
+                        <a:cs typeface="Times" panose="02020603050405020304" pitchFamily="18" charset="0"/>
+                      </a:rPr>
+                      <m:t> ≔{</m:t>
+                    </m:r>
+                    <m:sSup>
+                      <m:sSupPr>
+                        <m:ctrlPr>
+                          <a:rPr lang="en-US" altLang="zh-TW" sz="1800" b="0" i="1" smtClean="0">
+                            <a:latin typeface="Cambria Math" panose="02040503050406030204" pitchFamily="18" charset="0"/>
+                            <a:ea typeface="標楷體" panose="03000509000000000000" pitchFamily="65" charset="-120"/>
+                            <a:cs typeface="Times" panose="02020603050405020304" pitchFamily="18" charset="0"/>
+                          </a:rPr>
+                        </m:ctrlPr>
+                      </m:sSupPr>
+                      <m:e>
+                        <m:r>
+                          <a:rPr lang="en-US" altLang="zh-TW" sz="1800" b="0" i="1" smtClean="0">
+                            <a:latin typeface="Cambria Math" panose="02040503050406030204" pitchFamily="18" charset="0"/>
+                            <a:ea typeface="標楷體" panose="03000509000000000000" pitchFamily="65" charset="-120"/>
+                            <a:cs typeface="Times" panose="02020603050405020304" pitchFamily="18" charset="0"/>
+                          </a:rPr>
+                          <m:t>𝑦</m:t>
+                        </m:r>
+                      </m:e>
+                      <m:sup>
+                        <m:d>
+                          <m:dPr>
+                            <m:ctrlPr>
+                              <a:rPr lang="en-US" altLang="zh-TW" sz="1800" b="0" i="1" smtClean="0">
+                                <a:latin typeface="Cambria Math" panose="02040503050406030204" pitchFamily="18" charset="0"/>
+                                <a:ea typeface="標楷體" panose="03000509000000000000" pitchFamily="65" charset="-120"/>
+                                <a:cs typeface="Times" panose="02020603050405020304" pitchFamily="18" charset="0"/>
+                              </a:rPr>
+                            </m:ctrlPr>
+                          </m:dPr>
+                          <m:e>
+                            <m:r>
+                              <a:rPr lang="en-US" altLang="zh-TW" sz="1800" b="0" i="1" smtClean="0">
+                                <a:latin typeface="Cambria Math" panose="02040503050406030204" pitchFamily="18" charset="0"/>
+                                <a:ea typeface="標楷體" panose="03000509000000000000" pitchFamily="65" charset="-120"/>
+                                <a:cs typeface="Times" panose="02020603050405020304" pitchFamily="18" charset="0"/>
+                              </a:rPr>
+                              <m:t>𝑘</m:t>
+                            </m:r>
+                            <m:r>
+                              <a:rPr lang="en-US" altLang="zh-TW" sz="1800" b="0" i="1" smtClean="0">
+                                <a:latin typeface="Cambria Math" panose="02040503050406030204" pitchFamily="18" charset="0"/>
+                                <a:ea typeface="標楷體" panose="03000509000000000000" pitchFamily="65" charset="-120"/>
+                                <a:cs typeface="Times" panose="02020603050405020304" pitchFamily="18" charset="0"/>
+                              </a:rPr>
+                              <m:t>,</m:t>
+                            </m:r>
+                            <m:r>
+                              <a:rPr lang="en-US" altLang="zh-TW" sz="1800" b="0" i="1" smtClean="0">
+                                <a:latin typeface="Cambria Math" panose="02040503050406030204" pitchFamily="18" charset="0"/>
+                                <a:ea typeface="標楷體" panose="03000509000000000000" pitchFamily="65" charset="-120"/>
+                                <a:cs typeface="Times" panose="02020603050405020304" pitchFamily="18" charset="0"/>
+                              </a:rPr>
+                              <m:t>𝑖</m:t>
+                            </m:r>
+                          </m:e>
+                        </m:d>
+                      </m:sup>
+                    </m:sSup>
+                    <m:r>
+                      <a:rPr lang="en-US" altLang="zh-TW" sz="1800" b="0" i="1" smtClean="0">
+                        <a:latin typeface="Cambria Math" panose="02040503050406030204" pitchFamily="18" charset="0"/>
+                        <a:ea typeface="標楷體" panose="03000509000000000000" pitchFamily="65" charset="-120"/>
+                        <a:cs typeface="Times" panose="02020603050405020304" pitchFamily="18" charset="0"/>
+                      </a:rPr>
+                      <m:t>, </m:t>
+                    </m:r>
+                    <m:sSup>
+                      <m:sSupPr>
+                        <m:ctrlPr>
+                          <a:rPr lang="en-US" altLang="zh-TW" sz="1800" b="0" i="1" smtClean="0">
+                            <a:latin typeface="Cambria Math" panose="02040503050406030204" pitchFamily="18" charset="0"/>
+                            <a:ea typeface="標楷體" panose="03000509000000000000" pitchFamily="65" charset="-120"/>
+                            <a:cs typeface="Times" panose="02020603050405020304" pitchFamily="18" charset="0"/>
+                          </a:rPr>
+                        </m:ctrlPr>
+                      </m:sSupPr>
+                      <m:e>
+                        <m:r>
+                          <a:rPr lang="en-US" altLang="zh-TW" sz="1800" b="0" i="1" smtClean="0">
+                            <a:latin typeface="Cambria Math" panose="02040503050406030204" pitchFamily="18" charset="0"/>
+                            <a:ea typeface="標楷體" panose="03000509000000000000" pitchFamily="65" charset="-120"/>
+                            <a:cs typeface="Times" panose="02020603050405020304" pitchFamily="18" charset="0"/>
+                          </a:rPr>
+                          <m:t>𝑧</m:t>
+                        </m:r>
+                      </m:e>
+                      <m:sup>
+                        <m:d>
+                          <m:dPr>
+                            <m:ctrlPr>
+                              <a:rPr lang="en-US" altLang="zh-TW" sz="1800" b="0" i="1" smtClean="0">
+                                <a:latin typeface="Cambria Math" panose="02040503050406030204" pitchFamily="18" charset="0"/>
+                                <a:ea typeface="標楷體" panose="03000509000000000000" pitchFamily="65" charset="-120"/>
+                                <a:cs typeface="Times" panose="02020603050405020304" pitchFamily="18" charset="0"/>
+                              </a:rPr>
+                            </m:ctrlPr>
+                          </m:dPr>
+                          <m:e>
+                            <m:r>
+                              <a:rPr lang="en-US" altLang="zh-TW" sz="1800" b="0" i="1" smtClean="0">
+                                <a:latin typeface="Cambria Math" panose="02040503050406030204" pitchFamily="18" charset="0"/>
+                                <a:ea typeface="標楷體" panose="03000509000000000000" pitchFamily="65" charset="-120"/>
+                                <a:cs typeface="Times" panose="02020603050405020304" pitchFamily="18" charset="0"/>
+                              </a:rPr>
+                              <m:t>𝑘</m:t>
+                            </m:r>
+                            <m:r>
+                              <a:rPr lang="en-US" altLang="zh-TW" sz="1800" b="0" i="1" smtClean="0">
+                                <a:latin typeface="Cambria Math" panose="02040503050406030204" pitchFamily="18" charset="0"/>
+                                <a:ea typeface="標楷體" panose="03000509000000000000" pitchFamily="65" charset="-120"/>
+                                <a:cs typeface="Times" panose="02020603050405020304" pitchFamily="18" charset="0"/>
+                              </a:rPr>
+                              <m:t>,</m:t>
+                            </m:r>
+                            <m:r>
+                              <a:rPr lang="en-US" altLang="zh-TW" sz="1800" b="0" i="1" smtClean="0">
+                                <a:latin typeface="Cambria Math" panose="02040503050406030204" pitchFamily="18" charset="0"/>
+                                <a:ea typeface="標楷體" panose="03000509000000000000" pitchFamily="65" charset="-120"/>
+                                <a:cs typeface="Times" panose="02020603050405020304" pitchFamily="18" charset="0"/>
+                              </a:rPr>
+                              <m:t>𝑖</m:t>
+                            </m:r>
+                          </m:e>
+                        </m:d>
+                      </m:sup>
+                    </m:sSup>
+                    <m:r>
+                      <a:rPr lang="en-US" altLang="zh-TW" sz="1800" b="0" i="1" smtClean="0">
+                        <a:latin typeface="Cambria Math" panose="02040503050406030204" pitchFamily="18" charset="0"/>
+                        <a:ea typeface="標楷體" panose="03000509000000000000" pitchFamily="65" charset="-120"/>
+                        <a:cs typeface="Times" panose="02020603050405020304" pitchFamily="18" charset="0"/>
+                      </a:rPr>
+                      <m:t>, </m:t>
+                    </m:r>
+                    <m:sSup>
+                      <m:sSupPr>
+                        <m:ctrlPr>
+                          <a:rPr lang="en-US" altLang="zh-TW" sz="1800" b="0" i="1" smtClean="0">
+                            <a:latin typeface="Cambria Math" panose="02040503050406030204" pitchFamily="18" charset="0"/>
+                            <a:ea typeface="標楷體" panose="03000509000000000000" pitchFamily="65" charset="-120"/>
+                            <a:cs typeface="Times" panose="02020603050405020304" pitchFamily="18" charset="0"/>
+                          </a:rPr>
+                        </m:ctrlPr>
+                      </m:sSupPr>
+                      <m:e>
+                        <m:r>
+                          <a:rPr lang="en-US" altLang="zh-TW" sz="1800" b="0" i="1" smtClean="0">
+                            <a:latin typeface="Cambria Math" panose="02040503050406030204" pitchFamily="18" charset="0"/>
+                            <a:ea typeface="標楷體" panose="03000509000000000000" pitchFamily="65" charset="-120"/>
+                            <a:cs typeface="Times" panose="02020603050405020304" pitchFamily="18" charset="0"/>
+                          </a:rPr>
+                          <m:t>𝑤</m:t>
+                        </m:r>
+                      </m:e>
+                      <m:sup>
+                        <m:r>
+                          <a:rPr lang="en-US" altLang="zh-TW" sz="1800" b="0" i="1" smtClean="0">
+                            <a:latin typeface="Cambria Math" panose="02040503050406030204" pitchFamily="18" charset="0"/>
+                            <a:ea typeface="標楷體" panose="03000509000000000000" pitchFamily="65" charset="-120"/>
+                            <a:cs typeface="Times" panose="02020603050405020304" pitchFamily="18" charset="0"/>
+                          </a:rPr>
+                          <m:t>(</m:t>
+                        </m:r>
+                        <m:r>
+                          <a:rPr lang="en-US" altLang="zh-TW" sz="1800" b="0" i="1" smtClean="0">
+                            <a:latin typeface="Cambria Math" panose="02040503050406030204" pitchFamily="18" charset="0"/>
+                            <a:ea typeface="標楷體" panose="03000509000000000000" pitchFamily="65" charset="-120"/>
+                            <a:cs typeface="Times" panose="02020603050405020304" pitchFamily="18" charset="0"/>
+                          </a:rPr>
+                          <m:t>𝑘</m:t>
+                        </m:r>
+                        <m:r>
+                          <a:rPr lang="en-US" altLang="zh-TW" sz="1800" b="0" i="1" smtClean="0">
+                            <a:latin typeface="Cambria Math" panose="02040503050406030204" pitchFamily="18" charset="0"/>
+                            <a:ea typeface="標楷體" panose="03000509000000000000" pitchFamily="65" charset="-120"/>
+                            <a:cs typeface="Times" panose="02020603050405020304" pitchFamily="18" charset="0"/>
+                          </a:rPr>
+                          <m:t>,</m:t>
+                        </m:r>
+                        <m:r>
+                          <a:rPr lang="en-US" altLang="zh-TW" sz="1800" b="0" i="1" smtClean="0">
+                            <a:latin typeface="Cambria Math" panose="02040503050406030204" pitchFamily="18" charset="0"/>
+                            <a:ea typeface="標楷體" panose="03000509000000000000" pitchFamily="65" charset="-120"/>
+                            <a:cs typeface="Times" panose="02020603050405020304" pitchFamily="18" charset="0"/>
+                          </a:rPr>
+                          <m:t>𝑖</m:t>
+                        </m:r>
+                        <m:r>
+                          <a:rPr lang="en-US" altLang="zh-TW" sz="1800" b="0" i="1" smtClean="0">
+                            <a:latin typeface="Cambria Math" panose="02040503050406030204" pitchFamily="18" charset="0"/>
+                            <a:ea typeface="標楷體" panose="03000509000000000000" pitchFamily="65" charset="-120"/>
+                            <a:cs typeface="Times" panose="02020603050405020304" pitchFamily="18" charset="0"/>
+                          </a:rPr>
+                          <m:t>)</m:t>
+                        </m:r>
+                      </m:sup>
+                    </m:sSup>
+                    <m:r>
+                      <a:rPr lang="en-US" altLang="zh-TW" sz="1800" b="0" i="1" smtClean="0">
+                        <a:latin typeface="Cambria Math" panose="02040503050406030204" pitchFamily="18" charset="0"/>
+                        <a:ea typeface="標楷體" panose="03000509000000000000" pitchFamily="65" charset="-120"/>
+                        <a:cs typeface="Times" panose="02020603050405020304" pitchFamily="18" charset="0"/>
+                      </a:rPr>
+                      <m:t>}</m:t>
+                    </m:r>
+                  </m:oMath>
+                </a14:m>
+                <a:r>
+                  <a:rPr lang="en-US" altLang="zh-TW" sz="1800" dirty="0">
+                    <a:latin typeface="Times" panose="02020603050405020304" pitchFamily="18" charset="0"/>
+                    <a:ea typeface="標楷體" panose="03000509000000000000" pitchFamily="65" charset="-120"/>
+                    <a:cs typeface="Times" panose="02020603050405020304" pitchFamily="18" charset="0"/>
+                  </a:rPr>
+                  <a:t>, then the interpolation follows:</a:t>
+                </a:r>
+                <a:endParaRPr lang="zh-TW" altLang="en-US" sz="1800" dirty="0">
+                  <a:latin typeface="Times" panose="02020603050405020304" pitchFamily="18" charset="0"/>
+                  <a:ea typeface="標楷體" panose="03000509000000000000" pitchFamily="65" charset="-120"/>
+                  <a:cs typeface="Times" panose="02020603050405020304" pitchFamily="18" charset="0"/>
+                </a:endParaRPr>
+              </a:p>
+            </p:txBody>
+          </p:sp>
+        </mc:Choice>
+        <mc:Fallback>
+          <p:sp>
+            <p:nvSpPr>
+              <p:cNvPr id="3" name="內容版面配置區 2">
+                <a:extLst>
+                  <a:ext uri="{FF2B5EF4-FFF2-40B4-BE49-F238E27FC236}">
+                    <a16:creationId xmlns:a16="http://schemas.microsoft.com/office/drawing/2014/main" id="{CD74F3A4-97A5-7640-801C-D093727610C1}"/>
+                  </a:ext>
+                </a:extLst>
+              </p:cNvPr>
+              <p:cNvSpPr>
+                <a:spLocks noGrp="1" noRot="1" noChangeAspect="1" noMove="1" noResize="1" noEditPoints="1" noAdjustHandles="1" noChangeArrowheads="1" noChangeShapeType="1" noTextEdit="1"/>
+              </p:cNvSpPr>
+              <p:nvPr>
+                <p:ph idx="1"/>
+              </p:nvPr>
+            </p:nvSpPr>
+            <p:spPr>
+              <a:xfrm>
+                <a:off x="838200" y="1825625"/>
+                <a:ext cx="10515600" cy="4895850"/>
+              </a:xfrm>
+              <a:blipFill>
+                <a:blip r:embed="rId3"/>
+                <a:stretch>
+                  <a:fillRect l="-696"/>
+                </a:stretch>
+              </a:blipFill>
+            </p:spPr>
+            <p:txBody>
+              <a:bodyPr/>
+              <a:lstStyle/>
+              <a:p>
+                <a:r>
+                  <a:rPr lang="zh-TW" altLang="en-US">
+                    <a:noFill/>
+                  </a:rPr>
+                  <a:t> </a:t>
+                </a:r>
+              </a:p>
+            </p:txBody>
+          </p:sp>
+        </mc:Fallback>
+      </mc:AlternateContent>
+      <p:sp>
+        <p:nvSpPr>
+          <p:cNvPr id="4" name="投影片編號版面配置區 3">
+            <a:extLst>
+              <a:ext uri="{FF2B5EF4-FFF2-40B4-BE49-F238E27FC236}">
+                <a16:creationId xmlns:a16="http://schemas.microsoft.com/office/drawing/2014/main" id="{98B5C8A6-9E09-A340-C475-439F204D7E17}"/>
               </a:ext>
             </a:extLst>
           </p:cNvPr>
@@ -7614,56 +10339,976 @@
               <a:rPr lang="en-US" smtClean="0"/>
               <a:t>13</a:t>
             </a:fld>
-            <a:endParaRPr lang="en-US"/>
-          </a:p>
-        </p:txBody>
-      </p:sp>
-      <p:sp>
-        <p:nvSpPr>
-          <p:cNvPr id="5" name="TextBox 4">
+            <a:endParaRPr lang="en-US" dirty="0"/>
+          </a:p>
+        </p:txBody>
+      </p:sp>
+      <p:pic>
+        <p:nvPicPr>
+          <p:cNvPr id="6" name="圖片 5">
             <a:extLst>
               <a:ext uri="{FF2B5EF4-FFF2-40B4-BE49-F238E27FC236}">
-                <a16:creationId xmlns:a16="http://schemas.microsoft.com/office/drawing/2014/main" id="{DE342AA9-4E4B-2420-9858-9BBA5A519307}"/>
+                <a16:creationId xmlns:a16="http://schemas.microsoft.com/office/drawing/2014/main" id="{C7F4C9ED-2665-52AA-0835-3115DDA2B696}"/>
               </a:ext>
             </a:extLst>
           </p:cNvPr>
-          <p:cNvSpPr txBox="1"/>
+          <p:cNvPicPr>
+            <a:picLocks noChangeAspect="1"/>
+          </p:cNvPicPr>
           <p:nvPr/>
-        </p:nvSpPr>
+        </p:nvPicPr>
+        <p:blipFill>
+          <a:blip r:embed="rId4"/>
+          <a:stretch>
+            <a:fillRect/>
+          </a:stretch>
+        </p:blipFill>
         <p:spPr>
           <a:xfrm>
-            <a:off x="2697986" y="2967335"/>
-            <a:ext cx="6936514" cy="923330"/>
+            <a:off x="1199416" y="2487180"/>
+            <a:ext cx="3798612" cy="681554"/>
           </a:xfrm>
           <a:prstGeom prst="rect">
             <a:avLst/>
           </a:prstGeom>
-          <a:noFill/>
         </p:spPr>
-        <p:txBody>
-          <a:bodyPr wrap="none" rtlCol="0">
-            <a:spAutoFit/>
-          </a:bodyPr>
+      </p:pic>
+      <p:pic>
+        <p:nvPicPr>
+          <p:cNvPr id="8" name="圖片 7">
+            <a:extLst>
+              <a:ext uri="{FF2B5EF4-FFF2-40B4-BE49-F238E27FC236}">
+                <a16:creationId xmlns:a16="http://schemas.microsoft.com/office/drawing/2014/main" id="{172E420E-0440-BF35-6FAA-6BD7B8A67FAD}"/>
+              </a:ext>
+            </a:extLst>
+          </p:cNvPr>
+          <p:cNvPicPr>
+            <a:picLocks noChangeAspect="1"/>
+          </p:cNvPicPr>
+          <p:nvPr/>
+        </p:nvPicPr>
+        <p:blipFill>
+          <a:blip r:embed="rId5"/>
+          <a:stretch>
+            <a:fillRect/>
+          </a:stretch>
+        </p:blipFill>
+        <p:spPr>
+          <a:xfrm>
+            <a:off x="6096000" y="3189516"/>
+            <a:ext cx="2970909" cy="391223"/>
+          </a:xfrm>
+          <a:prstGeom prst="rect">
+            <a:avLst/>
+          </a:prstGeom>
+        </p:spPr>
+      </p:pic>
+      <p:pic>
+        <p:nvPicPr>
+          <p:cNvPr id="12" name="圖片 11">
+            <a:extLst>
+              <a:ext uri="{FF2B5EF4-FFF2-40B4-BE49-F238E27FC236}">
+                <a16:creationId xmlns:a16="http://schemas.microsoft.com/office/drawing/2014/main" id="{362A6716-7B89-56FB-E028-419AEDA0A0CC}"/>
+              </a:ext>
+            </a:extLst>
+          </p:cNvPr>
+          <p:cNvPicPr>
+            <a:picLocks noChangeAspect="1"/>
+          </p:cNvPicPr>
+          <p:nvPr/>
+        </p:nvPicPr>
+        <p:blipFill>
+          <a:blip r:embed="rId6"/>
+          <a:stretch>
+            <a:fillRect/>
+          </a:stretch>
+        </p:blipFill>
+        <p:spPr>
+          <a:xfrm>
+            <a:off x="3713649" y="5173890"/>
+            <a:ext cx="4764701" cy="1365022"/>
+          </a:xfrm>
+          <a:prstGeom prst="rect">
+            <a:avLst/>
+          </a:prstGeom>
+        </p:spPr>
+      </p:pic>
+    </p:spTree>
+    <p:extLst>
+      <p:ext uri="{BB962C8B-B14F-4D97-AF65-F5344CB8AC3E}">
+        <p14:creationId xmlns:p14="http://schemas.microsoft.com/office/powerpoint/2010/main" val="1952878680"/>
+      </p:ext>
+    </p:extLst>
+  </p:cSld>
+  <p:clrMapOvr>
+    <a:masterClrMapping/>
+  </p:clrMapOvr>
+</p:sld>
+</file>
+
+<file path=ppt/slides/slide15.xml><?xml version="1.0" encoding="utf-8"?>
+<p:sld xmlns:a="http://schemas.openxmlformats.org/drawingml/2006/main" xmlns:r="http://schemas.openxmlformats.org/officeDocument/2006/relationships" xmlns:p="http://schemas.openxmlformats.org/presentationml/2006/main">
+  <p:cSld>
+    <p:spTree>
+      <p:nvGrpSpPr>
+        <p:cNvPr id="1" name=""/>
+        <p:cNvGrpSpPr/>
+        <p:nvPr/>
+      </p:nvGrpSpPr>
+      <p:grpSpPr>
+        <a:xfrm>
+          <a:off x="0" y="0"/>
+          <a:ext cx="0" cy="0"/>
+          <a:chOff x="0" y="0"/>
+          <a:chExt cx="0" cy="0"/>
+        </a:xfrm>
+      </p:grpSpPr>
+      <p:sp>
+        <p:nvSpPr>
+          <p:cNvPr id="2" name="標題 1">
+            <a:extLst>
+              <a:ext uri="{FF2B5EF4-FFF2-40B4-BE49-F238E27FC236}">
+                <a16:creationId xmlns:a16="http://schemas.microsoft.com/office/drawing/2014/main" id="{5CEA9D29-2BBD-0E1E-DBD3-F6145D6CBC63}"/>
+              </a:ext>
+            </a:extLst>
+          </p:cNvPr>
+          <p:cNvSpPr>
+            <a:spLocks noGrp="1"/>
+          </p:cNvSpPr>
+          <p:nvPr>
+            <p:ph type="title"/>
+          </p:nvPr>
+        </p:nvSpPr>
+        <p:spPr/>
+        <p:txBody>
+          <a:bodyPr/>
           <a:lstStyle/>
           <a:p>
             <a:r>
-              <a:rPr lang="en-US" altLang="zh-TW" sz="5400" dirty="0">
+              <a:rPr lang="en-US" altLang="zh-TW" sz="4000" dirty="0">
                 <a:latin typeface="Times" panose="02020603050405020304" pitchFamily="18" charset="0"/>
                 <a:cs typeface="Times" panose="02020603050405020304" pitchFamily="18" charset="0"/>
               </a:rPr>
-              <a:t>Thank you for listening!</a:t>
-            </a:r>
-            <a:endParaRPr lang="zh-TW" altLang="en-US" sz="5400" dirty="0">
+              <a:t>Algorithm - Detail</a:t>
+            </a:r>
+            <a:endParaRPr lang="zh-TW" altLang="en-US" dirty="0">
               <a:latin typeface="Times" panose="02020603050405020304" pitchFamily="18" charset="0"/>
               <a:cs typeface="Times" panose="02020603050405020304" pitchFamily="18" charset="0"/>
             </a:endParaRPr>
           </a:p>
         </p:txBody>
       </p:sp>
+      <p:sp>
+        <p:nvSpPr>
+          <p:cNvPr id="3" name="內容版面配置區 2">
+            <a:extLst>
+              <a:ext uri="{FF2B5EF4-FFF2-40B4-BE49-F238E27FC236}">
+                <a16:creationId xmlns:a16="http://schemas.microsoft.com/office/drawing/2014/main" id="{CD74F3A4-97A5-7640-801C-D093727610C1}"/>
+              </a:ext>
+            </a:extLst>
+          </p:cNvPr>
+          <p:cNvSpPr>
+            <a:spLocks noGrp="1"/>
+          </p:cNvSpPr>
+          <p:nvPr>
+            <p:ph idx="1"/>
+          </p:nvPr>
+        </p:nvSpPr>
+        <p:spPr>
+          <a:xfrm>
+            <a:off x="838200" y="1825625"/>
+            <a:ext cx="10515600" cy="4895850"/>
+          </a:xfrm>
+        </p:spPr>
+        <p:txBody>
+          <a:bodyPr>
+            <a:normAutofit/>
+          </a:bodyPr>
+          <a:lstStyle/>
+          <a:p>
+            <a:pPr>
+              <a:lnSpc>
+                <a:spcPct val="150000"/>
+              </a:lnSpc>
+            </a:pPr>
+            <a:endParaRPr lang="en-US" altLang="zh-TW" sz="2000" dirty="0">
+              <a:latin typeface="Times" panose="02020603050405020304" pitchFamily="18" charset="0"/>
+              <a:ea typeface="標楷體" panose="03000509000000000000" pitchFamily="65" charset="-120"/>
+              <a:cs typeface="Times" panose="02020603050405020304" pitchFamily="18" charset="0"/>
+            </a:endParaRPr>
+          </a:p>
+          <a:p>
+            <a:pPr>
+              <a:lnSpc>
+                <a:spcPct val="150000"/>
+              </a:lnSpc>
+            </a:pPr>
+            <a:endParaRPr lang="zh-TW" altLang="en-US" sz="2600" b="1" dirty="0">
+              <a:latin typeface="Times" panose="02020603050405020304" pitchFamily="18" charset="0"/>
+              <a:ea typeface="標楷體" panose="03000509000000000000" pitchFamily="65" charset="-120"/>
+              <a:cs typeface="Times" panose="02020603050405020304" pitchFamily="18" charset="0"/>
+            </a:endParaRPr>
+          </a:p>
+        </p:txBody>
+      </p:sp>
+      <p:sp>
+        <p:nvSpPr>
+          <p:cNvPr id="4" name="投影片編號版面配置區 3">
+            <a:extLst>
+              <a:ext uri="{FF2B5EF4-FFF2-40B4-BE49-F238E27FC236}">
+                <a16:creationId xmlns:a16="http://schemas.microsoft.com/office/drawing/2014/main" id="{98B5C8A6-9E09-A340-C475-439F204D7E17}"/>
+              </a:ext>
+            </a:extLst>
+          </p:cNvPr>
+          <p:cNvSpPr>
+            <a:spLocks noGrp="1"/>
+          </p:cNvSpPr>
+          <p:nvPr>
+            <p:ph type="sldNum" sz="quarter" idx="12"/>
+          </p:nvPr>
+        </p:nvSpPr>
+        <p:spPr/>
+        <p:txBody>
+          <a:bodyPr/>
+          <a:lstStyle/>
+          <a:p>
+            <a:fld id="{666274A1-CF9C-426A-8DD4-B13ED0C24231}" type="slidenum">
+              <a:rPr lang="en-US" smtClean="0"/>
+              <a:t>14</a:t>
+            </a:fld>
+            <a:endParaRPr lang="en-US" dirty="0"/>
+          </a:p>
+        </p:txBody>
+      </p:sp>
     </p:spTree>
     <p:extLst>
       <p:ext uri="{BB962C8B-B14F-4D97-AF65-F5344CB8AC3E}">
-        <p14:creationId xmlns:p14="http://schemas.microsoft.com/office/powerpoint/2010/main" val="1947749228"/>
+        <p14:creationId xmlns:p14="http://schemas.microsoft.com/office/powerpoint/2010/main" val="4204651947"/>
+      </p:ext>
+    </p:extLst>
+  </p:cSld>
+  <p:clrMapOvr>
+    <a:masterClrMapping/>
+  </p:clrMapOvr>
+</p:sld>
+</file>
+
+<file path=ppt/slides/slide16.xml><?xml version="1.0" encoding="utf-8"?>
+<p:sld xmlns:a="http://schemas.openxmlformats.org/drawingml/2006/main" xmlns:r="http://schemas.openxmlformats.org/officeDocument/2006/relationships" xmlns:p="http://schemas.openxmlformats.org/presentationml/2006/main">
+  <p:cSld>
+    <p:spTree>
+      <p:nvGrpSpPr>
+        <p:cNvPr id="1" name=""/>
+        <p:cNvGrpSpPr/>
+        <p:nvPr/>
+      </p:nvGrpSpPr>
+      <p:grpSpPr>
+        <a:xfrm>
+          <a:off x="0" y="0"/>
+          <a:ext cx="0" cy="0"/>
+          <a:chOff x="0" y="0"/>
+          <a:chExt cx="0" cy="0"/>
+        </a:xfrm>
+      </p:grpSpPr>
+      <p:sp>
+        <p:nvSpPr>
+          <p:cNvPr id="2" name="標題 1">
+            <a:extLst>
+              <a:ext uri="{FF2B5EF4-FFF2-40B4-BE49-F238E27FC236}">
+                <a16:creationId xmlns:a16="http://schemas.microsoft.com/office/drawing/2014/main" id="{156C4346-F0F9-6C34-7427-C802A4D5EF8E}"/>
+              </a:ext>
+            </a:extLst>
+          </p:cNvPr>
+          <p:cNvSpPr>
+            <a:spLocks noGrp="1"/>
+          </p:cNvSpPr>
+          <p:nvPr>
+            <p:ph type="title"/>
+          </p:nvPr>
+        </p:nvSpPr>
+        <p:spPr/>
+        <p:txBody>
+          <a:bodyPr/>
+          <a:lstStyle/>
+          <a:p>
+            <a:r>
+              <a:rPr lang="en-US" altLang="zh-TW" dirty="0">
+                <a:latin typeface="Times" panose="02020603050405020304" pitchFamily="18" charset="0"/>
+                <a:cs typeface="Times" panose="02020603050405020304" pitchFamily="18" charset="0"/>
+              </a:rPr>
+              <a:t>Experimental Result</a:t>
+            </a:r>
+            <a:r>
+              <a:rPr lang="zh-TW" altLang="en-US" dirty="0">
+                <a:latin typeface="Times" panose="02020603050405020304" pitchFamily="18" charset="0"/>
+                <a:cs typeface="Times" panose="02020603050405020304" pitchFamily="18" charset="0"/>
+              </a:rPr>
+              <a:t> </a:t>
+            </a:r>
+            <a:r>
+              <a:rPr lang="en-US" altLang="zh-TW" dirty="0">
+                <a:latin typeface="Times" panose="02020603050405020304" pitchFamily="18" charset="0"/>
+                <a:cs typeface="Times" panose="02020603050405020304" pitchFamily="18" charset="0"/>
+              </a:rPr>
+              <a:t>-</a:t>
+            </a:r>
+            <a:r>
+              <a:rPr lang="zh-TW" altLang="en-US" dirty="0">
+                <a:latin typeface="Times" panose="02020603050405020304" pitchFamily="18" charset="0"/>
+                <a:cs typeface="Times" panose="02020603050405020304" pitchFamily="18" charset="0"/>
+              </a:rPr>
+              <a:t> </a:t>
+            </a:r>
+            <a:r>
+              <a:rPr lang="en-US" altLang="zh-TW" dirty="0">
+                <a:latin typeface="Times" panose="02020603050405020304" pitchFamily="18" charset="0"/>
+                <a:cs typeface="Times" panose="02020603050405020304" pitchFamily="18" charset="0"/>
+              </a:rPr>
+              <a:t>gradient</a:t>
+            </a:r>
+            <a:endParaRPr lang="zh-TW" altLang="en-US" dirty="0">
+              <a:latin typeface="Times" panose="02020603050405020304" pitchFamily="18" charset="0"/>
+              <a:cs typeface="Times" panose="02020603050405020304" pitchFamily="18" charset="0"/>
+            </a:endParaRPr>
+          </a:p>
+        </p:txBody>
+      </p:sp>
+      <p:sp>
+        <p:nvSpPr>
+          <p:cNvPr id="3" name="內容版面配置區 2">
+            <a:extLst>
+              <a:ext uri="{FF2B5EF4-FFF2-40B4-BE49-F238E27FC236}">
+                <a16:creationId xmlns:a16="http://schemas.microsoft.com/office/drawing/2014/main" id="{1041E5E8-EF09-59CE-C41D-D52F5FA6A43C}"/>
+              </a:ext>
+            </a:extLst>
+          </p:cNvPr>
+          <p:cNvSpPr>
+            <a:spLocks noGrp="1"/>
+          </p:cNvSpPr>
+          <p:nvPr>
+            <p:ph idx="1"/>
+          </p:nvPr>
+        </p:nvSpPr>
+        <p:spPr/>
+        <p:txBody>
+          <a:bodyPr>
+            <a:normAutofit/>
+          </a:bodyPr>
+          <a:lstStyle/>
+          <a:p>
+            <a:pPr>
+              <a:lnSpc>
+                <a:spcPct val="150000"/>
+              </a:lnSpc>
+            </a:pPr>
+            <a:r>
+              <a:rPr lang="en-US" altLang="zh-TW" sz="2200" dirty="0">
+                <a:latin typeface="Times" panose="02020603050405020304" pitchFamily="18" charset="0"/>
+                <a:cs typeface="Times" panose="02020603050405020304" pitchFamily="18" charset="0"/>
+              </a:rPr>
+              <a:t>All codes are implemented in C, and packed as a Python interface.</a:t>
+            </a:r>
+          </a:p>
+          <a:p>
+            <a:pPr>
+              <a:lnSpc>
+                <a:spcPct val="150000"/>
+              </a:lnSpc>
+            </a:pPr>
+            <a:r>
+              <a:rPr lang="en-US" altLang="zh-TW" sz="2200" dirty="0">
+                <a:latin typeface="Times" panose="02020603050405020304" pitchFamily="18" charset="0"/>
+                <a:cs typeface="Times" panose="02020603050405020304" pitchFamily="18" charset="0"/>
+              </a:rPr>
+              <a:t>All the tests of KOSIM were performed on a Lenovo ST8810 cluster.</a:t>
+            </a:r>
+            <a:endParaRPr lang="zh-TW" altLang="en-US" sz="2200" dirty="0">
+              <a:latin typeface="Times" panose="02020603050405020304" pitchFamily="18" charset="0"/>
+              <a:cs typeface="Times" panose="02020603050405020304" pitchFamily="18" charset="0"/>
+            </a:endParaRPr>
+          </a:p>
+        </p:txBody>
+      </p:sp>
+      <p:sp>
+        <p:nvSpPr>
+          <p:cNvPr id="4" name="投影片編號版面配置區 3">
+            <a:extLst>
+              <a:ext uri="{FF2B5EF4-FFF2-40B4-BE49-F238E27FC236}">
+                <a16:creationId xmlns:a16="http://schemas.microsoft.com/office/drawing/2014/main" id="{DA8021A9-0E61-87CE-88FE-1CFD6F3983FC}"/>
+              </a:ext>
+            </a:extLst>
+          </p:cNvPr>
+          <p:cNvSpPr>
+            <a:spLocks noGrp="1"/>
+          </p:cNvSpPr>
+          <p:nvPr>
+            <p:ph type="sldNum" sz="quarter" idx="12"/>
+          </p:nvPr>
+        </p:nvSpPr>
+        <p:spPr/>
+        <p:txBody>
+          <a:bodyPr/>
+          <a:lstStyle/>
+          <a:p>
+            <a:fld id="{666274A1-CF9C-426A-8DD4-B13ED0C24231}" type="slidenum">
+              <a:rPr lang="en-US" smtClean="0"/>
+              <a:t>15</a:t>
+            </a:fld>
+            <a:endParaRPr lang="en-US"/>
+          </a:p>
+        </p:txBody>
+      </p:sp>
+      <p:pic>
+        <p:nvPicPr>
+          <p:cNvPr id="6" name="圖片 5">
+            <a:extLst>
+              <a:ext uri="{FF2B5EF4-FFF2-40B4-BE49-F238E27FC236}">
+                <a16:creationId xmlns:a16="http://schemas.microsoft.com/office/drawing/2014/main" id="{7BBA7C5F-4FC7-A07A-5508-EAA68D91D68B}"/>
+              </a:ext>
+            </a:extLst>
+          </p:cNvPr>
+          <p:cNvPicPr>
+            <a:picLocks noChangeAspect="1"/>
+          </p:cNvPicPr>
+          <p:nvPr/>
+        </p:nvPicPr>
+        <p:blipFill>
+          <a:blip r:embed="rId3"/>
+          <a:stretch>
+            <a:fillRect/>
+          </a:stretch>
+        </p:blipFill>
+        <p:spPr>
+          <a:xfrm>
+            <a:off x="2207471" y="3429000"/>
+            <a:ext cx="7777058" cy="2923911"/>
+          </a:xfrm>
+          <a:prstGeom prst="rect">
+            <a:avLst/>
+          </a:prstGeom>
+        </p:spPr>
+      </p:pic>
+    </p:spTree>
+    <p:extLst>
+      <p:ext uri="{BB962C8B-B14F-4D97-AF65-F5344CB8AC3E}">
+        <p14:creationId xmlns:p14="http://schemas.microsoft.com/office/powerpoint/2010/main" val="3040401110"/>
+      </p:ext>
+    </p:extLst>
+  </p:cSld>
+  <p:clrMapOvr>
+    <a:masterClrMapping/>
+  </p:clrMapOvr>
+</p:sld>
+</file>
+
+<file path=ppt/slides/slide17.xml><?xml version="1.0" encoding="utf-8"?>
+<p:sld xmlns:a="http://schemas.openxmlformats.org/drawingml/2006/main" xmlns:r="http://schemas.openxmlformats.org/officeDocument/2006/relationships" xmlns:p="http://schemas.openxmlformats.org/presentationml/2006/main">
+  <p:cSld>
+    <p:spTree>
+      <p:nvGrpSpPr>
+        <p:cNvPr id="1" name=""/>
+        <p:cNvGrpSpPr/>
+        <p:nvPr/>
+      </p:nvGrpSpPr>
+      <p:grpSpPr>
+        <a:xfrm>
+          <a:off x="0" y="0"/>
+          <a:ext cx="0" cy="0"/>
+          <a:chOff x="0" y="0"/>
+          <a:chExt cx="0" cy="0"/>
+        </a:xfrm>
+      </p:grpSpPr>
+      <p:sp>
+        <p:nvSpPr>
+          <p:cNvPr id="2" name="標題 1">
+            <a:extLst>
+              <a:ext uri="{FF2B5EF4-FFF2-40B4-BE49-F238E27FC236}">
+                <a16:creationId xmlns:a16="http://schemas.microsoft.com/office/drawing/2014/main" id="{156C4346-F0F9-6C34-7427-C802A4D5EF8E}"/>
+              </a:ext>
+            </a:extLst>
+          </p:cNvPr>
+          <p:cNvSpPr>
+            <a:spLocks noGrp="1"/>
+          </p:cNvSpPr>
+          <p:nvPr>
+            <p:ph type="title"/>
+          </p:nvPr>
+        </p:nvSpPr>
+        <p:spPr/>
+        <p:txBody>
+          <a:bodyPr/>
+          <a:lstStyle/>
+          <a:p>
+            <a:r>
+              <a:rPr lang="en-US" altLang="zh-TW" dirty="0">
+                <a:latin typeface="Times" panose="02020603050405020304" pitchFamily="18" charset="0"/>
+                <a:cs typeface="Times" panose="02020603050405020304" pitchFamily="18" charset="0"/>
+              </a:rPr>
+              <a:t>Experimental Result - DFO </a:t>
+            </a:r>
+            <a:endParaRPr lang="zh-TW" altLang="en-US" dirty="0">
+              <a:latin typeface="Times" panose="02020603050405020304" pitchFamily="18" charset="0"/>
+              <a:cs typeface="Times" panose="02020603050405020304" pitchFamily="18" charset="0"/>
+            </a:endParaRPr>
+          </a:p>
+        </p:txBody>
+      </p:sp>
+      <p:sp>
+        <p:nvSpPr>
+          <p:cNvPr id="4" name="投影片編號版面配置區 3">
+            <a:extLst>
+              <a:ext uri="{FF2B5EF4-FFF2-40B4-BE49-F238E27FC236}">
+                <a16:creationId xmlns:a16="http://schemas.microsoft.com/office/drawing/2014/main" id="{DA8021A9-0E61-87CE-88FE-1CFD6F3983FC}"/>
+              </a:ext>
+            </a:extLst>
+          </p:cNvPr>
+          <p:cNvSpPr>
+            <a:spLocks noGrp="1"/>
+          </p:cNvSpPr>
+          <p:nvPr>
+            <p:ph type="sldNum" sz="quarter" idx="12"/>
+          </p:nvPr>
+        </p:nvSpPr>
+        <p:spPr/>
+        <p:txBody>
+          <a:bodyPr/>
+          <a:lstStyle/>
+          <a:p>
+            <a:fld id="{666274A1-CF9C-426A-8DD4-B13ED0C24231}" type="slidenum">
+              <a:rPr lang="en-US" smtClean="0"/>
+              <a:t>16</a:t>
+            </a:fld>
+            <a:endParaRPr lang="en-US"/>
+          </a:p>
+        </p:txBody>
+      </p:sp>
+      <p:pic>
+        <p:nvPicPr>
+          <p:cNvPr id="12" name="圖片 11">
+            <a:extLst>
+              <a:ext uri="{FF2B5EF4-FFF2-40B4-BE49-F238E27FC236}">
+                <a16:creationId xmlns:a16="http://schemas.microsoft.com/office/drawing/2014/main" id="{FD1B51DB-CA5A-9B47-8863-96A6CC30B3F8}"/>
+              </a:ext>
+            </a:extLst>
+          </p:cNvPr>
+          <p:cNvPicPr>
+            <a:picLocks noChangeAspect="1"/>
+          </p:cNvPicPr>
+          <p:nvPr/>
+        </p:nvPicPr>
+        <p:blipFill>
+          <a:blip r:embed="rId3"/>
+          <a:stretch>
+            <a:fillRect/>
+          </a:stretch>
+        </p:blipFill>
+        <p:spPr>
+          <a:xfrm>
+            <a:off x="1251574" y="1815340"/>
+            <a:ext cx="9688851" cy="4541010"/>
+          </a:xfrm>
+          <a:prstGeom prst="rect">
+            <a:avLst/>
+          </a:prstGeom>
+        </p:spPr>
+      </p:pic>
+    </p:spTree>
+    <p:extLst>
+      <p:ext uri="{BB962C8B-B14F-4D97-AF65-F5344CB8AC3E}">
+        <p14:creationId xmlns:p14="http://schemas.microsoft.com/office/powerpoint/2010/main" val="3147102672"/>
+      </p:ext>
+    </p:extLst>
+  </p:cSld>
+  <p:clrMapOvr>
+    <a:masterClrMapping/>
+  </p:clrMapOvr>
+</p:sld>
+</file>
+
+<file path=ppt/slides/slide18.xml><?xml version="1.0" encoding="utf-8"?>
+<p:sld xmlns:a="http://schemas.openxmlformats.org/drawingml/2006/main" xmlns:r="http://schemas.openxmlformats.org/officeDocument/2006/relationships" xmlns:p="http://schemas.openxmlformats.org/presentationml/2006/main">
+  <p:cSld>
+    <p:spTree>
+      <p:nvGrpSpPr>
+        <p:cNvPr id="1" name=""/>
+        <p:cNvGrpSpPr/>
+        <p:nvPr/>
+      </p:nvGrpSpPr>
+      <p:grpSpPr>
+        <a:xfrm>
+          <a:off x="0" y="0"/>
+          <a:ext cx="0" cy="0"/>
+          <a:chOff x="0" y="0"/>
+          <a:chExt cx="0" cy="0"/>
+        </a:xfrm>
+      </p:grpSpPr>
+      <p:sp>
+        <p:nvSpPr>
+          <p:cNvPr id="2" name="標題 1">
+            <a:extLst>
+              <a:ext uri="{FF2B5EF4-FFF2-40B4-BE49-F238E27FC236}">
+                <a16:creationId xmlns:a16="http://schemas.microsoft.com/office/drawing/2014/main" id="{156C4346-F0F9-6C34-7427-C802A4D5EF8E}"/>
+              </a:ext>
+            </a:extLst>
+          </p:cNvPr>
+          <p:cNvSpPr>
+            <a:spLocks noGrp="1"/>
+          </p:cNvSpPr>
+          <p:nvPr>
+            <p:ph type="title"/>
+          </p:nvPr>
+        </p:nvSpPr>
+        <p:spPr/>
+        <p:txBody>
+          <a:bodyPr/>
+          <a:lstStyle/>
+          <a:p>
+            <a:r>
+              <a:rPr lang="en-US" altLang="zh-TW" dirty="0">
+                <a:latin typeface="Times" panose="02020603050405020304" pitchFamily="18" charset="0"/>
+                <a:cs typeface="Times" panose="02020603050405020304" pitchFamily="18" charset="0"/>
+              </a:rPr>
+              <a:t>Experimental Result - DFO </a:t>
+            </a:r>
+            <a:endParaRPr lang="zh-TW" altLang="en-US" dirty="0">
+              <a:latin typeface="Times" panose="02020603050405020304" pitchFamily="18" charset="0"/>
+              <a:cs typeface="Times" panose="02020603050405020304" pitchFamily="18" charset="0"/>
+            </a:endParaRPr>
+          </a:p>
+        </p:txBody>
+      </p:sp>
+      <p:sp>
+        <p:nvSpPr>
+          <p:cNvPr id="4" name="投影片編號版面配置區 3">
+            <a:extLst>
+              <a:ext uri="{FF2B5EF4-FFF2-40B4-BE49-F238E27FC236}">
+                <a16:creationId xmlns:a16="http://schemas.microsoft.com/office/drawing/2014/main" id="{DA8021A9-0E61-87CE-88FE-1CFD6F3983FC}"/>
+              </a:ext>
+            </a:extLst>
+          </p:cNvPr>
+          <p:cNvSpPr>
+            <a:spLocks noGrp="1"/>
+          </p:cNvSpPr>
+          <p:nvPr>
+            <p:ph type="sldNum" sz="quarter" idx="12"/>
+          </p:nvPr>
+        </p:nvSpPr>
+        <p:spPr/>
+        <p:txBody>
+          <a:bodyPr/>
+          <a:lstStyle/>
+          <a:p>
+            <a:fld id="{666274A1-CF9C-426A-8DD4-B13ED0C24231}" type="slidenum">
+              <a:rPr lang="en-US" smtClean="0"/>
+              <a:t>17</a:t>
+            </a:fld>
+            <a:endParaRPr lang="en-US"/>
+          </a:p>
+        </p:txBody>
+      </p:sp>
+      <p:pic>
+        <p:nvPicPr>
+          <p:cNvPr id="9" name="圖片 8">
+            <a:extLst>
+              <a:ext uri="{FF2B5EF4-FFF2-40B4-BE49-F238E27FC236}">
+                <a16:creationId xmlns:a16="http://schemas.microsoft.com/office/drawing/2014/main" id="{25D741CE-F904-71D8-FFE7-B48E051549F9}"/>
+              </a:ext>
+            </a:extLst>
+          </p:cNvPr>
+          <p:cNvPicPr>
+            <a:picLocks noChangeAspect="1"/>
+          </p:cNvPicPr>
+          <p:nvPr/>
+        </p:nvPicPr>
+        <p:blipFill>
+          <a:blip r:embed="rId3"/>
+          <a:stretch>
+            <a:fillRect/>
+          </a:stretch>
+        </p:blipFill>
+        <p:spPr>
+          <a:xfrm>
+            <a:off x="1292411" y="1996042"/>
+            <a:ext cx="9607178" cy="4496833"/>
+          </a:xfrm>
+          <a:prstGeom prst="rect">
+            <a:avLst/>
+          </a:prstGeom>
+        </p:spPr>
+      </p:pic>
+    </p:spTree>
+    <p:extLst>
+      <p:ext uri="{BB962C8B-B14F-4D97-AF65-F5344CB8AC3E}">
+        <p14:creationId xmlns:p14="http://schemas.microsoft.com/office/powerpoint/2010/main" val="3808315696"/>
+      </p:ext>
+    </p:extLst>
+  </p:cSld>
+  <p:clrMapOvr>
+    <a:masterClrMapping/>
+  </p:clrMapOvr>
+</p:sld>
+</file>
+
+<file path=ppt/slides/slide19.xml><?xml version="1.0" encoding="utf-8"?>
+<p:sld xmlns:a="http://schemas.openxmlformats.org/drawingml/2006/main" xmlns:r="http://schemas.openxmlformats.org/officeDocument/2006/relationships" xmlns:p="http://schemas.openxmlformats.org/presentationml/2006/main">
+  <p:cSld>
+    <p:spTree>
+      <p:nvGrpSpPr>
+        <p:cNvPr id="1" name=""/>
+        <p:cNvGrpSpPr/>
+        <p:nvPr/>
+      </p:nvGrpSpPr>
+      <p:grpSpPr>
+        <a:xfrm>
+          <a:off x="0" y="0"/>
+          <a:ext cx="0" cy="0"/>
+          <a:chOff x="0" y="0"/>
+          <a:chExt cx="0" cy="0"/>
+        </a:xfrm>
+      </p:grpSpPr>
+      <p:sp>
+        <p:nvSpPr>
+          <p:cNvPr id="2" name="標題 1">
+            <a:extLst>
+              <a:ext uri="{FF2B5EF4-FFF2-40B4-BE49-F238E27FC236}">
+                <a16:creationId xmlns:a16="http://schemas.microsoft.com/office/drawing/2014/main" id="{156C4346-F0F9-6C34-7427-C802A4D5EF8E}"/>
+              </a:ext>
+            </a:extLst>
+          </p:cNvPr>
+          <p:cNvSpPr>
+            <a:spLocks noGrp="1"/>
+          </p:cNvSpPr>
+          <p:nvPr>
+            <p:ph type="title"/>
+          </p:nvPr>
+        </p:nvSpPr>
+        <p:spPr/>
+        <p:txBody>
+          <a:bodyPr/>
+          <a:lstStyle/>
+          <a:p>
+            <a:r>
+              <a:rPr lang="en-US" altLang="zh-TW" dirty="0">
+                <a:latin typeface="Times" panose="02020603050405020304" pitchFamily="18" charset="0"/>
+                <a:cs typeface="Times" panose="02020603050405020304" pitchFamily="18" charset="0"/>
+              </a:rPr>
+              <a:t>Experimental Result</a:t>
+            </a:r>
+            <a:r>
+              <a:rPr lang="zh-TW" altLang="en-US" dirty="0">
+                <a:latin typeface="Times" panose="02020603050405020304" pitchFamily="18" charset="0"/>
+                <a:cs typeface="Times" panose="02020603050405020304" pitchFamily="18" charset="0"/>
+              </a:rPr>
+              <a:t> </a:t>
+            </a:r>
+            <a:r>
+              <a:rPr lang="en-US" altLang="zh-TW" dirty="0">
+                <a:latin typeface="Times" panose="02020603050405020304" pitchFamily="18" charset="0"/>
+                <a:cs typeface="Times" panose="02020603050405020304" pitchFamily="18" charset="0"/>
+              </a:rPr>
+              <a:t>–</a:t>
+            </a:r>
+            <a:r>
+              <a:rPr lang="zh-TW" altLang="en-US" dirty="0">
+                <a:latin typeface="Times" panose="02020603050405020304" pitchFamily="18" charset="0"/>
+                <a:cs typeface="Times" panose="02020603050405020304" pitchFamily="18" charset="0"/>
+              </a:rPr>
+              <a:t> </a:t>
+            </a:r>
+            <a:r>
+              <a:rPr lang="en-US" altLang="zh-TW" dirty="0">
+                <a:latin typeface="Times" panose="02020603050405020304" pitchFamily="18" charset="0"/>
+                <a:cs typeface="Times" panose="02020603050405020304" pitchFamily="18" charset="0"/>
+              </a:rPr>
+              <a:t>Solve ILT</a:t>
+            </a:r>
+            <a:endParaRPr lang="zh-TW" altLang="en-US" dirty="0">
+              <a:latin typeface="Times" panose="02020603050405020304" pitchFamily="18" charset="0"/>
+              <a:cs typeface="Times" panose="02020603050405020304" pitchFamily="18" charset="0"/>
+            </a:endParaRPr>
+          </a:p>
+        </p:txBody>
+      </p:sp>
+      <mc:AlternateContent xmlns:mc="http://schemas.openxmlformats.org/markup-compatibility/2006">
+        <mc:Choice xmlns:a14="http://schemas.microsoft.com/office/drawing/2010/main" Requires="a14">
+          <p:sp>
+            <p:nvSpPr>
+              <p:cNvPr id="3" name="內容版面配置區 2">
+                <a:extLst>
+                  <a:ext uri="{FF2B5EF4-FFF2-40B4-BE49-F238E27FC236}">
+                    <a16:creationId xmlns:a16="http://schemas.microsoft.com/office/drawing/2014/main" id="{1041E5E8-EF09-59CE-C41D-D52F5FA6A43C}"/>
+                  </a:ext>
+                </a:extLst>
+              </p:cNvPr>
+              <p:cNvSpPr>
+                <a:spLocks noGrp="1"/>
+              </p:cNvSpPr>
+              <p:nvPr>
+                <p:ph idx="1"/>
+              </p:nvPr>
+            </p:nvSpPr>
+            <p:spPr/>
+            <p:txBody>
+              <a:bodyPr>
+                <a:normAutofit/>
+              </a:bodyPr>
+              <a:lstStyle/>
+              <a:p>
+                <a:pPr>
+                  <a:lnSpc>
+                    <a:spcPct val="150000"/>
+                  </a:lnSpc>
+                </a:pPr>
+                <a14:m>
+                  <m:oMath xmlns:m="http://schemas.openxmlformats.org/officeDocument/2006/math">
+                    <m:sSub>
+                      <m:sSubPr>
+                        <m:ctrlPr>
+                          <a:rPr lang="en-US" altLang="zh-TW" sz="2200" i="1" smtClean="0">
+                            <a:latin typeface="Cambria Math" panose="02040503050406030204" pitchFamily="18" charset="0"/>
+                            <a:cs typeface="Times" panose="02020603050405020304" pitchFamily="18" charset="0"/>
+                          </a:rPr>
+                        </m:ctrlPr>
+                      </m:sSubPr>
+                      <m:e>
+                        <m:r>
+                          <a:rPr lang="en-US" altLang="zh-TW" sz="2200" b="0" i="1" smtClean="0">
+                            <a:latin typeface="Cambria Math" panose="02040503050406030204" pitchFamily="18" charset="0"/>
+                            <a:cs typeface="Times" panose="02020603050405020304" pitchFamily="18" charset="0"/>
+                          </a:rPr>
+                          <m:t>𝑁</m:t>
+                        </m:r>
+                      </m:e>
+                      <m:sub>
+                        <m:r>
+                          <a:rPr lang="en-US" altLang="zh-TW" sz="2200" b="0" i="1" smtClean="0">
+                            <a:latin typeface="Cambria Math" panose="02040503050406030204" pitchFamily="18" charset="0"/>
+                            <a:cs typeface="Times" panose="02020603050405020304" pitchFamily="18" charset="0"/>
+                          </a:rPr>
+                          <m:t>𝑡</m:t>
+                        </m:r>
+                      </m:sub>
+                    </m:sSub>
+                    <m:r>
+                      <a:rPr lang="en-US" altLang="zh-TW" sz="2200" b="0" i="1" smtClean="0">
+                        <a:latin typeface="Cambria Math" panose="02040503050406030204" pitchFamily="18" charset="0"/>
+                        <a:cs typeface="Times" panose="02020603050405020304" pitchFamily="18" charset="0"/>
+                      </a:rPr>
+                      <m:t>=50.</m:t>
+                    </m:r>
+                  </m:oMath>
+                </a14:m>
+                <a:endParaRPr lang="zh-TW" altLang="en-US" sz="2200" dirty="0">
+                  <a:latin typeface="Times" panose="02020603050405020304" pitchFamily="18" charset="0"/>
+                  <a:cs typeface="Times" panose="02020603050405020304" pitchFamily="18" charset="0"/>
+                </a:endParaRPr>
+              </a:p>
+            </p:txBody>
+          </p:sp>
+        </mc:Choice>
+        <mc:Fallback>
+          <p:sp>
+            <p:nvSpPr>
+              <p:cNvPr id="3" name="內容版面配置區 2">
+                <a:extLst>
+                  <a:ext uri="{FF2B5EF4-FFF2-40B4-BE49-F238E27FC236}">
+                    <a16:creationId xmlns:a16="http://schemas.microsoft.com/office/drawing/2014/main" id="{1041E5E8-EF09-59CE-C41D-D52F5FA6A43C}"/>
+                  </a:ext>
+                </a:extLst>
+              </p:cNvPr>
+              <p:cNvSpPr>
+                <a:spLocks noGrp="1" noRot="1" noChangeAspect="1" noMove="1" noResize="1" noEditPoints="1" noAdjustHandles="1" noChangeArrowheads="1" noChangeShapeType="1" noTextEdit="1"/>
+              </p:cNvSpPr>
+              <p:nvPr>
+                <p:ph idx="1"/>
+              </p:nvPr>
+            </p:nvSpPr>
+            <p:spPr>
+              <a:blipFill>
+                <a:blip r:embed="rId3"/>
+                <a:stretch>
+                  <a:fillRect l="-696"/>
+                </a:stretch>
+              </a:blipFill>
+            </p:spPr>
+            <p:txBody>
+              <a:bodyPr/>
+              <a:lstStyle/>
+              <a:p>
+                <a:r>
+                  <a:rPr lang="zh-TW" altLang="en-US">
+                    <a:noFill/>
+                  </a:rPr>
+                  <a:t> </a:t>
+                </a:r>
+              </a:p>
+            </p:txBody>
+          </p:sp>
+        </mc:Fallback>
+      </mc:AlternateContent>
+      <p:sp>
+        <p:nvSpPr>
+          <p:cNvPr id="4" name="投影片編號版面配置區 3">
+            <a:extLst>
+              <a:ext uri="{FF2B5EF4-FFF2-40B4-BE49-F238E27FC236}">
+                <a16:creationId xmlns:a16="http://schemas.microsoft.com/office/drawing/2014/main" id="{DA8021A9-0E61-87CE-88FE-1CFD6F3983FC}"/>
+              </a:ext>
+            </a:extLst>
+          </p:cNvPr>
+          <p:cNvSpPr>
+            <a:spLocks noGrp="1"/>
+          </p:cNvSpPr>
+          <p:nvPr>
+            <p:ph type="sldNum" sz="quarter" idx="12"/>
+          </p:nvPr>
+        </p:nvSpPr>
+        <p:spPr/>
+        <p:txBody>
+          <a:bodyPr/>
+          <a:lstStyle/>
+          <a:p>
+            <a:fld id="{666274A1-CF9C-426A-8DD4-B13ED0C24231}" type="slidenum">
+              <a:rPr lang="en-US" smtClean="0"/>
+              <a:t>18</a:t>
+            </a:fld>
+            <a:endParaRPr lang="en-US"/>
+          </a:p>
+        </p:txBody>
+      </p:sp>
+      <p:pic>
+        <p:nvPicPr>
+          <p:cNvPr id="7" name="圖片 6">
+            <a:extLst>
+              <a:ext uri="{FF2B5EF4-FFF2-40B4-BE49-F238E27FC236}">
+                <a16:creationId xmlns:a16="http://schemas.microsoft.com/office/drawing/2014/main" id="{7AAEB05B-10C5-B917-E2C4-B69DE1ACB5DC}"/>
+              </a:ext>
+            </a:extLst>
+          </p:cNvPr>
+          <p:cNvPicPr>
+            <a:picLocks noChangeAspect="1"/>
+          </p:cNvPicPr>
+          <p:nvPr/>
+        </p:nvPicPr>
+        <p:blipFill>
+          <a:blip r:embed="rId4"/>
+          <a:stretch>
+            <a:fillRect/>
+          </a:stretch>
+        </p:blipFill>
+        <p:spPr>
+          <a:xfrm>
+            <a:off x="2620405" y="2601024"/>
+            <a:ext cx="6951189" cy="3669615"/>
+          </a:xfrm>
+          <a:prstGeom prst="rect">
+            <a:avLst/>
+          </a:prstGeom>
+        </p:spPr>
+      </p:pic>
+    </p:spTree>
+    <p:extLst>
+      <p:ext uri="{BB962C8B-B14F-4D97-AF65-F5344CB8AC3E}">
+        <p14:creationId xmlns:p14="http://schemas.microsoft.com/office/powerpoint/2010/main" val="1342745572"/>
       </p:ext>
     </p:extLst>
   </p:cSld>
@@ -8063,6 +11708,1059 @@
     <p:extLst>
       <p:ext uri="{BB962C8B-B14F-4D97-AF65-F5344CB8AC3E}">
         <p14:creationId xmlns:p14="http://schemas.microsoft.com/office/powerpoint/2010/main" val="1597209759"/>
+      </p:ext>
+    </p:extLst>
+  </p:cSld>
+  <p:clrMapOvr>
+    <a:masterClrMapping/>
+  </p:clrMapOvr>
+</p:sld>
+</file>
+
+<file path=ppt/slides/slide20.xml><?xml version="1.0" encoding="utf-8"?>
+<p:sld xmlns:a="http://schemas.openxmlformats.org/drawingml/2006/main" xmlns:r="http://schemas.openxmlformats.org/officeDocument/2006/relationships" xmlns:p="http://schemas.openxmlformats.org/presentationml/2006/main">
+  <p:cSld>
+    <p:spTree>
+      <p:nvGrpSpPr>
+        <p:cNvPr id="1" name=""/>
+        <p:cNvGrpSpPr/>
+        <p:nvPr/>
+      </p:nvGrpSpPr>
+      <p:grpSpPr>
+        <a:xfrm>
+          <a:off x="0" y="0"/>
+          <a:ext cx="0" cy="0"/>
+          <a:chOff x="0" y="0"/>
+          <a:chExt cx="0" cy="0"/>
+        </a:xfrm>
+      </p:grpSpPr>
+      <p:sp>
+        <p:nvSpPr>
+          <p:cNvPr id="2" name="標題 1">
+            <a:extLst>
+              <a:ext uri="{FF2B5EF4-FFF2-40B4-BE49-F238E27FC236}">
+                <a16:creationId xmlns:a16="http://schemas.microsoft.com/office/drawing/2014/main" id="{156C4346-F0F9-6C34-7427-C802A4D5EF8E}"/>
+              </a:ext>
+            </a:extLst>
+          </p:cNvPr>
+          <p:cNvSpPr>
+            <a:spLocks noGrp="1"/>
+          </p:cNvSpPr>
+          <p:nvPr>
+            <p:ph type="title"/>
+          </p:nvPr>
+        </p:nvSpPr>
+        <p:spPr/>
+        <p:txBody>
+          <a:bodyPr/>
+          <a:lstStyle/>
+          <a:p>
+            <a:r>
+              <a:rPr lang="en-US" altLang="zh-TW" dirty="0">
+                <a:latin typeface="Times" panose="02020603050405020304" pitchFamily="18" charset="0"/>
+                <a:cs typeface="Times" panose="02020603050405020304" pitchFamily="18" charset="0"/>
+              </a:rPr>
+              <a:t>Experimental Result</a:t>
+            </a:r>
+            <a:r>
+              <a:rPr lang="zh-TW" altLang="en-US" dirty="0">
+                <a:latin typeface="Times" panose="02020603050405020304" pitchFamily="18" charset="0"/>
+                <a:cs typeface="Times" panose="02020603050405020304" pitchFamily="18" charset="0"/>
+              </a:rPr>
+              <a:t> </a:t>
+            </a:r>
+            <a:r>
+              <a:rPr lang="en-US" altLang="zh-TW" dirty="0">
+                <a:latin typeface="Times" panose="02020603050405020304" pitchFamily="18" charset="0"/>
+                <a:cs typeface="Times" panose="02020603050405020304" pitchFamily="18" charset="0"/>
+              </a:rPr>
+              <a:t>–</a:t>
+            </a:r>
+            <a:r>
+              <a:rPr lang="zh-TW" altLang="en-US" dirty="0">
+                <a:latin typeface="Times" panose="02020603050405020304" pitchFamily="18" charset="0"/>
+                <a:cs typeface="Times" panose="02020603050405020304" pitchFamily="18" charset="0"/>
+              </a:rPr>
+              <a:t> </a:t>
+            </a:r>
+            <a:r>
+              <a:rPr lang="en-US" altLang="zh-TW" dirty="0">
+                <a:latin typeface="Times" panose="02020603050405020304" pitchFamily="18" charset="0"/>
+                <a:cs typeface="Times" panose="02020603050405020304" pitchFamily="18" charset="0"/>
+              </a:rPr>
+              <a:t>Solve ILT</a:t>
+            </a:r>
+            <a:endParaRPr lang="zh-TW" altLang="en-US" dirty="0">
+              <a:latin typeface="Times" panose="02020603050405020304" pitchFamily="18" charset="0"/>
+              <a:cs typeface="Times" panose="02020603050405020304" pitchFamily="18" charset="0"/>
+            </a:endParaRPr>
+          </a:p>
+        </p:txBody>
+      </p:sp>
+      <p:pic>
+        <p:nvPicPr>
+          <p:cNvPr id="6" name="內容版面配置區 5">
+            <a:extLst>
+              <a:ext uri="{FF2B5EF4-FFF2-40B4-BE49-F238E27FC236}">
+                <a16:creationId xmlns:a16="http://schemas.microsoft.com/office/drawing/2014/main" id="{711A00E1-A08E-2E5C-A564-A6EAE8697431}"/>
+              </a:ext>
+            </a:extLst>
+          </p:cNvPr>
+          <p:cNvPicPr>
+            <a:picLocks noGrp="1" noChangeAspect="1"/>
+          </p:cNvPicPr>
+          <p:nvPr>
+            <p:ph idx="1"/>
+          </p:nvPr>
+        </p:nvPicPr>
+        <p:blipFill>
+          <a:blip r:embed="rId3"/>
+          <a:stretch>
+            <a:fillRect/>
+          </a:stretch>
+        </p:blipFill>
+        <p:spPr>
+          <a:xfrm>
+            <a:off x="4985336" y="1690688"/>
+            <a:ext cx="5716367" cy="4351338"/>
+          </a:xfrm>
+        </p:spPr>
+      </p:pic>
+      <p:sp>
+        <p:nvSpPr>
+          <p:cNvPr id="4" name="投影片編號版面配置區 3">
+            <a:extLst>
+              <a:ext uri="{FF2B5EF4-FFF2-40B4-BE49-F238E27FC236}">
+                <a16:creationId xmlns:a16="http://schemas.microsoft.com/office/drawing/2014/main" id="{DA8021A9-0E61-87CE-88FE-1CFD6F3983FC}"/>
+              </a:ext>
+            </a:extLst>
+          </p:cNvPr>
+          <p:cNvSpPr>
+            <a:spLocks noGrp="1"/>
+          </p:cNvSpPr>
+          <p:nvPr>
+            <p:ph type="sldNum" sz="quarter" idx="12"/>
+          </p:nvPr>
+        </p:nvSpPr>
+        <p:spPr/>
+        <p:txBody>
+          <a:bodyPr/>
+          <a:lstStyle/>
+          <a:p>
+            <a:fld id="{666274A1-CF9C-426A-8DD4-B13ED0C24231}" type="slidenum">
+              <a:rPr lang="en-US" smtClean="0"/>
+              <a:t>19</a:t>
+            </a:fld>
+            <a:endParaRPr lang="en-US"/>
+          </a:p>
+        </p:txBody>
+      </p:sp>
+      <mc:AlternateContent xmlns:mc="http://schemas.openxmlformats.org/markup-compatibility/2006">
+        <mc:Choice xmlns:a14="http://schemas.microsoft.com/office/drawing/2010/main" Requires="a14">
+          <p:sp>
+            <p:nvSpPr>
+              <p:cNvPr id="8" name="內容版面配置區 4">
+                <a:extLst>
+                  <a:ext uri="{FF2B5EF4-FFF2-40B4-BE49-F238E27FC236}">
+                    <a16:creationId xmlns:a16="http://schemas.microsoft.com/office/drawing/2014/main" id="{9707CB4B-975E-6483-0AFB-B4DDDD2E5643}"/>
+                  </a:ext>
+                </a:extLst>
+              </p:cNvPr>
+              <p:cNvSpPr txBox="1">
+                <a:spLocks/>
+              </p:cNvSpPr>
+              <p:nvPr/>
+            </p:nvSpPr>
+            <p:spPr>
+              <a:xfrm>
+                <a:off x="838200" y="1825625"/>
+                <a:ext cx="10515600" cy="4351338"/>
+              </a:xfrm>
+              <a:prstGeom prst="rect">
+                <a:avLst/>
+              </a:prstGeom>
+            </p:spPr>
+            <p:txBody>
+              <a:bodyPr vert="horz" lIns="91440" tIns="45720" rIns="91440" bIns="45720" rtlCol="0">
+                <a:normAutofit/>
+              </a:bodyPr>
+              <a:lstStyle>
+                <a:lvl1pPr marL="228600" indent="-228600" algn="l" defTabSz="914400" rtl="0" eaLnBrk="1" latinLnBrk="0" hangingPunct="1">
+                  <a:lnSpc>
+                    <a:spcPct val="90000"/>
+                  </a:lnSpc>
+                  <a:spcBef>
+                    <a:spcPts val="1000"/>
+                  </a:spcBef>
+                  <a:buFont typeface="Arial" panose="020B0604020202020204" pitchFamily="34" charset="0"/>
+                  <a:buChar char="•"/>
+                  <a:defRPr sz="2800" kern="1200">
+                    <a:solidFill>
+                      <a:schemeClr val="tx1"/>
+                    </a:solidFill>
+                    <a:latin typeface="+mn-lt"/>
+                    <a:ea typeface="+mn-ea"/>
+                    <a:cs typeface="+mn-cs"/>
+                  </a:defRPr>
+                </a:lvl1pPr>
+                <a:lvl2pPr marL="685800" indent="-228600" algn="l" defTabSz="914400" rtl="0" eaLnBrk="1" latinLnBrk="0" hangingPunct="1">
+                  <a:lnSpc>
+                    <a:spcPct val="90000"/>
+                  </a:lnSpc>
+                  <a:spcBef>
+                    <a:spcPts val="500"/>
+                  </a:spcBef>
+                  <a:buFont typeface="Arial" panose="020B0604020202020204" pitchFamily="34" charset="0"/>
+                  <a:buChar char="•"/>
+                  <a:defRPr sz="2400" kern="1200">
+                    <a:solidFill>
+                      <a:schemeClr val="tx1"/>
+                    </a:solidFill>
+                    <a:latin typeface="+mn-lt"/>
+                    <a:ea typeface="+mn-ea"/>
+                    <a:cs typeface="+mn-cs"/>
+                  </a:defRPr>
+                </a:lvl2pPr>
+                <a:lvl3pPr marL="1143000" indent="-228600" algn="l" defTabSz="914400" rtl="0" eaLnBrk="1" latinLnBrk="0" hangingPunct="1">
+                  <a:lnSpc>
+                    <a:spcPct val="90000"/>
+                  </a:lnSpc>
+                  <a:spcBef>
+                    <a:spcPts val="500"/>
+                  </a:spcBef>
+                  <a:buFont typeface="Arial" panose="020B0604020202020204" pitchFamily="34" charset="0"/>
+                  <a:buChar char="•"/>
+                  <a:defRPr sz="2000" kern="1200">
+                    <a:solidFill>
+                      <a:schemeClr val="tx1"/>
+                    </a:solidFill>
+                    <a:latin typeface="+mn-lt"/>
+                    <a:ea typeface="+mn-ea"/>
+                    <a:cs typeface="+mn-cs"/>
+                  </a:defRPr>
+                </a:lvl3pPr>
+                <a:lvl4pPr marL="1600200" indent="-228600" algn="l" defTabSz="914400" rtl="0" eaLnBrk="1" latinLnBrk="0" hangingPunct="1">
+                  <a:lnSpc>
+                    <a:spcPct val="90000"/>
+                  </a:lnSpc>
+                  <a:spcBef>
+                    <a:spcPts val="500"/>
+                  </a:spcBef>
+                  <a:buFont typeface="Arial" panose="020B0604020202020204" pitchFamily="34" charset="0"/>
+                  <a:buChar char="•"/>
+                  <a:defRPr sz="1800" kern="1200">
+                    <a:solidFill>
+                      <a:schemeClr val="tx1"/>
+                    </a:solidFill>
+                    <a:latin typeface="+mn-lt"/>
+                    <a:ea typeface="+mn-ea"/>
+                    <a:cs typeface="+mn-cs"/>
+                  </a:defRPr>
+                </a:lvl4pPr>
+                <a:lvl5pPr marL="2057400" indent="-228600" algn="l" defTabSz="914400" rtl="0" eaLnBrk="1" latinLnBrk="0" hangingPunct="1">
+                  <a:lnSpc>
+                    <a:spcPct val="90000"/>
+                  </a:lnSpc>
+                  <a:spcBef>
+                    <a:spcPts val="500"/>
+                  </a:spcBef>
+                  <a:buFont typeface="Arial" panose="020B0604020202020204" pitchFamily="34" charset="0"/>
+                  <a:buChar char="•"/>
+                  <a:defRPr sz="1800" kern="1200">
+                    <a:solidFill>
+                      <a:schemeClr val="tx1"/>
+                    </a:solidFill>
+                    <a:latin typeface="+mn-lt"/>
+                    <a:ea typeface="+mn-ea"/>
+                    <a:cs typeface="+mn-cs"/>
+                  </a:defRPr>
+                </a:lvl5pPr>
+                <a:lvl6pPr marL="2514600" indent="-228600" algn="l" defTabSz="914400" rtl="0" eaLnBrk="1" latinLnBrk="0" hangingPunct="1">
+                  <a:lnSpc>
+                    <a:spcPct val="90000"/>
+                  </a:lnSpc>
+                  <a:spcBef>
+                    <a:spcPts val="500"/>
+                  </a:spcBef>
+                  <a:buFont typeface="Arial" panose="020B0604020202020204" pitchFamily="34" charset="0"/>
+                  <a:buChar char="•"/>
+                  <a:defRPr sz="1800" kern="1200">
+                    <a:solidFill>
+                      <a:schemeClr val="tx1"/>
+                    </a:solidFill>
+                    <a:latin typeface="+mn-lt"/>
+                    <a:ea typeface="+mn-ea"/>
+                    <a:cs typeface="+mn-cs"/>
+                  </a:defRPr>
+                </a:lvl6pPr>
+                <a:lvl7pPr marL="2971800" indent="-228600" algn="l" defTabSz="914400" rtl="0" eaLnBrk="1" latinLnBrk="0" hangingPunct="1">
+                  <a:lnSpc>
+                    <a:spcPct val="90000"/>
+                  </a:lnSpc>
+                  <a:spcBef>
+                    <a:spcPts val="500"/>
+                  </a:spcBef>
+                  <a:buFont typeface="Arial" panose="020B0604020202020204" pitchFamily="34" charset="0"/>
+                  <a:buChar char="•"/>
+                  <a:defRPr sz="1800" kern="1200">
+                    <a:solidFill>
+                      <a:schemeClr val="tx1"/>
+                    </a:solidFill>
+                    <a:latin typeface="+mn-lt"/>
+                    <a:ea typeface="+mn-ea"/>
+                    <a:cs typeface="+mn-cs"/>
+                  </a:defRPr>
+                </a:lvl7pPr>
+                <a:lvl8pPr marL="3429000" indent="-228600" algn="l" defTabSz="914400" rtl="0" eaLnBrk="1" latinLnBrk="0" hangingPunct="1">
+                  <a:lnSpc>
+                    <a:spcPct val="90000"/>
+                  </a:lnSpc>
+                  <a:spcBef>
+                    <a:spcPts val="500"/>
+                  </a:spcBef>
+                  <a:buFont typeface="Arial" panose="020B0604020202020204" pitchFamily="34" charset="0"/>
+                  <a:buChar char="•"/>
+                  <a:defRPr sz="1800" kern="1200">
+                    <a:solidFill>
+                      <a:schemeClr val="tx1"/>
+                    </a:solidFill>
+                    <a:latin typeface="+mn-lt"/>
+                    <a:ea typeface="+mn-ea"/>
+                    <a:cs typeface="+mn-cs"/>
+                  </a:defRPr>
+                </a:lvl8pPr>
+                <a:lvl9pPr marL="3886200" indent="-228600" algn="l" defTabSz="914400" rtl="0" eaLnBrk="1" latinLnBrk="0" hangingPunct="1">
+                  <a:lnSpc>
+                    <a:spcPct val="90000"/>
+                  </a:lnSpc>
+                  <a:spcBef>
+                    <a:spcPts val="500"/>
+                  </a:spcBef>
+                  <a:buFont typeface="Arial" panose="020B0604020202020204" pitchFamily="34" charset="0"/>
+                  <a:buChar char="•"/>
+                  <a:defRPr sz="1800" kern="1200">
+                    <a:solidFill>
+                      <a:schemeClr val="tx1"/>
+                    </a:solidFill>
+                    <a:latin typeface="+mn-lt"/>
+                    <a:ea typeface="+mn-ea"/>
+                    <a:cs typeface="+mn-cs"/>
+                  </a:defRPr>
+                </a:lvl9pPr>
+              </a:lstStyle>
+              <a:p>
+                <a:r>
+                  <a:rPr lang="en-US" altLang="zh-TW" sz="2200" dirty="0">
+                    <a:latin typeface="Times" panose="02020603050405020304" pitchFamily="18" charset="0"/>
+                    <a:cs typeface="Times" panose="02020603050405020304" pitchFamily="18" charset="0"/>
+                  </a:rPr>
+                  <a:t>Mask size = </a:t>
+                </a:r>
+                <a14:m>
+                  <m:oMath xmlns:m="http://schemas.openxmlformats.org/officeDocument/2006/math">
+                    <m:r>
+                      <a:rPr lang="en-US" altLang="zh-TW" sz="2200" i="1" dirty="0">
+                        <a:latin typeface="Cambria Math" panose="02040503050406030204" pitchFamily="18" charset="0"/>
+                      </a:rPr>
+                      <m:t>2</m:t>
+                    </m:r>
+                    <m:r>
+                      <a:rPr lang="en-US" altLang="zh-TW" sz="2200" i="1" smtClean="0">
+                        <a:latin typeface="Cambria Math" panose="02040503050406030204" pitchFamily="18" charset="0"/>
+                      </a:rPr>
+                      <m:t>00 </m:t>
+                    </m:r>
+                    <m:r>
+                      <a:rPr lang="en-US" altLang="zh-TW" sz="2200" i="1" smtClean="0">
+                        <a:latin typeface="Cambria Math" panose="02040503050406030204" pitchFamily="18" charset="0"/>
+                        <a:ea typeface="Cambria Math" panose="02040503050406030204" pitchFamily="18" charset="0"/>
+                      </a:rPr>
+                      <m:t>×</m:t>
+                    </m:r>
+                    <m:r>
+                      <a:rPr lang="en-US" altLang="zh-TW" sz="2200" b="0" i="1" smtClean="0">
+                        <a:latin typeface="Cambria Math" panose="02040503050406030204" pitchFamily="18" charset="0"/>
+                        <a:ea typeface="Cambria Math" panose="02040503050406030204" pitchFamily="18" charset="0"/>
+                      </a:rPr>
+                      <m:t>2</m:t>
+                    </m:r>
+                    <m:r>
+                      <a:rPr lang="en-US" altLang="zh-TW" sz="2200" i="1" smtClean="0">
+                        <a:latin typeface="Cambria Math" panose="02040503050406030204" pitchFamily="18" charset="0"/>
+                        <a:ea typeface="Cambria Math" panose="02040503050406030204" pitchFamily="18" charset="0"/>
+                      </a:rPr>
+                      <m:t>00</m:t>
+                    </m:r>
+                  </m:oMath>
+                </a14:m>
+                <a:endParaRPr lang="zh-TW" altLang="en-US" sz="2200" dirty="0">
+                  <a:latin typeface="Times" panose="02020603050405020304" pitchFamily="18" charset="0"/>
+                  <a:cs typeface="Times" panose="02020603050405020304" pitchFamily="18" charset="0"/>
+                </a:endParaRPr>
+              </a:p>
+            </p:txBody>
+          </p:sp>
+        </mc:Choice>
+        <mc:Fallback>
+          <p:sp>
+            <p:nvSpPr>
+              <p:cNvPr id="8" name="內容版面配置區 4">
+                <a:extLst>
+                  <a:ext uri="{FF2B5EF4-FFF2-40B4-BE49-F238E27FC236}">
+                    <a16:creationId xmlns:a16="http://schemas.microsoft.com/office/drawing/2014/main" id="{9707CB4B-975E-6483-0AFB-B4DDDD2E5643}"/>
+                  </a:ext>
+                </a:extLst>
+              </p:cNvPr>
+              <p:cNvSpPr txBox="1">
+                <a:spLocks noRot="1" noChangeAspect="1" noMove="1" noResize="1" noEditPoints="1" noAdjustHandles="1" noChangeArrowheads="1" noChangeShapeType="1" noTextEdit="1"/>
+              </p:cNvSpPr>
+              <p:nvPr/>
+            </p:nvSpPr>
+            <p:spPr>
+              <a:xfrm>
+                <a:off x="838200" y="1825625"/>
+                <a:ext cx="10515600" cy="4351338"/>
+              </a:xfrm>
+              <a:prstGeom prst="rect">
+                <a:avLst/>
+              </a:prstGeom>
+              <a:blipFill>
+                <a:blip r:embed="rId4"/>
+                <a:stretch>
+                  <a:fillRect l="-696" t="-1541"/>
+                </a:stretch>
+              </a:blipFill>
+            </p:spPr>
+            <p:txBody>
+              <a:bodyPr/>
+              <a:lstStyle/>
+              <a:p>
+                <a:r>
+                  <a:rPr lang="zh-TW" altLang="en-US">
+                    <a:noFill/>
+                  </a:rPr>
+                  <a:t> </a:t>
+                </a:r>
+              </a:p>
+            </p:txBody>
+          </p:sp>
+        </mc:Fallback>
+      </mc:AlternateContent>
+    </p:spTree>
+    <p:extLst>
+      <p:ext uri="{BB962C8B-B14F-4D97-AF65-F5344CB8AC3E}">
+        <p14:creationId xmlns:p14="http://schemas.microsoft.com/office/powerpoint/2010/main" val="2532221266"/>
+      </p:ext>
+    </p:extLst>
+  </p:cSld>
+  <p:clrMapOvr>
+    <a:masterClrMapping/>
+  </p:clrMapOvr>
+</p:sld>
+</file>
+
+<file path=ppt/slides/slide21.xml><?xml version="1.0" encoding="utf-8"?>
+<p:sld xmlns:a="http://schemas.openxmlformats.org/drawingml/2006/main" xmlns:r="http://schemas.openxmlformats.org/officeDocument/2006/relationships" xmlns:p="http://schemas.openxmlformats.org/presentationml/2006/main">
+  <p:cSld>
+    <p:spTree>
+      <p:nvGrpSpPr>
+        <p:cNvPr id="1" name=""/>
+        <p:cNvGrpSpPr/>
+        <p:nvPr/>
+      </p:nvGrpSpPr>
+      <p:grpSpPr>
+        <a:xfrm>
+          <a:off x="0" y="0"/>
+          <a:ext cx="0" cy="0"/>
+          <a:chOff x="0" y="0"/>
+          <a:chExt cx="0" cy="0"/>
+        </a:xfrm>
+      </p:grpSpPr>
+      <p:sp>
+        <p:nvSpPr>
+          <p:cNvPr id="2" name="標題 1">
+            <a:extLst>
+              <a:ext uri="{FF2B5EF4-FFF2-40B4-BE49-F238E27FC236}">
+                <a16:creationId xmlns:a16="http://schemas.microsoft.com/office/drawing/2014/main" id="{156C4346-F0F9-6C34-7427-C802A4D5EF8E}"/>
+              </a:ext>
+            </a:extLst>
+          </p:cNvPr>
+          <p:cNvSpPr>
+            <a:spLocks noGrp="1"/>
+          </p:cNvSpPr>
+          <p:nvPr>
+            <p:ph type="title"/>
+          </p:nvPr>
+        </p:nvSpPr>
+        <p:spPr/>
+        <p:txBody>
+          <a:bodyPr/>
+          <a:lstStyle/>
+          <a:p>
+            <a:r>
+              <a:rPr lang="en-US" altLang="zh-TW" dirty="0">
+                <a:latin typeface="Times" panose="02020603050405020304" pitchFamily="18" charset="0"/>
+                <a:cs typeface="Times" panose="02020603050405020304" pitchFamily="18" charset="0"/>
+              </a:rPr>
+              <a:t>Experimental Result</a:t>
+            </a:r>
+            <a:r>
+              <a:rPr lang="zh-TW" altLang="en-US" dirty="0">
+                <a:latin typeface="Times" panose="02020603050405020304" pitchFamily="18" charset="0"/>
+                <a:cs typeface="Times" panose="02020603050405020304" pitchFamily="18" charset="0"/>
+              </a:rPr>
+              <a:t> </a:t>
+            </a:r>
+            <a:r>
+              <a:rPr lang="en-US" altLang="zh-TW" dirty="0">
+                <a:latin typeface="Times" panose="02020603050405020304" pitchFamily="18" charset="0"/>
+                <a:cs typeface="Times" panose="02020603050405020304" pitchFamily="18" charset="0"/>
+              </a:rPr>
+              <a:t>–</a:t>
+            </a:r>
+            <a:r>
+              <a:rPr lang="zh-TW" altLang="en-US" dirty="0">
+                <a:latin typeface="Times" panose="02020603050405020304" pitchFamily="18" charset="0"/>
+                <a:cs typeface="Times" panose="02020603050405020304" pitchFamily="18" charset="0"/>
+              </a:rPr>
+              <a:t> </a:t>
+            </a:r>
+            <a:r>
+              <a:rPr lang="en-US" altLang="zh-TW" dirty="0">
+                <a:latin typeface="Times" panose="02020603050405020304" pitchFamily="18" charset="0"/>
+                <a:cs typeface="Times" panose="02020603050405020304" pitchFamily="18" charset="0"/>
+              </a:rPr>
+              <a:t>Solve ILT</a:t>
+            </a:r>
+            <a:endParaRPr lang="zh-TW" altLang="en-US" dirty="0">
+              <a:latin typeface="Times" panose="02020603050405020304" pitchFamily="18" charset="0"/>
+              <a:cs typeface="Times" panose="02020603050405020304" pitchFamily="18" charset="0"/>
+            </a:endParaRPr>
+          </a:p>
+        </p:txBody>
+      </p:sp>
+      <p:sp>
+        <p:nvSpPr>
+          <p:cNvPr id="4" name="投影片編號版面配置區 3">
+            <a:extLst>
+              <a:ext uri="{FF2B5EF4-FFF2-40B4-BE49-F238E27FC236}">
+                <a16:creationId xmlns:a16="http://schemas.microsoft.com/office/drawing/2014/main" id="{DA8021A9-0E61-87CE-88FE-1CFD6F3983FC}"/>
+              </a:ext>
+            </a:extLst>
+          </p:cNvPr>
+          <p:cNvSpPr>
+            <a:spLocks noGrp="1"/>
+          </p:cNvSpPr>
+          <p:nvPr>
+            <p:ph type="sldNum" sz="quarter" idx="12"/>
+          </p:nvPr>
+        </p:nvSpPr>
+        <p:spPr/>
+        <p:txBody>
+          <a:bodyPr/>
+          <a:lstStyle/>
+          <a:p>
+            <a:fld id="{666274A1-CF9C-426A-8DD4-B13ED0C24231}" type="slidenum">
+              <a:rPr lang="en-US" smtClean="0"/>
+              <a:t>20</a:t>
+            </a:fld>
+            <a:endParaRPr lang="en-US"/>
+          </a:p>
+        </p:txBody>
+      </p:sp>
+      <mc:AlternateContent xmlns:mc="http://schemas.openxmlformats.org/markup-compatibility/2006">
+        <mc:Choice xmlns:a14="http://schemas.microsoft.com/office/drawing/2010/main" Requires="a14">
+          <p:sp>
+            <p:nvSpPr>
+              <p:cNvPr id="5" name="內容版面配置區 4">
+                <a:extLst>
+                  <a:ext uri="{FF2B5EF4-FFF2-40B4-BE49-F238E27FC236}">
+                    <a16:creationId xmlns:a16="http://schemas.microsoft.com/office/drawing/2014/main" id="{6AAD9034-713A-21FC-1361-7735EF9A258A}"/>
+                  </a:ext>
+                </a:extLst>
+              </p:cNvPr>
+              <p:cNvSpPr>
+                <a:spLocks noGrp="1"/>
+              </p:cNvSpPr>
+              <p:nvPr>
+                <p:ph idx="1"/>
+              </p:nvPr>
+            </p:nvSpPr>
+            <p:spPr/>
+            <p:txBody>
+              <a:bodyPr>
+                <a:normAutofit/>
+              </a:bodyPr>
+              <a:lstStyle/>
+              <a:p>
+                <a:r>
+                  <a:rPr lang="en-US" altLang="zh-TW" sz="2200" dirty="0">
+                    <a:latin typeface="Times" panose="02020603050405020304" pitchFamily="18" charset="0"/>
+                    <a:cs typeface="Times" panose="02020603050405020304" pitchFamily="18" charset="0"/>
+                  </a:rPr>
+                  <a:t>Mask size = </a:t>
+                </a:r>
+                <a14:m>
+                  <m:oMath xmlns:m="http://schemas.openxmlformats.org/officeDocument/2006/math">
+                    <m:r>
+                      <a:rPr lang="en-US" altLang="zh-TW" sz="2200" b="0" i="1" smtClean="0">
+                        <a:latin typeface="Cambria Math" panose="02040503050406030204" pitchFamily="18" charset="0"/>
+                      </a:rPr>
+                      <m:t>400 </m:t>
+                    </m:r>
+                    <m:r>
+                      <a:rPr lang="en-US" altLang="zh-TW" sz="2200" b="0" i="1" smtClean="0">
+                        <a:latin typeface="Cambria Math" panose="02040503050406030204" pitchFamily="18" charset="0"/>
+                        <a:ea typeface="Cambria Math" panose="02040503050406030204" pitchFamily="18" charset="0"/>
+                      </a:rPr>
+                      <m:t>×400</m:t>
+                    </m:r>
+                  </m:oMath>
+                </a14:m>
+                <a:endParaRPr lang="zh-TW" altLang="en-US" sz="2200" dirty="0">
+                  <a:latin typeface="Times" panose="02020603050405020304" pitchFamily="18" charset="0"/>
+                  <a:cs typeface="Times" panose="02020603050405020304" pitchFamily="18" charset="0"/>
+                </a:endParaRPr>
+              </a:p>
+            </p:txBody>
+          </p:sp>
+        </mc:Choice>
+        <mc:Fallback>
+          <p:sp>
+            <p:nvSpPr>
+              <p:cNvPr id="5" name="內容版面配置區 4">
+                <a:extLst>
+                  <a:ext uri="{FF2B5EF4-FFF2-40B4-BE49-F238E27FC236}">
+                    <a16:creationId xmlns:a16="http://schemas.microsoft.com/office/drawing/2014/main" id="{6AAD9034-713A-21FC-1361-7735EF9A258A}"/>
+                  </a:ext>
+                </a:extLst>
+              </p:cNvPr>
+              <p:cNvSpPr>
+                <a:spLocks noGrp="1" noRot="1" noChangeAspect="1" noMove="1" noResize="1" noEditPoints="1" noAdjustHandles="1" noChangeArrowheads="1" noChangeShapeType="1" noTextEdit="1"/>
+              </p:cNvSpPr>
+              <p:nvPr>
+                <p:ph idx="1"/>
+              </p:nvPr>
+            </p:nvSpPr>
+            <p:spPr>
+              <a:blipFill>
+                <a:blip r:embed="rId3"/>
+                <a:stretch>
+                  <a:fillRect l="-696" t="-1541"/>
+                </a:stretch>
+              </a:blipFill>
+            </p:spPr>
+            <p:txBody>
+              <a:bodyPr/>
+              <a:lstStyle/>
+              <a:p>
+                <a:r>
+                  <a:rPr lang="zh-TW" altLang="en-US">
+                    <a:noFill/>
+                  </a:rPr>
+                  <a:t> </a:t>
+                </a:r>
+              </a:p>
+            </p:txBody>
+          </p:sp>
+        </mc:Fallback>
+      </mc:AlternateContent>
+      <p:pic>
+        <p:nvPicPr>
+          <p:cNvPr id="8" name="圖片 7">
+            <a:extLst>
+              <a:ext uri="{FF2B5EF4-FFF2-40B4-BE49-F238E27FC236}">
+                <a16:creationId xmlns:a16="http://schemas.microsoft.com/office/drawing/2014/main" id="{0FB8DC75-E493-DF6E-FBE5-4A53F4A8DF2B}"/>
+              </a:ext>
+            </a:extLst>
+          </p:cNvPr>
+          <p:cNvPicPr>
+            <a:picLocks noChangeAspect="1"/>
+          </p:cNvPicPr>
+          <p:nvPr/>
+        </p:nvPicPr>
+        <p:blipFill>
+          <a:blip r:embed="rId4"/>
+          <a:stretch>
+            <a:fillRect/>
+          </a:stretch>
+        </p:blipFill>
+        <p:spPr>
+          <a:xfrm>
+            <a:off x="4890575" y="1825625"/>
+            <a:ext cx="5716800" cy="4246210"/>
+          </a:xfrm>
+          <a:prstGeom prst="rect">
+            <a:avLst/>
+          </a:prstGeom>
+        </p:spPr>
+      </p:pic>
+    </p:spTree>
+    <p:extLst>
+      <p:ext uri="{BB962C8B-B14F-4D97-AF65-F5344CB8AC3E}">
+        <p14:creationId xmlns:p14="http://schemas.microsoft.com/office/powerpoint/2010/main" val="752599104"/>
+      </p:ext>
+    </p:extLst>
+  </p:cSld>
+  <p:clrMapOvr>
+    <a:masterClrMapping/>
+  </p:clrMapOvr>
+</p:sld>
+</file>
+
+<file path=ppt/slides/slide22.xml><?xml version="1.0" encoding="utf-8"?>
+<p:sld xmlns:a="http://schemas.openxmlformats.org/drawingml/2006/main" xmlns:r="http://schemas.openxmlformats.org/officeDocument/2006/relationships" xmlns:p="http://schemas.openxmlformats.org/presentationml/2006/main">
+  <p:cSld>
+    <p:spTree>
+      <p:nvGrpSpPr>
+        <p:cNvPr id="1" name=""/>
+        <p:cNvGrpSpPr/>
+        <p:nvPr/>
+      </p:nvGrpSpPr>
+      <p:grpSpPr>
+        <a:xfrm>
+          <a:off x="0" y="0"/>
+          <a:ext cx="0" cy="0"/>
+          <a:chOff x="0" y="0"/>
+          <a:chExt cx="0" cy="0"/>
+        </a:xfrm>
+      </p:grpSpPr>
+      <p:sp>
+        <p:nvSpPr>
+          <p:cNvPr id="2" name="標題 1">
+            <a:extLst>
+              <a:ext uri="{FF2B5EF4-FFF2-40B4-BE49-F238E27FC236}">
+                <a16:creationId xmlns:a16="http://schemas.microsoft.com/office/drawing/2014/main" id="{156C4346-F0F9-6C34-7427-C802A4D5EF8E}"/>
+              </a:ext>
+            </a:extLst>
+          </p:cNvPr>
+          <p:cNvSpPr>
+            <a:spLocks noGrp="1"/>
+          </p:cNvSpPr>
+          <p:nvPr>
+            <p:ph type="title"/>
+          </p:nvPr>
+        </p:nvSpPr>
+        <p:spPr/>
+        <p:txBody>
+          <a:bodyPr/>
+          <a:lstStyle/>
+          <a:p>
+            <a:r>
+              <a:rPr lang="en-US" altLang="zh-TW" dirty="0">
+                <a:latin typeface="Times" panose="02020603050405020304" pitchFamily="18" charset="0"/>
+                <a:cs typeface="Times" panose="02020603050405020304" pitchFamily="18" charset="0"/>
+              </a:rPr>
+              <a:t>Experimental Result</a:t>
+            </a:r>
+            <a:r>
+              <a:rPr lang="zh-TW" altLang="en-US" dirty="0">
+                <a:latin typeface="Times" panose="02020603050405020304" pitchFamily="18" charset="0"/>
+                <a:cs typeface="Times" panose="02020603050405020304" pitchFamily="18" charset="0"/>
+              </a:rPr>
+              <a:t> </a:t>
+            </a:r>
+            <a:r>
+              <a:rPr lang="en-US" altLang="zh-TW" dirty="0">
+                <a:latin typeface="Times" panose="02020603050405020304" pitchFamily="18" charset="0"/>
+                <a:cs typeface="Times" panose="02020603050405020304" pitchFamily="18" charset="0"/>
+              </a:rPr>
+              <a:t>–</a:t>
+            </a:r>
+            <a:r>
+              <a:rPr lang="zh-TW" altLang="en-US" dirty="0">
+                <a:latin typeface="Times" panose="02020603050405020304" pitchFamily="18" charset="0"/>
+                <a:cs typeface="Times" panose="02020603050405020304" pitchFamily="18" charset="0"/>
+              </a:rPr>
+              <a:t> </a:t>
+            </a:r>
+            <a:r>
+              <a:rPr lang="en-US" altLang="zh-TW" dirty="0">
+                <a:latin typeface="Times" panose="02020603050405020304" pitchFamily="18" charset="0"/>
+                <a:cs typeface="Times" panose="02020603050405020304" pitchFamily="18" charset="0"/>
+              </a:rPr>
+              <a:t>Solve ILT</a:t>
+            </a:r>
+            <a:endParaRPr lang="zh-TW" altLang="en-US" dirty="0">
+              <a:latin typeface="Times" panose="02020603050405020304" pitchFamily="18" charset="0"/>
+              <a:cs typeface="Times" panose="02020603050405020304" pitchFamily="18" charset="0"/>
+            </a:endParaRPr>
+          </a:p>
+        </p:txBody>
+      </p:sp>
+      <p:sp>
+        <p:nvSpPr>
+          <p:cNvPr id="4" name="投影片編號版面配置區 3">
+            <a:extLst>
+              <a:ext uri="{FF2B5EF4-FFF2-40B4-BE49-F238E27FC236}">
+                <a16:creationId xmlns:a16="http://schemas.microsoft.com/office/drawing/2014/main" id="{DA8021A9-0E61-87CE-88FE-1CFD6F3983FC}"/>
+              </a:ext>
+            </a:extLst>
+          </p:cNvPr>
+          <p:cNvSpPr>
+            <a:spLocks noGrp="1"/>
+          </p:cNvSpPr>
+          <p:nvPr>
+            <p:ph type="sldNum" sz="quarter" idx="12"/>
+          </p:nvPr>
+        </p:nvSpPr>
+        <p:spPr/>
+        <p:txBody>
+          <a:bodyPr/>
+          <a:lstStyle/>
+          <a:p>
+            <a:fld id="{666274A1-CF9C-426A-8DD4-B13ED0C24231}" type="slidenum">
+              <a:rPr lang="en-US" smtClean="0"/>
+              <a:t>21</a:t>
+            </a:fld>
+            <a:endParaRPr lang="en-US"/>
+          </a:p>
+        </p:txBody>
+      </p:sp>
+      <mc:AlternateContent xmlns:mc="http://schemas.openxmlformats.org/markup-compatibility/2006">
+        <mc:Choice xmlns:a14="http://schemas.microsoft.com/office/drawing/2010/main" Requires="a14">
+          <p:sp>
+            <p:nvSpPr>
+              <p:cNvPr id="5" name="內容版面配置區 4">
+                <a:extLst>
+                  <a:ext uri="{FF2B5EF4-FFF2-40B4-BE49-F238E27FC236}">
+                    <a16:creationId xmlns:a16="http://schemas.microsoft.com/office/drawing/2014/main" id="{6AAD9034-713A-21FC-1361-7735EF9A258A}"/>
+                  </a:ext>
+                </a:extLst>
+              </p:cNvPr>
+              <p:cNvSpPr>
+                <a:spLocks noGrp="1"/>
+              </p:cNvSpPr>
+              <p:nvPr>
+                <p:ph idx="1"/>
+              </p:nvPr>
+            </p:nvSpPr>
+            <p:spPr/>
+            <p:txBody>
+              <a:bodyPr>
+                <a:normAutofit/>
+              </a:bodyPr>
+              <a:lstStyle/>
+              <a:p>
+                <a:r>
+                  <a:rPr lang="en-US" altLang="zh-TW" sz="2200" dirty="0">
+                    <a:latin typeface="Times" panose="02020603050405020304" pitchFamily="18" charset="0"/>
+                    <a:cs typeface="Times" panose="02020603050405020304" pitchFamily="18" charset="0"/>
+                  </a:rPr>
+                  <a:t>Mask size = </a:t>
+                </a:r>
+                <a14:m>
+                  <m:oMath xmlns:m="http://schemas.openxmlformats.org/officeDocument/2006/math">
+                    <m:r>
+                      <a:rPr lang="en-US" altLang="zh-TW" sz="2200" i="1">
+                        <a:latin typeface="Cambria Math" panose="02040503050406030204" pitchFamily="18" charset="0"/>
+                      </a:rPr>
+                      <m:t>1</m:t>
+                    </m:r>
+                    <m:r>
+                      <a:rPr lang="en-US" altLang="zh-TW" sz="2200" b="0" i="1" smtClean="0">
+                        <a:latin typeface="Cambria Math" panose="02040503050406030204" pitchFamily="18" charset="0"/>
+                      </a:rPr>
+                      <m:t>0</m:t>
+                    </m:r>
+                    <m:r>
+                      <a:rPr lang="en-US" altLang="zh-TW" sz="2200" b="0" i="1" smtClean="0">
+                        <a:latin typeface="Cambria Math" panose="02040503050406030204" pitchFamily="18" charset="0"/>
+                      </a:rPr>
+                      <m:t>00 </m:t>
+                    </m:r>
+                    <m:r>
+                      <a:rPr lang="en-US" altLang="zh-TW" sz="2200" b="0" i="1" smtClean="0">
+                        <a:latin typeface="Cambria Math" panose="02040503050406030204" pitchFamily="18" charset="0"/>
+                        <a:ea typeface="Cambria Math" panose="02040503050406030204" pitchFamily="18" charset="0"/>
+                      </a:rPr>
+                      <m:t>×1000</m:t>
+                    </m:r>
+                  </m:oMath>
+                </a14:m>
+                <a:endParaRPr lang="zh-TW" altLang="en-US" sz="2200" dirty="0">
+                  <a:latin typeface="Times" panose="02020603050405020304" pitchFamily="18" charset="0"/>
+                  <a:cs typeface="Times" panose="02020603050405020304" pitchFamily="18" charset="0"/>
+                </a:endParaRPr>
+              </a:p>
+            </p:txBody>
+          </p:sp>
+        </mc:Choice>
+        <mc:Fallback>
+          <p:sp>
+            <p:nvSpPr>
+              <p:cNvPr id="5" name="內容版面配置區 4">
+                <a:extLst>
+                  <a:ext uri="{FF2B5EF4-FFF2-40B4-BE49-F238E27FC236}">
+                    <a16:creationId xmlns:a16="http://schemas.microsoft.com/office/drawing/2014/main" id="{6AAD9034-713A-21FC-1361-7735EF9A258A}"/>
+                  </a:ext>
+                </a:extLst>
+              </p:cNvPr>
+              <p:cNvSpPr>
+                <a:spLocks noGrp="1" noRot="1" noChangeAspect="1" noMove="1" noResize="1" noEditPoints="1" noAdjustHandles="1" noChangeArrowheads="1" noChangeShapeType="1" noTextEdit="1"/>
+              </p:cNvSpPr>
+              <p:nvPr>
+                <p:ph idx="1"/>
+              </p:nvPr>
+            </p:nvSpPr>
+            <p:spPr>
+              <a:blipFill>
+                <a:blip r:embed="rId3"/>
+                <a:stretch>
+                  <a:fillRect l="-696" t="-1541"/>
+                </a:stretch>
+              </a:blipFill>
+            </p:spPr>
+            <p:txBody>
+              <a:bodyPr/>
+              <a:lstStyle/>
+              <a:p>
+                <a:r>
+                  <a:rPr lang="zh-TW" altLang="en-US">
+                    <a:noFill/>
+                  </a:rPr>
+                  <a:t> </a:t>
+                </a:r>
+              </a:p>
+            </p:txBody>
+          </p:sp>
+        </mc:Fallback>
+      </mc:AlternateContent>
+      <p:pic>
+        <p:nvPicPr>
+          <p:cNvPr id="8" name="圖片 7">
+            <a:extLst>
+              <a:ext uri="{FF2B5EF4-FFF2-40B4-BE49-F238E27FC236}">
+                <a16:creationId xmlns:a16="http://schemas.microsoft.com/office/drawing/2014/main" id="{0FB8DC75-E493-DF6E-FBE5-4A53F4A8DF2B}"/>
+              </a:ext>
+            </a:extLst>
+          </p:cNvPr>
+          <p:cNvPicPr>
+            <a:picLocks noChangeAspect="1"/>
+          </p:cNvPicPr>
+          <p:nvPr/>
+        </p:nvPicPr>
+        <p:blipFill>
+          <a:blip r:embed="rId4"/>
+          <a:stretch>
+            <a:fillRect/>
+          </a:stretch>
+        </p:blipFill>
+        <p:spPr>
+          <a:xfrm>
+            <a:off x="4890575" y="1825625"/>
+            <a:ext cx="5716800" cy="4246210"/>
+          </a:xfrm>
+          <a:prstGeom prst="rect">
+            <a:avLst/>
+          </a:prstGeom>
+        </p:spPr>
+      </p:pic>
+    </p:spTree>
+    <p:extLst>
+      <p:ext uri="{BB962C8B-B14F-4D97-AF65-F5344CB8AC3E}">
+        <p14:creationId xmlns:p14="http://schemas.microsoft.com/office/powerpoint/2010/main" val="2101553362"/>
+      </p:ext>
+    </p:extLst>
+  </p:cSld>
+  <p:clrMapOvr>
+    <a:masterClrMapping/>
+  </p:clrMapOvr>
+</p:sld>
+</file>
+
+<file path=ppt/slides/slide23.xml><?xml version="1.0" encoding="utf-8"?>
+<p:sld xmlns:a="http://schemas.openxmlformats.org/drawingml/2006/main" xmlns:r="http://schemas.openxmlformats.org/officeDocument/2006/relationships" xmlns:p="http://schemas.openxmlformats.org/presentationml/2006/main">
+  <p:cSld>
+    <p:spTree>
+      <p:nvGrpSpPr>
+        <p:cNvPr id="1" name=""/>
+        <p:cNvGrpSpPr/>
+        <p:nvPr/>
+      </p:nvGrpSpPr>
+      <p:grpSpPr>
+        <a:xfrm>
+          <a:off x="0" y="0"/>
+          <a:ext cx="0" cy="0"/>
+          <a:chOff x="0" y="0"/>
+          <a:chExt cx="0" cy="0"/>
+        </a:xfrm>
+      </p:grpSpPr>
+      <p:sp>
+        <p:nvSpPr>
+          <p:cNvPr id="4" name="Slide Number Placeholder 3">
+            <a:extLst>
+              <a:ext uri="{FF2B5EF4-FFF2-40B4-BE49-F238E27FC236}">
+                <a16:creationId xmlns:a16="http://schemas.microsoft.com/office/drawing/2014/main" id="{DB47E6D4-11C1-7FA3-40FD-EC8CC1AC8613}"/>
+              </a:ext>
+            </a:extLst>
+          </p:cNvPr>
+          <p:cNvSpPr>
+            <a:spLocks noGrp="1"/>
+          </p:cNvSpPr>
+          <p:nvPr>
+            <p:ph type="sldNum" sz="quarter" idx="12"/>
+          </p:nvPr>
+        </p:nvSpPr>
+        <p:spPr/>
+        <p:txBody>
+          <a:bodyPr/>
+          <a:lstStyle/>
+          <a:p>
+            <a:fld id="{666274A1-CF9C-426A-8DD4-B13ED0C24231}" type="slidenum">
+              <a:rPr lang="en-US" smtClean="0"/>
+              <a:t>22</a:t>
+            </a:fld>
+            <a:endParaRPr lang="en-US"/>
+          </a:p>
+        </p:txBody>
+      </p:sp>
+      <p:sp>
+        <p:nvSpPr>
+          <p:cNvPr id="5" name="TextBox 4">
+            <a:extLst>
+              <a:ext uri="{FF2B5EF4-FFF2-40B4-BE49-F238E27FC236}">
+                <a16:creationId xmlns:a16="http://schemas.microsoft.com/office/drawing/2014/main" id="{DE342AA9-4E4B-2420-9858-9BBA5A519307}"/>
+              </a:ext>
+            </a:extLst>
+          </p:cNvPr>
+          <p:cNvSpPr txBox="1"/>
+          <p:nvPr/>
+        </p:nvSpPr>
+        <p:spPr>
+          <a:xfrm>
+            <a:off x="2697986" y="2967335"/>
+            <a:ext cx="6936514" cy="923330"/>
+          </a:xfrm>
+          <a:prstGeom prst="rect">
+            <a:avLst/>
+          </a:prstGeom>
+          <a:noFill/>
+        </p:spPr>
+        <p:txBody>
+          <a:bodyPr wrap="none" rtlCol="0">
+            <a:spAutoFit/>
+          </a:bodyPr>
+          <a:lstStyle/>
+          <a:p>
+            <a:r>
+              <a:rPr lang="en-US" altLang="zh-TW" sz="5400" dirty="0">
+                <a:latin typeface="Times" panose="02020603050405020304" pitchFamily="18" charset="0"/>
+                <a:cs typeface="Times" panose="02020603050405020304" pitchFamily="18" charset="0"/>
+              </a:rPr>
+              <a:t>Thank you for listening!</a:t>
+            </a:r>
+            <a:endParaRPr lang="zh-TW" altLang="en-US" sz="5400" dirty="0">
+              <a:latin typeface="Times" panose="02020603050405020304" pitchFamily="18" charset="0"/>
+              <a:cs typeface="Times" panose="02020603050405020304" pitchFamily="18" charset="0"/>
+            </a:endParaRPr>
+          </a:p>
+        </p:txBody>
+      </p:sp>
+    </p:spTree>
+    <p:extLst>
+      <p:ext uri="{BB962C8B-B14F-4D97-AF65-F5344CB8AC3E}">
+        <p14:creationId xmlns:p14="http://schemas.microsoft.com/office/powerpoint/2010/main" val="1947749228"/>
       </p:ext>
     </p:extLst>
   </p:cSld>
@@ -9854,8 +14552,8 @@
           </a:p>
         </p:txBody>
       </p:sp>
-      <mc:AlternateContent xmlns:mc="http://schemas.openxmlformats.org/markup-compatibility/2006" xmlns:a14="http://schemas.microsoft.com/office/drawing/2010/main">
-        <mc:Choice Requires="a14">
+      <mc:AlternateContent xmlns:mc="http://schemas.openxmlformats.org/markup-compatibility/2006">
+        <mc:Choice xmlns:a14="http://schemas.microsoft.com/office/drawing/2010/main" Requires="a14">
           <p:sp>
             <p:nvSpPr>
               <p:cNvPr id="3" name="內容版面配置區 2">
@@ -10258,7 +14956,7 @@
                   </a:lnSpc>
                 </a:pPr>
                 <a:r>
-                  <a:rPr lang="en-US" altLang="zh-TW" sz="2400" dirty="0">
+                  <a:rPr lang="en-US" altLang="zh-TW" sz="2200" dirty="0">
                     <a:latin typeface="Times" panose="02020603050405020304" pitchFamily="18" charset="0"/>
                     <a:ea typeface="標楷體" panose="03000509000000000000" pitchFamily="65" charset="-120"/>
                     <a:cs typeface="Times" panose="02020603050405020304" pitchFamily="18" charset="0"/>
@@ -10284,7 +14982,7 @@
             </p:txBody>
           </p:sp>
         </mc:Choice>
-        <mc:Fallback xmlns="">
+        <mc:Fallback>
           <p:sp>
             <p:nvSpPr>
               <p:cNvPr id="3" name="內容版面配置區 2">
@@ -10305,7 +15003,7 @@
               <a:blipFill>
                 <a:blip r:embed="rId3"/>
                 <a:stretch>
-                  <a:fillRect l="-812"/>
+                  <a:fillRect l="-696"/>
                 </a:stretch>
               </a:blipFill>
             </p:spPr>

--- a/DAC2024/KOSIM/KOSIM A Knowledge-oriented Derivative-free Subspace Method Based on Inexact Model for Inverse Lithography Problems.pptx
+++ b/DAC2024/KOSIM/KOSIM A Knowledge-oriented Derivative-free Subspace Method Based on Inexact Model for Inverse Lithography Problems.pptx
@@ -5,7 +5,7 @@
     <p:sldMasterId id="2147483648" r:id="rId1"/>
   </p:sldMasterIdLst>
   <p:notesMasterIdLst>
-    <p:notesMasterId r:id="rId25"/>
+    <p:notesMasterId r:id="rId30"/>
   </p:notesMasterIdLst>
   <p:sldIdLst>
     <p:sldId id="256" r:id="rId2"/>
@@ -17,20 +17,25 @@
     <p:sldId id="308" r:id="rId8"/>
     <p:sldId id="307" r:id="rId9"/>
     <p:sldId id="305" r:id="rId10"/>
-    <p:sldId id="309" r:id="rId11"/>
-    <p:sldId id="310" r:id="rId12"/>
-    <p:sldId id="311" r:id="rId13"/>
-    <p:sldId id="313" r:id="rId14"/>
-    <p:sldId id="314" r:id="rId15"/>
-    <p:sldId id="315" r:id="rId16"/>
-    <p:sldId id="316" r:id="rId17"/>
-    <p:sldId id="317" r:id="rId18"/>
-    <p:sldId id="318" r:id="rId19"/>
-    <p:sldId id="319" r:id="rId20"/>
-    <p:sldId id="320" r:id="rId21"/>
-    <p:sldId id="321" r:id="rId22"/>
-    <p:sldId id="322" r:id="rId23"/>
-    <p:sldId id="298" r:id="rId24"/>
+    <p:sldId id="323" r:id="rId11"/>
+    <p:sldId id="309" r:id="rId12"/>
+    <p:sldId id="310" r:id="rId13"/>
+    <p:sldId id="311" r:id="rId14"/>
+    <p:sldId id="313" r:id="rId15"/>
+    <p:sldId id="314" r:id="rId16"/>
+    <p:sldId id="315" r:id="rId17"/>
+    <p:sldId id="324" r:id="rId18"/>
+    <p:sldId id="326" r:id="rId19"/>
+    <p:sldId id="325" r:id="rId20"/>
+    <p:sldId id="327" r:id="rId21"/>
+    <p:sldId id="316" r:id="rId22"/>
+    <p:sldId id="317" r:id="rId23"/>
+    <p:sldId id="318" r:id="rId24"/>
+    <p:sldId id="319" r:id="rId25"/>
+    <p:sldId id="320" r:id="rId26"/>
+    <p:sldId id="321" r:id="rId27"/>
+    <p:sldId id="322" r:id="rId28"/>
+    <p:sldId id="298" r:id="rId29"/>
   </p:sldIdLst>
   <p:sldSz cx="12192000" cy="6858000"/>
   <p:notesSz cx="6858000" cy="9144000"/>
@@ -1486,7 +1491,7 @@
           <a:p>
             <a:fld id="{C9ED61FB-B9B0-4D85-A72E-A614C28ECC4E}" type="datetimeFigureOut">
               <a:rPr lang="en-US" smtClean="0"/>
-              <a:t>1/12/2024</a:t>
+              <a:t>1/13/2024</a:t>
             </a:fld>
             <a:endParaRPr lang="en-US"/>
           </a:p>
@@ -1881,38 +1886,10 @@
           <a:bodyPr/>
           <a:lstStyle/>
           <a:p>
-            <a:pPr marL="171450" indent="-171450" algn="l">
+            <a:pPr marL="0" indent="0" algn="l">
               <a:buFont typeface="Arial" panose="020B0604020202020204" pitchFamily="34" charset="0"/>
-              <a:buChar char="•"/>
+              <a:buNone/>
             </a:pPr>
-            <a:r>
-              <a:rPr lang="zh-TW" altLang="en-US" dirty="0"/>
-              <a:t>會對</a:t>
-            </a:r>
-            <a:r>
-              <a:rPr lang="en-US" altLang="zh-TW" dirty="0"/>
-              <a:t>U</a:t>
-            </a:r>
-            <a:r>
-              <a:rPr lang="zh-TW" altLang="en-US" dirty="0"/>
-              <a:t>與</a:t>
-            </a:r>
-            <a:r>
-              <a:rPr lang="en-US" altLang="zh-TW" dirty="0"/>
-              <a:t>H</a:t>
-            </a:r>
-            <a:r>
-              <a:rPr lang="zh-TW" altLang="en-US" dirty="0"/>
-              <a:t>進行卷積，並做</a:t>
-            </a:r>
-            <a:r>
-              <a:rPr lang="en-US" altLang="zh-TW" dirty="0" err="1"/>
-              <a:t>Nt</a:t>
-            </a:r>
-            <a:r>
-              <a:rPr lang="zh-TW" altLang="en-US" dirty="0"/>
-              <a:t>次</a:t>
-            </a:r>
             <a:endParaRPr lang="en-US" altLang="zh-TW" dirty="0"/>
           </a:p>
         </p:txBody>
@@ -1943,7 +1920,7 @@
     </p:spTree>
     <p:extLst>
       <p:ext uri="{BB962C8B-B14F-4D97-AF65-F5344CB8AC3E}">
-        <p14:creationId xmlns:p14="http://schemas.microsoft.com/office/powerpoint/2010/main" val="1515137705"/>
+        <p14:creationId xmlns:p14="http://schemas.microsoft.com/office/powerpoint/2010/main" val="997419483"/>
       </p:ext>
     </p:extLst>
   </p:cSld>
@@ -2027,28 +2004,9 @@
             </a:r>
             <a:r>
               <a:rPr lang="zh-TW" altLang="en-US" dirty="0"/>
-              <a:t>次 </a:t>
-            </a:r>
-            <a:r>
-              <a:rPr lang="en-US" altLang="zh-TW" dirty="0"/>
-              <a:t>(</a:t>
-            </a:r>
-            <a:r>
-              <a:rPr lang="zh-TW" altLang="en-US" dirty="0"/>
-              <a:t>不是矩陣運算，所以</a:t>
-            </a:r>
-            <a:r>
-              <a:rPr lang="en-US" altLang="zh-TW" dirty="0"/>
-              <a:t>dimension</a:t>
-            </a:r>
-            <a:r>
-              <a:rPr lang="zh-TW" altLang="en-US" dirty="0"/>
-              <a:t>不需要對到</a:t>
-            </a:r>
-            <a:r>
-              <a:rPr lang="en-US" altLang="zh-TW" dirty="0"/>
-              <a:t>)</a:t>
-            </a:r>
+              <a:t>次</a:t>
+            </a:r>
+            <a:endParaRPr lang="en-US" altLang="zh-TW" dirty="0"/>
           </a:p>
         </p:txBody>
       </p:sp>
@@ -2078,7 +2036,7 @@
     </p:spTree>
     <p:extLst>
       <p:ext uri="{BB962C8B-B14F-4D97-AF65-F5344CB8AC3E}">
-        <p14:creationId xmlns:p14="http://schemas.microsoft.com/office/powerpoint/2010/main" val="3994509600"/>
+        <p14:creationId xmlns:p14="http://schemas.microsoft.com/office/powerpoint/2010/main" val="1515137705"/>
       </p:ext>
     </p:extLst>
   </p:cSld>
@@ -2137,56 +2095,53 @@
               <a:buChar char="•"/>
             </a:pPr>
             <a:r>
-              <a:rPr lang="zh-TW" altLang="en-US" b="0" i="0" dirty="0">
-                <a:solidFill>
-                  <a:srgbClr val="0F0F0F"/>
-                </a:solidFill>
-                <a:effectLst/>
-                <a:latin typeface="Söhne"/>
-              </a:rPr>
-              <a:t>這裡的 </a:t>
-            </a:r>
-            <a:r>
-              <a:rPr lang="en-US" altLang="zh-TW" b="0" i="0" dirty="0">
-                <a:solidFill>
-                  <a:srgbClr val="0F0F0F"/>
-                </a:solidFill>
-                <a:effectLst/>
-                <a:latin typeface="Söhne"/>
-              </a:rPr>
-              <a:t>\(</a:t>
-            </a:r>
-            <a:r>
-              <a:rPr lang="zh-TW" altLang="en-US" b="0" i="0" dirty="0">
-                <a:solidFill>
-                  <a:srgbClr val="0F0F0F"/>
-                </a:solidFill>
-                <a:effectLst/>
-                <a:latin typeface="Söhne"/>
-              </a:rPr>
-              <a:t>𝑛</a:t>
-            </a:r>
-            <a:r>
-              <a:rPr lang="en-US" altLang="zh-TW" b="0" i="0" dirty="0">
-                <a:solidFill>
-                  <a:srgbClr val="0F0F0F"/>
-                </a:solidFill>
-                <a:effectLst/>
-                <a:latin typeface="Söhne"/>
-              </a:rPr>
-              <a:t>\) </a:t>
-            </a:r>
-            <a:r>
-              <a:rPr lang="zh-TW" altLang="en-US" b="0" i="0" dirty="0">
-                <a:solidFill>
-                  <a:srgbClr val="0F0F0F"/>
-                </a:solidFill>
-                <a:effectLst/>
-                <a:latin typeface="Söhne"/>
-              </a:rPr>
-              <a:t>表示原始問題的參數維度</a:t>
-            </a:r>
-            <a:endParaRPr lang="en-US" altLang="zh-TW" dirty="0"/>
+              <a:rPr lang="zh-TW" altLang="en-US" dirty="0"/>
+              <a:t>會對</a:t>
+            </a:r>
+            <a:r>
+              <a:rPr lang="en-US" altLang="zh-TW" dirty="0"/>
+              <a:t>U</a:t>
+            </a:r>
+            <a:r>
+              <a:rPr lang="zh-TW" altLang="en-US" dirty="0"/>
+              <a:t>與</a:t>
+            </a:r>
+            <a:r>
+              <a:rPr lang="en-US" altLang="zh-TW" dirty="0"/>
+              <a:t>H</a:t>
+            </a:r>
+            <a:r>
+              <a:rPr lang="zh-TW" altLang="en-US" dirty="0"/>
+              <a:t>進行卷積，並做</a:t>
+            </a:r>
+            <a:r>
+              <a:rPr lang="en-US" altLang="zh-TW" dirty="0" err="1"/>
+              <a:t>Nt</a:t>
+            </a:r>
+            <a:r>
+              <a:rPr lang="zh-TW" altLang="en-US" dirty="0"/>
+              <a:t>次 </a:t>
+            </a:r>
+            <a:r>
+              <a:rPr lang="en-US" altLang="zh-TW" dirty="0"/>
+              <a:t>(</a:t>
+            </a:r>
+            <a:r>
+              <a:rPr lang="zh-TW" altLang="en-US" dirty="0"/>
+              <a:t>不是矩陣運算，所以</a:t>
+            </a:r>
+            <a:r>
+              <a:rPr lang="en-US" altLang="zh-TW" dirty="0"/>
+              <a:t>dimension</a:t>
+            </a:r>
+            <a:r>
+              <a:rPr lang="zh-TW" altLang="en-US" dirty="0"/>
+              <a:t>不需要對到</a:t>
+            </a:r>
+            <a:r>
+              <a:rPr lang="en-US" altLang="zh-TW" dirty="0"/>
+              <a:t>)</a:t>
+            </a:r>
           </a:p>
         </p:txBody>
       </p:sp>
@@ -2207,7 +2162,7 @@
           <a:p>
             <a:fld id="{9D457EAB-1485-47AD-BEAD-484FAEBF5A54}" type="slidenum">
               <a:rPr lang="en-US" smtClean="0"/>
-              <a:t>12</a:t>
+              <a:t>11</a:t>
             </a:fld>
             <a:endParaRPr lang="en-US"/>
           </a:p>
@@ -2216,7 +2171,7 @@
     </p:spTree>
     <p:extLst>
       <p:ext uri="{BB962C8B-B14F-4D97-AF65-F5344CB8AC3E}">
-        <p14:creationId xmlns:p14="http://schemas.microsoft.com/office/powerpoint/2010/main" val="1850414774"/>
+        <p14:creationId xmlns:p14="http://schemas.microsoft.com/office/powerpoint/2010/main" val="3994509600"/>
       </p:ext>
     </p:extLst>
   </p:cSld>
@@ -2275,136 +2230,54 @@
               <a:buChar char="•"/>
             </a:pPr>
             <a:r>
-              <a:rPr lang="zh-TW" altLang="en-US" dirty="0"/>
-              <a:t>構建 </a:t>
-            </a:r>
-            <a:r>
-              <a:rPr lang="en-US" altLang="zh-TW" dirty="0"/>
-              <a:t>\(m(</a:t>
-            </a:r>
-            <a:r>
-              <a:rPr lang="zh-TW" altLang="en-US" dirty="0"/>
-              <a:t>𝑘</a:t>
-            </a:r>
-            <a:r>
-              <a:rPr lang="en-US" altLang="zh-TW" dirty="0"/>
-              <a:t>)_</a:t>
-            </a:r>
-            <a:r>
-              <a:rPr lang="zh-TW" altLang="en-US" dirty="0"/>
-              <a:t>𝑖</a:t>
-            </a:r>
-            <a:r>
-              <a:rPr lang="en-US" altLang="zh-TW" dirty="0"/>
+              <a:rPr lang="zh-TW" altLang="en-US" b="0" i="0" dirty="0">
+                <a:solidFill>
+                  <a:srgbClr val="0F0F0F"/>
+                </a:solidFill>
+                <a:effectLst/>
+                <a:latin typeface="Söhne"/>
+              </a:rPr>
+              <a:t>這裡的 </a:t>
+            </a:r>
+            <a:r>
+              <a:rPr lang="en-US" altLang="zh-TW" b="0" i="0" dirty="0">
+                <a:solidFill>
+                  <a:srgbClr val="0F0F0F"/>
+                </a:solidFill>
+                <a:effectLst/>
+                <a:latin typeface="Söhne"/>
+              </a:rPr>
+              <a:t>\(</a:t>
+            </a:r>
+            <a:r>
+              <a:rPr lang="zh-TW" altLang="en-US" b="0" i="0" dirty="0">
+                <a:solidFill>
+                  <a:srgbClr val="0F0F0F"/>
+                </a:solidFill>
+                <a:effectLst/>
+                <a:latin typeface="Söhne"/>
+              </a:rPr>
+              <a:t>𝑛</a:t>
+            </a:r>
+            <a:r>
+              <a:rPr lang="en-US" altLang="zh-TW" b="0" i="0" dirty="0">
+                <a:solidFill>
+                  <a:srgbClr val="0F0F0F"/>
+                </a:solidFill>
+                <a:effectLst/>
+                <a:latin typeface="Söhne"/>
+              </a:rPr>
               <a:t>\) </a:t>
             </a:r>
             <a:r>
-              <a:rPr lang="zh-TW" altLang="en-US" dirty="0"/>
-              <a:t>的直觀想法是在 </a:t>
-            </a:r>
-            <a:r>
-              <a:rPr lang="en-US" altLang="zh-TW" dirty="0"/>
-              <a:t>\(</a:t>
-            </a:r>
-            <a:r>
-              <a:rPr lang="zh-TW" altLang="en-US" dirty="0"/>
-              <a:t>𝑥 </a:t>
-            </a:r>
-            <a:r>
-              <a:rPr lang="en-US" altLang="zh-TW" dirty="0"/>
-              <a:t>(</a:t>
-            </a:r>
-            <a:r>
-              <a:rPr lang="zh-TW" altLang="en-US" dirty="0"/>
-              <a:t>𝑘</a:t>
-            </a:r>
-            <a:r>
-              <a:rPr lang="en-US" altLang="zh-TW" dirty="0"/>
-              <a:t>) + \text{span}(\</a:t>
-            </a:r>
-            <a:r>
-              <a:rPr lang="en-US" altLang="zh-TW" dirty="0" err="1"/>
-              <a:t>mathbf</a:t>
-            </a:r>
-            <a:r>
-              <a:rPr lang="en-US" altLang="zh-TW" dirty="0"/>
-              <a:t>{e}_</a:t>
-            </a:r>
-            <a:r>
-              <a:rPr lang="zh-TW" altLang="en-US" dirty="0"/>
-              <a:t>𝑖</a:t>
-            </a:r>
-            <a:r>
-              <a:rPr lang="en-US" altLang="zh-TW" dirty="0"/>
-              <a:t>)\) </a:t>
-            </a:r>
-            <a:r>
-              <a:rPr lang="zh-TW" altLang="en-US" dirty="0"/>
-              <a:t>上使用三個採樣點進行插值，以逼近 </a:t>
-            </a:r>
-            <a:r>
-              <a:rPr lang="en-US" altLang="zh-TW" dirty="0"/>
-              <a:t>\(f\)</a:t>
-            </a:r>
-            <a:r>
-              <a:rPr lang="zh-TW" altLang="en-US" dirty="0"/>
-              <a:t>。然而，這將導致 </a:t>
-            </a:r>
-            <a:r>
-              <a:rPr lang="en-US" altLang="zh-TW" dirty="0"/>
-              <a:t>O(</a:t>
-            </a:r>
-            <a:r>
-              <a:rPr lang="zh-TW" altLang="en-US" dirty="0"/>
-              <a:t>𝑛</a:t>
-            </a:r>
-            <a:r>
-              <a:rPr lang="en-US" altLang="zh-TW" dirty="0"/>
-              <a:t>) </a:t>
-            </a:r>
-            <a:r>
-              <a:rPr lang="zh-TW" altLang="en-US" dirty="0"/>
-              <a:t>的函數值評估成本。為了更經濟，考慮在離開線 </a:t>
-            </a:r>
-            <a:r>
-              <a:rPr lang="en-US" altLang="zh-TW" dirty="0"/>
-              <a:t>\(</a:t>
-            </a:r>
-            <a:r>
-              <a:rPr lang="zh-TW" altLang="en-US" dirty="0"/>
-              <a:t>𝑥 </a:t>
-            </a:r>
-            <a:r>
-              <a:rPr lang="en-US" altLang="zh-TW" dirty="0"/>
-              <a:t>(</a:t>
-            </a:r>
-            <a:r>
-              <a:rPr lang="zh-TW" altLang="en-US" dirty="0"/>
-              <a:t>𝑘</a:t>
-            </a:r>
-            <a:r>
-              <a:rPr lang="en-US" altLang="zh-TW" dirty="0"/>
-              <a:t>) + \text{span}(\</a:t>
-            </a:r>
-            <a:r>
-              <a:rPr lang="en-US" altLang="zh-TW" dirty="0" err="1"/>
-              <a:t>mathbf</a:t>
-            </a:r>
-            <a:r>
-              <a:rPr lang="en-US" altLang="zh-TW" dirty="0"/>
-              <a:t>{e}_</a:t>
-            </a:r>
-            <a:r>
-              <a:rPr lang="zh-TW" altLang="en-US" dirty="0"/>
-              <a:t>𝑖</a:t>
-            </a:r>
-            <a:r>
-              <a:rPr lang="en-US" altLang="zh-TW" dirty="0"/>
-              <a:t>)\) </a:t>
-            </a:r>
-            <a:r>
-              <a:rPr lang="zh-TW" altLang="en-US" dirty="0"/>
-              <a:t>的點上進行採樣，以便可以利用歷史採樣點</a:t>
+              <a:rPr lang="zh-TW" altLang="en-US" b="0" i="0" dirty="0">
+                <a:solidFill>
+                  <a:srgbClr val="0F0F0F"/>
+                </a:solidFill>
+                <a:effectLst/>
+                <a:latin typeface="Söhne"/>
+              </a:rPr>
+              <a:t>表示原始問題的參數維度</a:t>
             </a:r>
             <a:endParaRPr lang="en-US" altLang="zh-TW" dirty="0"/>
           </a:p>
@@ -2436,7 +2309,7 @@
     </p:spTree>
     <p:extLst>
       <p:ext uri="{BB962C8B-B14F-4D97-AF65-F5344CB8AC3E}">
-        <p14:creationId xmlns:p14="http://schemas.microsoft.com/office/powerpoint/2010/main" val="1107728530"/>
+        <p14:creationId xmlns:p14="http://schemas.microsoft.com/office/powerpoint/2010/main" val="1850414774"/>
       </p:ext>
     </p:extLst>
   </p:cSld>
@@ -2495,54 +2368,136 @@
               <a:buChar char="•"/>
             </a:pPr>
             <a:r>
-              <a:rPr lang="zh-TW" altLang="en-US" b="0" i="0" dirty="0">
-                <a:solidFill>
-                  <a:srgbClr val="0F0F0F"/>
-                </a:solidFill>
-                <a:effectLst/>
-                <a:latin typeface="Söhne"/>
-              </a:rPr>
-              <a:t>這裡的 </a:t>
-            </a:r>
-            <a:r>
-              <a:rPr lang="en-US" altLang="zh-TW" b="0" i="0" dirty="0">
-                <a:solidFill>
-                  <a:srgbClr val="0F0F0F"/>
-                </a:solidFill>
-                <a:effectLst/>
-                <a:latin typeface="Söhne"/>
-              </a:rPr>
+              <a:rPr lang="zh-TW" altLang="en-US" dirty="0"/>
+              <a:t>構建 </a:t>
+            </a:r>
+            <a:r>
+              <a:rPr lang="en-US" altLang="zh-TW" dirty="0"/>
+              <a:t>\(m(</a:t>
+            </a:r>
+            <a:r>
+              <a:rPr lang="zh-TW" altLang="en-US" dirty="0"/>
+              <a:t>𝑘</a:t>
+            </a:r>
+            <a:r>
+              <a:rPr lang="en-US" altLang="zh-TW" dirty="0"/>
+              <a:t>)_</a:t>
+            </a:r>
+            <a:r>
+              <a:rPr lang="zh-TW" altLang="en-US" dirty="0"/>
+              <a:t>𝑖</a:t>
+            </a:r>
+            <a:r>
+              <a:rPr lang="en-US" altLang="zh-TW" dirty="0"/>
+              <a:t>\) </a:t>
+            </a:r>
+            <a:r>
+              <a:rPr lang="zh-TW" altLang="en-US" dirty="0"/>
+              <a:t>的直觀想法是在 </a:t>
+            </a:r>
+            <a:r>
+              <a:rPr lang="en-US" altLang="zh-TW" dirty="0"/>
               <a:t>\(</a:t>
             </a:r>
             <a:r>
-              <a:rPr lang="zh-TW" altLang="en-US" b="0" i="0" dirty="0">
-                <a:solidFill>
-                  <a:srgbClr val="0F0F0F"/>
-                </a:solidFill>
-                <a:effectLst/>
-                <a:latin typeface="Söhne"/>
-              </a:rPr>
+              <a:rPr lang="zh-TW" altLang="en-US" dirty="0"/>
+              <a:t>𝑥 </a:t>
+            </a:r>
+            <a:r>
+              <a:rPr lang="en-US" altLang="zh-TW" dirty="0"/>
+              <a:t>(</a:t>
+            </a:r>
+            <a:r>
+              <a:rPr lang="zh-TW" altLang="en-US" dirty="0"/>
+              <a:t>𝑘</a:t>
+            </a:r>
+            <a:r>
+              <a:rPr lang="en-US" altLang="zh-TW" dirty="0"/>
+              <a:t>) + \text{span}(\</a:t>
+            </a:r>
+            <a:r>
+              <a:rPr lang="en-US" altLang="zh-TW" dirty="0" err="1"/>
+              <a:t>mathbf</a:t>
+            </a:r>
+            <a:r>
+              <a:rPr lang="en-US" altLang="zh-TW" dirty="0"/>
+              <a:t>{e}_</a:t>
+            </a:r>
+            <a:r>
+              <a:rPr lang="zh-TW" altLang="en-US" dirty="0"/>
+              <a:t>𝑖</a:t>
+            </a:r>
+            <a:r>
+              <a:rPr lang="en-US" altLang="zh-TW" dirty="0"/>
+              <a:t>)\) </a:t>
+            </a:r>
+            <a:r>
+              <a:rPr lang="zh-TW" altLang="en-US" dirty="0"/>
+              <a:t>上使用三個採樣點進行插值，以逼近 </a:t>
+            </a:r>
+            <a:r>
+              <a:rPr lang="en-US" altLang="zh-TW" dirty="0"/>
+              <a:t>\(f\)</a:t>
+            </a:r>
+            <a:r>
+              <a:rPr lang="zh-TW" altLang="en-US" dirty="0"/>
+              <a:t>。然而，這將導致 </a:t>
+            </a:r>
+            <a:r>
+              <a:rPr lang="en-US" altLang="zh-TW" dirty="0"/>
+              <a:t>O(</a:t>
+            </a:r>
+            <a:r>
+              <a:rPr lang="zh-TW" altLang="en-US" dirty="0"/>
               <a:t>𝑛</a:t>
             </a:r>
             <a:r>
-              <a:rPr lang="en-US" altLang="zh-TW" b="0" i="0" dirty="0">
-                <a:solidFill>
-                  <a:srgbClr val="0F0F0F"/>
-                </a:solidFill>
-                <a:effectLst/>
-                <a:latin typeface="Söhne"/>
-              </a:rPr>
-              <a:t>\) </a:t>
-            </a:r>
-            <a:r>
-              <a:rPr lang="zh-TW" altLang="en-US" b="0" i="0" dirty="0">
-                <a:solidFill>
-                  <a:srgbClr val="0F0F0F"/>
-                </a:solidFill>
-                <a:effectLst/>
-                <a:latin typeface="Söhne"/>
-              </a:rPr>
-              <a:t>表示原始問題的參數維度</a:t>
+              <a:rPr lang="en-US" altLang="zh-TW" dirty="0"/>
+              <a:t>) </a:t>
+            </a:r>
+            <a:r>
+              <a:rPr lang="zh-TW" altLang="en-US" dirty="0"/>
+              <a:t>的函數值評估成本。為了更經濟，考慮在離開線 </a:t>
+            </a:r>
+            <a:r>
+              <a:rPr lang="en-US" altLang="zh-TW" dirty="0"/>
+              <a:t>\(</a:t>
+            </a:r>
+            <a:r>
+              <a:rPr lang="zh-TW" altLang="en-US" dirty="0"/>
+              <a:t>𝑥 </a:t>
+            </a:r>
+            <a:r>
+              <a:rPr lang="en-US" altLang="zh-TW" dirty="0"/>
+              <a:t>(</a:t>
+            </a:r>
+            <a:r>
+              <a:rPr lang="zh-TW" altLang="en-US" dirty="0"/>
+              <a:t>𝑘</a:t>
+            </a:r>
+            <a:r>
+              <a:rPr lang="en-US" altLang="zh-TW" dirty="0"/>
+              <a:t>) + \text{span}(\</a:t>
+            </a:r>
+            <a:r>
+              <a:rPr lang="en-US" altLang="zh-TW" dirty="0" err="1"/>
+              <a:t>mathbf</a:t>
+            </a:r>
+            <a:r>
+              <a:rPr lang="en-US" altLang="zh-TW" dirty="0"/>
+              <a:t>{e}_</a:t>
+            </a:r>
+            <a:r>
+              <a:rPr lang="zh-TW" altLang="en-US" dirty="0"/>
+              <a:t>𝑖</a:t>
+            </a:r>
+            <a:r>
+              <a:rPr lang="en-US" altLang="zh-TW" dirty="0"/>
+              <a:t>)\) </a:t>
+            </a:r>
+            <a:r>
+              <a:rPr lang="zh-TW" altLang="en-US" dirty="0"/>
+              <a:t>的點上進行採樣，以便可以利用歷史採樣點</a:t>
             </a:r>
             <a:endParaRPr lang="en-US" altLang="zh-TW" dirty="0"/>
           </a:p>
@@ -2574,7 +2529,7 @@
     </p:spTree>
     <p:extLst>
       <p:ext uri="{BB962C8B-B14F-4D97-AF65-F5344CB8AC3E}">
-        <p14:creationId xmlns:p14="http://schemas.microsoft.com/office/powerpoint/2010/main" val="770593187"/>
+        <p14:creationId xmlns:p14="http://schemas.microsoft.com/office/powerpoint/2010/main" val="1107728530"/>
       </p:ext>
     </p:extLst>
   </p:cSld>
@@ -2628,80 +2583,144 @@
           <a:bodyPr/>
           <a:lstStyle/>
           <a:p>
-            <a:pPr marL="171450" indent="-171450">
+            <a:pPr marL="171450" indent="-171450" algn="l">
               <a:buFont typeface="Arial" panose="020B0604020202020204" pitchFamily="34" charset="0"/>
               <a:buChar char="•"/>
             </a:pPr>
             <a:r>
-              <a:rPr lang="zh-TW" altLang="en-US" dirty="0"/>
-              <a:t>比較</a:t>
-            </a:r>
-            <a:r>
-              <a:rPr lang="en-US" altLang="zh-TW" dirty="0"/>
-              <a:t>gradient</a:t>
-            </a:r>
-            <a:r>
-              <a:rPr lang="zh-TW" altLang="en-US" dirty="0"/>
-              <a:t>的部分</a:t>
-            </a:r>
-            <a:endParaRPr lang="en-US" altLang="zh-TW" dirty="0"/>
-          </a:p>
-          <a:p>
-            <a:pPr marL="171450" indent="-171450">
+              <a:rPr lang="zh-TW" altLang="en-US" b="0" i="0" dirty="0">
+                <a:solidFill>
+                  <a:srgbClr val="0F0F0F"/>
+                </a:solidFill>
+                <a:effectLst/>
+                <a:latin typeface="Söhne"/>
+              </a:rPr>
+              <a:t>連接上一個投影片</a:t>
+            </a:r>
+            <a:endParaRPr lang="en-US" altLang="zh-TW" b="0" i="0" dirty="0">
+              <a:solidFill>
+                <a:srgbClr val="0F0F0F"/>
+              </a:solidFill>
+              <a:effectLst/>
+              <a:latin typeface="Söhne"/>
+            </a:endParaRPr>
+          </a:p>
+          <a:p>
+            <a:pPr marL="171450" indent="-171450" algn="l">
               <a:buFont typeface="Arial" panose="020B0604020202020204" pitchFamily="34" charset="0"/>
               <a:buChar char="•"/>
             </a:pPr>
             <a:r>
-              <a:rPr lang="zh-TW" altLang="en-US" b="0" i="0" dirty="0">
+              <a:rPr lang="zh-CN" altLang="en-US" b="0" i="0" dirty="0">
                 <a:solidFill>
                   <a:srgbClr val="374151"/>
                 </a:solidFill>
                 <a:effectLst/>
                 <a:latin typeface="Söhne"/>
               </a:rPr>
-              <a:t>從</a:t>
-            </a:r>
-            <a:r>
-              <a:rPr lang="en-US" altLang="zh-TW" b="0" i="0" dirty="0">
+              <a:t>其中 𝑢</a:t>
+            </a:r>
+            <a:r>
+              <a:rPr lang="en-US" altLang="zh-CN" b="0" i="0" dirty="0">
                 <a:solidFill>
                   <a:srgbClr val="374151"/>
                 </a:solidFill>
                 <a:effectLst/>
                 <a:latin typeface="Söhne"/>
               </a:rPr>
-              <a:t>Table 2</a:t>
-            </a:r>
-            <a:r>
-              <a:rPr lang="zh-TW" altLang="en-US" b="0" i="0" dirty="0">
+              <a:t>(</a:t>
+            </a:r>
+            <a:r>
+              <a:rPr lang="zh-CN" altLang="en-US" b="0" i="0" dirty="0">
                 <a:solidFill>
                   <a:srgbClr val="374151"/>
                 </a:solidFill>
                 <a:effectLst/>
                 <a:latin typeface="Söhne"/>
               </a:rPr>
-              <a:t>的結果中，我們可以觀察到</a:t>
-            </a:r>
-            <a:r>
-              <a:rPr lang="en-US" altLang="zh-TW" b="0" i="0" dirty="0">
+              <a:t>𝑘</a:t>
+            </a:r>
+            <a:r>
+              <a:rPr lang="en-US" altLang="zh-CN" b="0" i="0" dirty="0">
                 <a:solidFill>
                   <a:srgbClr val="374151"/>
                 </a:solidFill>
                 <a:effectLst/>
                 <a:latin typeface="Söhne"/>
               </a:rPr>
-              <a:t>KOSIM</a:t>
-            </a:r>
-            <a:r>
-              <a:rPr lang="zh-TW" altLang="en-US" b="0" i="0" dirty="0">
+              <a:t>,</a:t>
+            </a:r>
+            <a:r>
+              <a:rPr lang="zh-CN" altLang="en-US" b="0" i="0" dirty="0">
                 <a:solidFill>
                   <a:srgbClr val="374151"/>
                 </a:solidFill>
                 <a:effectLst/>
                 <a:latin typeface="Söhne"/>
               </a:rPr>
-              <a:t>中的二次模型明顯加速了算法。</a:t>
-            </a:r>
-            <a:endParaRPr lang="zh-TW" altLang="en-US" dirty="0"/>
+              <a:t>𝑖</a:t>
+            </a:r>
+            <a:r>
+              <a:rPr lang="en-US" altLang="zh-CN" b="0" i="0" dirty="0">
+                <a:solidFill>
+                  <a:srgbClr val="374151"/>
+                </a:solidFill>
+                <a:effectLst/>
+                <a:latin typeface="Söhne"/>
+              </a:rPr>
+              <a:t>) </a:t>
+            </a:r>
+            <a:r>
+              <a:rPr lang="zh-CN" altLang="en-US" b="0" i="0" dirty="0">
+                <a:solidFill>
+                  <a:srgbClr val="374151"/>
+                </a:solidFill>
+                <a:effectLst/>
+                <a:latin typeface="Söhne"/>
+              </a:rPr>
+              <a:t>是在 </a:t>
+            </a:r>
+            <a:r>
+              <a:rPr lang="en-US" altLang="zh-CN" b="0" i="0" dirty="0">
+                <a:solidFill>
+                  <a:srgbClr val="374151"/>
+                </a:solidFill>
+                <a:effectLst/>
+                <a:latin typeface="Söhne"/>
+              </a:rPr>
+              <a:t>Y(</a:t>
+            </a:r>
+            <a:r>
+              <a:rPr lang="zh-CN" altLang="en-US" b="0" i="0" dirty="0">
+                <a:solidFill>
+                  <a:srgbClr val="374151"/>
+                </a:solidFill>
+                <a:effectLst/>
+                <a:latin typeface="Söhne"/>
+              </a:rPr>
+              <a:t>𝑘</a:t>
+            </a:r>
+            <a:r>
+              <a:rPr lang="en-US" altLang="zh-CN" b="0" i="0" dirty="0">
+                <a:solidFill>
+                  <a:srgbClr val="374151"/>
+                </a:solidFill>
+                <a:effectLst/>
+                <a:latin typeface="Söhne"/>
+              </a:rPr>
+              <a:t>) </a:t>
+            </a:r>
+            <a:r>
+              <a:rPr lang="zh-CN" altLang="en-US" b="0" i="0" dirty="0">
+                <a:solidFill>
+                  <a:srgbClr val="374151"/>
+                </a:solidFill>
+                <a:effectLst/>
+                <a:latin typeface="Söhne"/>
+              </a:rPr>
+              <a:t>中使得梯度方向与 𝑒𝑖 （标准基向量）更为平行的采样点。</a:t>
+            </a:r>
+            <a:endParaRPr lang="en-US" altLang="zh-TW" dirty="0"/>
           </a:p>
         </p:txBody>
       </p:sp>
@@ -2731,7 +2750,7 @@
     </p:spTree>
     <p:extLst>
       <p:ext uri="{BB962C8B-B14F-4D97-AF65-F5344CB8AC3E}">
-        <p14:creationId xmlns:p14="http://schemas.microsoft.com/office/powerpoint/2010/main" val="3913242124"/>
+        <p14:creationId xmlns:p14="http://schemas.microsoft.com/office/powerpoint/2010/main" val="770593187"/>
       </p:ext>
     </p:extLst>
   </p:cSld>
@@ -2785,18 +2804,11 @@
           <a:bodyPr/>
           <a:lstStyle/>
           <a:p>
-            <a:r>
-              <a:rPr lang="zh-TW" altLang="en-US" dirty="0"/>
-              <a:t>比較</a:t>
-            </a:r>
-            <a:r>
-              <a:rPr lang="en-US" altLang="zh-TW" dirty="0"/>
-              <a:t>DFO</a:t>
-            </a:r>
-            <a:r>
-              <a:rPr lang="zh-TW" altLang="en-US" dirty="0"/>
-              <a:t>的部分</a:t>
-            </a:r>
+            <a:pPr marL="171450" indent="-171450" algn="l">
+              <a:buFont typeface="Arial" panose="020B0604020202020204" pitchFamily="34" charset="0"/>
+              <a:buChar char="•"/>
+            </a:pPr>
+            <a:endParaRPr lang="en-US" altLang="zh-TW" dirty="0"/>
           </a:p>
         </p:txBody>
       </p:sp>
@@ -2826,7 +2838,7 @@
     </p:spTree>
     <p:extLst>
       <p:ext uri="{BB962C8B-B14F-4D97-AF65-F5344CB8AC3E}">
-        <p14:creationId xmlns:p14="http://schemas.microsoft.com/office/powerpoint/2010/main" val="3708184894"/>
+        <p14:creationId xmlns:p14="http://schemas.microsoft.com/office/powerpoint/2010/main" val="35460176"/>
       </p:ext>
     </p:extLst>
   </p:cSld>
@@ -2880,80 +2892,11 @@
           <a:bodyPr/>
           <a:lstStyle/>
           <a:p>
-            <a:pPr marL="171450" indent="-171450">
+            <a:pPr marL="171450" indent="-171450" algn="l">
               <a:buFont typeface="Arial" panose="020B0604020202020204" pitchFamily="34" charset="0"/>
               <a:buChar char="•"/>
             </a:pPr>
-            <a:r>
-              <a:rPr lang="zh-TW" altLang="en-US" dirty="0"/>
-              <a:t>比較</a:t>
-            </a:r>
-            <a:r>
-              <a:rPr lang="en-US" altLang="zh-TW" dirty="0"/>
-              <a:t>DFO</a:t>
-            </a:r>
-            <a:r>
-              <a:rPr lang="zh-TW" altLang="en-US" dirty="0"/>
-              <a:t>的部分</a:t>
-            </a:r>
             <a:endParaRPr lang="en-US" altLang="zh-TW" dirty="0"/>
-          </a:p>
-          <a:p>
-            <a:pPr marL="171450" indent="-171450">
-              <a:buFont typeface="Arial" panose="020B0604020202020204" pitchFamily="34" charset="0"/>
-              <a:buChar char="•"/>
-            </a:pPr>
-            <a:r>
-              <a:rPr lang="zh-TW" altLang="en-US" b="0" i="0" dirty="0">
-                <a:solidFill>
-                  <a:srgbClr val="374151"/>
-                </a:solidFill>
-                <a:effectLst/>
-                <a:latin typeface="Söhne"/>
-              </a:rPr>
-              <a:t>我們可以清楚地觀察到</a:t>
-            </a:r>
-            <a:r>
-              <a:rPr lang="en-US" altLang="zh-TW" b="0" i="0" dirty="0">
-                <a:solidFill>
-                  <a:srgbClr val="374151"/>
-                </a:solidFill>
-                <a:effectLst/>
-                <a:latin typeface="Söhne"/>
-              </a:rPr>
-              <a:t>KOSIM</a:t>
-            </a:r>
-            <a:r>
-              <a:rPr lang="zh-TW" altLang="en-US" b="0" i="0" dirty="0">
-                <a:solidFill>
-                  <a:srgbClr val="374151"/>
-                </a:solidFill>
-                <a:effectLst/>
-                <a:latin typeface="Söhne"/>
-              </a:rPr>
-              <a:t>在這兩個問題上的效率優於</a:t>
-            </a:r>
-            <a:r>
-              <a:rPr lang="en-US" altLang="zh-TW" b="0" i="0" dirty="0" err="1">
-                <a:solidFill>
-                  <a:srgbClr val="374151"/>
-                </a:solidFill>
-                <a:effectLst/>
-                <a:latin typeface="Söhne"/>
-              </a:rPr>
-              <a:t>Nevergrad</a:t>
-            </a:r>
-            <a:r>
-              <a:rPr lang="zh-TW" altLang="en-US" b="0" i="0" dirty="0">
-                <a:solidFill>
-                  <a:srgbClr val="374151"/>
-                </a:solidFill>
-                <a:effectLst/>
-                <a:latin typeface="Söhne"/>
-              </a:rPr>
-              <a:t>。</a:t>
-            </a:r>
-            <a:endParaRPr lang="zh-TW" altLang="en-US" dirty="0"/>
           </a:p>
         </p:txBody>
       </p:sp>
@@ -2983,7 +2926,7 @@
     </p:spTree>
     <p:extLst>
       <p:ext uri="{BB962C8B-B14F-4D97-AF65-F5344CB8AC3E}">
-        <p14:creationId xmlns:p14="http://schemas.microsoft.com/office/powerpoint/2010/main" val="2873187112"/>
+        <p14:creationId xmlns:p14="http://schemas.microsoft.com/office/powerpoint/2010/main" val="4117743439"/>
       </p:ext>
     </p:extLst>
   </p:cSld>
@@ -3037,11 +2980,21 @@
           <a:bodyPr/>
           <a:lstStyle/>
           <a:p>
-            <a:pPr marL="171450" indent="-171450">
+            <a:pPr marL="171450" indent="-171450" algn="l">
               <a:buFont typeface="Arial" panose="020B0604020202020204" pitchFamily="34" charset="0"/>
               <a:buChar char="•"/>
             </a:pPr>
-            <a:endParaRPr lang="zh-TW" altLang="en-US" dirty="0"/>
+            <a:r>
+              <a:rPr lang="zh-TW" altLang="en-US" b="0" i="0" dirty="0">
+                <a:solidFill>
+                  <a:srgbClr val="0F0F0F"/>
+                </a:solidFill>
+                <a:effectLst/>
+                <a:latin typeface="Söhne"/>
+              </a:rPr>
+              <a:t>連接上一個投影片</a:t>
+            </a:r>
+            <a:endParaRPr lang="en-US" altLang="zh-TW" dirty="0"/>
           </a:p>
         </p:txBody>
       </p:sp>
@@ -3071,7 +3024,7 @@
     </p:spTree>
     <p:extLst>
       <p:ext uri="{BB962C8B-B14F-4D97-AF65-F5344CB8AC3E}">
-        <p14:creationId xmlns:p14="http://schemas.microsoft.com/office/powerpoint/2010/main" val="2857051385"/>
+        <p14:creationId xmlns:p14="http://schemas.microsoft.com/office/powerpoint/2010/main" val="1138293713"/>
       </p:ext>
     </p:extLst>
   </p:cSld>
@@ -3125,11 +3078,21 @@
           <a:bodyPr/>
           <a:lstStyle/>
           <a:p>
-            <a:pPr marL="171450" indent="-171450">
+            <a:pPr marL="171450" indent="-171450" algn="l">
               <a:buFont typeface="Arial" panose="020B0604020202020204" pitchFamily="34" charset="0"/>
               <a:buChar char="•"/>
             </a:pPr>
-            <a:endParaRPr lang="zh-TW" altLang="en-US" dirty="0"/>
+            <a:r>
+              <a:rPr lang="zh-TW" altLang="en-US" b="0" i="0" dirty="0">
+                <a:solidFill>
+                  <a:srgbClr val="0F0F0F"/>
+                </a:solidFill>
+                <a:effectLst/>
+                <a:latin typeface="Söhne"/>
+              </a:rPr>
+              <a:t>連接上一個投影片</a:t>
+            </a:r>
+            <a:endParaRPr lang="en-US" altLang="zh-TW" dirty="0"/>
           </a:p>
         </p:txBody>
       </p:sp>
@@ -3159,7 +3122,7 @@
     </p:spTree>
     <p:extLst>
       <p:ext uri="{BB962C8B-B14F-4D97-AF65-F5344CB8AC3E}">
-        <p14:creationId xmlns:p14="http://schemas.microsoft.com/office/powerpoint/2010/main" val="2749690616"/>
+        <p14:creationId xmlns:p14="http://schemas.microsoft.com/office/powerpoint/2010/main" val="1758460101"/>
       </p:ext>
     </p:extLst>
   </p:cSld>
@@ -3301,6 +3264,75 @@
               <a:buFont typeface="Arial" panose="020B0604020202020204" pitchFamily="34" charset="0"/>
               <a:buChar char="•"/>
             </a:pPr>
+            <a:r>
+              <a:rPr lang="zh-TW" altLang="en-US" dirty="0"/>
+              <a:t>比較</a:t>
+            </a:r>
+            <a:r>
+              <a:rPr lang="en-US" altLang="zh-TW" dirty="0"/>
+              <a:t>gradient</a:t>
+            </a:r>
+            <a:r>
+              <a:rPr lang="zh-TW" altLang="en-US" dirty="0"/>
+              <a:t>的部分</a:t>
+            </a:r>
+            <a:endParaRPr lang="en-US" altLang="zh-TW" dirty="0"/>
+          </a:p>
+          <a:p>
+            <a:pPr marL="171450" indent="-171450">
+              <a:buFont typeface="Arial" panose="020B0604020202020204" pitchFamily="34" charset="0"/>
+              <a:buChar char="•"/>
+            </a:pPr>
+            <a:r>
+              <a:rPr lang="zh-TW" altLang="en-US" b="0" i="0" dirty="0">
+                <a:solidFill>
+                  <a:srgbClr val="374151"/>
+                </a:solidFill>
+                <a:effectLst/>
+                <a:latin typeface="Söhne"/>
+              </a:rPr>
+              <a:t>從</a:t>
+            </a:r>
+            <a:r>
+              <a:rPr lang="en-US" altLang="zh-TW" b="0" i="0" dirty="0">
+                <a:solidFill>
+                  <a:srgbClr val="374151"/>
+                </a:solidFill>
+                <a:effectLst/>
+                <a:latin typeface="Söhne"/>
+              </a:rPr>
+              <a:t>Table 2</a:t>
+            </a:r>
+            <a:r>
+              <a:rPr lang="zh-TW" altLang="en-US" b="0" i="0" dirty="0">
+                <a:solidFill>
+                  <a:srgbClr val="374151"/>
+                </a:solidFill>
+                <a:effectLst/>
+                <a:latin typeface="Söhne"/>
+              </a:rPr>
+              <a:t>的結果中，我們可以觀察到</a:t>
+            </a:r>
+            <a:r>
+              <a:rPr lang="en-US" altLang="zh-TW" b="0" i="0" dirty="0">
+                <a:solidFill>
+                  <a:srgbClr val="374151"/>
+                </a:solidFill>
+                <a:effectLst/>
+                <a:latin typeface="Söhne"/>
+              </a:rPr>
+              <a:t>KOSIM</a:t>
+            </a:r>
+            <a:r>
+              <a:rPr lang="zh-TW" altLang="en-US" b="0" i="0" dirty="0">
+                <a:solidFill>
+                  <a:srgbClr val="374151"/>
+                </a:solidFill>
+                <a:effectLst/>
+                <a:latin typeface="Söhne"/>
+              </a:rPr>
+              <a:t>中的二次模型明顯加速了算法。</a:t>
+            </a:r>
             <a:endParaRPr lang="zh-TW" altLang="en-US" dirty="0"/>
           </a:p>
         </p:txBody>
@@ -3331,7 +3363,7 @@
     </p:spTree>
     <p:extLst>
       <p:ext uri="{BB962C8B-B14F-4D97-AF65-F5344CB8AC3E}">
-        <p14:creationId xmlns:p14="http://schemas.microsoft.com/office/powerpoint/2010/main" val="2191150234"/>
+        <p14:creationId xmlns:p14="http://schemas.microsoft.com/office/powerpoint/2010/main" val="3913242124"/>
       </p:ext>
     </p:extLst>
   </p:cSld>
@@ -3385,6 +3417,522 @@
           <a:bodyPr/>
           <a:lstStyle/>
           <a:p>
+            <a:r>
+              <a:rPr lang="zh-TW" altLang="en-US" dirty="0"/>
+              <a:t>比較</a:t>
+            </a:r>
+            <a:r>
+              <a:rPr lang="en-US" altLang="zh-TW" dirty="0"/>
+              <a:t>DFO</a:t>
+            </a:r>
+            <a:r>
+              <a:rPr lang="zh-TW" altLang="en-US" dirty="0"/>
+              <a:t>的部分</a:t>
+            </a:r>
+          </a:p>
+        </p:txBody>
+      </p:sp>
+      <p:sp>
+        <p:nvSpPr>
+          <p:cNvPr id="4" name="投影片編號版面配置區 3"/>
+          <p:cNvSpPr>
+            <a:spLocks noGrp="1"/>
+          </p:cNvSpPr>
+          <p:nvPr>
+            <p:ph type="sldNum" sz="quarter" idx="5"/>
+          </p:nvPr>
+        </p:nvSpPr>
+        <p:spPr/>
+        <p:txBody>
+          <a:bodyPr/>
+          <a:lstStyle/>
+          <a:p>
+            <a:fld id="{9D457EAB-1485-47AD-BEAD-484FAEBF5A54}" type="slidenum">
+              <a:rPr lang="en-US" smtClean="0"/>
+              <a:t>21</a:t>
+            </a:fld>
+            <a:endParaRPr lang="en-US"/>
+          </a:p>
+        </p:txBody>
+      </p:sp>
+    </p:spTree>
+    <p:extLst>
+      <p:ext uri="{BB962C8B-B14F-4D97-AF65-F5344CB8AC3E}">
+        <p14:creationId xmlns:p14="http://schemas.microsoft.com/office/powerpoint/2010/main" val="3708184894"/>
+      </p:ext>
+    </p:extLst>
+  </p:cSld>
+  <p:clrMapOvr>
+    <a:masterClrMapping/>
+  </p:clrMapOvr>
+</p:notes>
+</file>
+
+<file path=ppt/notesSlides/notesSlide22.xml><?xml version="1.0" encoding="utf-8"?>
+<p:notes xmlns:a="http://schemas.openxmlformats.org/drawingml/2006/main" xmlns:r="http://schemas.openxmlformats.org/officeDocument/2006/relationships" xmlns:p="http://schemas.openxmlformats.org/presentationml/2006/main">
+  <p:cSld>
+    <p:spTree>
+      <p:nvGrpSpPr>
+        <p:cNvPr id="1" name=""/>
+        <p:cNvGrpSpPr/>
+        <p:nvPr/>
+      </p:nvGrpSpPr>
+      <p:grpSpPr>
+        <a:xfrm>
+          <a:off x="0" y="0"/>
+          <a:ext cx="0" cy="0"/>
+          <a:chOff x="0" y="0"/>
+          <a:chExt cx="0" cy="0"/>
+        </a:xfrm>
+      </p:grpSpPr>
+      <p:sp>
+        <p:nvSpPr>
+          <p:cNvPr id="2" name="投影片影像版面配置區 1"/>
+          <p:cNvSpPr>
+            <a:spLocks noGrp="1" noRot="1" noChangeAspect="1"/>
+          </p:cNvSpPr>
+          <p:nvPr>
+            <p:ph type="sldImg"/>
+          </p:nvPr>
+        </p:nvSpPr>
+        <p:spPr/>
+      </p:sp>
+      <p:sp>
+        <p:nvSpPr>
+          <p:cNvPr id="3" name="備忘稿版面配置區 2"/>
+          <p:cNvSpPr>
+            <a:spLocks noGrp="1"/>
+          </p:cNvSpPr>
+          <p:nvPr>
+            <p:ph type="body" idx="1"/>
+          </p:nvPr>
+        </p:nvSpPr>
+        <p:spPr/>
+        <p:txBody>
+          <a:bodyPr/>
+          <a:lstStyle/>
+          <a:p>
+            <a:pPr marL="171450" indent="-171450">
+              <a:buFont typeface="Arial" panose="020B0604020202020204" pitchFamily="34" charset="0"/>
+              <a:buChar char="•"/>
+            </a:pPr>
+            <a:r>
+              <a:rPr lang="zh-TW" altLang="en-US" dirty="0"/>
+              <a:t>比較</a:t>
+            </a:r>
+            <a:r>
+              <a:rPr lang="en-US" altLang="zh-TW" dirty="0"/>
+              <a:t>DFO</a:t>
+            </a:r>
+            <a:r>
+              <a:rPr lang="zh-TW" altLang="en-US" dirty="0"/>
+              <a:t>的部分</a:t>
+            </a:r>
+            <a:endParaRPr lang="en-US" altLang="zh-TW" dirty="0"/>
+          </a:p>
+          <a:p>
+            <a:pPr marL="171450" indent="-171450">
+              <a:buFont typeface="Arial" panose="020B0604020202020204" pitchFamily="34" charset="0"/>
+              <a:buChar char="•"/>
+            </a:pPr>
+            <a:r>
+              <a:rPr lang="zh-TW" altLang="en-US" b="0" i="0" dirty="0">
+                <a:solidFill>
+                  <a:srgbClr val="374151"/>
+                </a:solidFill>
+                <a:effectLst/>
+                <a:latin typeface="Söhne"/>
+              </a:rPr>
+              <a:t>我們可以清楚地觀察到</a:t>
+            </a:r>
+            <a:r>
+              <a:rPr lang="en-US" altLang="zh-TW" b="0" i="0" dirty="0">
+                <a:solidFill>
+                  <a:srgbClr val="374151"/>
+                </a:solidFill>
+                <a:effectLst/>
+                <a:latin typeface="Söhne"/>
+              </a:rPr>
+              <a:t>KOSIM</a:t>
+            </a:r>
+            <a:r>
+              <a:rPr lang="zh-TW" altLang="en-US" b="0" i="0" dirty="0">
+                <a:solidFill>
+                  <a:srgbClr val="374151"/>
+                </a:solidFill>
+                <a:effectLst/>
+                <a:latin typeface="Söhne"/>
+              </a:rPr>
+              <a:t>在這兩個問題上的效率優於</a:t>
+            </a:r>
+            <a:r>
+              <a:rPr lang="en-US" altLang="zh-TW" b="0" i="0" dirty="0" err="1">
+                <a:solidFill>
+                  <a:srgbClr val="374151"/>
+                </a:solidFill>
+                <a:effectLst/>
+                <a:latin typeface="Söhne"/>
+              </a:rPr>
+              <a:t>Nevergrad</a:t>
+            </a:r>
+            <a:r>
+              <a:rPr lang="zh-TW" altLang="en-US" b="0" i="0" dirty="0">
+                <a:solidFill>
+                  <a:srgbClr val="374151"/>
+                </a:solidFill>
+                <a:effectLst/>
+                <a:latin typeface="Söhne"/>
+              </a:rPr>
+              <a:t>。</a:t>
+            </a:r>
+            <a:endParaRPr lang="zh-TW" altLang="en-US" dirty="0"/>
+          </a:p>
+        </p:txBody>
+      </p:sp>
+      <p:sp>
+        <p:nvSpPr>
+          <p:cNvPr id="4" name="投影片編號版面配置區 3"/>
+          <p:cNvSpPr>
+            <a:spLocks noGrp="1"/>
+          </p:cNvSpPr>
+          <p:nvPr>
+            <p:ph type="sldNum" sz="quarter" idx="5"/>
+          </p:nvPr>
+        </p:nvSpPr>
+        <p:spPr/>
+        <p:txBody>
+          <a:bodyPr/>
+          <a:lstStyle/>
+          <a:p>
+            <a:fld id="{9D457EAB-1485-47AD-BEAD-484FAEBF5A54}" type="slidenum">
+              <a:rPr lang="en-US" smtClean="0"/>
+              <a:t>22</a:t>
+            </a:fld>
+            <a:endParaRPr lang="en-US"/>
+          </a:p>
+        </p:txBody>
+      </p:sp>
+    </p:spTree>
+    <p:extLst>
+      <p:ext uri="{BB962C8B-B14F-4D97-AF65-F5344CB8AC3E}">
+        <p14:creationId xmlns:p14="http://schemas.microsoft.com/office/powerpoint/2010/main" val="2873187112"/>
+      </p:ext>
+    </p:extLst>
+  </p:cSld>
+  <p:clrMapOvr>
+    <a:masterClrMapping/>
+  </p:clrMapOvr>
+</p:notes>
+</file>
+
+<file path=ppt/notesSlides/notesSlide23.xml><?xml version="1.0" encoding="utf-8"?>
+<p:notes xmlns:a="http://schemas.openxmlformats.org/drawingml/2006/main" xmlns:r="http://schemas.openxmlformats.org/officeDocument/2006/relationships" xmlns:p="http://schemas.openxmlformats.org/presentationml/2006/main">
+  <p:cSld>
+    <p:spTree>
+      <p:nvGrpSpPr>
+        <p:cNvPr id="1" name=""/>
+        <p:cNvGrpSpPr/>
+        <p:nvPr/>
+      </p:nvGrpSpPr>
+      <p:grpSpPr>
+        <a:xfrm>
+          <a:off x="0" y="0"/>
+          <a:ext cx="0" cy="0"/>
+          <a:chOff x="0" y="0"/>
+          <a:chExt cx="0" cy="0"/>
+        </a:xfrm>
+      </p:grpSpPr>
+      <p:sp>
+        <p:nvSpPr>
+          <p:cNvPr id="2" name="投影片影像版面配置區 1"/>
+          <p:cNvSpPr>
+            <a:spLocks noGrp="1" noRot="1" noChangeAspect="1"/>
+          </p:cNvSpPr>
+          <p:nvPr>
+            <p:ph type="sldImg"/>
+          </p:nvPr>
+        </p:nvSpPr>
+        <p:spPr/>
+      </p:sp>
+      <p:sp>
+        <p:nvSpPr>
+          <p:cNvPr id="3" name="備忘稿版面配置區 2"/>
+          <p:cNvSpPr>
+            <a:spLocks noGrp="1"/>
+          </p:cNvSpPr>
+          <p:nvPr>
+            <p:ph type="body" idx="1"/>
+          </p:nvPr>
+        </p:nvSpPr>
+        <p:spPr/>
+        <p:txBody>
+          <a:bodyPr/>
+          <a:lstStyle/>
+          <a:p>
+            <a:pPr marL="171450" indent="-171450">
+              <a:buFont typeface="Arial" panose="020B0604020202020204" pitchFamily="34" charset="0"/>
+              <a:buChar char="•"/>
+            </a:pPr>
+            <a:endParaRPr lang="zh-TW" altLang="en-US" dirty="0"/>
+          </a:p>
+        </p:txBody>
+      </p:sp>
+      <p:sp>
+        <p:nvSpPr>
+          <p:cNvPr id="4" name="投影片編號版面配置區 3"/>
+          <p:cNvSpPr>
+            <a:spLocks noGrp="1"/>
+          </p:cNvSpPr>
+          <p:nvPr>
+            <p:ph type="sldNum" sz="quarter" idx="5"/>
+          </p:nvPr>
+        </p:nvSpPr>
+        <p:spPr/>
+        <p:txBody>
+          <a:bodyPr/>
+          <a:lstStyle/>
+          <a:p>
+            <a:fld id="{9D457EAB-1485-47AD-BEAD-484FAEBF5A54}" type="slidenum">
+              <a:rPr lang="en-US" smtClean="0"/>
+              <a:t>23</a:t>
+            </a:fld>
+            <a:endParaRPr lang="en-US"/>
+          </a:p>
+        </p:txBody>
+      </p:sp>
+    </p:spTree>
+    <p:extLst>
+      <p:ext uri="{BB962C8B-B14F-4D97-AF65-F5344CB8AC3E}">
+        <p14:creationId xmlns:p14="http://schemas.microsoft.com/office/powerpoint/2010/main" val="2857051385"/>
+      </p:ext>
+    </p:extLst>
+  </p:cSld>
+  <p:clrMapOvr>
+    <a:masterClrMapping/>
+  </p:clrMapOvr>
+</p:notes>
+</file>
+
+<file path=ppt/notesSlides/notesSlide24.xml><?xml version="1.0" encoding="utf-8"?>
+<p:notes xmlns:a="http://schemas.openxmlformats.org/drawingml/2006/main" xmlns:r="http://schemas.openxmlformats.org/officeDocument/2006/relationships" xmlns:p="http://schemas.openxmlformats.org/presentationml/2006/main">
+  <p:cSld>
+    <p:spTree>
+      <p:nvGrpSpPr>
+        <p:cNvPr id="1" name=""/>
+        <p:cNvGrpSpPr/>
+        <p:nvPr/>
+      </p:nvGrpSpPr>
+      <p:grpSpPr>
+        <a:xfrm>
+          <a:off x="0" y="0"/>
+          <a:ext cx="0" cy="0"/>
+          <a:chOff x="0" y="0"/>
+          <a:chExt cx="0" cy="0"/>
+        </a:xfrm>
+      </p:grpSpPr>
+      <p:sp>
+        <p:nvSpPr>
+          <p:cNvPr id="2" name="投影片影像版面配置區 1"/>
+          <p:cNvSpPr>
+            <a:spLocks noGrp="1" noRot="1" noChangeAspect="1"/>
+          </p:cNvSpPr>
+          <p:nvPr>
+            <p:ph type="sldImg"/>
+          </p:nvPr>
+        </p:nvSpPr>
+        <p:spPr/>
+      </p:sp>
+      <p:sp>
+        <p:nvSpPr>
+          <p:cNvPr id="3" name="備忘稿版面配置區 2"/>
+          <p:cNvSpPr>
+            <a:spLocks noGrp="1"/>
+          </p:cNvSpPr>
+          <p:nvPr>
+            <p:ph type="body" idx="1"/>
+          </p:nvPr>
+        </p:nvSpPr>
+        <p:spPr/>
+        <p:txBody>
+          <a:bodyPr/>
+          <a:lstStyle/>
+          <a:p>
+            <a:pPr marL="171450" indent="-171450">
+              <a:buFont typeface="Arial" panose="020B0604020202020204" pitchFamily="34" charset="0"/>
+              <a:buChar char="•"/>
+            </a:pPr>
+            <a:endParaRPr lang="zh-TW" altLang="en-US" dirty="0"/>
+          </a:p>
+        </p:txBody>
+      </p:sp>
+      <p:sp>
+        <p:nvSpPr>
+          <p:cNvPr id="4" name="投影片編號版面配置區 3"/>
+          <p:cNvSpPr>
+            <a:spLocks noGrp="1"/>
+          </p:cNvSpPr>
+          <p:nvPr>
+            <p:ph type="sldNum" sz="quarter" idx="5"/>
+          </p:nvPr>
+        </p:nvSpPr>
+        <p:spPr/>
+        <p:txBody>
+          <a:bodyPr/>
+          <a:lstStyle/>
+          <a:p>
+            <a:fld id="{9D457EAB-1485-47AD-BEAD-484FAEBF5A54}" type="slidenum">
+              <a:rPr lang="en-US" smtClean="0"/>
+              <a:t>24</a:t>
+            </a:fld>
+            <a:endParaRPr lang="en-US"/>
+          </a:p>
+        </p:txBody>
+      </p:sp>
+    </p:spTree>
+    <p:extLst>
+      <p:ext uri="{BB962C8B-B14F-4D97-AF65-F5344CB8AC3E}">
+        <p14:creationId xmlns:p14="http://schemas.microsoft.com/office/powerpoint/2010/main" val="2749690616"/>
+      </p:ext>
+    </p:extLst>
+  </p:cSld>
+  <p:clrMapOvr>
+    <a:masterClrMapping/>
+  </p:clrMapOvr>
+</p:notes>
+</file>
+
+<file path=ppt/notesSlides/notesSlide25.xml><?xml version="1.0" encoding="utf-8"?>
+<p:notes xmlns:a="http://schemas.openxmlformats.org/drawingml/2006/main" xmlns:r="http://schemas.openxmlformats.org/officeDocument/2006/relationships" xmlns:p="http://schemas.openxmlformats.org/presentationml/2006/main">
+  <p:cSld>
+    <p:spTree>
+      <p:nvGrpSpPr>
+        <p:cNvPr id="1" name=""/>
+        <p:cNvGrpSpPr/>
+        <p:nvPr/>
+      </p:nvGrpSpPr>
+      <p:grpSpPr>
+        <a:xfrm>
+          <a:off x="0" y="0"/>
+          <a:ext cx="0" cy="0"/>
+          <a:chOff x="0" y="0"/>
+          <a:chExt cx="0" cy="0"/>
+        </a:xfrm>
+      </p:grpSpPr>
+      <p:sp>
+        <p:nvSpPr>
+          <p:cNvPr id="2" name="投影片影像版面配置區 1"/>
+          <p:cNvSpPr>
+            <a:spLocks noGrp="1" noRot="1" noChangeAspect="1"/>
+          </p:cNvSpPr>
+          <p:nvPr>
+            <p:ph type="sldImg"/>
+          </p:nvPr>
+        </p:nvSpPr>
+        <p:spPr/>
+      </p:sp>
+      <p:sp>
+        <p:nvSpPr>
+          <p:cNvPr id="3" name="備忘稿版面配置區 2"/>
+          <p:cNvSpPr>
+            <a:spLocks noGrp="1"/>
+          </p:cNvSpPr>
+          <p:nvPr>
+            <p:ph type="body" idx="1"/>
+          </p:nvPr>
+        </p:nvSpPr>
+        <p:spPr/>
+        <p:txBody>
+          <a:bodyPr/>
+          <a:lstStyle/>
+          <a:p>
+            <a:pPr marL="171450" indent="-171450">
+              <a:buFont typeface="Arial" panose="020B0604020202020204" pitchFamily="34" charset="0"/>
+              <a:buChar char="•"/>
+            </a:pPr>
+            <a:endParaRPr lang="zh-TW" altLang="en-US" dirty="0"/>
+          </a:p>
+        </p:txBody>
+      </p:sp>
+      <p:sp>
+        <p:nvSpPr>
+          <p:cNvPr id="4" name="投影片編號版面配置區 3"/>
+          <p:cNvSpPr>
+            <a:spLocks noGrp="1"/>
+          </p:cNvSpPr>
+          <p:nvPr>
+            <p:ph type="sldNum" sz="quarter" idx="5"/>
+          </p:nvPr>
+        </p:nvSpPr>
+        <p:spPr/>
+        <p:txBody>
+          <a:bodyPr/>
+          <a:lstStyle/>
+          <a:p>
+            <a:fld id="{9D457EAB-1485-47AD-BEAD-484FAEBF5A54}" type="slidenum">
+              <a:rPr lang="en-US" smtClean="0"/>
+              <a:t>25</a:t>
+            </a:fld>
+            <a:endParaRPr lang="en-US"/>
+          </a:p>
+        </p:txBody>
+      </p:sp>
+    </p:spTree>
+    <p:extLst>
+      <p:ext uri="{BB962C8B-B14F-4D97-AF65-F5344CB8AC3E}">
+        <p14:creationId xmlns:p14="http://schemas.microsoft.com/office/powerpoint/2010/main" val="2191150234"/>
+      </p:ext>
+    </p:extLst>
+  </p:cSld>
+  <p:clrMapOvr>
+    <a:masterClrMapping/>
+  </p:clrMapOvr>
+</p:notes>
+</file>
+
+<file path=ppt/notesSlides/notesSlide26.xml><?xml version="1.0" encoding="utf-8"?>
+<p:notes xmlns:a="http://schemas.openxmlformats.org/drawingml/2006/main" xmlns:r="http://schemas.openxmlformats.org/officeDocument/2006/relationships" xmlns:p="http://schemas.openxmlformats.org/presentationml/2006/main">
+  <p:cSld>
+    <p:spTree>
+      <p:nvGrpSpPr>
+        <p:cNvPr id="1" name=""/>
+        <p:cNvGrpSpPr/>
+        <p:nvPr/>
+      </p:nvGrpSpPr>
+      <p:grpSpPr>
+        <a:xfrm>
+          <a:off x="0" y="0"/>
+          <a:ext cx="0" cy="0"/>
+          <a:chOff x="0" y="0"/>
+          <a:chExt cx="0" cy="0"/>
+        </a:xfrm>
+      </p:grpSpPr>
+      <p:sp>
+        <p:nvSpPr>
+          <p:cNvPr id="2" name="投影片影像版面配置區 1"/>
+          <p:cNvSpPr>
+            <a:spLocks noGrp="1" noRot="1" noChangeAspect="1"/>
+          </p:cNvSpPr>
+          <p:nvPr>
+            <p:ph type="sldImg"/>
+          </p:nvPr>
+        </p:nvSpPr>
+        <p:spPr/>
+      </p:sp>
+      <p:sp>
+        <p:nvSpPr>
+          <p:cNvPr id="3" name="備忘稿版面配置區 2"/>
+          <p:cNvSpPr>
+            <a:spLocks noGrp="1"/>
+          </p:cNvSpPr>
+          <p:nvPr>
+            <p:ph type="body" idx="1"/>
+          </p:nvPr>
+        </p:nvSpPr>
+        <p:spPr/>
+        <p:txBody>
+          <a:bodyPr/>
+          <a:lstStyle/>
+          <a:p>
             <a:pPr marL="171450" marR="0" lvl="0" indent="-171450" algn="l" defTabSz="914400" rtl="0" eaLnBrk="1" fontAlgn="auto" latinLnBrk="0" hangingPunct="1">
               <a:lnSpc>
                 <a:spcPct val="100000"/>
@@ -3510,7 +4058,7 @@
           <a:p>
             <a:fld id="{9D457EAB-1485-47AD-BEAD-484FAEBF5A54}" type="slidenum">
               <a:rPr lang="en-US" smtClean="0"/>
-              <a:t>21</a:t>
+              <a:t>26</a:t>
             </a:fld>
             <a:endParaRPr lang="en-US"/>
           </a:p>
@@ -4308,7 +4856,7 @@
           <a:p>
             <a:fld id="{99BA7BAB-F69F-4C21-8D40-7AA273A2D01F}" type="datetime1">
               <a:rPr lang="en-US" smtClean="0"/>
-              <a:t>1/12/2024</a:t>
+              <a:t>1/13/2024</a:t>
             </a:fld>
             <a:endParaRPr lang="en-US"/>
           </a:p>
@@ -4513,7 +5061,7 @@
           <a:p>
             <a:fld id="{FB00A8EC-4678-43EE-BE64-F312B7F1A46F}" type="datetime1">
               <a:rPr lang="en-US" smtClean="0"/>
-              <a:t>1/12/2024</a:t>
+              <a:t>1/13/2024</a:t>
             </a:fld>
             <a:endParaRPr lang="en-US"/>
           </a:p>
@@ -4721,7 +5269,7 @@
           <a:p>
             <a:fld id="{9487F23D-EA8F-4C56-9373-23F6109AD11F}" type="datetime1">
               <a:rPr lang="en-US" smtClean="0"/>
-              <a:t>1/12/2024</a:t>
+              <a:t>1/13/2024</a:t>
             </a:fld>
             <a:endParaRPr lang="en-US"/>
           </a:p>
@@ -4919,7 +5467,7 @@
           <a:p>
             <a:fld id="{A34E716E-0239-4A81-9CF4-D3B9651721CF}" type="datetime1">
               <a:rPr lang="en-US" smtClean="0"/>
-              <a:t>1/12/2024</a:t>
+              <a:t>1/13/2024</a:t>
             </a:fld>
             <a:endParaRPr lang="en-US"/>
           </a:p>
@@ -5201,7 +5749,7 @@
           <a:p>
             <a:fld id="{CC112E56-3D97-4B86-935C-1C493DD86A08}" type="datetime1">
               <a:rPr lang="en-US" smtClean="0"/>
-              <a:t>1/12/2024</a:t>
+              <a:t>1/13/2024</a:t>
             </a:fld>
             <a:endParaRPr lang="en-US"/>
           </a:p>
@@ -5466,7 +6014,7 @@
           <a:p>
             <a:fld id="{40649135-BABF-4F63-9AF8-3CEC545E47DC}" type="datetime1">
               <a:rPr lang="en-US" smtClean="0"/>
-              <a:t>1/12/2024</a:t>
+              <a:t>1/13/2024</a:t>
             </a:fld>
             <a:endParaRPr lang="en-US"/>
           </a:p>
@@ -5878,7 +6426,7 @@
           <a:p>
             <a:fld id="{B16EBC02-C9C0-442D-A8A6-494057203542}" type="datetime1">
               <a:rPr lang="en-US" smtClean="0"/>
-              <a:t>1/12/2024</a:t>
+              <a:t>1/13/2024</a:t>
             </a:fld>
             <a:endParaRPr lang="en-US"/>
           </a:p>
@@ -6019,7 +6567,7 @@
           <a:p>
             <a:fld id="{A126C4B4-559D-414E-BC9C-16A745BBF3C3}" type="datetime1">
               <a:rPr lang="en-US" smtClean="0"/>
-              <a:t>1/12/2024</a:t>
+              <a:t>1/13/2024</a:t>
             </a:fld>
             <a:endParaRPr lang="en-US"/>
           </a:p>
@@ -6132,7 +6680,7 @@
           <a:p>
             <a:fld id="{0D49D49E-73A5-4C03-BFEA-3D845EB044D8}" type="datetime1">
               <a:rPr lang="en-US" smtClean="0"/>
-              <a:t>1/12/2024</a:t>
+              <a:t>1/13/2024</a:t>
             </a:fld>
             <a:endParaRPr lang="en-US"/>
           </a:p>
@@ -6443,7 +6991,7 @@
           <a:p>
             <a:fld id="{4A0F93E6-3134-410C-B573-A5F6B38FC346}" type="datetime1">
               <a:rPr lang="en-US" smtClean="0"/>
-              <a:t>1/12/2024</a:t>
+              <a:t>1/13/2024</a:t>
             </a:fld>
             <a:endParaRPr lang="en-US"/>
           </a:p>
@@ -6731,7 +7279,7 @@
           <a:p>
             <a:fld id="{F766E70F-5320-45A5-BE33-1819A93C2AF4}" type="datetime1">
               <a:rPr lang="en-US" smtClean="0"/>
-              <a:t>1/12/2024</a:t>
+              <a:t>1/13/2024</a:t>
             </a:fld>
             <a:endParaRPr lang="en-US"/>
           </a:p>
@@ -6972,7 +7520,7 @@
           <a:p>
             <a:fld id="{A706458B-0289-40FF-A02D-2C541B7F1CB6}" type="datetime1">
               <a:rPr lang="en-US" smtClean="0"/>
-              <a:t>1/12/2024</a:t>
+              <a:t>1/13/2024</a:t>
             </a:fld>
             <a:endParaRPr lang="en-US"/>
           </a:p>
@@ -7572,8 +8120,436 @@
           </a:p>
         </p:txBody>
       </p:sp>
-      <mc:AlternateContent xmlns:mc="http://schemas.openxmlformats.org/markup-compatibility/2006">
-        <mc:Choice xmlns:a14="http://schemas.microsoft.com/office/drawing/2010/main" Requires="a14">
+      <p:sp>
+        <p:nvSpPr>
+          <p:cNvPr id="3" name="內容版面配置區 2">
+            <a:extLst>
+              <a:ext uri="{FF2B5EF4-FFF2-40B4-BE49-F238E27FC236}">
+                <a16:creationId xmlns:a16="http://schemas.microsoft.com/office/drawing/2014/main" id="{CD74F3A4-97A5-7640-801C-D093727610C1}"/>
+              </a:ext>
+            </a:extLst>
+          </p:cNvPr>
+          <p:cNvSpPr>
+            <a:spLocks noGrp="1"/>
+          </p:cNvSpPr>
+          <p:nvPr>
+            <p:ph idx="1"/>
+          </p:nvPr>
+        </p:nvSpPr>
+        <p:spPr/>
+        <p:txBody>
+          <a:bodyPr>
+            <a:normAutofit/>
+          </a:bodyPr>
+          <a:lstStyle/>
+          <a:p>
+            <a:pPr>
+              <a:lnSpc>
+                <a:spcPct val="150000"/>
+              </a:lnSpc>
+            </a:pPr>
+            <a:r>
+              <a:rPr lang="en-US" altLang="zh-TW" sz="2200" dirty="0">
+                <a:latin typeface="Times" panose="02020603050405020304" pitchFamily="18" charset="0"/>
+                <a:ea typeface="標楷體" panose="03000509000000000000" pitchFamily="65" charset="-120"/>
+                <a:cs typeface="Times" panose="02020603050405020304" pitchFamily="18" charset="0"/>
+              </a:rPr>
+              <a:t>Optimization problem:</a:t>
+            </a:r>
+          </a:p>
+          <a:p>
+            <a:pPr lvl="1">
+              <a:lnSpc>
+                <a:spcPct val="150000"/>
+              </a:lnSpc>
+            </a:pPr>
+            <a:r>
+              <a:rPr lang="zh-TW" altLang="en-US" sz="2000" dirty="0">
+                <a:latin typeface="Times" panose="02020603050405020304" pitchFamily="18" charset="0"/>
+                <a:ea typeface="標楷體" panose="03000509000000000000" pitchFamily="65" charset="-120"/>
+                <a:cs typeface="Times" panose="02020603050405020304" pitchFamily="18" charset="0"/>
+              </a:rPr>
+              <a:t> </a:t>
+            </a:r>
+            <a:endParaRPr lang="en-US" altLang="zh-TW" sz="2000" dirty="0">
+              <a:latin typeface="Times" panose="02020603050405020304" pitchFamily="18" charset="0"/>
+              <a:ea typeface="標楷體" panose="03000509000000000000" pitchFamily="65" charset="-120"/>
+              <a:cs typeface="Times" panose="02020603050405020304" pitchFamily="18" charset="0"/>
+            </a:endParaRPr>
+          </a:p>
+          <a:p>
+            <a:pPr>
+              <a:lnSpc>
+                <a:spcPct val="150000"/>
+              </a:lnSpc>
+            </a:pPr>
+            <a:endParaRPr lang="en-US" altLang="zh-TW" sz="600" dirty="0">
+              <a:latin typeface="Times" panose="02020603050405020304" pitchFamily="18" charset="0"/>
+              <a:ea typeface="標楷體" panose="03000509000000000000" pitchFamily="65" charset="-120"/>
+              <a:cs typeface="Times" panose="02020603050405020304" pitchFamily="18" charset="0"/>
+            </a:endParaRPr>
+          </a:p>
+          <a:p>
+            <a:pPr>
+              <a:lnSpc>
+                <a:spcPct val="150000"/>
+              </a:lnSpc>
+            </a:pPr>
+            <a:r>
+              <a:rPr lang="en-US" altLang="zh-TW" sz="2400" dirty="0">
+                <a:latin typeface="Times" panose="02020603050405020304" pitchFamily="18" charset="0"/>
+                <a:ea typeface="標楷體" panose="03000509000000000000" pitchFamily="65" charset="-120"/>
+                <a:cs typeface="Times" panose="02020603050405020304" pitchFamily="18" charset="0"/>
+              </a:rPr>
+              <a:t>Edge placement error (EPE)</a:t>
+            </a:r>
+          </a:p>
+          <a:p>
+            <a:pPr lvl="1">
+              <a:lnSpc>
+                <a:spcPct val="150000"/>
+              </a:lnSpc>
+            </a:pPr>
+            <a:r>
+              <a:rPr lang="en-US" altLang="zh-TW" sz="2000" dirty="0">
+                <a:latin typeface="Times" panose="02020603050405020304" pitchFamily="18" charset="0"/>
+                <a:ea typeface="標楷體" panose="03000509000000000000" pitchFamily="65" charset="-120"/>
+                <a:cs typeface="Times" panose="02020603050405020304" pitchFamily="18" charset="0"/>
+              </a:rPr>
+              <a:t> </a:t>
+            </a:r>
+          </a:p>
+          <a:p>
+            <a:pPr>
+              <a:lnSpc>
+                <a:spcPct val="150000"/>
+              </a:lnSpc>
+            </a:pPr>
+            <a:endParaRPr lang="en-US" altLang="zh-TW" sz="700" dirty="0">
+              <a:latin typeface="Times" panose="02020603050405020304" pitchFamily="18" charset="0"/>
+              <a:ea typeface="標楷體" panose="03000509000000000000" pitchFamily="65" charset="-120"/>
+              <a:cs typeface="Times" panose="02020603050405020304" pitchFamily="18" charset="0"/>
+            </a:endParaRPr>
+          </a:p>
+          <a:p>
+            <a:pPr>
+              <a:lnSpc>
+                <a:spcPct val="150000"/>
+              </a:lnSpc>
+            </a:pPr>
+            <a:r>
+              <a:rPr lang="zh-TW" altLang="en-US" sz="2400" dirty="0">
+                <a:latin typeface="Times" panose="02020603050405020304" pitchFamily="18" charset="0"/>
+                <a:ea typeface="標楷體" panose="03000509000000000000" pitchFamily="65" charset="-120"/>
+                <a:cs typeface="Times" panose="02020603050405020304" pitchFamily="18" charset="0"/>
+              </a:rPr>
+              <a:t>𝐿</a:t>
+            </a:r>
+            <a:r>
+              <a:rPr lang="en-US" altLang="zh-TW" sz="2400" dirty="0">
+                <a:latin typeface="Times" panose="02020603050405020304" pitchFamily="18" charset="0"/>
+                <a:ea typeface="標楷體" panose="03000509000000000000" pitchFamily="65" charset="-120"/>
+                <a:cs typeface="Times" panose="02020603050405020304" pitchFamily="18" charset="0"/>
+              </a:rPr>
+              <a:t>2 square error</a:t>
+            </a:r>
+          </a:p>
+          <a:p>
+            <a:pPr lvl="1">
+              <a:lnSpc>
+                <a:spcPct val="150000"/>
+              </a:lnSpc>
+            </a:pPr>
+            <a:r>
+              <a:rPr lang="zh-TW" altLang="en-US" sz="2000" dirty="0">
+                <a:latin typeface="Times" panose="02020603050405020304" pitchFamily="18" charset="0"/>
+                <a:ea typeface="標楷體" panose="03000509000000000000" pitchFamily="65" charset="-120"/>
+                <a:cs typeface="Times" panose="02020603050405020304" pitchFamily="18" charset="0"/>
+              </a:rPr>
+              <a:t> </a:t>
+            </a:r>
+          </a:p>
+        </p:txBody>
+      </p:sp>
+      <p:sp>
+        <p:nvSpPr>
+          <p:cNvPr id="4" name="投影片編號版面配置區 3">
+            <a:extLst>
+              <a:ext uri="{FF2B5EF4-FFF2-40B4-BE49-F238E27FC236}">
+                <a16:creationId xmlns:a16="http://schemas.microsoft.com/office/drawing/2014/main" id="{98B5C8A6-9E09-A340-C475-439F204D7E17}"/>
+              </a:ext>
+            </a:extLst>
+          </p:cNvPr>
+          <p:cNvSpPr>
+            <a:spLocks noGrp="1"/>
+          </p:cNvSpPr>
+          <p:nvPr>
+            <p:ph type="sldNum" sz="quarter" idx="12"/>
+          </p:nvPr>
+        </p:nvSpPr>
+        <p:spPr/>
+        <p:txBody>
+          <a:bodyPr/>
+          <a:lstStyle/>
+          <a:p>
+            <a:fld id="{666274A1-CF9C-426A-8DD4-B13ED0C24231}" type="slidenum">
+              <a:rPr lang="en-US" smtClean="0"/>
+              <a:t>9</a:t>
+            </a:fld>
+            <a:endParaRPr lang="en-US"/>
+          </a:p>
+        </p:txBody>
+      </p:sp>
+      <p:grpSp>
+        <p:nvGrpSpPr>
+          <p:cNvPr id="8" name="群組 7">
+            <a:extLst>
+              <a:ext uri="{FF2B5EF4-FFF2-40B4-BE49-F238E27FC236}">
+                <a16:creationId xmlns:a16="http://schemas.microsoft.com/office/drawing/2014/main" id="{4A978324-3A8E-21B5-2ACD-1BE3F63FD474}"/>
+              </a:ext>
+            </a:extLst>
+          </p:cNvPr>
+          <p:cNvGrpSpPr/>
+          <p:nvPr/>
+        </p:nvGrpSpPr>
+        <p:grpSpPr>
+          <a:xfrm>
+            <a:off x="1544445" y="2356396"/>
+            <a:ext cx="4905376" cy="589537"/>
+            <a:chOff x="1620115" y="5187808"/>
+            <a:chExt cx="4905376" cy="589537"/>
+          </a:xfrm>
+        </p:grpSpPr>
+        <p:pic>
+          <p:nvPicPr>
+            <p:cNvPr id="6" name="圖片 5">
+              <a:extLst>
+                <a:ext uri="{FF2B5EF4-FFF2-40B4-BE49-F238E27FC236}">
+                  <a16:creationId xmlns:a16="http://schemas.microsoft.com/office/drawing/2014/main" id="{C9C88A9D-A8AD-1445-618D-54D6B5F19737}"/>
+                </a:ext>
+              </a:extLst>
+            </p:cNvPr>
+            <p:cNvPicPr>
+              <a:picLocks noChangeAspect="1"/>
+            </p:cNvPicPr>
+            <p:nvPr/>
+          </p:nvPicPr>
+          <p:blipFill rotWithShape="1">
+            <a:blip r:embed="rId3"/>
+            <a:srcRect b="34177"/>
+            <a:stretch/>
+          </p:blipFill>
+          <p:spPr>
+            <a:xfrm>
+              <a:off x="1620115" y="5187808"/>
+              <a:ext cx="2675659" cy="589537"/>
+            </a:xfrm>
+            <a:prstGeom prst="rect">
+              <a:avLst/>
+            </a:prstGeom>
+          </p:spPr>
+        </p:pic>
+        <p:pic>
+          <p:nvPicPr>
+            <p:cNvPr id="7" name="圖片 6">
+              <a:extLst>
+                <a:ext uri="{FF2B5EF4-FFF2-40B4-BE49-F238E27FC236}">
+                  <a16:creationId xmlns:a16="http://schemas.microsoft.com/office/drawing/2014/main" id="{EB9C2010-7832-C342-0DC8-FC14DCAF754F}"/>
+                </a:ext>
+              </a:extLst>
+            </p:cNvPr>
+            <p:cNvPicPr>
+              <a:picLocks noChangeAspect="1"/>
+            </p:cNvPicPr>
+            <p:nvPr/>
+          </p:nvPicPr>
+          <p:blipFill rotWithShape="1">
+            <a:blip r:embed="rId3"/>
+            <a:srcRect l="22168" t="67676"/>
+            <a:stretch/>
+          </p:blipFill>
+          <p:spPr>
+            <a:xfrm>
+              <a:off x="4295774" y="5320146"/>
+              <a:ext cx="2229717" cy="309967"/>
+            </a:xfrm>
+            <a:prstGeom prst="rect">
+              <a:avLst/>
+            </a:prstGeom>
+          </p:spPr>
+        </p:pic>
+      </p:grpSp>
+      <p:pic>
+        <p:nvPicPr>
+          <p:cNvPr id="12" name="圖片 11">
+            <a:extLst>
+              <a:ext uri="{FF2B5EF4-FFF2-40B4-BE49-F238E27FC236}">
+                <a16:creationId xmlns:a16="http://schemas.microsoft.com/office/drawing/2014/main" id="{301A953D-CDBF-7F23-5CA0-1A0138B761EE}"/>
+              </a:ext>
+            </a:extLst>
+          </p:cNvPr>
+          <p:cNvPicPr>
+            <a:picLocks noChangeAspect="1"/>
+          </p:cNvPicPr>
+          <p:nvPr/>
+        </p:nvPicPr>
+        <p:blipFill>
+          <a:blip r:embed="rId4"/>
+          <a:stretch>
+            <a:fillRect/>
+          </a:stretch>
+        </p:blipFill>
+        <p:spPr>
+          <a:xfrm>
+            <a:off x="7939215" y="4001294"/>
+            <a:ext cx="3414585" cy="702640"/>
+          </a:xfrm>
+          <a:prstGeom prst="rect">
+            <a:avLst/>
+          </a:prstGeom>
+          <a:ln w="38100" cap="sq">
+            <a:solidFill>
+              <a:srgbClr val="000000"/>
+            </a:solidFill>
+            <a:prstDash val="solid"/>
+            <a:miter lim="800000"/>
+          </a:ln>
+          <a:effectLst>
+            <a:outerShdw blurRad="50800" dist="38100" dir="2700000" algn="tl" rotWithShape="0">
+              <a:srgbClr val="000000">
+                <a:alpha val="43000"/>
+              </a:srgbClr>
+            </a:outerShdw>
+          </a:effectLst>
+        </p:spPr>
+      </p:pic>
+      <p:pic>
+        <p:nvPicPr>
+          <p:cNvPr id="9" name="圖片 8">
+            <a:extLst>
+              <a:ext uri="{FF2B5EF4-FFF2-40B4-BE49-F238E27FC236}">
+                <a16:creationId xmlns:a16="http://schemas.microsoft.com/office/drawing/2014/main" id="{61448D21-AF3E-ACF7-E7EF-B5B93B08B306}"/>
+              </a:ext>
+            </a:extLst>
+          </p:cNvPr>
+          <p:cNvPicPr>
+            <a:picLocks noChangeAspect="1"/>
+          </p:cNvPicPr>
+          <p:nvPr/>
+        </p:nvPicPr>
+        <p:blipFill>
+          <a:blip r:embed="rId5"/>
+          <a:stretch>
+            <a:fillRect/>
+          </a:stretch>
+        </p:blipFill>
+        <p:spPr>
+          <a:xfrm>
+            <a:off x="1708568" y="3941069"/>
+            <a:ext cx="2511536" cy="415337"/>
+          </a:xfrm>
+          <a:prstGeom prst="rect">
+            <a:avLst/>
+          </a:prstGeom>
+        </p:spPr>
+      </p:pic>
+      <p:pic>
+        <p:nvPicPr>
+          <p:cNvPr id="11" name="圖片 10">
+            <a:extLst>
+              <a:ext uri="{FF2B5EF4-FFF2-40B4-BE49-F238E27FC236}">
+                <a16:creationId xmlns:a16="http://schemas.microsoft.com/office/drawing/2014/main" id="{37BDB2F5-74C9-1A29-7682-7BDB6872FA06}"/>
+              </a:ext>
+            </a:extLst>
+          </p:cNvPr>
+          <p:cNvPicPr>
+            <a:picLocks noChangeAspect="1"/>
+          </p:cNvPicPr>
+          <p:nvPr/>
+        </p:nvPicPr>
+        <p:blipFill>
+          <a:blip r:embed="rId6"/>
+          <a:stretch>
+            <a:fillRect/>
+          </a:stretch>
+        </p:blipFill>
+        <p:spPr>
+          <a:xfrm>
+            <a:off x="1708568" y="5407842"/>
+            <a:ext cx="1852739" cy="550528"/>
+          </a:xfrm>
+          <a:prstGeom prst="rect">
+            <a:avLst/>
+          </a:prstGeom>
+        </p:spPr>
+      </p:pic>
+    </p:spTree>
+    <p:extLst>
+      <p:ext uri="{BB962C8B-B14F-4D97-AF65-F5344CB8AC3E}">
+        <p14:creationId xmlns:p14="http://schemas.microsoft.com/office/powerpoint/2010/main" val="3319651878"/>
+      </p:ext>
+    </p:extLst>
+  </p:cSld>
+  <p:clrMapOvr>
+    <a:masterClrMapping/>
+  </p:clrMapOvr>
+</p:sld>
+</file>
+
+<file path=ppt/slides/slide11.xml><?xml version="1.0" encoding="utf-8"?>
+<p:sld xmlns:a="http://schemas.openxmlformats.org/drawingml/2006/main" xmlns:r="http://schemas.openxmlformats.org/officeDocument/2006/relationships" xmlns:p="http://schemas.openxmlformats.org/presentationml/2006/main">
+  <p:cSld>
+    <p:spTree>
+      <p:nvGrpSpPr>
+        <p:cNvPr id="1" name=""/>
+        <p:cNvGrpSpPr/>
+        <p:nvPr/>
+      </p:nvGrpSpPr>
+      <p:grpSpPr>
+        <a:xfrm>
+          <a:off x="0" y="0"/>
+          <a:ext cx="0" cy="0"/>
+          <a:chOff x="0" y="0"/>
+          <a:chExt cx="0" cy="0"/>
+        </a:xfrm>
+      </p:grpSpPr>
+      <p:sp>
+        <p:nvSpPr>
+          <p:cNvPr id="2" name="標題 1">
+            <a:extLst>
+              <a:ext uri="{FF2B5EF4-FFF2-40B4-BE49-F238E27FC236}">
+                <a16:creationId xmlns:a16="http://schemas.microsoft.com/office/drawing/2014/main" id="{5CEA9D29-2BBD-0E1E-DBD3-F6145D6CBC63}"/>
+              </a:ext>
+            </a:extLst>
+          </p:cNvPr>
+          <p:cNvSpPr>
+            <a:spLocks noGrp="1"/>
+          </p:cNvSpPr>
+          <p:nvPr>
+            <p:ph type="title"/>
+          </p:nvPr>
+        </p:nvSpPr>
+        <p:spPr/>
+        <p:txBody>
+          <a:bodyPr/>
+          <a:lstStyle/>
+          <a:p>
+            <a:r>
+              <a:rPr lang="en-US" altLang="zh-TW" sz="4000" dirty="0">
+                <a:latin typeface="Times" panose="02020603050405020304" pitchFamily="18" charset="0"/>
+                <a:cs typeface="Times" panose="02020603050405020304" pitchFamily="18" charset="0"/>
+              </a:rPr>
+              <a:t>Preliminaries</a:t>
+            </a:r>
+            <a:endParaRPr lang="zh-TW" altLang="en-US" dirty="0">
+              <a:latin typeface="Times" panose="02020603050405020304" pitchFamily="18" charset="0"/>
+              <a:cs typeface="Times" panose="02020603050405020304" pitchFamily="18" charset="0"/>
+            </a:endParaRPr>
+          </a:p>
+        </p:txBody>
+      </p:sp>
+      <mc:AlternateContent xmlns:mc="http://schemas.openxmlformats.org/markup-compatibility/2006" xmlns:a14="http://schemas.microsoft.com/office/drawing/2010/main">
+        <mc:Choice Requires="a14">
           <p:sp>
             <p:nvSpPr>
               <p:cNvPr id="3" name="內容版面配置區 2">
@@ -7881,7 +8857,7 @@
             </p:txBody>
           </p:sp>
         </mc:Choice>
-        <mc:Fallback>
+        <mc:Fallback xmlns="">
           <p:sp>
             <p:nvSpPr>
               <p:cNvPr id="3" name="內容版面配置區 2">
@@ -7948,7 +8924,7 @@
           <a:p>
             <a:fld id="{666274A1-CF9C-426A-8DD4-B13ED0C24231}" type="slidenum">
               <a:rPr lang="en-US" smtClean="0"/>
-              <a:t>9</a:t>
+              <a:t>10</a:t>
             </a:fld>
             <a:endParaRPr lang="en-US"/>
           </a:p>
@@ -8027,7 +9003,7 @@
 </p:sld>
 </file>
 
-<file path=ppt/slides/slide11.xml><?xml version="1.0" encoding="utf-8"?>
+<file path=ppt/slides/slide12.xml><?xml version="1.0" encoding="utf-8"?>
 <p:sld xmlns:a="http://schemas.openxmlformats.org/drawingml/2006/main" xmlns:r="http://schemas.openxmlformats.org/officeDocument/2006/relationships" xmlns:p="http://schemas.openxmlformats.org/presentationml/2006/main">
   <p:cSld>
     <p:spTree>
@@ -8079,8 +9055,8 @@
           </a:p>
         </p:txBody>
       </p:sp>
-      <mc:AlternateContent xmlns:mc="http://schemas.openxmlformats.org/markup-compatibility/2006">
-        <mc:Choice xmlns:a14="http://schemas.microsoft.com/office/drawing/2010/main" Requires="a14">
+      <mc:AlternateContent xmlns:mc="http://schemas.openxmlformats.org/markup-compatibility/2006" xmlns:a14="http://schemas.microsoft.com/office/drawing/2010/main">
+        <mc:Choice Requires="a14">
           <p:sp>
             <p:nvSpPr>
               <p:cNvPr id="3" name="內容版面配置區 2">
@@ -8307,7 +9283,23 @@
                     <a:ea typeface="標楷體" panose="03000509000000000000" pitchFamily="65" charset="-120"/>
                     <a:cs typeface="Times" panose="02020603050405020304" pitchFamily="18" charset="0"/>
                   </a:rPr>
-                  <a:t>Thus the modified  optimization problem becomes:</a:t>
+                  <a:t>Thus the</a:t>
+                </a:r>
+                <a:r>
+                  <a:rPr lang="en-US" altLang="zh-TW" sz="2200" b="1" dirty="0">
+                    <a:latin typeface="Times" panose="02020603050405020304" pitchFamily="18" charset="0"/>
+                    <a:ea typeface="標楷體" panose="03000509000000000000" pitchFamily="65" charset="-120"/>
+                    <a:cs typeface="Times" panose="02020603050405020304" pitchFamily="18" charset="0"/>
+                  </a:rPr>
+                  <a:t> modified  optimization problem </a:t>
+                </a:r>
+                <a:r>
+                  <a:rPr lang="en-US" altLang="zh-TW" sz="2200" dirty="0">
+                    <a:latin typeface="Times" panose="02020603050405020304" pitchFamily="18" charset="0"/>
+                    <a:ea typeface="標楷體" panose="03000509000000000000" pitchFamily="65" charset="-120"/>
+                    <a:cs typeface="Times" panose="02020603050405020304" pitchFamily="18" charset="0"/>
+                  </a:rPr>
+                  <a:t>becomes:</a:t>
                 </a:r>
               </a:p>
               <a:p>
@@ -8380,7 +9372,7 @@
             </p:txBody>
           </p:sp>
         </mc:Choice>
-        <mc:Fallback>
+        <mc:Fallback xmlns="">
           <p:sp>
             <p:nvSpPr>
               <p:cNvPr id="3" name="內容版面配置區 2">
@@ -8447,7 +9439,7 @@
           <a:p>
             <a:fld id="{666274A1-CF9C-426A-8DD4-B13ED0C24231}" type="slidenum">
               <a:rPr lang="en-US" smtClean="0"/>
-              <a:t>10</a:t>
+              <a:t>11</a:t>
             </a:fld>
             <a:endParaRPr lang="en-US" dirty="0"/>
           </a:p>
@@ -8555,119 +9547,6 @@
 </p:sld>
 </file>
 
-<file path=ppt/slides/slide12.xml><?xml version="1.0" encoding="utf-8"?>
-<p:sld xmlns:a="http://schemas.openxmlformats.org/drawingml/2006/main" xmlns:r="http://schemas.openxmlformats.org/officeDocument/2006/relationships" xmlns:p="http://schemas.openxmlformats.org/presentationml/2006/main" show="0">
-  <p:cSld>
-    <p:spTree>
-      <p:nvGrpSpPr>
-        <p:cNvPr id="1" name=""/>
-        <p:cNvGrpSpPr/>
-        <p:nvPr/>
-      </p:nvGrpSpPr>
-      <p:grpSpPr>
-        <a:xfrm>
-          <a:off x="0" y="0"/>
-          <a:ext cx="0" cy="0"/>
-          <a:chOff x="0" y="0"/>
-          <a:chExt cx="0" cy="0"/>
-        </a:xfrm>
-      </p:grpSpPr>
-      <p:sp>
-        <p:nvSpPr>
-          <p:cNvPr id="2" name="標題 1">
-            <a:extLst>
-              <a:ext uri="{FF2B5EF4-FFF2-40B4-BE49-F238E27FC236}">
-                <a16:creationId xmlns:a16="http://schemas.microsoft.com/office/drawing/2014/main" id="{B73C8EB6-F33A-052C-C6DD-EC4702B99392}"/>
-              </a:ext>
-            </a:extLst>
-          </p:cNvPr>
-          <p:cNvSpPr>
-            <a:spLocks noGrp="1"/>
-          </p:cNvSpPr>
-          <p:nvPr>
-            <p:ph type="title"/>
-          </p:nvPr>
-        </p:nvSpPr>
-        <p:spPr/>
-        <p:txBody>
-          <a:bodyPr/>
-          <a:lstStyle/>
-          <a:p>
-            <a:endParaRPr lang="zh-TW" altLang="en-US"/>
-          </a:p>
-        </p:txBody>
-      </p:sp>
-      <p:pic>
-        <p:nvPicPr>
-          <p:cNvPr id="6" name="內容版面配置區 5">
-            <a:extLst>
-              <a:ext uri="{FF2B5EF4-FFF2-40B4-BE49-F238E27FC236}">
-                <a16:creationId xmlns:a16="http://schemas.microsoft.com/office/drawing/2014/main" id="{07710DD3-81DB-71BD-96F4-9F9A8B7AA2F7}"/>
-              </a:ext>
-            </a:extLst>
-          </p:cNvPr>
-          <p:cNvPicPr>
-            <a:picLocks noGrp="1" noChangeAspect="1"/>
-          </p:cNvPicPr>
-          <p:nvPr>
-            <p:ph idx="1"/>
-          </p:nvPr>
-        </p:nvPicPr>
-        <p:blipFill>
-          <a:blip r:embed="rId2"/>
-          <a:stretch>
-            <a:fillRect/>
-          </a:stretch>
-        </p:blipFill>
-        <p:spPr>
-          <a:xfrm>
-            <a:off x="1115161" y="2954130"/>
-            <a:ext cx="10319688" cy="2199761"/>
-          </a:xfrm>
-        </p:spPr>
-      </p:pic>
-      <p:sp>
-        <p:nvSpPr>
-          <p:cNvPr id="4" name="投影片編號版面配置區 3">
-            <a:extLst>
-              <a:ext uri="{FF2B5EF4-FFF2-40B4-BE49-F238E27FC236}">
-                <a16:creationId xmlns:a16="http://schemas.microsoft.com/office/drawing/2014/main" id="{A0B7CBDB-8AD8-E912-4D05-18E8573EA29E}"/>
-              </a:ext>
-            </a:extLst>
-          </p:cNvPr>
-          <p:cNvSpPr>
-            <a:spLocks noGrp="1"/>
-          </p:cNvSpPr>
-          <p:nvPr>
-            <p:ph type="sldNum" sz="quarter" idx="12"/>
-          </p:nvPr>
-        </p:nvSpPr>
-        <p:spPr/>
-        <p:txBody>
-          <a:bodyPr/>
-          <a:lstStyle/>
-          <a:p>
-            <a:fld id="{666274A1-CF9C-426A-8DD4-B13ED0C24231}" type="slidenum">
-              <a:rPr lang="en-US" smtClean="0"/>
-              <a:t>11</a:t>
-            </a:fld>
-            <a:endParaRPr lang="en-US"/>
-          </a:p>
-        </p:txBody>
-      </p:sp>
-    </p:spTree>
-    <p:extLst>
-      <p:ext uri="{BB962C8B-B14F-4D97-AF65-F5344CB8AC3E}">
-        <p14:creationId xmlns:p14="http://schemas.microsoft.com/office/powerpoint/2010/main" val="3403271771"/>
-      </p:ext>
-    </p:extLst>
-  </p:cSld>
-  <p:clrMapOvr>
-    <a:masterClrMapping/>
-  </p:clrMapOvr>
-</p:sld>
-</file>
-
 <file path=ppt/slides/slide13.xml><?xml version="1.0" encoding="utf-8"?>
 <p:sld xmlns:a="http://schemas.openxmlformats.org/drawingml/2006/main" xmlns:r="http://schemas.openxmlformats.org/officeDocument/2006/relationships" xmlns:p="http://schemas.openxmlformats.org/presentationml/2006/main">
   <p:cSld>
@@ -8690,6 +9569,126 @@
           <p:cNvPr id="2" name="標題 1">
             <a:extLst>
               <a:ext uri="{FF2B5EF4-FFF2-40B4-BE49-F238E27FC236}">
+                <a16:creationId xmlns:a16="http://schemas.microsoft.com/office/drawing/2014/main" id="{B73C8EB6-F33A-052C-C6DD-EC4702B99392}"/>
+              </a:ext>
+            </a:extLst>
+          </p:cNvPr>
+          <p:cNvSpPr>
+            <a:spLocks noGrp="1"/>
+          </p:cNvSpPr>
+          <p:nvPr>
+            <p:ph type="title"/>
+          </p:nvPr>
+        </p:nvSpPr>
+        <p:spPr/>
+        <p:txBody>
+          <a:bodyPr/>
+          <a:lstStyle/>
+          <a:p>
+            <a:r>
+              <a:rPr lang="en-US" altLang="zh-TW" sz="4000" dirty="0">
+                <a:latin typeface="Times" panose="02020603050405020304" pitchFamily="18" charset="0"/>
+                <a:cs typeface="Times" panose="02020603050405020304" pitchFamily="18" charset="0"/>
+              </a:rPr>
+              <a:t>Preliminaries</a:t>
+            </a:r>
+            <a:endParaRPr lang="zh-TW" altLang="en-US" dirty="0"/>
+          </a:p>
+        </p:txBody>
+      </p:sp>
+      <p:pic>
+        <p:nvPicPr>
+          <p:cNvPr id="6" name="內容版面配置區 5">
+            <a:extLst>
+              <a:ext uri="{FF2B5EF4-FFF2-40B4-BE49-F238E27FC236}">
+                <a16:creationId xmlns:a16="http://schemas.microsoft.com/office/drawing/2014/main" id="{07710DD3-81DB-71BD-96F4-9F9A8B7AA2F7}"/>
+              </a:ext>
+            </a:extLst>
+          </p:cNvPr>
+          <p:cNvPicPr>
+            <a:picLocks noGrp="1" noChangeAspect="1"/>
+          </p:cNvPicPr>
+          <p:nvPr>
+            <p:ph idx="1"/>
+          </p:nvPr>
+        </p:nvPicPr>
+        <p:blipFill>
+          <a:blip r:embed="rId2"/>
+          <a:stretch>
+            <a:fillRect/>
+          </a:stretch>
+        </p:blipFill>
+        <p:spPr>
+          <a:xfrm>
+            <a:off x="1115161" y="2954130"/>
+            <a:ext cx="10319688" cy="2199761"/>
+          </a:xfrm>
+        </p:spPr>
+      </p:pic>
+      <p:sp>
+        <p:nvSpPr>
+          <p:cNvPr id="4" name="投影片編號版面配置區 3">
+            <a:extLst>
+              <a:ext uri="{FF2B5EF4-FFF2-40B4-BE49-F238E27FC236}">
+                <a16:creationId xmlns:a16="http://schemas.microsoft.com/office/drawing/2014/main" id="{A0B7CBDB-8AD8-E912-4D05-18E8573EA29E}"/>
+              </a:ext>
+            </a:extLst>
+          </p:cNvPr>
+          <p:cNvSpPr>
+            <a:spLocks noGrp="1"/>
+          </p:cNvSpPr>
+          <p:nvPr>
+            <p:ph type="sldNum" sz="quarter" idx="12"/>
+          </p:nvPr>
+        </p:nvSpPr>
+        <p:spPr/>
+        <p:txBody>
+          <a:bodyPr/>
+          <a:lstStyle/>
+          <a:p>
+            <a:fld id="{666274A1-CF9C-426A-8DD4-B13ED0C24231}" type="slidenum">
+              <a:rPr lang="en-US" smtClean="0"/>
+              <a:t>12</a:t>
+            </a:fld>
+            <a:endParaRPr lang="en-US"/>
+          </a:p>
+        </p:txBody>
+      </p:sp>
+    </p:spTree>
+    <p:extLst>
+      <p:ext uri="{BB962C8B-B14F-4D97-AF65-F5344CB8AC3E}">
+        <p14:creationId xmlns:p14="http://schemas.microsoft.com/office/powerpoint/2010/main" val="3403271771"/>
+      </p:ext>
+    </p:extLst>
+  </p:cSld>
+  <p:clrMapOvr>
+    <a:masterClrMapping/>
+  </p:clrMapOvr>
+</p:sld>
+</file>
+
+<file path=ppt/slides/slide14.xml><?xml version="1.0" encoding="utf-8"?>
+<p:sld xmlns:a="http://schemas.openxmlformats.org/drawingml/2006/main" xmlns:r="http://schemas.openxmlformats.org/officeDocument/2006/relationships" xmlns:p="http://schemas.openxmlformats.org/presentationml/2006/main">
+  <p:cSld>
+    <p:spTree>
+      <p:nvGrpSpPr>
+        <p:cNvPr id="1" name=""/>
+        <p:cNvGrpSpPr/>
+        <p:nvPr/>
+      </p:nvGrpSpPr>
+      <p:grpSpPr>
+        <a:xfrm>
+          <a:off x="0" y="0"/>
+          <a:ext cx="0" cy="0"/>
+          <a:chOff x="0" y="0"/>
+          <a:chExt cx="0" cy="0"/>
+        </a:xfrm>
+      </p:grpSpPr>
+      <p:sp>
+        <p:nvSpPr>
+          <p:cNvPr id="2" name="標題 1">
+            <a:extLst>
+              <a:ext uri="{FF2B5EF4-FFF2-40B4-BE49-F238E27FC236}">
                 <a16:creationId xmlns:a16="http://schemas.microsoft.com/office/drawing/2014/main" id="{5CEA9D29-2BBD-0E1E-DBD3-F6145D6CBC63}"/>
               </a:ext>
             </a:extLst>
@@ -8720,8 +9719,8 @@
           </a:p>
         </p:txBody>
       </p:sp>
-      <mc:AlternateContent xmlns:mc="http://schemas.openxmlformats.org/markup-compatibility/2006">
-        <mc:Choice xmlns:a14="http://schemas.microsoft.com/office/drawing/2010/main" Requires="a14">
+      <mc:AlternateContent xmlns:mc="http://schemas.openxmlformats.org/markup-compatibility/2006" xmlns:a14="http://schemas.microsoft.com/office/drawing/2010/main">
+        <mc:Choice Requires="a14">
           <p:sp>
             <p:nvSpPr>
               <p:cNvPr id="3" name="內容版面配置區 2">
@@ -9421,7 +10420,7 @@
             </p:txBody>
           </p:sp>
         </mc:Choice>
-        <mc:Fallback>
+        <mc:Fallback xmlns="">
           <p:sp>
             <p:nvSpPr>
               <p:cNvPr id="3" name="內容版面配置區 2">
@@ -9488,7 +10487,7 @@
           <a:p>
             <a:fld id="{666274A1-CF9C-426A-8DD4-B13ED0C24231}" type="slidenum">
               <a:rPr lang="en-US" smtClean="0"/>
-              <a:t>12</a:t>
+              <a:t>13</a:t>
             </a:fld>
             <a:endParaRPr lang="en-US" dirty="0"/>
           </a:p>
@@ -9507,7 +10506,7 @@
 </p:sld>
 </file>
 
-<file path=ppt/slides/slide14.xml><?xml version="1.0" encoding="utf-8"?>
+<file path=ppt/slides/slide15.xml><?xml version="1.0" encoding="utf-8"?>
 <p:sld xmlns:a="http://schemas.openxmlformats.org/drawingml/2006/main" xmlns:r="http://schemas.openxmlformats.org/officeDocument/2006/relationships" xmlns:p="http://schemas.openxmlformats.org/presentationml/2006/main">
   <p:cSld>
     <p:spTree>
@@ -9559,8 +10558,8 @@
           </a:p>
         </p:txBody>
       </p:sp>
-      <mc:AlternateContent xmlns:mc="http://schemas.openxmlformats.org/markup-compatibility/2006">
-        <mc:Choice xmlns:a14="http://schemas.microsoft.com/office/drawing/2010/main" Requires="a14">
+      <mc:AlternateContent xmlns:mc="http://schemas.openxmlformats.org/markup-compatibility/2006" xmlns:a14="http://schemas.microsoft.com/office/drawing/2010/main">
+        <mc:Choice Requires="a14">
           <p:sp>
             <p:nvSpPr>
               <p:cNvPr id="3" name="內容版面配置區 2">
@@ -10270,7 +11269,7 @@
             </p:txBody>
           </p:sp>
         </mc:Choice>
-        <mc:Fallback>
+        <mc:Fallback xmlns="">
           <p:sp>
             <p:nvSpPr>
               <p:cNvPr id="3" name="內容版面配置區 2">
@@ -10337,7 +11336,7 @@
           <a:p>
             <a:fld id="{666274A1-CF9C-426A-8DD4-B13ED0C24231}" type="slidenum">
               <a:rPr lang="en-US" smtClean="0"/>
-              <a:t>13</a:t>
+              <a:t>14</a:t>
             </a:fld>
             <a:endParaRPr lang="en-US" dirty="0"/>
           </a:p>
@@ -10446,153 +11445,6 @@
 </p:sld>
 </file>
 
-<file path=ppt/slides/slide15.xml><?xml version="1.0" encoding="utf-8"?>
-<p:sld xmlns:a="http://schemas.openxmlformats.org/drawingml/2006/main" xmlns:r="http://schemas.openxmlformats.org/officeDocument/2006/relationships" xmlns:p="http://schemas.openxmlformats.org/presentationml/2006/main">
-  <p:cSld>
-    <p:spTree>
-      <p:nvGrpSpPr>
-        <p:cNvPr id="1" name=""/>
-        <p:cNvGrpSpPr/>
-        <p:nvPr/>
-      </p:nvGrpSpPr>
-      <p:grpSpPr>
-        <a:xfrm>
-          <a:off x="0" y="0"/>
-          <a:ext cx="0" cy="0"/>
-          <a:chOff x="0" y="0"/>
-          <a:chExt cx="0" cy="0"/>
-        </a:xfrm>
-      </p:grpSpPr>
-      <p:sp>
-        <p:nvSpPr>
-          <p:cNvPr id="2" name="標題 1">
-            <a:extLst>
-              <a:ext uri="{FF2B5EF4-FFF2-40B4-BE49-F238E27FC236}">
-                <a16:creationId xmlns:a16="http://schemas.microsoft.com/office/drawing/2014/main" id="{5CEA9D29-2BBD-0E1E-DBD3-F6145D6CBC63}"/>
-              </a:ext>
-            </a:extLst>
-          </p:cNvPr>
-          <p:cNvSpPr>
-            <a:spLocks noGrp="1"/>
-          </p:cNvSpPr>
-          <p:nvPr>
-            <p:ph type="title"/>
-          </p:nvPr>
-        </p:nvSpPr>
-        <p:spPr/>
-        <p:txBody>
-          <a:bodyPr/>
-          <a:lstStyle/>
-          <a:p>
-            <a:r>
-              <a:rPr lang="en-US" altLang="zh-TW" sz="4000" dirty="0">
-                <a:latin typeface="Times" panose="02020603050405020304" pitchFamily="18" charset="0"/>
-                <a:cs typeface="Times" panose="02020603050405020304" pitchFamily="18" charset="0"/>
-              </a:rPr>
-              <a:t>Algorithm - Detail</a:t>
-            </a:r>
-            <a:endParaRPr lang="zh-TW" altLang="en-US" dirty="0">
-              <a:latin typeface="Times" panose="02020603050405020304" pitchFamily="18" charset="0"/>
-              <a:cs typeface="Times" panose="02020603050405020304" pitchFamily="18" charset="0"/>
-            </a:endParaRPr>
-          </a:p>
-        </p:txBody>
-      </p:sp>
-      <p:sp>
-        <p:nvSpPr>
-          <p:cNvPr id="3" name="內容版面配置區 2">
-            <a:extLst>
-              <a:ext uri="{FF2B5EF4-FFF2-40B4-BE49-F238E27FC236}">
-                <a16:creationId xmlns:a16="http://schemas.microsoft.com/office/drawing/2014/main" id="{CD74F3A4-97A5-7640-801C-D093727610C1}"/>
-              </a:ext>
-            </a:extLst>
-          </p:cNvPr>
-          <p:cNvSpPr>
-            <a:spLocks noGrp="1"/>
-          </p:cNvSpPr>
-          <p:nvPr>
-            <p:ph idx="1"/>
-          </p:nvPr>
-        </p:nvSpPr>
-        <p:spPr>
-          <a:xfrm>
-            <a:off x="838200" y="1825625"/>
-            <a:ext cx="10515600" cy="4895850"/>
-          </a:xfrm>
-        </p:spPr>
-        <p:txBody>
-          <a:bodyPr>
-            <a:normAutofit/>
-          </a:bodyPr>
-          <a:lstStyle/>
-          <a:p>
-            <a:pPr>
-              <a:lnSpc>
-                <a:spcPct val="150000"/>
-              </a:lnSpc>
-            </a:pPr>
-            <a:endParaRPr lang="en-US" altLang="zh-TW" sz="2000" dirty="0">
-              <a:latin typeface="Times" panose="02020603050405020304" pitchFamily="18" charset="0"/>
-              <a:ea typeface="標楷體" panose="03000509000000000000" pitchFamily="65" charset="-120"/>
-              <a:cs typeface="Times" panose="02020603050405020304" pitchFamily="18" charset="0"/>
-            </a:endParaRPr>
-          </a:p>
-          <a:p>
-            <a:pPr>
-              <a:lnSpc>
-                <a:spcPct val="150000"/>
-              </a:lnSpc>
-            </a:pPr>
-            <a:endParaRPr lang="zh-TW" altLang="en-US" sz="2600" b="1" dirty="0">
-              <a:latin typeface="Times" panose="02020603050405020304" pitchFamily="18" charset="0"/>
-              <a:ea typeface="標楷體" panose="03000509000000000000" pitchFamily="65" charset="-120"/>
-              <a:cs typeface="Times" panose="02020603050405020304" pitchFamily="18" charset="0"/>
-            </a:endParaRPr>
-          </a:p>
-        </p:txBody>
-      </p:sp>
-      <p:sp>
-        <p:nvSpPr>
-          <p:cNvPr id="4" name="投影片編號版面配置區 3">
-            <a:extLst>
-              <a:ext uri="{FF2B5EF4-FFF2-40B4-BE49-F238E27FC236}">
-                <a16:creationId xmlns:a16="http://schemas.microsoft.com/office/drawing/2014/main" id="{98B5C8A6-9E09-A340-C475-439F204D7E17}"/>
-              </a:ext>
-            </a:extLst>
-          </p:cNvPr>
-          <p:cNvSpPr>
-            <a:spLocks noGrp="1"/>
-          </p:cNvSpPr>
-          <p:nvPr>
-            <p:ph type="sldNum" sz="quarter" idx="12"/>
-          </p:nvPr>
-        </p:nvSpPr>
-        <p:spPr/>
-        <p:txBody>
-          <a:bodyPr/>
-          <a:lstStyle/>
-          <a:p>
-            <a:fld id="{666274A1-CF9C-426A-8DD4-B13ED0C24231}" type="slidenum">
-              <a:rPr lang="en-US" smtClean="0"/>
-              <a:t>14</a:t>
-            </a:fld>
-            <a:endParaRPr lang="en-US" dirty="0"/>
-          </a:p>
-        </p:txBody>
-      </p:sp>
-    </p:spTree>
-    <p:extLst>
-      <p:ext uri="{BB962C8B-B14F-4D97-AF65-F5344CB8AC3E}">
-        <p14:creationId xmlns:p14="http://schemas.microsoft.com/office/powerpoint/2010/main" val="4204651947"/>
-      </p:ext>
-    </p:extLst>
-  </p:cSld>
-  <p:clrMapOvr>
-    <a:masterClrMapping/>
-  </p:clrMapOvr>
-</p:sld>
-</file>
-
 <file path=ppt/slides/slide16.xml><?xml version="1.0" encoding="utf-8"?>
 <p:sld xmlns:a="http://schemas.openxmlformats.org/drawingml/2006/main" xmlns:r="http://schemas.openxmlformats.org/officeDocument/2006/relationships" xmlns:p="http://schemas.openxmlformats.org/presentationml/2006/main">
   <p:cSld>
@@ -10615,7 +11467,7 @@
           <p:cNvPr id="2" name="標題 1">
             <a:extLst>
               <a:ext uri="{FF2B5EF4-FFF2-40B4-BE49-F238E27FC236}">
-                <a16:creationId xmlns:a16="http://schemas.microsoft.com/office/drawing/2014/main" id="{156C4346-F0F9-6C34-7427-C802A4D5EF8E}"/>
+                <a16:creationId xmlns:a16="http://schemas.microsoft.com/office/drawing/2014/main" id="{5CEA9D29-2BBD-0E1E-DBD3-F6145D6CBC63}"/>
               </a:ext>
             </a:extLst>
           </p:cNvPr>
@@ -10632,39 +11484,11 @@
           <a:lstStyle/>
           <a:p>
             <a:r>
-              <a:rPr lang="en-US" altLang="zh-TW" dirty="0">
+              <a:rPr lang="en-US" altLang="zh-TW" sz="4000" dirty="0">
                 <a:latin typeface="Times" panose="02020603050405020304" pitchFamily="18" charset="0"/>
                 <a:cs typeface="Times" panose="02020603050405020304" pitchFamily="18" charset="0"/>
               </a:rPr>
-              <a:t>Experimental Result</a:t>
-            </a:r>
-            <a:r>
-              <a:rPr lang="zh-TW" altLang="en-US" dirty="0">
-                <a:latin typeface="Times" panose="02020603050405020304" pitchFamily="18" charset="0"/>
-                <a:cs typeface="Times" panose="02020603050405020304" pitchFamily="18" charset="0"/>
-              </a:rPr>
-              <a:t> </a:t>
-            </a:r>
-            <a:r>
-              <a:rPr lang="en-US" altLang="zh-TW" dirty="0">
-                <a:latin typeface="Times" panose="02020603050405020304" pitchFamily="18" charset="0"/>
-                <a:cs typeface="Times" panose="02020603050405020304" pitchFamily="18" charset="0"/>
-              </a:rPr>
-              <a:t>-</a:t>
-            </a:r>
-            <a:r>
-              <a:rPr lang="zh-TW" altLang="en-US" dirty="0">
-                <a:latin typeface="Times" panose="02020603050405020304" pitchFamily="18" charset="0"/>
-                <a:cs typeface="Times" panose="02020603050405020304" pitchFamily="18" charset="0"/>
-              </a:rPr>
-              <a:t> </a:t>
-            </a:r>
-            <a:r>
-              <a:rPr lang="en-US" altLang="zh-TW" dirty="0">
-                <a:latin typeface="Times" panose="02020603050405020304" pitchFamily="18" charset="0"/>
-                <a:cs typeface="Times" panose="02020603050405020304" pitchFamily="18" charset="0"/>
-              </a:rPr>
-              <a:t>gradient</a:t>
+              <a:t>Algorithm - Detail</a:t>
             </a:r>
             <a:endParaRPr lang="zh-TW" altLang="en-US" dirty="0">
               <a:latin typeface="Times" panose="02020603050405020304" pitchFamily="18" charset="0"/>
@@ -10673,68 +11497,927 @@
           </a:p>
         </p:txBody>
       </p:sp>
-      <p:sp>
-        <p:nvSpPr>
-          <p:cNvPr id="3" name="內容版面配置區 2">
-            <a:extLst>
-              <a:ext uri="{FF2B5EF4-FFF2-40B4-BE49-F238E27FC236}">
-                <a16:creationId xmlns:a16="http://schemas.microsoft.com/office/drawing/2014/main" id="{1041E5E8-EF09-59CE-C41D-D52F5FA6A43C}"/>
-              </a:ext>
-            </a:extLst>
-          </p:cNvPr>
-          <p:cNvSpPr>
-            <a:spLocks noGrp="1"/>
-          </p:cNvSpPr>
-          <p:nvPr>
-            <p:ph idx="1"/>
-          </p:nvPr>
-        </p:nvSpPr>
-        <p:spPr/>
-        <p:txBody>
-          <a:bodyPr>
-            <a:normAutofit/>
-          </a:bodyPr>
-          <a:lstStyle/>
-          <a:p>
-            <a:pPr>
-              <a:lnSpc>
-                <a:spcPct val="150000"/>
-              </a:lnSpc>
-            </a:pPr>
-            <a:r>
-              <a:rPr lang="en-US" altLang="zh-TW" sz="2200" dirty="0">
-                <a:latin typeface="Times" panose="02020603050405020304" pitchFamily="18" charset="0"/>
-                <a:cs typeface="Times" panose="02020603050405020304" pitchFamily="18" charset="0"/>
-              </a:rPr>
-              <a:t>All codes are implemented in C, and packed as a Python interface.</a:t>
-            </a:r>
-          </a:p>
-          <a:p>
-            <a:pPr>
-              <a:lnSpc>
-                <a:spcPct val="150000"/>
-              </a:lnSpc>
-            </a:pPr>
-            <a:r>
-              <a:rPr lang="en-US" altLang="zh-TW" sz="2200" dirty="0">
-                <a:latin typeface="Times" panose="02020603050405020304" pitchFamily="18" charset="0"/>
-                <a:cs typeface="Times" panose="02020603050405020304" pitchFamily="18" charset="0"/>
-              </a:rPr>
-              <a:t>All the tests of KOSIM were performed on a Lenovo ST8810 cluster.</a:t>
-            </a:r>
-            <a:endParaRPr lang="zh-TW" altLang="en-US" sz="2200" dirty="0">
-              <a:latin typeface="Times" panose="02020603050405020304" pitchFamily="18" charset="0"/>
-              <a:cs typeface="Times" panose="02020603050405020304" pitchFamily="18" charset="0"/>
-            </a:endParaRPr>
-          </a:p>
-        </p:txBody>
-      </p:sp>
+      <mc:AlternateContent xmlns:mc="http://schemas.openxmlformats.org/markup-compatibility/2006" xmlns:a14="http://schemas.microsoft.com/office/drawing/2010/main">
+        <mc:Choice Requires="a14">
+          <p:sp>
+            <p:nvSpPr>
+              <p:cNvPr id="3" name="內容版面配置區 2">
+                <a:extLst>
+                  <a:ext uri="{FF2B5EF4-FFF2-40B4-BE49-F238E27FC236}">
+                    <a16:creationId xmlns:a16="http://schemas.microsoft.com/office/drawing/2014/main" id="{CD74F3A4-97A5-7640-801C-D093727610C1}"/>
+                  </a:ext>
+                </a:extLst>
+              </p:cNvPr>
+              <p:cNvSpPr>
+                <a:spLocks noGrp="1"/>
+              </p:cNvSpPr>
+              <p:nvPr>
+                <p:ph idx="1"/>
+              </p:nvPr>
+            </p:nvSpPr>
+            <p:spPr>
+              <a:xfrm>
+                <a:off x="838200" y="1825625"/>
+                <a:ext cx="10515600" cy="4895850"/>
+              </a:xfrm>
+            </p:spPr>
+            <p:txBody>
+              <a:bodyPr>
+                <a:normAutofit/>
+              </a:bodyPr>
+              <a:lstStyle/>
+              <a:p>
+                <a:pPr marL="457200" indent="-457200">
+                  <a:lnSpc>
+                    <a:spcPct val="150000"/>
+                  </a:lnSpc>
+                  <a:buFont typeface="+mj-lt"/>
+                  <a:buAutoNum type="alphaUcPeriod"/>
+                </a:pPr>
+                <a:r>
+                  <a:rPr lang="en-US" altLang="zh-TW" sz="2200" dirty="0">
+                    <a:latin typeface="Times" panose="02020603050405020304" pitchFamily="18" charset="0"/>
+                    <a:ea typeface="標楷體" panose="03000509000000000000" pitchFamily="65" charset="-120"/>
+                    <a:cs typeface="Times" panose="02020603050405020304" pitchFamily="18" charset="0"/>
+                  </a:rPr>
+                  <a:t>Initializing and Updating the sampling points</a:t>
+                </a:r>
+              </a:p>
+              <a:p>
+                <a:pPr lvl="1">
+                  <a:lnSpc>
+                    <a:spcPct val="150000"/>
+                  </a:lnSpc>
+                </a:pPr>
+                <a:r>
+                  <a:rPr lang="zh-TW" altLang="en-US" sz="1800" b="1" dirty="0">
+                    <a:latin typeface="Times" panose="02020603050405020304" pitchFamily="18" charset="0"/>
+                    <a:ea typeface="標楷體" panose="03000509000000000000" pitchFamily="65" charset="-120"/>
+                    <a:cs typeface="Times" panose="02020603050405020304" pitchFamily="18" charset="0"/>
+                  </a:rPr>
+                  <a:t> </a:t>
+                </a:r>
+                <a14:m>
+                  <m:oMath xmlns:m="http://schemas.openxmlformats.org/officeDocument/2006/math">
+                    <m:sSup>
+                      <m:sSupPr>
+                        <m:ctrlPr>
+                          <a:rPr lang="en-US" altLang="zh-TW" sz="2000" i="1" smtClean="0">
+                            <a:latin typeface="Cambria Math" panose="02040503050406030204" pitchFamily="18" charset="0"/>
+                            <a:ea typeface="標楷體" panose="03000509000000000000" pitchFamily="65" charset="-120"/>
+                            <a:cs typeface="Times" panose="02020603050405020304" pitchFamily="18" charset="0"/>
+                          </a:rPr>
+                        </m:ctrlPr>
+                      </m:sSupPr>
+                      <m:e>
+                        <m:r>
+                          <a:rPr lang="en-US" altLang="zh-TW" sz="2000" b="0" i="1" smtClean="0">
+                            <a:latin typeface="Cambria Math" panose="02040503050406030204" pitchFamily="18" charset="0"/>
+                            <a:ea typeface="標楷體" panose="03000509000000000000" pitchFamily="65" charset="-120"/>
+                            <a:cs typeface="Times" panose="02020603050405020304" pitchFamily="18" charset="0"/>
+                          </a:rPr>
+                          <m:t>𝑦</m:t>
+                        </m:r>
+                      </m:e>
+                      <m:sup>
+                        <m:r>
+                          <a:rPr lang="en-US" altLang="zh-TW" sz="2000" b="0" i="1" smtClean="0">
+                            <a:latin typeface="Cambria Math" panose="02040503050406030204" pitchFamily="18" charset="0"/>
+                            <a:ea typeface="標楷體" panose="03000509000000000000" pitchFamily="65" charset="-120"/>
+                            <a:cs typeface="Times" panose="02020603050405020304" pitchFamily="18" charset="0"/>
+                          </a:rPr>
+                          <m:t>(0,</m:t>
+                        </m:r>
+                        <m:r>
+                          <a:rPr lang="en-US" altLang="zh-TW" sz="2000" b="0" i="1" smtClean="0">
+                            <a:latin typeface="Cambria Math" panose="02040503050406030204" pitchFamily="18" charset="0"/>
+                            <a:ea typeface="標楷體" panose="03000509000000000000" pitchFamily="65" charset="-120"/>
+                            <a:cs typeface="Times" panose="02020603050405020304" pitchFamily="18" charset="0"/>
+                          </a:rPr>
+                          <m:t>𝑖</m:t>
+                        </m:r>
+                        <m:r>
+                          <a:rPr lang="en-US" altLang="zh-TW" sz="2000" b="0" i="1" smtClean="0">
+                            <a:latin typeface="Cambria Math" panose="02040503050406030204" pitchFamily="18" charset="0"/>
+                            <a:ea typeface="標楷體" panose="03000509000000000000" pitchFamily="65" charset="-120"/>
+                            <a:cs typeface="Times" panose="02020603050405020304" pitchFamily="18" charset="0"/>
+                          </a:rPr>
+                          <m:t>)</m:t>
+                        </m:r>
+                      </m:sup>
+                    </m:sSup>
+                    <m:r>
+                      <a:rPr lang="en-US" altLang="zh-TW" sz="2000" b="0" i="1" smtClean="0">
+                        <a:latin typeface="Cambria Math" panose="02040503050406030204" pitchFamily="18" charset="0"/>
+                        <a:ea typeface="標楷體" panose="03000509000000000000" pitchFamily="65" charset="-120"/>
+                        <a:cs typeface="Times" panose="02020603050405020304" pitchFamily="18" charset="0"/>
+                      </a:rPr>
+                      <m:t>= </m:t>
+                    </m:r>
+                    <m:sSup>
+                      <m:sSupPr>
+                        <m:ctrlPr>
+                          <a:rPr lang="en-US" altLang="zh-TW" sz="2000" b="0" i="1" smtClean="0">
+                            <a:latin typeface="Cambria Math" panose="02040503050406030204" pitchFamily="18" charset="0"/>
+                            <a:ea typeface="標楷體" panose="03000509000000000000" pitchFamily="65" charset="-120"/>
+                            <a:cs typeface="Times" panose="02020603050405020304" pitchFamily="18" charset="0"/>
+                          </a:rPr>
+                        </m:ctrlPr>
+                      </m:sSupPr>
+                      <m:e>
+                        <m:r>
+                          <a:rPr lang="en-US" altLang="zh-TW" sz="2000" b="0" i="1" smtClean="0">
+                            <a:latin typeface="Cambria Math" panose="02040503050406030204" pitchFamily="18" charset="0"/>
+                            <a:ea typeface="標楷體" panose="03000509000000000000" pitchFamily="65" charset="-120"/>
+                            <a:cs typeface="Times" panose="02020603050405020304" pitchFamily="18" charset="0"/>
+                          </a:rPr>
+                          <m:t>𝑧</m:t>
+                        </m:r>
+                      </m:e>
+                      <m:sup>
+                        <m:r>
+                          <a:rPr lang="en-US" altLang="zh-TW" sz="2000" b="0" i="1" smtClean="0">
+                            <a:latin typeface="Cambria Math" panose="02040503050406030204" pitchFamily="18" charset="0"/>
+                            <a:ea typeface="標楷體" panose="03000509000000000000" pitchFamily="65" charset="-120"/>
+                            <a:cs typeface="Times" panose="02020603050405020304" pitchFamily="18" charset="0"/>
+                          </a:rPr>
+                          <m:t>(0,</m:t>
+                        </m:r>
+                        <m:r>
+                          <a:rPr lang="en-US" altLang="zh-TW" sz="2000" b="0" i="1" smtClean="0">
+                            <a:latin typeface="Cambria Math" panose="02040503050406030204" pitchFamily="18" charset="0"/>
+                            <a:ea typeface="標楷體" panose="03000509000000000000" pitchFamily="65" charset="-120"/>
+                            <a:cs typeface="Times" panose="02020603050405020304" pitchFamily="18" charset="0"/>
+                          </a:rPr>
+                          <m:t>𝑖</m:t>
+                        </m:r>
+                        <m:r>
+                          <a:rPr lang="en-US" altLang="zh-TW" sz="2000" b="0" i="1" smtClean="0">
+                            <a:latin typeface="Cambria Math" panose="02040503050406030204" pitchFamily="18" charset="0"/>
+                            <a:ea typeface="標楷體" panose="03000509000000000000" pitchFamily="65" charset="-120"/>
+                            <a:cs typeface="Times" panose="02020603050405020304" pitchFamily="18" charset="0"/>
+                          </a:rPr>
+                          <m:t>)</m:t>
+                        </m:r>
+                      </m:sup>
+                    </m:sSup>
+                    <m:r>
+                      <a:rPr lang="en-US" altLang="zh-TW" sz="2000" b="0" i="1" smtClean="0">
+                        <a:latin typeface="Cambria Math" panose="02040503050406030204" pitchFamily="18" charset="0"/>
+                        <a:ea typeface="標楷體" panose="03000509000000000000" pitchFamily="65" charset="-120"/>
+                        <a:cs typeface="Times" panose="02020603050405020304" pitchFamily="18" charset="0"/>
+                      </a:rPr>
+                      <m:t>= </m:t>
+                    </m:r>
+                    <m:sSup>
+                      <m:sSupPr>
+                        <m:ctrlPr>
+                          <a:rPr lang="en-US" altLang="zh-TW" sz="2000" b="0" i="1" smtClean="0">
+                            <a:latin typeface="Cambria Math" panose="02040503050406030204" pitchFamily="18" charset="0"/>
+                            <a:ea typeface="標楷體" panose="03000509000000000000" pitchFamily="65" charset="-120"/>
+                            <a:cs typeface="Times" panose="02020603050405020304" pitchFamily="18" charset="0"/>
+                          </a:rPr>
+                        </m:ctrlPr>
+                      </m:sSupPr>
+                      <m:e>
+                        <m:r>
+                          <a:rPr lang="en-US" altLang="zh-TW" sz="2000" b="0" i="1" smtClean="0">
+                            <a:latin typeface="Cambria Math" panose="02040503050406030204" pitchFamily="18" charset="0"/>
+                            <a:ea typeface="標楷體" panose="03000509000000000000" pitchFamily="65" charset="-120"/>
+                            <a:cs typeface="Times" panose="02020603050405020304" pitchFamily="18" charset="0"/>
+                          </a:rPr>
+                          <m:t>𝑤</m:t>
+                        </m:r>
+                      </m:e>
+                      <m:sup>
+                        <m:r>
+                          <a:rPr lang="en-US" altLang="zh-TW" sz="2000" b="0" i="1" smtClean="0">
+                            <a:latin typeface="Cambria Math" panose="02040503050406030204" pitchFamily="18" charset="0"/>
+                            <a:ea typeface="標楷體" panose="03000509000000000000" pitchFamily="65" charset="-120"/>
+                            <a:cs typeface="Times" panose="02020603050405020304" pitchFamily="18" charset="0"/>
+                          </a:rPr>
+                          <m:t>(0,</m:t>
+                        </m:r>
+                        <m:r>
+                          <a:rPr lang="en-US" altLang="zh-TW" sz="2000" b="0" i="1" smtClean="0">
+                            <a:latin typeface="Cambria Math" panose="02040503050406030204" pitchFamily="18" charset="0"/>
+                            <a:ea typeface="標楷體" panose="03000509000000000000" pitchFamily="65" charset="-120"/>
+                            <a:cs typeface="Times" panose="02020603050405020304" pitchFamily="18" charset="0"/>
+                          </a:rPr>
+                          <m:t>𝑖</m:t>
+                        </m:r>
+                        <m:r>
+                          <a:rPr lang="en-US" altLang="zh-TW" sz="2000" b="0" i="1" smtClean="0">
+                            <a:latin typeface="Cambria Math" panose="02040503050406030204" pitchFamily="18" charset="0"/>
+                            <a:ea typeface="標楷體" panose="03000509000000000000" pitchFamily="65" charset="-120"/>
+                            <a:cs typeface="Times" panose="02020603050405020304" pitchFamily="18" charset="0"/>
+                          </a:rPr>
+                          <m:t>)</m:t>
+                        </m:r>
+                      </m:sup>
+                    </m:sSup>
+                    <m:r>
+                      <a:rPr lang="en-US" altLang="zh-TW" sz="2000" b="0" i="1" smtClean="0">
+                        <a:latin typeface="Cambria Math" panose="02040503050406030204" pitchFamily="18" charset="0"/>
+                        <a:ea typeface="標楷體" panose="03000509000000000000" pitchFamily="65" charset="-120"/>
+                        <a:cs typeface="Times" panose="02020603050405020304" pitchFamily="18" charset="0"/>
+                      </a:rPr>
+                      <m:t> ≔ </m:t>
+                    </m:r>
+                    <m:sSup>
+                      <m:sSupPr>
+                        <m:ctrlPr>
+                          <a:rPr lang="en-US" altLang="zh-TW" sz="2000" b="0" i="1" smtClean="0">
+                            <a:latin typeface="Cambria Math" panose="02040503050406030204" pitchFamily="18" charset="0"/>
+                            <a:ea typeface="標楷體" panose="03000509000000000000" pitchFamily="65" charset="-120"/>
+                            <a:cs typeface="Times" panose="02020603050405020304" pitchFamily="18" charset="0"/>
+                          </a:rPr>
+                        </m:ctrlPr>
+                      </m:sSupPr>
+                      <m:e>
+                        <m:r>
+                          <a:rPr lang="en-US" altLang="zh-TW" sz="2000" b="0" i="1" smtClean="0">
+                            <a:latin typeface="Cambria Math" panose="02040503050406030204" pitchFamily="18" charset="0"/>
+                            <a:ea typeface="標楷體" panose="03000509000000000000" pitchFamily="65" charset="-120"/>
+                            <a:cs typeface="Times" panose="02020603050405020304" pitchFamily="18" charset="0"/>
+                          </a:rPr>
+                          <m:t>𝑥</m:t>
+                        </m:r>
+                      </m:e>
+                      <m:sup>
+                        <m:d>
+                          <m:dPr>
+                            <m:ctrlPr>
+                              <a:rPr lang="en-US" altLang="zh-TW" sz="2000" b="0" i="1" smtClean="0">
+                                <a:latin typeface="Cambria Math" panose="02040503050406030204" pitchFamily="18" charset="0"/>
+                                <a:ea typeface="標楷體" panose="03000509000000000000" pitchFamily="65" charset="-120"/>
+                                <a:cs typeface="Times" panose="02020603050405020304" pitchFamily="18" charset="0"/>
+                              </a:rPr>
+                            </m:ctrlPr>
+                          </m:dPr>
+                          <m:e>
+                            <m:r>
+                              <a:rPr lang="en-US" altLang="zh-TW" sz="2000" b="0" i="1" smtClean="0">
+                                <a:latin typeface="Cambria Math" panose="02040503050406030204" pitchFamily="18" charset="0"/>
+                                <a:ea typeface="標楷體" panose="03000509000000000000" pitchFamily="65" charset="-120"/>
+                                <a:cs typeface="Times" panose="02020603050405020304" pitchFamily="18" charset="0"/>
+                              </a:rPr>
+                              <m:t>0</m:t>
+                            </m:r>
+                          </m:e>
+                        </m:d>
+                      </m:sup>
+                    </m:sSup>
+                    <m:r>
+                      <a:rPr lang="en-US" altLang="zh-TW" sz="2000" b="0" i="1" smtClean="0">
+                        <a:latin typeface="Cambria Math" panose="02040503050406030204" pitchFamily="18" charset="0"/>
+                        <a:ea typeface="標楷體" panose="03000509000000000000" pitchFamily="65" charset="-120"/>
+                        <a:cs typeface="Times" panose="02020603050405020304" pitchFamily="18" charset="0"/>
+                      </a:rPr>
+                      <m:t>+</m:t>
+                    </m:r>
+                    <m:d>
+                      <m:dPr>
+                        <m:ctrlPr>
+                          <a:rPr lang="en-US" altLang="zh-TW" sz="2000" b="0" i="1" smtClean="0">
+                            <a:latin typeface="Cambria Math" panose="02040503050406030204" pitchFamily="18" charset="0"/>
+                            <a:ea typeface="標楷體" panose="03000509000000000000" pitchFamily="65" charset="-120"/>
+                            <a:cs typeface="Times" panose="02020603050405020304" pitchFamily="18" charset="0"/>
+                          </a:rPr>
+                        </m:ctrlPr>
+                      </m:dPr>
+                      <m:e>
+                        <m:r>
+                          <a:rPr lang="en-US" altLang="zh-TW" sz="2000" b="0" i="1" smtClean="0">
+                            <a:latin typeface="Cambria Math" panose="02040503050406030204" pitchFamily="18" charset="0"/>
+                            <a:ea typeface="標楷體" panose="03000509000000000000" pitchFamily="65" charset="-120"/>
+                            <a:cs typeface="Times" panose="02020603050405020304" pitchFamily="18" charset="0"/>
+                          </a:rPr>
+                          <m:t>𝑖</m:t>
+                        </m:r>
+                        <m:r>
+                          <a:rPr lang="en-US" altLang="zh-TW" sz="2000" b="0" i="1" smtClean="0">
+                            <a:latin typeface="Cambria Math" panose="02040503050406030204" pitchFamily="18" charset="0"/>
+                            <a:ea typeface="標楷體" panose="03000509000000000000" pitchFamily="65" charset="-120"/>
+                            <a:cs typeface="Times" panose="02020603050405020304" pitchFamily="18" charset="0"/>
+                          </a:rPr>
+                          <m:t>−2</m:t>
+                        </m:r>
+                      </m:e>
+                    </m:d>
+                    <m:r>
+                      <a:rPr lang="en-US" altLang="zh-TW" sz="2000" b="0" i="1" smtClean="0">
+                        <a:latin typeface="Cambria Math" panose="02040503050406030204" pitchFamily="18" charset="0"/>
+                        <a:ea typeface="標楷體" panose="03000509000000000000" pitchFamily="65" charset="-120"/>
+                        <a:cs typeface="Times" panose="02020603050405020304" pitchFamily="18" charset="0"/>
+                      </a:rPr>
+                      <m:t>𝑟</m:t>
+                    </m:r>
+                    <m:r>
+                      <a:rPr lang="en-US" altLang="zh-TW" sz="2000" b="1" i="1" smtClean="0">
+                        <a:latin typeface="Cambria Math" panose="02040503050406030204" pitchFamily="18" charset="0"/>
+                        <a:ea typeface="標楷體" panose="03000509000000000000" pitchFamily="65" charset="-120"/>
+                        <a:cs typeface="Times" panose="02020603050405020304" pitchFamily="18" charset="0"/>
+                      </a:rPr>
+                      <m:t>𝟏</m:t>
+                    </m:r>
+                    <m:r>
+                      <a:rPr lang="en-US" altLang="zh-TW" sz="2000" b="0" i="1" smtClean="0">
+                        <a:latin typeface="Cambria Math" panose="02040503050406030204" pitchFamily="18" charset="0"/>
+                        <a:ea typeface="標楷體" panose="03000509000000000000" pitchFamily="65" charset="-120"/>
+                        <a:cs typeface="Times" panose="02020603050405020304" pitchFamily="18" charset="0"/>
+                      </a:rPr>
+                      <m:t>,   </m:t>
+                    </m:r>
+                    <m:r>
+                      <a:rPr lang="en-US" altLang="zh-TW" sz="2000" b="0" i="1" smtClean="0">
+                        <a:latin typeface="Cambria Math" panose="02040503050406030204" pitchFamily="18" charset="0"/>
+                        <a:ea typeface="標楷體" panose="03000509000000000000" pitchFamily="65" charset="-120"/>
+                        <a:cs typeface="Times" panose="02020603050405020304" pitchFamily="18" charset="0"/>
+                      </a:rPr>
+                      <m:t>𝑖</m:t>
+                    </m:r>
+                    <m:r>
+                      <a:rPr lang="en-US" altLang="zh-TW" sz="2000" b="0" i="1" smtClean="0">
+                        <a:latin typeface="Cambria Math" panose="02040503050406030204" pitchFamily="18" charset="0"/>
+                        <a:ea typeface="標楷體" panose="03000509000000000000" pitchFamily="65" charset="-120"/>
+                        <a:cs typeface="Times" panose="02020603050405020304" pitchFamily="18" charset="0"/>
+                      </a:rPr>
+                      <m:t>=1, 2, 3</m:t>
+                    </m:r>
+                  </m:oMath>
+                </a14:m>
+                <a:endParaRPr lang="en-US" altLang="zh-TW" sz="2000" dirty="0">
+                  <a:latin typeface="Times" panose="02020603050405020304" pitchFamily="18" charset="0"/>
+                  <a:ea typeface="標楷體" panose="03000509000000000000" pitchFamily="65" charset="-120"/>
+                  <a:cs typeface="Times" panose="02020603050405020304" pitchFamily="18" charset="0"/>
+                </a:endParaRPr>
+              </a:p>
+              <a:p>
+                <a:pPr lvl="2">
+                  <a:lnSpc>
+                    <a:spcPct val="150000"/>
+                  </a:lnSpc>
+                </a:pPr>
+                <a14:m>
+                  <m:oMath xmlns:m="http://schemas.openxmlformats.org/officeDocument/2006/math">
+                    <m:r>
+                      <a:rPr lang="en-US" altLang="zh-TW" sz="1800" b="0" i="1" smtClean="0">
+                        <a:latin typeface="Cambria Math" panose="02040503050406030204" pitchFamily="18" charset="0"/>
+                        <a:ea typeface="標楷體" panose="03000509000000000000" pitchFamily="65" charset="-120"/>
+                        <a:cs typeface="Times" panose="02020603050405020304" pitchFamily="18" charset="0"/>
+                      </a:rPr>
+                      <m:t>𝑟</m:t>
+                    </m:r>
+                  </m:oMath>
+                </a14:m>
+                <a:r>
+                  <a:rPr lang="zh-TW" altLang="en-US" sz="1800" dirty="0">
+                    <a:latin typeface="Times" panose="02020603050405020304" pitchFamily="18" charset="0"/>
+                    <a:ea typeface="標楷體" panose="03000509000000000000" pitchFamily="65" charset="-120"/>
+                    <a:cs typeface="Times" panose="02020603050405020304" pitchFamily="18" charset="0"/>
+                  </a:rPr>
+                  <a:t> </a:t>
+                </a:r>
+                <a:r>
+                  <a:rPr lang="en-US" altLang="zh-TW" sz="1800" dirty="0">
+                    <a:latin typeface="Times" panose="02020603050405020304" pitchFamily="18" charset="0"/>
+                    <a:ea typeface="標楷體" panose="03000509000000000000" pitchFamily="65" charset="-120"/>
+                    <a:cs typeface="Times" panose="02020603050405020304" pitchFamily="18" charset="0"/>
+                  </a:rPr>
+                  <a:t>is an arbitrary parameter where </a:t>
+                </a:r>
+                <a14:m>
+                  <m:oMath xmlns:m="http://schemas.openxmlformats.org/officeDocument/2006/math">
+                    <m:r>
+                      <a:rPr lang="en-US" altLang="zh-TW" sz="1800" b="0" i="1" smtClean="0">
+                        <a:latin typeface="Cambria Math" panose="02040503050406030204" pitchFamily="18" charset="0"/>
+                        <a:ea typeface="標楷體" panose="03000509000000000000" pitchFamily="65" charset="-120"/>
+                        <a:cs typeface="Times" panose="02020603050405020304" pitchFamily="18" charset="0"/>
+                      </a:rPr>
+                      <m:t>𝑟</m:t>
+                    </m:r>
+                    <m:r>
+                      <a:rPr lang="en-US" altLang="zh-TW" sz="1800" b="0" i="1" smtClean="0">
+                        <a:latin typeface="Cambria Math" panose="02040503050406030204" pitchFamily="18" charset="0"/>
+                        <a:ea typeface="Cambria Math" panose="02040503050406030204" pitchFamily="18" charset="0"/>
+                        <a:cs typeface="Times" panose="02020603050405020304" pitchFamily="18" charset="0"/>
+                      </a:rPr>
+                      <m:t>&gt;0</m:t>
+                    </m:r>
+                  </m:oMath>
+                </a14:m>
+                <a:r>
+                  <a:rPr lang="en-US" altLang="zh-TW" sz="1800" dirty="0">
+                    <a:latin typeface="Times" panose="02020603050405020304" pitchFamily="18" charset="0"/>
+                    <a:ea typeface="標楷體" panose="03000509000000000000" pitchFamily="65" charset="-120"/>
+                    <a:cs typeface="Times" panose="02020603050405020304" pitchFamily="18" charset="0"/>
+                  </a:rPr>
+                  <a:t>.</a:t>
+                </a:r>
+              </a:p>
+              <a:p>
+                <a:pPr lvl="2">
+                  <a:lnSpc>
+                    <a:spcPct val="150000"/>
+                  </a:lnSpc>
+                </a:pPr>
+                <a14:m>
+                  <m:oMath xmlns:m="http://schemas.openxmlformats.org/officeDocument/2006/math">
+                    <m:r>
+                      <a:rPr lang="en-US" altLang="zh-TW" sz="1800" b="1" i="1" smtClean="0">
+                        <a:latin typeface="Cambria Math" panose="02040503050406030204" pitchFamily="18" charset="0"/>
+                        <a:ea typeface="標楷體" panose="03000509000000000000" pitchFamily="65" charset="-120"/>
+                        <a:cs typeface="Times" panose="02020603050405020304" pitchFamily="18" charset="0"/>
+                      </a:rPr>
+                      <m:t>𝟏</m:t>
+                    </m:r>
+                    <m:r>
+                      <a:rPr lang="en-US" altLang="zh-TW" sz="1800" b="0" i="1" smtClean="0">
+                        <a:latin typeface="Cambria Math" panose="02040503050406030204" pitchFamily="18" charset="0"/>
+                        <a:ea typeface="標楷體" panose="03000509000000000000" pitchFamily="65" charset="-120"/>
+                        <a:cs typeface="Times" panose="02020603050405020304" pitchFamily="18" charset="0"/>
+                      </a:rPr>
+                      <m:t>=[1, 1, 1, …, 1</m:t>
+                    </m:r>
+                    <m:sSup>
+                      <m:sSupPr>
+                        <m:ctrlPr>
+                          <a:rPr lang="en-US" altLang="zh-TW" sz="1800" b="0" i="1" smtClean="0">
+                            <a:latin typeface="Cambria Math" panose="02040503050406030204" pitchFamily="18" charset="0"/>
+                            <a:ea typeface="標楷體" panose="03000509000000000000" pitchFamily="65" charset="-120"/>
+                            <a:cs typeface="Times" panose="02020603050405020304" pitchFamily="18" charset="0"/>
+                          </a:rPr>
+                        </m:ctrlPr>
+                      </m:sSupPr>
+                      <m:e>
+                        <m:r>
+                          <a:rPr lang="en-US" altLang="zh-TW" sz="1800" b="0" i="1" smtClean="0">
+                            <a:latin typeface="Cambria Math" panose="02040503050406030204" pitchFamily="18" charset="0"/>
+                            <a:ea typeface="標楷體" panose="03000509000000000000" pitchFamily="65" charset="-120"/>
+                            <a:cs typeface="Times" panose="02020603050405020304" pitchFamily="18" charset="0"/>
+                          </a:rPr>
+                          <m:t>]</m:t>
+                        </m:r>
+                      </m:e>
+                      <m:sup>
+                        <m:r>
+                          <a:rPr lang="en-US" altLang="zh-TW" sz="1800" b="0" i="1" smtClean="0">
+                            <a:latin typeface="Cambria Math" panose="02040503050406030204" pitchFamily="18" charset="0"/>
+                            <a:ea typeface="標楷體" panose="03000509000000000000" pitchFamily="65" charset="-120"/>
+                            <a:cs typeface="Times" panose="02020603050405020304" pitchFamily="18" charset="0"/>
+                          </a:rPr>
+                          <m:t>𝑇</m:t>
+                        </m:r>
+                      </m:sup>
+                    </m:sSup>
+                  </m:oMath>
+                </a14:m>
+                <a:r>
+                  <a:rPr lang="en-US" altLang="zh-TW" sz="1800" dirty="0">
+                    <a:latin typeface="Times" panose="02020603050405020304" pitchFamily="18" charset="0"/>
+                    <a:ea typeface="標楷體" panose="03000509000000000000" pitchFamily="65" charset="-120"/>
+                    <a:cs typeface="Times" panose="02020603050405020304" pitchFamily="18" charset="0"/>
+                  </a:rPr>
+                  <a:t>.</a:t>
+                </a:r>
+              </a:p>
+              <a:p>
+                <a:pPr lvl="1">
+                  <a:lnSpc>
+                    <a:spcPct val="150000"/>
+                  </a:lnSpc>
+                </a:pPr>
+                <a:r>
+                  <a:rPr lang="en-US" altLang="zh-TW" sz="2000" dirty="0">
+                    <a:latin typeface="Times" panose="02020603050405020304" pitchFamily="18" charset="0"/>
+                    <a:ea typeface="標楷體" panose="03000509000000000000" pitchFamily="65" charset="-120"/>
+                    <a:cs typeface="Times" panose="02020603050405020304" pitchFamily="18" charset="0"/>
+                  </a:rPr>
+                  <a:t>After an iteration, we will get </a:t>
+                </a:r>
+                <a14:m>
+                  <m:oMath xmlns:m="http://schemas.openxmlformats.org/officeDocument/2006/math">
+                    <m:sSup>
+                      <m:sSupPr>
+                        <m:ctrlPr>
+                          <a:rPr lang="en-US" altLang="zh-TW" sz="2000" i="1" smtClean="0">
+                            <a:latin typeface="Cambria Math" panose="02040503050406030204" pitchFamily="18" charset="0"/>
+                            <a:ea typeface="標楷體" panose="03000509000000000000" pitchFamily="65" charset="-120"/>
+                            <a:cs typeface="Times" panose="02020603050405020304" pitchFamily="18" charset="0"/>
+                          </a:rPr>
+                        </m:ctrlPr>
+                      </m:sSupPr>
+                      <m:e>
+                        <m:r>
+                          <a:rPr lang="en-US" altLang="zh-TW" sz="2000" b="0" i="1" smtClean="0">
+                            <a:latin typeface="Cambria Math" panose="02040503050406030204" pitchFamily="18" charset="0"/>
+                            <a:ea typeface="標楷體" panose="03000509000000000000" pitchFamily="65" charset="-120"/>
+                            <a:cs typeface="Times" panose="02020603050405020304" pitchFamily="18" charset="0"/>
+                          </a:rPr>
+                          <m:t>𝑥</m:t>
+                        </m:r>
+                      </m:e>
+                      <m:sup>
+                        <m:r>
+                          <a:rPr lang="en-US" altLang="zh-TW" sz="2000" b="0" i="1" smtClean="0">
+                            <a:latin typeface="Cambria Math" panose="02040503050406030204" pitchFamily="18" charset="0"/>
+                            <a:ea typeface="標楷體" panose="03000509000000000000" pitchFamily="65" charset="-120"/>
+                            <a:cs typeface="Times" panose="02020603050405020304" pitchFamily="18" charset="0"/>
+                          </a:rPr>
+                          <m:t>(</m:t>
+                        </m:r>
+                        <m:r>
+                          <a:rPr lang="en-US" altLang="zh-TW" sz="2000" b="0" i="1" smtClean="0">
+                            <a:latin typeface="Cambria Math" panose="02040503050406030204" pitchFamily="18" charset="0"/>
+                            <a:ea typeface="標楷體" panose="03000509000000000000" pitchFamily="65" charset="-120"/>
+                            <a:cs typeface="Times" panose="02020603050405020304" pitchFamily="18" charset="0"/>
+                          </a:rPr>
+                          <m:t>𝑘</m:t>
+                        </m:r>
+                        <m:r>
+                          <a:rPr lang="en-US" altLang="zh-TW" sz="2000" b="0" i="1" smtClean="0">
+                            <a:latin typeface="Cambria Math" panose="02040503050406030204" pitchFamily="18" charset="0"/>
+                            <a:ea typeface="標楷體" panose="03000509000000000000" pitchFamily="65" charset="-120"/>
+                            <a:cs typeface="Times" panose="02020603050405020304" pitchFamily="18" charset="0"/>
+                          </a:rPr>
+                          <m:t>+1)</m:t>
+                        </m:r>
+                      </m:sup>
+                    </m:sSup>
+                  </m:oMath>
+                </a14:m>
+                <a:r>
+                  <a:rPr lang="en-US" altLang="zh-TW" sz="2000" dirty="0">
+                    <a:latin typeface="Times" panose="02020603050405020304" pitchFamily="18" charset="0"/>
+                    <a:ea typeface="標楷體" panose="03000509000000000000" pitchFamily="65" charset="-120"/>
+                    <a:cs typeface="Times" panose="02020603050405020304" pitchFamily="18" charset="0"/>
+                  </a:rPr>
+                  <a:t>, and update one of the sampling points </a:t>
+                </a:r>
+                <a14:m>
+                  <m:oMath xmlns:m="http://schemas.openxmlformats.org/officeDocument/2006/math">
+                    <m:sSup>
+                      <m:sSupPr>
+                        <m:ctrlPr>
+                          <a:rPr lang="en-US" altLang="zh-TW" sz="2000" i="1" smtClean="0">
+                            <a:latin typeface="Cambria Math" panose="02040503050406030204" pitchFamily="18" charset="0"/>
+                            <a:ea typeface="標楷體" panose="03000509000000000000" pitchFamily="65" charset="-120"/>
+                            <a:cs typeface="Times" panose="02020603050405020304" pitchFamily="18" charset="0"/>
+                          </a:rPr>
+                        </m:ctrlPr>
+                      </m:sSupPr>
+                      <m:e>
+                        <m:r>
+                          <a:rPr lang="en-US" altLang="zh-TW" sz="2000" b="0" i="1" smtClean="0">
+                            <a:latin typeface="Cambria Math" panose="02040503050406030204" pitchFamily="18" charset="0"/>
+                            <a:ea typeface="標楷體" panose="03000509000000000000" pitchFamily="65" charset="-120"/>
+                            <a:cs typeface="Times" panose="02020603050405020304" pitchFamily="18" charset="0"/>
+                          </a:rPr>
+                          <m:t>𝑢</m:t>
+                        </m:r>
+                      </m:e>
+                      <m:sup>
+                        <m:r>
+                          <a:rPr lang="en-US" altLang="zh-TW" sz="2000" b="0" i="1" smtClean="0">
+                            <a:latin typeface="Cambria Math" panose="02040503050406030204" pitchFamily="18" charset="0"/>
+                            <a:ea typeface="標楷體" panose="03000509000000000000" pitchFamily="65" charset="-120"/>
+                            <a:cs typeface="Times" panose="02020603050405020304" pitchFamily="18" charset="0"/>
+                          </a:rPr>
+                          <m:t>(</m:t>
+                        </m:r>
+                        <m:r>
+                          <a:rPr lang="en-US" altLang="zh-TW" sz="2000" b="0" i="1" smtClean="0">
+                            <a:latin typeface="Cambria Math" panose="02040503050406030204" pitchFamily="18" charset="0"/>
+                            <a:ea typeface="標楷體" panose="03000509000000000000" pitchFamily="65" charset="-120"/>
+                            <a:cs typeface="Times" panose="02020603050405020304" pitchFamily="18" charset="0"/>
+                          </a:rPr>
+                          <m:t>𝑘</m:t>
+                        </m:r>
+                        <m:r>
+                          <a:rPr lang="en-US" altLang="zh-TW" sz="2000" b="0" i="1" smtClean="0">
+                            <a:latin typeface="Cambria Math" panose="02040503050406030204" pitchFamily="18" charset="0"/>
+                            <a:ea typeface="標楷體" panose="03000509000000000000" pitchFamily="65" charset="-120"/>
+                            <a:cs typeface="Times" panose="02020603050405020304" pitchFamily="18" charset="0"/>
+                          </a:rPr>
+                          <m:t>,</m:t>
+                        </m:r>
+                        <m:r>
+                          <a:rPr lang="en-US" altLang="zh-TW" sz="2000" b="0" i="1" smtClean="0">
+                            <a:latin typeface="Cambria Math" panose="02040503050406030204" pitchFamily="18" charset="0"/>
+                            <a:ea typeface="標楷體" panose="03000509000000000000" pitchFamily="65" charset="-120"/>
+                            <a:cs typeface="Times" panose="02020603050405020304" pitchFamily="18" charset="0"/>
+                          </a:rPr>
+                          <m:t>𝑖</m:t>
+                        </m:r>
+                        <m:r>
+                          <a:rPr lang="en-US" altLang="zh-TW" sz="2000" b="0" i="1" smtClean="0">
+                            <a:latin typeface="Cambria Math" panose="02040503050406030204" pitchFamily="18" charset="0"/>
+                            <a:ea typeface="標楷體" panose="03000509000000000000" pitchFamily="65" charset="-120"/>
+                            <a:cs typeface="Times" panose="02020603050405020304" pitchFamily="18" charset="0"/>
+                          </a:rPr>
+                          <m:t>)</m:t>
+                        </m:r>
+                      </m:sup>
+                    </m:sSup>
+                  </m:oMath>
+                </a14:m>
+                <a:r>
+                  <a:rPr lang="en-US" altLang="zh-TW" sz="2000" dirty="0">
+                    <a:latin typeface="Times" panose="02020603050405020304" pitchFamily="18" charset="0"/>
+                    <a:ea typeface="標楷體" panose="03000509000000000000" pitchFamily="65" charset="-120"/>
+                    <a:cs typeface="Times" panose="02020603050405020304" pitchFamily="18" charset="0"/>
+                  </a:rPr>
+                  <a:t> in </a:t>
+                </a:r>
+                <a14:m>
+                  <m:oMath xmlns:m="http://schemas.openxmlformats.org/officeDocument/2006/math">
+                    <m:sSubSup>
+                      <m:sSubSupPr>
+                        <m:ctrlPr>
+                          <a:rPr lang="en-US" altLang="zh-TW" sz="2000" i="1" smtClean="0">
+                            <a:latin typeface="Cambria Math" panose="02040503050406030204" pitchFamily="18" charset="0"/>
+                            <a:ea typeface="標楷體" panose="03000509000000000000" pitchFamily="65" charset="-120"/>
+                            <a:cs typeface="Times" panose="02020603050405020304" pitchFamily="18" charset="0"/>
+                          </a:rPr>
+                        </m:ctrlPr>
+                      </m:sSubSupPr>
+                      <m:e>
+                        <m:r>
+                          <a:rPr lang="zh-TW" altLang="en-US" sz="2000" i="1" smtClean="0">
+                            <a:latin typeface="Cambria Math" panose="02040503050406030204" pitchFamily="18" charset="0"/>
+                            <a:ea typeface="標楷體" panose="03000509000000000000" pitchFamily="65" charset="-120"/>
+                            <a:cs typeface="Times" panose="02020603050405020304" pitchFamily="18" charset="0"/>
+                          </a:rPr>
+                          <m:t>𝒴</m:t>
+                        </m:r>
+                      </m:e>
+                      <m:sub>
+                        <m:r>
+                          <a:rPr lang="en-US" altLang="zh-TW" sz="2000" b="0" i="1" smtClean="0">
+                            <a:latin typeface="Cambria Math" panose="02040503050406030204" pitchFamily="18" charset="0"/>
+                            <a:ea typeface="標楷體" panose="03000509000000000000" pitchFamily="65" charset="-120"/>
+                            <a:cs typeface="Times" panose="02020603050405020304" pitchFamily="18" charset="0"/>
+                          </a:rPr>
+                          <m:t>𝑖</m:t>
+                        </m:r>
+                      </m:sub>
+                      <m:sup>
+                        <m:d>
+                          <m:dPr>
+                            <m:ctrlPr>
+                              <a:rPr lang="en-US" altLang="zh-TW" sz="2000" b="0" i="1" smtClean="0">
+                                <a:latin typeface="Cambria Math" panose="02040503050406030204" pitchFamily="18" charset="0"/>
+                                <a:ea typeface="標楷體" panose="03000509000000000000" pitchFamily="65" charset="-120"/>
+                                <a:cs typeface="Times" panose="02020603050405020304" pitchFamily="18" charset="0"/>
+                              </a:rPr>
+                            </m:ctrlPr>
+                          </m:dPr>
+                          <m:e>
+                            <m:r>
+                              <a:rPr lang="en-US" altLang="zh-TW" sz="2000" b="0" i="1" smtClean="0">
+                                <a:latin typeface="Cambria Math" panose="02040503050406030204" pitchFamily="18" charset="0"/>
+                                <a:ea typeface="標楷體" panose="03000509000000000000" pitchFamily="65" charset="-120"/>
+                                <a:cs typeface="Times" panose="02020603050405020304" pitchFamily="18" charset="0"/>
+                              </a:rPr>
+                              <m:t>𝑘</m:t>
+                            </m:r>
+                          </m:e>
+                        </m:d>
+                      </m:sup>
+                    </m:sSubSup>
+                  </m:oMath>
+                </a14:m>
+                <a:endParaRPr lang="en-US" altLang="zh-TW" sz="2000" dirty="0">
+                  <a:latin typeface="Times" panose="02020603050405020304" pitchFamily="18" charset="0"/>
+                  <a:ea typeface="標楷體" panose="03000509000000000000" pitchFamily="65" charset="-120"/>
+                  <a:cs typeface="Times" panose="02020603050405020304" pitchFamily="18" charset="0"/>
+                </a:endParaRPr>
+              </a:p>
+              <a:p>
+                <a:pPr lvl="2">
+                  <a:lnSpc>
+                    <a:spcPct val="150000"/>
+                  </a:lnSpc>
+                </a:pPr>
+                <a14:m>
+                  <m:oMath xmlns:m="http://schemas.openxmlformats.org/officeDocument/2006/math">
+                    <m:sSubSup>
+                      <m:sSubSupPr>
+                        <m:ctrlPr>
+                          <a:rPr lang="en-US" altLang="zh-TW" sz="1800" i="1" smtClean="0">
+                            <a:latin typeface="Cambria Math" panose="02040503050406030204" pitchFamily="18" charset="0"/>
+                            <a:ea typeface="標楷體" panose="03000509000000000000" pitchFamily="65" charset="-120"/>
+                            <a:cs typeface="Times" panose="02020603050405020304" pitchFamily="18" charset="0"/>
+                          </a:rPr>
+                        </m:ctrlPr>
+                      </m:sSubSupPr>
+                      <m:e>
+                        <m:r>
+                          <a:rPr lang="zh-TW" altLang="en-US" sz="1800" i="1" smtClean="0">
+                            <a:latin typeface="Cambria Math" panose="02040503050406030204" pitchFamily="18" charset="0"/>
+                            <a:ea typeface="標楷體" panose="03000509000000000000" pitchFamily="65" charset="-120"/>
+                            <a:cs typeface="Times" panose="02020603050405020304" pitchFamily="18" charset="0"/>
+                          </a:rPr>
+                          <m:t>𝒴</m:t>
+                        </m:r>
+                      </m:e>
+                      <m:sub>
+                        <m:r>
+                          <a:rPr lang="en-US" altLang="zh-TW" sz="1800" b="0" i="1" smtClean="0">
+                            <a:latin typeface="Cambria Math" panose="02040503050406030204" pitchFamily="18" charset="0"/>
+                            <a:ea typeface="標楷體" panose="03000509000000000000" pitchFamily="65" charset="-120"/>
+                            <a:cs typeface="Times" panose="02020603050405020304" pitchFamily="18" charset="0"/>
+                          </a:rPr>
+                          <m:t>𝑖</m:t>
+                        </m:r>
+                      </m:sub>
+                      <m:sup>
+                        <m:d>
+                          <m:dPr>
+                            <m:ctrlPr>
+                              <a:rPr lang="en-US" altLang="zh-TW" sz="1800" b="0" i="1" smtClean="0">
+                                <a:latin typeface="Cambria Math" panose="02040503050406030204" pitchFamily="18" charset="0"/>
+                                <a:ea typeface="標楷體" panose="03000509000000000000" pitchFamily="65" charset="-120"/>
+                                <a:cs typeface="Times" panose="02020603050405020304" pitchFamily="18" charset="0"/>
+                              </a:rPr>
+                            </m:ctrlPr>
+                          </m:dPr>
+                          <m:e>
+                            <m:r>
+                              <a:rPr lang="en-US" altLang="zh-TW" sz="1800" b="0" i="1" smtClean="0">
+                                <a:latin typeface="Cambria Math" panose="02040503050406030204" pitchFamily="18" charset="0"/>
+                                <a:ea typeface="標楷體" panose="03000509000000000000" pitchFamily="65" charset="-120"/>
+                                <a:cs typeface="Times" panose="02020603050405020304" pitchFamily="18" charset="0"/>
+                              </a:rPr>
+                              <m:t>𝑘</m:t>
+                            </m:r>
+                          </m:e>
+                        </m:d>
+                      </m:sup>
+                    </m:sSubSup>
+                  </m:oMath>
+                </a14:m>
+                <a:r>
+                  <a:rPr lang="en-US" altLang="zh-TW" sz="1800" dirty="0">
+                    <a:latin typeface="Times" panose="02020603050405020304" pitchFamily="18" charset="0"/>
+                    <a:ea typeface="標楷體" panose="03000509000000000000" pitchFamily="65" charset="-120"/>
+                    <a:cs typeface="Times" panose="02020603050405020304" pitchFamily="18" charset="0"/>
+                  </a:rPr>
+                  <a:t> will be updated to </a:t>
+                </a:r>
+                <a14:m>
+                  <m:oMath xmlns:m="http://schemas.openxmlformats.org/officeDocument/2006/math">
+                    <m:sSubSup>
+                      <m:sSubSupPr>
+                        <m:ctrlPr>
+                          <a:rPr lang="en-US" altLang="zh-TW" sz="1800" i="1">
+                            <a:latin typeface="Cambria Math" panose="02040503050406030204" pitchFamily="18" charset="0"/>
+                            <a:ea typeface="標楷體" panose="03000509000000000000" pitchFamily="65" charset="-120"/>
+                            <a:cs typeface="Times" panose="02020603050405020304" pitchFamily="18" charset="0"/>
+                          </a:rPr>
+                        </m:ctrlPr>
+                      </m:sSubSupPr>
+                      <m:e>
+                        <m:r>
+                          <a:rPr lang="zh-TW" altLang="en-US" sz="1800" i="1">
+                            <a:latin typeface="Cambria Math" panose="02040503050406030204" pitchFamily="18" charset="0"/>
+                            <a:ea typeface="標楷體" panose="03000509000000000000" pitchFamily="65" charset="-120"/>
+                            <a:cs typeface="Times" panose="02020603050405020304" pitchFamily="18" charset="0"/>
+                          </a:rPr>
+                          <m:t>𝒴</m:t>
+                        </m:r>
+                      </m:e>
+                      <m:sub>
+                        <m:r>
+                          <a:rPr lang="en-US" altLang="zh-TW" sz="1800" i="1">
+                            <a:latin typeface="Cambria Math" panose="02040503050406030204" pitchFamily="18" charset="0"/>
+                            <a:ea typeface="標楷體" panose="03000509000000000000" pitchFamily="65" charset="-120"/>
+                            <a:cs typeface="Times" panose="02020603050405020304" pitchFamily="18" charset="0"/>
+                          </a:rPr>
+                          <m:t>𝑖</m:t>
+                        </m:r>
+                      </m:sub>
+                      <m:sup>
+                        <m:d>
+                          <m:dPr>
+                            <m:ctrlPr>
+                              <a:rPr lang="en-US" altLang="zh-TW" sz="1800" i="1">
+                                <a:latin typeface="Cambria Math" panose="02040503050406030204" pitchFamily="18" charset="0"/>
+                                <a:ea typeface="標楷體" panose="03000509000000000000" pitchFamily="65" charset="-120"/>
+                                <a:cs typeface="Times" panose="02020603050405020304" pitchFamily="18" charset="0"/>
+                              </a:rPr>
+                            </m:ctrlPr>
+                          </m:dPr>
+                          <m:e>
+                            <m:r>
+                              <a:rPr lang="en-US" altLang="zh-TW" sz="1800" i="1">
+                                <a:latin typeface="Cambria Math" panose="02040503050406030204" pitchFamily="18" charset="0"/>
+                                <a:ea typeface="標楷體" panose="03000509000000000000" pitchFamily="65" charset="-120"/>
+                                <a:cs typeface="Times" panose="02020603050405020304" pitchFamily="18" charset="0"/>
+                              </a:rPr>
+                              <m:t>𝑘</m:t>
+                            </m:r>
+                            <m:r>
+                              <a:rPr lang="en-US" altLang="zh-TW" sz="1800" b="0" i="1" smtClean="0">
+                                <a:latin typeface="Cambria Math" panose="02040503050406030204" pitchFamily="18" charset="0"/>
+                                <a:ea typeface="標楷體" panose="03000509000000000000" pitchFamily="65" charset="-120"/>
+                                <a:cs typeface="Times" panose="02020603050405020304" pitchFamily="18" charset="0"/>
+                              </a:rPr>
+                              <m:t>+1</m:t>
+                            </m:r>
+                          </m:e>
+                        </m:d>
+                      </m:sup>
+                    </m:sSubSup>
+                  </m:oMath>
+                </a14:m>
+                <a:endParaRPr lang="en-US" altLang="zh-TW" sz="1800" dirty="0">
+                  <a:latin typeface="Times" panose="02020603050405020304" pitchFamily="18" charset="0"/>
+                  <a:ea typeface="標楷體" panose="03000509000000000000" pitchFamily="65" charset="-120"/>
+                  <a:cs typeface="Times" panose="02020603050405020304" pitchFamily="18" charset="0"/>
+                </a:endParaRPr>
+              </a:p>
+              <a:p>
+                <a:pPr lvl="2">
+                  <a:lnSpc>
+                    <a:spcPct val="150000"/>
+                  </a:lnSpc>
+                </a:pPr>
+                <a:endParaRPr lang="en-US" altLang="zh-TW" sz="1800" dirty="0">
+                  <a:latin typeface="Times" panose="02020603050405020304" pitchFamily="18" charset="0"/>
+                  <a:ea typeface="標楷體" panose="03000509000000000000" pitchFamily="65" charset="-120"/>
+                  <a:cs typeface="Times" panose="02020603050405020304" pitchFamily="18" charset="0"/>
+                </a:endParaRPr>
+              </a:p>
+              <a:p>
+                <a:pPr lvl="2">
+                  <a:lnSpc>
+                    <a:spcPct val="150000"/>
+                  </a:lnSpc>
+                </a:pPr>
+                <a:r>
+                  <a:rPr lang="en-US" altLang="zh-TW" sz="1800" dirty="0">
+                    <a:latin typeface="Times" panose="02020603050405020304" pitchFamily="18" charset="0"/>
+                    <a:ea typeface="標楷體" panose="03000509000000000000" pitchFamily="65" charset="-120"/>
+                    <a:cs typeface="Times" panose="02020603050405020304" pitchFamily="18" charset="0"/>
+                  </a:rPr>
+                  <a:t> </a:t>
+                </a:r>
+              </a:p>
+            </p:txBody>
+          </p:sp>
+        </mc:Choice>
+        <mc:Fallback xmlns="">
+          <p:sp>
+            <p:nvSpPr>
+              <p:cNvPr id="3" name="內容版面配置區 2">
+                <a:extLst>
+                  <a:ext uri="{FF2B5EF4-FFF2-40B4-BE49-F238E27FC236}">
+                    <a16:creationId xmlns:a16="http://schemas.microsoft.com/office/drawing/2014/main" id="{CD74F3A4-97A5-7640-801C-D093727610C1}"/>
+                  </a:ext>
+                </a:extLst>
+              </p:cNvPr>
+              <p:cNvSpPr>
+                <a:spLocks noGrp="1" noRot="1" noChangeAspect="1" noMove="1" noResize="1" noEditPoints="1" noAdjustHandles="1" noChangeArrowheads="1" noChangeShapeType="1" noTextEdit="1"/>
+              </p:cNvSpPr>
+              <p:nvPr>
+                <p:ph idx="1"/>
+              </p:nvPr>
+            </p:nvSpPr>
+            <p:spPr>
+              <a:xfrm>
+                <a:off x="838200" y="1825625"/>
+                <a:ext cx="10515600" cy="4895850"/>
+              </a:xfrm>
+              <a:blipFill>
+                <a:blip r:embed="rId3"/>
+                <a:stretch>
+                  <a:fillRect l="-638"/>
+                </a:stretch>
+              </a:blipFill>
+            </p:spPr>
+            <p:txBody>
+              <a:bodyPr/>
+              <a:lstStyle/>
+              <a:p>
+                <a:r>
+                  <a:rPr lang="zh-TW" altLang="en-US">
+                    <a:noFill/>
+                  </a:rPr>
+                  <a:t> </a:t>
+                </a:r>
+              </a:p>
+            </p:txBody>
+          </p:sp>
+        </mc:Fallback>
+      </mc:AlternateContent>
       <p:sp>
         <p:nvSpPr>
           <p:cNvPr id="4" name="投影片編號版面配置區 3">
             <a:extLst>
               <a:ext uri="{FF2B5EF4-FFF2-40B4-BE49-F238E27FC236}">
-                <a16:creationId xmlns:a16="http://schemas.microsoft.com/office/drawing/2014/main" id="{DA8021A9-0E61-87CE-88FE-1CFD6F3983FC}"/>
+                <a16:creationId xmlns:a16="http://schemas.microsoft.com/office/drawing/2014/main" id="{98B5C8A6-9E09-A340-C475-439F204D7E17}"/>
               </a:ext>
             </a:extLst>
           </p:cNvPr>
@@ -10754,7 +12437,7 @@
               <a:rPr lang="en-US" smtClean="0"/>
               <a:t>15</a:t>
             </a:fld>
-            <a:endParaRPr lang="en-US"/>
+            <a:endParaRPr lang="en-US" dirty="0"/>
           </a:p>
         </p:txBody>
       </p:sp>
@@ -10763,7 +12446,7 @@
           <p:cNvPr id="6" name="圖片 5">
             <a:extLst>
               <a:ext uri="{FF2B5EF4-FFF2-40B4-BE49-F238E27FC236}">
-                <a16:creationId xmlns:a16="http://schemas.microsoft.com/office/drawing/2014/main" id="{7BBA7C5F-4FC7-A07A-5508-EAA68D91D68B}"/>
+                <a16:creationId xmlns:a16="http://schemas.microsoft.com/office/drawing/2014/main" id="{61BEFAB2-F319-135A-7073-9055B8A238EC}"/>
               </a:ext>
             </a:extLst>
           </p:cNvPr>
@@ -10773,15 +12456,44 @@
           <p:nvPr/>
         </p:nvPicPr>
         <p:blipFill>
-          <a:blip r:embed="rId3"/>
+          <a:blip r:embed="rId4"/>
           <a:stretch>
             <a:fillRect/>
           </a:stretch>
         </p:blipFill>
         <p:spPr>
           <a:xfrm>
-            <a:off x="2207471" y="3429000"/>
-            <a:ext cx="7777058" cy="2923911"/>
+            <a:off x="1962529" y="5313268"/>
+            <a:ext cx="4942827" cy="936924"/>
+          </a:xfrm>
+          <a:prstGeom prst="rect">
+            <a:avLst/>
+          </a:prstGeom>
+        </p:spPr>
+      </p:pic>
+      <p:pic>
+        <p:nvPicPr>
+          <p:cNvPr id="8" name="圖片 7">
+            <a:extLst>
+              <a:ext uri="{FF2B5EF4-FFF2-40B4-BE49-F238E27FC236}">
+                <a16:creationId xmlns:a16="http://schemas.microsoft.com/office/drawing/2014/main" id="{8614E99B-00EC-081E-7EDA-76584797B523}"/>
+              </a:ext>
+            </a:extLst>
+          </p:cNvPr>
+          <p:cNvPicPr>
+            <a:picLocks noChangeAspect="1"/>
+          </p:cNvPicPr>
+          <p:nvPr/>
+        </p:nvPicPr>
+        <p:blipFill rotWithShape="1">
+          <a:blip r:embed="rId5"/>
+          <a:srcRect b="37937"/>
+          <a:stretch/>
+        </p:blipFill>
+        <p:spPr>
+          <a:xfrm>
+            <a:off x="6457847" y="136525"/>
+            <a:ext cx="5607776" cy="2340106"/>
           </a:xfrm>
           <a:prstGeom prst="rect">
             <a:avLst/>
@@ -10791,7 +12503,7 @@
     </p:spTree>
     <p:extLst>
       <p:ext uri="{BB962C8B-B14F-4D97-AF65-F5344CB8AC3E}">
-        <p14:creationId xmlns:p14="http://schemas.microsoft.com/office/powerpoint/2010/main" val="3040401110"/>
+        <p14:creationId xmlns:p14="http://schemas.microsoft.com/office/powerpoint/2010/main" val="4204651947"/>
       </p:ext>
     </p:extLst>
   </p:cSld>
@@ -10823,7 +12535,7 @@
           <p:cNvPr id="2" name="標題 1">
             <a:extLst>
               <a:ext uri="{FF2B5EF4-FFF2-40B4-BE49-F238E27FC236}">
-                <a16:creationId xmlns:a16="http://schemas.microsoft.com/office/drawing/2014/main" id="{156C4346-F0F9-6C34-7427-C802A4D5EF8E}"/>
+                <a16:creationId xmlns:a16="http://schemas.microsoft.com/office/drawing/2014/main" id="{5CEA9D29-2BBD-0E1E-DBD3-F6145D6CBC63}"/>
               </a:ext>
             </a:extLst>
           </p:cNvPr>
@@ -10840,11 +12552,11 @@
           <a:lstStyle/>
           <a:p>
             <a:r>
-              <a:rPr lang="en-US" altLang="zh-TW" dirty="0">
+              <a:rPr lang="en-US" altLang="zh-TW" sz="4000" dirty="0">
                 <a:latin typeface="Times" panose="02020603050405020304" pitchFamily="18" charset="0"/>
                 <a:cs typeface="Times" panose="02020603050405020304" pitchFamily="18" charset="0"/>
               </a:rPr>
-              <a:t>Experimental Result - DFO </a:t>
+              <a:t>Algorithm - Detail</a:t>
             </a:r>
             <a:endParaRPr lang="zh-TW" altLang="en-US" dirty="0">
               <a:latin typeface="Times" panose="02020603050405020304" pitchFamily="18" charset="0"/>
@@ -10853,12 +12565,244 @@
           </a:p>
         </p:txBody>
       </p:sp>
+      <mc:AlternateContent xmlns:mc="http://schemas.openxmlformats.org/markup-compatibility/2006" xmlns:a14="http://schemas.microsoft.com/office/drawing/2010/main">
+        <mc:Choice Requires="a14">
+          <p:sp>
+            <p:nvSpPr>
+              <p:cNvPr id="3" name="內容版面配置區 2">
+                <a:extLst>
+                  <a:ext uri="{FF2B5EF4-FFF2-40B4-BE49-F238E27FC236}">
+                    <a16:creationId xmlns:a16="http://schemas.microsoft.com/office/drawing/2014/main" id="{CD74F3A4-97A5-7640-801C-D093727610C1}"/>
+                  </a:ext>
+                </a:extLst>
+              </p:cNvPr>
+              <p:cNvSpPr>
+                <a:spLocks noGrp="1"/>
+              </p:cNvSpPr>
+              <p:nvPr>
+                <p:ph idx="1"/>
+              </p:nvPr>
+            </p:nvSpPr>
+            <p:spPr>
+              <a:xfrm>
+                <a:off x="838200" y="1825625"/>
+                <a:ext cx="10515600" cy="4895850"/>
+              </a:xfrm>
+            </p:spPr>
+            <p:txBody>
+              <a:bodyPr>
+                <a:normAutofit/>
+              </a:bodyPr>
+              <a:lstStyle/>
+              <a:p>
+                <a:pPr marL="457200" indent="-457200">
+                  <a:lnSpc>
+                    <a:spcPct val="200000"/>
+                  </a:lnSpc>
+                  <a:buFont typeface="+mj-lt"/>
+                  <a:buAutoNum type="alphaUcPeriod" startAt="2"/>
+                </a:pPr>
+                <a:r>
+                  <a:rPr lang="en-US" altLang="zh-TW" sz="2200" dirty="0">
+                    <a:latin typeface="Times" panose="02020603050405020304" pitchFamily="18" charset="0"/>
+                    <a:ea typeface="標楷體" panose="03000509000000000000" pitchFamily="65" charset="-120"/>
+                    <a:cs typeface="Times" panose="02020603050405020304" pitchFamily="18" charset="0"/>
+                  </a:rPr>
+                  <a:t>Solving the model</a:t>
+                </a:r>
+              </a:p>
+              <a:p>
+                <a:pPr lvl="1">
+                  <a:lnSpc>
+                    <a:spcPct val="200000"/>
+                  </a:lnSpc>
+                </a:pPr>
+                <a:r>
+                  <a:rPr lang="en-US" altLang="zh-TW" sz="2000" dirty="0">
+                    <a:latin typeface="Times" panose="02020603050405020304" pitchFamily="18" charset="0"/>
+                    <a:ea typeface="標楷體" panose="03000509000000000000" pitchFamily="65" charset="-120"/>
+                    <a:cs typeface="Times" panose="02020603050405020304" pitchFamily="18" charset="0"/>
+                  </a:rPr>
+                  <a:t>The direction of the model</a:t>
+                </a:r>
+              </a:p>
+              <a:p>
+                <a:pPr lvl="2">
+                  <a:lnSpc>
+                    <a:spcPct val="200000"/>
+                  </a:lnSpc>
+                </a:pPr>
+                <a:r>
+                  <a:rPr lang="en-US" altLang="zh-TW" sz="1800" dirty="0">
+                    <a:latin typeface="Times" panose="02020603050405020304" pitchFamily="18" charset="0"/>
+                    <a:ea typeface="標楷體" panose="03000509000000000000" pitchFamily="65" charset="-120"/>
+                    <a:cs typeface="Times" panose="02020603050405020304" pitchFamily="18" charset="0"/>
+                  </a:rPr>
+                  <a:t> </a:t>
+                </a:r>
+                <a:endParaRPr lang="en-US" altLang="zh-TW" sz="2200" dirty="0">
+                  <a:latin typeface="Times" panose="02020603050405020304" pitchFamily="18" charset="0"/>
+                  <a:ea typeface="標楷體" panose="03000509000000000000" pitchFamily="65" charset="-120"/>
+                  <a:cs typeface="Times" panose="02020603050405020304" pitchFamily="18" charset="0"/>
+                </a:endParaRPr>
+              </a:p>
+              <a:p>
+                <a:pPr lvl="1">
+                  <a:lnSpc>
+                    <a:spcPct val="200000"/>
+                  </a:lnSpc>
+                </a:pPr>
+                <a:endParaRPr lang="en-US" altLang="zh-TW" sz="800" dirty="0">
+                  <a:latin typeface="Times" panose="02020603050405020304" pitchFamily="18" charset="0"/>
+                  <a:ea typeface="標楷體" panose="03000509000000000000" pitchFamily="65" charset="-120"/>
+                  <a:cs typeface="Times" panose="02020603050405020304" pitchFamily="18" charset="0"/>
+                </a:endParaRPr>
+              </a:p>
+              <a:p>
+                <a:pPr lvl="1">
+                  <a:lnSpc>
+                    <a:spcPct val="200000"/>
+                  </a:lnSpc>
+                </a:pPr>
+                <a:r>
+                  <a:rPr lang="en-US" altLang="zh-TW" sz="2200" dirty="0">
+                    <a:latin typeface="Times" panose="02020603050405020304" pitchFamily="18" charset="0"/>
+                    <a:ea typeface="標楷體" panose="03000509000000000000" pitchFamily="65" charset="-120"/>
+                    <a:cs typeface="Times" panose="02020603050405020304" pitchFamily="18" charset="0"/>
+                  </a:rPr>
+                  <a:t>Box region </a:t>
+                </a:r>
+                <a14:m>
+                  <m:oMath xmlns:m="http://schemas.openxmlformats.org/officeDocument/2006/math">
+                    <m:sSup>
+                      <m:sSupPr>
+                        <m:ctrlPr>
+                          <a:rPr lang="en-US" altLang="zh-TW" sz="2200" i="1" smtClean="0">
+                            <a:latin typeface="Cambria Math" panose="02040503050406030204" pitchFamily="18" charset="0"/>
+                            <a:ea typeface="標楷體" panose="03000509000000000000" pitchFamily="65" charset="-120"/>
+                            <a:cs typeface="Times" panose="02020603050405020304" pitchFamily="18" charset="0"/>
+                          </a:rPr>
+                        </m:ctrlPr>
+                      </m:sSupPr>
+                      <m:e>
+                        <m:r>
+                          <m:rPr>
+                            <m:sty m:val="p"/>
+                          </m:rPr>
+                          <a:rPr lang="el-GR" altLang="zh-TW" sz="2200" i="1" smtClean="0">
+                            <a:latin typeface="Cambria Math" panose="02040503050406030204" pitchFamily="18" charset="0"/>
+                            <a:ea typeface="Cambria Math" panose="02040503050406030204" pitchFamily="18" charset="0"/>
+                            <a:cs typeface="Times" panose="02020603050405020304" pitchFamily="18" charset="0"/>
+                          </a:rPr>
+                          <m:t>Ω</m:t>
+                        </m:r>
+                      </m:e>
+                      <m:sup>
+                        <m:r>
+                          <a:rPr lang="en-US" altLang="zh-TW" sz="2200" b="0" i="1" smtClean="0">
+                            <a:latin typeface="Cambria Math" panose="02040503050406030204" pitchFamily="18" charset="0"/>
+                            <a:ea typeface="標楷體" panose="03000509000000000000" pitchFamily="65" charset="-120"/>
+                            <a:cs typeface="Times" panose="02020603050405020304" pitchFamily="18" charset="0"/>
+                          </a:rPr>
+                          <m:t>(</m:t>
+                        </m:r>
+                        <m:r>
+                          <a:rPr lang="en-US" altLang="zh-TW" sz="2200" b="0" i="1" smtClean="0">
+                            <a:latin typeface="Cambria Math" panose="02040503050406030204" pitchFamily="18" charset="0"/>
+                            <a:ea typeface="標楷體" panose="03000509000000000000" pitchFamily="65" charset="-120"/>
+                            <a:cs typeface="Times" panose="02020603050405020304" pitchFamily="18" charset="0"/>
+                          </a:rPr>
+                          <m:t>𝑘</m:t>
+                        </m:r>
+                        <m:r>
+                          <a:rPr lang="en-US" altLang="zh-TW" sz="2200" b="0" i="1" smtClean="0">
+                            <a:latin typeface="Cambria Math" panose="02040503050406030204" pitchFamily="18" charset="0"/>
+                            <a:ea typeface="標楷體" panose="03000509000000000000" pitchFamily="65" charset="-120"/>
+                            <a:cs typeface="Times" panose="02020603050405020304" pitchFamily="18" charset="0"/>
+                          </a:rPr>
+                          <m:t>)</m:t>
+                        </m:r>
+                      </m:sup>
+                    </m:sSup>
+                  </m:oMath>
+                </a14:m>
+                <a:r>
+                  <a:rPr lang="en-US" altLang="zh-TW" sz="2200" dirty="0">
+                    <a:latin typeface="Times" panose="02020603050405020304" pitchFamily="18" charset="0"/>
+                    <a:ea typeface="標楷體" panose="03000509000000000000" pitchFamily="65" charset="-120"/>
+                    <a:cs typeface="Times" panose="02020603050405020304" pitchFamily="18" charset="0"/>
+                  </a:rPr>
+                  <a:t> </a:t>
+                </a:r>
+              </a:p>
+              <a:p>
+                <a:pPr lvl="2">
+                  <a:lnSpc>
+                    <a:spcPct val="200000"/>
+                  </a:lnSpc>
+                </a:pPr>
+                <a:r>
+                  <a:rPr lang="en-US" altLang="zh-TW" sz="1800" dirty="0">
+                    <a:latin typeface="Times" panose="02020603050405020304" pitchFamily="18" charset="0"/>
+                    <a:ea typeface="標楷體" panose="03000509000000000000" pitchFamily="65" charset="-120"/>
+                    <a:cs typeface="Times" panose="02020603050405020304" pitchFamily="18" charset="0"/>
+                  </a:rPr>
+                  <a:t> </a:t>
+                </a:r>
+              </a:p>
+            </p:txBody>
+          </p:sp>
+        </mc:Choice>
+        <mc:Fallback xmlns="">
+          <p:sp>
+            <p:nvSpPr>
+              <p:cNvPr id="3" name="內容版面配置區 2">
+                <a:extLst>
+                  <a:ext uri="{FF2B5EF4-FFF2-40B4-BE49-F238E27FC236}">
+                    <a16:creationId xmlns:a16="http://schemas.microsoft.com/office/drawing/2014/main" id="{CD74F3A4-97A5-7640-801C-D093727610C1}"/>
+                  </a:ext>
+                </a:extLst>
+              </p:cNvPr>
+              <p:cNvSpPr>
+                <a:spLocks noGrp="1" noRot="1" noChangeAspect="1" noMove="1" noResize="1" noEditPoints="1" noAdjustHandles="1" noChangeArrowheads="1" noChangeShapeType="1" noTextEdit="1"/>
+              </p:cNvSpPr>
+              <p:nvPr>
+                <p:ph idx="1"/>
+              </p:nvPr>
+            </p:nvSpPr>
+            <p:spPr>
+              <a:xfrm>
+                <a:off x="838200" y="1825625"/>
+                <a:ext cx="10515600" cy="4895850"/>
+              </a:xfrm>
+              <a:blipFill>
+                <a:blip r:embed="rId3"/>
+                <a:stretch>
+                  <a:fillRect l="-638"/>
+                </a:stretch>
+              </a:blipFill>
+            </p:spPr>
+            <p:txBody>
+              <a:bodyPr/>
+              <a:lstStyle/>
+              <a:p>
+                <a:r>
+                  <a:rPr lang="zh-TW" altLang="en-US">
+                    <a:noFill/>
+                  </a:rPr>
+                  <a:t> </a:t>
+                </a:r>
+              </a:p>
+            </p:txBody>
+          </p:sp>
+        </mc:Fallback>
+      </mc:AlternateContent>
       <p:sp>
         <p:nvSpPr>
           <p:cNvPr id="4" name="投影片編號版面配置區 3">
             <a:extLst>
               <a:ext uri="{FF2B5EF4-FFF2-40B4-BE49-F238E27FC236}">
-                <a16:creationId xmlns:a16="http://schemas.microsoft.com/office/drawing/2014/main" id="{DA8021A9-0E61-87CE-88FE-1CFD6F3983FC}"/>
+                <a16:creationId xmlns:a16="http://schemas.microsoft.com/office/drawing/2014/main" id="{98B5C8A6-9E09-A340-C475-439F204D7E17}"/>
               </a:ext>
             </a:extLst>
           </p:cNvPr>
@@ -10878,16 +12822,16 @@
               <a:rPr lang="en-US" smtClean="0"/>
               <a:t>16</a:t>
             </a:fld>
-            <a:endParaRPr lang="en-US"/>
+            <a:endParaRPr lang="en-US" dirty="0"/>
           </a:p>
         </p:txBody>
       </p:sp>
       <p:pic>
         <p:nvPicPr>
-          <p:cNvPr id="12" name="圖片 11">
+          <p:cNvPr id="7" name="圖片 6">
             <a:extLst>
               <a:ext uri="{FF2B5EF4-FFF2-40B4-BE49-F238E27FC236}">
-                <a16:creationId xmlns:a16="http://schemas.microsoft.com/office/drawing/2014/main" id="{FD1B51DB-CA5A-9B47-8863-96A6CC30B3F8}"/>
+                <a16:creationId xmlns:a16="http://schemas.microsoft.com/office/drawing/2014/main" id="{B8239F63-460B-8A5F-A805-429CD04D0940}"/>
               </a:ext>
             </a:extLst>
           </p:cNvPr>
@@ -10897,25 +12841,99 @@
           <p:nvPr/>
         </p:nvPicPr>
         <p:blipFill>
-          <a:blip r:embed="rId3"/>
+          <a:blip r:embed="rId4"/>
           <a:stretch>
             <a:fillRect/>
           </a:stretch>
         </p:blipFill>
         <p:spPr>
           <a:xfrm>
-            <a:off x="1251574" y="1815340"/>
-            <a:ext cx="9688851" cy="4541010"/>
+            <a:off x="2151530" y="3333802"/>
+            <a:ext cx="3085782" cy="592739"/>
           </a:xfrm>
           <a:prstGeom prst="rect">
             <a:avLst/>
           </a:prstGeom>
         </p:spPr>
       </p:pic>
+      <p:pic>
+        <p:nvPicPr>
+          <p:cNvPr id="10" name="圖片 9">
+            <a:extLst>
+              <a:ext uri="{FF2B5EF4-FFF2-40B4-BE49-F238E27FC236}">
+                <a16:creationId xmlns:a16="http://schemas.microsoft.com/office/drawing/2014/main" id="{DF505559-5CC4-A12F-8716-47F336D1A52A}"/>
+              </a:ext>
+            </a:extLst>
+          </p:cNvPr>
+          <p:cNvPicPr>
+            <a:picLocks noChangeAspect="1"/>
+          </p:cNvPicPr>
+          <p:nvPr/>
+        </p:nvPicPr>
+        <p:blipFill>
+          <a:blip r:embed="rId5"/>
+          <a:stretch>
+            <a:fillRect/>
+          </a:stretch>
+        </p:blipFill>
+        <p:spPr>
+          <a:xfrm>
+            <a:off x="2244305" y="4921553"/>
+            <a:ext cx="2900231" cy="804910"/>
+          </a:xfrm>
+          <a:prstGeom prst="rect">
+            <a:avLst/>
+          </a:prstGeom>
+        </p:spPr>
+      </p:pic>
+      <p:pic>
+        <p:nvPicPr>
+          <p:cNvPr id="12" name="圖片 11">
+            <a:extLst>
+              <a:ext uri="{FF2B5EF4-FFF2-40B4-BE49-F238E27FC236}">
+                <a16:creationId xmlns:a16="http://schemas.microsoft.com/office/drawing/2014/main" id="{2188C305-B36D-F647-652E-2AB105169327}"/>
+              </a:ext>
+            </a:extLst>
+          </p:cNvPr>
+          <p:cNvPicPr>
+            <a:picLocks noChangeAspect="1"/>
+          </p:cNvPicPr>
+          <p:nvPr/>
+        </p:nvPicPr>
+        <p:blipFill>
+          <a:blip r:embed="rId6"/>
+          <a:stretch>
+            <a:fillRect/>
+          </a:stretch>
+        </p:blipFill>
+        <p:spPr>
+          <a:xfrm>
+            <a:off x="6550641" y="3219994"/>
+            <a:ext cx="4893372" cy="1701559"/>
+          </a:xfrm>
+          <a:prstGeom prst="rect">
+            <a:avLst/>
+          </a:prstGeom>
+          <a:ln w="38100" cap="sq">
+            <a:solidFill>
+              <a:srgbClr val="000000"/>
+            </a:solidFill>
+            <a:prstDash val="solid"/>
+            <a:miter lim="800000"/>
+          </a:ln>
+          <a:effectLst>
+            <a:outerShdw blurRad="50800" dist="38100" dir="2700000" algn="tl" rotWithShape="0">
+              <a:srgbClr val="000000">
+                <a:alpha val="43000"/>
+              </a:srgbClr>
+            </a:outerShdw>
+          </a:effectLst>
+        </p:spPr>
+      </p:pic>
     </p:spTree>
     <p:extLst>
       <p:ext uri="{BB962C8B-B14F-4D97-AF65-F5344CB8AC3E}">
-        <p14:creationId xmlns:p14="http://schemas.microsoft.com/office/powerpoint/2010/main" val="3147102672"/>
+        <p14:creationId xmlns:p14="http://schemas.microsoft.com/office/powerpoint/2010/main" val="1530963764"/>
       </p:ext>
     </p:extLst>
   </p:cSld>
@@ -10947,7 +12965,7 @@
           <p:cNvPr id="2" name="標題 1">
             <a:extLst>
               <a:ext uri="{FF2B5EF4-FFF2-40B4-BE49-F238E27FC236}">
-                <a16:creationId xmlns:a16="http://schemas.microsoft.com/office/drawing/2014/main" id="{156C4346-F0F9-6C34-7427-C802A4D5EF8E}"/>
+                <a16:creationId xmlns:a16="http://schemas.microsoft.com/office/drawing/2014/main" id="{5CEA9D29-2BBD-0E1E-DBD3-F6145D6CBC63}"/>
               </a:ext>
             </a:extLst>
           </p:cNvPr>
@@ -10964,11 +12982,11 @@
           <a:lstStyle/>
           <a:p>
             <a:r>
-              <a:rPr lang="en-US" altLang="zh-TW" dirty="0">
+              <a:rPr lang="en-US" altLang="zh-TW" sz="4000" dirty="0">
                 <a:latin typeface="Times" panose="02020603050405020304" pitchFamily="18" charset="0"/>
                 <a:cs typeface="Times" panose="02020603050405020304" pitchFamily="18" charset="0"/>
               </a:rPr>
-              <a:t>Experimental Result - DFO </a:t>
+              <a:t>Algorithm - Detail</a:t>
             </a:r>
             <a:endParaRPr lang="zh-TW" altLang="en-US" dirty="0">
               <a:latin typeface="Times" panose="02020603050405020304" pitchFamily="18" charset="0"/>
@@ -10977,12 +12995,1085 @@
           </a:p>
         </p:txBody>
       </p:sp>
+      <mc:AlternateContent xmlns:mc="http://schemas.openxmlformats.org/markup-compatibility/2006" xmlns:a14="http://schemas.microsoft.com/office/drawing/2010/main">
+        <mc:Choice Requires="a14">
+          <p:sp>
+            <p:nvSpPr>
+              <p:cNvPr id="3" name="內容版面配置區 2">
+                <a:extLst>
+                  <a:ext uri="{FF2B5EF4-FFF2-40B4-BE49-F238E27FC236}">
+                    <a16:creationId xmlns:a16="http://schemas.microsoft.com/office/drawing/2014/main" id="{CD74F3A4-97A5-7640-801C-D093727610C1}"/>
+                  </a:ext>
+                </a:extLst>
+              </p:cNvPr>
+              <p:cNvSpPr>
+                <a:spLocks noGrp="1"/>
+              </p:cNvSpPr>
+              <p:nvPr>
+                <p:ph idx="1"/>
+              </p:nvPr>
+            </p:nvSpPr>
+            <p:spPr>
+              <a:xfrm>
+                <a:off x="838200" y="1495313"/>
+                <a:ext cx="10515600" cy="5226162"/>
+              </a:xfrm>
+            </p:spPr>
+            <p:txBody>
+              <a:bodyPr>
+                <a:normAutofit/>
+              </a:bodyPr>
+              <a:lstStyle/>
+              <a:p>
+                <a:pPr marL="457200" indent="-457200">
+                  <a:lnSpc>
+                    <a:spcPct val="200000"/>
+                  </a:lnSpc>
+                  <a:buFont typeface="+mj-lt"/>
+                  <a:buAutoNum type="alphaUcPeriod" startAt="3"/>
+                </a:pPr>
+                <a:r>
+                  <a:rPr lang="en-US" altLang="zh-TW" sz="2200" dirty="0">
+                    <a:latin typeface="Times" panose="02020603050405020304" pitchFamily="18" charset="0"/>
+                    <a:ea typeface="標楷體" panose="03000509000000000000" pitchFamily="65" charset="-120"/>
+                    <a:cs typeface="Times" panose="02020603050405020304" pitchFamily="18" charset="0"/>
+                  </a:rPr>
+                  <a:t>Solving the subproblem</a:t>
+                </a:r>
+              </a:p>
+              <a:p>
+                <a:pPr lvl="1">
+                  <a:lnSpc>
+                    <a:spcPct val="150000"/>
+                  </a:lnSpc>
+                </a:pPr>
+                <a:r>
+                  <a:rPr lang="en-US" altLang="zh-TW" sz="2000" dirty="0">
+                    <a:latin typeface="Times" panose="02020603050405020304" pitchFamily="18" charset="0"/>
+                    <a:ea typeface="標楷體" panose="03000509000000000000" pitchFamily="65" charset="-120"/>
+                    <a:cs typeface="Times" panose="02020603050405020304" pitchFamily="18" charset="0"/>
+                  </a:rPr>
+                  <a:t>Construct a complete three-dimensional quadratic model </a:t>
+                </a:r>
+                <a:r>
+                  <a:rPr lang="zh-TW" altLang="en-US" sz="2000" dirty="0">
+                    <a:latin typeface="Times" panose="02020603050405020304" pitchFamily="18" charset="0"/>
+                    <a:ea typeface="標楷體" panose="03000509000000000000" pitchFamily="65" charset="-120"/>
+                    <a:cs typeface="Times" panose="02020603050405020304" pitchFamily="18" charset="0"/>
+                  </a:rPr>
+                  <a:t>𝑞</a:t>
+                </a:r>
+                <a:r>
+                  <a:rPr lang="en-US" altLang="zh-TW" sz="2000" dirty="0">
+                    <a:latin typeface="Times" panose="02020603050405020304" pitchFamily="18" charset="0"/>
+                    <a:ea typeface="標楷體" panose="03000509000000000000" pitchFamily="65" charset="-120"/>
+                    <a:cs typeface="Times" panose="02020603050405020304" pitchFamily="18" charset="0"/>
+                  </a:rPr>
+                  <a:t>(</a:t>
+                </a:r>
+                <a:r>
+                  <a:rPr lang="zh-TW" altLang="en-US" sz="2000" dirty="0">
+                    <a:latin typeface="Times" panose="02020603050405020304" pitchFamily="18" charset="0"/>
+                    <a:ea typeface="標楷體" panose="03000509000000000000" pitchFamily="65" charset="-120"/>
+                    <a:cs typeface="Times" panose="02020603050405020304" pitchFamily="18" charset="0"/>
+                  </a:rPr>
+                  <a:t>𝑠</a:t>
+                </a:r>
+                <a:r>
+                  <a:rPr lang="en-US" altLang="zh-TW" sz="2000" dirty="0">
+                    <a:latin typeface="Times" panose="02020603050405020304" pitchFamily="18" charset="0"/>
+                    <a:ea typeface="標楷體" panose="03000509000000000000" pitchFamily="65" charset="-120"/>
+                    <a:cs typeface="Times" panose="02020603050405020304" pitchFamily="18" charset="0"/>
+                  </a:rPr>
+                  <a:t>) approximating </a:t>
+                </a:r>
+                <a14:m>
+                  <m:oMath xmlns:m="http://schemas.openxmlformats.org/officeDocument/2006/math">
+                    <m:r>
+                      <a:rPr lang="en-US" altLang="zh-TW" sz="2000" b="0" i="1" smtClean="0">
+                        <a:latin typeface="Cambria Math" panose="02040503050406030204" pitchFamily="18" charset="0"/>
+                        <a:ea typeface="標楷體" panose="03000509000000000000" pitchFamily="65" charset="-120"/>
+                        <a:cs typeface="Times" panose="02020603050405020304" pitchFamily="18" charset="0"/>
+                      </a:rPr>
+                      <m:t>𝑓</m:t>
+                    </m:r>
+                    <m:r>
+                      <a:rPr lang="en-US" altLang="zh-TW" sz="2000" b="0" i="1" smtClean="0">
+                        <a:latin typeface="Cambria Math" panose="02040503050406030204" pitchFamily="18" charset="0"/>
+                        <a:ea typeface="標楷體" panose="03000509000000000000" pitchFamily="65" charset="-120"/>
+                        <a:cs typeface="Times" panose="02020603050405020304" pitchFamily="18" charset="0"/>
+                      </a:rPr>
+                      <m:t>(</m:t>
+                    </m:r>
+                    <m:sSup>
+                      <m:sSupPr>
+                        <m:ctrlPr>
+                          <a:rPr lang="en-US" altLang="zh-TW" sz="2000" b="0" i="1" smtClean="0">
+                            <a:latin typeface="Cambria Math" panose="02040503050406030204" pitchFamily="18" charset="0"/>
+                            <a:ea typeface="標楷體" panose="03000509000000000000" pitchFamily="65" charset="-120"/>
+                            <a:cs typeface="Times" panose="02020603050405020304" pitchFamily="18" charset="0"/>
+                          </a:rPr>
+                        </m:ctrlPr>
+                      </m:sSupPr>
+                      <m:e>
+                        <m:r>
+                          <a:rPr lang="en-US" altLang="zh-TW" sz="2000" b="0" i="1" smtClean="0">
+                            <a:latin typeface="Cambria Math" panose="02040503050406030204" pitchFamily="18" charset="0"/>
+                            <a:ea typeface="標楷體" panose="03000509000000000000" pitchFamily="65" charset="-120"/>
+                            <a:cs typeface="Times" panose="02020603050405020304" pitchFamily="18" charset="0"/>
+                          </a:rPr>
+                          <m:t>𝑥</m:t>
+                        </m:r>
+                      </m:e>
+                      <m:sup>
+                        <m:d>
+                          <m:dPr>
+                            <m:ctrlPr>
+                              <a:rPr lang="en-US" altLang="zh-TW" sz="2000" b="0" i="1" smtClean="0">
+                                <a:latin typeface="Cambria Math" panose="02040503050406030204" pitchFamily="18" charset="0"/>
+                                <a:ea typeface="標楷體" panose="03000509000000000000" pitchFamily="65" charset="-120"/>
+                                <a:cs typeface="Times" panose="02020603050405020304" pitchFamily="18" charset="0"/>
+                              </a:rPr>
+                            </m:ctrlPr>
+                          </m:dPr>
+                          <m:e>
+                            <m:r>
+                              <a:rPr lang="en-US" altLang="zh-TW" sz="2000" b="0" i="1" smtClean="0">
+                                <a:latin typeface="Cambria Math" panose="02040503050406030204" pitchFamily="18" charset="0"/>
+                                <a:ea typeface="標楷體" panose="03000509000000000000" pitchFamily="65" charset="-120"/>
+                                <a:cs typeface="Times" panose="02020603050405020304" pitchFamily="18" charset="0"/>
+                              </a:rPr>
+                              <m:t>𝑘</m:t>
+                            </m:r>
+                          </m:e>
+                        </m:d>
+                      </m:sup>
+                    </m:sSup>
+                    <m:r>
+                      <a:rPr lang="en-US" altLang="zh-TW" sz="2000" b="0" i="1" smtClean="0">
+                        <a:latin typeface="Cambria Math" panose="02040503050406030204" pitchFamily="18" charset="0"/>
+                        <a:ea typeface="標楷體" panose="03000509000000000000" pitchFamily="65" charset="-120"/>
+                        <a:cs typeface="Times" panose="02020603050405020304" pitchFamily="18" charset="0"/>
+                      </a:rPr>
+                      <m:t>+</m:t>
+                    </m:r>
+                    <m:sSup>
+                      <m:sSupPr>
+                        <m:ctrlPr>
+                          <a:rPr lang="en-US" altLang="zh-TW" sz="2000" b="0" i="1" smtClean="0">
+                            <a:latin typeface="Cambria Math" panose="02040503050406030204" pitchFamily="18" charset="0"/>
+                            <a:ea typeface="標楷體" panose="03000509000000000000" pitchFamily="65" charset="-120"/>
+                            <a:cs typeface="Times" panose="02020603050405020304" pitchFamily="18" charset="0"/>
+                          </a:rPr>
+                        </m:ctrlPr>
+                      </m:sSupPr>
+                      <m:e>
+                        <m:r>
+                          <a:rPr lang="en-US" altLang="zh-TW" sz="2000" b="0" i="1" smtClean="0">
+                            <a:latin typeface="Cambria Math" panose="02040503050406030204" pitchFamily="18" charset="0"/>
+                            <a:ea typeface="標楷體" panose="03000509000000000000" pitchFamily="65" charset="-120"/>
+                            <a:cs typeface="Times" panose="02020603050405020304" pitchFamily="18" charset="0"/>
+                          </a:rPr>
+                          <m:t>𝐵</m:t>
+                        </m:r>
+                      </m:e>
+                      <m:sup>
+                        <m:d>
+                          <m:dPr>
+                            <m:ctrlPr>
+                              <a:rPr lang="en-US" altLang="zh-TW" sz="2000" b="0" i="1" smtClean="0">
+                                <a:latin typeface="Cambria Math" panose="02040503050406030204" pitchFamily="18" charset="0"/>
+                                <a:ea typeface="標楷體" panose="03000509000000000000" pitchFamily="65" charset="-120"/>
+                                <a:cs typeface="Times" panose="02020603050405020304" pitchFamily="18" charset="0"/>
+                              </a:rPr>
+                            </m:ctrlPr>
+                          </m:dPr>
+                          <m:e>
+                            <m:r>
+                              <a:rPr lang="en-US" altLang="zh-TW" sz="2000" b="0" i="1" smtClean="0">
+                                <a:latin typeface="Cambria Math" panose="02040503050406030204" pitchFamily="18" charset="0"/>
+                                <a:ea typeface="標楷體" panose="03000509000000000000" pitchFamily="65" charset="-120"/>
+                                <a:cs typeface="Times" panose="02020603050405020304" pitchFamily="18" charset="0"/>
+                              </a:rPr>
+                              <m:t>𝑘</m:t>
+                            </m:r>
+                          </m:e>
+                        </m:d>
+                      </m:sup>
+                    </m:sSup>
+                    <m:r>
+                      <a:rPr lang="en-US" altLang="zh-TW" sz="2000" b="0" i="1" smtClean="0">
+                        <a:latin typeface="Cambria Math" panose="02040503050406030204" pitchFamily="18" charset="0"/>
+                        <a:ea typeface="標楷體" panose="03000509000000000000" pitchFamily="65" charset="-120"/>
+                        <a:cs typeface="Times" panose="02020603050405020304" pitchFamily="18" charset="0"/>
+                      </a:rPr>
+                      <m:t>𝑠</m:t>
+                    </m:r>
+                    <m:r>
+                      <a:rPr lang="en-US" altLang="zh-TW" sz="2000" b="0" i="1" smtClean="0">
+                        <a:latin typeface="Cambria Math" panose="02040503050406030204" pitchFamily="18" charset="0"/>
+                        <a:ea typeface="標楷體" panose="03000509000000000000" pitchFamily="65" charset="-120"/>
+                        <a:cs typeface="Times" panose="02020603050405020304" pitchFamily="18" charset="0"/>
+                      </a:rPr>
+                      <m:t>)</m:t>
+                    </m:r>
+                  </m:oMath>
+                </a14:m>
+                <a:r>
+                  <a:rPr lang="zh-TW" altLang="en-US" sz="2000" dirty="0">
+                    <a:latin typeface="Times" panose="02020603050405020304" pitchFamily="18" charset="0"/>
+                    <a:ea typeface="標楷體" panose="03000509000000000000" pitchFamily="65" charset="-120"/>
+                    <a:cs typeface="Times" panose="02020603050405020304" pitchFamily="18" charset="0"/>
+                  </a:rPr>
+                  <a:t> </a:t>
+                </a:r>
+                <a:r>
+                  <a:rPr lang="en-US" altLang="zh-TW" sz="2000" dirty="0">
+                    <a:latin typeface="Times" panose="02020603050405020304" pitchFamily="18" charset="0"/>
+                    <a:ea typeface="標楷體" panose="03000509000000000000" pitchFamily="65" charset="-120"/>
+                    <a:cs typeface="Times" panose="02020603050405020304" pitchFamily="18" charset="0"/>
+                  </a:rPr>
+                  <a:t>by interpolation using 10 sampling points </a:t>
+                </a:r>
+                <a14:m>
+                  <m:oMath xmlns:m="http://schemas.openxmlformats.org/officeDocument/2006/math">
+                    <m:sSup>
+                      <m:sSupPr>
+                        <m:ctrlPr>
+                          <a:rPr lang="en-US" altLang="zh-TW" sz="2000" i="1" smtClean="0">
+                            <a:latin typeface="Cambria Math" panose="02040503050406030204" pitchFamily="18" charset="0"/>
+                            <a:ea typeface="標楷體" panose="03000509000000000000" pitchFamily="65" charset="-120"/>
+                            <a:cs typeface="Times" panose="02020603050405020304" pitchFamily="18" charset="0"/>
+                          </a:rPr>
+                        </m:ctrlPr>
+                      </m:sSupPr>
+                      <m:e>
+                        <m:r>
+                          <a:rPr lang="en-US" altLang="zh-TW" sz="2000" b="0" i="1" smtClean="0">
+                            <a:latin typeface="Cambria Math" panose="02040503050406030204" pitchFamily="18" charset="0"/>
+                            <a:ea typeface="標楷體" panose="03000509000000000000" pitchFamily="65" charset="-120"/>
+                            <a:cs typeface="Times" panose="02020603050405020304" pitchFamily="18" charset="0"/>
+                          </a:rPr>
+                          <m:t>𝑠</m:t>
+                        </m:r>
+                      </m:e>
+                      <m:sup>
+                        <m:r>
+                          <a:rPr lang="en-US" altLang="zh-TW" sz="2000" b="0" i="1" smtClean="0">
+                            <a:latin typeface="Cambria Math" panose="02040503050406030204" pitchFamily="18" charset="0"/>
+                            <a:ea typeface="標楷體" panose="03000509000000000000" pitchFamily="65" charset="-120"/>
+                            <a:cs typeface="Times" panose="02020603050405020304" pitchFamily="18" charset="0"/>
+                          </a:rPr>
+                          <m:t>(</m:t>
+                        </m:r>
+                        <m:r>
+                          <a:rPr lang="en-US" altLang="zh-TW" sz="2000" b="0" i="1" smtClean="0">
+                            <a:latin typeface="Cambria Math" panose="02040503050406030204" pitchFamily="18" charset="0"/>
+                            <a:ea typeface="標楷體" panose="03000509000000000000" pitchFamily="65" charset="-120"/>
+                            <a:cs typeface="Times" panose="02020603050405020304" pitchFamily="18" charset="0"/>
+                          </a:rPr>
+                          <m:t>𝑘</m:t>
+                        </m:r>
+                        <m:r>
+                          <a:rPr lang="en-US" altLang="zh-TW" sz="2000" b="0" i="1" smtClean="0">
+                            <a:latin typeface="Cambria Math" panose="02040503050406030204" pitchFamily="18" charset="0"/>
+                            <a:ea typeface="標楷體" panose="03000509000000000000" pitchFamily="65" charset="-120"/>
+                            <a:cs typeface="Times" panose="02020603050405020304" pitchFamily="18" charset="0"/>
+                          </a:rPr>
+                          <m:t>,1)</m:t>
+                        </m:r>
+                      </m:sup>
+                    </m:sSup>
+                    <m:r>
+                      <a:rPr lang="en-US" altLang="zh-TW" sz="2000" b="0" i="1" smtClean="0">
+                        <a:latin typeface="Cambria Math" panose="02040503050406030204" pitchFamily="18" charset="0"/>
+                        <a:ea typeface="標楷體" panose="03000509000000000000" pitchFamily="65" charset="-120"/>
+                        <a:cs typeface="Times" panose="02020603050405020304" pitchFamily="18" charset="0"/>
+                      </a:rPr>
+                      <m:t> … </m:t>
+                    </m:r>
+                    <m:sSup>
+                      <m:sSupPr>
+                        <m:ctrlPr>
+                          <a:rPr lang="en-US" altLang="zh-TW" sz="2000" b="0" i="1" smtClean="0">
+                            <a:latin typeface="Cambria Math" panose="02040503050406030204" pitchFamily="18" charset="0"/>
+                            <a:ea typeface="標楷體" panose="03000509000000000000" pitchFamily="65" charset="-120"/>
+                            <a:cs typeface="Times" panose="02020603050405020304" pitchFamily="18" charset="0"/>
+                          </a:rPr>
+                        </m:ctrlPr>
+                      </m:sSupPr>
+                      <m:e>
+                        <m:r>
+                          <a:rPr lang="en-US" altLang="zh-TW" sz="2000" b="0" i="1" smtClean="0">
+                            <a:latin typeface="Cambria Math" panose="02040503050406030204" pitchFamily="18" charset="0"/>
+                            <a:ea typeface="標楷體" panose="03000509000000000000" pitchFamily="65" charset="-120"/>
+                            <a:cs typeface="Times" panose="02020603050405020304" pitchFamily="18" charset="0"/>
+                          </a:rPr>
+                          <m:t>𝑠</m:t>
+                        </m:r>
+                      </m:e>
+                      <m:sup>
+                        <m:r>
+                          <a:rPr lang="en-US" altLang="zh-TW" sz="2000" b="0" i="1" smtClean="0">
+                            <a:latin typeface="Cambria Math" panose="02040503050406030204" pitchFamily="18" charset="0"/>
+                            <a:ea typeface="標楷體" panose="03000509000000000000" pitchFamily="65" charset="-120"/>
+                            <a:cs typeface="Times" panose="02020603050405020304" pitchFamily="18" charset="0"/>
+                          </a:rPr>
+                          <m:t>(</m:t>
+                        </m:r>
+                        <m:r>
+                          <a:rPr lang="en-US" altLang="zh-TW" sz="2000" b="0" i="1" smtClean="0">
+                            <a:latin typeface="Cambria Math" panose="02040503050406030204" pitchFamily="18" charset="0"/>
+                            <a:ea typeface="標楷體" panose="03000509000000000000" pitchFamily="65" charset="-120"/>
+                            <a:cs typeface="Times" panose="02020603050405020304" pitchFamily="18" charset="0"/>
+                          </a:rPr>
+                          <m:t>𝑘</m:t>
+                        </m:r>
+                        <m:r>
+                          <a:rPr lang="en-US" altLang="zh-TW" sz="2000" b="0" i="1" smtClean="0">
+                            <a:latin typeface="Cambria Math" panose="02040503050406030204" pitchFamily="18" charset="0"/>
+                            <a:ea typeface="標楷體" panose="03000509000000000000" pitchFamily="65" charset="-120"/>
+                            <a:cs typeface="Times" panose="02020603050405020304" pitchFamily="18" charset="0"/>
+                          </a:rPr>
+                          <m:t>,10)</m:t>
+                        </m:r>
+                      </m:sup>
+                    </m:sSup>
+                  </m:oMath>
+                </a14:m>
+                <a:r>
+                  <a:rPr lang="en-US" altLang="zh-TW" sz="2000" dirty="0">
+                    <a:latin typeface="Times" panose="02020603050405020304" pitchFamily="18" charset="0"/>
+                    <a:ea typeface="標楷體" panose="03000509000000000000" pitchFamily="65" charset="-120"/>
+                    <a:cs typeface="Times" panose="02020603050405020304" pitchFamily="18" charset="0"/>
+                  </a:rPr>
+                  <a:t>.</a:t>
+                </a:r>
+              </a:p>
+              <a:p>
+                <a:pPr lvl="1">
+                  <a:lnSpc>
+                    <a:spcPct val="150000"/>
+                  </a:lnSpc>
+                </a:pPr>
+                <a:r>
+                  <a:rPr lang="zh-TW" altLang="en-US" sz="2000" dirty="0">
+                    <a:latin typeface="Times" panose="02020603050405020304" pitchFamily="18" charset="0"/>
+                    <a:ea typeface="標楷體" panose="03000509000000000000" pitchFamily="65" charset="-120"/>
+                    <a:cs typeface="Times" panose="02020603050405020304" pitchFamily="18" charset="0"/>
+                  </a:rPr>
+                  <a:t>𝐵</a:t>
+                </a:r>
+                <a:r>
+                  <a:rPr lang="en-US" altLang="zh-TW" sz="2000" dirty="0">
+                    <a:latin typeface="Times" panose="02020603050405020304" pitchFamily="18" charset="0"/>
+                    <a:ea typeface="標楷體" panose="03000509000000000000" pitchFamily="65" charset="-120"/>
+                    <a:cs typeface="Times" panose="02020603050405020304" pitchFamily="18" charset="0"/>
+                  </a:rPr>
+                  <a:t>(</a:t>
+                </a:r>
+                <a:r>
+                  <a:rPr lang="zh-TW" altLang="en-US" sz="2000" dirty="0">
+                    <a:latin typeface="Times" panose="02020603050405020304" pitchFamily="18" charset="0"/>
+                    <a:ea typeface="標楷體" panose="03000509000000000000" pitchFamily="65" charset="-120"/>
+                    <a:cs typeface="Times" panose="02020603050405020304" pitchFamily="18" charset="0"/>
+                  </a:rPr>
+                  <a:t>𝑘</a:t>
+                </a:r>
+                <a:r>
+                  <a:rPr lang="en-US" altLang="zh-TW" sz="2000" dirty="0">
+                    <a:latin typeface="Times" panose="02020603050405020304" pitchFamily="18" charset="0"/>
+                    <a:ea typeface="標楷體" panose="03000509000000000000" pitchFamily="65" charset="-120"/>
+                    <a:cs typeface="Times" panose="02020603050405020304" pitchFamily="18" charset="0"/>
+                  </a:rPr>
+                  <a:t>) ∈ </a:t>
+                </a:r>
+                <a14:m>
+                  <m:oMath xmlns:m="http://schemas.openxmlformats.org/officeDocument/2006/math">
+                    <m:sSup>
+                      <m:sSupPr>
+                        <m:ctrlPr>
+                          <a:rPr lang="en-US" altLang="zh-TW" sz="2000" i="1" smtClean="0">
+                            <a:latin typeface="Cambria Math" panose="02040503050406030204" pitchFamily="18" charset="0"/>
+                            <a:ea typeface="標楷體" panose="03000509000000000000" pitchFamily="65" charset="-120"/>
+                            <a:cs typeface="Times" panose="02020603050405020304" pitchFamily="18" charset="0"/>
+                          </a:rPr>
+                        </m:ctrlPr>
+                      </m:sSupPr>
+                      <m:e>
+                        <m:r>
+                          <a:rPr lang="en-US" altLang="zh-TW" sz="2000" i="1" smtClean="0">
+                            <a:latin typeface="Cambria Math" panose="02040503050406030204" pitchFamily="18" charset="0"/>
+                            <a:ea typeface="Cambria Math" panose="02040503050406030204" pitchFamily="18" charset="0"/>
+                            <a:cs typeface="Times" panose="02020603050405020304" pitchFamily="18" charset="0"/>
+                          </a:rPr>
+                          <m:t>ℝ</m:t>
+                        </m:r>
+                      </m:e>
+                      <m:sup>
+                        <m:r>
+                          <a:rPr lang="en-US" altLang="zh-TW" sz="2000" b="0" i="1" smtClean="0">
+                            <a:latin typeface="Cambria Math" panose="02040503050406030204" pitchFamily="18" charset="0"/>
+                            <a:ea typeface="標楷體" panose="03000509000000000000" pitchFamily="65" charset="-120"/>
+                            <a:cs typeface="Times" panose="02020603050405020304" pitchFamily="18" charset="0"/>
+                          </a:rPr>
+                          <m:t>𝑁</m:t>
+                        </m:r>
+                        <m:r>
+                          <a:rPr lang="en-US" altLang="zh-TW" sz="2000" b="0" i="1" smtClean="0">
+                            <a:latin typeface="Cambria Math" panose="02040503050406030204" pitchFamily="18" charset="0"/>
+                            <a:ea typeface="Cambria Math" panose="02040503050406030204" pitchFamily="18" charset="0"/>
+                            <a:cs typeface="Times" panose="02020603050405020304" pitchFamily="18" charset="0"/>
+                          </a:rPr>
+                          <m:t>×3</m:t>
+                        </m:r>
+                      </m:sup>
+                    </m:sSup>
+                    <m:r>
+                      <a:rPr lang="en-US" altLang="zh-TW" sz="2000" b="0" i="1" smtClean="0">
+                        <a:latin typeface="Cambria Math" panose="02040503050406030204" pitchFamily="18" charset="0"/>
+                        <a:ea typeface="標楷體" panose="03000509000000000000" pitchFamily="65" charset="-120"/>
+                        <a:cs typeface="Times" panose="02020603050405020304" pitchFamily="18" charset="0"/>
+                      </a:rPr>
+                      <m:t> </m:t>
+                    </m:r>
+                  </m:oMath>
+                </a14:m>
+                <a:r>
+                  <a:rPr lang="en-US" altLang="zh-TW" sz="2000" dirty="0">
+                    <a:latin typeface="Times" panose="02020603050405020304" pitchFamily="18" charset="0"/>
+                    <a:ea typeface="標楷體" panose="03000509000000000000" pitchFamily="65" charset="-120"/>
+                    <a:cs typeface="Times" panose="02020603050405020304" pitchFamily="18" charset="0"/>
+                  </a:rPr>
+                  <a:t>stands for the basis matrix of </a:t>
+                </a:r>
+                <a14:m>
+                  <m:oMath xmlns:m="http://schemas.openxmlformats.org/officeDocument/2006/math">
+                    <m:sSup>
+                      <m:sSupPr>
+                        <m:ctrlPr>
+                          <a:rPr lang="en-US" altLang="zh-TW" sz="2000" i="1" smtClean="0">
+                            <a:latin typeface="Cambria Math" panose="02040503050406030204" pitchFamily="18" charset="0"/>
+                            <a:ea typeface="標楷體" panose="03000509000000000000" pitchFamily="65" charset="-120"/>
+                            <a:cs typeface="Times" panose="02020603050405020304" pitchFamily="18" charset="0"/>
+                          </a:rPr>
+                        </m:ctrlPr>
+                      </m:sSupPr>
+                      <m:e>
+                        <m:r>
+                          <a:rPr lang="en-US" altLang="zh-TW" sz="2000" b="0" i="1" smtClean="0">
+                            <a:latin typeface="Cambria Math" panose="02040503050406030204" pitchFamily="18" charset="0"/>
+                            <a:ea typeface="標楷體" panose="03000509000000000000" pitchFamily="65" charset="-120"/>
+                            <a:cs typeface="Times" panose="02020603050405020304" pitchFamily="18" charset="0"/>
+                          </a:rPr>
+                          <m:t>𝑆</m:t>
+                        </m:r>
+                      </m:e>
+                      <m:sup>
+                        <m:r>
+                          <a:rPr lang="en-US" altLang="zh-TW" sz="2000" b="0" i="1" smtClean="0">
+                            <a:latin typeface="Cambria Math" panose="02040503050406030204" pitchFamily="18" charset="0"/>
+                            <a:ea typeface="標楷體" panose="03000509000000000000" pitchFamily="65" charset="-120"/>
+                            <a:cs typeface="Times" panose="02020603050405020304" pitchFamily="18" charset="0"/>
+                          </a:rPr>
+                          <m:t>(</m:t>
+                        </m:r>
+                        <m:r>
+                          <a:rPr lang="en-US" altLang="zh-TW" sz="2000" b="0" i="1" smtClean="0">
+                            <a:latin typeface="Cambria Math" panose="02040503050406030204" pitchFamily="18" charset="0"/>
+                            <a:ea typeface="標楷體" panose="03000509000000000000" pitchFamily="65" charset="-120"/>
+                            <a:cs typeface="Times" panose="02020603050405020304" pitchFamily="18" charset="0"/>
+                          </a:rPr>
+                          <m:t>𝑘</m:t>
+                        </m:r>
+                        <m:r>
+                          <a:rPr lang="en-US" altLang="zh-TW" sz="2000" b="0" i="1" smtClean="0">
+                            <a:latin typeface="Cambria Math" panose="02040503050406030204" pitchFamily="18" charset="0"/>
+                            <a:ea typeface="標楷體" panose="03000509000000000000" pitchFamily="65" charset="-120"/>
+                            <a:cs typeface="Times" panose="02020603050405020304" pitchFamily="18" charset="0"/>
+                          </a:rPr>
+                          <m:t>)</m:t>
+                        </m:r>
+                      </m:sup>
+                    </m:sSup>
+                  </m:oMath>
+                </a14:m>
+                <a:r>
+                  <a:rPr lang="en-US" altLang="zh-TW" sz="2000" dirty="0">
+                    <a:latin typeface="Times" panose="02020603050405020304" pitchFamily="18" charset="0"/>
+                    <a:ea typeface="標楷體" panose="03000509000000000000" pitchFamily="65" charset="-120"/>
+                    <a:cs typeface="Times" panose="02020603050405020304" pitchFamily="18" charset="0"/>
+                  </a:rPr>
+                  <a:t> after a Gram-Schmidt procedure.</a:t>
+                </a:r>
+              </a:p>
+              <a:p>
+                <a:pPr lvl="1">
+                  <a:lnSpc>
+                    <a:spcPct val="150000"/>
+                  </a:lnSpc>
+                </a:pPr>
+                <a:r>
+                  <a:rPr lang="en-US" altLang="zh-TW" sz="2000" dirty="0">
+                    <a:latin typeface="Times" panose="02020603050405020304" pitchFamily="18" charset="0"/>
+                    <a:ea typeface="標楷體" panose="03000509000000000000" pitchFamily="65" charset="-120"/>
+                    <a:cs typeface="Times" panose="02020603050405020304" pitchFamily="18" charset="0"/>
+                  </a:rPr>
+                  <a:t>Then we solve </a:t>
+                </a:r>
+                <a14:m>
+                  <m:oMath xmlns:m="http://schemas.openxmlformats.org/officeDocument/2006/math">
+                    <m:func>
+                      <m:funcPr>
+                        <m:ctrlPr>
+                          <a:rPr lang="en-US" altLang="zh-TW" sz="2000" i="1" smtClean="0">
+                            <a:latin typeface="Cambria Math" panose="02040503050406030204" pitchFamily="18" charset="0"/>
+                            <a:ea typeface="標楷體" panose="03000509000000000000" pitchFamily="65" charset="-120"/>
+                            <a:cs typeface="Times" panose="02020603050405020304" pitchFamily="18" charset="0"/>
+                          </a:rPr>
+                        </m:ctrlPr>
+                      </m:funcPr>
+                      <m:fName>
+                        <m:limLow>
+                          <m:limLowPr>
+                            <m:ctrlPr>
+                              <a:rPr lang="en-US" altLang="zh-TW" sz="2000" i="1" smtClean="0">
+                                <a:latin typeface="Cambria Math" panose="02040503050406030204" pitchFamily="18" charset="0"/>
+                                <a:ea typeface="標楷體" panose="03000509000000000000" pitchFamily="65" charset="-120"/>
+                                <a:cs typeface="Times" panose="02020603050405020304" pitchFamily="18" charset="0"/>
+                              </a:rPr>
+                            </m:ctrlPr>
+                          </m:limLowPr>
+                          <m:e>
+                            <m:r>
+                              <m:rPr>
+                                <m:sty m:val="p"/>
+                              </m:rPr>
+                              <a:rPr lang="en-US" altLang="zh-TW" sz="2000" i="0" smtClean="0">
+                                <a:latin typeface="Cambria Math" panose="02040503050406030204" pitchFamily="18" charset="0"/>
+                                <a:ea typeface="標楷體" panose="03000509000000000000" pitchFamily="65" charset="-120"/>
+                                <a:cs typeface="Times" panose="02020603050405020304" pitchFamily="18" charset="0"/>
+                              </a:rPr>
+                              <m:t>min</m:t>
+                            </m:r>
+                          </m:e>
+                          <m:lim>
+                            <m:r>
+                              <a:rPr lang="en-US" altLang="zh-TW" sz="2000" b="0" i="1" smtClean="0">
+                                <a:latin typeface="Cambria Math" panose="02040503050406030204" pitchFamily="18" charset="0"/>
+                                <a:ea typeface="標楷體" panose="03000509000000000000" pitchFamily="65" charset="-120"/>
+                                <a:cs typeface="Times" panose="02020603050405020304" pitchFamily="18" charset="0"/>
+                              </a:rPr>
+                              <m:t>𝑠</m:t>
+                            </m:r>
+                            <m:r>
+                              <a:rPr lang="en-US" altLang="zh-TW" sz="2000" b="0" i="1" smtClean="0">
+                                <a:latin typeface="Cambria Math" panose="02040503050406030204" pitchFamily="18" charset="0"/>
+                                <a:ea typeface="Cambria Math" panose="02040503050406030204" pitchFamily="18" charset="0"/>
+                                <a:cs typeface="Times" panose="02020603050405020304" pitchFamily="18" charset="0"/>
+                              </a:rPr>
+                              <m:t>∈</m:t>
+                            </m:r>
+                            <m:sSup>
+                              <m:sSupPr>
+                                <m:ctrlPr>
+                                  <a:rPr lang="en-US" altLang="zh-TW" sz="2000" b="0" i="1" smtClean="0">
+                                    <a:latin typeface="Cambria Math" panose="02040503050406030204" pitchFamily="18" charset="0"/>
+                                    <a:ea typeface="Cambria Math" panose="02040503050406030204" pitchFamily="18" charset="0"/>
+                                    <a:cs typeface="Times" panose="02020603050405020304" pitchFamily="18" charset="0"/>
+                                  </a:rPr>
+                                </m:ctrlPr>
+                              </m:sSupPr>
+                              <m:e>
+                                <m:r>
+                                  <a:rPr lang="en-US" altLang="zh-TW" sz="2000" b="0" i="1" smtClean="0">
+                                    <a:latin typeface="Cambria Math" panose="02040503050406030204" pitchFamily="18" charset="0"/>
+                                    <a:ea typeface="Cambria Math" panose="02040503050406030204" pitchFamily="18" charset="0"/>
+                                    <a:cs typeface="Times" panose="02020603050405020304" pitchFamily="18" charset="0"/>
+                                  </a:rPr>
+                                  <m:t>ℝ</m:t>
+                                </m:r>
+                              </m:e>
+                              <m:sup>
+                                <m:r>
+                                  <a:rPr lang="en-US" altLang="zh-TW" sz="2000" b="0" i="1" smtClean="0">
+                                    <a:latin typeface="Cambria Math" panose="02040503050406030204" pitchFamily="18" charset="0"/>
+                                    <a:ea typeface="Cambria Math" panose="02040503050406030204" pitchFamily="18" charset="0"/>
+                                    <a:cs typeface="Times" panose="02020603050405020304" pitchFamily="18" charset="0"/>
+                                  </a:rPr>
+                                  <m:t>3</m:t>
+                                </m:r>
+                              </m:sup>
+                            </m:sSup>
+                          </m:lim>
+                        </m:limLow>
+                      </m:fName>
+                      <m:e>
+                        <m:r>
+                          <a:rPr lang="en-US" altLang="zh-TW" sz="2000" b="0" i="1" smtClean="0">
+                            <a:latin typeface="Cambria Math" panose="02040503050406030204" pitchFamily="18" charset="0"/>
+                            <a:ea typeface="標楷體" panose="03000509000000000000" pitchFamily="65" charset="-120"/>
+                            <a:cs typeface="Times" panose="02020603050405020304" pitchFamily="18" charset="0"/>
+                          </a:rPr>
+                          <m:t>[</m:t>
+                        </m:r>
+                        <m:r>
+                          <a:rPr lang="en-US" altLang="zh-TW" sz="2000" b="0" i="1" smtClean="0">
+                            <a:latin typeface="Cambria Math" panose="02040503050406030204" pitchFamily="18" charset="0"/>
+                            <a:ea typeface="標楷體" panose="03000509000000000000" pitchFamily="65" charset="-120"/>
+                            <a:cs typeface="Times" panose="02020603050405020304" pitchFamily="18" charset="0"/>
+                          </a:rPr>
+                          <m:t>𝑞</m:t>
+                        </m:r>
+                        <m:d>
+                          <m:dPr>
+                            <m:ctrlPr>
+                              <a:rPr lang="en-US" altLang="zh-TW" sz="2000" b="0" i="1" smtClean="0">
+                                <a:latin typeface="Cambria Math" panose="02040503050406030204" pitchFamily="18" charset="0"/>
+                                <a:ea typeface="標楷體" panose="03000509000000000000" pitchFamily="65" charset="-120"/>
+                                <a:cs typeface="Times" panose="02020603050405020304" pitchFamily="18" charset="0"/>
+                              </a:rPr>
+                            </m:ctrlPr>
+                          </m:dPr>
+                          <m:e>
+                            <m:r>
+                              <a:rPr lang="en-US" altLang="zh-TW" sz="2000" b="0" i="1" smtClean="0">
+                                <a:latin typeface="Cambria Math" panose="02040503050406030204" pitchFamily="18" charset="0"/>
+                                <a:ea typeface="標楷體" panose="03000509000000000000" pitchFamily="65" charset="-120"/>
+                                <a:cs typeface="Times" panose="02020603050405020304" pitchFamily="18" charset="0"/>
+                              </a:rPr>
+                              <m:t>𝑠</m:t>
+                            </m:r>
+                          </m:e>
+                        </m:d>
+                        <m:r>
+                          <a:rPr lang="en-US" altLang="zh-TW" sz="2000" b="0" i="1" smtClean="0">
+                            <a:latin typeface="Cambria Math" panose="02040503050406030204" pitchFamily="18" charset="0"/>
+                            <a:ea typeface="標楷體" panose="03000509000000000000" pitchFamily="65" charset="-120"/>
+                            <a:cs typeface="Times" panose="02020603050405020304" pitchFamily="18" charset="0"/>
+                          </a:rPr>
+                          <m:t>+</m:t>
+                        </m:r>
+                        <m:r>
+                          <a:rPr lang="zh-TW" altLang="en-US" sz="2000" b="0" i="1" smtClean="0">
+                            <a:latin typeface="Cambria Math" panose="02040503050406030204" pitchFamily="18" charset="0"/>
+                            <a:ea typeface="標楷體" panose="03000509000000000000" pitchFamily="65" charset="-120"/>
+                            <a:cs typeface="Times" panose="02020603050405020304" pitchFamily="18" charset="0"/>
+                          </a:rPr>
+                          <m:t>𝜆</m:t>
+                        </m:r>
+                        <m:r>
+                          <a:rPr lang="zh-TW" altLang="en-US" sz="2000" b="0" i="1" smtClean="0">
+                            <a:latin typeface="Cambria Math" panose="02040503050406030204" pitchFamily="18" charset="0"/>
+                            <a:ea typeface="標楷體" panose="03000509000000000000" pitchFamily="65" charset="-120"/>
+                            <a:cs typeface="Times" panose="02020603050405020304" pitchFamily="18" charset="0"/>
+                          </a:rPr>
+                          <m:t>∥</m:t>
+                        </m:r>
+                        <m:r>
+                          <a:rPr lang="en-US" altLang="zh-TW" sz="2000" b="0" i="1" smtClean="0">
+                            <a:latin typeface="Cambria Math" panose="02040503050406030204" pitchFamily="18" charset="0"/>
+                            <a:ea typeface="標楷體" panose="03000509000000000000" pitchFamily="65" charset="-120"/>
+                            <a:cs typeface="Times" panose="02020603050405020304" pitchFamily="18" charset="0"/>
+                          </a:rPr>
+                          <m:t>𝑠</m:t>
+                        </m:r>
+                        <m:sSup>
+                          <m:sSupPr>
+                            <m:ctrlPr>
+                              <a:rPr lang="en-US" altLang="zh-TW" sz="2000" b="0" i="1" smtClean="0">
+                                <a:latin typeface="Cambria Math" panose="02040503050406030204" pitchFamily="18" charset="0"/>
+                                <a:ea typeface="標楷體" panose="03000509000000000000" pitchFamily="65" charset="-120"/>
+                                <a:cs typeface="Times" panose="02020603050405020304" pitchFamily="18" charset="0"/>
+                              </a:rPr>
+                            </m:ctrlPr>
+                          </m:sSupPr>
+                          <m:e>
+                            <m:r>
+                              <a:rPr lang="en-US" altLang="zh-TW" sz="2000" b="0" i="1" smtClean="0">
+                                <a:latin typeface="Cambria Math" panose="02040503050406030204" pitchFamily="18" charset="0"/>
+                                <a:ea typeface="Cambria Math" panose="02040503050406030204" pitchFamily="18" charset="0"/>
+                                <a:cs typeface="Times" panose="02020603050405020304" pitchFamily="18" charset="0"/>
+                              </a:rPr>
+                              <m:t>∥</m:t>
+                            </m:r>
+                          </m:e>
+                          <m:sup>
+                            <m:r>
+                              <a:rPr lang="en-US" altLang="zh-TW" sz="2000" b="0" i="1" smtClean="0">
+                                <a:latin typeface="Cambria Math" panose="02040503050406030204" pitchFamily="18" charset="0"/>
+                                <a:ea typeface="標楷體" panose="03000509000000000000" pitchFamily="65" charset="-120"/>
+                                <a:cs typeface="Times" panose="02020603050405020304" pitchFamily="18" charset="0"/>
+                              </a:rPr>
+                              <m:t>2</m:t>
+                            </m:r>
+                          </m:sup>
+                        </m:sSup>
+                        <m:r>
+                          <a:rPr lang="en-US" altLang="zh-TW" sz="2000" b="0" i="1" smtClean="0">
+                            <a:latin typeface="Cambria Math" panose="02040503050406030204" pitchFamily="18" charset="0"/>
+                            <a:ea typeface="標楷體" panose="03000509000000000000" pitchFamily="65" charset="-120"/>
+                            <a:cs typeface="Times" panose="02020603050405020304" pitchFamily="18" charset="0"/>
+                          </a:rPr>
+                          <m:t>]</m:t>
+                        </m:r>
+                      </m:e>
+                    </m:func>
+                  </m:oMath>
+                </a14:m>
+                <a:r>
+                  <a:rPr lang="zh-TW" altLang="en-US" sz="2000" dirty="0">
+                    <a:latin typeface="Times" panose="02020603050405020304" pitchFamily="18" charset="0"/>
+                    <a:ea typeface="標楷體" panose="03000509000000000000" pitchFamily="65" charset="-120"/>
+                    <a:cs typeface="Times" panose="02020603050405020304" pitchFamily="18" charset="0"/>
+                  </a:rPr>
+                  <a:t> </a:t>
+                </a:r>
+                <a:r>
+                  <a:rPr lang="en-US" altLang="zh-TW" sz="2000" dirty="0">
+                    <a:latin typeface="Times" panose="02020603050405020304" pitchFamily="18" charset="0"/>
+                    <a:ea typeface="標楷體" panose="03000509000000000000" pitchFamily="65" charset="-120"/>
+                    <a:cs typeface="Times" panose="02020603050405020304" pitchFamily="18" charset="0"/>
+                  </a:rPr>
+                  <a:t>and obtain </a:t>
+                </a:r>
+                <a14:m>
+                  <m:oMath xmlns:m="http://schemas.openxmlformats.org/officeDocument/2006/math">
+                    <m:sSubSup>
+                      <m:sSubSupPr>
+                        <m:ctrlPr>
+                          <a:rPr lang="en-US" altLang="zh-TW" sz="2000" i="1" smtClean="0">
+                            <a:latin typeface="Cambria Math" panose="02040503050406030204" pitchFamily="18" charset="0"/>
+                            <a:ea typeface="標楷體" panose="03000509000000000000" pitchFamily="65" charset="-120"/>
+                            <a:cs typeface="Times" panose="02020603050405020304" pitchFamily="18" charset="0"/>
+                          </a:rPr>
+                        </m:ctrlPr>
+                      </m:sSubSupPr>
+                      <m:e>
+                        <m:r>
+                          <a:rPr lang="en-US" altLang="zh-TW" sz="2000" b="0" i="1" smtClean="0">
+                            <a:latin typeface="Cambria Math" panose="02040503050406030204" pitchFamily="18" charset="0"/>
+                            <a:ea typeface="標楷體" panose="03000509000000000000" pitchFamily="65" charset="-120"/>
+                            <a:cs typeface="Times" panose="02020603050405020304" pitchFamily="18" charset="0"/>
+                          </a:rPr>
+                          <m:t>𝑠</m:t>
+                        </m:r>
+                      </m:e>
+                      <m:sub>
+                        <m:r>
+                          <a:rPr lang="en-US" altLang="zh-TW" sz="2000" b="0" i="1" smtClean="0">
+                            <a:latin typeface="Cambria Math" panose="02040503050406030204" pitchFamily="18" charset="0"/>
+                            <a:ea typeface="標楷體" panose="03000509000000000000" pitchFamily="65" charset="-120"/>
+                            <a:cs typeface="Times" panose="02020603050405020304" pitchFamily="18" charset="0"/>
+                          </a:rPr>
+                          <m:t>𝑞</m:t>
+                        </m:r>
+                      </m:sub>
+                      <m:sup>
+                        <m:r>
+                          <a:rPr lang="en-US" altLang="zh-TW" sz="2000" b="0" i="1" smtClean="0">
+                            <a:latin typeface="Cambria Math" panose="02040503050406030204" pitchFamily="18" charset="0"/>
+                            <a:ea typeface="標楷體" panose="03000509000000000000" pitchFamily="65" charset="-120"/>
+                            <a:cs typeface="Times" panose="02020603050405020304" pitchFamily="18" charset="0"/>
+                          </a:rPr>
+                          <m:t>(</m:t>
+                        </m:r>
+                        <m:r>
+                          <a:rPr lang="en-US" altLang="zh-TW" sz="2000" b="0" i="1" smtClean="0">
+                            <a:latin typeface="Cambria Math" panose="02040503050406030204" pitchFamily="18" charset="0"/>
+                            <a:ea typeface="標楷體" panose="03000509000000000000" pitchFamily="65" charset="-120"/>
+                            <a:cs typeface="Times" panose="02020603050405020304" pitchFamily="18" charset="0"/>
+                          </a:rPr>
+                          <m:t>𝑘</m:t>
+                        </m:r>
+                        <m:r>
+                          <a:rPr lang="en-US" altLang="zh-TW" sz="2000" b="0" i="1" smtClean="0">
+                            <a:latin typeface="Cambria Math" panose="02040503050406030204" pitchFamily="18" charset="0"/>
+                            <a:ea typeface="標楷體" panose="03000509000000000000" pitchFamily="65" charset="-120"/>
+                            <a:cs typeface="Times" panose="02020603050405020304" pitchFamily="18" charset="0"/>
+                          </a:rPr>
+                          <m:t>)</m:t>
+                        </m:r>
+                      </m:sup>
+                    </m:sSubSup>
+                  </m:oMath>
+                </a14:m>
+                <a:r>
+                  <a:rPr lang="en-US" altLang="zh-TW" sz="2000" dirty="0">
+                    <a:latin typeface="Times" panose="02020603050405020304" pitchFamily="18" charset="0"/>
+                    <a:ea typeface="標楷體" panose="03000509000000000000" pitchFamily="65" charset="-120"/>
+                    <a:cs typeface="Times" panose="02020603050405020304" pitchFamily="18" charset="0"/>
+                  </a:rPr>
+                  <a:t>.</a:t>
+                </a:r>
+              </a:p>
+              <a:p>
+                <a:pPr lvl="2">
+                  <a:lnSpc>
+                    <a:spcPct val="150000"/>
+                  </a:lnSpc>
+                </a:pPr>
+                <a14:m>
+                  <m:oMath xmlns:m="http://schemas.openxmlformats.org/officeDocument/2006/math">
+                    <m:r>
+                      <a:rPr lang="zh-TW" altLang="en-US" sz="1800" i="1" smtClean="0">
+                        <a:latin typeface="Cambria Math" panose="02040503050406030204" pitchFamily="18" charset="0"/>
+                        <a:ea typeface="標楷體" panose="03000509000000000000" pitchFamily="65" charset="-120"/>
+                        <a:cs typeface="Times" panose="02020603050405020304" pitchFamily="18" charset="0"/>
+                      </a:rPr>
+                      <m:t>𝜆</m:t>
+                    </m:r>
+                    <m:r>
+                      <a:rPr lang="zh-TW" altLang="en-US" sz="1800" i="1" smtClean="0">
+                        <a:latin typeface="Cambria Math" panose="02040503050406030204" pitchFamily="18" charset="0"/>
+                        <a:ea typeface="標楷體" panose="03000509000000000000" pitchFamily="65" charset="-120"/>
+                        <a:cs typeface="Times" panose="02020603050405020304" pitchFamily="18" charset="0"/>
+                      </a:rPr>
+                      <m:t>≥0 </m:t>
+                    </m:r>
+                    <m:r>
+                      <a:rPr lang="en-US" altLang="zh-TW" sz="1800" b="0" i="1" smtClean="0">
+                        <a:latin typeface="Cambria Math" panose="02040503050406030204" pitchFamily="18" charset="0"/>
+                        <a:ea typeface="標楷體" panose="03000509000000000000" pitchFamily="65" charset="-120"/>
+                        <a:cs typeface="Times" panose="02020603050405020304" pitchFamily="18" charset="0"/>
+                      </a:rPr>
+                      <m:t>𝑠𝑎𝑡𝑖𝑠𝑓𝑖𝑒𝑠</m:t>
+                    </m:r>
+                    <m:r>
+                      <a:rPr lang="en-US" altLang="zh-TW" sz="1800" b="0" i="1" smtClean="0">
+                        <a:latin typeface="Cambria Math" panose="02040503050406030204" pitchFamily="18" charset="0"/>
+                        <a:ea typeface="標楷體" panose="03000509000000000000" pitchFamily="65" charset="-120"/>
+                        <a:cs typeface="Times" panose="02020603050405020304" pitchFamily="18" charset="0"/>
+                      </a:rPr>
+                      <m:t> </m:t>
+                    </m:r>
+                    <m:sSup>
+                      <m:sSupPr>
+                        <m:ctrlPr>
+                          <a:rPr lang="en-US" altLang="zh-TW" sz="1800" b="0" i="1" smtClean="0">
+                            <a:latin typeface="Cambria Math" panose="02040503050406030204" pitchFamily="18" charset="0"/>
+                            <a:ea typeface="標楷體" panose="03000509000000000000" pitchFamily="65" charset="-120"/>
+                            <a:cs typeface="Times" panose="02020603050405020304" pitchFamily="18" charset="0"/>
+                          </a:rPr>
+                        </m:ctrlPr>
+                      </m:sSupPr>
+                      <m:e>
+                        <m:r>
+                          <m:rPr>
+                            <m:sty m:val="p"/>
+                          </m:rPr>
+                          <a:rPr lang="en-US" altLang="zh-TW" sz="1800" b="0" i="1" smtClean="0">
+                            <a:latin typeface="Cambria Math" panose="02040503050406030204" pitchFamily="18" charset="0"/>
+                            <a:ea typeface="Cambria Math" panose="02040503050406030204" pitchFamily="18" charset="0"/>
+                            <a:cs typeface="Times" panose="02020603050405020304" pitchFamily="18" charset="0"/>
+                          </a:rPr>
+                          <m:t>∇</m:t>
+                        </m:r>
+                      </m:e>
+                      <m:sup>
+                        <m:r>
+                          <a:rPr lang="en-US" altLang="zh-TW" sz="1800" b="0" i="1" smtClean="0">
+                            <a:latin typeface="Cambria Math" panose="02040503050406030204" pitchFamily="18" charset="0"/>
+                            <a:ea typeface="標楷體" panose="03000509000000000000" pitchFamily="65" charset="-120"/>
+                            <a:cs typeface="Times" panose="02020603050405020304" pitchFamily="18" charset="0"/>
+                          </a:rPr>
+                          <m:t>2</m:t>
+                        </m:r>
+                      </m:sup>
+                    </m:sSup>
+                    <m:r>
+                      <a:rPr lang="en-US" altLang="zh-TW" sz="1800" b="0" i="1" smtClean="0">
+                        <a:latin typeface="Cambria Math" panose="02040503050406030204" pitchFamily="18" charset="0"/>
+                        <a:ea typeface="標楷體" panose="03000509000000000000" pitchFamily="65" charset="-120"/>
+                        <a:cs typeface="Times" panose="02020603050405020304" pitchFamily="18" charset="0"/>
+                      </a:rPr>
+                      <m:t>𝑚</m:t>
+                    </m:r>
+                    <m:d>
+                      <m:dPr>
+                        <m:ctrlPr>
+                          <a:rPr lang="en-US" altLang="zh-TW" sz="1800" b="0" i="1" smtClean="0">
+                            <a:latin typeface="Cambria Math" panose="02040503050406030204" pitchFamily="18" charset="0"/>
+                            <a:ea typeface="標楷體" panose="03000509000000000000" pitchFamily="65" charset="-120"/>
+                            <a:cs typeface="Times" panose="02020603050405020304" pitchFamily="18" charset="0"/>
+                          </a:rPr>
+                        </m:ctrlPr>
+                      </m:dPr>
+                      <m:e>
+                        <m:sSup>
+                          <m:sSupPr>
+                            <m:ctrlPr>
+                              <a:rPr lang="en-US" altLang="zh-TW" sz="1800" b="0" i="1" smtClean="0">
+                                <a:latin typeface="Cambria Math" panose="02040503050406030204" pitchFamily="18" charset="0"/>
+                                <a:ea typeface="標楷體" panose="03000509000000000000" pitchFamily="65" charset="-120"/>
+                                <a:cs typeface="Times" panose="02020603050405020304" pitchFamily="18" charset="0"/>
+                              </a:rPr>
+                            </m:ctrlPr>
+                          </m:sSupPr>
+                          <m:e>
+                            <m:r>
+                              <a:rPr lang="en-US" altLang="zh-TW" sz="1800" b="0" i="1" smtClean="0">
+                                <a:latin typeface="Cambria Math" panose="02040503050406030204" pitchFamily="18" charset="0"/>
+                                <a:ea typeface="標楷體" panose="03000509000000000000" pitchFamily="65" charset="-120"/>
+                                <a:cs typeface="Times" panose="02020603050405020304" pitchFamily="18" charset="0"/>
+                              </a:rPr>
+                              <m:t>𝑥</m:t>
+                            </m:r>
+                          </m:e>
+                          <m:sup>
+                            <m:d>
+                              <m:dPr>
+                                <m:ctrlPr>
+                                  <a:rPr lang="en-US" altLang="zh-TW" sz="1800" b="0" i="1" smtClean="0">
+                                    <a:latin typeface="Cambria Math" panose="02040503050406030204" pitchFamily="18" charset="0"/>
+                                    <a:ea typeface="標楷體" panose="03000509000000000000" pitchFamily="65" charset="-120"/>
+                                    <a:cs typeface="Times" panose="02020603050405020304" pitchFamily="18" charset="0"/>
+                                  </a:rPr>
+                                </m:ctrlPr>
+                              </m:dPr>
+                              <m:e>
+                                <m:r>
+                                  <a:rPr lang="en-US" altLang="zh-TW" sz="1800" b="0" i="1" smtClean="0">
+                                    <a:latin typeface="Cambria Math" panose="02040503050406030204" pitchFamily="18" charset="0"/>
+                                    <a:ea typeface="標楷體" panose="03000509000000000000" pitchFamily="65" charset="-120"/>
+                                    <a:cs typeface="Times" panose="02020603050405020304" pitchFamily="18" charset="0"/>
+                                  </a:rPr>
+                                  <m:t>𝑘</m:t>
+                                </m:r>
+                              </m:e>
+                            </m:d>
+                          </m:sup>
+                        </m:sSup>
+                      </m:e>
+                    </m:d>
+                    <m:r>
+                      <a:rPr lang="en-US" altLang="zh-TW" sz="1800" b="0" i="1" smtClean="0">
+                        <a:latin typeface="Cambria Math" panose="02040503050406030204" pitchFamily="18" charset="0"/>
+                        <a:ea typeface="標楷體" panose="03000509000000000000" pitchFamily="65" charset="-120"/>
+                        <a:cs typeface="Times" panose="02020603050405020304" pitchFamily="18" charset="0"/>
+                      </a:rPr>
+                      <m:t>+</m:t>
+                    </m:r>
+                    <m:r>
+                      <a:rPr lang="zh-TW" altLang="en-US" sz="1800" b="0" i="1" smtClean="0">
+                        <a:latin typeface="Cambria Math" panose="02040503050406030204" pitchFamily="18" charset="0"/>
+                        <a:ea typeface="標楷體" panose="03000509000000000000" pitchFamily="65" charset="-120"/>
+                        <a:cs typeface="Times" panose="02020603050405020304" pitchFamily="18" charset="0"/>
+                      </a:rPr>
+                      <m:t>𝜆</m:t>
+                    </m:r>
+                    <m:r>
+                      <a:rPr lang="en-US" altLang="zh-TW" sz="1800" b="0" i="1" smtClean="0">
+                        <a:latin typeface="Cambria Math" panose="02040503050406030204" pitchFamily="18" charset="0"/>
+                        <a:ea typeface="標楷體" panose="03000509000000000000" pitchFamily="65" charset="-120"/>
+                        <a:cs typeface="Times" panose="02020603050405020304" pitchFamily="18" charset="0"/>
+                      </a:rPr>
+                      <m:t>𝐼</m:t>
+                    </m:r>
+                    <m:r>
+                      <a:rPr lang="en-US" altLang="zh-TW" sz="1800" b="0" i="1" smtClean="0">
+                        <a:latin typeface="Cambria Math" panose="02040503050406030204" pitchFamily="18" charset="0"/>
+                        <a:ea typeface="標楷體" panose="03000509000000000000" pitchFamily="65" charset="-120"/>
+                        <a:cs typeface="Times" panose="02020603050405020304" pitchFamily="18" charset="0"/>
+                      </a:rPr>
+                      <m:t> &gt;0</m:t>
+                    </m:r>
+                  </m:oMath>
+                </a14:m>
+                <a:r>
+                  <a:rPr lang="en-US" altLang="zh-TW" sz="1800" dirty="0">
+                    <a:latin typeface="Times" panose="02020603050405020304" pitchFamily="18" charset="0"/>
+                    <a:ea typeface="標楷體" panose="03000509000000000000" pitchFamily="65" charset="-120"/>
+                    <a:cs typeface="Times" panose="02020603050405020304" pitchFamily="18" charset="0"/>
+                  </a:rPr>
+                  <a:t>.</a:t>
+                </a:r>
+              </a:p>
+              <a:p>
+                <a:pPr lvl="1">
+                  <a:lnSpc>
+                    <a:spcPct val="150000"/>
+                  </a:lnSpc>
+                </a:pPr>
+                <a:endParaRPr lang="en-US" altLang="zh-TW" sz="700" dirty="0">
+                  <a:latin typeface="Times" panose="02020603050405020304" pitchFamily="18" charset="0"/>
+                  <a:ea typeface="標楷體" panose="03000509000000000000" pitchFamily="65" charset="-120"/>
+                  <a:cs typeface="Times" panose="02020603050405020304" pitchFamily="18" charset="0"/>
+                </a:endParaRPr>
+              </a:p>
+              <a:p>
+                <a:pPr lvl="1">
+                  <a:lnSpc>
+                    <a:spcPct val="150000"/>
+                  </a:lnSpc>
+                </a:pPr>
+                <a:r>
+                  <a:rPr lang="en-US" altLang="zh-TW" sz="2200" dirty="0">
+                    <a:latin typeface="Times" panose="02020603050405020304" pitchFamily="18" charset="0"/>
+                    <a:ea typeface="標楷體" panose="03000509000000000000" pitchFamily="65" charset="-120"/>
+                    <a:cs typeface="Times" panose="02020603050405020304" pitchFamily="18" charset="0"/>
+                  </a:rPr>
+                  <a:t> </a:t>
+                </a:r>
+                <a:endParaRPr lang="zh-TW" altLang="en-US" sz="2200" dirty="0">
+                  <a:latin typeface="Times" panose="02020603050405020304" pitchFamily="18" charset="0"/>
+                  <a:ea typeface="標楷體" panose="03000509000000000000" pitchFamily="65" charset="-120"/>
+                  <a:cs typeface="Times" panose="02020603050405020304" pitchFamily="18" charset="0"/>
+                </a:endParaRPr>
+              </a:p>
+            </p:txBody>
+          </p:sp>
+        </mc:Choice>
+        <mc:Fallback xmlns="">
+          <p:sp>
+            <p:nvSpPr>
+              <p:cNvPr id="3" name="內容版面配置區 2">
+                <a:extLst>
+                  <a:ext uri="{FF2B5EF4-FFF2-40B4-BE49-F238E27FC236}">
+                    <a16:creationId xmlns:a16="http://schemas.microsoft.com/office/drawing/2014/main" id="{CD74F3A4-97A5-7640-801C-D093727610C1}"/>
+                  </a:ext>
+                </a:extLst>
+              </p:cNvPr>
+              <p:cNvSpPr>
+                <a:spLocks noGrp="1" noRot="1" noChangeAspect="1" noMove="1" noResize="1" noEditPoints="1" noAdjustHandles="1" noChangeArrowheads="1" noChangeShapeType="1" noTextEdit="1"/>
+              </p:cNvSpPr>
+              <p:nvPr>
+                <p:ph idx="1"/>
+              </p:nvPr>
+            </p:nvSpPr>
+            <p:spPr>
+              <a:xfrm>
+                <a:off x="838200" y="1495313"/>
+                <a:ext cx="10515600" cy="5226162"/>
+              </a:xfrm>
+              <a:blipFill>
+                <a:blip r:embed="rId3"/>
+                <a:stretch>
+                  <a:fillRect l="-638"/>
+                </a:stretch>
+              </a:blipFill>
+            </p:spPr>
+            <p:txBody>
+              <a:bodyPr/>
+              <a:lstStyle/>
+              <a:p>
+                <a:r>
+                  <a:rPr lang="zh-TW" altLang="en-US">
+                    <a:noFill/>
+                  </a:rPr>
+                  <a:t> </a:t>
+                </a:r>
+              </a:p>
+            </p:txBody>
+          </p:sp>
+        </mc:Fallback>
+      </mc:AlternateContent>
       <p:sp>
         <p:nvSpPr>
           <p:cNvPr id="4" name="投影片編號版面配置區 3">
             <a:extLst>
               <a:ext uri="{FF2B5EF4-FFF2-40B4-BE49-F238E27FC236}">
-                <a16:creationId xmlns:a16="http://schemas.microsoft.com/office/drawing/2014/main" id="{DA8021A9-0E61-87CE-88FE-1CFD6F3983FC}"/>
+                <a16:creationId xmlns:a16="http://schemas.microsoft.com/office/drawing/2014/main" id="{98B5C8A6-9E09-A340-C475-439F204D7E17}"/>
               </a:ext>
             </a:extLst>
           </p:cNvPr>
@@ -11002,16 +14093,16 @@
               <a:rPr lang="en-US" smtClean="0"/>
               <a:t>17</a:t>
             </a:fld>
-            <a:endParaRPr lang="en-US"/>
+            <a:endParaRPr lang="en-US" dirty="0"/>
           </a:p>
         </p:txBody>
       </p:sp>
       <p:pic>
         <p:nvPicPr>
-          <p:cNvPr id="9" name="圖片 8">
+          <p:cNvPr id="6" name="圖片 5">
             <a:extLst>
               <a:ext uri="{FF2B5EF4-FFF2-40B4-BE49-F238E27FC236}">
-                <a16:creationId xmlns:a16="http://schemas.microsoft.com/office/drawing/2014/main" id="{25D741CE-F904-71D8-FFE7-B48E051549F9}"/>
+                <a16:creationId xmlns:a16="http://schemas.microsoft.com/office/drawing/2014/main" id="{6E4273B5-2F52-BCB5-25A8-9F7B93F0DD80}"/>
               </a:ext>
             </a:extLst>
           </p:cNvPr>
@@ -11021,15 +14112,15 @@
           <p:nvPr/>
         </p:nvPicPr>
         <p:blipFill>
-          <a:blip r:embed="rId3"/>
+          <a:blip r:embed="rId4"/>
           <a:stretch>
             <a:fillRect/>
           </a:stretch>
         </p:blipFill>
         <p:spPr>
           <a:xfrm>
-            <a:off x="1292411" y="1996042"/>
-            <a:ext cx="9607178" cy="4496833"/>
+            <a:off x="1513164" y="5174125"/>
+            <a:ext cx="5608399" cy="1621867"/>
           </a:xfrm>
           <a:prstGeom prst="rect">
             <a:avLst/>
@@ -11039,7 +14130,7 @@
     </p:spTree>
     <p:extLst>
       <p:ext uri="{BB962C8B-B14F-4D97-AF65-F5344CB8AC3E}">
-        <p14:creationId xmlns:p14="http://schemas.microsoft.com/office/powerpoint/2010/main" val="3808315696"/>
+        <p14:creationId xmlns:p14="http://schemas.microsoft.com/office/powerpoint/2010/main" val="2148445756"/>
       </p:ext>
     </p:extLst>
   </p:cSld>
@@ -11071,7 +14162,7 @@
           <p:cNvPr id="2" name="標題 1">
             <a:extLst>
               <a:ext uri="{FF2B5EF4-FFF2-40B4-BE49-F238E27FC236}">
-                <a16:creationId xmlns:a16="http://schemas.microsoft.com/office/drawing/2014/main" id="{156C4346-F0F9-6C34-7427-C802A4D5EF8E}"/>
+                <a16:creationId xmlns:a16="http://schemas.microsoft.com/office/drawing/2014/main" id="{5CEA9D29-2BBD-0E1E-DBD3-F6145D6CBC63}"/>
               </a:ext>
             </a:extLst>
           </p:cNvPr>
@@ -11088,39 +14179,11 @@
           <a:lstStyle/>
           <a:p>
             <a:r>
-              <a:rPr lang="en-US" altLang="zh-TW" dirty="0">
+              <a:rPr lang="en-US" altLang="zh-TW" sz="4000" dirty="0">
                 <a:latin typeface="Times" panose="02020603050405020304" pitchFamily="18" charset="0"/>
                 <a:cs typeface="Times" panose="02020603050405020304" pitchFamily="18" charset="0"/>
               </a:rPr>
-              <a:t>Experimental Result</a:t>
-            </a:r>
-            <a:r>
-              <a:rPr lang="zh-TW" altLang="en-US" dirty="0">
-                <a:latin typeface="Times" panose="02020603050405020304" pitchFamily="18" charset="0"/>
-                <a:cs typeface="Times" panose="02020603050405020304" pitchFamily="18" charset="0"/>
-              </a:rPr>
-              <a:t> </a:t>
-            </a:r>
-            <a:r>
-              <a:rPr lang="en-US" altLang="zh-TW" dirty="0">
-                <a:latin typeface="Times" panose="02020603050405020304" pitchFamily="18" charset="0"/>
-                <a:cs typeface="Times" panose="02020603050405020304" pitchFamily="18" charset="0"/>
-              </a:rPr>
-              <a:t>–</a:t>
-            </a:r>
-            <a:r>
-              <a:rPr lang="zh-TW" altLang="en-US" dirty="0">
-                <a:latin typeface="Times" panose="02020603050405020304" pitchFamily="18" charset="0"/>
-                <a:cs typeface="Times" panose="02020603050405020304" pitchFamily="18" charset="0"/>
-              </a:rPr>
-              <a:t> </a:t>
-            </a:r>
-            <a:r>
-              <a:rPr lang="en-US" altLang="zh-TW" dirty="0">
-                <a:latin typeface="Times" panose="02020603050405020304" pitchFamily="18" charset="0"/>
-                <a:cs typeface="Times" panose="02020603050405020304" pitchFamily="18" charset="0"/>
-              </a:rPr>
-              <a:t>Solve ILT</a:t>
+              <a:t>Algorithm - Detail</a:t>
             </a:r>
             <a:endParaRPr lang="zh-TW" altLang="en-US" dirty="0">
               <a:latin typeface="Times" panose="02020603050405020304" pitchFamily="18" charset="0"/>
@@ -11129,14 +14192,14 @@
           </a:p>
         </p:txBody>
       </p:sp>
-      <mc:AlternateContent xmlns:mc="http://schemas.openxmlformats.org/markup-compatibility/2006">
-        <mc:Choice xmlns:a14="http://schemas.microsoft.com/office/drawing/2010/main" Requires="a14">
+      <mc:AlternateContent xmlns:mc="http://schemas.openxmlformats.org/markup-compatibility/2006" xmlns:a14="http://schemas.microsoft.com/office/drawing/2010/main">
+        <mc:Choice Requires="a14">
           <p:sp>
             <p:nvSpPr>
               <p:cNvPr id="3" name="內容版面配置區 2">
                 <a:extLst>
                   <a:ext uri="{FF2B5EF4-FFF2-40B4-BE49-F238E27FC236}">
-                    <a16:creationId xmlns:a16="http://schemas.microsoft.com/office/drawing/2014/main" id="{1041E5E8-EF09-59CE-C41D-D52F5FA6A43C}"/>
+                    <a16:creationId xmlns:a16="http://schemas.microsoft.com/office/drawing/2014/main" id="{CD74F3A4-97A5-7640-801C-D093727610C1}"/>
                   </a:ext>
                 </a:extLst>
               </p:cNvPr>
@@ -11147,72 +14210,383 @@
                 <p:ph idx="1"/>
               </p:nvPr>
             </p:nvSpPr>
-            <p:spPr/>
+            <p:spPr>
+              <a:xfrm>
+                <a:off x="838200" y="1825625"/>
+                <a:ext cx="10515600" cy="4895850"/>
+              </a:xfrm>
+            </p:spPr>
             <p:txBody>
               <a:bodyPr>
                 <a:normAutofit/>
               </a:bodyPr>
               <a:lstStyle/>
               <a:p>
-                <a:pPr>
+                <a:pPr marL="457200" indent="-457200">
+                  <a:lnSpc>
+                    <a:spcPct val="150000"/>
+                  </a:lnSpc>
+                  <a:buFont typeface="+mj-lt"/>
+                  <a:buAutoNum type="alphaUcPeriod" startAt="4"/>
+                </a:pPr>
+                <a:r>
+                  <a:rPr lang="en-US" altLang="zh-TW" sz="2200" dirty="0">
+                    <a:latin typeface="Times" panose="02020603050405020304" pitchFamily="18" charset="0"/>
+                    <a:ea typeface="標楷體" panose="03000509000000000000" pitchFamily="65" charset="-120"/>
+                    <a:cs typeface="Times" panose="02020603050405020304" pitchFamily="18" charset="0"/>
+                  </a:rPr>
+                  <a:t>Updating the finite-difference step length</a:t>
+                </a:r>
+                <a:endParaRPr lang="en-US" altLang="zh-TW" sz="2000" dirty="0">
+                  <a:latin typeface="Times" panose="02020603050405020304" pitchFamily="18" charset="0"/>
+                  <a:ea typeface="標楷體" panose="03000509000000000000" pitchFamily="65" charset="-120"/>
+                  <a:cs typeface="Times" panose="02020603050405020304" pitchFamily="18" charset="0"/>
+                </a:endParaRPr>
+              </a:p>
+              <a:p>
+                <a:pPr lvl="1">
                   <a:lnSpc>
                     <a:spcPct val="150000"/>
                   </a:lnSpc>
                 </a:pPr>
+                <a:r>
+                  <a:rPr lang="en-US" altLang="zh-TW" sz="2000" dirty="0">
+                    <a:latin typeface="Times" panose="02020603050405020304" pitchFamily="18" charset="0"/>
+                    <a:ea typeface="標楷體" panose="03000509000000000000" pitchFamily="65" charset="-120"/>
+                    <a:cs typeface="Times" panose="02020603050405020304" pitchFamily="18" charset="0"/>
+                  </a:rPr>
+                  <a:t> For updating the finite difference step length </a:t>
+                </a:r>
                 <a14:m>
                   <m:oMath xmlns:m="http://schemas.openxmlformats.org/officeDocument/2006/math">
+                    <m:sSup>
+                      <m:sSupPr>
+                        <m:ctrlPr>
+                          <a:rPr lang="en-US" altLang="zh-TW" sz="2000" i="1" smtClean="0">
+                            <a:latin typeface="Cambria Math" panose="02040503050406030204" pitchFamily="18" charset="0"/>
+                            <a:ea typeface="標楷體" panose="03000509000000000000" pitchFamily="65" charset="-120"/>
+                            <a:cs typeface="Times" panose="02020603050405020304" pitchFamily="18" charset="0"/>
+                          </a:rPr>
+                        </m:ctrlPr>
+                      </m:sSupPr>
+                      <m:e>
+                        <m:r>
+                          <a:rPr lang="zh-TW" altLang="en-US" sz="2000" i="1" smtClean="0">
+                            <a:latin typeface="Cambria Math" panose="02040503050406030204" pitchFamily="18" charset="0"/>
+                            <a:ea typeface="標楷體" panose="03000509000000000000" pitchFamily="65" charset="-120"/>
+                            <a:cs typeface="Times" panose="02020603050405020304" pitchFamily="18" charset="0"/>
+                          </a:rPr>
+                          <m:t>𝜌</m:t>
+                        </m:r>
+                      </m:e>
+                      <m:sup>
+                        <m:r>
+                          <a:rPr lang="en-US" altLang="zh-TW" sz="2000" b="0" i="1" smtClean="0">
+                            <a:latin typeface="Cambria Math" panose="02040503050406030204" pitchFamily="18" charset="0"/>
+                            <a:ea typeface="標楷體" panose="03000509000000000000" pitchFamily="65" charset="-120"/>
+                            <a:cs typeface="Times" panose="02020603050405020304" pitchFamily="18" charset="0"/>
+                          </a:rPr>
+                          <m:t>(</m:t>
+                        </m:r>
+                        <m:r>
+                          <a:rPr lang="en-US" altLang="zh-TW" sz="2000" b="0" i="1" smtClean="0">
+                            <a:latin typeface="Cambria Math" panose="02040503050406030204" pitchFamily="18" charset="0"/>
+                            <a:ea typeface="標楷體" panose="03000509000000000000" pitchFamily="65" charset="-120"/>
+                            <a:cs typeface="Times" panose="02020603050405020304" pitchFamily="18" charset="0"/>
+                          </a:rPr>
+                          <m:t>𝑘</m:t>
+                        </m:r>
+                        <m:r>
+                          <a:rPr lang="en-US" altLang="zh-TW" sz="2000" b="0" i="1" smtClean="0">
+                            <a:latin typeface="Cambria Math" panose="02040503050406030204" pitchFamily="18" charset="0"/>
+                            <a:ea typeface="標楷體" panose="03000509000000000000" pitchFamily="65" charset="-120"/>
+                            <a:cs typeface="Times" panose="02020603050405020304" pitchFamily="18" charset="0"/>
+                          </a:rPr>
+                          <m:t>)</m:t>
+                        </m:r>
+                      </m:sup>
+                    </m:sSup>
+                  </m:oMath>
+                </a14:m>
+                <a:r>
+                  <a:rPr lang="en-US" altLang="zh-TW" sz="2000" dirty="0">
+                    <a:latin typeface="Times" panose="02020603050405020304" pitchFamily="18" charset="0"/>
+                    <a:ea typeface="標楷體" panose="03000509000000000000" pitchFamily="65" charset="-120"/>
+                    <a:cs typeface="Times" panose="02020603050405020304" pitchFamily="18" charset="0"/>
+                  </a:rPr>
+                  <a:t> , we choose a scaling factor </a:t>
+                </a:r>
+                <a14:m>
+                  <m:oMath xmlns:m="http://schemas.openxmlformats.org/officeDocument/2006/math">
+                    <m:sSup>
+                      <m:sSupPr>
+                        <m:ctrlPr>
+                          <a:rPr lang="en-US" altLang="zh-TW" sz="2000" i="1" smtClean="0">
+                            <a:latin typeface="Cambria Math" panose="02040503050406030204" pitchFamily="18" charset="0"/>
+                            <a:ea typeface="標楷體" panose="03000509000000000000" pitchFamily="65" charset="-120"/>
+                            <a:cs typeface="Times" panose="02020603050405020304" pitchFamily="18" charset="0"/>
+                          </a:rPr>
+                        </m:ctrlPr>
+                      </m:sSupPr>
+                      <m:e>
+                        <m:r>
+                          <a:rPr lang="zh-TW" altLang="en-US" sz="2000" i="1" smtClean="0">
+                            <a:latin typeface="Cambria Math" panose="02040503050406030204" pitchFamily="18" charset="0"/>
+                            <a:ea typeface="標楷體" panose="03000509000000000000" pitchFamily="65" charset="-120"/>
+                            <a:cs typeface="Times" panose="02020603050405020304" pitchFamily="18" charset="0"/>
+                          </a:rPr>
+                          <m:t>𝜎</m:t>
+                        </m:r>
+                      </m:e>
+                      <m:sup>
+                        <m:d>
+                          <m:dPr>
+                            <m:ctrlPr>
+                              <a:rPr lang="en-US" altLang="zh-TW" sz="2000" b="0" i="1" smtClean="0">
+                                <a:latin typeface="Cambria Math" panose="02040503050406030204" pitchFamily="18" charset="0"/>
+                                <a:ea typeface="標楷體" panose="03000509000000000000" pitchFamily="65" charset="-120"/>
+                                <a:cs typeface="Times" panose="02020603050405020304" pitchFamily="18" charset="0"/>
+                              </a:rPr>
+                            </m:ctrlPr>
+                          </m:dPr>
+                          <m:e>
+                            <m:r>
+                              <a:rPr lang="en-US" altLang="zh-TW" sz="2000" b="0" i="1" smtClean="0">
+                                <a:latin typeface="Cambria Math" panose="02040503050406030204" pitchFamily="18" charset="0"/>
+                                <a:ea typeface="標楷體" panose="03000509000000000000" pitchFamily="65" charset="-120"/>
+                                <a:cs typeface="Times" panose="02020603050405020304" pitchFamily="18" charset="0"/>
+                              </a:rPr>
+                              <m:t>𝑘</m:t>
+                            </m:r>
+                          </m:e>
+                        </m:d>
+                      </m:sup>
+                    </m:sSup>
+                  </m:oMath>
+                </a14:m>
+                <a:r>
+                  <a:rPr lang="en-US" altLang="zh-TW" sz="2000" dirty="0">
+                    <a:latin typeface="Times" panose="02020603050405020304" pitchFamily="18" charset="0"/>
+                    <a:ea typeface="標楷體" panose="03000509000000000000" pitchFamily="65" charset="-120"/>
+                    <a:cs typeface="Times" panose="02020603050405020304" pitchFamily="18" charset="0"/>
+                  </a:rPr>
+                  <a:t> &gt; 0 satisfying </a:t>
+                </a:r>
+                <a14:m>
+                  <m:oMath xmlns:m="http://schemas.openxmlformats.org/officeDocument/2006/math">
+                    <m:r>
+                      <a:rPr lang="en-US" altLang="zh-TW" sz="2000" b="0" i="1" smtClean="0">
+                        <a:latin typeface="Cambria Math" panose="02040503050406030204" pitchFamily="18" charset="0"/>
+                        <a:ea typeface="標楷體" panose="03000509000000000000" pitchFamily="65" charset="-120"/>
+                        <a:cs typeface="Times" panose="02020603050405020304" pitchFamily="18" charset="0"/>
+                      </a:rPr>
+                      <m:t>0 </m:t>
+                    </m:r>
+                    <m:r>
+                      <a:rPr lang="en-US" altLang="zh-TW" sz="2000" b="0" i="1" smtClean="0">
+                        <a:latin typeface="Cambria Math" panose="02040503050406030204" pitchFamily="18" charset="0"/>
+                        <a:ea typeface="Cambria Math" panose="02040503050406030204" pitchFamily="18" charset="0"/>
+                        <a:cs typeface="Times" panose="02020603050405020304" pitchFamily="18" charset="0"/>
+                      </a:rPr>
+                      <m:t>&lt; </m:t>
+                    </m:r>
                     <m:sSub>
                       <m:sSubPr>
                         <m:ctrlPr>
-                          <a:rPr lang="en-US" altLang="zh-TW" sz="2200" i="1" smtClean="0">
-                            <a:latin typeface="Cambria Math" panose="02040503050406030204" pitchFamily="18" charset="0"/>
+                          <a:rPr lang="en-US" altLang="zh-TW" sz="2000" b="0" i="1" smtClean="0">
+                            <a:latin typeface="Cambria Math" panose="02040503050406030204" pitchFamily="18" charset="0"/>
+                            <a:ea typeface="Cambria Math" panose="02040503050406030204" pitchFamily="18" charset="0"/>
                             <a:cs typeface="Times" panose="02020603050405020304" pitchFamily="18" charset="0"/>
                           </a:rPr>
                         </m:ctrlPr>
                       </m:sSubPr>
                       <m:e>
                         <m:r>
-                          <a:rPr lang="en-US" altLang="zh-TW" sz="2200" b="0" i="1" smtClean="0">
-                            <a:latin typeface="Cambria Math" panose="02040503050406030204" pitchFamily="18" charset="0"/>
-                            <a:cs typeface="Times" panose="02020603050405020304" pitchFamily="18" charset="0"/>
-                          </a:rPr>
-                          <m:t>𝑁</m:t>
+                          <a:rPr lang="zh-TW" altLang="en-US" sz="2000" b="0" i="1" smtClean="0">
+                            <a:latin typeface="Cambria Math" panose="02040503050406030204" pitchFamily="18" charset="0"/>
+                            <a:ea typeface="Cambria Math" panose="02040503050406030204" pitchFamily="18" charset="0"/>
+                            <a:cs typeface="Times" panose="02020603050405020304" pitchFamily="18" charset="0"/>
+                          </a:rPr>
+                          <m:t>𝜎</m:t>
                         </m:r>
                       </m:e>
                       <m:sub>
                         <m:r>
-                          <a:rPr lang="en-US" altLang="zh-TW" sz="2200" b="0" i="1" smtClean="0">
-                            <a:latin typeface="Cambria Math" panose="02040503050406030204" pitchFamily="18" charset="0"/>
-                            <a:cs typeface="Times" panose="02020603050405020304" pitchFamily="18" charset="0"/>
-                          </a:rPr>
-                          <m:t>𝑡</m:t>
+                          <a:rPr lang="en-US" altLang="zh-TW" sz="2000" b="0" i="1" smtClean="0">
+                            <a:latin typeface="Cambria Math" panose="02040503050406030204" pitchFamily="18" charset="0"/>
+                            <a:ea typeface="Cambria Math" panose="02040503050406030204" pitchFamily="18" charset="0"/>
+                            <a:cs typeface="Times" panose="02020603050405020304" pitchFamily="18" charset="0"/>
+                          </a:rPr>
+                          <m:t>𝑙</m:t>
                         </m:r>
                       </m:sub>
                     </m:sSub>
                     <m:r>
-                      <a:rPr lang="en-US" altLang="zh-TW" sz="2200" b="0" i="1" smtClean="0">
+                      <a:rPr lang="en-US" altLang="zh-TW" sz="2000" b="0" i="1" smtClean="0">
                         <a:latin typeface="Cambria Math" panose="02040503050406030204" pitchFamily="18" charset="0"/>
+                        <a:ea typeface="Cambria Math" panose="02040503050406030204" pitchFamily="18" charset="0"/>
                         <a:cs typeface="Times" panose="02020603050405020304" pitchFamily="18" charset="0"/>
                       </a:rPr>
-                      <m:t>=50.</m:t>
+                      <m:t> ≤ </m:t>
                     </m:r>
+                    <m:sSup>
+                      <m:sSupPr>
+                        <m:ctrlPr>
+                          <a:rPr lang="en-US" altLang="zh-TW" sz="2000" b="0" i="1" smtClean="0">
+                            <a:latin typeface="Cambria Math" panose="02040503050406030204" pitchFamily="18" charset="0"/>
+                            <a:ea typeface="Cambria Math" panose="02040503050406030204" pitchFamily="18" charset="0"/>
+                            <a:cs typeface="Times" panose="02020603050405020304" pitchFamily="18" charset="0"/>
+                          </a:rPr>
+                        </m:ctrlPr>
+                      </m:sSupPr>
+                      <m:e>
+                        <m:r>
+                          <a:rPr lang="zh-TW" altLang="en-US" sz="2000" b="0" i="1" smtClean="0">
+                            <a:latin typeface="Cambria Math" panose="02040503050406030204" pitchFamily="18" charset="0"/>
+                            <a:ea typeface="Cambria Math" panose="02040503050406030204" pitchFamily="18" charset="0"/>
+                            <a:cs typeface="Times" panose="02020603050405020304" pitchFamily="18" charset="0"/>
+                          </a:rPr>
+                          <m:t>𝜎</m:t>
+                        </m:r>
+                      </m:e>
+                      <m:sup>
+                        <m:d>
+                          <m:dPr>
+                            <m:ctrlPr>
+                              <a:rPr lang="en-US" altLang="zh-TW" sz="2000" b="0" i="1" smtClean="0">
+                                <a:latin typeface="Cambria Math" panose="02040503050406030204" pitchFamily="18" charset="0"/>
+                                <a:ea typeface="Cambria Math" panose="02040503050406030204" pitchFamily="18" charset="0"/>
+                                <a:cs typeface="Times" panose="02020603050405020304" pitchFamily="18" charset="0"/>
+                              </a:rPr>
+                            </m:ctrlPr>
+                          </m:dPr>
+                          <m:e>
+                            <m:r>
+                              <a:rPr lang="en-US" altLang="zh-TW" sz="2000" b="0" i="1" smtClean="0">
+                                <a:latin typeface="Cambria Math" panose="02040503050406030204" pitchFamily="18" charset="0"/>
+                                <a:ea typeface="Cambria Math" panose="02040503050406030204" pitchFamily="18" charset="0"/>
+                                <a:cs typeface="Times" panose="02020603050405020304" pitchFamily="18" charset="0"/>
+                              </a:rPr>
+                              <m:t>𝑘</m:t>
+                            </m:r>
+                          </m:e>
+                        </m:d>
+                      </m:sup>
+                    </m:sSup>
+                    <m:r>
+                      <a:rPr lang="en-US" altLang="zh-TW" sz="2000" b="0" i="1" smtClean="0">
+                        <a:latin typeface="Cambria Math" panose="02040503050406030204" pitchFamily="18" charset="0"/>
+                        <a:ea typeface="Cambria Math" panose="02040503050406030204" pitchFamily="18" charset="0"/>
+                        <a:cs typeface="Times" panose="02020603050405020304" pitchFamily="18" charset="0"/>
+                      </a:rPr>
+                      <m:t> ≤ </m:t>
+                    </m:r>
+                    <m:sSub>
+                      <m:sSubPr>
+                        <m:ctrlPr>
+                          <a:rPr lang="en-US" altLang="zh-TW" sz="2000" b="0" i="1" smtClean="0">
+                            <a:latin typeface="Cambria Math" panose="02040503050406030204" pitchFamily="18" charset="0"/>
+                            <a:ea typeface="Cambria Math" panose="02040503050406030204" pitchFamily="18" charset="0"/>
+                            <a:cs typeface="Times" panose="02020603050405020304" pitchFamily="18" charset="0"/>
+                          </a:rPr>
+                        </m:ctrlPr>
+                      </m:sSubPr>
+                      <m:e>
+                        <m:r>
+                          <a:rPr lang="zh-TW" altLang="en-US" sz="2000" b="0" i="1" smtClean="0">
+                            <a:latin typeface="Cambria Math" panose="02040503050406030204" pitchFamily="18" charset="0"/>
+                            <a:ea typeface="Cambria Math" panose="02040503050406030204" pitchFamily="18" charset="0"/>
+                            <a:cs typeface="Times" panose="02020603050405020304" pitchFamily="18" charset="0"/>
+                          </a:rPr>
+                          <m:t>𝜎</m:t>
+                        </m:r>
+                      </m:e>
+                      <m:sub>
+                        <m:r>
+                          <a:rPr lang="en-US" altLang="zh-TW" sz="2000" b="0" i="1" smtClean="0">
+                            <a:latin typeface="Cambria Math" panose="02040503050406030204" pitchFamily="18" charset="0"/>
+                            <a:ea typeface="Cambria Math" panose="02040503050406030204" pitchFamily="18" charset="0"/>
+                            <a:cs typeface="Times" panose="02020603050405020304" pitchFamily="18" charset="0"/>
+                          </a:rPr>
+                          <m:t>𝑢</m:t>
+                        </m:r>
+                      </m:sub>
+                    </m:sSub>
                   </m:oMath>
                 </a14:m>
-                <a:endParaRPr lang="zh-TW" altLang="en-US" sz="2200" dirty="0">
+                <a:r>
+                  <a:rPr lang="en-US" altLang="zh-TW" sz="2000" dirty="0">
+                    <a:latin typeface="Times" panose="02020603050405020304" pitchFamily="18" charset="0"/>
+                    <a:ea typeface="標楷體" panose="03000509000000000000" pitchFamily="65" charset="-120"/>
+                    <a:cs typeface="Times" panose="02020603050405020304" pitchFamily="18" charset="0"/>
+                  </a:rPr>
+                  <a:t>.</a:t>
+                </a:r>
+              </a:p>
+              <a:p>
+                <a:pPr lvl="2">
+                  <a:lnSpc>
+                    <a:spcPct val="150000"/>
+                  </a:lnSpc>
+                </a:pPr>
+                <a:endParaRPr lang="en-US" altLang="zh-TW" sz="700" dirty="0">
                   <a:latin typeface="Times" panose="02020603050405020304" pitchFamily="18" charset="0"/>
+                  <a:ea typeface="標楷體" panose="03000509000000000000" pitchFamily="65" charset="-120"/>
                   <a:cs typeface="Times" panose="02020603050405020304" pitchFamily="18" charset="0"/>
                 </a:endParaRPr>
+              </a:p>
+              <a:p>
+                <a:pPr lvl="2">
+                  <a:lnSpc>
+                    <a:spcPct val="150000"/>
+                  </a:lnSpc>
+                </a:pPr>
+                <a:r>
+                  <a:rPr lang="en-US" altLang="zh-TW" sz="1600" dirty="0">
+                    <a:latin typeface="Times" panose="02020603050405020304" pitchFamily="18" charset="0"/>
+                    <a:ea typeface="標楷體" panose="03000509000000000000" pitchFamily="65" charset="-120"/>
+                    <a:cs typeface="Times" panose="02020603050405020304" pitchFamily="18" charset="0"/>
+                  </a:rPr>
+                  <a:t> </a:t>
+                </a:r>
+              </a:p>
+              <a:p>
+                <a:pPr lvl="2">
+                  <a:lnSpc>
+                    <a:spcPct val="150000"/>
+                  </a:lnSpc>
+                </a:pPr>
+                <a:endParaRPr lang="en-US" altLang="zh-TW" sz="1600" dirty="0">
+                  <a:latin typeface="Times" panose="02020603050405020304" pitchFamily="18" charset="0"/>
+                  <a:ea typeface="標楷體" panose="03000509000000000000" pitchFamily="65" charset="-120"/>
+                  <a:cs typeface="Times" panose="02020603050405020304" pitchFamily="18" charset="0"/>
+                </a:endParaRPr>
+              </a:p>
+              <a:p>
+                <a:pPr lvl="2">
+                  <a:lnSpc>
+                    <a:spcPct val="150000"/>
+                  </a:lnSpc>
+                </a:pPr>
+                <a:r>
+                  <a:rPr lang="en-US" altLang="zh-TW" sz="1600" dirty="0">
+                    <a:latin typeface="Times" panose="02020603050405020304" pitchFamily="18" charset="0"/>
+                    <a:ea typeface="標楷體" panose="03000509000000000000" pitchFamily="65" charset="-120"/>
+                    <a:cs typeface="Times" panose="02020603050405020304" pitchFamily="18" charset="0"/>
+                  </a:rPr>
+                  <a:t> </a:t>
+                </a:r>
               </a:p>
             </p:txBody>
           </p:sp>
         </mc:Choice>
-        <mc:Fallback>
+        <mc:Fallback xmlns="">
           <p:sp>
             <p:nvSpPr>
               <p:cNvPr id="3" name="內容版面配置區 2">
                 <a:extLst>
                   <a:ext uri="{FF2B5EF4-FFF2-40B4-BE49-F238E27FC236}">
-                    <a16:creationId xmlns:a16="http://schemas.microsoft.com/office/drawing/2014/main" id="{1041E5E8-EF09-59CE-C41D-D52F5FA6A43C}"/>
+                    <a16:creationId xmlns:a16="http://schemas.microsoft.com/office/drawing/2014/main" id="{CD74F3A4-97A5-7640-801C-D093727610C1}"/>
                   </a:ext>
                 </a:extLst>
               </p:cNvPr>
@@ -11224,10 +14598,14 @@
               </p:nvPr>
             </p:nvSpPr>
             <p:spPr>
+              <a:xfrm>
+                <a:off x="838200" y="1825625"/>
+                <a:ext cx="10515600" cy="4895850"/>
+              </a:xfrm>
               <a:blipFill>
                 <a:blip r:embed="rId3"/>
                 <a:stretch>
-                  <a:fillRect l="-696"/>
+                  <a:fillRect l="-638"/>
                 </a:stretch>
               </a:blipFill>
             </p:spPr>
@@ -11251,7 +14629,7 @@
           <p:cNvPr id="4" name="投影片編號版面配置區 3">
             <a:extLst>
               <a:ext uri="{FF2B5EF4-FFF2-40B4-BE49-F238E27FC236}">
-                <a16:creationId xmlns:a16="http://schemas.microsoft.com/office/drawing/2014/main" id="{DA8021A9-0E61-87CE-88FE-1CFD6F3983FC}"/>
+                <a16:creationId xmlns:a16="http://schemas.microsoft.com/office/drawing/2014/main" id="{98B5C8A6-9E09-A340-C475-439F204D7E17}"/>
               </a:ext>
             </a:extLst>
           </p:cNvPr>
@@ -11271,16 +14649,16 @@
               <a:rPr lang="en-US" smtClean="0"/>
               <a:t>18</a:t>
             </a:fld>
-            <a:endParaRPr lang="en-US"/>
+            <a:endParaRPr lang="en-US" dirty="0"/>
           </a:p>
         </p:txBody>
       </p:sp>
       <p:pic>
         <p:nvPicPr>
-          <p:cNvPr id="7" name="圖片 6">
+          <p:cNvPr id="6" name="圖片 5">
             <a:extLst>
               <a:ext uri="{FF2B5EF4-FFF2-40B4-BE49-F238E27FC236}">
-                <a16:creationId xmlns:a16="http://schemas.microsoft.com/office/drawing/2014/main" id="{7AAEB05B-10C5-B917-E2C4-B69DE1ACB5DC}"/>
+                <a16:creationId xmlns:a16="http://schemas.microsoft.com/office/drawing/2014/main" id="{18AF0E71-B826-D118-A563-D7CF1FEC8596}"/>
               </a:ext>
             </a:extLst>
           </p:cNvPr>
@@ -11297,8 +14675,38 @@
         </p:blipFill>
         <p:spPr>
           <a:xfrm>
-            <a:off x="2620405" y="2601024"/>
-            <a:ext cx="6951189" cy="3669615"/>
+            <a:off x="2130014" y="3502556"/>
+            <a:ext cx="4883972" cy="770994"/>
+          </a:xfrm>
+          <a:prstGeom prst="rect">
+            <a:avLst/>
+          </a:prstGeom>
+        </p:spPr>
+      </p:pic>
+      <p:pic>
+        <p:nvPicPr>
+          <p:cNvPr id="9" name="圖片 8">
+            <a:extLst>
+              <a:ext uri="{FF2B5EF4-FFF2-40B4-BE49-F238E27FC236}">
+                <a16:creationId xmlns:a16="http://schemas.microsoft.com/office/drawing/2014/main" id="{9DA9112B-D73D-8E99-B5CF-EDB963F07AC6}"/>
+              </a:ext>
+            </a:extLst>
+          </p:cNvPr>
+          <p:cNvPicPr>
+            <a:picLocks noChangeAspect="1"/>
+          </p:cNvPicPr>
+          <p:nvPr/>
+        </p:nvPicPr>
+        <p:blipFill>
+          <a:blip r:embed="rId5"/>
+          <a:stretch>
+            <a:fillRect/>
+          </a:stretch>
+        </p:blipFill>
+        <p:spPr>
+          <a:xfrm>
+            <a:off x="2130014" y="4451519"/>
+            <a:ext cx="4394663" cy="621179"/>
           </a:xfrm>
           <a:prstGeom prst="rect">
             <a:avLst/>
@@ -11308,7 +14716,7 @@
     </p:spTree>
     <p:extLst>
       <p:ext uri="{BB962C8B-B14F-4D97-AF65-F5344CB8AC3E}">
-        <p14:creationId xmlns:p14="http://schemas.microsoft.com/office/powerpoint/2010/main" val="1342745572"/>
+        <p14:creationId xmlns:p14="http://schemas.microsoft.com/office/powerpoint/2010/main" val="2226101194"/>
       </p:ext>
     </p:extLst>
   </p:cSld>
@@ -11739,6 +15147,884 @@
           <p:cNvPr id="2" name="標題 1">
             <a:extLst>
               <a:ext uri="{FF2B5EF4-FFF2-40B4-BE49-F238E27FC236}">
+                <a16:creationId xmlns:a16="http://schemas.microsoft.com/office/drawing/2014/main" id="{5CEA9D29-2BBD-0E1E-DBD3-F6145D6CBC63}"/>
+              </a:ext>
+            </a:extLst>
+          </p:cNvPr>
+          <p:cNvSpPr>
+            <a:spLocks noGrp="1"/>
+          </p:cNvSpPr>
+          <p:nvPr>
+            <p:ph type="title"/>
+          </p:nvPr>
+        </p:nvSpPr>
+        <p:spPr/>
+        <p:txBody>
+          <a:bodyPr/>
+          <a:lstStyle/>
+          <a:p>
+            <a:r>
+              <a:rPr lang="en-US" altLang="zh-TW" sz="4000" dirty="0">
+                <a:latin typeface="Times" panose="02020603050405020304" pitchFamily="18" charset="0"/>
+                <a:cs typeface="Times" panose="02020603050405020304" pitchFamily="18" charset="0"/>
+              </a:rPr>
+              <a:t>Algorithm - Detail</a:t>
+            </a:r>
+            <a:endParaRPr lang="zh-TW" altLang="en-US" dirty="0">
+              <a:latin typeface="Times" panose="02020603050405020304" pitchFamily="18" charset="0"/>
+              <a:cs typeface="Times" panose="02020603050405020304" pitchFamily="18" charset="0"/>
+            </a:endParaRPr>
+          </a:p>
+        </p:txBody>
+      </p:sp>
+      <p:sp>
+        <p:nvSpPr>
+          <p:cNvPr id="4" name="投影片編號版面配置區 3">
+            <a:extLst>
+              <a:ext uri="{FF2B5EF4-FFF2-40B4-BE49-F238E27FC236}">
+                <a16:creationId xmlns:a16="http://schemas.microsoft.com/office/drawing/2014/main" id="{98B5C8A6-9E09-A340-C475-439F204D7E17}"/>
+              </a:ext>
+            </a:extLst>
+          </p:cNvPr>
+          <p:cNvSpPr>
+            <a:spLocks noGrp="1"/>
+          </p:cNvSpPr>
+          <p:nvPr>
+            <p:ph type="sldNum" sz="quarter" idx="12"/>
+          </p:nvPr>
+        </p:nvSpPr>
+        <p:spPr/>
+        <p:txBody>
+          <a:bodyPr/>
+          <a:lstStyle/>
+          <a:p>
+            <a:fld id="{666274A1-CF9C-426A-8DD4-B13ED0C24231}" type="slidenum">
+              <a:rPr lang="en-US" smtClean="0"/>
+              <a:t>19</a:t>
+            </a:fld>
+            <a:endParaRPr lang="en-US" dirty="0"/>
+          </a:p>
+        </p:txBody>
+      </p:sp>
+      <p:pic>
+        <p:nvPicPr>
+          <p:cNvPr id="10" name="圖片 9">
+            <a:extLst>
+              <a:ext uri="{FF2B5EF4-FFF2-40B4-BE49-F238E27FC236}">
+                <a16:creationId xmlns:a16="http://schemas.microsoft.com/office/drawing/2014/main" id="{46487B33-F841-1836-1338-D7B5AFB2AADC}"/>
+              </a:ext>
+            </a:extLst>
+          </p:cNvPr>
+          <p:cNvPicPr>
+            <a:picLocks noChangeAspect="1"/>
+          </p:cNvPicPr>
+          <p:nvPr/>
+        </p:nvPicPr>
+        <p:blipFill>
+          <a:blip r:embed="rId3"/>
+          <a:stretch>
+            <a:fillRect/>
+          </a:stretch>
+        </p:blipFill>
+        <p:spPr>
+          <a:xfrm>
+            <a:off x="5383889" y="365125"/>
+            <a:ext cx="6453421" cy="6127750"/>
+          </a:xfrm>
+          <a:prstGeom prst="rect">
+            <a:avLst/>
+          </a:prstGeom>
+        </p:spPr>
+      </p:pic>
+      <p:pic>
+        <p:nvPicPr>
+          <p:cNvPr id="7" name="內容版面配置區 6">
+            <a:extLst>
+              <a:ext uri="{FF2B5EF4-FFF2-40B4-BE49-F238E27FC236}">
+                <a16:creationId xmlns:a16="http://schemas.microsoft.com/office/drawing/2014/main" id="{DF34C91F-DADF-CC1C-A3D5-A7EF379B39DD}"/>
+              </a:ext>
+            </a:extLst>
+          </p:cNvPr>
+          <p:cNvPicPr>
+            <a:picLocks noGrp="1" noChangeAspect="1"/>
+          </p:cNvPicPr>
+          <p:nvPr>
+            <p:ph idx="1"/>
+          </p:nvPr>
+        </p:nvPicPr>
+        <p:blipFill>
+          <a:blip r:embed="rId4"/>
+          <a:stretch>
+            <a:fillRect/>
+          </a:stretch>
+        </p:blipFill>
+        <p:spPr>
+          <a:xfrm>
+            <a:off x="0" y="3622637"/>
+            <a:ext cx="5647694" cy="2008497"/>
+          </a:xfrm>
+        </p:spPr>
+      </p:pic>
+    </p:spTree>
+    <p:extLst>
+      <p:ext uri="{BB962C8B-B14F-4D97-AF65-F5344CB8AC3E}">
+        <p14:creationId xmlns:p14="http://schemas.microsoft.com/office/powerpoint/2010/main" val="275917224"/>
+      </p:ext>
+    </p:extLst>
+  </p:cSld>
+  <p:clrMapOvr>
+    <a:masterClrMapping/>
+  </p:clrMapOvr>
+</p:sld>
+</file>
+
+<file path=ppt/slides/slide21.xml><?xml version="1.0" encoding="utf-8"?>
+<p:sld xmlns:a="http://schemas.openxmlformats.org/drawingml/2006/main" xmlns:r="http://schemas.openxmlformats.org/officeDocument/2006/relationships" xmlns:p="http://schemas.openxmlformats.org/presentationml/2006/main">
+  <p:cSld>
+    <p:spTree>
+      <p:nvGrpSpPr>
+        <p:cNvPr id="1" name=""/>
+        <p:cNvGrpSpPr/>
+        <p:nvPr/>
+      </p:nvGrpSpPr>
+      <p:grpSpPr>
+        <a:xfrm>
+          <a:off x="0" y="0"/>
+          <a:ext cx="0" cy="0"/>
+          <a:chOff x="0" y="0"/>
+          <a:chExt cx="0" cy="0"/>
+        </a:xfrm>
+      </p:grpSpPr>
+      <p:sp>
+        <p:nvSpPr>
+          <p:cNvPr id="2" name="標題 1">
+            <a:extLst>
+              <a:ext uri="{FF2B5EF4-FFF2-40B4-BE49-F238E27FC236}">
+                <a16:creationId xmlns:a16="http://schemas.microsoft.com/office/drawing/2014/main" id="{156C4346-F0F9-6C34-7427-C802A4D5EF8E}"/>
+              </a:ext>
+            </a:extLst>
+          </p:cNvPr>
+          <p:cNvSpPr>
+            <a:spLocks noGrp="1"/>
+          </p:cNvSpPr>
+          <p:nvPr>
+            <p:ph type="title"/>
+          </p:nvPr>
+        </p:nvSpPr>
+        <p:spPr/>
+        <p:txBody>
+          <a:bodyPr/>
+          <a:lstStyle/>
+          <a:p>
+            <a:r>
+              <a:rPr lang="en-US" altLang="zh-TW" dirty="0">
+                <a:latin typeface="Times" panose="02020603050405020304" pitchFamily="18" charset="0"/>
+                <a:cs typeface="Times" panose="02020603050405020304" pitchFamily="18" charset="0"/>
+              </a:rPr>
+              <a:t>Experimental Result</a:t>
+            </a:r>
+            <a:r>
+              <a:rPr lang="zh-TW" altLang="en-US" dirty="0">
+                <a:latin typeface="Times" panose="02020603050405020304" pitchFamily="18" charset="0"/>
+                <a:cs typeface="Times" panose="02020603050405020304" pitchFamily="18" charset="0"/>
+              </a:rPr>
+              <a:t> </a:t>
+            </a:r>
+            <a:r>
+              <a:rPr lang="en-US" altLang="zh-TW" dirty="0">
+                <a:latin typeface="Times" panose="02020603050405020304" pitchFamily="18" charset="0"/>
+                <a:cs typeface="Times" panose="02020603050405020304" pitchFamily="18" charset="0"/>
+              </a:rPr>
+              <a:t>-</a:t>
+            </a:r>
+            <a:r>
+              <a:rPr lang="zh-TW" altLang="en-US" dirty="0">
+                <a:latin typeface="Times" panose="02020603050405020304" pitchFamily="18" charset="0"/>
+                <a:cs typeface="Times" panose="02020603050405020304" pitchFamily="18" charset="0"/>
+              </a:rPr>
+              <a:t> </a:t>
+            </a:r>
+            <a:r>
+              <a:rPr lang="en-US" altLang="zh-TW" dirty="0">
+                <a:latin typeface="Times" panose="02020603050405020304" pitchFamily="18" charset="0"/>
+                <a:cs typeface="Times" panose="02020603050405020304" pitchFamily="18" charset="0"/>
+              </a:rPr>
+              <a:t>Gradient</a:t>
+            </a:r>
+            <a:endParaRPr lang="zh-TW" altLang="en-US" dirty="0">
+              <a:latin typeface="Times" panose="02020603050405020304" pitchFamily="18" charset="0"/>
+              <a:cs typeface="Times" panose="02020603050405020304" pitchFamily="18" charset="0"/>
+            </a:endParaRPr>
+          </a:p>
+        </p:txBody>
+      </p:sp>
+      <p:sp>
+        <p:nvSpPr>
+          <p:cNvPr id="3" name="內容版面配置區 2">
+            <a:extLst>
+              <a:ext uri="{FF2B5EF4-FFF2-40B4-BE49-F238E27FC236}">
+                <a16:creationId xmlns:a16="http://schemas.microsoft.com/office/drawing/2014/main" id="{1041E5E8-EF09-59CE-C41D-D52F5FA6A43C}"/>
+              </a:ext>
+            </a:extLst>
+          </p:cNvPr>
+          <p:cNvSpPr>
+            <a:spLocks noGrp="1"/>
+          </p:cNvSpPr>
+          <p:nvPr>
+            <p:ph idx="1"/>
+          </p:nvPr>
+        </p:nvSpPr>
+        <p:spPr/>
+        <p:txBody>
+          <a:bodyPr>
+            <a:normAutofit/>
+          </a:bodyPr>
+          <a:lstStyle/>
+          <a:p>
+            <a:pPr>
+              <a:lnSpc>
+                <a:spcPct val="150000"/>
+              </a:lnSpc>
+            </a:pPr>
+            <a:r>
+              <a:rPr lang="en-US" altLang="zh-TW" sz="2200" dirty="0">
+                <a:latin typeface="Times" panose="02020603050405020304" pitchFamily="18" charset="0"/>
+                <a:cs typeface="Times" panose="02020603050405020304" pitchFamily="18" charset="0"/>
+              </a:rPr>
+              <a:t>All codes are implemented in C, and packed as a Python interface.</a:t>
+            </a:r>
+          </a:p>
+          <a:p>
+            <a:pPr>
+              <a:lnSpc>
+                <a:spcPct val="150000"/>
+              </a:lnSpc>
+            </a:pPr>
+            <a:r>
+              <a:rPr lang="en-US" altLang="zh-TW" sz="2200" dirty="0">
+                <a:latin typeface="Times" panose="02020603050405020304" pitchFamily="18" charset="0"/>
+                <a:cs typeface="Times" panose="02020603050405020304" pitchFamily="18" charset="0"/>
+              </a:rPr>
+              <a:t>All the tests of KOSIM were performed on a Lenovo ST8810 cluster.</a:t>
+            </a:r>
+            <a:endParaRPr lang="zh-TW" altLang="en-US" sz="2200" dirty="0">
+              <a:latin typeface="Times" panose="02020603050405020304" pitchFamily="18" charset="0"/>
+              <a:cs typeface="Times" panose="02020603050405020304" pitchFamily="18" charset="0"/>
+            </a:endParaRPr>
+          </a:p>
+        </p:txBody>
+      </p:sp>
+      <p:sp>
+        <p:nvSpPr>
+          <p:cNvPr id="4" name="投影片編號版面配置區 3">
+            <a:extLst>
+              <a:ext uri="{FF2B5EF4-FFF2-40B4-BE49-F238E27FC236}">
+                <a16:creationId xmlns:a16="http://schemas.microsoft.com/office/drawing/2014/main" id="{DA8021A9-0E61-87CE-88FE-1CFD6F3983FC}"/>
+              </a:ext>
+            </a:extLst>
+          </p:cNvPr>
+          <p:cNvSpPr>
+            <a:spLocks noGrp="1"/>
+          </p:cNvSpPr>
+          <p:nvPr>
+            <p:ph type="sldNum" sz="quarter" idx="12"/>
+          </p:nvPr>
+        </p:nvSpPr>
+        <p:spPr/>
+        <p:txBody>
+          <a:bodyPr/>
+          <a:lstStyle/>
+          <a:p>
+            <a:fld id="{666274A1-CF9C-426A-8DD4-B13ED0C24231}" type="slidenum">
+              <a:rPr lang="en-US" smtClean="0"/>
+              <a:t>20</a:t>
+            </a:fld>
+            <a:endParaRPr lang="en-US"/>
+          </a:p>
+        </p:txBody>
+      </p:sp>
+      <p:pic>
+        <p:nvPicPr>
+          <p:cNvPr id="6" name="圖片 5">
+            <a:extLst>
+              <a:ext uri="{FF2B5EF4-FFF2-40B4-BE49-F238E27FC236}">
+                <a16:creationId xmlns:a16="http://schemas.microsoft.com/office/drawing/2014/main" id="{7BBA7C5F-4FC7-A07A-5508-EAA68D91D68B}"/>
+              </a:ext>
+            </a:extLst>
+          </p:cNvPr>
+          <p:cNvPicPr>
+            <a:picLocks noChangeAspect="1"/>
+          </p:cNvPicPr>
+          <p:nvPr/>
+        </p:nvPicPr>
+        <p:blipFill>
+          <a:blip r:embed="rId3"/>
+          <a:stretch>
+            <a:fillRect/>
+          </a:stretch>
+        </p:blipFill>
+        <p:spPr>
+          <a:xfrm>
+            <a:off x="2207471" y="3429000"/>
+            <a:ext cx="7777058" cy="2923911"/>
+          </a:xfrm>
+          <a:prstGeom prst="rect">
+            <a:avLst/>
+          </a:prstGeom>
+        </p:spPr>
+      </p:pic>
+    </p:spTree>
+    <p:extLst>
+      <p:ext uri="{BB962C8B-B14F-4D97-AF65-F5344CB8AC3E}">
+        <p14:creationId xmlns:p14="http://schemas.microsoft.com/office/powerpoint/2010/main" val="3040401110"/>
+      </p:ext>
+    </p:extLst>
+  </p:cSld>
+  <p:clrMapOvr>
+    <a:masterClrMapping/>
+  </p:clrMapOvr>
+</p:sld>
+</file>
+
+<file path=ppt/slides/slide22.xml><?xml version="1.0" encoding="utf-8"?>
+<p:sld xmlns:a="http://schemas.openxmlformats.org/drawingml/2006/main" xmlns:r="http://schemas.openxmlformats.org/officeDocument/2006/relationships" xmlns:p="http://schemas.openxmlformats.org/presentationml/2006/main">
+  <p:cSld>
+    <p:spTree>
+      <p:nvGrpSpPr>
+        <p:cNvPr id="1" name=""/>
+        <p:cNvGrpSpPr/>
+        <p:nvPr/>
+      </p:nvGrpSpPr>
+      <p:grpSpPr>
+        <a:xfrm>
+          <a:off x="0" y="0"/>
+          <a:ext cx="0" cy="0"/>
+          <a:chOff x="0" y="0"/>
+          <a:chExt cx="0" cy="0"/>
+        </a:xfrm>
+      </p:grpSpPr>
+      <p:sp>
+        <p:nvSpPr>
+          <p:cNvPr id="2" name="標題 1">
+            <a:extLst>
+              <a:ext uri="{FF2B5EF4-FFF2-40B4-BE49-F238E27FC236}">
+                <a16:creationId xmlns:a16="http://schemas.microsoft.com/office/drawing/2014/main" id="{156C4346-F0F9-6C34-7427-C802A4D5EF8E}"/>
+              </a:ext>
+            </a:extLst>
+          </p:cNvPr>
+          <p:cNvSpPr>
+            <a:spLocks noGrp="1"/>
+          </p:cNvSpPr>
+          <p:nvPr>
+            <p:ph type="title"/>
+          </p:nvPr>
+        </p:nvSpPr>
+        <p:spPr/>
+        <p:txBody>
+          <a:bodyPr/>
+          <a:lstStyle/>
+          <a:p>
+            <a:r>
+              <a:rPr lang="en-US" altLang="zh-TW" dirty="0">
+                <a:latin typeface="Times" panose="02020603050405020304" pitchFamily="18" charset="0"/>
+                <a:cs typeface="Times" panose="02020603050405020304" pitchFamily="18" charset="0"/>
+              </a:rPr>
+              <a:t>Experimental Result - DFO </a:t>
+            </a:r>
+            <a:endParaRPr lang="zh-TW" altLang="en-US" dirty="0">
+              <a:latin typeface="Times" panose="02020603050405020304" pitchFamily="18" charset="0"/>
+              <a:cs typeface="Times" panose="02020603050405020304" pitchFamily="18" charset="0"/>
+            </a:endParaRPr>
+          </a:p>
+        </p:txBody>
+      </p:sp>
+      <p:sp>
+        <p:nvSpPr>
+          <p:cNvPr id="4" name="投影片編號版面配置區 3">
+            <a:extLst>
+              <a:ext uri="{FF2B5EF4-FFF2-40B4-BE49-F238E27FC236}">
+                <a16:creationId xmlns:a16="http://schemas.microsoft.com/office/drawing/2014/main" id="{DA8021A9-0E61-87CE-88FE-1CFD6F3983FC}"/>
+              </a:ext>
+            </a:extLst>
+          </p:cNvPr>
+          <p:cNvSpPr>
+            <a:spLocks noGrp="1"/>
+          </p:cNvSpPr>
+          <p:nvPr>
+            <p:ph type="sldNum" sz="quarter" idx="12"/>
+          </p:nvPr>
+        </p:nvSpPr>
+        <p:spPr/>
+        <p:txBody>
+          <a:bodyPr/>
+          <a:lstStyle/>
+          <a:p>
+            <a:fld id="{666274A1-CF9C-426A-8DD4-B13ED0C24231}" type="slidenum">
+              <a:rPr lang="en-US" smtClean="0"/>
+              <a:t>21</a:t>
+            </a:fld>
+            <a:endParaRPr lang="en-US"/>
+          </a:p>
+        </p:txBody>
+      </p:sp>
+      <p:pic>
+        <p:nvPicPr>
+          <p:cNvPr id="12" name="圖片 11">
+            <a:extLst>
+              <a:ext uri="{FF2B5EF4-FFF2-40B4-BE49-F238E27FC236}">
+                <a16:creationId xmlns:a16="http://schemas.microsoft.com/office/drawing/2014/main" id="{FD1B51DB-CA5A-9B47-8863-96A6CC30B3F8}"/>
+              </a:ext>
+            </a:extLst>
+          </p:cNvPr>
+          <p:cNvPicPr>
+            <a:picLocks noChangeAspect="1"/>
+          </p:cNvPicPr>
+          <p:nvPr/>
+        </p:nvPicPr>
+        <p:blipFill>
+          <a:blip r:embed="rId3"/>
+          <a:stretch>
+            <a:fillRect/>
+          </a:stretch>
+        </p:blipFill>
+        <p:spPr>
+          <a:xfrm>
+            <a:off x="1251574" y="1815340"/>
+            <a:ext cx="9688851" cy="4541010"/>
+          </a:xfrm>
+          <a:prstGeom prst="rect">
+            <a:avLst/>
+          </a:prstGeom>
+        </p:spPr>
+      </p:pic>
+    </p:spTree>
+    <p:extLst>
+      <p:ext uri="{BB962C8B-B14F-4D97-AF65-F5344CB8AC3E}">
+        <p14:creationId xmlns:p14="http://schemas.microsoft.com/office/powerpoint/2010/main" val="3147102672"/>
+      </p:ext>
+    </p:extLst>
+  </p:cSld>
+  <p:clrMapOvr>
+    <a:masterClrMapping/>
+  </p:clrMapOvr>
+</p:sld>
+</file>
+
+<file path=ppt/slides/slide23.xml><?xml version="1.0" encoding="utf-8"?>
+<p:sld xmlns:a="http://schemas.openxmlformats.org/drawingml/2006/main" xmlns:r="http://schemas.openxmlformats.org/officeDocument/2006/relationships" xmlns:p="http://schemas.openxmlformats.org/presentationml/2006/main">
+  <p:cSld>
+    <p:spTree>
+      <p:nvGrpSpPr>
+        <p:cNvPr id="1" name=""/>
+        <p:cNvGrpSpPr/>
+        <p:nvPr/>
+      </p:nvGrpSpPr>
+      <p:grpSpPr>
+        <a:xfrm>
+          <a:off x="0" y="0"/>
+          <a:ext cx="0" cy="0"/>
+          <a:chOff x="0" y="0"/>
+          <a:chExt cx="0" cy="0"/>
+        </a:xfrm>
+      </p:grpSpPr>
+      <p:sp>
+        <p:nvSpPr>
+          <p:cNvPr id="2" name="標題 1">
+            <a:extLst>
+              <a:ext uri="{FF2B5EF4-FFF2-40B4-BE49-F238E27FC236}">
+                <a16:creationId xmlns:a16="http://schemas.microsoft.com/office/drawing/2014/main" id="{156C4346-F0F9-6C34-7427-C802A4D5EF8E}"/>
+              </a:ext>
+            </a:extLst>
+          </p:cNvPr>
+          <p:cNvSpPr>
+            <a:spLocks noGrp="1"/>
+          </p:cNvSpPr>
+          <p:nvPr>
+            <p:ph type="title"/>
+          </p:nvPr>
+        </p:nvSpPr>
+        <p:spPr/>
+        <p:txBody>
+          <a:bodyPr/>
+          <a:lstStyle/>
+          <a:p>
+            <a:r>
+              <a:rPr lang="en-US" altLang="zh-TW" dirty="0">
+                <a:latin typeface="Times" panose="02020603050405020304" pitchFamily="18" charset="0"/>
+                <a:cs typeface="Times" panose="02020603050405020304" pitchFamily="18" charset="0"/>
+              </a:rPr>
+              <a:t>Experimental Result - DFO </a:t>
+            </a:r>
+            <a:endParaRPr lang="zh-TW" altLang="en-US" dirty="0">
+              <a:latin typeface="Times" panose="02020603050405020304" pitchFamily="18" charset="0"/>
+              <a:cs typeface="Times" panose="02020603050405020304" pitchFamily="18" charset="0"/>
+            </a:endParaRPr>
+          </a:p>
+        </p:txBody>
+      </p:sp>
+      <p:sp>
+        <p:nvSpPr>
+          <p:cNvPr id="4" name="投影片編號版面配置區 3">
+            <a:extLst>
+              <a:ext uri="{FF2B5EF4-FFF2-40B4-BE49-F238E27FC236}">
+                <a16:creationId xmlns:a16="http://schemas.microsoft.com/office/drawing/2014/main" id="{DA8021A9-0E61-87CE-88FE-1CFD6F3983FC}"/>
+              </a:ext>
+            </a:extLst>
+          </p:cNvPr>
+          <p:cNvSpPr>
+            <a:spLocks noGrp="1"/>
+          </p:cNvSpPr>
+          <p:nvPr>
+            <p:ph type="sldNum" sz="quarter" idx="12"/>
+          </p:nvPr>
+        </p:nvSpPr>
+        <p:spPr/>
+        <p:txBody>
+          <a:bodyPr/>
+          <a:lstStyle/>
+          <a:p>
+            <a:fld id="{666274A1-CF9C-426A-8DD4-B13ED0C24231}" type="slidenum">
+              <a:rPr lang="en-US" smtClean="0"/>
+              <a:t>22</a:t>
+            </a:fld>
+            <a:endParaRPr lang="en-US"/>
+          </a:p>
+        </p:txBody>
+      </p:sp>
+      <p:pic>
+        <p:nvPicPr>
+          <p:cNvPr id="9" name="圖片 8">
+            <a:extLst>
+              <a:ext uri="{FF2B5EF4-FFF2-40B4-BE49-F238E27FC236}">
+                <a16:creationId xmlns:a16="http://schemas.microsoft.com/office/drawing/2014/main" id="{25D741CE-F904-71D8-FFE7-B48E051549F9}"/>
+              </a:ext>
+            </a:extLst>
+          </p:cNvPr>
+          <p:cNvPicPr>
+            <a:picLocks noChangeAspect="1"/>
+          </p:cNvPicPr>
+          <p:nvPr/>
+        </p:nvPicPr>
+        <p:blipFill>
+          <a:blip r:embed="rId3"/>
+          <a:stretch>
+            <a:fillRect/>
+          </a:stretch>
+        </p:blipFill>
+        <p:spPr>
+          <a:xfrm>
+            <a:off x="1292411" y="1996042"/>
+            <a:ext cx="9607178" cy="4496833"/>
+          </a:xfrm>
+          <a:prstGeom prst="rect">
+            <a:avLst/>
+          </a:prstGeom>
+        </p:spPr>
+      </p:pic>
+    </p:spTree>
+    <p:extLst>
+      <p:ext uri="{BB962C8B-B14F-4D97-AF65-F5344CB8AC3E}">
+        <p14:creationId xmlns:p14="http://schemas.microsoft.com/office/powerpoint/2010/main" val="3808315696"/>
+      </p:ext>
+    </p:extLst>
+  </p:cSld>
+  <p:clrMapOvr>
+    <a:masterClrMapping/>
+  </p:clrMapOvr>
+</p:sld>
+</file>
+
+<file path=ppt/slides/slide24.xml><?xml version="1.0" encoding="utf-8"?>
+<p:sld xmlns:a="http://schemas.openxmlformats.org/drawingml/2006/main" xmlns:r="http://schemas.openxmlformats.org/officeDocument/2006/relationships" xmlns:p="http://schemas.openxmlformats.org/presentationml/2006/main">
+  <p:cSld>
+    <p:spTree>
+      <p:nvGrpSpPr>
+        <p:cNvPr id="1" name=""/>
+        <p:cNvGrpSpPr/>
+        <p:nvPr/>
+      </p:nvGrpSpPr>
+      <p:grpSpPr>
+        <a:xfrm>
+          <a:off x="0" y="0"/>
+          <a:ext cx="0" cy="0"/>
+          <a:chOff x="0" y="0"/>
+          <a:chExt cx="0" cy="0"/>
+        </a:xfrm>
+      </p:grpSpPr>
+      <p:sp>
+        <p:nvSpPr>
+          <p:cNvPr id="2" name="標題 1">
+            <a:extLst>
+              <a:ext uri="{FF2B5EF4-FFF2-40B4-BE49-F238E27FC236}">
+                <a16:creationId xmlns:a16="http://schemas.microsoft.com/office/drawing/2014/main" id="{156C4346-F0F9-6C34-7427-C802A4D5EF8E}"/>
+              </a:ext>
+            </a:extLst>
+          </p:cNvPr>
+          <p:cNvSpPr>
+            <a:spLocks noGrp="1"/>
+          </p:cNvSpPr>
+          <p:nvPr>
+            <p:ph type="title"/>
+          </p:nvPr>
+        </p:nvSpPr>
+        <p:spPr/>
+        <p:txBody>
+          <a:bodyPr/>
+          <a:lstStyle/>
+          <a:p>
+            <a:r>
+              <a:rPr lang="en-US" altLang="zh-TW" dirty="0">
+                <a:latin typeface="Times" panose="02020603050405020304" pitchFamily="18" charset="0"/>
+                <a:cs typeface="Times" panose="02020603050405020304" pitchFamily="18" charset="0"/>
+              </a:rPr>
+              <a:t>Experimental Result</a:t>
+            </a:r>
+            <a:r>
+              <a:rPr lang="zh-TW" altLang="en-US" dirty="0">
+                <a:latin typeface="Times" panose="02020603050405020304" pitchFamily="18" charset="0"/>
+                <a:cs typeface="Times" panose="02020603050405020304" pitchFamily="18" charset="0"/>
+              </a:rPr>
+              <a:t> </a:t>
+            </a:r>
+            <a:r>
+              <a:rPr lang="en-US" altLang="zh-TW" dirty="0">
+                <a:latin typeface="Times" panose="02020603050405020304" pitchFamily="18" charset="0"/>
+                <a:cs typeface="Times" panose="02020603050405020304" pitchFamily="18" charset="0"/>
+              </a:rPr>
+              <a:t>–</a:t>
+            </a:r>
+            <a:r>
+              <a:rPr lang="zh-TW" altLang="en-US" dirty="0">
+                <a:latin typeface="Times" panose="02020603050405020304" pitchFamily="18" charset="0"/>
+                <a:cs typeface="Times" panose="02020603050405020304" pitchFamily="18" charset="0"/>
+              </a:rPr>
+              <a:t> </a:t>
+            </a:r>
+            <a:r>
+              <a:rPr lang="en-US" altLang="zh-TW" dirty="0">
+                <a:latin typeface="Times" panose="02020603050405020304" pitchFamily="18" charset="0"/>
+                <a:cs typeface="Times" panose="02020603050405020304" pitchFamily="18" charset="0"/>
+              </a:rPr>
+              <a:t>Solve ILT</a:t>
+            </a:r>
+            <a:endParaRPr lang="zh-TW" altLang="en-US" dirty="0">
+              <a:latin typeface="Times" panose="02020603050405020304" pitchFamily="18" charset="0"/>
+              <a:cs typeface="Times" panose="02020603050405020304" pitchFamily="18" charset="0"/>
+            </a:endParaRPr>
+          </a:p>
+        </p:txBody>
+      </p:sp>
+      <mc:AlternateContent xmlns:mc="http://schemas.openxmlformats.org/markup-compatibility/2006" xmlns:a14="http://schemas.microsoft.com/office/drawing/2010/main">
+        <mc:Choice Requires="a14">
+          <p:sp>
+            <p:nvSpPr>
+              <p:cNvPr id="3" name="內容版面配置區 2">
+                <a:extLst>
+                  <a:ext uri="{FF2B5EF4-FFF2-40B4-BE49-F238E27FC236}">
+                    <a16:creationId xmlns:a16="http://schemas.microsoft.com/office/drawing/2014/main" id="{1041E5E8-EF09-59CE-C41D-D52F5FA6A43C}"/>
+                  </a:ext>
+                </a:extLst>
+              </p:cNvPr>
+              <p:cNvSpPr>
+                <a:spLocks noGrp="1"/>
+              </p:cNvSpPr>
+              <p:nvPr>
+                <p:ph idx="1"/>
+              </p:nvPr>
+            </p:nvSpPr>
+            <p:spPr/>
+            <p:txBody>
+              <a:bodyPr>
+                <a:normAutofit/>
+              </a:bodyPr>
+              <a:lstStyle/>
+              <a:p>
+                <a:pPr>
+                  <a:lnSpc>
+                    <a:spcPct val="150000"/>
+                  </a:lnSpc>
+                </a:pPr>
+                <a14:m>
+                  <m:oMath xmlns:m="http://schemas.openxmlformats.org/officeDocument/2006/math">
+                    <m:sSub>
+                      <m:sSubPr>
+                        <m:ctrlPr>
+                          <a:rPr lang="en-US" altLang="zh-TW" sz="2200" i="1" smtClean="0">
+                            <a:latin typeface="Cambria Math" panose="02040503050406030204" pitchFamily="18" charset="0"/>
+                            <a:cs typeface="Times" panose="02020603050405020304" pitchFamily="18" charset="0"/>
+                          </a:rPr>
+                        </m:ctrlPr>
+                      </m:sSubPr>
+                      <m:e>
+                        <m:r>
+                          <a:rPr lang="en-US" altLang="zh-TW" sz="2200" b="0" i="1" smtClean="0">
+                            <a:latin typeface="Cambria Math" panose="02040503050406030204" pitchFamily="18" charset="0"/>
+                            <a:cs typeface="Times" panose="02020603050405020304" pitchFamily="18" charset="0"/>
+                          </a:rPr>
+                          <m:t>𝑁</m:t>
+                        </m:r>
+                      </m:e>
+                      <m:sub>
+                        <m:r>
+                          <a:rPr lang="en-US" altLang="zh-TW" sz="2200" b="0" i="1" smtClean="0">
+                            <a:latin typeface="Cambria Math" panose="02040503050406030204" pitchFamily="18" charset="0"/>
+                            <a:cs typeface="Times" panose="02020603050405020304" pitchFamily="18" charset="0"/>
+                          </a:rPr>
+                          <m:t>𝑡</m:t>
+                        </m:r>
+                      </m:sub>
+                    </m:sSub>
+                    <m:r>
+                      <a:rPr lang="en-US" altLang="zh-TW" sz="2200" b="0" i="1" smtClean="0">
+                        <a:latin typeface="Cambria Math" panose="02040503050406030204" pitchFamily="18" charset="0"/>
+                        <a:cs typeface="Times" panose="02020603050405020304" pitchFamily="18" charset="0"/>
+                      </a:rPr>
+                      <m:t>=50.</m:t>
+                    </m:r>
+                  </m:oMath>
+                </a14:m>
+                <a:endParaRPr lang="zh-TW" altLang="en-US" sz="2200" dirty="0">
+                  <a:latin typeface="Times" panose="02020603050405020304" pitchFamily="18" charset="0"/>
+                  <a:cs typeface="Times" panose="02020603050405020304" pitchFamily="18" charset="0"/>
+                </a:endParaRPr>
+              </a:p>
+            </p:txBody>
+          </p:sp>
+        </mc:Choice>
+        <mc:Fallback xmlns="">
+          <p:sp>
+            <p:nvSpPr>
+              <p:cNvPr id="3" name="內容版面配置區 2">
+                <a:extLst>
+                  <a:ext uri="{FF2B5EF4-FFF2-40B4-BE49-F238E27FC236}">
+                    <a16:creationId xmlns:a16="http://schemas.microsoft.com/office/drawing/2014/main" id="{1041E5E8-EF09-59CE-C41D-D52F5FA6A43C}"/>
+                  </a:ext>
+                </a:extLst>
+              </p:cNvPr>
+              <p:cNvSpPr>
+                <a:spLocks noGrp="1" noRot="1" noChangeAspect="1" noMove="1" noResize="1" noEditPoints="1" noAdjustHandles="1" noChangeArrowheads="1" noChangeShapeType="1" noTextEdit="1"/>
+              </p:cNvSpPr>
+              <p:nvPr>
+                <p:ph idx="1"/>
+              </p:nvPr>
+            </p:nvSpPr>
+            <p:spPr>
+              <a:blipFill>
+                <a:blip r:embed="rId3"/>
+                <a:stretch>
+                  <a:fillRect l="-696"/>
+                </a:stretch>
+              </a:blipFill>
+            </p:spPr>
+            <p:txBody>
+              <a:bodyPr/>
+              <a:lstStyle/>
+              <a:p>
+                <a:r>
+                  <a:rPr lang="zh-TW" altLang="en-US">
+                    <a:noFill/>
+                  </a:rPr>
+                  <a:t> </a:t>
+                </a:r>
+              </a:p>
+            </p:txBody>
+          </p:sp>
+        </mc:Fallback>
+      </mc:AlternateContent>
+      <p:sp>
+        <p:nvSpPr>
+          <p:cNvPr id="4" name="投影片編號版面配置區 3">
+            <a:extLst>
+              <a:ext uri="{FF2B5EF4-FFF2-40B4-BE49-F238E27FC236}">
+                <a16:creationId xmlns:a16="http://schemas.microsoft.com/office/drawing/2014/main" id="{DA8021A9-0E61-87CE-88FE-1CFD6F3983FC}"/>
+              </a:ext>
+            </a:extLst>
+          </p:cNvPr>
+          <p:cNvSpPr>
+            <a:spLocks noGrp="1"/>
+          </p:cNvSpPr>
+          <p:nvPr>
+            <p:ph type="sldNum" sz="quarter" idx="12"/>
+          </p:nvPr>
+        </p:nvSpPr>
+        <p:spPr/>
+        <p:txBody>
+          <a:bodyPr/>
+          <a:lstStyle/>
+          <a:p>
+            <a:fld id="{666274A1-CF9C-426A-8DD4-B13ED0C24231}" type="slidenum">
+              <a:rPr lang="en-US" smtClean="0"/>
+              <a:t>23</a:t>
+            </a:fld>
+            <a:endParaRPr lang="en-US"/>
+          </a:p>
+        </p:txBody>
+      </p:sp>
+      <p:pic>
+        <p:nvPicPr>
+          <p:cNvPr id="7" name="圖片 6">
+            <a:extLst>
+              <a:ext uri="{FF2B5EF4-FFF2-40B4-BE49-F238E27FC236}">
+                <a16:creationId xmlns:a16="http://schemas.microsoft.com/office/drawing/2014/main" id="{7AAEB05B-10C5-B917-E2C4-B69DE1ACB5DC}"/>
+              </a:ext>
+            </a:extLst>
+          </p:cNvPr>
+          <p:cNvPicPr>
+            <a:picLocks noChangeAspect="1"/>
+          </p:cNvPicPr>
+          <p:nvPr/>
+        </p:nvPicPr>
+        <p:blipFill>
+          <a:blip r:embed="rId4"/>
+          <a:stretch>
+            <a:fillRect/>
+          </a:stretch>
+        </p:blipFill>
+        <p:spPr>
+          <a:xfrm>
+            <a:off x="2620405" y="2601024"/>
+            <a:ext cx="6951189" cy="3669615"/>
+          </a:xfrm>
+          <a:prstGeom prst="rect">
+            <a:avLst/>
+          </a:prstGeom>
+        </p:spPr>
+      </p:pic>
+    </p:spTree>
+    <p:extLst>
+      <p:ext uri="{BB962C8B-B14F-4D97-AF65-F5344CB8AC3E}">
+        <p14:creationId xmlns:p14="http://schemas.microsoft.com/office/powerpoint/2010/main" val="1342745572"/>
+      </p:ext>
+    </p:extLst>
+  </p:cSld>
+  <p:clrMapOvr>
+    <a:masterClrMapping/>
+  </p:clrMapOvr>
+</p:sld>
+</file>
+
+<file path=ppt/slides/slide25.xml><?xml version="1.0" encoding="utf-8"?>
+<p:sld xmlns:a="http://schemas.openxmlformats.org/drawingml/2006/main" xmlns:r="http://schemas.openxmlformats.org/officeDocument/2006/relationships" xmlns:p="http://schemas.openxmlformats.org/presentationml/2006/main">
+  <p:cSld>
+    <p:spTree>
+      <p:nvGrpSpPr>
+        <p:cNvPr id="1" name=""/>
+        <p:cNvGrpSpPr/>
+        <p:nvPr/>
+      </p:nvGrpSpPr>
+      <p:grpSpPr>
+        <a:xfrm>
+          <a:off x="0" y="0"/>
+          <a:ext cx="0" cy="0"/>
+          <a:chOff x="0" y="0"/>
+          <a:chExt cx="0" cy="0"/>
+        </a:xfrm>
+      </p:grpSpPr>
+      <p:sp>
+        <p:nvSpPr>
+          <p:cNvPr id="2" name="標題 1">
+            <a:extLst>
+              <a:ext uri="{FF2B5EF4-FFF2-40B4-BE49-F238E27FC236}">
                 <a16:creationId xmlns:a16="http://schemas.microsoft.com/office/drawing/2014/main" id="{156C4346-F0F9-6C34-7427-C802A4D5EF8E}"/>
               </a:ext>
             </a:extLst>
@@ -11849,14 +16135,14 @@
           <a:p>
             <a:fld id="{666274A1-CF9C-426A-8DD4-B13ED0C24231}" type="slidenum">
               <a:rPr lang="en-US" smtClean="0"/>
-              <a:t>19</a:t>
+              <a:t>24</a:t>
             </a:fld>
             <a:endParaRPr lang="en-US"/>
           </a:p>
         </p:txBody>
       </p:sp>
-      <mc:AlternateContent xmlns:mc="http://schemas.openxmlformats.org/markup-compatibility/2006">
-        <mc:Choice xmlns:a14="http://schemas.microsoft.com/office/drawing/2010/main" Requires="a14">
+      <mc:AlternateContent xmlns:mc="http://schemas.openxmlformats.org/markup-compatibility/2006" xmlns:a14="http://schemas.microsoft.com/office/drawing/2010/main">
+        <mc:Choice Requires="a14">
           <p:sp>
             <p:nvSpPr>
               <p:cNvPr id="8" name="內容版面配置區 4">
@@ -12101,7 +16387,7 @@
             </p:txBody>
           </p:sp>
         </mc:Choice>
-        <mc:Fallback>
+        <mc:Fallback xmlns="">
           <p:sp>
             <p:nvSpPr>
               <p:cNvPr id="8" name="內容版面配置區 4">
@@ -12159,7 +16445,7 @@
 </p:sld>
 </file>
 
-<file path=ppt/slides/slide21.xml><?xml version="1.0" encoding="utf-8"?>
+<file path=ppt/slides/slide26.xml><?xml version="1.0" encoding="utf-8"?>
 <p:sld xmlns:a="http://schemas.openxmlformats.org/drawingml/2006/main" xmlns:r="http://schemas.openxmlformats.org/officeDocument/2006/relationships" xmlns:p="http://schemas.openxmlformats.org/presentationml/2006/main">
   <p:cSld>
     <p:spTree>
@@ -12262,14 +16548,14 @@
           <a:p>
             <a:fld id="{666274A1-CF9C-426A-8DD4-B13ED0C24231}" type="slidenum">
               <a:rPr lang="en-US" smtClean="0"/>
-              <a:t>20</a:t>
+              <a:t>25</a:t>
             </a:fld>
             <a:endParaRPr lang="en-US"/>
           </a:p>
         </p:txBody>
       </p:sp>
-      <mc:AlternateContent xmlns:mc="http://schemas.openxmlformats.org/markup-compatibility/2006">
-        <mc:Choice xmlns:a14="http://schemas.microsoft.com/office/drawing/2010/main" Requires="a14">
+      <mc:AlternateContent xmlns:mc="http://schemas.openxmlformats.org/markup-compatibility/2006" xmlns:a14="http://schemas.microsoft.com/office/drawing/2010/main">
+        <mc:Choice Requires="a14">
           <p:sp>
             <p:nvSpPr>
               <p:cNvPr id="5" name="內容版面配置區 4">
@@ -12325,7 +16611,7 @@
             </p:txBody>
           </p:sp>
         </mc:Choice>
-        <mc:Fallback>
+        <mc:Fallback xmlns="">
           <p:sp>
             <p:nvSpPr>
               <p:cNvPr id="5" name="內容版面配置區 4">
@@ -12408,7 +16694,7 @@
 </p:sld>
 </file>
 
-<file path=ppt/slides/slide22.xml><?xml version="1.0" encoding="utf-8"?>
+<file path=ppt/slides/slide27.xml><?xml version="1.0" encoding="utf-8"?>
 <p:sld xmlns:a="http://schemas.openxmlformats.org/drawingml/2006/main" xmlns:r="http://schemas.openxmlformats.org/officeDocument/2006/relationships" xmlns:p="http://schemas.openxmlformats.org/presentationml/2006/main">
   <p:cSld>
     <p:spTree>
@@ -12511,14 +16797,14 @@
           <a:p>
             <a:fld id="{666274A1-CF9C-426A-8DD4-B13ED0C24231}" type="slidenum">
               <a:rPr lang="en-US" smtClean="0"/>
-              <a:t>21</a:t>
+              <a:t>26</a:t>
             </a:fld>
             <a:endParaRPr lang="en-US"/>
           </a:p>
         </p:txBody>
       </p:sp>
-      <mc:AlternateContent xmlns:mc="http://schemas.openxmlformats.org/markup-compatibility/2006">
-        <mc:Choice xmlns:a14="http://schemas.microsoft.com/office/drawing/2010/main" Requires="a14">
+      <mc:AlternateContent xmlns:mc="http://schemas.openxmlformats.org/markup-compatibility/2006" xmlns:a14="http://schemas.microsoft.com/office/drawing/2010/main">
+        <mc:Choice Requires="a14">
           <p:sp>
             <p:nvSpPr>
               <p:cNvPr id="5" name="內容版面配置區 4">
@@ -12561,13 +16847,7 @@
                       <a:rPr lang="en-US" altLang="zh-TW" sz="2200" b="0" i="1" smtClean="0">
                         <a:latin typeface="Cambria Math" panose="02040503050406030204" pitchFamily="18" charset="0"/>
                       </a:rPr>
-                      <m:t>0</m:t>
-                    </m:r>
-                    <m:r>
-                      <a:rPr lang="en-US" altLang="zh-TW" sz="2200" b="0" i="1" smtClean="0">
-                        <a:latin typeface="Cambria Math" panose="02040503050406030204" pitchFamily="18" charset="0"/>
-                      </a:rPr>
-                      <m:t>00 </m:t>
+                      <m:t>000 </m:t>
                     </m:r>
                     <m:r>
                       <a:rPr lang="en-US" altLang="zh-TW" sz="2200" b="0" i="1" smtClean="0">
@@ -12586,7 +16866,7 @@
             </p:txBody>
           </p:sp>
         </mc:Choice>
-        <mc:Fallback>
+        <mc:Fallback xmlns="">
           <p:sp>
             <p:nvSpPr>
               <p:cNvPr id="5" name="內容版面配置區 4">
@@ -12669,7 +16949,7 @@
 </p:sld>
 </file>
 
-<file path=ppt/slides/slide23.xml><?xml version="1.0" encoding="utf-8"?>
+<file path=ppt/slides/slide28.xml><?xml version="1.0" encoding="utf-8"?>
 <p:sld xmlns:a="http://schemas.openxmlformats.org/drawingml/2006/main" xmlns:r="http://schemas.openxmlformats.org/officeDocument/2006/relationships" xmlns:p="http://schemas.openxmlformats.org/presentationml/2006/main">
   <p:cSld>
     <p:spTree>
@@ -12709,7 +16989,7 @@
           <a:p>
             <a:fld id="{666274A1-CF9C-426A-8DD4-B13ED0C24231}" type="slidenum">
               <a:rPr lang="en-US" smtClean="0"/>
-              <a:t>22</a:t>
+              <a:t>27</a:t>
             </a:fld>
             <a:endParaRPr lang="en-US"/>
           </a:p>
@@ -14552,8 +18832,8 @@
           </a:p>
         </p:txBody>
       </p:sp>
-      <mc:AlternateContent xmlns:mc="http://schemas.openxmlformats.org/markup-compatibility/2006">
-        <mc:Choice xmlns:a14="http://schemas.microsoft.com/office/drawing/2010/main" Requires="a14">
+      <mc:AlternateContent xmlns:mc="http://schemas.openxmlformats.org/markup-compatibility/2006" xmlns:a14="http://schemas.microsoft.com/office/drawing/2010/main">
+        <mc:Choice Requires="a14">
           <p:sp>
             <p:nvSpPr>
               <p:cNvPr id="3" name="內容版面配置區 2">
@@ -14982,7 +19262,7 @@
             </p:txBody>
           </p:sp>
         </mc:Choice>
-        <mc:Fallback>
+        <mc:Fallback xmlns="">
           <p:sp>
             <p:nvSpPr>
               <p:cNvPr id="3" name="內容版面配置區 2">

--- a/DAC2024/KOSIM/KOSIM A Knowledge-oriented Derivative-free Subspace Method Based on Inexact Model for Inverse Lithography Problems.pptx
+++ b/DAC2024/KOSIM/KOSIM A Knowledge-oriented Derivative-free Subspace Method Based on Inexact Model for Inverse Lithography Problems.pptx
@@ -1491,7 +1491,7 @@
           <a:p>
             <a:fld id="{C9ED61FB-B9B0-4D85-A72E-A614C28ECC4E}" type="datetimeFigureOut">
               <a:rPr lang="en-US" smtClean="0"/>
-              <a:t>1/13/2024</a:t>
+              <a:t>1/29/2024</a:t>
             </a:fld>
             <a:endParaRPr lang="en-US"/>
           </a:p>
@@ -4213,6 +4213,16 @@
               <a:buFont typeface="Arial" panose="020B0604020202020204" pitchFamily="34" charset="0"/>
               <a:buNone/>
             </a:pPr>
+            <a:r>
+              <a:rPr lang="zh-TW" altLang="en-US" b="0" i="0" dirty="0">
+                <a:solidFill>
+                  <a:srgbClr val="374151"/>
+                </a:solidFill>
+                <a:effectLst/>
+                <a:latin typeface="Söhne"/>
+              </a:rPr>
+              <a:t>干涉和繞射的影響</a:t>
+            </a:r>
             <a:endParaRPr lang="en-US" altLang="zh-TW" dirty="0"/>
           </a:p>
         </p:txBody>
@@ -4856,7 +4866,7 @@
           <a:p>
             <a:fld id="{99BA7BAB-F69F-4C21-8D40-7AA273A2D01F}" type="datetime1">
               <a:rPr lang="en-US" smtClean="0"/>
-              <a:t>1/13/2024</a:t>
+              <a:t>1/29/2024</a:t>
             </a:fld>
             <a:endParaRPr lang="en-US"/>
           </a:p>
@@ -5061,7 +5071,7 @@
           <a:p>
             <a:fld id="{FB00A8EC-4678-43EE-BE64-F312B7F1A46F}" type="datetime1">
               <a:rPr lang="en-US" smtClean="0"/>
-              <a:t>1/13/2024</a:t>
+              <a:t>1/29/2024</a:t>
             </a:fld>
             <a:endParaRPr lang="en-US"/>
           </a:p>
@@ -5269,7 +5279,7 @@
           <a:p>
             <a:fld id="{9487F23D-EA8F-4C56-9373-23F6109AD11F}" type="datetime1">
               <a:rPr lang="en-US" smtClean="0"/>
-              <a:t>1/13/2024</a:t>
+              <a:t>1/29/2024</a:t>
             </a:fld>
             <a:endParaRPr lang="en-US"/>
           </a:p>
@@ -5467,7 +5477,7 @@
           <a:p>
             <a:fld id="{A34E716E-0239-4A81-9CF4-D3B9651721CF}" type="datetime1">
               <a:rPr lang="en-US" smtClean="0"/>
-              <a:t>1/13/2024</a:t>
+              <a:t>1/29/2024</a:t>
             </a:fld>
             <a:endParaRPr lang="en-US"/>
           </a:p>
@@ -5749,7 +5759,7 @@
           <a:p>
             <a:fld id="{CC112E56-3D97-4B86-935C-1C493DD86A08}" type="datetime1">
               <a:rPr lang="en-US" smtClean="0"/>
-              <a:t>1/13/2024</a:t>
+              <a:t>1/29/2024</a:t>
             </a:fld>
             <a:endParaRPr lang="en-US"/>
           </a:p>
@@ -6014,7 +6024,7 @@
           <a:p>
             <a:fld id="{40649135-BABF-4F63-9AF8-3CEC545E47DC}" type="datetime1">
               <a:rPr lang="en-US" smtClean="0"/>
-              <a:t>1/13/2024</a:t>
+              <a:t>1/29/2024</a:t>
             </a:fld>
             <a:endParaRPr lang="en-US"/>
           </a:p>
@@ -6426,7 +6436,7 @@
           <a:p>
             <a:fld id="{B16EBC02-C9C0-442D-A8A6-494057203542}" type="datetime1">
               <a:rPr lang="en-US" smtClean="0"/>
-              <a:t>1/13/2024</a:t>
+              <a:t>1/29/2024</a:t>
             </a:fld>
             <a:endParaRPr lang="en-US"/>
           </a:p>
@@ -6567,7 +6577,7 @@
           <a:p>
             <a:fld id="{A126C4B4-559D-414E-BC9C-16A745BBF3C3}" type="datetime1">
               <a:rPr lang="en-US" smtClean="0"/>
-              <a:t>1/13/2024</a:t>
+              <a:t>1/29/2024</a:t>
             </a:fld>
             <a:endParaRPr lang="en-US"/>
           </a:p>
@@ -6680,7 +6690,7 @@
           <a:p>
             <a:fld id="{0D49D49E-73A5-4C03-BFEA-3D845EB044D8}" type="datetime1">
               <a:rPr lang="en-US" smtClean="0"/>
-              <a:t>1/13/2024</a:t>
+              <a:t>1/29/2024</a:t>
             </a:fld>
             <a:endParaRPr lang="en-US"/>
           </a:p>
@@ -6991,7 +7001,7 @@
           <a:p>
             <a:fld id="{4A0F93E6-3134-410C-B573-A5F6B38FC346}" type="datetime1">
               <a:rPr lang="en-US" smtClean="0"/>
-              <a:t>1/13/2024</a:t>
+              <a:t>1/29/2024</a:t>
             </a:fld>
             <a:endParaRPr lang="en-US"/>
           </a:p>
@@ -7279,7 +7289,7 @@
           <a:p>
             <a:fld id="{F766E70F-5320-45A5-BE33-1819A93C2AF4}" type="datetime1">
               <a:rPr lang="en-US" smtClean="0"/>
-              <a:t>1/13/2024</a:t>
+              <a:t>1/29/2024</a:t>
             </a:fld>
             <a:endParaRPr lang="en-US"/>
           </a:p>
@@ -7520,7 +7530,7 @@
           <a:p>
             <a:fld id="{A706458B-0289-40FF-A02D-2C541B7F1CB6}" type="datetime1">
               <a:rPr lang="en-US" smtClean="0"/>
-              <a:t>1/13/2024</a:t>
+              <a:t>1/29/2024</a:t>
             </a:fld>
             <a:endParaRPr lang="en-US"/>
           </a:p>
@@ -17736,7 +17746,23 @@
                 <a:ea typeface="標楷體" panose="03000509000000000000" pitchFamily="65" charset="-120"/>
                 <a:cs typeface="Times" panose="02020603050405020304" pitchFamily="18" charset="0"/>
               </a:rPr>
-              <a:t>Inverse problem is formulated as the non-convex optimization problem with respect to the matrix elements.</a:t>
+              <a:t>Inverse problem is formulated as the </a:t>
+            </a:r>
+            <a:r>
+              <a:rPr lang="en-US" altLang="zh-TW" sz="2000" b="1" dirty="0">
+                <a:latin typeface="Times" panose="02020603050405020304" pitchFamily="18" charset="0"/>
+                <a:ea typeface="標楷體" panose="03000509000000000000" pitchFamily="65" charset="-120"/>
+                <a:cs typeface="Times" panose="02020603050405020304" pitchFamily="18" charset="0"/>
+              </a:rPr>
+              <a:t>non-convex optimization problem </a:t>
+            </a:r>
+            <a:r>
+              <a:rPr lang="en-US" altLang="zh-TW" sz="2000" dirty="0">
+                <a:latin typeface="Times" panose="02020603050405020304" pitchFamily="18" charset="0"/>
+                <a:ea typeface="標楷體" panose="03000509000000000000" pitchFamily="65" charset="-120"/>
+                <a:cs typeface="Times" panose="02020603050405020304" pitchFamily="18" charset="0"/>
+              </a:rPr>
+              <a:t>with respect to the matrix elements.</a:t>
             </a:r>
             <a:endParaRPr lang="zh-TW" altLang="en-US" sz="2000" dirty="0">
               <a:latin typeface="Times" panose="02020603050405020304" pitchFamily="18" charset="0"/>
@@ -17789,7 +17815,7 @@
 </file>
 
 <file path=ppt/slides/slide6.xml><?xml version="1.0" encoding="utf-8"?>
-<p:sld xmlns:a="http://schemas.openxmlformats.org/drawingml/2006/main" xmlns:r="http://schemas.openxmlformats.org/officeDocument/2006/relationships" xmlns:p="http://schemas.openxmlformats.org/presentationml/2006/main">
+<p:sld xmlns:a="http://schemas.openxmlformats.org/drawingml/2006/main" xmlns:r="http://schemas.openxmlformats.org/officeDocument/2006/relationships" xmlns:p="http://schemas.openxmlformats.org/presentationml/2006/main" show="0">
   <p:cSld>
     <p:spTree>
       <p:nvGrpSpPr>
@@ -17874,12 +17900,27 @@
               </a:lnSpc>
             </a:pPr>
             <a:r>
+              <a:rPr lang="en-US" altLang="zh-TW" sz="2400" dirty="0">
+                <a:latin typeface="Times" panose="02020603050405020304" pitchFamily="18" charset="0"/>
+                <a:ea typeface="標楷體" panose="03000509000000000000" pitchFamily="65" charset="-120"/>
+                <a:cs typeface="Times" panose="02020603050405020304" pitchFamily="18" charset="0"/>
+              </a:rPr>
+              <a:t>To solve ILT:</a:t>
+            </a:r>
+          </a:p>
+          <a:p>
+            <a:pPr lvl="1">
+              <a:lnSpc>
+                <a:spcPct val="150000"/>
+              </a:lnSpc>
+            </a:pPr>
+            <a:r>
               <a:rPr lang="en-US" altLang="zh-TW" sz="2200" dirty="0">
                 <a:latin typeface="Times" panose="02020603050405020304" pitchFamily="18" charset="0"/>
                 <a:ea typeface="標楷體" panose="03000509000000000000" pitchFamily="65" charset="-120"/>
                 <a:cs typeface="Times" panose="02020603050405020304" pitchFamily="18" charset="0"/>
               </a:rPr>
-              <a:t>To solve ILT:</a:t>
+              <a:t>Approximate forward imaging modeling</a:t>
             </a:r>
           </a:p>
           <a:p>
@@ -17888,14 +17929,11 @@
                 <a:spcPct val="150000"/>
               </a:lnSpc>
             </a:pPr>
-            <a:r>
-              <a:rPr lang="en-US" altLang="zh-TW" sz="2000" dirty="0">
-                <a:latin typeface="Times" panose="02020603050405020304" pitchFamily="18" charset="0"/>
-                <a:ea typeface="標楷體" panose="03000509000000000000" pitchFamily="65" charset="-120"/>
-                <a:cs typeface="Times" panose="02020603050405020304" pitchFamily="18" charset="0"/>
-              </a:rPr>
-              <a:t>Approximate forward imaging modeling</a:t>
-            </a:r>
+            <a:endParaRPr lang="en-US" altLang="zh-TW" sz="500" dirty="0">
+              <a:latin typeface="Times" panose="02020603050405020304" pitchFamily="18" charset="0"/>
+              <a:ea typeface="標楷體" panose="03000509000000000000" pitchFamily="65" charset="-120"/>
+              <a:cs typeface="Times" panose="02020603050405020304" pitchFamily="18" charset="0"/>
+            </a:endParaRPr>
           </a:p>
           <a:p>
             <a:pPr lvl="2">
@@ -17911,6 +17949,18 @@
               </a:rPr>
               <a:t>Computation of forward imaging may need numerical simulations.</a:t>
             </a:r>
+          </a:p>
+          <a:p>
+            <a:pPr lvl="2">
+              <a:lnSpc>
+                <a:spcPct val="150000"/>
+              </a:lnSpc>
+            </a:pPr>
+            <a:endParaRPr lang="en-US" altLang="zh-TW" sz="500" dirty="0">
+              <a:latin typeface="Times" panose="02020603050405020304" pitchFamily="18" charset="0"/>
+              <a:ea typeface="標楷體" panose="03000509000000000000" pitchFamily="65" charset="-120"/>
+              <a:cs typeface="Times" panose="02020603050405020304" pitchFamily="18" charset="0"/>
+            </a:endParaRPr>
           </a:p>
           <a:p>
             <a:pPr lvl="2">
@@ -18023,8 +18073,8 @@
           </a:p>
         </p:txBody>
       </p:sp>
-      <mc:AlternateContent xmlns:mc="http://schemas.openxmlformats.org/markup-compatibility/2006" xmlns:a14="http://schemas.microsoft.com/office/drawing/2010/main">
-        <mc:Choice Requires="a14">
+      <mc:AlternateContent xmlns:mc="http://schemas.openxmlformats.org/markup-compatibility/2006">
+        <mc:Choice xmlns:a14="http://schemas.microsoft.com/office/drawing/2010/main" Requires="a14">
           <p:sp>
             <p:nvSpPr>
               <p:cNvPr id="3" name="內容版面配置區 2">
@@ -18059,7 +18109,7 @@
                   </a:lnSpc>
                 </a:pPr>
                 <a:r>
-                  <a:rPr lang="en-US" altLang="zh-TW" sz="2200" dirty="0">
+                  <a:rPr lang="en-US" altLang="zh-TW" sz="2400" dirty="0">
                     <a:latin typeface="Times" panose="02020603050405020304" pitchFamily="18" charset="0"/>
                     <a:ea typeface="標楷體" panose="03000509000000000000" pitchFamily="65" charset="-120"/>
                     <a:cs typeface="Times" panose="02020603050405020304" pitchFamily="18" charset="0"/>
@@ -18249,7 +18299,7 @@
                     <a:ea typeface="標楷體" panose="03000509000000000000" pitchFamily="65" charset="-120"/>
                     <a:cs typeface="Times" panose="02020603050405020304" pitchFamily="18" charset="0"/>
                   </a:rPr>
-                  <a:t>in each iteration.</a:t>
+                  <a:t>computational complexity in each iteration.</a:t>
                 </a:r>
               </a:p>
               <a:p>
@@ -18319,30 +18369,10 @@
                   <a:t>to evaluate the initialization of the model.</a:t>
                 </a:r>
               </a:p>
-              <a:p>
-                <a:pPr lvl="2">
-                  <a:lnSpc>
-                    <a:spcPct val="150000"/>
-                  </a:lnSpc>
-                </a:pPr>
-                <a:r>
-                  <a:rPr lang="en-US" altLang="zh-TW" sz="1800" dirty="0">
-                    <a:latin typeface="Times" panose="02020603050405020304" pitchFamily="18" charset="0"/>
-                    <a:ea typeface="標楷體" panose="03000509000000000000" pitchFamily="65" charset="-120"/>
-                    <a:cs typeface="Times" panose="02020603050405020304" pitchFamily="18" charset="0"/>
-                  </a:rPr>
-                  <a:t>Subsequence techniques are proposed to solve the large-scale DFO.</a:t>
-                </a:r>
-                <a:endParaRPr lang="zh-TW" altLang="en-US" sz="1800" dirty="0">
-                  <a:latin typeface="Times" panose="02020603050405020304" pitchFamily="18" charset="0"/>
-                  <a:ea typeface="標楷體" panose="03000509000000000000" pitchFamily="65" charset="-120"/>
-                  <a:cs typeface="Times" panose="02020603050405020304" pitchFamily="18" charset="0"/>
-                </a:endParaRPr>
-              </a:p>
             </p:txBody>
           </p:sp>
         </mc:Choice>
-        <mc:Fallback xmlns="">
+        <mc:Fallback>
           <p:sp>
             <p:nvSpPr>
               <p:cNvPr id="3" name="內容版面配置區 2">
@@ -18367,7 +18397,7 @@
               <a:blipFill>
                 <a:blip r:embed="rId3"/>
                 <a:stretch>
-                  <a:fillRect l="-696"/>
+                  <a:fillRect l="-812"/>
                 </a:stretch>
               </a:blipFill>
             </p:spPr>

--- a/DAC2024/KOSIM/KOSIM A Knowledge-oriented Derivative-free Subspace Method Based on Inexact Model for Inverse Lithography Problems.pptx
+++ b/DAC2024/KOSIM/KOSIM A Knowledge-oriented Derivative-free Subspace Method Based on Inexact Model for Inverse Lithography Problems.pptx
@@ -5,37 +5,43 @@
     <p:sldMasterId id="2147483648" r:id="rId1"/>
   </p:sldMasterIdLst>
   <p:notesMasterIdLst>
-    <p:notesMasterId r:id="rId30"/>
+    <p:notesMasterId r:id="rId36"/>
   </p:notesMasterIdLst>
   <p:sldIdLst>
     <p:sldId id="256" r:id="rId2"/>
     <p:sldId id="257" r:id="rId3"/>
-    <p:sldId id="302" r:id="rId4"/>
-    <p:sldId id="303" r:id="rId5"/>
-    <p:sldId id="304" r:id="rId6"/>
-    <p:sldId id="306" r:id="rId7"/>
-    <p:sldId id="308" r:id="rId8"/>
-    <p:sldId id="307" r:id="rId9"/>
-    <p:sldId id="305" r:id="rId10"/>
-    <p:sldId id="323" r:id="rId11"/>
-    <p:sldId id="309" r:id="rId12"/>
-    <p:sldId id="310" r:id="rId13"/>
-    <p:sldId id="311" r:id="rId14"/>
-    <p:sldId id="313" r:id="rId15"/>
-    <p:sldId id="314" r:id="rId16"/>
-    <p:sldId id="315" r:id="rId17"/>
-    <p:sldId id="324" r:id="rId18"/>
-    <p:sldId id="326" r:id="rId19"/>
-    <p:sldId id="325" r:id="rId20"/>
-    <p:sldId id="327" r:id="rId21"/>
-    <p:sldId id="316" r:id="rId22"/>
-    <p:sldId id="317" r:id="rId23"/>
-    <p:sldId id="318" r:id="rId24"/>
-    <p:sldId id="319" r:id="rId25"/>
-    <p:sldId id="320" r:id="rId26"/>
-    <p:sldId id="321" r:id="rId27"/>
-    <p:sldId id="322" r:id="rId28"/>
-    <p:sldId id="298" r:id="rId29"/>
+    <p:sldId id="329" r:id="rId4"/>
+    <p:sldId id="302" r:id="rId5"/>
+    <p:sldId id="303" r:id="rId6"/>
+    <p:sldId id="304" r:id="rId7"/>
+    <p:sldId id="306" r:id="rId8"/>
+    <p:sldId id="308" r:id="rId9"/>
+    <p:sldId id="307" r:id="rId10"/>
+    <p:sldId id="330" r:id="rId11"/>
+    <p:sldId id="305" r:id="rId12"/>
+    <p:sldId id="323" r:id="rId13"/>
+    <p:sldId id="309" r:id="rId14"/>
+    <p:sldId id="310" r:id="rId15"/>
+    <p:sldId id="311" r:id="rId16"/>
+    <p:sldId id="331" r:id="rId17"/>
+    <p:sldId id="313" r:id="rId18"/>
+    <p:sldId id="314" r:id="rId19"/>
+    <p:sldId id="315" r:id="rId20"/>
+    <p:sldId id="324" r:id="rId21"/>
+    <p:sldId id="326" r:id="rId22"/>
+    <p:sldId id="325" r:id="rId23"/>
+    <p:sldId id="327" r:id="rId24"/>
+    <p:sldId id="332" r:id="rId25"/>
+    <p:sldId id="316" r:id="rId26"/>
+    <p:sldId id="317" r:id="rId27"/>
+    <p:sldId id="318" r:id="rId28"/>
+    <p:sldId id="319" r:id="rId29"/>
+    <p:sldId id="320" r:id="rId30"/>
+    <p:sldId id="321" r:id="rId31"/>
+    <p:sldId id="322" r:id="rId32"/>
+    <p:sldId id="333" r:id="rId33"/>
+    <p:sldId id="328" r:id="rId34"/>
+    <p:sldId id="298" r:id="rId35"/>
   </p:sldIdLst>
   <p:sldSz cx="12192000" cy="6858000"/>
   <p:notesSz cx="6858000" cy="9144000"/>
@@ -1491,7 +1497,7 @@
           <a:p>
             <a:fld id="{C9ED61FB-B9B0-4D85-A72E-A614C28ECC4E}" type="datetimeFigureOut">
               <a:rPr lang="en-US" smtClean="0"/>
-              <a:t>1/29/2024</a:t>
+              <a:t>1/30/2024</a:t>
             </a:fld>
             <a:endParaRPr lang="en-US"/>
           </a:p>
@@ -1886,11 +1892,7 @@
           <a:bodyPr/>
           <a:lstStyle/>
           <a:p>
-            <a:pPr marL="0" indent="0" algn="l">
-              <a:buFont typeface="Arial" panose="020B0604020202020204" pitchFamily="34" charset="0"/>
-              <a:buNone/>
-            </a:pPr>
-            <a:endParaRPr lang="en-US" altLang="zh-TW" dirty="0"/>
+            <a:endParaRPr lang="zh-TW" altLang="en-US" dirty="0"/>
           </a:p>
         </p:txBody>
       </p:sp>
@@ -1920,7 +1922,7 @@
     </p:spTree>
     <p:extLst>
       <p:ext uri="{BB962C8B-B14F-4D97-AF65-F5344CB8AC3E}">
-        <p14:creationId xmlns:p14="http://schemas.microsoft.com/office/powerpoint/2010/main" val="997419483"/>
+        <p14:creationId xmlns:p14="http://schemas.microsoft.com/office/powerpoint/2010/main" val="2674553408"/>
       </p:ext>
     </p:extLst>
   </p:cSld>
@@ -1974,38 +1976,10 @@
           <a:bodyPr/>
           <a:lstStyle/>
           <a:p>
-            <a:pPr marL="171450" indent="-171450" algn="l">
+            <a:pPr marL="0" indent="0" algn="l">
               <a:buFont typeface="Arial" panose="020B0604020202020204" pitchFamily="34" charset="0"/>
-              <a:buChar char="•"/>
+              <a:buNone/>
             </a:pPr>
-            <a:r>
-              <a:rPr lang="zh-TW" altLang="en-US" dirty="0"/>
-              <a:t>會對</a:t>
-            </a:r>
-            <a:r>
-              <a:rPr lang="en-US" altLang="zh-TW" dirty="0"/>
-              <a:t>U</a:t>
-            </a:r>
-            <a:r>
-              <a:rPr lang="zh-TW" altLang="en-US" dirty="0"/>
-              <a:t>與</a:t>
-            </a:r>
-            <a:r>
-              <a:rPr lang="en-US" altLang="zh-TW" dirty="0"/>
-              <a:t>H</a:t>
-            </a:r>
-            <a:r>
-              <a:rPr lang="zh-TW" altLang="en-US" dirty="0"/>
-              <a:t>進行卷積，並做</a:t>
-            </a:r>
-            <a:r>
-              <a:rPr lang="en-US" altLang="zh-TW" dirty="0" err="1"/>
-              <a:t>Nt</a:t>
-            </a:r>
-            <a:r>
-              <a:rPr lang="zh-TW" altLang="en-US" dirty="0"/>
-              <a:t>次</a:t>
-            </a:r>
             <a:endParaRPr lang="en-US" altLang="zh-TW" dirty="0"/>
           </a:p>
         </p:txBody>
@@ -2036,7 +2010,7 @@
     </p:spTree>
     <p:extLst>
       <p:ext uri="{BB962C8B-B14F-4D97-AF65-F5344CB8AC3E}">
-        <p14:creationId xmlns:p14="http://schemas.microsoft.com/office/powerpoint/2010/main" val="1515137705"/>
+        <p14:creationId xmlns:p14="http://schemas.microsoft.com/office/powerpoint/2010/main" val="3787550548"/>
       </p:ext>
     </p:extLst>
   </p:cSld>
@@ -2090,58 +2064,11 @@
           <a:bodyPr/>
           <a:lstStyle/>
           <a:p>
-            <a:pPr marL="171450" indent="-171450" algn="l">
+            <a:pPr marL="0" indent="0" algn="l">
               <a:buFont typeface="Arial" panose="020B0604020202020204" pitchFamily="34" charset="0"/>
-              <a:buChar char="•"/>
+              <a:buNone/>
             </a:pPr>
-            <a:r>
-              <a:rPr lang="zh-TW" altLang="en-US" dirty="0"/>
-              <a:t>會對</a:t>
-            </a:r>
-            <a:r>
-              <a:rPr lang="en-US" altLang="zh-TW" dirty="0"/>
-              <a:t>U</a:t>
-            </a:r>
-            <a:r>
-              <a:rPr lang="zh-TW" altLang="en-US" dirty="0"/>
-              <a:t>與</a:t>
-            </a:r>
-            <a:r>
-              <a:rPr lang="en-US" altLang="zh-TW" dirty="0"/>
-              <a:t>H</a:t>
-            </a:r>
-            <a:r>
-              <a:rPr lang="zh-TW" altLang="en-US" dirty="0"/>
-              <a:t>進行卷積，並做</a:t>
-            </a:r>
-            <a:r>
-              <a:rPr lang="en-US" altLang="zh-TW" dirty="0" err="1"/>
-              <a:t>Nt</a:t>
-            </a:r>
-            <a:r>
-              <a:rPr lang="zh-TW" altLang="en-US" dirty="0"/>
-              <a:t>次 </a:t>
-            </a:r>
-            <a:r>
-              <a:rPr lang="en-US" altLang="zh-TW" dirty="0"/>
-              <a:t>(</a:t>
-            </a:r>
-            <a:r>
-              <a:rPr lang="zh-TW" altLang="en-US" dirty="0"/>
-              <a:t>不是矩陣運算，所以</a:t>
-            </a:r>
-            <a:r>
-              <a:rPr lang="en-US" altLang="zh-TW" dirty="0"/>
-              <a:t>dimension</a:t>
-            </a:r>
-            <a:r>
-              <a:rPr lang="zh-TW" altLang="en-US" dirty="0"/>
-              <a:t>不需要對到</a:t>
-            </a:r>
-            <a:r>
-              <a:rPr lang="en-US" altLang="zh-TW" dirty="0"/>
-              <a:t>)</a:t>
-            </a:r>
+            <a:endParaRPr lang="en-US" altLang="zh-TW" dirty="0"/>
           </a:p>
         </p:txBody>
       </p:sp>
@@ -2171,7 +2098,7 @@
     </p:spTree>
     <p:extLst>
       <p:ext uri="{BB962C8B-B14F-4D97-AF65-F5344CB8AC3E}">
-        <p14:creationId xmlns:p14="http://schemas.microsoft.com/office/powerpoint/2010/main" val="3994509600"/>
+        <p14:creationId xmlns:p14="http://schemas.microsoft.com/office/powerpoint/2010/main" val="997419483"/>
       </p:ext>
     </p:extLst>
   </p:cSld>
@@ -2230,54 +2157,32 @@
               <a:buChar char="•"/>
             </a:pPr>
             <a:r>
-              <a:rPr lang="zh-TW" altLang="en-US" b="0" i="0" dirty="0">
-                <a:solidFill>
-                  <a:srgbClr val="0F0F0F"/>
-                </a:solidFill>
-                <a:effectLst/>
-                <a:latin typeface="Söhne"/>
-              </a:rPr>
-              <a:t>這裡的 </a:t>
-            </a:r>
-            <a:r>
-              <a:rPr lang="en-US" altLang="zh-TW" b="0" i="0" dirty="0">
-                <a:solidFill>
-                  <a:srgbClr val="0F0F0F"/>
-                </a:solidFill>
-                <a:effectLst/>
-                <a:latin typeface="Söhne"/>
-              </a:rPr>
-              <a:t>\(</a:t>
-            </a:r>
-            <a:r>
-              <a:rPr lang="zh-TW" altLang="en-US" b="0" i="0" dirty="0">
-                <a:solidFill>
-                  <a:srgbClr val="0F0F0F"/>
-                </a:solidFill>
-                <a:effectLst/>
-                <a:latin typeface="Söhne"/>
-              </a:rPr>
-              <a:t>𝑛</a:t>
-            </a:r>
-            <a:r>
-              <a:rPr lang="en-US" altLang="zh-TW" b="0" i="0" dirty="0">
-                <a:solidFill>
-                  <a:srgbClr val="0F0F0F"/>
-                </a:solidFill>
-                <a:effectLst/>
-                <a:latin typeface="Söhne"/>
-              </a:rPr>
-              <a:t>\) </a:t>
-            </a:r>
-            <a:r>
-              <a:rPr lang="zh-TW" altLang="en-US" b="0" i="0" dirty="0">
-                <a:solidFill>
-                  <a:srgbClr val="0F0F0F"/>
-                </a:solidFill>
-                <a:effectLst/>
-                <a:latin typeface="Söhne"/>
-              </a:rPr>
-              <a:t>表示原始問題的參數維度</a:t>
+              <a:rPr lang="zh-TW" altLang="en-US" dirty="0"/>
+              <a:t>會對</a:t>
+            </a:r>
+            <a:r>
+              <a:rPr lang="en-US" altLang="zh-TW" dirty="0"/>
+              <a:t>U</a:t>
+            </a:r>
+            <a:r>
+              <a:rPr lang="zh-TW" altLang="en-US" dirty="0"/>
+              <a:t>與</a:t>
+            </a:r>
+            <a:r>
+              <a:rPr lang="en-US" altLang="zh-TW" dirty="0"/>
+              <a:t>H</a:t>
+            </a:r>
+            <a:r>
+              <a:rPr lang="zh-TW" altLang="en-US" dirty="0"/>
+              <a:t>進行卷積，並做</a:t>
+            </a:r>
+            <a:r>
+              <a:rPr lang="en-US" altLang="zh-TW" dirty="0" err="1"/>
+              <a:t>Nt</a:t>
+            </a:r>
+            <a:r>
+              <a:rPr lang="zh-TW" altLang="en-US" dirty="0"/>
+              <a:t>次</a:t>
             </a:r>
             <a:endParaRPr lang="en-US" altLang="zh-TW" dirty="0"/>
           </a:p>
@@ -2300,7 +2205,7 @@
           <a:p>
             <a:fld id="{9D457EAB-1485-47AD-BEAD-484FAEBF5A54}" type="slidenum">
               <a:rPr lang="en-US" smtClean="0"/>
-              <a:t>13</a:t>
+              <a:t>12</a:t>
             </a:fld>
             <a:endParaRPr lang="en-US"/>
           </a:p>
@@ -2309,7 +2214,7 @@
     </p:spTree>
     <p:extLst>
       <p:ext uri="{BB962C8B-B14F-4D97-AF65-F5344CB8AC3E}">
-        <p14:creationId xmlns:p14="http://schemas.microsoft.com/office/powerpoint/2010/main" val="1850414774"/>
+        <p14:creationId xmlns:p14="http://schemas.microsoft.com/office/powerpoint/2010/main" val="1515137705"/>
       </p:ext>
     </p:extLst>
   </p:cSld>
@@ -2369,39 +2274,31 @@
             </a:pPr>
             <a:r>
               <a:rPr lang="zh-TW" altLang="en-US" dirty="0"/>
-              <a:t>構建 </a:t>
+              <a:t>會對</a:t>
             </a:r>
             <a:r>
               <a:rPr lang="en-US" altLang="zh-TW" dirty="0"/>
-              <a:t>\(m(</a:t>
+              <a:t>U</a:t>
             </a:r>
             <a:r>
               <a:rPr lang="zh-TW" altLang="en-US" dirty="0"/>
-              <a:t>𝑘</a:t>
+              <a:t>與</a:t>
             </a:r>
             <a:r>
               <a:rPr lang="en-US" altLang="zh-TW" dirty="0"/>
-              <a:t>)_</a:t>
+              <a:t>H</a:t>
             </a:r>
             <a:r>
               <a:rPr lang="zh-TW" altLang="en-US" dirty="0"/>
-              <a:t>𝑖</a:t>
-            </a:r>
-            <a:r>
-              <a:rPr lang="en-US" altLang="zh-TW" dirty="0"/>
-              <a:t>\) </a:t>
+              <a:t>進行卷積，並做</a:t>
+            </a:r>
+            <a:r>
+              <a:rPr lang="en-US" altLang="zh-TW" dirty="0" err="1"/>
+              <a:t>Nt</a:t>
             </a:r>
             <a:r>
               <a:rPr lang="zh-TW" altLang="en-US" dirty="0"/>
-              <a:t>的直觀想法是在 </a:t>
-            </a:r>
-            <a:r>
-              <a:rPr lang="en-US" altLang="zh-TW" dirty="0"/>
-              <a:t>\(</a:t>
-            </a:r>
-            <a:r>
-              <a:rPr lang="zh-TW" altLang="en-US" dirty="0"/>
-              <a:t>𝑥 </a:t>
+              <a:t>次 </a:t>
             </a:r>
             <a:r>
               <a:rPr lang="en-US" altLang="zh-TW" dirty="0"/>
@@ -2409,97 +2306,20 @@
             </a:r>
             <a:r>
               <a:rPr lang="zh-TW" altLang="en-US" dirty="0"/>
-              <a:t>𝑘</a:t>
+              <a:t>不是矩陣運算，所以</a:t>
             </a:r>
             <a:r>
               <a:rPr lang="en-US" altLang="zh-TW" dirty="0"/>
-              <a:t>) + \text{span}(\</a:t>
-            </a:r>
-            <a:r>
-              <a:rPr lang="en-US" altLang="zh-TW" dirty="0" err="1"/>
-              <a:t>mathbf</a:t>
+              <a:t>dimension</a:t>
+            </a:r>
+            <a:r>
+              <a:rPr lang="zh-TW" altLang="en-US" dirty="0"/>
+              <a:t>不需要對到</a:t>
             </a:r>
             <a:r>
               <a:rPr lang="en-US" altLang="zh-TW" dirty="0"/>
-              <a:t>{e}_</a:t>
-            </a:r>
-            <a:r>
-              <a:rPr lang="zh-TW" altLang="en-US" dirty="0"/>
-              <a:t>𝑖</a:t>
-            </a:r>
-            <a:r>
-              <a:rPr lang="en-US" altLang="zh-TW" dirty="0"/>
-              <a:t>)\) </a:t>
-            </a:r>
-            <a:r>
-              <a:rPr lang="zh-TW" altLang="en-US" dirty="0"/>
-              <a:t>上使用三個採樣點進行插值，以逼近 </a:t>
-            </a:r>
-            <a:r>
-              <a:rPr lang="en-US" altLang="zh-TW" dirty="0"/>
-              <a:t>\(f\)</a:t>
-            </a:r>
-            <a:r>
-              <a:rPr lang="zh-TW" altLang="en-US" dirty="0"/>
-              <a:t>。然而，這將導致 </a:t>
-            </a:r>
-            <a:r>
-              <a:rPr lang="en-US" altLang="zh-TW" dirty="0"/>
-              <a:t>O(</a:t>
-            </a:r>
-            <a:r>
-              <a:rPr lang="zh-TW" altLang="en-US" dirty="0"/>
-              <a:t>𝑛</a:t>
-            </a:r>
-            <a:r>
-              <a:rPr lang="en-US" altLang="zh-TW" dirty="0"/>
-              <a:t>) </a:t>
-            </a:r>
-            <a:r>
-              <a:rPr lang="zh-TW" altLang="en-US" dirty="0"/>
-              <a:t>的函數值評估成本。為了更經濟，考慮在離開線 </a:t>
-            </a:r>
-            <a:r>
-              <a:rPr lang="en-US" altLang="zh-TW" dirty="0"/>
-              <a:t>\(</a:t>
-            </a:r>
-            <a:r>
-              <a:rPr lang="zh-TW" altLang="en-US" dirty="0"/>
-              <a:t>𝑥 </a:t>
-            </a:r>
-            <a:r>
-              <a:rPr lang="en-US" altLang="zh-TW" dirty="0"/>
-              <a:t>(</a:t>
-            </a:r>
-            <a:r>
-              <a:rPr lang="zh-TW" altLang="en-US" dirty="0"/>
-              <a:t>𝑘</a:t>
-            </a:r>
-            <a:r>
-              <a:rPr lang="en-US" altLang="zh-TW" dirty="0"/>
-              <a:t>) + \text{span}(\</a:t>
-            </a:r>
-            <a:r>
-              <a:rPr lang="en-US" altLang="zh-TW" dirty="0" err="1"/>
-              <a:t>mathbf</a:t>
-            </a:r>
-            <a:r>
-              <a:rPr lang="en-US" altLang="zh-TW" dirty="0"/>
-              <a:t>{e}_</a:t>
-            </a:r>
-            <a:r>
-              <a:rPr lang="zh-TW" altLang="en-US" dirty="0"/>
-              <a:t>𝑖</a:t>
-            </a:r>
-            <a:r>
-              <a:rPr lang="en-US" altLang="zh-TW" dirty="0"/>
-              <a:t>)\) </a:t>
-            </a:r>
-            <a:r>
-              <a:rPr lang="zh-TW" altLang="en-US" dirty="0"/>
-              <a:t>的點上進行採樣，以便可以利用歷史採樣點</a:t>
-            </a:r>
-            <a:endParaRPr lang="en-US" altLang="zh-TW" dirty="0"/>
+              <a:t>)</a:t>
+            </a:r>
           </a:p>
         </p:txBody>
       </p:sp>
@@ -2520,7 +2340,7 @@
           <a:p>
             <a:fld id="{9D457EAB-1485-47AD-BEAD-484FAEBF5A54}" type="slidenum">
               <a:rPr lang="en-US" smtClean="0"/>
-              <a:t>14</a:t>
+              <a:t>13</a:t>
             </a:fld>
             <a:endParaRPr lang="en-US"/>
           </a:p>
@@ -2529,7 +2349,7 @@
     </p:spTree>
     <p:extLst>
       <p:ext uri="{BB962C8B-B14F-4D97-AF65-F5344CB8AC3E}">
-        <p14:creationId xmlns:p14="http://schemas.microsoft.com/office/powerpoint/2010/main" val="1107728530"/>
+        <p14:creationId xmlns:p14="http://schemas.microsoft.com/office/powerpoint/2010/main" val="3994509600"/>
       </p:ext>
     </p:extLst>
   </p:cSld>
@@ -2583,144 +2403,7 @@
           <a:bodyPr/>
           <a:lstStyle/>
           <a:p>
-            <a:pPr marL="171450" indent="-171450" algn="l">
-              <a:buFont typeface="Arial" panose="020B0604020202020204" pitchFamily="34" charset="0"/>
-              <a:buChar char="•"/>
-            </a:pPr>
-            <a:r>
-              <a:rPr lang="zh-TW" altLang="en-US" b="0" i="0" dirty="0">
-                <a:solidFill>
-                  <a:srgbClr val="0F0F0F"/>
-                </a:solidFill>
-                <a:effectLst/>
-                <a:latin typeface="Söhne"/>
-              </a:rPr>
-              <a:t>連接上一個投影片</a:t>
-            </a:r>
-            <a:endParaRPr lang="en-US" altLang="zh-TW" b="0" i="0" dirty="0">
-              <a:solidFill>
-                <a:srgbClr val="0F0F0F"/>
-              </a:solidFill>
-              <a:effectLst/>
-              <a:latin typeface="Söhne"/>
-            </a:endParaRPr>
-          </a:p>
-          <a:p>
-            <a:pPr marL="171450" indent="-171450" algn="l">
-              <a:buFont typeface="Arial" panose="020B0604020202020204" pitchFamily="34" charset="0"/>
-              <a:buChar char="•"/>
-            </a:pPr>
-            <a:r>
-              <a:rPr lang="zh-CN" altLang="en-US" b="0" i="0" dirty="0">
-                <a:solidFill>
-                  <a:srgbClr val="374151"/>
-                </a:solidFill>
-                <a:effectLst/>
-                <a:latin typeface="Söhne"/>
-              </a:rPr>
-              <a:t>其中 𝑢</a:t>
-            </a:r>
-            <a:r>
-              <a:rPr lang="en-US" altLang="zh-CN" b="0" i="0" dirty="0">
-                <a:solidFill>
-                  <a:srgbClr val="374151"/>
-                </a:solidFill>
-                <a:effectLst/>
-                <a:latin typeface="Söhne"/>
-              </a:rPr>
-              <a:t>(</a:t>
-            </a:r>
-            <a:r>
-              <a:rPr lang="zh-CN" altLang="en-US" b="0" i="0" dirty="0">
-                <a:solidFill>
-                  <a:srgbClr val="374151"/>
-                </a:solidFill>
-                <a:effectLst/>
-                <a:latin typeface="Söhne"/>
-              </a:rPr>
-              <a:t>𝑘</a:t>
-            </a:r>
-            <a:r>
-              <a:rPr lang="en-US" altLang="zh-CN" b="0" i="0" dirty="0">
-                <a:solidFill>
-                  <a:srgbClr val="374151"/>
-                </a:solidFill>
-                <a:effectLst/>
-                <a:latin typeface="Söhne"/>
-              </a:rPr>
-              <a:t>,</a:t>
-            </a:r>
-            <a:r>
-              <a:rPr lang="zh-CN" altLang="en-US" b="0" i="0" dirty="0">
-                <a:solidFill>
-                  <a:srgbClr val="374151"/>
-                </a:solidFill>
-                <a:effectLst/>
-                <a:latin typeface="Söhne"/>
-              </a:rPr>
-              <a:t>𝑖</a:t>
-            </a:r>
-            <a:r>
-              <a:rPr lang="en-US" altLang="zh-CN" b="0" i="0" dirty="0">
-                <a:solidFill>
-                  <a:srgbClr val="374151"/>
-                </a:solidFill>
-                <a:effectLst/>
-                <a:latin typeface="Söhne"/>
-              </a:rPr>
-              <a:t>) </a:t>
-            </a:r>
-            <a:r>
-              <a:rPr lang="zh-CN" altLang="en-US" b="0" i="0" dirty="0">
-                <a:solidFill>
-                  <a:srgbClr val="374151"/>
-                </a:solidFill>
-                <a:effectLst/>
-                <a:latin typeface="Söhne"/>
-              </a:rPr>
-              <a:t>是在 </a:t>
-            </a:r>
-            <a:r>
-              <a:rPr lang="en-US" altLang="zh-CN" b="0" i="0" dirty="0">
-                <a:solidFill>
-                  <a:srgbClr val="374151"/>
-                </a:solidFill>
-                <a:effectLst/>
-                <a:latin typeface="Söhne"/>
-              </a:rPr>
-              <a:t>Y(</a:t>
-            </a:r>
-            <a:r>
-              <a:rPr lang="zh-CN" altLang="en-US" b="0" i="0" dirty="0">
-                <a:solidFill>
-                  <a:srgbClr val="374151"/>
-                </a:solidFill>
-                <a:effectLst/>
-                <a:latin typeface="Söhne"/>
-              </a:rPr>
-              <a:t>𝑘</a:t>
-            </a:r>
-            <a:r>
-              <a:rPr lang="en-US" altLang="zh-CN" b="0" i="0" dirty="0">
-                <a:solidFill>
-                  <a:srgbClr val="374151"/>
-                </a:solidFill>
-                <a:effectLst/>
-                <a:latin typeface="Söhne"/>
-              </a:rPr>
-              <a:t>) </a:t>
-            </a:r>
-            <a:r>
-              <a:rPr lang="zh-CN" altLang="en-US" b="0" i="0" dirty="0">
-                <a:solidFill>
-                  <a:srgbClr val="374151"/>
-                </a:solidFill>
-                <a:effectLst/>
-                <a:latin typeface="Söhne"/>
-              </a:rPr>
-              <a:t>中使得梯度方向与 𝑒𝑖 （标准基向量）更为平行的采样点。</a:t>
-            </a:r>
-            <a:endParaRPr lang="en-US" altLang="zh-TW" dirty="0"/>
+            <a:endParaRPr lang="zh-TW" altLang="en-US" dirty="0"/>
           </a:p>
         </p:txBody>
       </p:sp>
@@ -2750,7 +2433,7 @@
     </p:spTree>
     <p:extLst>
       <p:ext uri="{BB962C8B-B14F-4D97-AF65-F5344CB8AC3E}">
-        <p14:creationId xmlns:p14="http://schemas.microsoft.com/office/powerpoint/2010/main" val="770593187"/>
+        <p14:creationId xmlns:p14="http://schemas.microsoft.com/office/powerpoint/2010/main" val="2278938511"/>
       </p:ext>
     </p:extLst>
   </p:cSld>
@@ -2808,6 +2491,79 @@
               <a:buFont typeface="Arial" panose="020B0604020202020204" pitchFamily="34" charset="0"/>
               <a:buChar char="•"/>
             </a:pPr>
+            <a:r>
+              <a:rPr lang="zh-TW" altLang="en-US" b="0" i="0" dirty="0">
+                <a:solidFill>
+                  <a:srgbClr val="0F0F0F"/>
+                </a:solidFill>
+                <a:effectLst/>
+                <a:latin typeface="Söhne"/>
+              </a:rPr>
+              <a:t>這裡的 </a:t>
+            </a:r>
+            <a:r>
+              <a:rPr lang="en-US" altLang="zh-TW" b="0" i="0" dirty="0">
+                <a:solidFill>
+                  <a:srgbClr val="0F0F0F"/>
+                </a:solidFill>
+                <a:effectLst/>
+                <a:latin typeface="Söhne"/>
+              </a:rPr>
+              <a:t>\(</a:t>
+            </a:r>
+            <a:r>
+              <a:rPr lang="zh-TW" altLang="en-US" b="0" i="0" dirty="0">
+                <a:solidFill>
+                  <a:srgbClr val="0F0F0F"/>
+                </a:solidFill>
+                <a:effectLst/>
+                <a:latin typeface="Söhne"/>
+              </a:rPr>
+              <a:t>𝑛</a:t>
+            </a:r>
+            <a:r>
+              <a:rPr lang="en-US" altLang="zh-TW" b="0" i="0" dirty="0">
+                <a:solidFill>
+                  <a:srgbClr val="0F0F0F"/>
+                </a:solidFill>
+                <a:effectLst/>
+                <a:latin typeface="Söhne"/>
+              </a:rPr>
+              <a:t>\) </a:t>
+            </a:r>
+            <a:r>
+              <a:rPr lang="zh-TW" altLang="en-US" b="0" i="0" dirty="0">
+                <a:solidFill>
+                  <a:srgbClr val="0F0F0F"/>
+                </a:solidFill>
+                <a:effectLst/>
+                <a:latin typeface="Söhne"/>
+              </a:rPr>
+              <a:t>表示原始問題的參數維度</a:t>
+            </a:r>
+            <a:endParaRPr lang="en-US" altLang="zh-TW" b="0" i="0" dirty="0">
+              <a:solidFill>
+                <a:srgbClr val="0F0F0F"/>
+              </a:solidFill>
+              <a:effectLst/>
+              <a:latin typeface="Söhne"/>
+            </a:endParaRPr>
+          </a:p>
+          <a:p>
+            <a:pPr marL="171450" indent="-171450" algn="l">
+              <a:buFont typeface="Arial" panose="020B0604020202020204" pitchFamily="34" charset="0"/>
+              <a:buChar char="•"/>
+            </a:pPr>
+            <a:r>
+              <a:rPr lang="zh-CN" altLang="en-US" b="0" i="0" dirty="0">
+                <a:solidFill>
+                  <a:srgbClr val="374151"/>
+                </a:solidFill>
+                <a:effectLst/>
+                <a:latin typeface="Söhne"/>
+              </a:rPr>
+              <a:t>简而言之，这段文本描述了一种使用子空间投影来近似计算梯度的方法，并且当有先前信息可用时，利用该信息来设置子空间。</a:t>
+            </a:r>
             <a:endParaRPr lang="en-US" altLang="zh-TW" dirty="0"/>
           </a:p>
         </p:txBody>
@@ -2838,7 +2594,7 @@
     </p:spTree>
     <p:extLst>
       <p:ext uri="{BB962C8B-B14F-4D97-AF65-F5344CB8AC3E}">
-        <p14:creationId xmlns:p14="http://schemas.microsoft.com/office/powerpoint/2010/main" val="35460176"/>
+        <p14:creationId xmlns:p14="http://schemas.microsoft.com/office/powerpoint/2010/main" val="1850414774"/>
       </p:ext>
     </p:extLst>
   </p:cSld>
@@ -2896,6 +2652,138 @@
               <a:buFont typeface="Arial" panose="020B0604020202020204" pitchFamily="34" charset="0"/>
               <a:buChar char="•"/>
             </a:pPr>
+            <a:r>
+              <a:rPr lang="zh-TW" altLang="en-US" dirty="0"/>
+              <a:t>構建 </a:t>
+            </a:r>
+            <a:r>
+              <a:rPr lang="en-US" altLang="zh-TW" dirty="0"/>
+              <a:t>m(</a:t>
+            </a:r>
+            <a:r>
+              <a:rPr lang="zh-TW" altLang="en-US" dirty="0"/>
+              <a:t>𝑘</a:t>
+            </a:r>
+            <a:r>
+              <a:rPr lang="en-US" altLang="zh-TW" dirty="0"/>
+              <a:t>)_</a:t>
+            </a:r>
+            <a:r>
+              <a:rPr lang="zh-TW" altLang="en-US" dirty="0"/>
+              <a:t>𝑖</a:t>
+            </a:r>
+            <a:r>
+              <a:rPr lang="en-US" altLang="zh-TW" dirty="0"/>
+              <a:t> (model???)</a:t>
+            </a:r>
+            <a:r>
+              <a:rPr lang="zh-TW" altLang="en-US" dirty="0"/>
+              <a:t>的直觀想法是在 </a:t>
+            </a:r>
+            <a:r>
+              <a:rPr lang="en-US" altLang="zh-TW" dirty="0"/>
+              <a:t>\(</a:t>
+            </a:r>
+            <a:r>
+              <a:rPr lang="zh-TW" altLang="en-US" dirty="0"/>
+              <a:t>𝑥 </a:t>
+            </a:r>
+            <a:r>
+              <a:rPr lang="en-US" altLang="zh-TW" dirty="0"/>
+              <a:t>(</a:t>
+            </a:r>
+            <a:r>
+              <a:rPr lang="zh-TW" altLang="en-US" dirty="0"/>
+              <a:t>𝑘</a:t>
+            </a:r>
+            <a:r>
+              <a:rPr lang="en-US" altLang="zh-TW" dirty="0"/>
+              <a:t>) + \text{span}(\</a:t>
+            </a:r>
+            <a:r>
+              <a:rPr lang="en-US" altLang="zh-TW" dirty="0" err="1"/>
+              <a:t>mathbf</a:t>
+            </a:r>
+            <a:r>
+              <a:rPr lang="en-US" altLang="zh-TW" dirty="0"/>
+              <a:t>{e}_</a:t>
+            </a:r>
+            <a:r>
+              <a:rPr lang="zh-TW" altLang="en-US" dirty="0"/>
+              <a:t>𝑖</a:t>
+            </a:r>
+            <a:r>
+              <a:rPr lang="en-US" altLang="zh-TW" dirty="0"/>
+              <a:t>)\) </a:t>
+            </a:r>
+            <a:r>
+              <a:rPr lang="zh-TW" altLang="en-US" dirty="0"/>
+              <a:t>上使用三個採樣點進行插值，以逼近 </a:t>
+            </a:r>
+            <a:r>
+              <a:rPr lang="en-US" altLang="zh-TW" dirty="0"/>
+              <a:t>\(f\)</a:t>
+            </a:r>
+            <a:r>
+              <a:rPr lang="zh-TW" altLang="en-US" dirty="0"/>
+              <a:t>。然而，這將導致 </a:t>
+            </a:r>
+            <a:r>
+              <a:rPr lang="en-US" altLang="zh-TW" dirty="0"/>
+              <a:t>O(</a:t>
+            </a:r>
+            <a:r>
+              <a:rPr lang="zh-TW" altLang="en-US" dirty="0"/>
+              <a:t>𝑛</a:t>
+            </a:r>
+            <a:r>
+              <a:rPr lang="en-US" altLang="zh-TW" dirty="0"/>
+              <a:t>) </a:t>
+            </a:r>
+            <a:r>
+              <a:rPr lang="zh-TW" altLang="en-US" dirty="0"/>
+              <a:t>的函數值評估成本。為了更經濟，考慮在離開線 </a:t>
+            </a:r>
+            <a:r>
+              <a:rPr lang="en-US" altLang="zh-TW" dirty="0"/>
+              <a:t>\(</a:t>
+            </a:r>
+            <a:r>
+              <a:rPr lang="zh-TW" altLang="en-US" dirty="0"/>
+              <a:t>𝑥 </a:t>
+            </a:r>
+            <a:r>
+              <a:rPr lang="en-US" altLang="zh-TW" dirty="0"/>
+              <a:t>(</a:t>
+            </a:r>
+            <a:r>
+              <a:rPr lang="zh-TW" altLang="en-US" dirty="0"/>
+              <a:t>𝑘</a:t>
+            </a:r>
+            <a:r>
+              <a:rPr lang="en-US" altLang="zh-TW" dirty="0"/>
+              <a:t>) + \text{span}(\</a:t>
+            </a:r>
+            <a:r>
+              <a:rPr lang="en-US" altLang="zh-TW" dirty="0" err="1"/>
+              <a:t>mathbf</a:t>
+            </a:r>
+            <a:r>
+              <a:rPr lang="en-US" altLang="zh-TW" dirty="0"/>
+              <a:t>{e}_</a:t>
+            </a:r>
+            <a:r>
+              <a:rPr lang="zh-TW" altLang="en-US" dirty="0"/>
+              <a:t>𝑖</a:t>
+            </a:r>
+            <a:r>
+              <a:rPr lang="en-US" altLang="zh-TW" dirty="0"/>
+              <a:t>)\) </a:t>
+            </a:r>
+            <a:r>
+              <a:rPr lang="zh-TW" altLang="en-US" dirty="0"/>
+              <a:t>的點上進行採樣，以便可以利用歷史採樣點</a:t>
+            </a:r>
             <a:endParaRPr lang="en-US" altLang="zh-TW" dirty="0"/>
           </a:p>
         </p:txBody>
@@ -2926,7 +2814,7 @@
     </p:spTree>
     <p:extLst>
       <p:ext uri="{BB962C8B-B14F-4D97-AF65-F5344CB8AC3E}">
-        <p14:creationId xmlns:p14="http://schemas.microsoft.com/office/powerpoint/2010/main" val="4117743439"/>
+        <p14:creationId xmlns:p14="http://schemas.microsoft.com/office/powerpoint/2010/main" val="1107728530"/>
       </p:ext>
     </p:extLst>
   </p:cSld>
@@ -2994,6 +2882,129 @@
               </a:rPr>
               <a:t>連接上一個投影片</a:t>
             </a:r>
+            <a:endParaRPr lang="en-US" altLang="zh-TW" b="0" i="0" dirty="0">
+              <a:solidFill>
+                <a:srgbClr val="0F0F0F"/>
+              </a:solidFill>
+              <a:effectLst/>
+              <a:latin typeface="Söhne"/>
+            </a:endParaRPr>
+          </a:p>
+          <a:p>
+            <a:pPr marL="171450" indent="-171450" algn="l">
+              <a:buFont typeface="Arial" panose="020B0604020202020204" pitchFamily="34" charset="0"/>
+              <a:buChar char="•"/>
+            </a:pPr>
+            <a:r>
+              <a:rPr lang="zh-CN" altLang="en-US" b="0" i="0" dirty="0">
+                <a:solidFill>
+                  <a:srgbClr val="374151"/>
+                </a:solidFill>
+                <a:effectLst/>
+                <a:latin typeface="Söhne"/>
+              </a:rPr>
+              <a:t>其中 𝑢</a:t>
+            </a:r>
+            <a:r>
+              <a:rPr lang="en-US" altLang="zh-CN" b="0" i="0" dirty="0">
+                <a:solidFill>
+                  <a:srgbClr val="374151"/>
+                </a:solidFill>
+                <a:effectLst/>
+                <a:latin typeface="Söhne"/>
+              </a:rPr>
+              <a:t>(</a:t>
+            </a:r>
+            <a:r>
+              <a:rPr lang="zh-CN" altLang="en-US" b="0" i="0" dirty="0">
+                <a:solidFill>
+                  <a:srgbClr val="374151"/>
+                </a:solidFill>
+                <a:effectLst/>
+                <a:latin typeface="Söhne"/>
+              </a:rPr>
+              <a:t>𝑘</a:t>
+            </a:r>
+            <a:r>
+              <a:rPr lang="en-US" altLang="zh-CN" b="0" i="0" dirty="0">
+                <a:solidFill>
+                  <a:srgbClr val="374151"/>
+                </a:solidFill>
+                <a:effectLst/>
+                <a:latin typeface="Söhne"/>
+              </a:rPr>
+              <a:t>,</a:t>
+            </a:r>
+            <a:r>
+              <a:rPr lang="zh-CN" altLang="en-US" b="0" i="0" dirty="0">
+                <a:solidFill>
+                  <a:srgbClr val="374151"/>
+                </a:solidFill>
+                <a:effectLst/>
+                <a:latin typeface="Söhne"/>
+              </a:rPr>
+              <a:t>𝑖</a:t>
+            </a:r>
+            <a:r>
+              <a:rPr lang="en-US" altLang="zh-CN" b="0" i="0" dirty="0">
+                <a:solidFill>
+                  <a:srgbClr val="374151"/>
+                </a:solidFill>
+                <a:effectLst/>
+                <a:latin typeface="Söhne"/>
+              </a:rPr>
+              <a:t>) </a:t>
+            </a:r>
+            <a:r>
+              <a:rPr lang="zh-CN" altLang="en-US" b="0" i="0" dirty="0">
+                <a:solidFill>
+                  <a:srgbClr val="374151"/>
+                </a:solidFill>
+                <a:effectLst/>
+                <a:latin typeface="Söhne"/>
+              </a:rPr>
+              <a:t>是在 </a:t>
+            </a:r>
+            <a:r>
+              <a:rPr lang="en-US" altLang="zh-CN" b="0" i="0" dirty="0">
+                <a:solidFill>
+                  <a:srgbClr val="374151"/>
+                </a:solidFill>
+                <a:effectLst/>
+                <a:latin typeface="Söhne"/>
+              </a:rPr>
+              <a:t>Y(</a:t>
+            </a:r>
+            <a:r>
+              <a:rPr lang="zh-CN" altLang="en-US" b="0" i="0" dirty="0">
+                <a:solidFill>
+                  <a:srgbClr val="374151"/>
+                </a:solidFill>
+                <a:effectLst/>
+                <a:latin typeface="Söhne"/>
+              </a:rPr>
+              <a:t>𝑘</a:t>
+            </a:r>
+            <a:r>
+              <a:rPr lang="en-US" altLang="zh-CN" b="0" i="0" dirty="0">
+                <a:solidFill>
+                  <a:srgbClr val="374151"/>
+                </a:solidFill>
+                <a:effectLst/>
+                <a:latin typeface="Söhne"/>
+              </a:rPr>
+              <a:t>) </a:t>
+            </a:r>
+            <a:r>
+              <a:rPr lang="zh-CN" altLang="en-US" b="0" i="0" dirty="0">
+                <a:solidFill>
+                  <a:srgbClr val="374151"/>
+                </a:solidFill>
+                <a:effectLst/>
+                <a:latin typeface="Söhne"/>
+              </a:rPr>
+              <a:t>中使得梯度方向与 𝑒𝑖 （标准基向量）更为平行的采样点。</a:t>
+            </a:r>
             <a:endParaRPr lang="en-US" altLang="zh-TW" dirty="0"/>
           </a:p>
         </p:txBody>
@@ -3024,7 +3035,7 @@
     </p:spTree>
     <p:extLst>
       <p:ext uri="{BB962C8B-B14F-4D97-AF65-F5344CB8AC3E}">
-        <p14:creationId xmlns:p14="http://schemas.microsoft.com/office/powerpoint/2010/main" val="1138293713"/>
+        <p14:creationId xmlns:p14="http://schemas.microsoft.com/office/powerpoint/2010/main" val="770593187"/>
       </p:ext>
     </p:extLst>
   </p:cSld>
@@ -3082,16 +3093,6 @@
               <a:buFont typeface="Arial" panose="020B0604020202020204" pitchFamily="34" charset="0"/>
               <a:buChar char="•"/>
             </a:pPr>
-            <a:r>
-              <a:rPr lang="zh-TW" altLang="en-US" b="0" i="0" dirty="0">
-                <a:solidFill>
-                  <a:srgbClr val="0F0F0F"/>
-                </a:solidFill>
-                <a:effectLst/>
-                <a:latin typeface="Söhne"/>
-              </a:rPr>
-              <a:t>連接上一個投影片</a:t>
-            </a:r>
             <a:endParaRPr lang="en-US" altLang="zh-TW" dirty="0"/>
           </a:p>
         </p:txBody>
@@ -3122,7 +3123,7 @@
     </p:spTree>
     <p:extLst>
       <p:ext uri="{BB962C8B-B14F-4D97-AF65-F5344CB8AC3E}">
-        <p14:creationId xmlns:p14="http://schemas.microsoft.com/office/powerpoint/2010/main" val="1758460101"/>
+        <p14:creationId xmlns:p14="http://schemas.microsoft.com/office/powerpoint/2010/main" val="35460176"/>
       </p:ext>
     </p:extLst>
   </p:cSld>
@@ -3260,80 +3261,11 @@
           <a:bodyPr/>
           <a:lstStyle/>
           <a:p>
-            <a:pPr marL="171450" indent="-171450">
+            <a:pPr marL="171450" indent="-171450" algn="l">
               <a:buFont typeface="Arial" panose="020B0604020202020204" pitchFamily="34" charset="0"/>
               <a:buChar char="•"/>
             </a:pPr>
-            <a:r>
-              <a:rPr lang="zh-TW" altLang="en-US" dirty="0"/>
-              <a:t>比較</a:t>
-            </a:r>
-            <a:r>
-              <a:rPr lang="en-US" altLang="zh-TW" dirty="0"/>
-              <a:t>gradient</a:t>
-            </a:r>
-            <a:r>
-              <a:rPr lang="zh-TW" altLang="en-US" dirty="0"/>
-              <a:t>的部分</a:t>
-            </a:r>
             <a:endParaRPr lang="en-US" altLang="zh-TW" dirty="0"/>
-          </a:p>
-          <a:p>
-            <a:pPr marL="171450" indent="-171450">
-              <a:buFont typeface="Arial" panose="020B0604020202020204" pitchFamily="34" charset="0"/>
-              <a:buChar char="•"/>
-            </a:pPr>
-            <a:r>
-              <a:rPr lang="zh-TW" altLang="en-US" b="0" i="0" dirty="0">
-                <a:solidFill>
-                  <a:srgbClr val="374151"/>
-                </a:solidFill>
-                <a:effectLst/>
-                <a:latin typeface="Söhne"/>
-              </a:rPr>
-              <a:t>從</a:t>
-            </a:r>
-            <a:r>
-              <a:rPr lang="en-US" altLang="zh-TW" b="0" i="0" dirty="0">
-                <a:solidFill>
-                  <a:srgbClr val="374151"/>
-                </a:solidFill>
-                <a:effectLst/>
-                <a:latin typeface="Söhne"/>
-              </a:rPr>
-              <a:t>Table 2</a:t>
-            </a:r>
-            <a:r>
-              <a:rPr lang="zh-TW" altLang="en-US" b="0" i="0" dirty="0">
-                <a:solidFill>
-                  <a:srgbClr val="374151"/>
-                </a:solidFill>
-                <a:effectLst/>
-                <a:latin typeface="Söhne"/>
-              </a:rPr>
-              <a:t>的結果中，我們可以觀察到</a:t>
-            </a:r>
-            <a:r>
-              <a:rPr lang="en-US" altLang="zh-TW" b="0" i="0" dirty="0">
-                <a:solidFill>
-                  <a:srgbClr val="374151"/>
-                </a:solidFill>
-                <a:effectLst/>
-                <a:latin typeface="Söhne"/>
-              </a:rPr>
-              <a:t>KOSIM</a:t>
-            </a:r>
-            <a:r>
-              <a:rPr lang="zh-TW" altLang="en-US" b="0" i="0" dirty="0">
-                <a:solidFill>
-                  <a:srgbClr val="374151"/>
-                </a:solidFill>
-                <a:effectLst/>
-                <a:latin typeface="Söhne"/>
-              </a:rPr>
-              <a:t>中的二次模型明顯加速了算法。</a:t>
-            </a:r>
-            <a:endParaRPr lang="zh-TW" altLang="en-US" dirty="0"/>
           </a:p>
         </p:txBody>
       </p:sp>
@@ -3363,7 +3295,7 @@
     </p:spTree>
     <p:extLst>
       <p:ext uri="{BB962C8B-B14F-4D97-AF65-F5344CB8AC3E}">
-        <p14:creationId xmlns:p14="http://schemas.microsoft.com/office/powerpoint/2010/main" val="3913242124"/>
+        <p14:creationId xmlns:p14="http://schemas.microsoft.com/office/powerpoint/2010/main" val="4117743439"/>
       </p:ext>
     </p:extLst>
   </p:cSld>
@@ -3417,18 +3349,21 @@
           <a:bodyPr/>
           <a:lstStyle/>
           <a:p>
-            <a:r>
-              <a:rPr lang="zh-TW" altLang="en-US" dirty="0"/>
-              <a:t>比較</a:t>
-            </a:r>
-            <a:r>
-              <a:rPr lang="en-US" altLang="zh-TW" dirty="0"/>
-              <a:t>DFO</a:t>
-            </a:r>
-            <a:r>
-              <a:rPr lang="zh-TW" altLang="en-US" dirty="0"/>
-              <a:t>的部分</a:t>
-            </a:r>
+            <a:pPr marL="171450" indent="-171450" algn="l">
+              <a:buFont typeface="Arial" panose="020B0604020202020204" pitchFamily="34" charset="0"/>
+              <a:buChar char="•"/>
+            </a:pPr>
+            <a:r>
+              <a:rPr lang="zh-TW" altLang="en-US" b="0" i="0" dirty="0">
+                <a:solidFill>
+                  <a:srgbClr val="0F0F0F"/>
+                </a:solidFill>
+                <a:effectLst/>
+                <a:latin typeface="Söhne"/>
+              </a:rPr>
+              <a:t>連接上一個投影片</a:t>
+            </a:r>
+            <a:endParaRPr lang="en-US" altLang="zh-TW" dirty="0"/>
           </a:p>
         </p:txBody>
       </p:sp>
@@ -3458,7 +3393,7 @@
     </p:spTree>
     <p:extLst>
       <p:ext uri="{BB962C8B-B14F-4D97-AF65-F5344CB8AC3E}">
-        <p14:creationId xmlns:p14="http://schemas.microsoft.com/office/powerpoint/2010/main" val="3708184894"/>
+        <p14:creationId xmlns:p14="http://schemas.microsoft.com/office/powerpoint/2010/main" val="1138293713"/>
       </p:ext>
     </p:extLst>
   </p:cSld>
@@ -3512,80 +3447,21 @@
           <a:bodyPr/>
           <a:lstStyle/>
           <a:p>
-            <a:pPr marL="171450" indent="-171450">
+            <a:pPr marL="171450" indent="-171450" algn="l">
               <a:buFont typeface="Arial" panose="020B0604020202020204" pitchFamily="34" charset="0"/>
               <a:buChar char="•"/>
             </a:pPr>
             <a:r>
-              <a:rPr lang="zh-TW" altLang="en-US" dirty="0"/>
-              <a:t>比較</a:t>
-            </a:r>
-            <a:r>
-              <a:rPr lang="en-US" altLang="zh-TW" dirty="0"/>
-              <a:t>DFO</a:t>
-            </a:r>
-            <a:r>
-              <a:rPr lang="zh-TW" altLang="en-US" dirty="0"/>
-              <a:t>的部分</a:t>
-            </a:r>
-            <a:endParaRPr lang="en-US" altLang="zh-TW" dirty="0"/>
-          </a:p>
-          <a:p>
-            <a:pPr marL="171450" indent="-171450">
-              <a:buFont typeface="Arial" panose="020B0604020202020204" pitchFamily="34" charset="0"/>
-              <a:buChar char="•"/>
-            </a:pPr>
-            <a:r>
               <a:rPr lang="zh-TW" altLang="en-US" b="0" i="0" dirty="0">
                 <a:solidFill>
-                  <a:srgbClr val="374151"/>
+                  <a:srgbClr val="0F0F0F"/>
                 </a:solidFill>
                 <a:effectLst/>
                 <a:latin typeface="Söhne"/>
               </a:rPr>
-              <a:t>我們可以清楚地觀察到</a:t>
-            </a:r>
-            <a:r>
-              <a:rPr lang="en-US" altLang="zh-TW" b="0" i="0" dirty="0">
-                <a:solidFill>
-                  <a:srgbClr val="374151"/>
-                </a:solidFill>
-                <a:effectLst/>
-                <a:latin typeface="Söhne"/>
-              </a:rPr>
-              <a:t>KOSIM</a:t>
-            </a:r>
-            <a:r>
-              <a:rPr lang="zh-TW" altLang="en-US" b="0" i="0" dirty="0">
-                <a:solidFill>
-                  <a:srgbClr val="374151"/>
-                </a:solidFill>
-                <a:effectLst/>
-                <a:latin typeface="Söhne"/>
-              </a:rPr>
-              <a:t>在這兩個問題上的效率優於</a:t>
-            </a:r>
-            <a:r>
-              <a:rPr lang="en-US" altLang="zh-TW" b="0" i="0" dirty="0" err="1">
-                <a:solidFill>
-                  <a:srgbClr val="374151"/>
-                </a:solidFill>
-                <a:effectLst/>
-                <a:latin typeface="Söhne"/>
-              </a:rPr>
-              <a:t>Nevergrad</a:t>
-            </a:r>
-            <a:r>
-              <a:rPr lang="zh-TW" altLang="en-US" b="0" i="0" dirty="0">
-                <a:solidFill>
-                  <a:srgbClr val="374151"/>
-                </a:solidFill>
-                <a:effectLst/>
-                <a:latin typeface="Söhne"/>
-              </a:rPr>
-              <a:t>。</a:t>
-            </a:r>
-            <a:endParaRPr lang="zh-TW" altLang="en-US" dirty="0"/>
+              <a:t>連接上一個投影片</a:t>
+            </a:r>
+            <a:endParaRPr lang="en-US" altLang="zh-TW" dirty="0"/>
           </a:p>
         </p:txBody>
       </p:sp>
@@ -3615,7 +3491,7 @@
     </p:spTree>
     <p:extLst>
       <p:ext uri="{BB962C8B-B14F-4D97-AF65-F5344CB8AC3E}">
-        <p14:creationId xmlns:p14="http://schemas.microsoft.com/office/powerpoint/2010/main" val="2873187112"/>
+        <p14:creationId xmlns:p14="http://schemas.microsoft.com/office/powerpoint/2010/main" val="1758460101"/>
       </p:ext>
     </p:extLst>
   </p:cSld>
@@ -3669,10 +3545,6 @@
           <a:bodyPr/>
           <a:lstStyle/>
           <a:p>
-            <a:pPr marL="171450" indent="-171450">
-              <a:buFont typeface="Arial" panose="020B0604020202020204" pitchFamily="34" charset="0"/>
-              <a:buChar char="•"/>
-            </a:pPr>
             <a:endParaRPr lang="zh-TW" altLang="en-US" dirty="0"/>
           </a:p>
         </p:txBody>
@@ -3703,7 +3575,7 @@
     </p:spTree>
     <p:extLst>
       <p:ext uri="{BB962C8B-B14F-4D97-AF65-F5344CB8AC3E}">
-        <p14:creationId xmlns:p14="http://schemas.microsoft.com/office/powerpoint/2010/main" val="2857051385"/>
+        <p14:creationId xmlns:p14="http://schemas.microsoft.com/office/powerpoint/2010/main" val="1515100236"/>
       </p:ext>
     </p:extLst>
   </p:cSld>
@@ -3761,6 +3633,75 @@
               <a:buFont typeface="Arial" panose="020B0604020202020204" pitchFamily="34" charset="0"/>
               <a:buChar char="•"/>
             </a:pPr>
+            <a:r>
+              <a:rPr lang="zh-TW" altLang="en-US" dirty="0"/>
+              <a:t>比較</a:t>
+            </a:r>
+            <a:r>
+              <a:rPr lang="en-US" altLang="zh-TW" dirty="0"/>
+              <a:t>gradient</a:t>
+            </a:r>
+            <a:r>
+              <a:rPr lang="zh-TW" altLang="en-US" dirty="0"/>
+              <a:t>的部分</a:t>
+            </a:r>
+            <a:endParaRPr lang="en-US" altLang="zh-TW" dirty="0"/>
+          </a:p>
+          <a:p>
+            <a:pPr marL="171450" indent="-171450">
+              <a:buFont typeface="Arial" panose="020B0604020202020204" pitchFamily="34" charset="0"/>
+              <a:buChar char="•"/>
+            </a:pPr>
+            <a:r>
+              <a:rPr lang="zh-TW" altLang="en-US" b="0" i="0" dirty="0">
+                <a:solidFill>
+                  <a:srgbClr val="374151"/>
+                </a:solidFill>
+                <a:effectLst/>
+                <a:latin typeface="Söhne"/>
+              </a:rPr>
+              <a:t>從</a:t>
+            </a:r>
+            <a:r>
+              <a:rPr lang="en-US" altLang="zh-TW" b="0" i="0" dirty="0">
+                <a:solidFill>
+                  <a:srgbClr val="374151"/>
+                </a:solidFill>
+                <a:effectLst/>
+                <a:latin typeface="Söhne"/>
+              </a:rPr>
+              <a:t>Table 2</a:t>
+            </a:r>
+            <a:r>
+              <a:rPr lang="zh-TW" altLang="en-US" b="0" i="0" dirty="0">
+                <a:solidFill>
+                  <a:srgbClr val="374151"/>
+                </a:solidFill>
+                <a:effectLst/>
+                <a:latin typeface="Söhne"/>
+              </a:rPr>
+              <a:t>的結果中，我們可以觀察到</a:t>
+            </a:r>
+            <a:r>
+              <a:rPr lang="en-US" altLang="zh-TW" b="0" i="0" dirty="0">
+                <a:solidFill>
+                  <a:srgbClr val="374151"/>
+                </a:solidFill>
+                <a:effectLst/>
+                <a:latin typeface="Söhne"/>
+              </a:rPr>
+              <a:t>KOSIM</a:t>
+            </a:r>
+            <a:r>
+              <a:rPr lang="zh-TW" altLang="en-US" b="0" i="0" dirty="0">
+                <a:solidFill>
+                  <a:srgbClr val="374151"/>
+                </a:solidFill>
+                <a:effectLst/>
+                <a:latin typeface="Söhne"/>
+              </a:rPr>
+              <a:t>中的二次模型明顯加速了算法。</a:t>
+            </a:r>
             <a:endParaRPr lang="zh-TW" altLang="en-US" dirty="0"/>
           </a:p>
         </p:txBody>
@@ -3791,7 +3732,7 @@
     </p:spTree>
     <p:extLst>
       <p:ext uri="{BB962C8B-B14F-4D97-AF65-F5344CB8AC3E}">
-        <p14:creationId xmlns:p14="http://schemas.microsoft.com/office/powerpoint/2010/main" val="2749690616"/>
+        <p14:creationId xmlns:p14="http://schemas.microsoft.com/office/powerpoint/2010/main" val="3913242124"/>
       </p:ext>
     </p:extLst>
   </p:cSld>
@@ -3845,11 +3786,18 @@
           <a:bodyPr/>
           <a:lstStyle/>
           <a:p>
-            <a:pPr marL="171450" indent="-171450">
-              <a:buFont typeface="Arial" panose="020B0604020202020204" pitchFamily="34" charset="0"/>
-              <a:buChar char="•"/>
-            </a:pPr>
-            <a:endParaRPr lang="zh-TW" altLang="en-US" dirty="0"/>
+            <a:r>
+              <a:rPr lang="zh-TW" altLang="en-US" dirty="0"/>
+              <a:t>比較</a:t>
+            </a:r>
+            <a:r>
+              <a:rPr lang="en-US" altLang="zh-TW" dirty="0"/>
+              <a:t>DFO</a:t>
+            </a:r>
+            <a:r>
+              <a:rPr lang="zh-TW" altLang="en-US" dirty="0"/>
+              <a:t>的部分</a:t>
+            </a:r>
           </a:p>
         </p:txBody>
       </p:sp>
@@ -3879,7 +3827,7 @@
     </p:spTree>
     <p:extLst>
       <p:ext uri="{BB962C8B-B14F-4D97-AF65-F5344CB8AC3E}">
-        <p14:creationId xmlns:p14="http://schemas.microsoft.com/office/powerpoint/2010/main" val="2191150234"/>
+        <p14:creationId xmlns:p14="http://schemas.microsoft.com/office/powerpoint/2010/main" val="3708184894"/>
       </p:ext>
     </p:extLst>
   </p:cSld>
@@ -3933,23 +3881,39 @@
           <a:bodyPr/>
           <a:lstStyle/>
           <a:p>
-            <a:pPr marL="171450" marR="0" lvl="0" indent="-171450" algn="l" defTabSz="914400" rtl="0" eaLnBrk="1" fontAlgn="auto" latinLnBrk="0" hangingPunct="1">
-              <a:lnSpc>
-                <a:spcPct val="100000"/>
-              </a:lnSpc>
-              <a:spcBef>
-                <a:spcPts val="0"/>
-              </a:spcBef>
-              <a:spcAft>
-                <a:spcPts val="0"/>
-              </a:spcAft>
-              <a:buClrTx/>
-              <a:buSzTx/>
+            <a:pPr marL="171450" indent="-171450">
               <a:buFont typeface="Arial" panose="020B0604020202020204" pitchFamily="34" charset="0"/>
               <a:buChar char="•"/>
-              <a:tabLst/>
-              <a:defRPr/>
             </a:pPr>
+            <a:r>
+              <a:rPr lang="zh-TW" altLang="en-US" dirty="0"/>
+              <a:t>比較</a:t>
+            </a:r>
+            <a:r>
+              <a:rPr lang="en-US" altLang="zh-TW" dirty="0"/>
+              <a:t>DFO</a:t>
+            </a:r>
+            <a:r>
+              <a:rPr lang="zh-TW" altLang="en-US" dirty="0"/>
+              <a:t>的部分</a:t>
+            </a:r>
+            <a:endParaRPr lang="en-US" altLang="zh-TW" dirty="0"/>
+          </a:p>
+          <a:p>
+            <a:pPr marL="171450" indent="-171450">
+              <a:buFont typeface="Arial" panose="020B0604020202020204" pitchFamily="34" charset="0"/>
+              <a:buChar char="•"/>
+            </a:pPr>
+            <a:r>
+              <a:rPr lang="zh-TW" altLang="en-US" b="0" i="0" dirty="0">
+                <a:solidFill>
+                  <a:srgbClr val="374151"/>
+                </a:solidFill>
+                <a:effectLst/>
+                <a:latin typeface="Söhne"/>
+              </a:rPr>
+              <a:t>我們可以清楚地觀察到</a:t>
+            </a:r>
             <a:r>
               <a:rPr lang="en-US" altLang="zh-TW" b="0" i="0" dirty="0">
                 <a:solidFill>
@@ -3968,57 +3932,17 @@
                 <a:effectLst/>
                 <a:latin typeface="Söhne"/>
               </a:rPr>
-              <a:t>在</a:t>
-            </a:r>
-            <a:r>
-              <a:rPr lang="en-US" altLang="zh-TW" b="0" i="0" dirty="0">
+              <a:t>在這兩個問題上的效率優於</a:t>
+            </a:r>
+            <a:r>
+              <a:rPr lang="en-US" altLang="zh-TW" b="0" i="0" dirty="0" err="1">
                 <a:solidFill>
                   <a:srgbClr val="374151"/>
                 </a:solidFill>
                 <a:effectLst/>
                 <a:latin typeface="Söhne"/>
               </a:rPr>
-              <a:t>500</a:t>
-            </a:r>
-            <a:r>
-              <a:rPr lang="zh-TW" altLang="en-US" b="0" i="0" dirty="0">
-                <a:solidFill>
-                  <a:srgbClr val="374151"/>
-                </a:solidFill>
-                <a:effectLst/>
-                <a:latin typeface="Söhne"/>
-              </a:rPr>
-              <a:t>次函數評估內給出了對</a:t>
-            </a:r>
-            <a:r>
-              <a:rPr lang="en-US" altLang="zh-TW" b="0" i="0" dirty="0">
-                <a:solidFill>
-                  <a:srgbClr val="374151"/>
-                </a:solidFill>
-                <a:effectLst/>
-                <a:latin typeface="Söhne"/>
-              </a:rPr>
-              <a:t>MASK</a:t>
-            </a:r>
-            <a:r>
-              <a:rPr lang="zh-TW" altLang="en-US" b="0" i="0" dirty="0">
-                <a:solidFill>
-                  <a:srgbClr val="374151"/>
-                </a:solidFill>
-                <a:effectLst/>
-                <a:latin typeface="Söhne"/>
-              </a:rPr>
-              <a:t>的高精度校正。這是一個相當可觀的結果，因為問題的維度遠大於</a:t>
-            </a:r>
-            <a:r>
-              <a:rPr lang="en-US" altLang="zh-TW" b="0" i="0" dirty="0">
-                <a:solidFill>
-                  <a:srgbClr val="374151"/>
-                </a:solidFill>
-                <a:effectLst/>
-                <a:latin typeface="Söhne"/>
-              </a:rPr>
-              <a:t>500</a:t>
+              <a:t>Nevergrad</a:t>
             </a:r>
             <a:r>
               <a:rPr lang="zh-TW" altLang="en-US" b="0" i="0" dirty="0">
@@ -4032,6 +3956,87 @@
             </a:r>
             <a:endParaRPr lang="zh-TW" altLang="en-US" dirty="0"/>
           </a:p>
+        </p:txBody>
+      </p:sp>
+      <p:sp>
+        <p:nvSpPr>
+          <p:cNvPr id="4" name="投影片編號版面配置區 3"/>
+          <p:cNvSpPr>
+            <a:spLocks noGrp="1"/>
+          </p:cNvSpPr>
+          <p:nvPr>
+            <p:ph type="sldNum" sz="quarter" idx="5"/>
+          </p:nvPr>
+        </p:nvSpPr>
+        <p:spPr/>
+        <p:txBody>
+          <a:bodyPr/>
+          <a:lstStyle/>
+          <a:p>
+            <a:fld id="{9D457EAB-1485-47AD-BEAD-484FAEBF5A54}" type="slidenum">
+              <a:rPr lang="en-US" smtClean="0"/>
+              <a:t>26</a:t>
+            </a:fld>
+            <a:endParaRPr lang="en-US"/>
+          </a:p>
+        </p:txBody>
+      </p:sp>
+    </p:spTree>
+    <p:extLst>
+      <p:ext uri="{BB962C8B-B14F-4D97-AF65-F5344CB8AC3E}">
+        <p14:creationId xmlns:p14="http://schemas.microsoft.com/office/powerpoint/2010/main" val="2873187112"/>
+      </p:ext>
+    </p:extLst>
+  </p:cSld>
+  <p:clrMapOvr>
+    <a:masterClrMapping/>
+  </p:clrMapOvr>
+</p:notes>
+</file>
+
+<file path=ppt/notesSlides/notesSlide27.xml><?xml version="1.0" encoding="utf-8"?>
+<p:notes xmlns:a="http://schemas.openxmlformats.org/drawingml/2006/main" xmlns:r="http://schemas.openxmlformats.org/officeDocument/2006/relationships" xmlns:p="http://schemas.openxmlformats.org/presentationml/2006/main">
+  <p:cSld>
+    <p:spTree>
+      <p:nvGrpSpPr>
+        <p:cNvPr id="1" name=""/>
+        <p:cNvGrpSpPr/>
+        <p:nvPr/>
+      </p:nvGrpSpPr>
+      <p:grpSpPr>
+        <a:xfrm>
+          <a:off x="0" y="0"/>
+          <a:ext cx="0" cy="0"/>
+          <a:chOff x="0" y="0"/>
+          <a:chExt cx="0" cy="0"/>
+        </a:xfrm>
+      </p:grpSpPr>
+      <p:sp>
+        <p:nvSpPr>
+          <p:cNvPr id="2" name="投影片影像版面配置區 1"/>
+          <p:cNvSpPr>
+            <a:spLocks noGrp="1" noRot="1" noChangeAspect="1"/>
+          </p:cNvSpPr>
+          <p:nvPr>
+            <p:ph type="sldImg"/>
+          </p:nvPr>
+        </p:nvSpPr>
+        <p:spPr/>
+      </p:sp>
+      <p:sp>
+        <p:nvSpPr>
+          <p:cNvPr id="3" name="備忘稿版面配置區 2"/>
+          <p:cNvSpPr>
+            <a:spLocks noGrp="1"/>
+          </p:cNvSpPr>
+          <p:nvPr>
+            <p:ph type="body" idx="1"/>
+          </p:nvPr>
+        </p:nvSpPr>
+        <p:spPr/>
+        <p:txBody>
+          <a:bodyPr/>
+          <a:lstStyle/>
           <a:p>
             <a:pPr marL="171450" indent="-171450">
               <a:buFont typeface="Arial" panose="020B0604020202020204" pitchFamily="34" charset="0"/>
@@ -4058,7 +4063,7 @@
           <a:p>
             <a:fld id="{9D457EAB-1485-47AD-BEAD-484FAEBF5A54}" type="slidenum">
               <a:rPr lang="en-US" smtClean="0"/>
-              <a:t>26</a:t>
+              <a:t>27</a:t>
             </a:fld>
             <a:endParaRPr lang="en-US"/>
           </a:p>
@@ -4067,7 +4072,183 @@
     </p:spTree>
     <p:extLst>
       <p:ext uri="{BB962C8B-B14F-4D97-AF65-F5344CB8AC3E}">
-        <p14:creationId xmlns:p14="http://schemas.microsoft.com/office/powerpoint/2010/main" val="1630488597"/>
+        <p14:creationId xmlns:p14="http://schemas.microsoft.com/office/powerpoint/2010/main" val="2857051385"/>
+      </p:ext>
+    </p:extLst>
+  </p:cSld>
+  <p:clrMapOvr>
+    <a:masterClrMapping/>
+  </p:clrMapOvr>
+</p:notes>
+</file>
+
+<file path=ppt/notesSlides/notesSlide28.xml><?xml version="1.0" encoding="utf-8"?>
+<p:notes xmlns:a="http://schemas.openxmlformats.org/drawingml/2006/main" xmlns:r="http://schemas.openxmlformats.org/officeDocument/2006/relationships" xmlns:p="http://schemas.openxmlformats.org/presentationml/2006/main">
+  <p:cSld>
+    <p:spTree>
+      <p:nvGrpSpPr>
+        <p:cNvPr id="1" name=""/>
+        <p:cNvGrpSpPr/>
+        <p:nvPr/>
+      </p:nvGrpSpPr>
+      <p:grpSpPr>
+        <a:xfrm>
+          <a:off x="0" y="0"/>
+          <a:ext cx="0" cy="0"/>
+          <a:chOff x="0" y="0"/>
+          <a:chExt cx="0" cy="0"/>
+        </a:xfrm>
+      </p:grpSpPr>
+      <p:sp>
+        <p:nvSpPr>
+          <p:cNvPr id="2" name="投影片影像版面配置區 1"/>
+          <p:cNvSpPr>
+            <a:spLocks noGrp="1" noRot="1" noChangeAspect="1"/>
+          </p:cNvSpPr>
+          <p:nvPr>
+            <p:ph type="sldImg"/>
+          </p:nvPr>
+        </p:nvSpPr>
+        <p:spPr/>
+      </p:sp>
+      <p:sp>
+        <p:nvSpPr>
+          <p:cNvPr id="3" name="備忘稿版面配置區 2"/>
+          <p:cNvSpPr>
+            <a:spLocks noGrp="1"/>
+          </p:cNvSpPr>
+          <p:nvPr>
+            <p:ph type="body" idx="1"/>
+          </p:nvPr>
+        </p:nvSpPr>
+        <p:spPr/>
+        <p:txBody>
+          <a:bodyPr/>
+          <a:lstStyle/>
+          <a:p>
+            <a:pPr marL="171450" indent="-171450">
+              <a:buFont typeface="Arial" panose="020B0604020202020204" pitchFamily="34" charset="0"/>
+              <a:buChar char="•"/>
+            </a:pPr>
+            <a:endParaRPr lang="zh-TW" altLang="en-US" dirty="0"/>
+          </a:p>
+        </p:txBody>
+      </p:sp>
+      <p:sp>
+        <p:nvSpPr>
+          <p:cNvPr id="4" name="投影片編號版面配置區 3"/>
+          <p:cNvSpPr>
+            <a:spLocks noGrp="1"/>
+          </p:cNvSpPr>
+          <p:nvPr>
+            <p:ph type="sldNum" sz="quarter" idx="5"/>
+          </p:nvPr>
+        </p:nvSpPr>
+        <p:spPr/>
+        <p:txBody>
+          <a:bodyPr/>
+          <a:lstStyle/>
+          <a:p>
+            <a:fld id="{9D457EAB-1485-47AD-BEAD-484FAEBF5A54}" type="slidenum">
+              <a:rPr lang="en-US" smtClean="0"/>
+              <a:t>28</a:t>
+            </a:fld>
+            <a:endParaRPr lang="en-US"/>
+          </a:p>
+        </p:txBody>
+      </p:sp>
+    </p:spTree>
+    <p:extLst>
+      <p:ext uri="{BB962C8B-B14F-4D97-AF65-F5344CB8AC3E}">
+        <p14:creationId xmlns:p14="http://schemas.microsoft.com/office/powerpoint/2010/main" val="2749690616"/>
+      </p:ext>
+    </p:extLst>
+  </p:cSld>
+  <p:clrMapOvr>
+    <a:masterClrMapping/>
+  </p:clrMapOvr>
+</p:notes>
+</file>
+
+<file path=ppt/notesSlides/notesSlide29.xml><?xml version="1.0" encoding="utf-8"?>
+<p:notes xmlns:a="http://schemas.openxmlformats.org/drawingml/2006/main" xmlns:r="http://schemas.openxmlformats.org/officeDocument/2006/relationships" xmlns:p="http://schemas.openxmlformats.org/presentationml/2006/main">
+  <p:cSld>
+    <p:spTree>
+      <p:nvGrpSpPr>
+        <p:cNvPr id="1" name=""/>
+        <p:cNvGrpSpPr/>
+        <p:nvPr/>
+      </p:nvGrpSpPr>
+      <p:grpSpPr>
+        <a:xfrm>
+          <a:off x="0" y="0"/>
+          <a:ext cx="0" cy="0"/>
+          <a:chOff x="0" y="0"/>
+          <a:chExt cx="0" cy="0"/>
+        </a:xfrm>
+      </p:grpSpPr>
+      <p:sp>
+        <p:nvSpPr>
+          <p:cNvPr id="2" name="投影片影像版面配置區 1"/>
+          <p:cNvSpPr>
+            <a:spLocks noGrp="1" noRot="1" noChangeAspect="1"/>
+          </p:cNvSpPr>
+          <p:nvPr>
+            <p:ph type="sldImg"/>
+          </p:nvPr>
+        </p:nvSpPr>
+        <p:spPr/>
+      </p:sp>
+      <p:sp>
+        <p:nvSpPr>
+          <p:cNvPr id="3" name="備忘稿版面配置區 2"/>
+          <p:cNvSpPr>
+            <a:spLocks noGrp="1"/>
+          </p:cNvSpPr>
+          <p:nvPr>
+            <p:ph type="body" idx="1"/>
+          </p:nvPr>
+        </p:nvSpPr>
+        <p:spPr/>
+        <p:txBody>
+          <a:bodyPr/>
+          <a:lstStyle/>
+          <a:p>
+            <a:pPr marL="171450" indent="-171450">
+              <a:buFont typeface="Arial" panose="020B0604020202020204" pitchFamily="34" charset="0"/>
+              <a:buChar char="•"/>
+            </a:pPr>
+            <a:endParaRPr lang="zh-TW" altLang="en-US" dirty="0"/>
+          </a:p>
+        </p:txBody>
+      </p:sp>
+      <p:sp>
+        <p:nvSpPr>
+          <p:cNvPr id="4" name="投影片編號版面配置區 3"/>
+          <p:cNvSpPr>
+            <a:spLocks noGrp="1"/>
+          </p:cNvSpPr>
+          <p:nvPr>
+            <p:ph type="sldNum" sz="quarter" idx="5"/>
+          </p:nvPr>
+        </p:nvSpPr>
+        <p:spPr/>
+        <p:txBody>
+          <a:bodyPr/>
+          <a:lstStyle/>
+          <a:p>
+            <a:fld id="{9D457EAB-1485-47AD-BEAD-484FAEBF5A54}" type="slidenum">
+              <a:rPr lang="en-US" smtClean="0"/>
+              <a:t>29</a:t>
+            </a:fld>
+            <a:endParaRPr lang="en-US"/>
+          </a:p>
+        </p:txBody>
+      </p:sp>
+    </p:spTree>
+    <p:extLst>
+      <p:ext uri="{BB962C8B-B14F-4D97-AF65-F5344CB8AC3E}">
+        <p14:creationId xmlns:p14="http://schemas.microsoft.com/office/powerpoint/2010/main" val="2191150234"/>
       </p:ext>
     </p:extLst>
   </p:cSld>
@@ -4121,11 +4302,7 @@
           <a:bodyPr/>
           <a:lstStyle/>
           <a:p>
-            <a:pPr marL="0" indent="0" algn="l">
-              <a:buFont typeface="Arial" panose="020B0604020202020204" pitchFamily="34" charset="0"/>
-              <a:buNone/>
-            </a:pPr>
-            <a:endParaRPr lang="en-US" altLang="zh-TW" dirty="0"/>
+            <a:endParaRPr lang="zh-TW" altLang="en-US" dirty="0"/>
           </a:p>
         </p:txBody>
       </p:sp>
@@ -4155,7 +4332,279 @@
     </p:spTree>
     <p:extLst>
       <p:ext uri="{BB962C8B-B14F-4D97-AF65-F5344CB8AC3E}">
-        <p14:creationId xmlns:p14="http://schemas.microsoft.com/office/powerpoint/2010/main" val="1221076406"/>
+        <p14:creationId xmlns:p14="http://schemas.microsoft.com/office/powerpoint/2010/main" val="1083119229"/>
+      </p:ext>
+    </p:extLst>
+  </p:cSld>
+  <p:clrMapOvr>
+    <a:masterClrMapping/>
+  </p:clrMapOvr>
+</p:notes>
+</file>
+
+<file path=ppt/notesSlides/notesSlide30.xml><?xml version="1.0" encoding="utf-8"?>
+<p:notes xmlns:a="http://schemas.openxmlformats.org/drawingml/2006/main" xmlns:r="http://schemas.openxmlformats.org/officeDocument/2006/relationships" xmlns:p="http://schemas.openxmlformats.org/presentationml/2006/main">
+  <p:cSld>
+    <p:spTree>
+      <p:nvGrpSpPr>
+        <p:cNvPr id="1" name=""/>
+        <p:cNvGrpSpPr/>
+        <p:nvPr/>
+      </p:nvGrpSpPr>
+      <p:grpSpPr>
+        <a:xfrm>
+          <a:off x="0" y="0"/>
+          <a:ext cx="0" cy="0"/>
+          <a:chOff x="0" y="0"/>
+          <a:chExt cx="0" cy="0"/>
+        </a:xfrm>
+      </p:grpSpPr>
+      <p:sp>
+        <p:nvSpPr>
+          <p:cNvPr id="2" name="投影片影像版面配置區 1"/>
+          <p:cNvSpPr>
+            <a:spLocks noGrp="1" noRot="1" noChangeAspect="1"/>
+          </p:cNvSpPr>
+          <p:nvPr>
+            <p:ph type="sldImg"/>
+          </p:nvPr>
+        </p:nvSpPr>
+        <p:spPr/>
+      </p:sp>
+      <p:sp>
+        <p:nvSpPr>
+          <p:cNvPr id="3" name="備忘稿版面配置區 2"/>
+          <p:cNvSpPr>
+            <a:spLocks noGrp="1"/>
+          </p:cNvSpPr>
+          <p:nvPr>
+            <p:ph type="body" idx="1"/>
+          </p:nvPr>
+        </p:nvSpPr>
+        <p:spPr/>
+        <p:txBody>
+          <a:bodyPr/>
+          <a:lstStyle/>
+          <a:p>
+            <a:pPr marL="171450" marR="0" lvl="0" indent="-171450" algn="l" defTabSz="914400" rtl="0" eaLnBrk="1" fontAlgn="auto" latinLnBrk="0" hangingPunct="1">
+              <a:lnSpc>
+                <a:spcPct val="100000"/>
+              </a:lnSpc>
+              <a:spcBef>
+                <a:spcPts val="0"/>
+              </a:spcBef>
+              <a:spcAft>
+                <a:spcPts val="0"/>
+              </a:spcAft>
+              <a:buClrTx/>
+              <a:buSzTx/>
+              <a:buFont typeface="Arial" panose="020B0604020202020204" pitchFamily="34" charset="0"/>
+              <a:buChar char="•"/>
+              <a:tabLst/>
+              <a:defRPr/>
+            </a:pPr>
+            <a:r>
+              <a:rPr lang="en-US" altLang="zh-TW" b="0" i="0" dirty="0">
+                <a:solidFill>
+                  <a:srgbClr val="374151"/>
+                </a:solidFill>
+                <a:effectLst/>
+                <a:latin typeface="Söhne"/>
+              </a:rPr>
+              <a:t>KOSIM</a:t>
+            </a:r>
+            <a:r>
+              <a:rPr lang="zh-TW" altLang="en-US" b="0" i="0" dirty="0">
+                <a:solidFill>
+                  <a:srgbClr val="374151"/>
+                </a:solidFill>
+                <a:effectLst/>
+                <a:latin typeface="Söhne"/>
+              </a:rPr>
+              <a:t>在</a:t>
+            </a:r>
+            <a:r>
+              <a:rPr lang="en-US" altLang="zh-TW" b="0" i="0" dirty="0">
+                <a:solidFill>
+                  <a:srgbClr val="374151"/>
+                </a:solidFill>
+                <a:effectLst/>
+                <a:latin typeface="Söhne"/>
+              </a:rPr>
+              <a:t>500</a:t>
+            </a:r>
+            <a:r>
+              <a:rPr lang="zh-TW" altLang="en-US" b="0" i="0" dirty="0">
+                <a:solidFill>
+                  <a:srgbClr val="374151"/>
+                </a:solidFill>
+                <a:effectLst/>
+                <a:latin typeface="Söhne"/>
+              </a:rPr>
+              <a:t>次函數評估內給出了對</a:t>
+            </a:r>
+            <a:r>
+              <a:rPr lang="en-US" altLang="zh-TW" b="0" i="0" dirty="0">
+                <a:solidFill>
+                  <a:srgbClr val="374151"/>
+                </a:solidFill>
+                <a:effectLst/>
+                <a:latin typeface="Söhne"/>
+              </a:rPr>
+              <a:t>MASK</a:t>
+            </a:r>
+            <a:r>
+              <a:rPr lang="zh-TW" altLang="en-US" b="0" i="0" dirty="0">
+                <a:solidFill>
+                  <a:srgbClr val="374151"/>
+                </a:solidFill>
+                <a:effectLst/>
+                <a:latin typeface="Söhne"/>
+              </a:rPr>
+              <a:t>的高精度校正。這是一個相當可觀的結果，因為問題的維度遠大於</a:t>
+            </a:r>
+            <a:r>
+              <a:rPr lang="en-US" altLang="zh-TW" b="0" i="0" dirty="0">
+                <a:solidFill>
+                  <a:srgbClr val="374151"/>
+                </a:solidFill>
+                <a:effectLst/>
+                <a:latin typeface="Söhne"/>
+              </a:rPr>
+              <a:t>500</a:t>
+            </a:r>
+            <a:r>
+              <a:rPr lang="zh-TW" altLang="en-US" b="0" i="0" dirty="0">
+                <a:solidFill>
+                  <a:srgbClr val="374151"/>
+                </a:solidFill>
+                <a:effectLst/>
+                <a:latin typeface="Söhne"/>
+              </a:rPr>
+              <a:t>。</a:t>
+            </a:r>
+            <a:endParaRPr lang="zh-TW" altLang="en-US" dirty="0"/>
+          </a:p>
+          <a:p>
+            <a:pPr marL="171450" indent="-171450">
+              <a:buFont typeface="Arial" panose="020B0604020202020204" pitchFamily="34" charset="0"/>
+              <a:buChar char="•"/>
+            </a:pPr>
+            <a:endParaRPr lang="zh-TW" altLang="en-US" dirty="0"/>
+          </a:p>
+        </p:txBody>
+      </p:sp>
+      <p:sp>
+        <p:nvSpPr>
+          <p:cNvPr id="4" name="投影片編號版面配置區 3"/>
+          <p:cNvSpPr>
+            <a:spLocks noGrp="1"/>
+          </p:cNvSpPr>
+          <p:nvPr>
+            <p:ph type="sldNum" sz="quarter" idx="5"/>
+          </p:nvPr>
+        </p:nvSpPr>
+        <p:spPr/>
+        <p:txBody>
+          <a:bodyPr/>
+          <a:lstStyle/>
+          <a:p>
+            <a:fld id="{9D457EAB-1485-47AD-BEAD-484FAEBF5A54}" type="slidenum">
+              <a:rPr lang="en-US" smtClean="0"/>
+              <a:t>30</a:t>
+            </a:fld>
+            <a:endParaRPr lang="en-US"/>
+          </a:p>
+        </p:txBody>
+      </p:sp>
+    </p:spTree>
+    <p:extLst>
+      <p:ext uri="{BB962C8B-B14F-4D97-AF65-F5344CB8AC3E}">
+        <p14:creationId xmlns:p14="http://schemas.microsoft.com/office/powerpoint/2010/main" val="1630488597"/>
+      </p:ext>
+    </p:extLst>
+  </p:cSld>
+  <p:clrMapOvr>
+    <a:masterClrMapping/>
+  </p:clrMapOvr>
+</p:notes>
+</file>
+
+<file path=ppt/notesSlides/notesSlide31.xml><?xml version="1.0" encoding="utf-8"?>
+<p:notes xmlns:a="http://schemas.openxmlformats.org/drawingml/2006/main" xmlns:r="http://schemas.openxmlformats.org/officeDocument/2006/relationships" xmlns:p="http://schemas.openxmlformats.org/presentationml/2006/main">
+  <p:cSld>
+    <p:spTree>
+      <p:nvGrpSpPr>
+        <p:cNvPr id="1" name=""/>
+        <p:cNvGrpSpPr/>
+        <p:nvPr/>
+      </p:nvGrpSpPr>
+      <p:grpSpPr>
+        <a:xfrm>
+          <a:off x="0" y="0"/>
+          <a:ext cx="0" cy="0"/>
+          <a:chOff x="0" y="0"/>
+          <a:chExt cx="0" cy="0"/>
+        </a:xfrm>
+      </p:grpSpPr>
+      <p:sp>
+        <p:nvSpPr>
+          <p:cNvPr id="2" name="投影片影像版面配置區 1"/>
+          <p:cNvSpPr>
+            <a:spLocks noGrp="1" noRot="1" noChangeAspect="1"/>
+          </p:cNvSpPr>
+          <p:nvPr>
+            <p:ph type="sldImg"/>
+          </p:nvPr>
+        </p:nvSpPr>
+        <p:spPr/>
+      </p:sp>
+      <p:sp>
+        <p:nvSpPr>
+          <p:cNvPr id="3" name="備忘稿版面配置區 2"/>
+          <p:cNvSpPr>
+            <a:spLocks noGrp="1"/>
+          </p:cNvSpPr>
+          <p:nvPr>
+            <p:ph type="body" idx="1"/>
+          </p:nvPr>
+        </p:nvSpPr>
+        <p:spPr/>
+        <p:txBody>
+          <a:bodyPr/>
+          <a:lstStyle/>
+          <a:p>
+            <a:endParaRPr lang="zh-TW" altLang="en-US" dirty="0"/>
+          </a:p>
+        </p:txBody>
+      </p:sp>
+      <p:sp>
+        <p:nvSpPr>
+          <p:cNvPr id="4" name="投影片編號版面配置區 3"/>
+          <p:cNvSpPr>
+            <a:spLocks noGrp="1"/>
+          </p:cNvSpPr>
+          <p:nvPr>
+            <p:ph type="sldNum" sz="quarter" idx="5"/>
+          </p:nvPr>
+        </p:nvSpPr>
+        <p:spPr/>
+        <p:txBody>
+          <a:bodyPr/>
+          <a:lstStyle/>
+          <a:p>
+            <a:fld id="{9D457EAB-1485-47AD-BEAD-484FAEBF5A54}" type="slidenum">
+              <a:rPr lang="en-US" smtClean="0"/>
+              <a:t>31</a:t>
+            </a:fld>
+            <a:endParaRPr lang="en-US"/>
+          </a:p>
+        </p:txBody>
+      </p:sp>
+    </p:spTree>
+    <p:extLst>
+      <p:ext uri="{BB962C8B-B14F-4D97-AF65-F5344CB8AC3E}">
+        <p14:creationId xmlns:p14="http://schemas.microsoft.com/office/powerpoint/2010/main" val="1129687818"/>
       </p:ext>
     </p:extLst>
   </p:cSld>
@@ -4213,16 +4662,6 @@
               <a:buFont typeface="Arial" panose="020B0604020202020204" pitchFamily="34" charset="0"/>
               <a:buNone/>
             </a:pPr>
-            <a:r>
-              <a:rPr lang="zh-TW" altLang="en-US" b="0" i="0" dirty="0">
-                <a:solidFill>
-                  <a:srgbClr val="374151"/>
-                </a:solidFill>
-                <a:effectLst/>
-                <a:latin typeface="Söhne"/>
-              </a:rPr>
-              <a:t>干涉和繞射的影響</a:t>
-            </a:r>
             <a:endParaRPr lang="en-US" altLang="zh-TW" dirty="0"/>
           </a:p>
         </p:txBody>
@@ -4253,7 +4692,7 @@
     </p:spTree>
     <p:extLst>
       <p:ext uri="{BB962C8B-B14F-4D97-AF65-F5344CB8AC3E}">
-        <p14:creationId xmlns:p14="http://schemas.microsoft.com/office/powerpoint/2010/main" val="1894447918"/>
+        <p14:creationId xmlns:p14="http://schemas.microsoft.com/office/powerpoint/2010/main" val="1221076406"/>
       </p:ext>
     </p:extLst>
   </p:cSld>
@@ -4312,20 +4751,14 @@
               <a:buNone/>
             </a:pPr>
             <a:r>
-              <a:rPr lang="en-US" altLang="zh-TW" sz="1200" dirty="0">
-                <a:latin typeface="Times" panose="02020603050405020304" pitchFamily="18" charset="0"/>
-                <a:ea typeface="標楷體" panose="03000509000000000000" pitchFamily="65" charset="-120"/>
-                <a:cs typeface="Times" panose="02020603050405020304" pitchFamily="18" charset="0"/>
+              <a:rPr lang="zh-TW" altLang="en-US" b="0" i="0" dirty="0">
+                <a:solidFill>
+                  <a:srgbClr val="374151"/>
+                </a:solidFill>
+                <a:effectLst/>
+                <a:latin typeface="Söhne"/>
               </a:rPr>
-              <a:t>imaging procedure: </a:t>
-            </a:r>
-            <a:r>
-              <a:rPr lang="zh-TW" altLang="en-US" sz="1200" dirty="0">
-                <a:latin typeface="Times" panose="02020603050405020304" pitchFamily="18" charset="0"/>
-                <a:ea typeface="標楷體" panose="03000509000000000000" pitchFamily="65" charset="-120"/>
-                <a:cs typeface="Times" panose="02020603050405020304" pitchFamily="18" charset="0"/>
-              </a:rPr>
-              <a:t>成像過程</a:t>
+              <a:t>干涉和繞射的影響</a:t>
             </a:r>
             <a:endParaRPr lang="en-US" altLang="zh-TW" dirty="0"/>
           </a:p>
@@ -4357,7 +4790,7 @@
     </p:spTree>
     <p:extLst>
       <p:ext uri="{BB962C8B-B14F-4D97-AF65-F5344CB8AC3E}">
-        <p14:creationId xmlns:p14="http://schemas.microsoft.com/office/powerpoint/2010/main" val="962020783"/>
+        <p14:creationId xmlns:p14="http://schemas.microsoft.com/office/powerpoint/2010/main" val="1894447918"/>
       </p:ext>
     </p:extLst>
   </p:cSld>
@@ -4415,6 +4848,22 @@
               <a:buFont typeface="Arial" panose="020B0604020202020204" pitchFamily="34" charset="0"/>
               <a:buNone/>
             </a:pPr>
+            <a:r>
+              <a:rPr lang="en-US" altLang="zh-TW" sz="1200" dirty="0">
+                <a:latin typeface="Times" panose="02020603050405020304" pitchFamily="18" charset="0"/>
+                <a:ea typeface="標楷體" panose="03000509000000000000" pitchFamily="65" charset="-120"/>
+                <a:cs typeface="Times" panose="02020603050405020304" pitchFamily="18" charset="0"/>
+              </a:rPr>
+              <a:t>imaging procedure: </a:t>
+            </a:r>
+            <a:r>
+              <a:rPr lang="zh-TW" altLang="en-US" sz="1200" dirty="0">
+                <a:latin typeface="Times" panose="02020603050405020304" pitchFamily="18" charset="0"/>
+                <a:ea typeface="標楷體" panose="03000509000000000000" pitchFamily="65" charset="-120"/>
+                <a:cs typeface="Times" panose="02020603050405020304" pitchFamily="18" charset="0"/>
+              </a:rPr>
+              <a:t>成像過程</a:t>
+            </a:r>
             <a:endParaRPr lang="en-US" altLang="zh-TW" dirty="0"/>
           </a:p>
         </p:txBody>
@@ -4445,7 +4894,7 @@
     </p:spTree>
     <p:extLst>
       <p:ext uri="{BB962C8B-B14F-4D97-AF65-F5344CB8AC3E}">
-        <p14:creationId xmlns:p14="http://schemas.microsoft.com/office/powerpoint/2010/main" val="372302572"/>
+        <p14:creationId xmlns:p14="http://schemas.microsoft.com/office/powerpoint/2010/main" val="962020783"/>
       </p:ext>
     </p:extLst>
   </p:cSld>
@@ -4533,7 +4982,7 @@
     </p:spTree>
     <p:extLst>
       <p:ext uri="{BB962C8B-B14F-4D97-AF65-F5344CB8AC3E}">
-        <p14:creationId xmlns:p14="http://schemas.microsoft.com/office/powerpoint/2010/main" val="2670667668"/>
+        <p14:creationId xmlns:p14="http://schemas.microsoft.com/office/powerpoint/2010/main" val="372302572"/>
       </p:ext>
     </p:extLst>
   </p:cSld>
@@ -4621,7 +5070,7 @@
     </p:spTree>
     <p:extLst>
       <p:ext uri="{BB962C8B-B14F-4D97-AF65-F5344CB8AC3E}">
-        <p14:creationId xmlns:p14="http://schemas.microsoft.com/office/powerpoint/2010/main" val="1229301108"/>
+        <p14:creationId xmlns:p14="http://schemas.microsoft.com/office/powerpoint/2010/main" val="2670667668"/>
       </p:ext>
     </p:extLst>
   </p:cSld>
@@ -4709,7 +5158,7 @@
     </p:spTree>
     <p:extLst>
       <p:ext uri="{BB962C8B-B14F-4D97-AF65-F5344CB8AC3E}">
-        <p14:creationId xmlns:p14="http://schemas.microsoft.com/office/powerpoint/2010/main" val="3787550548"/>
+        <p14:creationId xmlns:p14="http://schemas.microsoft.com/office/powerpoint/2010/main" val="1229301108"/>
       </p:ext>
     </p:extLst>
   </p:cSld>
@@ -4866,7 +5315,7 @@
           <a:p>
             <a:fld id="{99BA7BAB-F69F-4C21-8D40-7AA273A2D01F}" type="datetime1">
               <a:rPr lang="en-US" smtClean="0"/>
-              <a:t>1/29/2024</a:t>
+              <a:t>1/30/2024</a:t>
             </a:fld>
             <a:endParaRPr lang="en-US"/>
           </a:p>
@@ -5071,7 +5520,7 @@
           <a:p>
             <a:fld id="{FB00A8EC-4678-43EE-BE64-F312B7F1A46F}" type="datetime1">
               <a:rPr lang="en-US" smtClean="0"/>
-              <a:t>1/29/2024</a:t>
+              <a:t>1/30/2024</a:t>
             </a:fld>
             <a:endParaRPr lang="en-US"/>
           </a:p>
@@ -5279,7 +5728,7 @@
           <a:p>
             <a:fld id="{9487F23D-EA8F-4C56-9373-23F6109AD11F}" type="datetime1">
               <a:rPr lang="en-US" smtClean="0"/>
-              <a:t>1/29/2024</a:t>
+              <a:t>1/30/2024</a:t>
             </a:fld>
             <a:endParaRPr lang="en-US"/>
           </a:p>
@@ -5477,7 +5926,7 @@
           <a:p>
             <a:fld id="{A34E716E-0239-4A81-9CF4-D3B9651721CF}" type="datetime1">
               <a:rPr lang="en-US" smtClean="0"/>
-              <a:t>1/29/2024</a:t>
+              <a:t>1/30/2024</a:t>
             </a:fld>
             <a:endParaRPr lang="en-US"/>
           </a:p>
@@ -5759,7 +6208,7 @@
           <a:p>
             <a:fld id="{CC112E56-3D97-4B86-935C-1C493DD86A08}" type="datetime1">
               <a:rPr lang="en-US" smtClean="0"/>
-              <a:t>1/29/2024</a:t>
+              <a:t>1/30/2024</a:t>
             </a:fld>
             <a:endParaRPr lang="en-US"/>
           </a:p>
@@ -6024,7 +6473,7 @@
           <a:p>
             <a:fld id="{40649135-BABF-4F63-9AF8-3CEC545E47DC}" type="datetime1">
               <a:rPr lang="en-US" smtClean="0"/>
-              <a:t>1/29/2024</a:t>
+              <a:t>1/30/2024</a:t>
             </a:fld>
             <a:endParaRPr lang="en-US"/>
           </a:p>
@@ -6436,7 +6885,7 @@
           <a:p>
             <a:fld id="{B16EBC02-C9C0-442D-A8A6-494057203542}" type="datetime1">
               <a:rPr lang="en-US" smtClean="0"/>
-              <a:t>1/29/2024</a:t>
+              <a:t>1/30/2024</a:t>
             </a:fld>
             <a:endParaRPr lang="en-US"/>
           </a:p>
@@ -6577,7 +7026,7 @@
           <a:p>
             <a:fld id="{A126C4B4-559D-414E-BC9C-16A745BBF3C3}" type="datetime1">
               <a:rPr lang="en-US" smtClean="0"/>
-              <a:t>1/29/2024</a:t>
+              <a:t>1/30/2024</a:t>
             </a:fld>
             <a:endParaRPr lang="en-US"/>
           </a:p>
@@ -6690,7 +7139,7 @@
           <a:p>
             <a:fld id="{0D49D49E-73A5-4C03-BFEA-3D845EB044D8}" type="datetime1">
               <a:rPr lang="en-US" smtClean="0"/>
-              <a:t>1/29/2024</a:t>
+              <a:t>1/30/2024</a:t>
             </a:fld>
             <a:endParaRPr lang="en-US"/>
           </a:p>
@@ -7001,7 +7450,7 @@
           <a:p>
             <a:fld id="{4A0F93E6-3134-410C-B573-A5F6B38FC346}" type="datetime1">
               <a:rPr lang="en-US" smtClean="0"/>
-              <a:t>1/29/2024</a:t>
+              <a:t>1/30/2024</a:t>
             </a:fld>
             <a:endParaRPr lang="en-US"/>
           </a:p>
@@ -7289,7 +7738,7 @@
           <a:p>
             <a:fld id="{F766E70F-5320-45A5-BE33-1819A93C2AF4}" type="datetime1">
               <a:rPr lang="en-US" smtClean="0"/>
-              <a:t>1/29/2024</a:t>
+              <a:t>1/30/2024</a:t>
             </a:fld>
             <a:endParaRPr lang="en-US"/>
           </a:p>
@@ -7530,7 +7979,7 @@
           <a:p>
             <a:fld id="{A706458B-0289-40FF-A02D-2C541B7F1CB6}" type="datetime1">
               <a:rPr lang="en-US" smtClean="0"/>
-              <a:t>1/29/2024</a:t>
+              <a:t>1/30/2024</a:t>
             </a:fld>
             <a:endParaRPr lang="en-US"/>
           </a:p>
@@ -8097,6 +8546,1079 @@
       </p:grpSpPr>
       <p:sp>
         <p:nvSpPr>
+          <p:cNvPr id="2" name="Title 1">
+            <a:extLst>
+              <a:ext uri="{FF2B5EF4-FFF2-40B4-BE49-F238E27FC236}">
+                <a16:creationId xmlns:a16="http://schemas.microsoft.com/office/drawing/2014/main" id="{034B2B09-3A89-725A-85C2-749F88A4474D}"/>
+              </a:ext>
+            </a:extLst>
+          </p:cNvPr>
+          <p:cNvSpPr>
+            <a:spLocks noGrp="1"/>
+          </p:cNvSpPr>
+          <p:nvPr>
+            <p:ph type="title"/>
+          </p:nvPr>
+        </p:nvSpPr>
+        <p:spPr/>
+        <p:txBody>
+          <a:bodyPr/>
+          <a:lstStyle/>
+          <a:p>
+            <a:r>
+              <a:rPr lang="en-US" sz="4000" dirty="0">
+                <a:latin typeface="Times New Roman" panose="02020603050405020304" pitchFamily="18" charset="0"/>
+                <a:cs typeface="Times New Roman" panose="02020603050405020304" pitchFamily="18" charset="0"/>
+              </a:rPr>
+              <a:t>Outline</a:t>
+            </a:r>
+            <a:endParaRPr lang="en-US" dirty="0">
+              <a:latin typeface="Times New Roman" panose="02020603050405020304" pitchFamily="18" charset="0"/>
+              <a:cs typeface="Times New Roman" panose="02020603050405020304" pitchFamily="18" charset="0"/>
+            </a:endParaRPr>
+          </a:p>
+        </p:txBody>
+      </p:sp>
+      <p:sp>
+        <p:nvSpPr>
+          <p:cNvPr id="4" name="Slide Number Placeholder 3">
+            <a:extLst>
+              <a:ext uri="{FF2B5EF4-FFF2-40B4-BE49-F238E27FC236}">
+                <a16:creationId xmlns:a16="http://schemas.microsoft.com/office/drawing/2014/main" id="{3592E110-E718-0573-BF00-CE5E90916A66}"/>
+              </a:ext>
+            </a:extLst>
+          </p:cNvPr>
+          <p:cNvSpPr>
+            <a:spLocks noGrp="1"/>
+          </p:cNvSpPr>
+          <p:nvPr>
+            <p:ph type="sldNum" sz="quarter" idx="12"/>
+          </p:nvPr>
+        </p:nvSpPr>
+        <p:spPr/>
+        <p:txBody>
+          <a:bodyPr/>
+          <a:lstStyle/>
+          <a:p>
+            <a:fld id="{666274A1-CF9C-426A-8DD4-B13ED0C24231}" type="slidenum">
+              <a:rPr lang="en-US" smtClean="0"/>
+              <a:t>9</a:t>
+            </a:fld>
+            <a:endParaRPr lang="en-US"/>
+          </a:p>
+        </p:txBody>
+      </p:sp>
+      <p:sp>
+        <p:nvSpPr>
+          <p:cNvPr id="7" name="Content Placeholder 2">
+            <a:extLst>
+              <a:ext uri="{FF2B5EF4-FFF2-40B4-BE49-F238E27FC236}">
+                <a16:creationId xmlns:a16="http://schemas.microsoft.com/office/drawing/2014/main" id="{85FB6EDC-A81C-417F-C3B2-4378D3D43B94}"/>
+              </a:ext>
+            </a:extLst>
+          </p:cNvPr>
+          <p:cNvSpPr txBox="1">
+            <a:spLocks/>
+          </p:cNvSpPr>
+          <p:nvPr/>
+        </p:nvSpPr>
+        <p:spPr>
+          <a:xfrm>
+            <a:off x="1028700" y="1690688"/>
+            <a:ext cx="10515600" cy="4351338"/>
+          </a:xfrm>
+          <a:prstGeom prst="rect">
+            <a:avLst/>
+          </a:prstGeom>
+        </p:spPr>
+        <p:txBody>
+          <a:bodyPr vert="horz" lIns="91440" tIns="45720" rIns="91440" bIns="45720" rtlCol="0">
+            <a:normAutofit/>
+          </a:bodyPr>
+          <a:lstStyle>
+            <a:lvl1pPr marL="228600" indent="-228600" algn="l" defTabSz="914400" rtl="0" eaLnBrk="1" latinLnBrk="0" hangingPunct="1">
+              <a:lnSpc>
+                <a:spcPct val="90000"/>
+              </a:lnSpc>
+              <a:spcBef>
+                <a:spcPts val="1000"/>
+              </a:spcBef>
+              <a:buFont typeface="Arial" panose="020B0604020202020204" pitchFamily="34" charset="0"/>
+              <a:buChar char="•"/>
+              <a:defRPr sz="2800" kern="1200">
+                <a:solidFill>
+                  <a:schemeClr val="tx1"/>
+                </a:solidFill>
+                <a:latin typeface="+mn-lt"/>
+                <a:ea typeface="+mn-ea"/>
+                <a:cs typeface="+mn-cs"/>
+              </a:defRPr>
+            </a:lvl1pPr>
+            <a:lvl2pPr marL="685800" indent="-228600" algn="l" defTabSz="914400" rtl="0" eaLnBrk="1" latinLnBrk="0" hangingPunct="1">
+              <a:lnSpc>
+                <a:spcPct val="90000"/>
+              </a:lnSpc>
+              <a:spcBef>
+                <a:spcPts val="500"/>
+              </a:spcBef>
+              <a:buFont typeface="Arial" panose="020B0604020202020204" pitchFamily="34" charset="0"/>
+              <a:buChar char="•"/>
+              <a:defRPr sz="2400" kern="1200">
+                <a:solidFill>
+                  <a:schemeClr val="tx1"/>
+                </a:solidFill>
+                <a:latin typeface="+mn-lt"/>
+                <a:ea typeface="+mn-ea"/>
+                <a:cs typeface="+mn-cs"/>
+              </a:defRPr>
+            </a:lvl2pPr>
+            <a:lvl3pPr marL="1143000" indent="-228600" algn="l" defTabSz="914400" rtl="0" eaLnBrk="1" latinLnBrk="0" hangingPunct="1">
+              <a:lnSpc>
+                <a:spcPct val="90000"/>
+              </a:lnSpc>
+              <a:spcBef>
+                <a:spcPts val="500"/>
+              </a:spcBef>
+              <a:buFont typeface="Arial" panose="020B0604020202020204" pitchFamily="34" charset="0"/>
+              <a:buChar char="•"/>
+              <a:defRPr sz="2000" kern="1200">
+                <a:solidFill>
+                  <a:schemeClr val="tx1"/>
+                </a:solidFill>
+                <a:latin typeface="+mn-lt"/>
+                <a:ea typeface="+mn-ea"/>
+                <a:cs typeface="+mn-cs"/>
+              </a:defRPr>
+            </a:lvl3pPr>
+            <a:lvl4pPr marL="1600200" indent="-228600" algn="l" defTabSz="914400" rtl="0" eaLnBrk="1" latinLnBrk="0" hangingPunct="1">
+              <a:lnSpc>
+                <a:spcPct val="90000"/>
+              </a:lnSpc>
+              <a:spcBef>
+                <a:spcPts val="500"/>
+              </a:spcBef>
+              <a:buFont typeface="Arial" panose="020B0604020202020204" pitchFamily="34" charset="0"/>
+              <a:buChar char="•"/>
+              <a:defRPr sz="1800" kern="1200">
+                <a:solidFill>
+                  <a:schemeClr val="tx1"/>
+                </a:solidFill>
+                <a:latin typeface="+mn-lt"/>
+                <a:ea typeface="+mn-ea"/>
+                <a:cs typeface="+mn-cs"/>
+              </a:defRPr>
+            </a:lvl4pPr>
+            <a:lvl5pPr marL="2057400" indent="-228600" algn="l" defTabSz="914400" rtl="0" eaLnBrk="1" latinLnBrk="0" hangingPunct="1">
+              <a:lnSpc>
+                <a:spcPct val="90000"/>
+              </a:lnSpc>
+              <a:spcBef>
+                <a:spcPts val="500"/>
+              </a:spcBef>
+              <a:buFont typeface="Arial" panose="020B0604020202020204" pitchFamily="34" charset="0"/>
+              <a:buChar char="•"/>
+              <a:defRPr sz="1800" kern="1200">
+                <a:solidFill>
+                  <a:schemeClr val="tx1"/>
+                </a:solidFill>
+                <a:latin typeface="+mn-lt"/>
+                <a:ea typeface="+mn-ea"/>
+                <a:cs typeface="+mn-cs"/>
+              </a:defRPr>
+            </a:lvl5pPr>
+            <a:lvl6pPr marL="2514600" indent="-228600" algn="l" defTabSz="914400" rtl="0" eaLnBrk="1" latinLnBrk="0" hangingPunct="1">
+              <a:lnSpc>
+                <a:spcPct val="90000"/>
+              </a:lnSpc>
+              <a:spcBef>
+                <a:spcPts val="500"/>
+              </a:spcBef>
+              <a:buFont typeface="Arial" panose="020B0604020202020204" pitchFamily="34" charset="0"/>
+              <a:buChar char="•"/>
+              <a:defRPr sz="1800" kern="1200">
+                <a:solidFill>
+                  <a:schemeClr val="tx1"/>
+                </a:solidFill>
+                <a:latin typeface="+mn-lt"/>
+                <a:ea typeface="+mn-ea"/>
+                <a:cs typeface="+mn-cs"/>
+              </a:defRPr>
+            </a:lvl6pPr>
+            <a:lvl7pPr marL="2971800" indent="-228600" algn="l" defTabSz="914400" rtl="0" eaLnBrk="1" latinLnBrk="0" hangingPunct="1">
+              <a:lnSpc>
+                <a:spcPct val="90000"/>
+              </a:lnSpc>
+              <a:spcBef>
+                <a:spcPts val="500"/>
+              </a:spcBef>
+              <a:buFont typeface="Arial" panose="020B0604020202020204" pitchFamily="34" charset="0"/>
+              <a:buChar char="•"/>
+              <a:defRPr sz="1800" kern="1200">
+                <a:solidFill>
+                  <a:schemeClr val="tx1"/>
+                </a:solidFill>
+                <a:latin typeface="+mn-lt"/>
+                <a:ea typeface="+mn-ea"/>
+                <a:cs typeface="+mn-cs"/>
+              </a:defRPr>
+            </a:lvl7pPr>
+            <a:lvl8pPr marL="3429000" indent="-228600" algn="l" defTabSz="914400" rtl="0" eaLnBrk="1" latinLnBrk="0" hangingPunct="1">
+              <a:lnSpc>
+                <a:spcPct val="90000"/>
+              </a:lnSpc>
+              <a:spcBef>
+                <a:spcPts val="500"/>
+              </a:spcBef>
+              <a:buFont typeface="Arial" panose="020B0604020202020204" pitchFamily="34" charset="0"/>
+              <a:buChar char="•"/>
+              <a:defRPr sz="1800" kern="1200">
+                <a:solidFill>
+                  <a:schemeClr val="tx1"/>
+                </a:solidFill>
+                <a:latin typeface="+mn-lt"/>
+                <a:ea typeface="+mn-ea"/>
+                <a:cs typeface="+mn-cs"/>
+              </a:defRPr>
+            </a:lvl8pPr>
+            <a:lvl9pPr marL="3886200" indent="-228600" algn="l" defTabSz="914400" rtl="0" eaLnBrk="1" latinLnBrk="0" hangingPunct="1">
+              <a:lnSpc>
+                <a:spcPct val="90000"/>
+              </a:lnSpc>
+              <a:spcBef>
+                <a:spcPts val="500"/>
+              </a:spcBef>
+              <a:buFont typeface="Arial" panose="020B0604020202020204" pitchFamily="34" charset="0"/>
+              <a:buChar char="•"/>
+              <a:defRPr sz="1800" kern="1200">
+                <a:solidFill>
+                  <a:schemeClr val="tx1"/>
+                </a:solidFill>
+                <a:latin typeface="+mn-lt"/>
+                <a:ea typeface="+mn-ea"/>
+                <a:cs typeface="+mn-cs"/>
+              </a:defRPr>
+            </a:lvl9pPr>
+          </a:lstStyle>
+          <a:p>
+            <a:pPr>
+              <a:lnSpc>
+                <a:spcPct val="130000"/>
+              </a:lnSpc>
+            </a:pPr>
+            <a:r>
+              <a:rPr lang="en-US" sz="2400" dirty="0">
+                <a:solidFill>
+                  <a:schemeClr val="bg1">
+                    <a:lumMod val="50000"/>
+                  </a:schemeClr>
+                </a:solidFill>
+                <a:latin typeface="Times New Roman" panose="02020603050405020304" pitchFamily="18" charset="0"/>
+                <a:cs typeface="Times New Roman" panose="02020603050405020304" pitchFamily="18" charset="0"/>
+              </a:rPr>
+              <a:t>Introduction</a:t>
+            </a:r>
+          </a:p>
+          <a:p>
+            <a:pPr>
+              <a:lnSpc>
+                <a:spcPct val="130000"/>
+              </a:lnSpc>
+            </a:pPr>
+            <a:r>
+              <a:rPr lang="en-US" sz="2400" dirty="0">
+                <a:latin typeface="Times New Roman" panose="02020603050405020304" pitchFamily="18" charset="0"/>
+                <a:cs typeface="Times New Roman" panose="02020603050405020304" pitchFamily="18" charset="0"/>
+              </a:rPr>
+              <a:t>Preliminaries</a:t>
+            </a:r>
+          </a:p>
+          <a:p>
+            <a:pPr>
+              <a:lnSpc>
+                <a:spcPct val="130000"/>
+              </a:lnSpc>
+            </a:pPr>
+            <a:r>
+              <a:rPr lang="en-US" sz="2400" dirty="0">
+                <a:solidFill>
+                  <a:schemeClr val="bg1">
+                    <a:lumMod val="50000"/>
+                  </a:schemeClr>
+                </a:solidFill>
+                <a:latin typeface="Times New Roman" panose="02020603050405020304" pitchFamily="18" charset="0"/>
+                <a:cs typeface="Times New Roman" panose="02020603050405020304" pitchFamily="18" charset="0"/>
+              </a:rPr>
+              <a:t>Algorithm</a:t>
+            </a:r>
+            <a:endParaRPr lang="en-US" sz="2000" dirty="0">
+              <a:solidFill>
+                <a:schemeClr val="bg1">
+                  <a:lumMod val="50000"/>
+                </a:schemeClr>
+              </a:solidFill>
+              <a:latin typeface="Times New Roman" panose="02020603050405020304" pitchFamily="18" charset="0"/>
+              <a:cs typeface="Times New Roman" panose="02020603050405020304" pitchFamily="18" charset="0"/>
+            </a:endParaRPr>
+          </a:p>
+          <a:p>
+            <a:pPr>
+              <a:lnSpc>
+                <a:spcPct val="130000"/>
+              </a:lnSpc>
+            </a:pPr>
+            <a:r>
+              <a:rPr lang="en-US" sz="2400" dirty="0">
+                <a:solidFill>
+                  <a:schemeClr val="bg1">
+                    <a:lumMod val="50000"/>
+                  </a:schemeClr>
+                </a:solidFill>
+                <a:latin typeface="Times New Roman" panose="02020603050405020304" pitchFamily="18" charset="0"/>
+                <a:cs typeface="Times New Roman" panose="02020603050405020304" pitchFamily="18" charset="0"/>
+              </a:rPr>
+              <a:t>Experimental Result</a:t>
+            </a:r>
+          </a:p>
+          <a:p>
+            <a:pPr>
+              <a:lnSpc>
+                <a:spcPct val="130000"/>
+              </a:lnSpc>
+            </a:pPr>
+            <a:r>
+              <a:rPr lang="en-US" sz="2400" dirty="0">
+                <a:solidFill>
+                  <a:schemeClr val="bg1">
+                    <a:lumMod val="50000"/>
+                  </a:schemeClr>
+                </a:solidFill>
+                <a:latin typeface="Times New Roman" panose="02020603050405020304" pitchFamily="18" charset="0"/>
+                <a:cs typeface="Times New Roman" panose="02020603050405020304" pitchFamily="18" charset="0"/>
+              </a:rPr>
+              <a:t>Conclusion</a:t>
+            </a:r>
+          </a:p>
+        </p:txBody>
+      </p:sp>
+    </p:spTree>
+    <p:extLst>
+      <p:ext uri="{BB962C8B-B14F-4D97-AF65-F5344CB8AC3E}">
+        <p14:creationId xmlns:p14="http://schemas.microsoft.com/office/powerpoint/2010/main" val="1278512872"/>
+      </p:ext>
+    </p:extLst>
+  </p:cSld>
+  <p:clrMapOvr>
+    <a:masterClrMapping/>
+  </p:clrMapOvr>
+</p:sld>
+</file>
+
+<file path=ppt/slides/slide11.xml><?xml version="1.0" encoding="utf-8"?>
+<p:sld xmlns:a="http://schemas.openxmlformats.org/drawingml/2006/main" xmlns:r="http://schemas.openxmlformats.org/officeDocument/2006/relationships" xmlns:p="http://schemas.openxmlformats.org/presentationml/2006/main">
+  <p:cSld>
+    <p:spTree>
+      <p:nvGrpSpPr>
+        <p:cNvPr id="1" name=""/>
+        <p:cNvGrpSpPr/>
+        <p:nvPr/>
+      </p:nvGrpSpPr>
+      <p:grpSpPr>
+        <a:xfrm>
+          <a:off x="0" y="0"/>
+          <a:ext cx="0" cy="0"/>
+          <a:chOff x="0" y="0"/>
+          <a:chExt cx="0" cy="0"/>
+        </a:xfrm>
+      </p:grpSpPr>
+      <p:sp>
+        <p:nvSpPr>
+          <p:cNvPr id="2" name="標題 1">
+            <a:extLst>
+              <a:ext uri="{FF2B5EF4-FFF2-40B4-BE49-F238E27FC236}">
+                <a16:creationId xmlns:a16="http://schemas.microsoft.com/office/drawing/2014/main" id="{5CEA9D29-2BBD-0E1E-DBD3-F6145D6CBC63}"/>
+              </a:ext>
+            </a:extLst>
+          </p:cNvPr>
+          <p:cNvSpPr>
+            <a:spLocks noGrp="1"/>
+          </p:cNvSpPr>
+          <p:nvPr>
+            <p:ph type="title"/>
+          </p:nvPr>
+        </p:nvSpPr>
+        <p:spPr/>
+        <p:txBody>
+          <a:bodyPr/>
+          <a:lstStyle/>
+          <a:p>
+            <a:r>
+              <a:rPr lang="en-US" altLang="zh-TW" sz="4000" dirty="0">
+                <a:latin typeface="Times" panose="02020603050405020304" pitchFamily="18" charset="0"/>
+                <a:cs typeface="Times" panose="02020603050405020304" pitchFamily="18" charset="0"/>
+              </a:rPr>
+              <a:t>Preliminaries</a:t>
+            </a:r>
+            <a:endParaRPr lang="zh-TW" altLang="en-US" dirty="0">
+              <a:latin typeface="Times" panose="02020603050405020304" pitchFamily="18" charset="0"/>
+              <a:cs typeface="Times" panose="02020603050405020304" pitchFamily="18" charset="0"/>
+            </a:endParaRPr>
+          </a:p>
+        </p:txBody>
+      </p:sp>
+      <mc:AlternateContent xmlns:mc="http://schemas.openxmlformats.org/markup-compatibility/2006" xmlns:a14="http://schemas.microsoft.com/office/drawing/2010/main">
+        <mc:Choice Requires="a14">
+          <p:sp>
+            <p:nvSpPr>
+              <p:cNvPr id="3" name="內容版面配置區 2">
+                <a:extLst>
+                  <a:ext uri="{FF2B5EF4-FFF2-40B4-BE49-F238E27FC236}">
+                    <a16:creationId xmlns:a16="http://schemas.microsoft.com/office/drawing/2014/main" id="{CD74F3A4-97A5-7640-801C-D093727610C1}"/>
+                  </a:ext>
+                </a:extLst>
+              </p:cNvPr>
+              <p:cNvSpPr>
+                <a:spLocks noGrp="1"/>
+              </p:cNvSpPr>
+              <p:nvPr>
+                <p:ph idx="1"/>
+              </p:nvPr>
+            </p:nvSpPr>
+            <p:spPr/>
+            <p:txBody>
+              <a:bodyPr>
+                <a:normAutofit/>
+              </a:bodyPr>
+              <a:lstStyle/>
+              <a:p>
+                <a:pPr>
+                  <a:lnSpc>
+                    <a:spcPct val="150000"/>
+                  </a:lnSpc>
+                </a:pPr>
+                <a:r>
+                  <a:rPr lang="en-US" altLang="zh-TW" sz="2200" dirty="0">
+                    <a:latin typeface="Times" panose="02020603050405020304" pitchFamily="18" charset="0"/>
+                    <a:ea typeface="標楷體" panose="03000509000000000000" pitchFamily="65" charset="-120"/>
+                    <a:cs typeface="Times" panose="02020603050405020304" pitchFamily="18" charset="0"/>
+                  </a:rPr>
+                  <a:t>Most common objective function of the ILT problem is the misfit between the image on wafer and the target pattern:</a:t>
+                </a:r>
+              </a:p>
+              <a:p>
+                <a:pPr lvl="1">
+                  <a:lnSpc>
+                    <a:spcPct val="150000"/>
+                  </a:lnSpc>
+                </a:pPr>
+                <a:r>
+                  <a:rPr lang="en-US" altLang="zh-TW" sz="2000" dirty="0">
+                    <a:latin typeface="Times" panose="02020603050405020304" pitchFamily="18" charset="0"/>
+                    <a:ea typeface="標楷體" panose="03000509000000000000" pitchFamily="65" charset="-120"/>
+                    <a:cs typeface="Times" panose="02020603050405020304" pitchFamily="18" charset="0"/>
+                  </a:rPr>
+                  <a:t>Mask :</a:t>
+                </a:r>
+                <a:r>
+                  <a:rPr lang="zh-TW" altLang="en-US" sz="2000" dirty="0">
+                    <a:latin typeface="Times" panose="02020603050405020304" pitchFamily="18" charset="0"/>
+                    <a:ea typeface="標楷體" panose="03000509000000000000" pitchFamily="65" charset="-120"/>
+                    <a:cs typeface="Times" panose="02020603050405020304" pitchFamily="18" charset="0"/>
+                  </a:rPr>
+                  <a:t>  </a:t>
+                </a:r>
+                <a14:m>
+                  <m:oMath xmlns:m="http://schemas.openxmlformats.org/officeDocument/2006/math">
+                    <m:r>
+                      <a:rPr lang="en-US" altLang="zh-TW" sz="2000" b="0" i="1" smtClean="0">
+                        <a:latin typeface="Cambria Math" panose="02040503050406030204" pitchFamily="18" charset="0"/>
+                        <a:ea typeface="標楷體" panose="03000509000000000000" pitchFamily="65" charset="-120"/>
+                        <a:cs typeface="Times" panose="02020603050405020304" pitchFamily="18" charset="0"/>
+                      </a:rPr>
+                      <m:t>𝑈</m:t>
+                    </m:r>
+                    <m:r>
+                      <a:rPr lang="en-US" altLang="zh-TW" sz="2000" b="0" i="1" smtClean="0">
+                        <a:latin typeface="Cambria Math" panose="02040503050406030204" pitchFamily="18" charset="0"/>
+                        <a:ea typeface="標楷體" panose="03000509000000000000" pitchFamily="65" charset="-120"/>
+                        <a:cs typeface="Times" panose="02020603050405020304" pitchFamily="18" charset="0"/>
+                      </a:rPr>
+                      <m:t> ∈ </m:t>
+                    </m:r>
+                    <m:sSup>
+                      <m:sSupPr>
+                        <m:ctrlPr>
+                          <a:rPr lang="en-US" altLang="zh-TW" sz="2000" b="0" i="1" smtClean="0">
+                            <a:latin typeface="Cambria Math" panose="02040503050406030204" pitchFamily="18" charset="0"/>
+                            <a:ea typeface="Cambria Math" panose="02040503050406030204" pitchFamily="18" charset="0"/>
+                            <a:cs typeface="Times" panose="02020603050405020304" pitchFamily="18" charset="0"/>
+                          </a:rPr>
+                        </m:ctrlPr>
+                      </m:sSupPr>
+                      <m:e>
+                        <m:r>
+                          <a:rPr lang="en-US" altLang="zh-TW" sz="2000" i="1">
+                            <a:latin typeface="Cambria Math" panose="02040503050406030204" pitchFamily="18" charset="0"/>
+                            <a:ea typeface="Cambria Math" panose="02040503050406030204" pitchFamily="18" charset="0"/>
+                            <a:cs typeface="Times" panose="02020603050405020304" pitchFamily="18" charset="0"/>
+                          </a:rPr>
+                          <m:t>ℝ</m:t>
+                        </m:r>
+                      </m:e>
+                      <m:sup>
+                        <m:r>
+                          <a:rPr lang="en-US" altLang="zh-TW" sz="2000" b="0" i="1" smtClean="0">
+                            <a:latin typeface="Cambria Math" panose="02040503050406030204" pitchFamily="18" charset="0"/>
+                            <a:ea typeface="Cambria Math" panose="02040503050406030204" pitchFamily="18" charset="0"/>
+                            <a:cs typeface="Times" panose="02020603050405020304" pitchFamily="18" charset="0"/>
+                          </a:rPr>
+                          <m:t>𝑁</m:t>
+                        </m:r>
+                        <m:r>
+                          <a:rPr lang="en-US" altLang="zh-TW" sz="2000" b="0" i="1" smtClean="0">
+                            <a:latin typeface="Cambria Math" panose="02040503050406030204" pitchFamily="18" charset="0"/>
+                            <a:ea typeface="Cambria Math" panose="02040503050406030204" pitchFamily="18" charset="0"/>
+                            <a:cs typeface="Times" panose="02020603050405020304" pitchFamily="18" charset="0"/>
+                          </a:rPr>
+                          <m:t>×</m:t>
+                        </m:r>
+                        <m:r>
+                          <a:rPr lang="en-US" altLang="zh-TW" sz="2000" b="0" i="1" smtClean="0">
+                            <a:latin typeface="Cambria Math" panose="02040503050406030204" pitchFamily="18" charset="0"/>
+                            <a:ea typeface="Cambria Math" panose="02040503050406030204" pitchFamily="18" charset="0"/>
+                            <a:cs typeface="Times" panose="02020603050405020304" pitchFamily="18" charset="0"/>
+                          </a:rPr>
+                          <m:t>𝑁</m:t>
+                        </m:r>
+                      </m:sup>
+                    </m:sSup>
+                    <m:r>
+                      <a:rPr lang="en-US" altLang="zh-TW" sz="2000" b="0" i="1" smtClean="0">
+                        <a:latin typeface="Cambria Math" panose="02040503050406030204" pitchFamily="18" charset="0"/>
+                        <a:ea typeface="Cambria Math" panose="02040503050406030204" pitchFamily="18" charset="0"/>
+                        <a:cs typeface="Times" panose="02020603050405020304" pitchFamily="18" charset="0"/>
+                      </a:rPr>
+                      <m:t>, </m:t>
+                    </m:r>
+                    <m:sSub>
+                      <m:sSubPr>
+                        <m:ctrlPr>
+                          <a:rPr lang="en-US" altLang="zh-TW" sz="2000" b="0" i="1" smtClean="0">
+                            <a:latin typeface="Cambria Math" panose="02040503050406030204" pitchFamily="18" charset="0"/>
+                            <a:ea typeface="Cambria Math" panose="02040503050406030204" pitchFamily="18" charset="0"/>
+                            <a:cs typeface="Times" panose="02020603050405020304" pitchFamily="18" charset="0"/>
+                          </a:rPr>
+                        </m:ctrlPr>
+                      </m:sSubPr>
+                      <m:e>
+                        <m:r>
+                          <a:rPr lang="en-US" altLang="zh-TW" sz="2000" b="0" i="1" smtClean="0">
+                            <a:latin typeface="Cambria Math" panose="02040503050406030204" pitchFamily="18" charset="0"/>
+                            <a:ea typeface="Cambria Math" panose="02040503050406030204" pitchFamily="18" charset="0"/>
+                            <a:cs typeface="Times" panose="02020603050405020304" pitchFamily="18" charset="0"/>
+                          </a:rPr>
+                          <m:t>𝑈</m:t>
+                        </m:r>
+                      </m:e>
+                      <m:sub>
+                        <m:r>
+                          <a:rPr lang="en-US" altLang="zh-TW" sz="2000" b="0" i="1" smtClean="0">
+                            <a:latin typeface="Cambria Math" panose="02040503050406030204" pitchFamily="18" charset="0"/>
+                            <a:ea typeface="Cambria Math" panose="02040503050406030204" pitchFamily="18" charset="0"/>
+                            <a:cs typeface="Times" panose="02020603050405020304" pitchFamily="18" charset="0"/>
+                          </a:rPr>
+                          <m:t>𝑖𝑗</m:t>
+                        </m:r>
+                      </m:sub>
+                    </m:sSub>
+                    <m:r>
+                      <a:rPr lang="en-US" altLang="zh-TW" sz="2000" b="0" i="1" smtClean="0">
+                        <a:latin typeface="Cambria Math" panose="02040503050406030204" pitchFamily="18" charset="0"/>
+                        <a:ea typeface="Cambria Math" panose="02040503050406030204" pitchFamily="18" charset="0"/>
+                        <a:cs typeface="Times" panose="02020603050405020304" pitchFamily="18" charset="0"/>
+                      </a:rPr>
+                      <m:t> ∈(0, 1)</m:t>
+                    </m:r>
+                  </m:oMath>
+                </a14:m>
+                <a:r>
+                  <a:rPr lang="zh-TW" altLang="en-US" sz="2000" dirty="0">
+                    <a:latin typeface="Times" panose="02020603050405020304" pitchFamily="18" charset="0"/>
+                    <a:ea typeface="標楷體" panose="03000509000000000000" pitchFamily="65" charset="-120"/>
+                    <a:cs typeface="Times" panose="02020603050405020304" pitchFamily="18" charset="0"/>
+                  </a:rPr>
+                  <a:t> </a:t>
+                </a:r>
+                <a:r>
+                  <a:rPr lang="en-US" altLang="zh-TW" sz="2000" dirty="0">
+                    <a:latin typeface="Times" panose="02020603050405020304" pitchFamily="18" charset="0"/>
+                    <a:ea typeface="標楷體" panose="03000509000000000000" pitchFamily="65" charset="-120"/>
+                    <a:cs typeface="Times" panose="02020603050405020304" pitchFamily="18" charset="0"/>
+                  </a:rPr>
+                  <a:t>(is discrete into matrix)</a:t>
+                </a:r>
+              </a:p>
+              <a:p>
+                <a:pPr lvl="1">
+                  <a:lnSpc>
+                    <a:spcPct val="150000"/>
+                  </a:lnSpc>
+                </a:pPr>
+                <a:r>
+                  <a:rPr lang="en-US" altLang="zh-TW" sz="2000" dirty="0">
+                    <a:latin typeface="Times" panose="02020603050405020304" pitchFamily="18" charset="0"/>
+                    <a:ea typeface="標楷體" panose="03000509000000000000" pitchFamily="65" charset="-120"/>
+                    <a:cs typeface="Times" panose="02020603050405020304" pitchFamily="18" charset="0"/>
+                  </a:rPr>
+                  <a:t>Image function: </a:t>
+                </a:r>
+                <a14:m>
+                  <m:oMath xmlns:m="http://schemas.openxmlformats.org/officeDocument/2006/math">
+                    <m:r>
+                      <a:rPr lang="en-US" altLang="zh-TW" sz="2000" b="0" i="1" smtClean="0">
+                        <a:latin typeface="Cambria Math" panose="02040503050406030204" pitchFamily="18" charset="0"/>
+                        <a:ea typeface="標楷體" panose="03000509000000000000" pitchFamily="65" charset="-120"/>
+                        <a:cs typeface="Times" panose="02020603050405020304" pitchFamily="18" charset="0"/>
+                      </a:rPr>
+                      <m:t>𝐼</m:t>
+                    </m:r>
+                    <m:r>
+                      <a:rPr lang="en-US" altLang="zh-TW" sz="2000" b="0" i="1" smtClean="0">
+                        <a:latin typeface="Cambria Math" panose="02040503050406030204" pitchFamily="18" charset="0"/>
+                        <a:ea typeface="標楷體" panose="03000509000000000000" pitchFamily="65" charset="-120"/>
+                        <a:cs typeface="Times" panose="02020603050405020304" pitchFamily="18" charset="0"/>
+                      </a:rPr>
+                      <m:t>: </m:t>
+                    </m:r>
+                    <m:sSup>
+                      <m:sSupPr>
+                        <m:ctrlPr>
+                          <a:rPr lang="en-US" altLang="zh-TW" sz="2000" b="0" i="1" smtClean="0">
+                            <a:latin typeface="Cambria Math" panose="02040503050406030204" pitchFamily="18" charset="0"/>
+                            <a:ea typeface="標楷體" panose="03000509000000000000" pitchFamily="65" charset="-120"/>
+                            <a:cs typeface="Times" panose="02020603050405020304" pitchFamily="18" charset="0"/>
+                          </a:rPr>
+                        </m:ctrlPr>
+                      </m:sSupPr>
+                      <m:e>
+                        <m:r>
+                          <a:rPr lang="en-US" altLang="zh-TW" sz="2000" b="0" i="1" smtClean="0">
+                            <a:latin typeface="Cambria Math" panose="02040503050406030204" pitchFamily="18" charset="0"/>
+                            <a:ea typeface="標楷體" panose="03000509000000000000" pitchFamily="65" charset="-120"/>
+                            <a:cs typeface="Times" panose="02020603050405020304" pitchFamily="18" charset="0"/>
+                          </a:rPr>
+                          <m:t>𝑅</m:t>
+                        </m:r>
+                      </m:e>
+                      <m:sup>
+                        <m:r>
+                          <a:rPr lang="en-US" altLang="zh-TW" sz="2000" b="0" i="1" smtClean="0">
+                            <a:latin typeface="Cambria Math" panose="02040503050406030204" pitchFamily="18" charset="0"/>
+                            <a:ea typeface="標楷體" panose="03000509000000000000" pitchFamily="65" charset="-120"/>
+                            <a:cs typeface="Times" panose="02020603050405020304" pitchFamily="18" charset="0"/>
+                          </a:rPr>
+                          <m:t>𝑁</m:t>
+                        </m:r>
+                        <m:r>
+                          <a:rPr lang="en-US" altLang="zh-TW" sz="2000" b="0" i="1" smtClean="0">
+                            <a:latin typeface="Cambria Math" panose="02040503050406030204" pitchFamily="18" charset="0"/>
+                            <a:ea typeface="Cambria Math" panose="02040503050406030204" pitchFamily="18" charset="0"/>
+                            <a:cs typeface="Times" panose="02020603050405020304" pitchFamily="18" charset="0"/>
+                          </a:rPr>
+                          <m:t>×</m:t>
+                        </m:r>
+                        <m:r>
+                          <a:rPr lang="en-US" altLang="zh-TW" sz="2000" b="0" i="1" smtClean="0">
+                            <a:latin typeface="Cambria Math" panose="02040503050406030204" pitchFamily="18" charset="0"/>
+                            <a:ea typeface="Cambria Math" panose="02040503050406030204" pitchFamily="18" charset="0"/>
+                            <a:cs typeface="Times" panose="02020603050405020304" pitchFamily="18" charset="0"/>
+                          </a:rPr>
+                          <m:t>𝑁</m:t>
+                        </m:r>
+                      </m:sup>
+                    </m:sSup>
+                    <m:r>
+                      <a:rPr lang="en-US" altLang="zh-TW" sz="2000" b="0" i="1" smtClean="0">
+                        <a:latin typeface="Cambria Math" panose="02040503050406030204" pitchFamily="18" charset="0"/>
+                        <a:ea typeface="標楷體" panose="03000509000000000000" pitchFamily="65" charset="-120"/>
+                        <a:cs typeface="Times" panose="02020603050405020304" pitchFamily="18" charset="0"/>
+                      </a:rPr>
+                      <m:t> </m:t>
+                    </m:r>
+                    <m:r>
+                      <a:rPr lang="en-US" altLang="zh-TW" sz="2000" b="0" i="1" smtClean="0">
+                        <a:latin typeface="Cambria Math" panose="02040503050406030204" pitchFamily="18" charset="0"/>
+                        <a:ea typeface="Cambria Math" panose="02040503050406030204" pitchFamily="18" charset="0"/>
+                        <a:cs typeface="Times" panose="02020603050405020304" pitchFamily="18" charset="0"/>
+                      </a:rPr>
+                      <m:t>→</m:t>
+                    </m:r>
+                    <m:sSup>
+                      <m:sSupPr>
+                        <m:ctrlPr>
+                          <a:rPr lang="en-US" altLang="zh-TW" sz="2000" i="1">
+                            <a:latin typeface="Cambria Math" panose="02040503050406030204" pitchFamily="18" charset="0"/>
+                            <a:ea typeface="標楷體" panose="03000509000000000000" pitchFamily="65" charset="-120"/>
+                            <a:cs typeface="Times" panose="02020603050405020304" pitchFamily="18" charset="0"/>
+                          </a:rPr>
+                        </m:ctrlPr>
+                      </m:sSupPr>
+                      <m:e>
+                        <m:r>
+                          <a:rPr lang="en-US" altLang="zh-TW" sz="2000" i="1">
+                            <a:latin typeface="Cambria Math" panose="02040503050406030204" pitchFamily="18" charset="0"/>
+                            <a:ea typeface="標楷體" panose="03000509000000000000" pitchFamily="65" charset="-120"/>
+                            <a:cs typeface="Times" panose="02020603050405020304" pitchFamily="18" charset="0"/>
+                          </a:rPr>
+                          <m:t>𝑅</m:t>
+                        </m:r>
+                      </m:e>
+                      <m:sup>
+                        <m:r>
+                          <a:rPr lang="en-US" altLang="zh-TW" sz="2000" i="1">
+                            <a:latin typeface="Cambria Math" panose="02040503050406030204" pitchFamily="18" charset="0"/>
+                            <a:ea typeface="標楷體" panose="03000509000000000000" pitchFamily="65" charset="-120"/>
+                            <a:cs typeface="Times" panose="02020603050405020304" pitchFamily="18" charset="0"/>
+                          </a:rPr>
+                          <m:t>𝑁</m:t>
+                        </m:r>
+                        <m:r>
+                          <a:rPr lang="en-US" altLang="zh-TW" sz="2000" i="1">
+                            <a:latin typeface="Cambria Math" panose="02040503050406030204" pitchFamily="18" charset="0"/>
+                            <a:ea typeface="Cambria Math" panose="02040503050406030204" pitchFamily="18" charset="0"/>
+                            <a:cs typeface="Times" panose="02020603050405020304" pitchFamily="18" charset="0"/>
+                          </a:rPr>
+                          <m:t>×</m:t>
+                        </m:r>
+                        <m:r>
+                          <a:rPr lang="en-US" altLang="zh-TW" sz="2000" i="1">
+                            <a:latin typeface="Cambria Math" panose="02040503050406030204" pitchFamily="18" charset="0"/>
+                            <a:ea typeface="Cambria Math" panose="02040503050406030204" pitchFamily="18" charset="0"/>
+                            <a:cs typeface="Times" panose="02020603050405020304" pitchFamily="18" charset="0"/>
+                          </a:rPr>
+                          <m:t>𝑁</m:t>
+                        </m:r>
+                      </m:sup>
+                    </m:sSup>
+                  </m:oMath>
+                </a14:m>
+                <a:endParaRPr lang="en-US" altLang="zh-TW" sz="2000" dirty="0">
+                  <a:latin typeface="Times" panose="02020603050405020304" pitchFamily="18" charset="0"/>
+                  <a:ea typeface="標楷體" panose="03000509000000000000" pitchFamily="65" charset="-120"/>
+                  <a:cs typeface="Times" panose="02020603050405020304" pitchFamily="18" charset="0"/>
+                </a:endParaRPr>
+              </a:p>
+              <a:p>
+                <a:pPr lvl="1">
+                  <a:lnSpc>
+                    <a:spcPct val="150000"/>
+                  </a:lnSpc>
+                </a:pPr>
+                <a:r>
+                  <a:rPr lang="en-US" altLang="zh-TW" sz="2000" dirty="0">
+                    <a:latin typeface="Times" panose="02020603050405020304" pitchFamily="18" charset="0"/>
+                    <a:ea typeface="標楷體" panose="03000509000000000000" pitchFamily="65" charset="-120"/>
+                    <a:cs typeface="Times" panose="02020603050405020304" pitchFamily="18" charset="0"/>
+                  </a:rPr>
+                  <a:t>Target pattern: </a:t>
+                </a:r>
+                <a14:m>
+                  <m:oMath xmlns:m="http://schemas.openxmlformats.org/officeDocument/2006/math">
+                    <m:sSub>
+                      <m:sSubPr>
+                        <m:ctrlPr>
+                          <a:rPr lang="en-US" altLang="zh-TW" sz="2000" i="1" smtClean="0">
+                            <a:latin typeface="Cambria Math" panose="02040503050406030204" pitchFamily="18" charset="0"/>
+                            <a:ea typeface="標楷體" panose="03000509000000000000" pitchFamily="65" charset="-120"/>
+                            <a:cs typeface="Times" panose="02020603050405020304" pitchFamily="18" charset="0"/>
+                          </a:rPr>
+                        </m:ctrlPr>
+                      </m:sSubPr>
+                      <m:e>
+                        <m:r>
+                          <a:rPr lang="en-US" altLang="zh-TW" sz="2000" b="0" i="1" smtClean="0">
+                            <a:latin typeface="Cambria Math" panose="02040503050406030204" pitchFamily="18" charset="0"/>
+                            <a:ea typeface="標楷體" panose="03000509000000000000" pitchFamily="65" charset="-120"/>
+                            <a:cs typeface="Times" panose="02020603050405020304" pitchFamily="18" charset="0"/>
+                          </a:rPr>
+                          <m:t>𝑈</m:t>
+                        </m:r>
+                      </m:e>
+                      <m:sub>
+                        <m:r>
+                          <a:rPr lang="en-US" altLang="zh-TW" sz="2000" b="0" i="1" smtClean="0">
+                            <a:latin typeface="Cambria Math" panose="02040503050406030204" pitchFamily="18" charset="0"/>
+                            <a:ea typeface="標楷體" panose="03000509000000000000" pitchFamily="65" charset="-120"/>
+                            <a:cs typeface="Times" panose="02020603050405020304" pitchFamily="18" charset="0"/>
+                          </a:rPr>
+                          <m:t>0</m:t>
+                        </m:r>
+                      </m:sub>
+                    </m:sSub>
+                  </m:oMath>
+                </a14:m>
+                <a:endParaRPr lang="en-US" altLang="zh-TW" sz="2000" dirty="0">
+                  <a:latin typeface="Times" panose="02020603050405020304" pitchFamily="18" charset="0"/>
+                  <a:ea typeface="標楷體" panose="03000509000000000000" pitchFamily="65" charset="-120"/>
+                  <a:cs typeface="Times" panose="02020603050405020304" pitchFamily="18" charset="0"/>
+                </a:endParaRPr>
+              </a:p>
+              <a:p>
+                <a:pPr>
+                  <a:lnSpc>
+                    <a:spcPct val="150000"/>
+                  </a:lnSpc>
+                </a:pPr>
+                <a:r>
+                  <a:rPr lang="en-US" altLang="zh-TW" sz="2200" dirty="0">
+                    <a:latin typeface="Times" panose="02020603050405020304" pitchFamily="18" charset="0"/>
+                    <a:ea typeface="標楷體" panose="03000509000000000000" pitchFamily="65" charset="-120"/>
+                    <a:cs typeface="Times" panose="02020603050405020304" pitchFamily="18" charset="0"/>
+                  </a:rPr>
+                  <a:t>Optimization problem:</a:t>
+                </a:r>
+              </a:p>
+              <a:p>
+                <a:pPr lvl="1">
+                  <a:lnSpc>
+                    <a:spcPct val="150000"/>
+                  </a:lnSpc>
+                </a:pPr>
+                <a:r>
+                  <a:rPr lang="zh-TW" altLang="en-US" sz="2000" dirty="0">
+                    <a:latin typeface="Times" panose="02020603050405020304" pitchFamily="18" charset="0"/>
+                    <a:ea typeface="標楷體" panose="03000509000000000000" pitchFamily="65" charset="-120"/>
+                    <a:cs typeface="Times" panose="02020603050405020304" pitchFamily="18" charset="0"/>
+                  </a:rPr>
+                  <a:t> </a:t>
+                </a:r>
+              </a:p>
+            </p:txBody>
+          </p:sp>
+        </mc:Choice>
+        <mc:Fallback xmlns="">
+          <p:sp>
+            <p:nvSpPr>
+              <p:cNvPr id="3" name="內容版面配置區 2">
+                <a:extLst>
+                  <a:ext uri="{FF2B5EF4-FFF2-40B4-BE49-F238E27FC236}">
+                    <a16:creationId xmlns:a16="http://schemas.microsoft.com/office/drawing/2014/main" id="{CD74F3A4-97A5-7640-801C-D093727610C1}"/>
+                  </a:ext>
+                </a:extLst>
+              </p:cNvPr>
+              <p:cNvSpPr>
+                <a:spLocks noGrp="1" noRot="1" noChangeAspect="1" noMove="1" noResize="1" noEditPoints="1" noAdjustHandles="1" noChangeArrowheads="1" noChangeShapeType="1" noTextEdit="1"/>
+              </p:cNvSpPr>
+              <p:nvPr>
+                <p:ph idx="1"/>
+              </p:nvPr>
+            </p:nvSpPr>
+            <p:spPr>
+              <a:blipFill>
+                <a:blip r:embed="rId3"/>
+                <a:stretch>
+                  <a:fillRect l="-696"/>
+                </a:stretch>
+              </a:blipFill>
+            </p:spPr>
+            <p:txBody>
+              <a:bodyPr/>
+              <a:lstStyle/>
+              <a:p>
+                <a:r>
+                  <a:rPr lang="zh-TW" altLang="en-US">
+                    <a:noFill/>
+                  </a:rPr>
+                  <a:t> </a:t>
+                </a:r>
+              </a:p>
+            </p:txBody>
+          </p:sp>
+        </mc:Fallback>
+      </mc:AlternateContent>
+      <p:sp>
+        <p:nvSpPr>
+          <p:cNvPr id="4" name="投影片編號版面配置區 3">
+            <a:extLst>
+              <a:ext uri="{FF2B5EF4-FFF2-40B4-BE49-F238E27FC236}">
+                <a16:creationId xmlns:a16="http://schemas.microsoft.com/office/drawing/2014/main" id="{98B5C8A6-9E09-A340-C475-439F204D7E17}"/>
+              </a:ext>
+            </a:extLst>
+          </p:cNvPr>
+          <p:cNvSpPr>
+            <a:spLocks noGrp="1"/>
+          </p:cNvSpPr>
+          <p:nvPr>
+            <p:ph type="sldNum" sz="quarter" idx="12"/>
+          </p:nvPr>
+        </p:nvSpPr>
+        <p:spPr/>
+        <p:txBody>
+          <a:bodyPr/>
+          <a:lstStyle/>
+          <a:p>
+            <a:fld id="{666274A1-CF9C-426A-8DD4-B13ED0C24231}" type="slidenum">
+              <a:rPr lang="en-US" smtClean="0"/>
+              <a:t>10</a:t>
+            </a:fld>
+            <a:endParaRPr lang="en-US"/>
+          </a:p>
+        </p:txBody>
+      </p:sp>
+      <p:grpSp>
+        <p:nvGrpSpPr>
+          <p:cNvPr id="8" name="群組 7">
+            <a:extLst>
+              <a:ext uri="{FF2B5EF4-FFF2-40B4-BE49-F238E27FC236}">
+                <a16:creationId xmlns:a16="http://schemas.microsoft.com/office/drawing/2014/main" id="{4A978324-3A8E-21B5-2ACD-1BE3F63FD474}"/>
+              </a:ext>
+            </a:extLst>
+          </p:cNvPr>
+          <p:cNvGrpSpPr/>
+          <p:nvPr/>
+        </p:nvGrpSpPr>
+        <p:grpSpPr>
+          <a:xfrm>
+            <a:off x="1630506" y="5164142"/>
+            <a:ext cx="4905376" cy="589537"/>
+            <a:chOff x="1620115" y="5187808"/>
+            <a:chExt cx="4905376" cy="589537"/>
+          </a:xfrm>
+        </p:grpSpPr>
+        <p:pic>
+          <p:nvPicPr>
+            <p:cNvPr id="6" name="圖片 5">
+              <a:extLst>
+                <a:ext uri="{FF2B5EF4-FFF2-40B4-BE49-F238E27FC236}">
+                  <a16:creationId xmlns:a16="http://schemas.microsoft.com/office/drawing/2014/main" id="{C9C88A9D-A8AD-1445-618D-54D6B5F19737}"/>
+                </a:ext>
+              </a:extLst>
+            </p:cNvPr>
+            <p:cNvPicPr>
+              <a:picLocks noChangeAspect="1"/>
+            </p:cNvPicPr>
+            <p:nvPr/>
+          </p:nvPicPr>
+          <p:blipFill rotWithShape="1">
+            <a:blip r:embed="rId4"/>
+            <a:srcRect b="34177"/>
+            <a:stretch/>
+          </p:blipFill>
+          <p:spPr>
+            <a:xfrm>
+              <a:off x="1620115" y="5187808"/>
+              <a:ext cx="2675659" cy="589537"/>
+            </a:xfrm>
+            <a:prstGeom prst="rect">
+              <a:avLst/>
+            </a:prstGeom>
+          </p:spPr>
+        </p:pic>
+        <p:pic>
+          <p:nvPicPr>
+            <p:cNvPr id="7" name="圖片 6">
+              <a:extLst>
+                <a:ext uri="{FF2B5EF4-FFF2-40B4-BE49-F238E27FC236}">
+                  <a16:creationId xmlns:a16="http://schemas.microsoft.com/office/drawing/2014/main" id="{EB9C2010-7832-C342-0DC8-FC14DCAF754F}"/>
+                </a:ext>
+              </a:extLst>
+            </p:cNvPr>
+            <p:cNvPicPr>
+              <a:picLocks noChangeAspect="1"/>
+            </p:cNvPicPr>
+            <p:nvPr/>
+          </p:nvPicPr>
+          <p:blipFill rotWithShape="1">
+            <a:blip r:embed="rId4"/>
+            <a:srcRect l="22168" t="67676"/>
+            <a:stretch/>
+          </p:blipFill>
+          <p:spPr>
+            <a:xfrm>
+              <a:off x="4295774" y="5320146"/>
+              <a:ext cx="2229717" cy="309967"/>
+            </a:xfrm>
+            <a:prstGeom prst="rect">
+              <a:avLst/>
+            </a:prstGeom>
+          </p:spPr>
+        </p:pic>
+      </p:grpSp>
+      <p:pic>
+        <p:nvPicPr>
+          <p:cNvPr id="12" name="圖片 11">
+            <a:extLst>
+              <a:ext uri="{FF2B5EF4-FFF2-40B4-BE49-F238E27FC236}">
+                <a16:creationId xmlns:a16="http://schemas.microsoft.com/office/drawing/2014/main" id="{301A953D-CDBF-7F23-5CA0-1A0138B761EE}"/>
+              </a:ext>
+            </a:extLst>
+          </p:cNvPr>
+          <p:cNvPicPr>
+            <a:picLocks noChangeAspect="1"/>
+          </p:cNvPicPr>
+          <p:nvPr/>
+        </p:nvPicPr>
+        <p:blipFill>
+          <a:blip r:embed="rId5"/>
+          <a:stretch>
+            <a:fillRect/>
+          </a:stretch>
+        </p:blipFill>
+        <p:spPr>
+          <a:xfrm>
+            <a:off x="7939215" y="4001294"/>
+            <a:ext cx="3414585" cy="702640"/>
+          </a:xfrm>
+          <a:prstGeom prst="rect">
+            <a:avLst/>
+          </a:prstGeom>
+          <a:ln w="38100" cap="sq">
+            <a:solidFill>
+              <a:srgbClr val="000000"/>
+            </a:solidFill>
+            <a:prstDash val="solid"/>
+            <a:miter lim="800000"/>
+          </a:ln>
+          <a:effectLst>
+            <a:outerShdw blurRad="50800" dist="38100" dir="2700000" algn="tl" rotWithShape="0">
+              <a:srgbClr val="000000">
+                <a:alpha val="43000"/>
+              </a:srgbClr>
+            </a:outerShdw>
+          </a:effectLst>
+        </p:spPr>
+      </p:pic>
+    </p:spTree>
+    <p:extLst>
+      <p:ext uri="{BB962C8B-B14F-4D97-AF65-F5344CB8AC3E}">
+        <p14:creationId xmlns:p14="http://schemas.microsoft.com/office/powerpoint/2010/main" val="4020306698"/>
+      </p:ext>
+    </p:extLst>
+  </p:cSld>
+  <p:clrMapOvr>
+    <a:masterClrMapping/>
+  </p:clrMapOvr>
+</p:sld>
+</file>
+
+<file path=ppt/slides/slide12.xml><?xml version="1.0" encoding="utf-8"?>
+<p:sld xmlns:a="http://schemas.openxmlformats.org/drawingml/2006/main" xmlns:r="http://schemas.openxmlformats.org/officeDocument/2006/relationships" xmlns:p="http://schemas.openxmlformats.org/presentationml/2006/main">
+  <p:cSld>
+    <p:spTree>
+      <p:nvGrpSpPr>
+        <p:cNvPr id="1" name=""/>
+        <p:cNvGrpSpPr/>
+        <p:nvPr/>
+      </p:nvGrpSpPr>
+      <p:grpSpPr>
+        <a:xfrm>
+          <a:off x="0" y="0"/>
+          <a:ext cx="0" cy="0"/>
+          <a:chOff x="0" y="0"/>
+          <a:chExt cx="0" cy="0"/>
+        </a:xfrm>
+      </p:grpSpPr>
+      <p:sp>
+        <p:nvSpPr>
           <p:cNvPr id="2" name="標題 1">
             <a:extLst>
               <a:ext uri="{FF2B5EF4-FFF2-40B4-BE49-F238E27FC236}">
@@ -8304,7 +9826,7 @@
           <a:p>
             <a:fld id="{666274A1-CF9C-426A-8DD4-B13ED0C24231}" type="slidenum">
               <a:rPr lang="en-US" smtClean="0"/>
-              <a:t>9</a:t>
+              <a:t>11</a:t>
             </a:fld>
             <a:endParaRPr lang="en-US"/>
           </a:p>
@@ -8506,7 +10028,7 @@
 </p:sld>
 </file>
 
-<file path=ppt/slides/slide11.xml><?xml version="1.0" encoding="utf-8"?>
+<file path=ppt/slides/slide13.xml><?xml version="1.0" encoding="utf-8"?>
 <p:sld xmlns:a="http://schemas.openxmlformats.org/drawingml/2006/main" xmlns:r="http://schemas.openxmlformats.org/officeDocument/2006/relationships" xmlns:p="http://schemas.openxmlformats.org/presentationml/2006/main">
   <p:cSld>
     <p:spTree>
@@ -8934,7 +10456,7 @@
           <a:p>
             <a:fld id="{666274A1-CF9C-426A-8DD4-B13ED0C24231}" type="slidenum">
               <a:rPr lang="en-US" smtClean="0"/>
-              <a:t>10</a:t>
+              <a:t>12</a:t>
             </a:fld>
             <a:endParaRPr lang="en-US"/>
           </a:p>
@@ -9013,7 +10535,7 @@
 </p:sld>
 </file>
 
-<file path=ppt/slides/slide12.xml><?xml version="1.0" encoding="utf-8"?>
+<file path=ppt/slides/slide14.xml><?xml version="1.0" encoding="utf-8"?>
 <p:sld xmlns:a="http://schemas.openxmlformats.org/drawingml/2006/main" xmlns:r="http://schemas.openxmlformats.org/officeDocument/2006/relationships" xmlns:p="http://schemas.openxmlformats.org/presentationml/2006/main">
   <p:cSld>
     <p:spTree>
@@ -9449,7 +10971,7 @@
           <a:p>
             <a:fld id="{666274A1-CF9C-426A-8DD4-B13ED0C24231}" type="slidenum">
               <a:rPr lang="en-US" smtClean="0"/>
-              <a:t>11</a:t>
+              <a:t>13</a:t>
             </a:fld>
             <a:endParaRPr lang="en-US" dirty="0"/>
           </a:p>
@@ -9557,7 +11079,7 @@
 </p:sld>
 </file>
 
-<file path=ppt/slides/slide13.xml><?xml version="1.0" encoding="utf-8"?>
+<file path=ppt/slides/slide15.xml><?xml version="1.0" encoding="utf-8"?>
 <p:sld xmlns:a="http://schemas.openxmlformats.org/drawingml/2006/main" xmlns:r="http://schemas.openxmlformats.org/officeDocument/2006/relationships" xmlns:p="http://schemas.openxmlformats.org/presentationml/2006/main">
   <p:cSld>
     <p:spTree>
@@ -9658,7 +11180,7 @@
           <a:p>
             <a:fld id="{666274A1-CF9C-426A-8DD4-B13ED0C24231}" type="slidenum">
               <a:rPr lang="en-US" smtClean="0"/>
-              <a:t>12</a:t>
+              <a:t>14</a:t>
             </a:fld>
             <a:endParaRPr lang="en-US"/>
           </a:p>
@@ -9677,7 +11199,7 @@
 </p:sld>
 </file>
 
-<file path=ppt/slides/slide14.xml><?xml version="1.0" encoding="utf-8"?>
+<file path=ppt/slides/slide16.xml><?xml version="1.0" encoding="utf-8"?>
 <p:sld xmlns:a="http://schemas.openxmlformats.org/drawingml/2006/main" xmlns:r="http://schemas.openxmlformats.org/officeDocument/2006/relationships" xmlns:p="http://schemas.openxmlformats.org/presentationml/2006/main">
   <p:cSld>
     <p:spTree>
@@ -9696,6 +11218,387 @@
       </p:grpSpPr>
       <p:sp>
         <p:nvSpPr>
+          <p:cNvPr id="2" name="Title 1">
+            <a:extLst>
+              <a:ext uri="{FF2B5EF4-FFF2-40B4-BE49-F238E27FC236}">
+                <a16:creationId xmlns:a16="http://schemas.microsoft.com/office/drawing/2014/main" id="{034B2B09-3A89-725A-85C2-749F88A4474D}"/>
+              </a:ext>
+            </a:extLst>
+          </p:cNvPr>
+          <p:cNvSpPr>
+            <a:spLocks noGrp="1"/>
+          </p:cNvSpPr>
+          <p:nvPr>
+            <p:ph type="title"/>
+          </p:nvPr>
+        </p:nvSpPr>
+        <p:spPr/>
+        <p:txBody>
+          <a:bodyPr/>
+          <a:lstStyle/>
+          <a:p>
+            <a:r>
+              <a:rPr lang="en-US" sz="4000" dirty="0">
+                <a:latin typeface="Times New Roman" panose="02020603050405020304" pitchFamily="18" charset="0"/>
+                <a:cs typeface="Times New Roman" panose="02020603050405020304" pitchFamily="18" charset="0"/>
+              </a:rPr>
+              <a:t>Outline</a:t>
+            </a:r>
+            <a:endParaRPr lang="en-US" dirty="0">
+              <a:latin typeface="Times New Roman" panose="02020603050405020304" pitchFamily="18" charset="0"/>
+              <a:cs typeface="Times New Roman" panose="02020603050405020304" pitchFamily="18" charset="0"/>
+            </a:endParaRPr>
+          </a:p>
+        </p:txBody>
+      </p:sp>
+      <p:sp>
+        <p:nvSpPr>
+          <p:cNvPr id="4" name="Slide Number Placeholder 3">
+            <a:extLst>
+              <a:ext uri="{FF2B5EF4-FFF2-40B4-BE49-F238E27FC236}">
+                <a16:creationId xmlns:a16="http://schemas.microsoft.com/office/drawing/2014/main" id="{3592E110-E718-0573-BF00-CE5E90916A66}"/>
+              </a:ext>
+            </a:extLst>
+          </p:cNvPr>
+          <p:cNvSpPr>
+            <a:spLocks noGrp="1"/>
+          </p:cNvSpPr>
+          <p:nvPr>
+            <p:ph type="sldNum" sz="quarter" idx="12"/>
+          </p:nvPr>
+        </p:nvSpPr>
+        <p:spPr/>
+        <p:txBody>
+          <a:bodyPr/>
+          <a:lstStyle/>
+          <a:p>
+            <a:fld id="{666274A1-CF9C-426A-8DD4-B13ED0C24231}" type="slidenum">
+              <a:rPr lang="en-US" smtClean="0"/>
+              <a:t>15</a:t>
+            </a:fld>
+            <a:endParaRPr lang="en-US"/>
+          </a:p>
+        </p:txBody>
+      </p:sp>
+      <p:sp>
+        <p:nvSpPr>
+          <p:cNvPr id="7" name="Content Placeholder 2">
+            <a:extLst>
+              <a:ext uri="{FF2B5EF4-FFF2-40B4-BE49-F238E27FC236}">
+                <a16:creationId xmlns:a16="http://schemas.microsoft.com/office/drawing/2014/main" id="{85FB6EDC-A81C-417F-C3B2-4378D3D43B94}"/>
+              </a:ext>
+            </a:extLst>
+          </p:cNvPr>
+          <p:cNvSpPr txBox="1">
+            <a:spLocks/>
+          </p:cNvSpPr>
+          <p:nvPr/>
+        </p:nvSpPr>
+        <p:spPr>
+          <a:xfrm>
+            <a:off x="1028700" y="1690688"/>
+            <a:ext cx="10515600" cy="4351338"/>
+          </a:xfrm>
+          <a:prstGeom prst="rect">
+            <a:avLst/>
+          </a:prstGeom>
+        </p:spPr>
+        <p:txBody>
+          <a:bodyPr vert="horz" lIns="91440" tIns="45720" rIns="91440" bIns="45720" rtlCol="0">
+            <a:normAutofit/>
+          </a:bodyPr>
+          <a:lstStyle>
+            <a:lvl1pPr marL="228600" indent="-228600" algn="l" defTabSz="914400" rtl="0" eaLnBrk="1" latinLnBrk="0" hangingPunct="1">
+              <a:lnSpc>
+                <a:spcPct val="90000"/>
+              </a:lnSpc>
+              <a:spcBef>
+                <a:spcPts val="1000"/>
+              </a:spcBef>
+              <a:buFont typeface="Arial" panose="020B0604020202020204" pitchFamily="34" charset="0"/>
+              <a:buChar char="•"/>
+              <a:defRPr sz="2800" kern="1200">
+                <a:solidFill>
+                  <a:schemeClr val="tx1"/>
+                </a:solidFill>
+                <a:latin typeface="+mn-lt"/>
+                <a:ea typeface="+mn-ea"/>
+                <a:cs typeface="+mn-cs"/>
+              </a:defRPr>
+            </a:lvl1pPr>
+            <a:lvl2pPr marL="685800" indent="-228600" algn="l" defTabSz="914400" rtl="0" eaLnBrk="1" latinLnBrk="0" hangingPunct="1">
+              <a:lnSpc>
+                <a:spcPct val="90000"/>
+              </a:lnSpc>
+              <a:spcBef>
+                <a:spcPts val="500"/>
+              </a:spcBef>
+              <a:buFont typeface="Arial" panose="020B0604020202020204" pitchFamily="34" charset="0"/>
+              <a:buChar char="•"/>
+              <a:defRPr sz="2400" kern="1200">
+                <a:solidFill>
+                  <a:schemeClr val="tx1"/>
+                </a:solidFill>
+                <a:latin typeface="+mn-lt"/>
+                <a:ea typeface="+mn-ea"/>
+                <a:cs typeface="+mn-cs"/>
+              </a:defRPr>
+            </a:lvl2pPr>
+            <a:lvl3pPr marL="1143000" indent="-228600" algn="l" defTabSz="914400" rtl="0" eaLnBrk="1" latinLnBrk="0" hangingPunct="1">
+              <a:lnSpc>
+                <a:spcPct val="90000"/>
+              </a:lnSpc>
+              <a:spcBef>
+                <a:spcPts val="500"/>
+              </a:spcBef>
+              <a:buFont typeface="Arial" panose="020B0604020202020204" pitchFamily="34" charset="0"/>
+              <a:buChar char="•"/>
+              <a:defRPr sz="2000" kern="1200">
+                <a:solidFill>
+                  <a:schemeClr val="tx1"/>
+                </a:solidFill>
+                <a:latin typeface="+mn-lt"/>
+                <a:ea typeface="+mn-ea"/>
+                <a:cs typeface="+mn-cs"/>
+              </a:defRPr>
+            </a:lvl3pPr>
+            <a:lvl4pPr marL="1600200" indent="-228600" algn="l" defTabSz="914400" rtl="0" eaLnBrk="1" latinLnBrk="0" hangingPunct="1">
+              <a:lnSpc>
+                <a:spcPct val="90000"/>
+              </a:lnSpc>
+              <a:spcBef>
+                <a:spcPts val="500"/>
+              </a:spcBef>
+              <a:buFont typeface="Arial" panose="020B0604020202020204" pitchFamily="34" charset="0"/>
+              <a:buChar char="•"/>
+              <a:defRPr sz="1800" kern="1200">
+                <a:solidFill>
+                  <a:schemeClr val="tx1"/>
+                </a:solidFill>
+                <a:latin typeface="+mn-lt"/>
+                <a:ea typeface="+mn-ea"/>
+                <a:cs typeface="+mn-cs"/>
+              </a:defRPr>
+            </a:lvl4pPr>
+            <a:lvl5pPr marL="2057400" indent="-228600" algn="l" defTabSz="914400" rtl="0" eaLnBrk="1" latinLnBrk="0" hangingPunct="1">
+              <a:lnSpc>
+                <a:spcPct val="90000"/>
+              </a:lnSpc>
+              <a:spcBef>
+                <a:spcPts val="500"/>
+              </a:spcBef>
+              <a:buFont typeface="Arial" panose="020B0604020202020204" pitchFamily="34" charset="0"/>
+              <a:buChar char="•"/>
+              <a:defRPr sz="1800" kern="1200">
+                <a:solidFill>
+                  <a:schemeClr val="tx1"/>
+                </a:solidFill>
+                <a:latin typeface="+mn-lt"/>
+                <a:ea typeface="+mn-ea"/>
+                <a:cs typeface="+mn-cs"/>
+              </a:defRPr>
+            </a:lvl5pPr>
+            <a:lvl6pPr marL="2514600" indent="-228600" algn="l" defTabSz="914400" rtl="0" eaLnBrk="1" latinLnBrk="0" hangingPunct="1">
+              <a:lnSpc>
+                <a:spcPct val="90000"/>
+              </a:lnSpc>
+              <a:spcBef>
+                <a:spcPts val="500"/>
+              </a:spcBef>
+              <a:buFont typeface="Arial" panose="020B0604020202020204" pitchFamily="34" charset="0"/>
+              <a:buChar char="•"/>
+              <a:defRPr sz="1800" kern="1200">
+                <a:solidFill>
+                  <a:schemeClr val="tx1"/>
+                </a:solidFill>
+                <a:latin typeface="+mn-lt"/>
+                <a:ea typeface="+mn-ea"/>
+                <a:cs typeface="+mn-cs"/>
+              </a:defRPr>
+            </a:lvl6pPr>
+            <a:lvl7pPr marL="2971800" indent="-228600" algn="l" defTabSz="914400" rtl="0" eaLnBrk="1" latinLnBrk="0" hangingPunct="1">
+              <a:lnSpc>
+                <a:spcPct val="90000"/>
+              </a:lnSpc>
+              <a:spcBef>
+                <a:spcPts val="500"/>
+              </a:spcBef>
+              <a:buFont typeface="Arial" panose="020B0604020202020204" pitchFamily="34" charset="0"/>
+              <a:buChar char="•"/>
+              <a:defRPr sz="1800" kern="1200">
+                <a:solidFill>
+                  <a:schemeClr val="tx1"/>
+                </a:solidFill>
+                <a:latin typeface="+mn-lt"/>
+                <a:ea typeface="+mn-ea"/>
+                <a:cs typeface="+mn-cs"/>
+              </a:defRPr>
+            </a:lvl7pPr>
+            <a:lvl8pPr marL="3429000" indent="-228600" algn="l" defTabSz="914400" rtl="0" eaLnBrk="1" latinLnBrk="0" hangingPunct="1">
+              <a:lnSpc>
+                <a:spcPct val="90000"/>
+              </a:lnSpc>
+              <a:spcBef>
+                <a:spcPts val="500"/>
+              </a:spcBef>
+              <a:buFont typeface="Arial" panose="020B0604020202020204" pitchFamily="34" charset="0"/>
+              <a:buChar char="•"/>
+              <a:defRPr sz="1800" kern="1200">
+                <a:solidFill>
+                  <a:schemeClr val="tx1"/>
+                </a:solidFill>
+                <a:latin typeface="+mn-lt"/>
+                <a:ea typeface="+mn-ea"/>
+                <a:cs typeface="+mn-cs"/>
+              </a:defRPr>
+            </a:lvl8pPr>
+            <a:lvl9pPr marL="3886200" indent="-228600" algn="l" defTabSz="914400" rtl="0" eaLnBrk="1" latinLnBrk="0" hangingPunct="1">
+              <a:lnSpc>
+                <a:spcPct val="90000"/>
+              </a:lnSpc>
+              <a:spcBef>
+                <a:spcPts val="500"/>
+              </a:spcBef>
+              <a:buFont typeface="Arial" panose="020B0604020202020204" pitchFamily="34" charset="0"/>
+              <a:buChar char="•"/>
+              <a:defRPr sz="1800" kern="1200">
+                <a:solidFill>
+                  <a:schemeClr val="tx1"/>
+                </a:solidFill>
+                <a:latin typeface="+mn-lt"/>
+                <a:ea typeface="+mn-ea"/>
+                <a:cs typeface="+mn-cs"/>
+              </a:defRPr>
+            </a:lvl9pPr>
+          </a:lstStyle>
+          <a:p>
+            <a:pPr>
+              <a:lnSpc>
+                <a:spcPct val="130000"/>
+              </a:lnSpc>
+            </a:pPr>
+            <a:r>
+              <a:rPr lang="en-US" sz="2400" dirty="0">
+                <a:solidFill>
+                  <a:schemeClr val="bg1">
+                    <a:lumMod val="50000"/>
+                  </a:schemeClr>
+                </a:solidFill>
+                <a:latin typeface="Times New Roman" panose="02020603050405020304" pitchFamily="18" charset="0"/>
+                <a:cs typeface="Times New Roman" panose="02020603050405020304" pitchFamily="18" charset="0"/>
+              </a:rPr>
+              <a:t>Introduction</a:t>
+            </a:r>
+          </a:p>
+          <a:p>
+            <a:pPr>
+              <a:lnSpc>
+                <a:spcPct val="130000"/>
+              </a:lnSpc>
+            </a:pPr>
+            <a:r>
+              <a:rPr lang="en-US" sz="2400" dirty="0">
+                <a:solidFill>
+                  <a:schemeClr val="bg1">
+                    <a:lumMod val="50000"/>
+                  </a:schemeClr>
+                </a:solidFill>
+                <a:latin typeface="Times New Roman" panose="02020603050405020304" pitchFamily="18" charset="0"/>
+                <a:cs typeface="Times New Roman" panose="02020603050405020304" pitchFamily="18" charset="0"/>
+              </a:rPr>
+              <a:t>Preliminaries</a:t>
+            </a:r>
+          </a:p>
+          <a:p>
+            <a:pPr>
+              <a:lnSpc>
+                <a:spcPct val="130000"/>
+              </a:lnSpc>
+            </a:pPr>
+            <a:r>
+              <a:rPr lang="en-US" sz="2400" dirty="0">
+                <a:latin typeface="Times New Roman" panose="02020603050405020304" pitchFamily="18" charset="0"/>
+                <a:cs typeface="Times New Roman" panose="02020603050405020304" pitchFamily="18" charset="0"/>
+              </a:rPr>
+              <a:t>Algorithm</a:t>
+            </a:r>
+            <a:endParaRPr lang="en-US" sz="2000" dirty="0">
+              <a:latin typeface="Times New Roman" panose="02020603050405020304" pitchFamily="18" charset="0"/>
+              <a:cs typeface="Times New Roman" panose="02020603050405020304" pitchFamily="18" charset="0"/>
+            </a:endParaRPr>
+          </a:p>
+          <a:p>
+            <a:pPr>
+              <a:lnSpc>
+                <a:spcPct val="130000"/>
+              </a:lnSpc>
+            </a:pPr>
+            <a:r>
+              <a:rPr lang="en-US" sz="2400" dirty="0">
+                <a:solidFill>
+                  <a:schemeClr val="bg1">
+                    <a:lumMod val="50000"/>
+                  </a:schemeClr>
+                </a:solidFill>
+                <a:latin typeface="Times New Roman" panose="02020603050405020304" pitchFamily="18" charset="0"/>
+                <a:cs typeface="Times New Roman" panose="02020603050405020304" pitchFamily="18" charset="0"/>
+              </a:rPr>
+              <a:t>Experimental Result</a:t>
+            </a:r>
+          </a:p>
+          <a:p>
+            <a:pPr>
+              <a:lnSpc>
+                <a:spcPct val="130000"/>
+              </a:lnSpc>
+            </a:pPr>
+            <a:r>
+              <a:rPr lang="en-US" sz="2400" dirty="0">
+                <a:solidFill>
+                  <a:schemeClr val="bg1">
+                    <a:lumMod val="50000"/>
+                  </a:schemeClr>
+                </a:solidFill>
+                <a:latin typeface="Times New Roman" panose="02020603050405020304" pitchFamily="18" charset="0"/>
+                <a:cs typeface="Times New Roman" panose="02020603050405020304" pitchFamily="18" charset="0"/>
+              </a:rPr>
+              <a:t>Conclusion</a:t>
+            </a:r>
+          </a:p>
+        </p:txBody>
+      </p:sp>
+    </p:spTree>
+    <p:extLst>
+      <p:ext uri="{BB962C8B-B14F-4D97-AF65-F5344CB8AC3E}">
+        <p14:creationId xmlns:p14="http://schemas.microsoft.com/office/powerpoint/2010/main" val="3110415495"/>
+      </p:ext>
+    </p:extLst>
+  </p:cSld>
+  <p:clrMapOvr>
+    <a:masterClrMapping/>
+  </p:clrMapOvr>
+</p:sld>
+</file>
+
+<file path=ppt/slides/slide17.xml><?xml version="1.0" encoding="utf-8"?>
+<p:sld xmlns:a="http://schemas.openxmlformats.org/drawingml/2006/main" xmlns:r="http://schemas.openxmlformats.org/officeDocument/2006/relationships" xmlns:p="http://schemas.openxmlformats.org/presentationml/2006/main">
+  <p:cSld>
+    <p:spTree>
+      <p:nvGrpSpPr>
+        <p:cNvPr id="1" name=""/>
+        <p:cNvGrpSpPr/>
+        <p:nvPr/>
+      </p:nvGrpSpPr>
+      <p:grpSpPr>
+        <a:xfrm>
+          <a:off x="0" y="0"/>
+          <a:ext cx="0" cy="0"/>
+          <a:chOff x="0" y="0"/>
+          <a:chExt cx="0" cy="0"/>
+        </a:xfrm>
+      </p:grpSpPr>
+      <p:sp>
+        <p:nvSpPr>
           <p:cNvPr id="2" name="標題 1">
             <a:extLst>
               <a:ext uri="{FF2B5EF4-FFF2-40B4-BE49-F238E27FC236}">
@@ -9729,8 +11632,8 @@
           </a:p>
         </p:txBody>
       </p:sp>
-      <mc:AlternateContent xmlns:mc="http://schemas.openxmlformats.org/markup-compatibility/2006" xmlns:a14="http://schemas.microsoft.com/office/drawing/2010/main">
-        <mc:Choice Requires="a14">
+      <mc:AlternateContent xmlns:mc="http://schemas.openxmlformats.org/markup-compatibility/2006">
+        <mc:Choice xmlns:a14="http://schemas.microsoft.com/office/drawing/2010/main" Requires="a14">
           <p:sp>
             <p:nvSpPr>
               <p:cNvPr id="3" name="內容版面配置區 2">
@@ -10235,7 +12138,7 @@
                     <a:spcPct val="150000"/>
                   </a:lnSpc>
                 </a:pPr>
-                <a:endParaRPr lang="en-US" altLang="zh-TW" sz="2600" dirty="0">
+                <a:endParaRPr lang="en-US" altLang="zh-TW" sz="500" dirty="0">
                   <a:latin typeface="Times" panose="02020603050405020304" pitchFamily="18" charset="0"/>
                   <a:ea typeface="標楷體" panose="03000509000000000000" pitchFamily="65" charset="-120"/>
                   <a:cs typeface="Times" panose="02020603050405020304" pitchFamily="18" charset="0"/>
@@ -10430,7 +12333,7 @@
             </p:txBody>
           </p:sp>
         </mc:Choice>
-        <mc:Fallback xmlns="">
+        <mc:Fallback>
           <p:sp>
             <p:nvSpPr>
               <p:cNvPr id="3" name="內容版面配置區 2">
@@ -10497,7 +12400,7 @@
           <a:p>
             <a:fld id="{666274A1-CF9C-426A-8DD4-B13ED0C24231}" type="slidenum">
               <a:rPr lang="en-US" smtClean="0"/>
-              <a:t>13</a:t>
+              <a:t>16</a:t>
             </a:fld>
             <a:endParaRPr lang="en-US" dirty="0"/>
           </a:p>
@@ -10516,7 +12419,7 @@
 </p:sld>
 </file>
 
-<file path=ppt/slides/slide15.xml><?xml version="1.0" encoding="utf-8"?>
+<file path=ppt/slides/slide18.xml><?xml version="1.0" encoding="utf-8"?>
 <p:sld xmlns:a="http://schemas.openxmlformats.org/drawingml/2006/main" xmlns:r="http://schemas.openxmlformats.org/officeDocument/2006/relationships" xmlns:p="http://schemas.openxmlformats.org/presentationml/2006/main">
   <p:cSld>
     <p:spTree>
@@ -11346,7 +13249,7 @@
           <a:p>
             <a:fld id="{666274A1-CF9C-426A-8DD4-B13ED0C24231}" type="slidenum">
               <a:rPr lang="en-US" smtClean="0"/>
-              <a:t>14</a:t>
+              <a:t>17</a:t>
             </a:fld>
             <a:endParaRPr lang="en-US" dirty="0"/>
           </a:p>
@@ -11455,7 +13358,7 @@
 </p:sld>
 </file>
 
-<file path=ppt/slides/slide16.xml><?xml version="1.0" encoding="utf-8"?>
+<file path=ppt/slides/slide19.xml><?xml version="1.0" encoding="utf-8"?>
 <p:sld xmlns:a="http://schemas.openxmlformats.org/drawingml/2006/main" xmlns:r="http://schemas.openxmlformats.org/officeDocument/2006/relationships" xmlns:p="http://schemas.openxmlformats.org/presentationml/2006/main">
   <p:cSld>
     <p:spTree>
@@ -12445,7 +14348,7 @@
           <a:p>
             <a:fld id="{666274A1-CF9C-426A-8DD4-B13ED0C24231}" type="slidenum">
               <a:rPr lang="en-US" smtClean="0"/>
-              <a:t>15</a:t>
+              <a:t>18</a:t>
             </a:fld>
             <a:endParaRPr lang="en-US" dirty="0"/>
           </a:p>
@@ -12523,7 +14426,368 @@
 </p:sld>
 </file>
 
-<file path=ppt/slides/slide17.xml><?xml version="1.0" encoding="utf-8"?>
+<file path=ppt/slides/slide2.xml><?xml version="1.0" encoding="utf-8"?>
+<p:sld xmlns:a="http://schemas.openxmlformats.org/drawingml/2006/main" xmlns:r="http://schemas.openxmlformats.org/officeDocument/2006/relationships" xmlns:p="http://schemas.openxmlformats.org/presentationml/2006/main">
+  <p:cSld>
+    <p:spTree>
+      <p:nvGrpSpPr>
+        <p:cNvPr id="1" name=""/>
+        <p:cNvGrpSpPr/>
+        <p:nvPr/>
+      </p:nvGrpSpPr>
+      <p:grpSpPr>
+        <a:xfrm>
+          <a:off x="0" y="0"/>
+          <a:ext cx="0" cy="0"/>
+          <a:chOff x="0" y="0"/>
+          <a:chExt cx="0" cy="0"/>
+        </a:xfrm>
+      </p:grpSpPr>
+      <p:sp>
+        <p:nvSpPr>
+          <p:cNvPr id="2" name="Title 1">
+            <a:extLst>
+              <a:ext uri="{FF2B5EF4-FFF2-40B4-BE49-F238E27FC236}">
+                <a16:creationId xmlns:a16="http://schemas.microsoft.com/office/drawing/2014/main" id="{034B2B09-3A89-725A-85C2-749F88A4474D}"/>
+              </a:ext>
+            </a:extLst>
+          </p:cNvPr>
+          <p:cNvSpPr>
+            <a:spLocks noGrp="1"/>
+          </p:cNvSpPr>
+          <p:nvPr>
+            <p:ph type="title"/>
+          </p:nvPr>
+        </p:nvSpPr>
+        <p:spPr/>
+        <p:txBody>
+          <a:bodyPr/>
+          <a:lstStyle/>
+          <a:p>
+            <a:r>
+              <a:rPr lang="en-US" sz="4000" dirty="0">
+                <a:latin typeface="Times New Roman" panose="02020603050405020304" pitchFamily="18" charset="0"/>
+                <a:cs typeface="Times New Roman" panose="02020603050405020304" pitchFamily="18" charset="0"/>
+              </a:rPr>
+              <a:t>Outline</a:t>
+            </a:r>
+            <a:endParaRPr lang="en-US" dirty="0">
+              <a:latin typeface="Times New Roman" panose="02020603050405020304" pitchFamily="18" charset="0"/>
+              <a:cs typeface="Times New Roman" panose="02020603050405020304" pitchFamily="18" charset="0"/>
+            </a:endParaRPr>
+          </a:p>
+        </p:txBody>
+      </p:sp>
+      <p:sp>
+        <p:nvSpPr>
+          <p:cNvPr id="4" name="Slide Number Placeholder 3">
+            <a:extLst>
+              <a:ext uri="{FF2B5EF4-FFF2-40B4-BE49-F238E27FC236}">
+                <a16:creationId xmlns:a16="http://schemas.microsoft.com/office/drawing/2014/main" id="{3592E110-E718-0573-BF00-CE5E90916A66}"/>
+              </a:ext>
+            </a:extLst>
+          </p:cNvPr>
+          <p:cNvSpPr>
+            <a:spLocks noGrp="1"/>
+          </p:cNvSpPr>
+          <p:nvPr>
+            <p:ph type="sldNum" sz="quarter" idx="12"/>
+          </p:nvPr>
+        </p:nvSpPr>
+        <p:spPr/>
+        <p:txBody>
+          <a:bodyPr/>
+          <a:lstStyle/>
+          <a:p>
+            <a:fld id="{666274A1-CF9C-426A-8DD4-B13ED0C24231}" type="slidenum">
+              <a:rPr lang="en-US" smtClean="0"/>
+              <a:t>1</a:t>
+            </a:fld>
+            <a:endParaRPr lang="en-US"/>
+          </a:p>
+        </p:txBody>
+      </p:sp>
+      <p:sp>
+        <p:nvSpPr>
+          <p:cNvPr id="7" name="Content Placeholder 2">
+            <a:extLst>
+              <a:ext uri="{FF2B5EF4-FFF2-40B4-BE49-F238E27FC236}">
+                <a16:creationId xmlns:a16="http://schemas.microsoft.com/office/drawing/2014/main" id="{85FB6EDC-A81C-417F-C3B2-4378D3D43B94}"/>
+              </a:ext>
+            </a:extLst>
+          </p:cNvPr>
+          <p:cNvSpPr txBox="1">
+            <a:spLocks/>
+          </p:cNvSpPr>
+          <p:nvPr/>
+        </p:nvSpPr>
+        <p:spPr>
+          <a:xfrm>
+            <a:off x="1028700" y="1690688"/>
+            <a:ext cx="10515600" cy="4351338"/>
+          </a:xfrm>
+          <a:prstGeom prst="rect">
+            <a:avLst/>
+          </a:prstGeom>
+        </p:spPr>
+        <p:txBody>
+          <a:bodyPr vert="horz" lIns="91440" tIns="45720" rIns="91440" bIns="45720" rtlCol="0">
+            <a:normAutofit/>
+          </a:bodyPr>
+          <a:lstStyle>
+            <a:lvl1pPr marL="228600" indent="-228600" algn="l" defTabSz="914400" rtl="0" eaLnBrk="1" latinLnBrk="0" hangingPunct="1">
+              <a:lnSpc>
+                <a:spcPct val="90000"/>
+              </a:lnSpc>
+              <a:spcBef>
+                <a:spcPts val="1000"/>
+              </a:spcBef>
+              <a:buFont typeface="Arial" panose="020B0604020202020204" pitchFamily="34" charset="0"/>
+              <a:buChar char="•"/>
+              <a:defRPr sz="2800" kern="1200">
+                <a:solidFill>
+                  <a:schemeClr val="tx1"/>
+                </a:solidFill>
+                <a:latin typeface="+mn-lt"/>
+                <a:ea typeface="+mn-ea"/>
+                <a:cs typeface="+mn-cs"/>
+              </a:defRPr>
+            </a:lvl1pPr>
+            <a:lvl2pPr marL="685800" indent="-228600" algn="l" defTabSz="914400" rtl="0" eaLnBrk="1" latinLnBrk="0" hangingPunct="1">
+              <a:lnSpc>
+                <a:spcPct val="90000"/>
+              </a:lnSpc>
+              <a:spcBef>
+                <a:spcPts val="500"/>
+              </a:spcBef>
+              <a:buFont typeface="Arial" panose="020B0604020202020204" pitchFamily="34" charset="0"/>
+              <a:buChar char="•"/>
+              <a:defRPr sz="2400" kern="1200">
+                <a:solidFill>
+                  <a:schemeClr val="tx1"/>
+                </a:solidFill>
+                <a:latin typeface="+mn-lt"/>
+                <a:ea typeface="+mn-ea"/>
+                <a:cs typeface="+mn-cs"/>
+              </a:defRPr>
+            </a:lvl2pPr>
+            <a:lvl3pPr marL="1143000" indent="-228600" algn="l" defTabSz="914400" rtl="0" eaLnBrk="1" latinLnBrk="0" hangingPunct="1">
+              <a:lnSpc>
+                <a:spcPct val="90000"/>
+              </a:lnSpc>
+              <a:spcBef>
+                <a:spcPts val="500"/>
+              </a:spcBef>
+              <a:buFont typeface="Arial" panose="020B0604020202020204" pitchFamily="34" charset="0"/>
+              <a:buChar char="•"/>
+              <a:defRPr sz="2000" kern="1200">
+                <a:solidFill>
+                  <a:schemeClr val="tx1"/>
+                </a:solidFill>
+                <a:latin typeface="+mn-lt"/>
+                <a:ea typeface="+mn-ea"/>
+                <a:cs typeface="+mn-cs"/>
+              </a:defRPr>
+            </a:lvl3pPr>
+            <a:lvl4pPr marL="1600200" indent="-228600" algn="l" defTabSz="914400" rtl="0" eaLnBrk="1" latinLnBrk="0" hangingPunct="1">
+              <a:lnSpc>
+                <a:spcPct val="90000"/>
+              </a:lnSpc>
+              <a:spcBef>
+                <a:spcPts val="500"/>
+              </a:spcBef>
+              <a:buFont typeface="Arial" panose="020B0604020202020204" pitchFamily="34" charset="0"/>
+              <a:buChar char="•"/>
+              <a:defRPr sz="1800" kern="1200">
+                <a:solidFill>
+                  <a:schemeClr val="tx1"/>
+                </a:solidFill>
+                <a:latin typeface="+mn-lt"/>
+                <a:ea typeface="+mn-ea"/>
+                <a:cs typeface="+mn-cs"/>
+              </a:defRPr>
+            </a:lvl4pPr>
+            <a:lvl5pPr marL="2057400" indent="-228600" algn="l" defTabSz="914400" rtl="0" eaLnBrk="1" latinLnBrk="0" hangingPunct="1">
+              <a:lnSpc>
+                <a:spcPct val="90000"/>
+              </a:lnSpc>
+              <a:spcBef>
+                <a:spcPts val="500"/>
+              </a:spcBef>
+              <a:buFont typeface="Arial" panose="020B0604020202020204" pitchFamily="34" charset="0"/>
+              <a:buChar char="•"/>
+              <a:defRPr sz="1800" kern="1200">
+                <a:solidFill>
+                  <a:schemeClr val="tx1"/>
+                </a:solidFill>
+                <a:latin typeface="+mn-lt"/>
+                <a:ea typeface="+mn-ea"/>
+                <a:cs typeface="+mn-cs"/>
+              </a:defRPr>
+            </a:lvl5pPr>
+            <a:lvl6pPr marL="2514600" indent="-228600" algn="l" defTabSz="914400" rtl="0" eaLnBrk="1" latinLnBrk="0" hangingPunct="1">
+              <a:lnSpc>
+                <a:spcPct val="90000"/>
+              </a:lnSpc>
+              <a:spcBef>
+                <a:spcPts val="500"/>
+              </a:spcBef>
+              <a:buFont typeface="Arial" panose="020B0604020202020204" pitchFamily="34" charset="0"/>
+              <a:buChar char="•"/>
+              <a:defRPr sz="1800" kern="1200">
+                <a:solidFill>
+                  <a:schemeClr val="tx1"/>
+                </a:solidFill>
+                <a:latin typeface="+mn-lt"/>
+                <a:ea typeface="+mn-ea"/>
+                <a:cs typeface="+mn-cs"/>
+              </a:defRPr>
+            </a:lvl6pPr>
+            <a:lvl7pPr marL="2971800" indent="-228600" algn="l" defTabSz="914400" rtl="0" eaLnBrk="1" latinLnBrk="0" hangingPunct="1">
+              <a:lnSpc>
+                <a:spcPct val="90000"/>
+              </a:lnSpc>
+              <a:spcBef>
+                <a:spcPts val="500"/>
+              </a:spcBef>
+              <a:buFont typeface="Arial" panose="020B0604020202020204" pitchFamily="34" charset="0"/>
+              <a:buChar char="•"/>
+              <a:defRPr sz="1800" kern="1200">
+                <a:solidFill>
+                  <a:schemeClr val="tx1"/>
+                </a:solidFill>
+                <a:latin typeface="+mn-lt"/>
+                <a:ea typeface="+mn-ea"/>
+                <a:cs typeface="+mn-cs"/>
+              </a:defRPr>
+            </a:lvl7pPr>
+            <a:lvl8pPr marL="3429000" indent="-228600" algn="l" defTabSz="914400" rtl="0" eaLnBrk="1" latinLnBrk="0" hangingPunct="1">
+              <a:lnSpc>
+                <a:spcPct val="90000"/>
+              </a:lnSpc>
+              <a:spcBef>
+                <a:spcPts val="500"/>
+              </a:spcBef>
+              <a:buFont typeface="Arial" panose="020B0604020202020204" pitchFamily="34" charset="0"/>
+              <a:buChar char="•"/>
+              <a:defRPr sz="1800" kern="1200">
+                <a:solidFill>
+                  <a:schemeClr val="tx1"/>
+                </a:solidFill>
+                <a:latin typeface="+mn-lt"/>
+                <a:ea typeface="+mn-ea"/>
+                <a:cs typeface="+mn-cs"/>
+              </a:defRPr>
+            </a:lvl8pPr>
+            <a:lvl9pPr marL="3886200" indent="-228600" algn="l" defTabSz="914400" rtl="0" eaLnBrk="1" latinLnBrk="0" hangingPunct="1">
+              <a:lnSpc>
+                <a:spcPct val="90000"/>
+              </a:lnSpc>
+              <a:spcBef>
+                <a:spcPts val="500"/>
+              </a:spcBef>
+              <a:buFont typeface="Arial" panose="020B0604020202020204" pitchFamily="34" charset="0"/>
+              <a:buChar char="•"/>
+              <a:defRPr sz="1800" kern="1200">
+                <a:solidFill>
+                  <a:schemeClr val="tx1"/>
+                </a:solidFill>
+                <a:latin typeface="+mn-lt"/>
+                <a:ea typeface="+mn-ea"/>
+                <a:cs typeface="+mn-cs"/>
+              </a:defRPr>
+            </a:lvl9pPr>
+          </a:lstStyle>
+          <a:p>
+            <a:pPr>
+              <a:lnSpc>
+                <a:spcPct val="130000"/>
+              </a:lnSpc>
+            </a:pPr>
+            <a:r>
+              <a:rPr lang="en-US" sz="2400" dirty="0">
+                <a:latin typeface="Times New Roman" panose="02020603050405020304" pitchFamily="18" charset="0"/>
+                <a:cs typeface="Times New Roman" panose="02020603050405020304" pitchFamily="18" charset="0"/>
+              </a:rPr>
+              <a:t>Introduction</a:t>
+            </a:r>
+          </a:p>
+          <a:p>
+            <a:pPr>
+              <a:lnSpc>
+                <a:spcPct val="130000"/>
+              </a:lnSpc>
+            </a:pPr>
+            <a:r>
+              <a:rPr lang="en-US" sz="2400" dirty="0">
+                <a:latin typeface="Times New Roman" panose="02020603050405020304" pitchFamily="18" charset="0"/>
+                <a:cs typeface="Times New Roman" panose="02020603050405020304" pitchFamily="18" charset="0"/>
+              </a:rPr>
+              <a:t>Preliminaries</a:t>
+            </a:r>
+          </a:p>
+          <a:p>
+            <a:pPr>
+              <a:lnSpc>
+                <a:spcPct val="130000"/>
+              </a:lnSpc>
+            </a:pPr>
+            <a:r>
+              <a:rPr lang="en-US" sz="2400" dirty="0">
+                <a:latin typeface="Times New Roman" panose="02020603050405020304" pitchFamily="18" charset="0"/>
+                <a:cs typeface="Times New Roman" panose="02020603050405020304" pitchFamily="18" charset="0"/>
+              </a:rPr>
+              <a:t>Algorithm</a:t>
+            </a:r>
+            <a:endParaRPr lang="en-US" sz="2000" dirty="0">
+              <a:latin typeface="Times New Roman" panose="02020603050405020304" pitchFamily="18" charset="0"/>
+              <a:cs typeface="Times New Roman" panose="02020603050405020304" pitchFamily="18" charset="0"/>
+            </a:endParaRPr>
+          </a:p>
+          <a:p>
+            <a:pPr>
+              <a:lnSpc>
+                <a:spcPct val="130000"/>
+              </a:lnSpc>
+            </a:pPr>
+            <a:r>
+              <a:rPr lang="en-US" sz="2400" dirty="0">
+                <a:latin typeface="Times New Roman" panose="02020603050405020304" pitchFamily="18" charset="0"/>
+                <a:cs typeface="Times New Roman" panose="02020603050405020304" pitchFamily="18" charset="0"/>
+              </a:rPr>
+              <a:t>Experimental Result</a:t>
+            </a:r>
+          </a:p>
+          <a:p>
+            <a:pPr>
+              <a:lnSpc>
+                <a:spcPct val="130000"/>
+              </a:lnSpc>
+            </a:pPr>
+            <a:r>
+              <a:rPr lang="en-US" sz="2400" dirty="0">
+                <a:latin typeface="Times New Roman" panose="02020603050405020304" pitchFamily="18" charset="0"/>
+                <a:cs typeface="Times New Roman" panose="02020603050405020304" pitchFamily="18" charset="0"/>
+              </a:rPr>
+              <a:t>Conclusion</a:t>
+            </a:r>
+          </a:p>
+        </p:txBody>
+      </p:sp>
+    </p:spTree>
+    <p:extLst>
+      <p:ext uri="{BB962C8B-B14F-4D97-AF65-F5344CB8AC3E}">
+        <p14:creationId xmlns:p14="http://schemas.microsoft.com/office/powerpoint/2010/main" val="1597209759"/>
+      </p:ext>
+    </p:extLst>
+  </p:cSld>
+  <p:clrMapOvr>
+    <a:masterClrMapping/>
+  </p:clrMapOvr>
+</p:sld>
+</file>
+
+<file path=ppt/slides/slide20.xml><?xml version="1.0" encoding="utf-8"?>
 <p:sld xmlns:a="http://schemas.openxmlformats.org/drawingml/2006/main" xmlns:r="http://schemas.openxmlformats.org/officeDocument/2006/relationships" xmlns:p="http://schemas.openxmlformats.org/presentationml/2006/main">
   <p:cSld>
     <p:spTree>
@@ -12830,7 +15094,7 @@
           <a:p>
             <a:fld id="{666274A1-CF9C-426A-8DD4-B13ED0C24231}" type="slidenum">
               <a:rPr lang="en-US" smtClean="0"/>
-              <a:t>16</a:t>
+              <a:t>19</a:t>
             </a:fld>
             <a:endParaRPr lang="en-US" dirty="0"/>
           </a:p>
@@ -12953,7 +15217,7 @@
 </p:sld>
 </file>
 
-<file path=ppt/slides/slide18.xml><?xml version="1.0" encoding="utf-8"?>
+<file path=ppt/slides/slide21.xml><?xml version="1.0" encoding="utf-8"?>
 <p:sld xmlns:a="http://schemas.openxmlformats.org/drawingml/2006/main" xmlns:r="http://schemas.openxmlformats.org/officeDocument/2006/relationships" xmlns:p="http://schemas.openxmlformats.org/presentationml/2006/main">
   <p:cSld>
     <p:spTree>
@@ -14101,7 +16365,7 @@
           <a:p>
             <a:fld id="{666274A1-CF9C-426A-8DD4-B13ED0C24231}" type="slidenum">
               <a:rPr lang="en-US" smtClean="0"/>
-              <a:t>17</a:t>
+              <a:t>20</a:t>
             </a:fld>
             <a:endParaRPr lang="en-US" dirty="0"/>
           </a:p>
@@ -14150,7 +16414,7 @@
 </p:sld>
 </file>
 
-<file path=ppt/slides/slide19.xml><?xml version="1.0" encoding="utf-8"?>
+<file path=ppt/slides/slide22.xml><?xml version="1.0" encoding="utf-8"?>
 <p:sld xmlns:a="http://schemas.openxmlformats.org/drawingml/2006/main" xmlns:r="http://schemas.openxmlformats.org/officeDocument/2006/relationships" xmlns:p="http://schemas.openxmlformats.org/presentationml/2006/main">
   <p:cSld>
     <p:spTree>
@@ -14657,7 +16921,7 @@
           <a:p>
             <a:fld id="{666274A1-CF9C-426A-8DD4-B13ED0C24231}" type="slidenum">
               <a:rPr lang="en-US" smtClean="0"/>
-              <a:t>18</a:t>
+              <a:t>21</a:t>
             </a:fld>
             <a:endParaRPr lang="en-US" dirty="0"/>
           </a:p>
@@ -14736,7 +17000,7 @@
 </p:sld>
 </file>
 
-<file path=ppt/slides/slide2.xml><?xml version="1.0" encoding="utf-8"?>
+<file path=ppt/slides/slide23.xml><?xml version="1.0" encoding="utf-8"?>
 <p:sld xmlns:a="http://schemas.openxmlformats.org/drawingml/2006/main" xmlns:r="http://schemas.openxmlformats.org/officeDocument/2006/relationships" xmlns:p="http://schemas.openxmlformats.org/presentationml/2006/main">
   <p:cSld>
     <p:spTree>
@@ -14755,6 +17019,159 @@
       </p:grpSpPr>
       <p:sp>
         <p:nvSpPr>
+          <p:cNvPr id="2" name="標題 1">
+            <a:extLst>
+              <a:ext uri="{FF2B5EF4-FFF2-40B4-BE49-F238E27FC236}">
+                <a16:creationId xmlns:a16="http://schemas.microsoft.com/office/drawing/2014/main" id="{5CEA9D29-2BBD-0E1E-DBD3-F6145D6CBC63}"/>
+              </a:ext>
+            </a:extLst>
+          </p:cNvPr>
+          <p:cNvSpPr>
+            <a:spLocks noGrp="1"/>
+          </p:cNvSpPr>
+          <p:nvPr>
+            <p:ph type="title"/>
+          </p:nvPr>
+        </p:nvSpPr>
+        <p:spPr/>
+        <p:txBody>
+          <a:bodyPr/>
+          <a:lstStyle/>
+          <a:p>
+            <a:r>
+              <a:rPr lang="en-US" altLang="zh-TW" sz="4000" dirty="0">
+                <a:latin typeface="Times" panose="02020603050405020304" pitchFamily="18" charset="0"/>
+                <a:cs typeface="Times" panose="02020603050405020304" pitchFamily="18" charset="0"/>
+              </a:rPr>
+              <a:t>Algorithm - Detail</a:t>
+            </a:r>
+            <a:endParaRPr lang="zh-TW" altLang="en-US" dirty="0">
+              <a:latin typeface="Times" panose="02020603050405020304" pitchFamily="18" charset="0"/>
+              <a:cs typeface="Times" panose="02020603050405020304" pitchFamily="18" charset="0"/>
+            </a:endParaRPr>
+          </a:p>
+        </p:txBody>
+      </p:sp>
+      <p:sp>
+        <p:nvSpPr>
+          <p:cNvPr id="4" name="投影片編號版面配置區 3">
+            <a:extLst>
+              <a:ext uri="{FF2B5EF4-FFF2-40B4-BE49-F238E27FC236}">
+                <a16:creationId xmlns:a16="http://schemas.microsoft.com/office/drawing/2014/main" id="{98B5C8A6-9E09-A340-C475-439F204D7E17}"/>
+              </a:ext>
+            </a:extLst>
+          </p:cNvPr>
+          <p:cNvSpPr>
+            <a:spLocks noGrp="1"/>
+          </p:cNvSpPr>
+          <p:nvPr>
+            <p:ph type="sldNum" sz="quarter" idx="12"/>
+          </p:nvPr>
+        </p:nvSpPr>
+        <p:spPr/>
+        <p:txBody>
+          <a:bodyPr/>
+          <a:lstStyle/>
+          <a:p>
+            <a:fld id="{666274A1-CF9C-426A-8DD4-B13ED0C24231}" type="slidenum">
+              <a:rPr lang="en-US" smtClean="0"/>
+              <a:t>22</a:t>
+            </a:fld>
+            <a:endParaRPr lang="en-US" dirty="0"/>
+          </a:p>
+        </p:txBody>
+      </p:sp>
+      <p:pic>
+        <p:nvPicPr>
+          <p:cNvPr id="10" name="圖片 9">
+            <a:extLst>
+              <a:ext uri="{FF2B5EF4-FFF2-40B4-BE49-F238E27FC236}">
+                <a16:creationId xmlns:a16="http://schemas.microsoft.com/office/drawing/2014/main" id="{46487B33-F841-1836-1338-D7B5AFB2AADC}"/>
+              </a:ext>
+            </a:extLst>
+          </p:cNvPr>
+          <p:cNvPicPr>
+            <a:picLocks noChangeAspect="1"/>
+          </p:cNvPicPr>
+          <p:nvPr/>
+        </p:nvPicPr>
+        <p:blipFill>
+          <a:blip r:embed="rId3"/>
+          <a:stretch>
+            <a:fillRect/>
+          </a:stretch>
+        </p:blipFill>
+        <p:spPr>
+          <a:xfrm>
+            <a:off x="5383889" y="365125"/>
+            <a:ext cx="6453421" cy="6127750"/>
+          </a:xfrm>
+          <a:prstGeom prst="rect">
+            <a:avLst/>
+          </a:prstGeom>
+        </p:spPr>
+      </p:pic>
+      <p:pic>
+        <p:nvPicPr>
+          <p:cNvPr id="7" name="內容版面配置區 6">
+            <a:extLst>
+              <a:ext uri="{FF2B5EF4-FFF2-40B4-BE49-F238E27FC236}">
+                <a16:creationId xmlns:a16="http://schemas.microsoft.com/office/drawing/2014/main" id="{DF34C91F-DADF-CC1C-A3D5-A7EF379B39DD}"/>
+              </a:ext>
+            </a:extLst>
+          </p:cNvPr>
+          <p:cNvPicPr>
+            <a:picLocks noGrp="1" noChangeAspect="1"/>
+          </p:cNvPicPr>
+          <p:nvPr>
+            <p:ph idx="1"/>
+          </p:nvPr>
+        </p:nvPicPr>
+        <p:blipFill>
+          <a:blip r:embed="rId4"/>
+          <a:stretch>
+            <a:fillRect/>
+          </a:stretch>
+        </p:blipFill>
+        <p:spPr>
+          <a:xfrm>
+            <a:off x="0" y="3622637"/>
+            <a:ext cx="5647694" cy="2008497"/>
+          </a:xfrm>
+        </p:spPr>
+      </p:pic>
+    </p:spTree>
+    <p:extLst>
+      <p:ext uri="{BB962C8B-B14F-4D97-AF65-F5344CB8AC3E}">
+        <p14:creationId xmlns:p14="http://schemas.microsoft.com/office/powerpoint/2010/main" val="275917224"/>
+      </p:ext>
+    </p:extLst>
+  </p:cSld>
+  <p:clrMapOvr>
+    <a:masterClrMapping/>
+  </p:clrMapOvr>
+</p:sld>
+</file>
+
+<file path=ppt/slides/slide24.xml><?xml version="1.0" encoding="utf-8"?>
+<p:sld xmlns:a="http://schemas.openxmlformats.org/drawingml/2006/main" xmlns:r="http://schemas.openxmlformats.org/officeDocument/2006/relationships" xmlns:p="http://schemas.openxmlformats.org/presentationml/2006/main">
+  <p:cSld>
+    <p:spTree>
+      <p:nvGrpSpPr>
+        <p:cNvPr id="1" name=""/>
+        <p:cNvGrpSpPr/>
+        <p:nvPr/>
+      </p:nvGrpSpPr>
+      <p:grpSpPr>
+        <a:xfrm>
+          <a:off x="0" y="0"/>
+          <a:ext cx="0" cy="0"/>
+          <a:chOff x="0" y="0"/>
+          <a:chExt cx="0" cy="0"/>
+        </a:xfrm>
+      </p:grpSpPr>
+      <p:sp>
+        <p:nvSpPr>
           <p:cNvPr id="2" name="Title 1">
             <a:extLst>
               <a:ext uri="{FF2B5EF4-FFF2-40B4-BE49-F238E27FC236}">
@@ -14811,7 +17228,7 @@
           <a:p>
             <a:fld id="{666274A1-CF9C-426A-8DD4-B13ED0C24231}" type="slidenum">
               <a:rPr lang="en-US" smtClean="0"/>
-              <a:t>1</a:t>
+              <a:t>23</a:t>
             </a:fld>
             <a:endParaRPr lang="en-US"/>
           </a:p>
@@ -15016,6 +17433,11 @@
             </a:pPr>
             <a:r>
               <a:rPr lang="en-US" sz="2400" dirty="0">
+                <a:solidFill>
+                  <a:schemeClr val="bg1">
+                    <a:lumMod val="50000"/>
+                  </a:schemeClr>
+                </a:solidFill>
                 <a:latin typeface="Times New Roman" panose="02020603050405020304" pitchFamily="18" charset="0"/>
                 <a:cs typeface="Times New Roman" panose="02020603050405020304" pitchFamily="18" charset="0"/>
               </a:rPr>
@@ -15030,6 +17452,11 @@
             </a:pPr>
             <a:r>
               <a:rPr lang="en-US" sz="2400" dirty="0">
+                <a:solidFill>
+                  <a:schemeClr val="bg1">
+                    <a:lumMod val="50000"/>
+                  </a:schemeClr>
+                </a:solidFill>
                 <a:latin typeface="Times New Roman" panose="02020603050405020304" pitchFamily="18" charset="0"/>
                 <a:cs typeface="Times New Roman" panose="02020603050405020304" pitchFamily="18" charset="0"/>
               </a:rPr>
@@ -15044,53 +17471,25 @@
             </a:pPr>
             <a:r>
               <a:rPr lang="en-US" sz="2400" dirty="0">
+                <a:solidFill>
+                  <a:schemeClr val="bg1">
+                    <a:lumMod val="50000"/>
+                  </a:schemeClr>
+                </a:solidFill>
                 <a:latin typeface="Times New Roman" panose="02020603050405020304" pitchFamily="18" charset="0"/>
                 <a:cs typeface="Times New Roman" panose="02020603050405020304" pitchFamily="18" charset="0"/>
               </a:rPr>
-              <a:t>Proposed Algorithm</a:t>
-            </a:r>
-          </a:p>
-          <a:p>
-            <a:pPr lvl="1">
-              <a:lnSpc>
-                <a:spcPct val="130000"/>
-              </a:lnSpc>
-            </a:pPr>
-            <a:r>
-              <a:rPr lang="en-US" altLang="zh-TW" sz="2000" dirty="0">
-                <a:latin typeface="Times New Roman" panose="02020603050405020304" pitchFamily="18" charset="0"/>
-                <a:cs typeface="Times New Roman" panose="02020603050405020304" pitchFamily="18" charset="0"/>
-              </a:rPr>
-              <a:t>Previous methods</a:t>
-            </a:r>
-          </a:p>
-          <a:p>
-            <a:pPr lvl="1">
-              <a:lnSpc>
-                <a:spcPct val="130000"/>
-              </a:lnSpc>
-            </a:pPr>
-            <a:r>
-              <a:rPr lang="en-US" sz="2000" dirty="0">
-                <a:latin typeface="Times New Roman" panose="02020603050405020304" pitchFamily="18" charset="0"/>
-                <a:cs typeface="Times New Roman" panose="02020603050405020304" pitchFamily="18" charset="0"/>
-              </a:rPr>
-              <a:t>Barzilai-</a:t>
-            </a:r>
-            <a:r>
-              <a:rPr lang="en-US" sz="2000" dirty="0" err="1">
-                <a:latin typeface="Times New Roman" panose="02020603050405020304" pitchFamily="18" charset="0"/>
-                <a:cs typeface="Times New Roman" panose="02020603050405020304" pitchFamily="18" charset="0"/>
-              </a:rPr>
-              <a:t>Borwein</a:t>
-            </a:r>
-            <a:r>
-              <a:rPr lang="en-US" sz="2000" dirty="0">
-                <a:latin typeface="Times New Roman" panose="02020603050405020304" pitchFamily="18" charset="0"/>
-                <a:cs typeface="Times New Roman" panose="02020603050405020304" pitchFamily="18" charset="0"/>
-              </a:rPr>
-              <a:t> Method Enabled Nesterov Algorithm</a:t>
-            </a:r>
+              <a:t>Algorithm</a:t>
+            </a:r>
+            <a:endParaRPr lang="en-US" sz="2000" dirty="0">
+              <a:solidFill>
+                <a:schemeClr val="bg1">
+                  <a:lumMod val="50000"/>
+                </a:schemeClr>
+              </a:solidFill>
+              <a:latin typeface="Times New Roman" panose="02020603050405020304" pitchFamily="18" charset="0"/>
+              <a:cs typeface="Times New Roman" panose="02020603050405020304" pitchFamily="18" charset="0"/>
+            </a:endParaRPr>
           </a:p>
           <a:p>
             <a:pPr>
@@ -15103,7 +17502,7 @@
                 <a:latin typeface="Times New Roman" panose="02020603050405020304" pitchFamily="18" charset="0"/>
                 <a:cs typeface="Times New Roman" panose="02020603050405020304" pitchFamily="18" charset="0"/>
               </a:rPr>
-              <a:t>Macro Legalization</a:t>
+              <a:t>Experimental Result</a:t>
             </a:r>
           </a:p>
           <a:p>
@@ -15114,10 +17513,15 @@
             </a:pPr>
             <a:r>
               <a:rPr lang="en-US" sz="2400" dirty="0">
+                <a:solidFill>
+                  <a:schemeClr val="bg1">
+                    <a:lumMod val="50000"/>
+                  </a:schemeClr>
+                </a:solidFill>
                 <a:latin typeface="Times New Roman" panose="02020603050405020304" pitchFamily="18" charset="0"/>
                 <a:cs typeface="Times New Roman" panose="02020603050405020304" pitchFamily="18" charset="0"/>
               </a:rPr>
-              <a:t>Experimental Result</a:t>
+              <a:t>Conclusion</a:t>
             </a:r>
           </a:p>
         </p:txBody>
@@ -15125,7 +17529,7 @@
     </p:spTree>
     <p:extLst>
       <p:ext uri="{BB962C8B-B14F-4D97-AF65-F5344CB8AC3E}">
-        <p14:creationId xmlns:p14="http://schemas.microsoft.com/office/powerpoint/2010/main" val="1597209759"/>
+        <p14:creationId xmlns:p14="http://schemas.microsoft.com/office/powerpoint/2010/main" val="1939898612"/>
       </p:ext>
     </p:extLst>
   </p:cSld>
@@ -15135,7 +17539,7 @@
 </p:sld>
 </file>
 
-<file path=ppt/slides/slide20.xml><?xml version="1.0" encoding="utf-8"?>
+<file path=ppt/slides/slide25.xml><?xml version="1.0" encoding="utf-8"?>
 <p:sld xmlns:a="http://schemas.openxmlformats.org/drawingml/2006/main" xmlns:r="http://schemas.openxmlformats.org/officeDocument/2006/relationships" xmlns:p="http://schemas.openxmlformats.org/presentationml/2006/main">
   <p:cSld>
     <p:spTree>
@@ -15157,159 +17561,6 @@
           <p:cNvPr id="2" name="標題 1">
             <a:extLst>
               <a:ext uri="{FF2B5EF4-FFF2-40B4-BE49-F238E27FC236}">
-                <a16:creationId xmlns:a16="http://schemas.microsoft.com/office/drawing/2014/main" id="{5CEA9D29-2BBD-0E1E-DBD3-F6145D6CBC63}"/>
-              </a:ext>
-            </a:extLst>
-          </p:cNvPr>
-          <p:cNvSpPr>
-            <a:spLocks noGrp="1"/>
-          </p:cNvSpPr>
-          <p:nvPr>
-            <p:ph type="title"/>
-          </p:nvPr>
-        </p:nvSpPr>
-        <p:spPr/>
-        <p:txBody>
-          <a:bodyPr/>
-          <a:lstStyle/>
-          <a:p>
-            <a:r>
-              <a:rPr lang="en-US" altLang="zh-TW" sz="4000" dirty="0">
-                <a:latin typeface="Times" panose="02020603050405020304" pitchFamily="18" charset="0"/>
-                <a:cs typeface="Times" panose="02020603050405020304" pitchFamily="18" charset="0"/>
-              </a:rPr>
-              <a:t>Algorithm - Detail</a:t>
-            </a:r>
-            <a:endParaRPr lang="zh-TW" altLang="en-US" dirty="0">
-              <a:latin typeface="Times" panose="02020603050405020304" pitchFamily="18" charset="0"/>
-              <a:cs typeface="Times" panose="02020603050405020304" pitchFamily="18" charset="0"/>
-            </a:endParaRPr>
-          </a:p>
-        </p:txBody>
-      </p:sp>
-      <p:sp>
-        <p:nvSpPr>
-          <p:cNvPr id="4" name="投影片編號版面配置區 3">
-            <a:extLst>
-              <a:ext uri="{FF2B5EF4-FFF2-40B4-BE49-F238E27FC236}">
-                <a16:creationId xmlns:a16="http://schemas.microsoft.com/office/drawing/2014/main" id="{98B5C8A6-9E09-A340-C475-439F204D7E17}"/>
-              </a:ext>
-            </a:extLst>
-          </p:cNvPr>
-          <p:cNvSpPr>
-            <a:spLocks noGrp="1"/>
-          </p:cNvSpPr>
-          <p:nvPr>
-            <p:ph type="sldNum" sz="quarter" idx="12"/>
-          </p:nvPr>
-        </p:nvSpPr>
-        <p:spPr/>
-        <p:txBody>
-          <a:bodyPr/>
-          <a:lstStyle/>
-          <a:p>
-            <a:fld id="{666274A1-CF9C-426A-8DD4-B13ED0C24231}" type="slidenum">
-              <a:rPr lang="en-US" smtClean="0"/>
-              <a:t>19</a:t>
-            </a:fld>
-            <a:endParaRPr lang="en-US" dirty="0"/>
-          </a:p>
-        </p:txBody>
-      </p:sp>
-      <p:pic>
-        <p:nvPicPr>
-          <p:cNvPr id="10" name="圖片 9">
-            <a:extLst>
-              <a:ext uri="{FF2B5EF4-FFF2-40B4-BE49-F238E27FC236}">
-                <a16:creationId xmlns:a16="http://schemas.microsoft.com/office/drawing/2014/main" id="{46487B33-F841-1836-1338-D7B5AFB2AADC}"/>
-              </a:ext>
-            </a:extLst>
-          </p:cNvPr>
-          <p:cNvPicPr>
-            <a:picLocks noChangeAspect="1"/>
-          </p:cNvPicPr>
-          <p:nvPr/>
-        </p:nvPicPr>
-        <p:blipFill>
-          <a:blip r:embed="rId3"/>
-          <a:stretch>
-            <a:fillRect/>
-          </a:stretch>
-        </p:blipFill>
-        <p:spPr>
-          <a:xfrm>
-            <a:off x="5383889" y="365125"/>
-            <a:ext cx="6453421" cy="6127750"/>
-          </a:xfrm>
-          <a:prstGeom prst="rect">
-            <a:avLst/>
-          </a:prstGeom>
-        </p:spPr>
-      </p:pic>
-      <p:pic>
-        <p:nvPicPr>
-          <p:cNvPr id="7" name="內容版面配置區 6">
-            <a:extLst>
-              <a:ext uri="{FF2B5EF4-FFF2-40B4-BE49-F238E27FC236}">
-                <a16:creationId xmlns:a16="http://schemas.microsoft.com/office/drawing/2014/main" id="{DF34C91F-DADF-CC1C-A3D5-A7EF379B39DD}"/>
-              </a:ext>
-            </a:extLst>
-          </p:cNvPr>
-          <p:cNvPicPr>
-            <a:picLocks noGrp="1" noChangeAspect="1"/>
-          </p:cNvPicPr>
-          <p:nvPr>
-            <p:ph idx="1"/>
-          </p:nvPr>
-        </p:nvPicPr>
-        <p:blipFill>
-          <a:blip r:embed="rId4"/>
-          <a:stretch>
-            <a:fillRect/>
-          </a:stretch>
-        </p:blipFill>
-        <p:spPr>
-          <a:xfrm>
-            <a:off x="0" y="3622637"/>
-            <a:ext cx="5647694" cy="2008497"/>
-          </a:xfrm>
-        </p:spPr>
-      </p:pic>
-    </p:spTree>
-    <p:extLst>
-      <p:ext uri="{BB962C8B-B14F-4D97-AF65-F5344CB8AC3E}">
-        <p14:creationId xmlns:p14="http://schemas.microsoft.com/office/powerpoint/2010/main" val="275917224"/>
-      </p:ext>
-    </p:extLst>
-  </p:cSld>
-  <p:clrMapOvr>
-    <a:masterClrMapping/>
-  </p:clrMapOvr>
-</p:sld>
-</file>
-
-<file path=ppt/slides/slide21.xml><?xml version="1.0" encoding="utf-8"?>
-<p:sld xmlns:a="http://schemas.openxmlformats.org/drawingml/2006/main" xmlns:r="http://schemas.openxmlformats.org/officeDocument/2006/relationships" xmlns:p="http://schemas.openxmlformats.org/presentationml/2006/main">
-  <p:cSld>
-    <p:spTree>
-      <p:nvGrpSpPr>
-        <p:cNvPr id="1" name=""/>
-        <p:cNvGrpSpPr/>
-        <p:nvPr/>
-      </p:nvGrpSpPr>
-      <p:grpSpPr>
-        <a:xfrm>
-          <a:off x="0" y="0"/>
-          <a:ext cx="0" cy="0"/>
-          <a:chOff x="0" y="0"/>
-          <a:chExt cx="0" cy="0"/>
-        </a:xfrm>
-      </p:grpSpPr>
-      <p:sp>
-        <p:nvSpPr>
-          <p:cNvPr id="2" name="標題 1">
-            <a:extLst>
-              <a:ext uri="{FF2B5EF4-FFF2-40B4-BE49-F238E27FC236}">
                 <a16:creationId xmlns:a16="http://schemas.microsoft.com/office/drawing/2014/main" id="{156C4346-F0F9-6C34-7427-C802A4D5EF8E}"/>
               </a:ext>
             </a:extLst>
@@ -15447,7 +17698,7 @@
           <a:p>
             <a:fld id="{666274A1-CF9C-426A-8DD4-B13ED0C24231}" type="slidenum">
               <a:rPr lang="en-US" smtClean="0"/>
-              <a:t>20</a:t>
+              <a:t>24</a:t>
             </a:fld>
             <a:endParaRPr lang="en-US"/>
           </a:p>
@@ -15496,7 +17747,7 @@
 </p:sld>
 </file>
 
-<file path=ppt/slides/slide22.xml><?xml version="1.0" encoding="utf-8"?>
+<file path=ppt/slides/slide26.xml><?xml version="1.0" encoding="utf-8"?>
 <p:sld xmlns:a="http://schemas.openxmlformats.org/drawingml/2006/main" xmlns:r="http://schemas.openxmlformats.org/officeDocument/2006/relationships" xmlns:p="http://schemas.openxmlformats.org/presentationml/2006/main">
   <p:cSld>
     <p:spTree>
@@ -15571,7 +17822,7 @@
           <a:p>
             <a:fld id="{666274A1-CF9C-426A-8DD4-B13ED0C24231}" type="slidenum">
               <a:rPr lang="en-US" smtClean="0"/>
-              <a:t>21</a:t>
+              <a:t>25</a:t>
             </a:fld>
             <a:endParaRPr lang="en-US"/>
           </a:p>
@@ -15620,7 +17871,7 @@
 </p:sld>
 </file>
 
-<file path=ppt/slides/slide23.xml><?xml version="1.0" encoding="utf-8"?>
+<file path=ppt/slides/slide27.xml><?xml version="1.0" encoding="utf-8"?>
 <p:sld xmlns:a="http://schemas.openxmlformats.org/drawingml/2006/main" xmlns:r="http://schemas.openxmlformats.org/officeDocument/2006/relationships" xmlns:p="http://schemas.openxmlformats.org/presentationml/2006/main">
   <p:cSld>
     <p:spTree>
@@ -15695,7 +17946,7 @@
           <a:p>
             <a:fld id="{666274A1-CF9C-426A-8DD4-B13ED0C24231}" type="slidenum">
               <a:rPr lang="en-US" smtClean="0"/>
-              <a:t>22</a:t>
+              <a:t>26</a:t>
             </a:fld>
             <a:endParaRPr lang="en-US"/>
           </a:p>
@@ -15744,7 +17995,7 @@
 </p:sld>
 </file>
 
-<file path=ppt/slides/slide24.xml><?xml version="1.0" encoding="utf-8"?>
+<file path=ppt/slides/slide28.xml><?xml version="1.0" encoding="utf-8"?>
 <p:sld xmlns:a="http://schemas.openxmlformats.org/drawingml/2006/main" xmlns:r="http://schemas.openxmlformats.org/officeDocument/2006/relationships" xmlns:p="http://schemas.openxmlformats.org/presentationml/2006/main">
   <p:cSld>
     <p:spTree>
@@ -15964,7 +18215,7 @@
           <a:p>
             <a:fld id="{666274A1-CF9C-426A-8DD4-B13ED0C24231}" type="slidenum">
               <a:rPr lang="en-US" smtClean="0"/>
-              <a:t>23</a:t>
+              <a:t>27</a:t>
             </a:fld>
             <a:endParaRPr lang="en-US"/>
           </a:p>
@@ -16013,7 +18264,7 @@
 </p:sld>
 </file>
 
-<file path=ppt/slides/slide25.xml><?xml version="1.0" encoding="utf-8"?>
+<file path=ppt/slides/slide29.xml><?xml version="1.0" encoding="utf-8"?>
 <p:sld xmlns:a="http://schemas.openxmlformats.org/drawingml/2006/main" xmlns:r="http://schemas.openxmlformats.org/officeDocument/2006/relationships" xmlns:p="http://schemas.openxmlformats.org/presentationml/2006/main">
   <p:cSld>
     <p:spTree>
@@ -16145,7 +18396,7 @@
           <a:p>
             <a:fld id="{666274A1-CF9C-426A-8DD4-B13ED0C24231}" type="slidenum">
               <a:rPr lang="en-US" smtClean="0"/>
-              <a:t>24</a:t>
+              <a:t>28</a:t>
             </a:fld>
             <a:endParaRPr lang="en-US"/>
           </a:p>
@@ -16455,7 +18706,7 @@
 </p:sld>
 </file>
 
-<file path=ppt/slides/slide26.xml><?xml version="1.0" encoding="utf-8"?>
+<file path=ppt/slides/slide3.xml><?xml version="1.0" encoding="utf-8"?>
 <p:sld xmlns:a="http://schemas.openxmlformats.org/drawingml/2006/main" xmlns:r="http://schemas.openxmlformats.org/officeDocument/2006/relationships" xmlns:p="http://schemas.openxmlformats.org/presentationml/2006/main">
   <p:cSld>
     <p:spTree>
@@ -16474,6 +18725,392 @@
       </p:grpSpPr>
       <p:sp>
         <p:nvSpPr>
+          <p:cNvPr id="2" name="Title 1">
+            <a:extLst>
+              <a:ext uri="{FF2B5EF4-FFF2-40B4-BE49-F238E27FC236}">
+                <a16:creationId xmlns:a16="http://schemas.microsoft.com/office/drawing/2014/main" id="{034B2B09-3A89-725A-85C2-749F88A4474D}"/>
+              </a:ext>
+            </a:extLst>
+          </p:cNvPr>
+          <p:cNvSpPr>
+            <a:spLocks noGrp="1"/>
+          </p:cNvSpPr>
+          <p:nvPr>
+            <p:ph type="title"/>
+          </p:nvPr>
+        </p:nvSpPr>
+        <p:spPr/>
+        <p:txBody>
+          <a:bodyPr/>
+          <a:lstStyle/>
+          <a:p>
+            <a:r>
+              <a:rPr lang="en-US" sz="4000" dirty="0">
+                <a:latin typeface="Times New Roman" panose="02020603050405020304" pitchFamily="18" charset="0"/>
+                <a:cs typeface="Times New Roman" panose="02020603050405020304" pitchFamily="18" charset="0"/>
+              </a:rPr>
+              <a:t>Outline</a:t>
+            </a:r>
+            <a:endParaRPr lang="en-US" dirty="0">
+              <a:latin typeface="Times New Roman" panose="02020603050405020304" pitchFamily="18" charset="0"/>
+              <a:cs typeface="Times New Roman" panose="02020603050405020304" pitchFamily="18" charset="0"/>
+            </a:endParaRPr>
+          </a:p>
+        </p:txBody>
+      </p:sp>
+      <p:sp>
+        <p:nvSpPr>
+          <p:cNvPr id="4" name="Slide Number Placeholder 3">
+            <a:extLst>
+              <a:ext uri="{FF2B5EF4-FFF2-40B4-BE49-F238E27FC236}">
+                <a16:creationId xmlns:a16="http://schemas.microsoft.com/office/drawing/2014/main" id="{3592E110-E718-0573-BF00-CE5E90916A66}"/>
+              </a:ext>
+            </a:extLst>
+          </p:cNvPr>
+          <p:cNvSpPr>
+            <a:spLocks noGrp="1"/>
+          </p:cNvSpPr>
+          <p:nvPr>
+            <p:ph type="sldNum" sz="quarter" idx="12"/>
+          </p:nvPr>
+        </p:nvSpPr>
+        <p:spPr/>
+        <p:txBody>
+          <a:bodyPr/>
+          <a:lstStyle/>
+          <a:p>
+            <a:fld id="{666274A1-CF9C-426A-8DD4-B13ED0C24231}" type="slidenum">
+              <a:rPr lang="en-US" smtClean="0"/>
+              <a:t>2</a:t>
+            </a:fld>
+            <a:endParaRPr lang="en-US"/>
+          </a:p>
+        </p:txBody>
+      </p:sp>
+      <p:sp>
+        <p:nvSpPr>
+          <p:cNvPr id="7" name="Content Placeholder 2">
+            <a:extLst>
+              <a:ext uri="{FF2B5EF4-FFF2-40B4-BE49-F238E27FC236}">
+                <a16:creationId xmlns:a16="http://schemas.microsoft.com/office/drawing/2014/main" id="{85FB6EDC-A81C-417F-C3B2-4378D3D43B94}"/>
+              </a:ext>
+            </a:extLst>
+          </p:cNvPr>
+          <p:cNvSpPr txBox="1">
+            <a:spLocks/>
+          </p:cNvSpPr>
+          <p:nvPr/>
+        </p:nvSpPr>
+        <p:spPr>
+          <a:xfrm>
+            <a:off x="1028700" y="1690688"/>
+            <a:ext cx="10515600" cy="4351338"/>
+          </a:xfrm>
+          <a:prstGeom prst="rect">
+            <a:avLst/>
+          </a:prstGeom>
+        </p:spPr>
+        <p:txBody>
+          <a:bodyPr vert="horz" lIns="91440" tIns="45720" rIns="91440" bIns="45720" rtlCol="0">
+            <a:normAutofit/>
+          </a:bodyPr>
+          <a:lstStyle>
+            <a:lvl1pPr marL="228600" indent="-228600" algn="l" defTabSz="914400" rtl="0" eaLnBrk="1" latinLnBrk="0" hangingPunct="1">
+              <a:lnSpc>
+                <a:spcPct val="90000"/>
+              </a:lnSpc>
+              <a:spcBef>
+                <a:spcPts val="1000"/>
+              </a:spcBef>
+              <a:buFont typeface="Arial" panose="020B0604020202020204" pitchFamily="34" charset="0"/>
+              <a:buChar char="•"/>
+              <a:defRPr sz="2800" kern="1200">
+                <a:solidFill>
+                  <a:schemeClr val="tx1"/>
+                </a:solidFill>
+                <a:latin typeface="+mn-lt"/>
+                <a:ea typeface="+mn-ea"/>
+                <a:cs typeface="+mn-cs"/>
+              </a:defRPr>
+            </a:lvl1pPr>
+            <a:lvl2pPr marL="685800" indent="-228600" algn="l" defTabSz="914400" rtl="0" eaLnBrk="1" latinLnBrk="0" hangingPunct="1">
+              <a:lnSpc>
+                <a:spcPct val="90000"/>
+              </a:lnSpc>
+              <a:spcBef>
+                <a:spcPts val="500"/>
+              </a:spcBef>
+              <a:buFont typeface="Arial" panose="020B0604020202020204" pitchFamily="34" charset="0"/>
+              <a:buChar char="•"/>
+              <a:defRPr sz="2400" kern="1200">
+                <a:solidFill>
+                  <a:schemeClr val="tx1"/>
+                </a:solidFill>
+                <a:latin typeface="+mn-lt"/>
+                <a:ea typeface="+mn-ea"/>
+                <a:cs typeface="+mn-cs"/>
+              </a:defRPr>
+            </a:lvl2pPr>
+            <a:lvl3pPr marL="1143000" indent="-228600" algn="l" defTabSz="914400" rtl="0" eaLnBrk="1" latinLnBrk="0" hangingPunct="1">
+              <a:lnSpc>
+                <a:spcPct val="90000"/>
+              </a:lnSpc>
+              <a:spcBef>
+                <a:spcPts val="500"/>
+              </a:spcBef>
+              <a:buFont typeface="Arial" panose="020B0604020202020204" pitchFamily="34" charset="0"/>
+              <a:buChar char="•"/>
+              <a:defRPr sz="2000" kern="1200">
+                <a:solidFill>
+                  <a:schemeClr val="tx1"/>
+                </a:solidFill>
+                <a:latin typeface="+mn-lt"/>
+                <a:ea typeface="+mn-ea"/>
+                <a:cs typeface="+mn-cs"/>
+              </a:defRPr>
+            </a:lvl3pPr>
+            <a:lvl4pPr marL="1600200" indent="-228600" algn="l" defTabSz="914400" rtl="0" eaLnBrk="1" latinLnBrk="0" hangingPunct="1">
+              <a:lnSpc>
+                <a:spcPct val="90000"/>
+              </a:lnSpc>
+              <a:spcBef>
+                <a:spcPts val="500"/>
+              </a:spcBef>
+              <a:buFont typeface="Arial" panose="020B0604020202020204" pitchFamily="34" charset="0"/>
+              <a:buChar char="•"/>
+              <a:defRPr sz="1800" kern="1200">
+                <a:solidFill>
+                  <a:schemeClr val="tx1"/>
+                </a:solidFill>
+                <a:latin typeface="+mn-lt"/>
+                <a:ea typeface="+mn-ea"/>
+                <a:cs typeface="+mn-cs"/>
+              </a:defRPr>
+            </a:lvl4pPr>
+            <a:lvl5pPr marL="2057400" indent="-228600" algn="l" defTabSz="914400" rtl="0" eaLnBrk="1" latinLnBrk="0" hangingPunct="1">
+              <a:lnSpc>
+                <a:spcPct val="90000"/>
+              </a:lnSpc>
+              <a:spcBef>
+                <a:spcPts val="500"/>
+              </a:spcBef>
+              <a:buFont typeface="Arial" panose="020B0604020202020204" pitchFamily="34" charset="0"/>
+              <a:buChar char="•"/>
+              <a:defRPr sz="1800" kern="1200">
+                <a:solidFill>
+                  <a:schemeClr val="tx1"/>
+                </a:solidFill>
+                <a:latin typeface="+mn-lt"/>
+                <a:ea typeface="+mn-ea"/>
+                <a:cs typeface="+mn-cs"/>
+              </a:defRPr>
+            </a:lvl5pPr>
+            <a:lvl6pPr marL="2514600" indent="-228600" algn="l" defTabSz="914400" rtl="0" eaLnBrk="1" latinLnBrk="0" hangingPunct="1">
+              <a:lnSpc>
+                <a:spcPct val="90000"/>
+              </a:lnSpc>
+              <a:spcBef>
+                <a:spcPts val="500"/>
+              </a:spcBef>
+              <a:buFont typeface="Arial" panose="020B0604020202020204" pitchFamily="34" charset="0"/>
+              <a:buChar char="•"/>
+              <a:defRPr sz="1800" kern="1200">
+                <a:solidFill>
+                  <a:schemeClr val="tx1"/>
+                </a:solidFill>
+                <a:latin typeface="+mn-lt"/>
+                <a:ea typeface="+mn-ea"/>
+                <a:cs typeface="+mn-cs"/>
+              </a:defRPr>
+            </a:lvl6pPr>
+            <a:lvl7pPr marL="2971800" indent="-228600" algn="l" defTabSz="914400" rtl="0" eaLnBrk="1" latinLnBrk="0" hangingPunct="1">
+              <a:lnSpc>
+                <a:spcPct val="90000"/>
+              </a:lnSpc>
+              <a:spcBef>
+                <a:spcPts val="500"/>
+              </a:spcBef>
+              <a:buFont typeface="Arial" panose="020B0604020202020204" pitchFamily="34" charset="0"/>
+              <a:buChar char="•"/>
+              <a:defRPr sz="1800" kern="1200">
+                <a:solidFill>
+                  <a:schemeClr val="tx1"/>
+                </a:solidFill>
+                <a:latin typeface="+mn-lt"/>
+                <a:ea typeface="+mn-ea"/>
+                <a:cs typeface="+mn-cs"/>
+              </a:defRPr>
+            </a:lvl7pPr>
+            <a:lvl8pPr marL="3429000" indent="-228600" algn="l" defTabSz="914400" rtl="0" eaLnBrk="1" latinLnBrk="0" hangingPunct="1">
+              <a:lnSpc>
+                <a:spcPct val="90000"/>
+              </a:lnSpc>
+              <a:spcBef>
+                <a:spcPts val="500"/>
+              </a:spcBef>
+              <a:buFont typeface="Arial" panose="020B0604020202020204" pitchFamily="34" charset="0"/>
+              <a:buChar char="•"/>
+              <a:defRPr sz="1800" kern="1200">
+                <a:solidFill>
+                  <a:schemeClr val="tx1"/>
+                </a:solidFill>
+                <a:latin typeface="+mn-lt"/>
+                <a:ea typeface="+mn-ea"/>
+                <a:cs typeface="+mn-cs"/>
+              </a:defRPr>
+            </a:lvl8pPr>
+            <a:lvl9pPr marL="3886200" indent="-228600" algn="l" defTabSz="914400" rtl="0" eaLnBrk="1" latinLnBrk="0" hangingPunct="1">
+              <a:lnSpc>
+                <a:spcPct val="90000"/>
+              </a:lnSpc>
+              <a:spcBef>
+                <a:spcPts val="500"/>
+              </a:spcBef>
+              <a:buFont typeface="Arial" panose="020B0604020202020204" pitchFamily="34" charset="0"/>
+              <a:buChar char="•"/>
+              <a:defRPr sz="1800" kern="1200">
+                <a:solidFill>
+                  <a:schemeClr val="tx1"/>
+                </a:solidFill>
+                <a:latin typeface="+mn-lt"/>
+                <a:ea typeface="+mn-ea"/>
+                <a:cs typeface="+mn-cs"/>
+              </a:defRPr>
+            </a:lvl9pPr>
+          </a:lstStyle>
+          <a:p>
+            <a:pPr>
+              <a:lnSpc>
+                <a:spcPct val="130000"/>
+              </a:lnSpc>
+            </a:pPr>
+            <a:r>
+              <a:rPr lang="en-US" sz="2400" dirty="0">
+                <a:latin typeface="Times New Roman" panose="02020603050405020304" pitchFamily="18" charset="0"/>
+                <a:cs typeface="Times New Roman" panose="02020603050405020304" pitchFamily="18" charset="0"/>
+              </a:rPr>
+              <a:t>Introduction</a:t>
+            </a:r>
+          </a:p>
+          <a:p>
+            <a:pPr>
+              <a:lnSpc>
+                <a:spcPct val="130000"/>
+              </a:lnSpc>
+            </a:pPr>
+            <a:r>
+              <a:rPr lang="en-US" sz="2400" dirty="0">
+                <a:solidFill>
+                  <a:schemeClr val="bg1">
+                    <a:lumMod val="50000"/>
+                  </a:schemeClr>
+                </a:solidFill>
+                <a:latin typeface="Times New Roman" panose="02020603050405020304" pitchFamily="18" charset="0"/>
+                <a:cs typeface="Times New Roman" panose="02020603050405020304" pitchFamily="18" charset="0"/>
+              </a:rPr>
+              <a:t>Preliminaries</a:t>
+            </a:r>
+          </a:p>
+          <a:p>
+            <a:pPr>
+              <a:lnSpc>
+                <a:spcPct val="130000"/>
+              </a:lnSpc>
+            </a:pPr>
+            <a:r>
+              <a:rPr lang="en-US" sz="2400" dirty="0">
+                <a:solidFill>
+                  <a:schemeClr val="bg1">
+                    <a:lumMod val="50000"/>
+                  </a:schemeClr>
+                </a:solidFill>
+                <a:latin typeface="Times New Roman" panose="02020603050405020304" pitchFamily="18" charset="0"/>
+                <a:cs typeface="Times New Roman" panose="02020603050405020304" pitchFamily="18" charset="0"/>
+              </a:rPr>
+              <a:t>Algorithm</a:t>
+            </a:r>
+            <a:endParaRPr lang="en-US" sz="2000" dirty="0">
+              <a:solidFill>
+                <a:schemeClr val="bg1">
+                  <a:lumMod val="50000"/>
+                </a:schemeClr>
+              </a:solidFill>
+              <a:latin typeface="Times New Roman" panose="02020603050405020304" pitchFamily="18" charset="0"/>
+              <a:cs typeface="Times New Roman" panose="02020603050405020304" pitchFamily="18" charset="0"/>
+            </a:endParaRPr>
+          </a:p>
+          <a:p>
+            <a:pPr>
+              <a:lnSpc>
+                <a:spcPct val="130000"/>
+              </a:lnSpc>
+            </a:pPr>
+            <a:r>
+              <a:rPr lang="en-US" sz="2400" dirty="0">
+                <a:solidFill>
+                  <a:schemeClr val="bg1">
+                    <a:lumMod val="50000"/>
+                  </a:schemeClr>
+                </a:solidFill>
+                <a:latin typeface="Times New Roman" panose="02020603050405020304" pitchFamily="18" charset="0"/>
+                <a:cs typeface="Times New Roman" panose="02020603050405020304" pitchFamily="18" charset="0"/>
+              </a:rPr>
+              <a:t>Experimental Result</a:t>
+            </a:r>
+          </a:p>
+          <a:p>
+            <a:pPr>
+              <a:lnSpc>
+                <a:spcPct val="130000"/>
+              </a:lnSpc>
+            </a:pPr>
+            <a:r>
+              <a:rPr lang="en-US" sz="2400" dirty="0">
+                <a:solidFill>
+                  <a:schemeClr val="bg1">
+                    <a:lumMod val="50000"/>
+                  </a:schemeClr>
+                </a:solidFill>
+                <a:latin typeface="Times New Roman" panose="02020603050405020304" pitchFamily="18" charset="0"/>
+                <a:cs typeface="Times New Roman" panose="02020603050405020304" pitchFamily="18" charset="0"/>
+              </a:rPr>
+              <a:t>Conclusion</a:t>
+            </a:r>
+          </a:p>
+        </p:txBody>
+      </p:sp>
+    </p:spTree>
+    <p:extLst>
+      <p:ext uri="{BB962C8B-B14F-4D97-AF65-F5344CB8AC3E}">
+        <p14:creationId xmlns:p14="http://schemas.microsoft.com/office/powerpoint/2010/main" val="1154730239"/>
+      </p:ext>
+    </p:extLst>
+  </p:cSld>
+  <p:clrMapOvr>
+    <a:masterClrMapping/>
+  </p:clrMapOvr>
+</p:sld>
+</file>
+
+<file path=ppt/slides/slide30.xml><?xml version="1.0" encoding="utf-8"?>
+<p:sld xmlns:a="http://schemas.openxmlformats.org/drawingml/2006/main" xmlns:r="http://schemas.openxmlformats.org/officeDocument/2006/relationships" xmlns:p="http://schemas.openxmlformats.org/presentationml/2006/main">
+  <p:cSld>
+    <p:spTree>
+      <p:nvGrpSpPr>
+        <p:cNvPr id="1" name=""/>
+        <p:cNvGrpSpPr/>
+        <p:nvPr/>
+      </p:nvGrpSpPr>
+      <p:grpSpPr>
+        <a:xfrm>
+          <a:off x="0" y="0"/>
+          <a:ext cx="0" cy="0"/>
+          <a:chOff x="0" y="0"/>
+          <a:chExt cx="0" cy="0"/>
+        </a:xfrm>
+      </p:grpSpPr>
+      <p:sp>
+        <p:nvSpPr>
           <p:cNvPr id="2" name="標題 1">
             <a:extLst>
               <a:ext uri="{FF2B5EF4-FFF2-40B4-BE49-F238E27FC236}">
@@ -16558,7 +19195,7 @@
           <a:p>
             <a:fld id="{666274A1-CF9C-426A-8DD4-B13ED0C24231}" type="slidenum">
               <a:rPr lang="en-US" smtClean="0"/>
-              <a:t>25</a:t>
+              <a:t>29</a:t>
             </a:fld>
             <a:endParaRPr lang="en-US"/>
           </a:p>
@@ -16704,7 +19341,7 @@
 </p:sld>
 </file>
 
-<file path=ppt/slides/slide27.xml><?xml version="1.0" encoding="utf-8"?>
+<file path=ppt/slides/slide31.xml><?xml version="1.0" encoding="utf-8"?>
 <p:sld xmlns:a="http://schemas.openxmlformats.org/drawingml/2006/main" xmlns:r="http://schemas.openxmlformats.org/officeDocument/2006/relationships" xmlns:p="http://schemas.openxmlformats.org/presentationml/2006/main">
   <p:cSld>
     <p:spTree>
@@ -16807,7 +19444,7 @@
           <a:p>
             <a:fld id="{666274A1-CF9C-426A-8DD4-B13ED0C24231}" type="slidenum">
               <a:rPr lang="en-US" smtClean="0"/>
-              <a:t>26</a:t>
+              <a:t>30</a:t>
             </a:fld>
             <a:endParaRPr lang="en-US"/>
           </a:p>
@@ -16959,7 +19596,7 @@
 </p:sld>
 </file>
 
-<file path=ppt/slides/slide28.xml><?xml version="1.0" encoding="utf-8"?>
+<file path=ppt/slides/slide32.xml><?xml version="1.0" encoding="utf-8"?>
 <p:sld xmlns:a="http://schemas.openxmlformats.org/drawingml/2006/main" xmlns:r="http://schemas.openxmlformats.org/officeDocument/2006/relationships" xmlns:p="http://schemas.openxmlformats.org/presentationml/2006/main">
   <p:cSld>
     <p:spTree>
@@ -16978,10 +19615,10 @@
       </p:grpSpPr>
       <p:sp>
         <p:nvSpPr>
-          <p:cNvPr id="4" name="Slide Number Placeholder 3">
+          <p:cNvPr id="2" name="Title 1">
             <a:extLst>
               <a:ext uri="{FF2B5EF4-FFF2-40B4-BE49-F238E27FC236}">
-                <a16:creationId xmlns:a16="http://schemas.microsoft.com/office/drawing/2014/main" id="{DB47E6D4-11C1-7FA3-40FD-EC8CC1AC8613}"/>
+                <a16:creationId xmlns:a16="http://schemas.microsoft.com/office/drawing/2014/main" id="{034B2B09-3A89-725A-85C2-749F88A4474D}"/>
               </a:ext>
             </a:extLst>
           </p:cNvPr>
@@ -16989,7 +19626,7 @@
             <a:spLocks noGrp="1"/>
           </p:cNvSpPr>
           <p:nvPr>
-            <p:ph type="sldNum" sz="quarter" idx="12"/>
+            <p:ph type="title"/>
           </p:nvPr>
         </p:nvSpPr>
         <p:spPr/>
@@ -16997,60 +19634,345 @@
           <a:bodyPr/>
           <a:lstStyle/>
           <a:p>
-            <a:fld id="{666274A1-CF9C-426A-8DD4-B13ED0C24231}" type="slidenum">
-              <a:rPr lang="en-US" smtClean="0"/>
-              <a:t>27</a:t>
-            </a:fld>
-            <a:endParaRPr lang="en-US"/>
+            <a:r>
+              <a:rPr lang="en-US" sz="4000" dirty="0">
+                <a:latin typeface="Times New Roman" panose="02020603050405020304" pitchFamily="18" charset="0"/>
+                <a:cs typeface="Times New Roman" panose="02020603050405020304" pitchFamily="18" charset="0"/>
+              </a:rPr>
+              <a:t>Outline</a:t>
+            </a:r>
+            <a:endParaRPr lang="en-US" dirty="0">
+              <a:latin typeface="Times New Roman" panose="02020603050405020304" pitchFamily="18" charset="0"/>
+              <a:cs typeface="Times New Roman" panose="02020603050405020304" pitchFamily="18" charset="0"/>
+            </a:endParaRPr>
           </a:p>
         </p:txBody>
       </p:sp>
       <p:sp>
         <p:nvSpPr>
-          <p:cNvPr id="5" name="TextBox 4">
+          <p:cNvPr id="4" name="Slide Number Placeholder 3">
             <a:extLst>
               <a:ext uri="{FF2B5EF4-FFF2-40B4-BE49-F238E27FC236}">
-                <a16:creationId xmlns:a16="http://schemas.microsoft.com/office/drawing/2014/main" id="{DE342AA9-4E4B-2420-9858-9BBA5A519307}"/>
+                <a16:creationId xmlns:a16="http://schemas.microsoft.com/office/drawing/2014/main" id="{3592E110-E718-0573-BF00-CE5E90916A66}"/>
               </a:ext>
             </a:extLst>
           </p:cNvPr>
-          <p:cNvSpPr txBox="1"/>
+          <p:cNvSpPr>
+            <a:spLocks noGrp="1"/>
+          </p:cNvSpPr>
+          <p:nvPr>
+            <p:ph type="sldNum" sz="quarter" idx="12"/>
+          </p:nvPr>
+        </p:nvSpPr>
+        <p:spPr/>
+        <p:txBody>
+          <a:bodyPr/>
+          <a:lstStyle/>
+          <a:p>
+            <a:fld id="{666274A1-CF9C-426A-8DD4-B13ED0C24231}" type="slidenum">
+              <a:rPr lang="en-US" smtClean="0"/>
+              <a:t>31</a:t>
+            </a:fld>
+            <a:endParaRPr lang="en-US"/>
+          </a:p>
+        </p:txBody>
+      </p:sp>
+      <p:sp>
+        <p:nvSpPr>
+          <p:cNvPr id="7" name="Content Placeholder 2">
+            <a:extLst>
+              <a:ext uri="{FF2B5EF4-FFF2-40B4-BE49-F238E27FC236}">
+                <a16:creationId xmlns:a16="http://schemas.microsoft.com/office/drawing/2014/main" id="{85FB6EDC-A81C-417F-C3B2-4378D3D43B94}"/>
+              </a:ext>
+            </a:extLst>
+          </p:cNvPr>
+          <p:cNvSpPr txBox="1">
+            <a:spLocks/>
+          </p:cNvSpPr>
           <p:nvPr/>
         </p:nvSpPr>
         <p:spPr>
           <a:xfrm>
-            <a:off x="2697986" y="2967335"/>
-            <a:ext cx="6936514" cy="923330"/>
+            <a:off x="1028700" y="1690688"/>
+            <a:ext cx="10515600" cy="4351338"/>
           </a:xfrm>
           <a:prstGeom prst="rect">
             <a:avLst/>
           </a:prstGeom>
-          <a:noFill/>
         </p:spPr>
         <p:txBody>
-          <a:bodyPr wrap="none" rtlCol="0">
-            <a:spAutoFit/>
+          <a:bodyPr vert="horz" lIns="91440" tIns="45720" rIns="91440" bIns="45720" rtlCol="0">
+            <a:normAutofit/>
           </a:bodyPr>
-          <a:lstStyle/>
-          <a:p>
-            <a:r>
-              <a:rPr lang="en-US" altLang="zh-TW" sz="5400" dirty="0">
-                <a:latin typeface="Times" panose="02020603050405020304" pitchFamily="18" charset="0"/>
-                <a:cs typeface="Times" panose="02020603050405020304" pitchFamily="18" charset="0"/>
+          <a:lstStyle>
+            <a:lvl1pPr marL="228600" indent="-228600" algn="l" defTabSz="914400" rtl="0" eaLnBrk="1" latinLnBrk="0" hangingPunct="1">
+              <a:lnSpc>
+                <a:spcPct val="90000"/>
+              </a:lnSpc>
+              <a:spcBef>
+                <a:spcPts val="1000"/>
+              </a:spcBef>
+              <a:buFont typeface="Arial" panose="020B0604020202020204" pitchFamily="34" charset="0"/>
+              <a:buChar char="•"/>
+              <a:defRPr sz="2800" kern="1200">
+                <a:solidFill>
+                  <a:schemeClr val="tx1"/>
+                </a:solidFill>
+                <a:latin typeface="+mn-lt"/>
+                <a:ea typeface="+mn-ea"/>
+                <a:cs typeface="+mn-cs"/>
+              </a:defRPr>
+            </a:lvl1pPr>
+            <a:lvl2pPr marL="685800" indent="-228600" algn="l" defTabSz="914400" rtl="0" eaLnBrk="1" latinLnBrk="0" hangingPunct="1">
+              <a:lnSpc>
+                <a:spcPct val="90000"/>
+              </a:lnSpc>
+              <a:spcBef>
+                <a:spcPts val="500"/>
+              </a:spcBef>
+              <a:buFont typeface="Arial" panose="020B0604020202020204" pitchFamily="34" charset="0"/>
+              <a:buChar char="•"/>
+              <a:defRPr sz="2400" kern="1200">
+                <a:solidFill>
+                  <a:schemeClr val="tx1"/>
+                </a:solidFill>
+                <a:latin typeface="+mn-lt"/>
+                <a:ea typeface="+mn-ea"/>
+                <a:cs typeface="+mn-cs"/>
+              </a:defRPr>
+            </a:lvl2pPr>
+            <a:lvl3pPr marL="1143000" indent="-228600" algn="l" defTabSz="914400" rtl="0" eaLnBrk="1" latinLnBrk="0" hangingPunct="1">
+              <a:lnSpc>
+                <a:spcPct val="90000"/>
+              </a:lnSpc>
+              <a:spcBef>
+                <a:spcPts val="500"/>
+              </a:spcBef>
+              <a:buFont typeface="Arial" panose="020B0604020202020204" pitchFamily="34" charset="0"/>
+              <a:buChar char="•"/>
+              <a:defRPr sz="2000" kern="1200">
+                <a:solidFill>
+                  <a:schemeClr val="tx1"/>
+                </a:solidFill>
+                <a:latin typeface="+mn-lt"/>
+                <a:ea typeface="+mn-ea"/>
+                <a:cs typeface="+mn-cs"/>
+              </a:defRPr>
+            </a:lvl3pPr>
+            <a:lvl4pPr marL="1600200" indent="-228600" algn="l" defTabSz="914400" rtl="0" eaLnBrk="1" latinLnBrk="0" hangingPunct="1">
+              <a:lnSpc>
+                <a:spcPct val="90000"/>
+              </a:lnSpc>
+              <a:spcBef>
+                <a:spcPts val="500"/>
+              </a:spcBef>
+              <a:buFont typeface="Arial" panose="020B0604020202020204" pitchFamily="34" charset="0"/>
+              <a:buChar char="•"/>
+              <a:defRPr sz="1800" kern="1200">
+                <a:solidFill>
+                  <a:schemeClr val="tx1"/>
+                </a:solidFill>
+                <a:latin typeface="+mn-lt"/>
+                <a:ea typeface="+mn-ea"/>
+                <a:cs typeface="+mn-cs"/>
+              </a:defRPr>
+            </a:lvl4pPr>
+            <a:lvl5pPr marL="2057400" indent="-228600" algn="l" defTabSz="914400" rtl="0" eaLnBrk="1" latinLnBrk="0" hangingPunct="1">
+              <a:lnSpc>
+                <a:spcPct val="90000"/>
+              </a:lnSpc>
+              <a:spcBef>
+                <a:spcPts val="500"/>
+              </a:spcBef>
+              <a:buFont typeface="Arial" panose="020B0604020202020204" pitchFamily="34" charset="0"/>
+              <a:buChar char="•"/>
+              <a:defRPr sz="1800" kern="1200">
+                <a:solidFill>
+                  <a:schemeClr val="tx1"/>
+                </a:solidFill>
+                <a:latin typeface="+mn-lt"/>
+                <a:ea typeface="+mn-ea"/>
+                <a:cs typeface="+mn-cs"/>
+              </a:defRPr>
+            </a:lvl5pPr>
+            <a:lvl6pPr marL="2514600" indent="-228600" algn="l" defTabSz="914400" rtl="0" eaLnBrk="1" latinLnBrk="0" hangingPunct="1">
+              <a:lnSpc>
+                <a:spcPct val="90000"/>
+              </a:lnSpc>
+              <a:spcBef>
+                <a:spcPts val="500"/>
+              </a:spcBef>
+              <a:buFont typeface="Arial" panose="020B0604020202020204" pitchFamily="34" charset="0"/>
+              <a:buChar char="•"/>
+              <a:defRPr sz="1800" kern="1200">
+                <a:solidFill>
+                  <a:schemeClr val="tx1"/>
+                </a:solidFill>
+                <a:latin typeface="+mn-lt"/>
+                <a:ea typeface="+mn-ea"/>
+                <a:cs typeface="+mn-cs"/>
+              </a:defRPr>
+            </a:lvl6pPr>
+            <a:lvl7pPr marL="2971800" indent="-228600" algn="l" defTabSz="914400" rtl="0" eaLnBrk="1" latinLnBrk="0" hangingPunct="1">
+              <a:lnSpc>
+                <a:spcPct val="90000"/>
+              </a:lnSpc>
+              <a:spcBef>
+                <a:spcPts val="500"/>
+              </a:spcBef>
+              <a:buFont typeface="Arial" panose="020B0604020202020204" pitchFamily="34" charset="0"/>
+              <a:buChar char="•"/>
+              <a:defRPr sz="1800" kern="1200">
+                <a:solidFill>
+                  <a:schemeClr val="tx1"/>
+                </a:solidFill>
+                <a:latin typeface="+mn-lt"/>
+                <a:ea typeface="+mn-ea"/>
+                <a:cs typeface="+mn-cs"/>
+              </a:defRPr>
+            </a:lvl7pPr>
+            <a:lvl8pPr marL="3429000" indent="-228600" algn="l" defTabSz="914400" rtl="0" eaLnBrk="1" latinLnBrk="0" hangingPunct="1">
+              <a:lnSpc>
+                <a:spcPct val="90000"/>
+              </a:lnSpc>
+              <a:spcBef>
+                <a:spcPts val="500"/>
+              </a:spcBef>
+              <a:buFont typeface="Arial" panose="020B0604020202020204" pitchFamily="34" charset="0"/>
+              <a:buChar char="•"/>
+              <a:defRPr sz="1800" kern="1200">
+                <a:solidFill>
+                  <a:schemeClr val="tx1"/>
+                </a:solidFill>
+                <a:latin typeface="+mn-lt"/>
+                <a:ea typeface="+mn-ea"/>
+                <a:cs typeface="+mn-cs"/>
+              </a:defRPr>
+            </a:lvl8pPr>
+            <a:lvl9pPr marL="3886200" indent="-228600" algn="l" defTabSz="914400" rtl="0" eaLnBrk="1" latinLnBrk="0" hangingPunct="1">
+              <a:lnSpc>
+                <a:spcPct val="90000"/>
+              </a:lnSpc>
+              <a:spcBef>
+                <a:spcPts val="500"/>
+              </a:spcBef>
+              <a:buFont typeface="Arial" panose="020B0604020202020204" pitchFamily="34" charset="0"/>
+              <a:buChar char="•"/>
+              <a:defRPr sz="1800" kern="1200">
+                <a:solidFill>
+                  <a:schemeClr val="tx1"/>
+                </a:solidFill>
+                <a:latin typeface="+mn-lt"/>
+                <a:ea typeface="+mn-ea"/>
+                <a:cs typeface="+mn-cs"/>
+              </a:defRPr>
+            </a:lvl9pPr>
+          </a:lstStyle>
+          <a:p>
+            <a:pPr>
+              <a:lnSpc>
+                <a:spcPct val="130000"/>
+              </a:lnSpc>
+            </a:pPr>
+            <a:r>
+              <a:rPr lang="en-US" sz="2400" dirty="0">
+                <a:solidFill>
+                  <a:schemeClr val="bg1">
+                    <a:lumMod val="50000"/>
+                  </a:schemeClr>
+                </a:solidFill>
+                <a:latin typeface="Times New Roman" panose="02020603050405020304" pitchFamily="18" charset="0"/>
+                <a:cs typeface="Times New Roman" panose="02020603050405020304" pitchFamily="18" charset="0"/>
               </a:rPr>
-              <a:t>Thank you for listening!</a:t>
-            </a:r>
-            <a:endParaRPr lang="zh-TW" altLang="en-US" sz="5400" dirty="0">
-              <a:latin typeface="Times" panose="02020603050405020304" pitchFamily="18" charset="0"/>
-              <a:cs typeface="Times" panose="02020603050405020304" pitchFamily="18" charset="0"/>
+              <a:t>Introduction</a:t>
+            </a:r>
+          </a:p>
+          <a:p>
+            <a:pPr>
+              <a:lnSpc>
+                <a:spcPct val="130000"/>
+              </a:lnSpc>
+            </a:pPr>
+            <a:r>
+              <a:rPr lang="en-US" sz="2400" dirty="0">
+                <a:solidFill>
+                  <a:schemeClr val="bg1">
+                    <a:lumMod val="50000"/>
+                  </a:schemeClr>
+                </a:solidFill>
+                <a:latin typeface="Times New Roman" panose="02020603050405020304" pitchFamily="18" charset="0"/>
+                <a:cs typeface="Times New Roman" panose="02020603050405020304" pitchFamily="18" charset="0"/>
+              </a:rPr>
+              <a:t>Preliminaries</a:t>
+            </a:r>
+          </a:p>
+          <a:p>
+            <a:pPr>
+              <a:lnSpc>
+                <a:spcPct val="130000"/>
+              </a:lnSpc>
+            </a:pPr>
+            <a:r>
+              <a:rPr lang="en-US" sz="2400" dirty="0">
+                <a:solidFill>
+                  <a:schemeClr val="bg1">
+                    <a:lumMod val="50000"/>
+                  </a:schemeClr>
+                </a:solidFill>
+                <a:latin typeface="Times New Roman" panose="02020603050405020304" pitchFamily="18" charset="0"/>
+                <a:cs typeface="Times New Roman" panose="02020603050405020304" pitchFamily="18" charset="0"/>
+              </a:rPr>
+              <a:t>Algorithm</a:t>
+            </a:r>
+            <a:endParaRPr lang="en-US" sz="2000" dirty="0">
+              <a:solidFill>
+                <a:schemeClr val="bg1">
+                  <a:lumMod val="50000"/>
+                </a:schemeClr>
+              </a:solidFill>
+              <a:latin typeface="Times New Roman" panose="02020603050405020304" pitchFamily="18" charset="0"/>
+              <a:cs typeface="Times New Roman" panose="02020603050405020304" pitchFamily="18" charset="0"/>
             </a:endParaRPr>
+          </a:p>
+          <a:p>
+            <a:pPr>
+              <a:lnSpc>
+                <a:spcPct val="130000"/>
+              </a:lnSpc>
+            </a:pPr>
+            <a:r>
+              <a:rPr lang="en-US" sz="2400" dirty="0">
+                <a:solidFill>
+                  <a:schemeClr val="bg1">
+                    <a:lumMod val="50000"/>
+                  </a:schemeClr>
+                </a:solidFill>
+                <a:latin typeface="Times New Roman" panose="02020603050405020304" pitchFamily="18" charset="0"/>
+                <a:cs typeface="Times New Roman" panose="02020603050405020304" pitchFamily="18" charset="0"/>
+              </a:rPr>
+              <a:t>Experimental Result</a:t>
+            </a:r>
+          </a:p>
+          <a:p>
+            <a:pPr>
+              <a:lnSpc>
+                <a:spcPct val="130000"/>
+              </a:lnSpc>
+            </a:pPr>
+            <a:r>
+              <a:rPr lang="en-US" sz="2400" dirty="0">
+                <a:latin typeface="Times New Roman" panose="02020603050405020304" pitchFamily="18" charset="0"/>
+                <a:cs typeface="Times New Roman" panose="02020603050405020304" pitchFamily="18" charset="0"/>
+              </a:rPr>
+              <a:t>Conclusion</a:t>
+            </a:r>
           </a:p>
         </p:txBody>
       </p:sp>
     </p:spTree>
     <p:extLst>
       <p:ext uri="{BB962C8B-B14F-4D97-AF65-F5344CB8AC3E}">
-        <p14:creationId xmlns:p14="http://schemas.microsoft.com/office/powerpoint/2010/main" val="1947749228"/>
+        <p14:creationId xmlns:p14="http://schemas.microsoft.com/office/powerpoint/2010/main" val="994511244"/>
       </p:ext>
     </p:extLst>
   </p:cSld>
@@ -17060,7 +19982,7 @@
 </p:sld>
 </file>
 
-<file path=ppt/slides/slide3.xml><?xml version="1.0" encoding="utf-8"?>
+<file path=ppt/slides/slide33.xml><?xml version="1.0" encoding="utf-8"?>
 <p:sld xmlns:a="http://schemas.openxmlformats.org/drawingml/2006/main" xmlns:r="http://schemas.openxmlformats.org/officeDocument/2006/relationships" xmlns:p="http://schemas.openxmlformats.org/presentationml/2006/main">
   <p:cSld>
     <p:spTree>
@@ -17082,7 +20004,7 @@
           <p:cNvPr id="2" name="標題 1">
             <a:extLst>
               <a:ext uri="{FF2B5EF4-FFF2-40B4-BE49-F238E27FC236}">
-                <a16:creationId xmlns:a16="http://schemas.microsoft.com/office/drawing/2014/main" id="{5CEA9D29-2BBD-0E1E-DBD3-F6145D6CBC63}"/>
+                <a16:creationId xmlns:a16="http://schemas.microsoft.com/office/drawing/2014/main" id="{83DC1FF2-4691-98B7-30EE-2D22C34AAC99}"/>
               </a:ext>
             </a:extLst>
           </p:cNvPr>
@@ -17099,11 +20021,11 @@
           <a:lstStyle/>
           <a:p>
             <a:r>
-              <a:rPr lang="en-US" altLang="zh-TW" sz="4000" dirty="0">
+              <a:rPr lang="en-US" altLang="zh-TW" dirty="0">
                 <a:latin typeface="Times" panose="02020603050405020304" pitchFamily="18" charset="0"/>
                 <a:cs typeface="Times" panose="02020603050405020304" pitchFamily="18" charset="0"/>
               </a:rPr>
-              <a:t>Introduction</a:t>
+              <a:t>Conclusion</a:t>
             </a:r>
             <a:endParaRPr lang="zh-TW" altLang="en-US" dirty="0">
               <a:latin typeface="Times" panose="02020603050405020304" pitchFamily="18" charset="0"/>
@@ -17117,7 +20039,7 @@
           <p:cNvPr id="3" name="內容版面配置區 2">
             <a:extLst>
               <a:ext uri="{FF2B5EF4-FFF2-40B4-BE49-F238E27FC236}">
-                <a16:creationId xmlns:a16="http://schemas.microsoft.com/office/drawing/2014/main" id="{CD74F3A4-97A5-7640-801C-D093727610C1}"/>
+                <a16:creationId xmlns:a16="http://schemas.microsoft.com/office/drawing/2014/main" id="{6B072075-E05B-FA42-BAC8-CDCAE744247C}"/>
               </a:ext>
             </a:extLst>
           </p:cNvPr>
@@ -17137,175 +20059,113 @@
           <a:p>
             <a:pPr>
               <a:lnSpc>
-                <a:spcPct val="200000"/>
+                <a:spcPct val="150000"/>
               </a:lnSpc>
             </a:pPr>
             <a:r>
+              <a:rPr lang="en-US" altLang="zh-TW" sz="2400" dirty="0">
+                <a:latin typeface="Times" panose="02020603050405020304" pitchFamily="18" charset="0"/>
+                <a:cs typeface="Times" panose="02020603050405020304" pitchFamily="18" charset="0"/>
+              </a:rPr>
+              <a:t>Several techniques are developed for KOSIM:</a:t>
+            </a:r>
+          </a:p>
+          <a:p>
+            <a:pPr lvl="1">
+              <a:lnSpc>
+                <a:spcPct val="150000"/>
+              </a:lnSpc>
+            </a:pPr>
+            <a:r>
+              <a:rPr lang="en-US" altLang="zh-TW" sz="2000" dirty="0">
+                <a:latin typeface="Times" panose="02020603050405020304" pitchFamily="18" charset="0"/>
+                <a:cs typeface="Times" panose="02020603050405020304" pitchFamily="18" charset="0"/>
+              </a:rPr>
+              <a:t>Knowledge-oriented inexact gradients.</a:t>
+            </a:r>
+          </a:p>
+          <a:p>
+            <a:pPr lvl="1">
+              <a:lnSpc>
+                <a:spcPct val="150000"/>
+              </a:lnSpc>
+            </a:pPr>
+            <a:r>
+              <a:rPr lang="en-US" altLang="zh-TW" sz="2000" dirty="0">
+                <a:latin typeface="Times" panose="02020603050405020304" pitchFamily="18" charset="0"/>
+                <a:cs typeface="Times" panose="02020603050405020304" pitchFamily="18" charset="0"/>
+              </a:rPr>
+              <a:t>Maintaining inexact models.</a:t>
+            </a:r>
+          </a:p>
+          <a:p>
+            <a:pPr lvl="1">
+              <a:lnSpc>
+                <a:spcPct val="150000"/>
+              </a:lnSpc>
+            </a:pPr>
+            <a:r>
+              <a:rPr lang="en-US" altLang="zh-TW" sz="2000" dirty="0">
+                <a:latin typeface="Times" panose="02020603050405020304" pitchFamily="18" charset="0"/>
+                <a:cs typeface="Times" panose="02020603050405020304" pitchFamily="18" charset="0"/>
+              </a:rPr>
+              <a:t>Constructing subspaces.</a:t>
+            </a:r>
+          </a:p>
+          <a:p>
+            <a:pPr lvl="1">
+              <a:lnSpc>
+                <a:spcPct val="150000"/>
+              </a:lnSpc>
+            </a:pPr>
+            <a:r>
+              <a:rPr lang="en-US" altLang="zh-TW" sz="2000" dirty="0">
+                <a:latin typeface="Times" panose="02020603050405020304" pitchFamily="18" charset="0"/>
+                <a:cs typeface="Times" panose="02020603050405020304" pitchFamily="18" charset="0"/>
+              </a:rPr>
+              <a:t>Solving the subproblems.</a:t>
+            </a:r>
+          </a:p>
+          <a:p>
+            <a:pPr lvl="1">
+              <a:lnSpc>
+                <a:spcPct val="150000"/>
+              </a:lnSpc>
+            </a:pPr>
+            <a:endParaRPr lang="en-US" altLang="zh-TW" sz="500" dirty="0">
+              <a:latin typeface="Times" panose="02020603050405020304" pitchFamily="18" charset="0"/>
+              <a:cs typeface="Times" panose="02020603050405020304" pitchFamily="18" charset="0"/>
+            </a:endParaRPr>
+          </a:p>
+          <a:p>
+            <a:pPr>
+              <a:lnSpc>
+                <a:spcPct val="150000"/>
+              </a:lnSpc>
+            </a:pPr>
+            <a:r>
               <a:rPr lang="en-US" altLang="zh-TW" sz="2200" dirty="0">
                 <a:latin typeface="Times" panose="02020603050405020304" pitchFamily="18" charset="0"/>
-                <a:ea typeface="標楷體" panose="03000509000000000000" pitchFamily="65" charset="-120"/>
                 <a:cs typeface="Times" panose="02020603050405020304" pitchFamily="18" charset="0"/>
               </a:rPr>
-              <a:t>Optical lithography (</a:t>
+              <a:t>KOSIM evaluates only O(1) function values and has only O(</a:t>
             </a:r>
             <a:r>
               <a:rPr lang="zh-TW" altLang="en-US" sz="2200" dirty="0">
                 <a:latin typeface="Times" panose="02020603050405020304" pitchFamily="18" charset="0"/>
-                <a:ea typeface="標楷體" panose="03000509000000000000" pitchFamily="65" charset="-120"/>
                 <a:cs typeface="Times" panose="02020603050405020304" pitchFamily="18" charset="0"/>
               </a:rPr>
-              <a:t>光學微影技術</a:t>
+              <a:t>𝑛</a:t>
             </a:r>
             <a:r>
               <a:rPr lang="en-US" altLang="zh-TW" sz="2200" dirty="0">
                 <a:latin typeface="Times" panose="02020603050405020304" pitchFamily="18" charset="0"/>
-                <a:ea typeface="標楷體" panose="03000509000000000000" pitchFamily="65" charset="-120"/>
                 <a:cs typeface="Times" panose="02020603050405020304" pitchFamily="18" charset="0"/>
               </a:rPr>
-              <a:t>)</a:t>
-            </a:r>
-            <a:endParaRPr lang="en-US" altLang="zh-TW" sz="1800" dirty="0">
-              <a:latin typeface="Times" panose="02020603050405020304" pitchFamily="18" charset="0"/>
-              <a:ea typeface="標楷體" panose="03000509000000000000" pitchFamily="65" charset="-120"/>
-              <a:cs typeface="Times" panose="02020603050405020304" pitchFamily="18" charset="0"/>
-            </a:endParaRPr>
-          </a:p>
-          <a:p>
-            <a:pPr lvl="1">
-              <a:lnSpc>
-                <a:spcPct val="200000"/>
-              </a:lnSpc>
-            </a:pPr>
-            <a:r>
-              <a:rPr lang="zh-TW" altLang="en-US" sz="2000" dirty="0">
-                <a:latin typeface="Times" panose="02020603050405020304" pitchFamily="18" charset="0"/>
-                <a:ea typeface="標楷體" panose="03000509000000000000" pitchFamily="65" charset="-120"/>
-                <a:cs typeface="Times" panose="02020603050405020304" pitchFamily="18" charset="0"/>
-              </a:rPr>
-              <a:t>將曝光光源通過設計過的光罩，光罩上面即具有各種圖案可以阻擋或讓光穿透過去</a:t>
-            </a:r>
-            <a:r>
-              <a:rPr lang="zh-TW" altLang="en-US" sz="2200" dirty="0">
-                <a:latin typeface="Times" panose="02020603050405020304" pitchFamily="18" charset="0"/>
-                <a:ea typeface="標楷體" panose="03000509000000000000" pitchFamily="65" charset="-120"/>
-                <a:cs typeface="Times" panose="02020603050405020304" pitchFamily="18" charset="0"/>
-              </a:rPr>
-              <a:t>。</a:t>
-            </a:r>
-            <a:endParaRPr lang="en-US" altLang="zh-TW" sz="2200" dirty="0">
-              <a:latin typeface="Times" panose="02020603050405020304" pitchFamily="18" charset="0"/>
-              <a:ea typeface="標楷體" panose="03000509000000000000" pitchFamily="65" charset="-120"/>
-              <a:cs typeface="Times" panose="02020603050405020304" pitchFamily="18" charset="0"/>
-            </a:endParaRPr>
-          </a:p>
-          <a:p>
-            <a:pPr lvl="1">
-              <a:lnSpc>
-                <a:spcPct val="200000"/>
-              </a:lnSpc>
-            </a:pPr>
-            <a:r>
-              <a:rPr lang="zh-TW" altLang="en-US" sz="2000" dirty="0">
-                <a:latin typeface="Times" panose="02020603050405020304" pitchFamily="18" charset="0"/>
-                <a:ea typeface="標楷體" panose="03000509000000000000" pitchFamily="65" charset="-120"/>
-                <a:cs typeface="Times" panose="02020603050405020304" pitchFamily="18" charset="0"/>
-              </a:rPr>
-              <a:t>若光打到正光阻上，該處會被蝕刻</a:t>
-            </a:r>
-            <a:r>
-              <a:rPr lang="en-US" altLang="zh-TW" sz="2000" dirty="0">
-                <a:latin typeface="Times" panose="02020603050405020304" pitchFamily="18" charset="0"/>
-                <a:ea typeface="標楷體" panose="03000509000000000000" pitchFamily="65" charset="-120"/>
-                <a:cs typeface="Times" panose="02020603050405020304" pitchFamily="18" charset="0"/>
-              </a:rPr>
-              <a:t>; </a:t>
-            </a:r>
-            <a:r>
-              <a:rPr lang="zh-TW" altLang="en-US" sz="2000" dirty="0">
-                <a:latin typeface="Times" panose="02020603050405020304" pitchFamily="18" charset="0"/>
-                <a:ea typeface="標楷體" panose="03000509000000000000" pitchFamily="65" charset="-120"/>
-                <a:cs typeface="Times" panose="02020603050405020304" pitchFamily="18" charset="0"/>
-              </a:rPr>
-              <a:t>若是負光阻的話相反。</a:t>
-            </a:r>
-            <a:endParaRPr lang="en-US" altLang="zh-TW" sz="2000" dirty="0">
-              <a:latin typeface="Times" panose="02020603050405020304" pitchFamily="18" charset="0"/>
-              <a:ea typeface="標楷體" panose="03000509000000000000" pitchFamily="65" charset="-120"/>
-              <a:cs typeface="Times" panose="02020603050405020304" pitchFamily="18" charset="0"/>
-            </a:endParaRPr>
-          </a:p>
-          <a:p>
-            <a:pPr lvl="1">
-              <a:lnSpc>
-                <a:spcPct val="200000"/>
-              </a:lnSpc>
-            </a:pPr>
-            <a:r>
-              <a:rPr lang="zh-TW" altLang="en-US" sz="2000" dirty="0">
-                <a:latin typeface="Times" panose="02020603050405020304" pitchFamily="18" charset="0"/>
-                <a:ea typeface="標楷體" panose="03000509000000000000" pitchFamily="65" charset="-120"/>
-                <a:cs typeface="Times" panose="02020603050405020304" pitchFamily="18" charset="0"/>
-              </a:rPr>
-              <a:t>是製造集成電路（</a:t>
-            </a:r>
-            <a:r>
-              <a:rPr lang="en-US" altLang="zh-TW" sz="2000" dirty="0">
-                <a:latin typeface="Times" panose="02020603050405020304" pitchFamily="18" charset="0"/>
-                <a:ea typeface="標楷體" panose="03000509000000000000" pitchFamily="65" charset="-120"/>
-                <a:cs typeface="Times" panose="02020603050405020304" pitchFamily="18" charset="0"/>
-              </a:rPr>
-              <a:t>IC</a:t>
-            </a:r>
-            <a:r>
-              <a:rPr lang="zh-TW" altLang="en-US" sz="2000" dirty="0">
-                <a:latin typeface="Times" panose="02020603050405020304" pitchFamily="18" charset="0"/>
-                <a:ea typeface="標楷體" panose="03000509000000000000" pitchFamily="65" charset="-120"/>
-                <a:cs typeface="Times" panose="02020603050405020304" pitchFamily="18" charset="0"/>
-              </a:rPr>
-              <a:t>）和其他半導體設備的主要工藝之一</a:t>
-            </a:r>
-            <a:endParaRPr lang="en-US" altLang="zh-TW" sz="2000" dirty="0">
-              <a:latin typeface="Times" panose="02020603050405020304" pitchFamily="18" charset="0"/>
-              <a:ea typeface="標楷體" panose="03000509000000000000" pitchFamily="65" charset="-120"/>
-              <a:cs typeface="Times" panose="02020603050405020304" pitchFamily="18" charset="0"/>
-            </a:endParaRPr>
-          </a:p>
-          <a:p>
-            <a:pPr lvl="2">
-              <a:lnSpc>
-                <a:spcPct val="200000"/>
-              </a:lnSpc>
-            </a:pPr>
-            <a:r>
-              <a:rPr lang="zh-TW" altLang="en-US" sz="1800" dirty="0">
-                <a:latin typeface="Times" panose="02020603050405020304" pitchFamily="18" charset="0"/>
-                <a:ea typeface="標楷體" panose="03000509000000000000" pitchFamily="65" charset="-120"/>
-                <a:cs typeface="Times" panose="02020603050405020304" pitchFamily="18" charset="0"/>
-              </a:rPr>
-              <a:t>將微細的電子元件、晶體管、電容器等結構準確地印刷在半導體材料上</a:t>
-            </a:r>
-            <a:endParaRPr lang="en-US" altLang="zh-TW" sz="1800" dirty="0">
-              <a:latin typeface="Times" panose="02020603050405020304" pitchFamily="18" charset="0"/>
-              <a:ea typeface="標楷體" panose="03000509000000000000" pitchFamily="65" charset="-120"/>
-              <a:cs typeface="Times" panose="02020603050405020304" pitchFamily="18" charset="0"/>
-            </a:endParaRPr>
-          </a:p>
-          <a:p>
-            <a:pPr>
-              <a:lnSpc>
-                <a:spcPct val="130000"/>
-              </a:lnSpc>
-            </a:pPr>
-            <a:endParaRPr lang="en-US" altLang="zh-TW" sz="2200" dirty="0">
-              <a:latin typeface="Times" panose="02020603050405020304" pitchFamily="18" charset="0"/>
-              <a:ea typeface="標楷體" panose="03000509000000000000" pitchFamily="65" charset="-120"/>
-              <a:cs typeface="Times" panose="02020603050405020304" pitchFamily="18" charset="0"/>
-            </a:endParaRPr>
-          </a:p>
-          <a:p>
+              <a:t>) computational complexity per iteration.</a:t>
+            </a:r>
             <a:endParaRPr lang="zh-TW" altLang="en-US" sz="2200" dirty="0">
               <a:latin typeface="Times" panose="02020603050405020304" pitchFamily="18" charset="0"/>
-              <a:ea typeface="標楷體" panose="03000509000000000000" pitchFamily="65" charset="-120"/>
               <a:cs typeface="Times" panose="02020603050405020304" pitchFamily="18" charset="0"/>
             </a:endParaRPr>
           </a:p>
@@ -17316,7 +20176,7 @@
           <p:cNvPr id="4" name="投影片編號版面配置區 3">
             <a:extLst>
               <a:ext uri="{FF2B5EF4-FFF2-40B4-BE49-F238E27FC236}">
-                <a16:creationId xmlns:a16="http://schemas.microsoft.com/office/drawing/2014/main" id="{98B5C8A6-9E09-A340-C475-439F204D7E17}"/>
+                <a16:creationId xmlns:a16="http://schemas.microsoft.com/office/drawing/2014/main" id="{A47FD18C-E873-9438-C2BB-CA63F7C6907E}"/>
               </a:ext>
             </a:extLst>
           </p:cNvPr>
@@ -17334,16 +20194,117 @@
           <a:p>
             <a:fld id="{666274A1-CF9C-426A-8DD4-B13ED0C24231}" type="slidenum">
               <a:rPr lang="en-US" smtClean="0"/>
-              <a:t>2</a:t>
+              <a:t>32</a:t>
             </a:fld>
-            <a:endParaRPr lang="en-US"/>
+            <a:endParaRPr lang="en-US" dirty="0"/>
           </a:p>
         </p:txBody>
       </p:sp>
     </p:spTree>
     <p:extLst>
       <p:ext uri="{BB962C8B-B14F-4D97-AF65-F5344CB8AC3E}">
-        <p14:creationId xmlns:p14="http://schemas.microsoft.com/office/powerpoint/2010/main" val="615879837"/>
+        <p14:creationId xmlns:p14="http://schemas.microsoft.com/office/powerpoint/2010/main" val="436566612"/>
+      </p:ext>
+    </p:extLst>
+  </p:cSld>
+  <p:clrMapOvr>
+    <a:masterClrMapping/>
+  </p:clrMapOvr>
+</p:sld>
+</file>
+
+<file path=ppt/slides/slide34.xml><?xml version="1.0" encoding="utf-8"?>
+<p:sld xmlns:a="http://schemas.openxmlformats.org/drawingml/2006/main" xmlns:r="http://schemas.openxmlformats.org/officeDocument/2006/relationships" xmlns:p="http://schemas.openxmlformats.org/presentationml/2006/main">
+  <p:cSld>
+    <p:spTree>
+      <p:nvGrpSpPr>
+        <p:cNvPr id="1" name=""/>
+        <p:cNvGrpSpPr/>
+        <p:nvPr/>
+      </p:nvGrpSpPr>
+      <p:grpSpPr>
+        <a:xfrm>
+          <a:off x="0" y="0"/>
+          <a:ext cx="0" cy="0"/>
+          <a:chOff x="0" y="0"/>
+          <a:chExt cx="0" cy="0"/>
+        </a:xfrm>
+      </p:grpSpPr>
+      <p:sp>
+        <p:nvSpPr>
+          <p:cNvPr id="4" name="Slide Number Placeholder 3">
+            <a:extLst>
+              <a:ext uri="{FF2B5EF4-FFF2-40B4-BE49-F238E27FC236}">
+                <a16:creationId xmlns:a16="http://schemas.microsoft.com/office/drawing/2014/main" id="{DB47E6D4-11C1-7FA3-40FD-EC8CC1AC8613}"/>
+              </a:ext>
+            </a:extLst>
+          </p:cNvPr>
+          <p:cNvSpPr>
+            <a:spLocks noGrp="1"/>
+          </p:cNvSpPr>
+          <p:nvPr>
+            <p:ph type="sldNum" sz="quarter" idx="12"/>
+          </p:nvPr>
+        </p:nvSpPr>
+        <p:spPr/>
+        <p:txBody>
+          <a:bodyPr/>
+          <a:lstStyle/>
+          <a:p>
+            <a:fld id="{666274A1-CF9C-426A-8DD4-B13ED0C24231}" type="slidenum">
+              <a:rPr lang="en-US" smtClean="0"/>
+              <a:t>33</a:t>
+            </a:fld>
+            <a:endParaRPr lang="en-US"/>
+          </a:p>
+        </p:txBody>
+      </p:sp>
+      <p:sp>
+        <p:nvSpPr>
+          <p:cNvPr id="5" name="TextBox 4">
+            <a:extLst>
+              <a:ext uri="{FF2B5EF4-FFF2-40B4-BE49-F238E27FC236}">
+                <a16:creationId xmlns:a16="http://schemas.microsoft.com/office/drawing/2014/main" id="{DE342AA9-4E4B-2420-9858-9BBA5A519307}"/>
+              </a:ext>
+            </a:extLst>
+          </p:cNvPr>
+          <p:cNvSpPr txBox="1"/>
+          <p:nvPr/>
+        </p:nvSpPr>
+        <p:spPr>
+          <a:xfrm>
+            <a:off x="2697986" y="2967335"/>
+            <a:ext cx="6936514" cy="923330"/>
+          </a:xfrm>
+          <a:prstGeom prst="rect">
+            <a:avLst/>
+          </a:prstGeom>
+          <a:noFill/>
+        </p:spPr>
+        <p:txBody>
+          <a:bodyPr wrap="none" rtlCol="0">
+            <a:spAutoFit/>
+          </a:bodyPr>
+          <a:lstStyle/>
+          <a:p>
+            <a:r>
+              <a:rPr lang="en-US" altLang="zh-TW" sz="5400" dirty="0">
+                <a:latin typeface="Times" panose="02020603050405020304" pitchFamily="18" charset="0"/>
+                <a:cs typeface="Times" panose="02020603050405020304" pitchFamily="18" charset="0"/>
+              </a:rPr>
+              <a:t>Thank you for listening!</a:t>
+            </a:r>
+            <a:endParaRPr lang="zh-TW" altLang="en-US" sz="5400" dirty="0">
+              <a:latin typeface="Times" panose="02020603050405020304" pitchFamily="18" charset="0"/>
+              <a:cs typeface="Times" panose="02020603050405020304" pitchFamily="18" charset="0"/>
+            </a:endParaRPr>
+          </a:p>
+        </p:txBody>
+      </p:sp>
+    </p:spTree>
+    <p:extLst>
+      <p:ext uri="{BB962C8B-B14F-4D97-AF65-F5344CB8AC3E}">
+        <p14:creationId xmlns:p14="http://schemas.microsoft.com/office/powerpoint/2010/main" val="1947749228"/>
       </p:ext>
     </p:extLst>
   </p:cSld>
@@ -17439,23 +20400,29 @@
                 <a:ea typeface="標楷體" panose="03000509000000000000" pitchFamily="65" charset="-120"/>
                 <a:cs typeface="Times" panose="02020603050405020304" pitchFamily="18" charset="0"/>
               </a:rPr>
-              <a:t>Due to the tiny scale of circuit device size, the influence of interference and diffraction will distort the image on the wafer very much.</a:t>
-            </a:r>
-          </a:p>
-          <a:p>
-            <a:pPr>
-              <a:lnSpc>
-                <a:spcPct val="200000"/>
-              </a:lnSpc>
-            </a:pPr>
+              <a:t>Optical lithography (</a:t>
+            </a:r>
+            <a:r>
+              <a:rPr lang="zh-TW" altLang="en-US" sz="2200" dirty="0">
+                <a:latin typeface="Times" panose="02020603050405020304" pitchFamily="18" charset="0"/>
+                <a:ea typeface="標楷體" panose="03000509000000000000" pitchFamily="65" charset="-120"/>
+                <a:cs typeface="Times" panose="02020603050405020304" pitchFamily="18" charset="0"/>
+              </a:rPr>
+              <a:t>光學微影技術</a:t>
+            </a:r>
             <a:r>
               <a:rPr lang="en-US" altLang="zh-TW" sz="2200" dirty="0">
                 <a:latin typeface="Times" panose="02020603050405020304" pitchFamily="18" charset="0"/>
                 <a:ea typeface="標楷體" panose="03000509000000000000" pitchFamily="65" charset="-120"/>
                 <a:cs typeface="Times" panose="02020603050405020304" pitchFamily="18" charset="0"/>
               </a:rPr>
-              <a:t>Lots of works are proposed to resolve this kind of distortion:</a:t>
-            </a:r>
+              <a:t>)</a:t>
+            </a:r>
+            <a:endParaRPr lang="en-US" altLang="zh-TW" sz="1800" dirty="0">
+              <a:latin typeface="Times" panose="02020603050405020304" pitchFamily="18" charset="0"/>
+              <a:ea typeface="標楷體" panose="03000509000000000000" pitchFamily="65" charset="-120"/>
+              <a:cs typeface="Times" panose="02020603050405020304" pitchFamily="18" charset="0"/>
+            </a:endParaRPr>
           </a:p>
           <a:p>
             <a:pPr lvl="1">
@@ -17464,22 +20431,126 @@
               </a:lnSpc>
             </a:pPr>
             <a:r>
-              <a:rPr lang="en-US" altLang="zh-TW" sz="1800" dirty="0">
+              <a:rPr lang="zh-TW" altLang="en-US" sz="2000" dirty="0">
                 <a:latin typeface="Times" panose="02020603050405020304" pitchFamily="18" charset="0"/>
                 <a:ea typeface="標楷體" panose="03000509000000000000" pitchFamily="65" charset="-120"/>
                 <a:cs typeface="Times" panose="02020603050405020304" pitchFamily="18" charset="0"/>
               </a:rPr>
-              <a:t>Optical proximity correction (OPC) </a:t>
-            </a:r>
+              <a:t>將曝光光源通過設計過的光罩，光罩上面即具有各種圖案可以阻擋或讓光穿透過去</a:t>
+            </a:r>
+            <a:r>
+              <a:rPr lang="zh-TW" altLang="en-US" sz="2200" dirty="0">
+                <a:latin typeface="Times" panose="02020603050405020304" pitchFamily="18" charset="0"/>
+                <a:ea typeface="標楷體" panose="03000509000000000000" pitchFamily="65" charset="-120"/>
+                <a:cs typeface="Times" panose="02020603050405020304" pitchFamily="18" charset="0"/>
+              </a:rPr>
+              <a:t>。</a:t>
+            </a:r>
+            <a:endParaRPr lang="en-US" altLang="zh-TW" sz="2200" dirty="0">
+              <a:latin typeface="Times" panose="02020603050405020304" pitchFamily="18" charset="0"/>
+              <a:ea typeface="標楷體" panose="03000509000000000000" pitchFamily="65" charset="-120"/>
+              <a:cs typeface="Times" panose="02020603050405020304" pitchFamily="18" charset="0"/>
+            </a:endParaRPr>
+          </a:p>
+          <a:p>
+            <a:pPr lvl="1">
+              <a:lnSpc>
+                <a:spcPct val="200000"/>
+              </a:lnSpc>
+            </a:pPr>
+            <a:r>
+              <a:rPr lang="zh-TW" altLang="en-US" sz="2000" dirty="0">
+                <a:latin typeface="Times" panose="02020603050405020304" pitchFamily="18" charset="0"/>
+                <a:ea typeface="標楷體" panose="03000509000000000000" pitchFamily="65" charset="-120"/>
+                <a:cs typeface="Times" panose="02020603050405020304" pitchFamily="18" charset="0"/>
+              </a:rPr>
+              <a:t>若光打到正光阻上，該處會被蝕刻</a:t>
+            </a:r>
+            <a:r>
+              <a:rPr lang="en-US" altLang="zh-TW" sz="2000" dirty="0">
+                <a:latin typeface="Times" panose="02020603050405020304" pitchFamily="18" charset="0"/>
+                <a:ea typeface="標楷體" panose="03000509000000000000" pitchFamily="65" charset="-120"/>
+                <a:cs typeface="Times" panose="02020603050405020304" pitchFamily="18" charset="0"/>
+              </a:rPr>
+              <a:t>; </a:t>
+            </a:r>
+            <a:r>
+              <a:rPr lang="zh-TW" altLang="en-US" sz="2000" dirty="0">
+                <a:latin typeface="Times" panose="02020603050405020304" pitchFamily="18" charset="0"/>
+                <a:ea typeface="標楷體" panose="03000509000000000000" pitchFamily="65" charset="-120"/>
+                <a:cs typeface="Times" panose="02020603050405020304" pitchFamily="18" charset="0"/>
+              </a:rPr>
+              <a:t>若是負光阻的話相反。</a:t>
+            </a:r>
+            <a:endParaRPr lang="en-US" altLang="zh-TW" sz="2000" dirty="0">
+              <a:latin typeface="Times" panose="02020603050405020304" pitchFamily="18" charset="0"/>
+              <a:ea typeface="標楷體" panose="03000509000000000000" pitchFamily="65" charset="-120"/>
+              <a:cs typeface="Times" panose="02020603050405020304" pitchFamily="18" charset="0"/>
+            </a:endParaRPr>
+          </a:p>
+          <a:p>
+            <a:pPr lvl="1">
+              <a:lnSpc>
+                <a:spcPct val="200000"/>
+              </a:lnSpc>
+            </a:pPr>
+            <a:r>
+              <a:rPr lang="zh-TW" altLang="en-US" sz="2000" dirty="0">
+                <a:latin typeface="Times" panose="02020603050405020304" pitchFamily="18" charset="0"/>
+                <a:ea typeface="標楷體" panose="03000509000000000000" pitchFamily="65" charset="-120"/>
+                <a:cs typeface="Times" panose="02020603050405020304" pitchFamily="18" charset="0"/>
+              </a:rPr>
+              <a:t>是製造集成電路（</a:t>
+            </a:r>
+            <a:r>
+              <a:rPr lang="en-US" altLang="zh-TW" sz="2000" dirty="0">
+                <a:latin typeface="Times" panose="02020603050405020304" pitchFamily="18" charset="0"/>
+                <a:ea typeface="標楷體" panose="03000509000000000000" pitchFamily="65" charset="-120"/>
+                <a:cs typeface="Times" panose="02020603050405020304" pitchFamily="18" charset="0"/>
+              </a:rPr>
+              <a:t>IC</a:t>
+            </a:r>
+            <a:r>
+              <a:rPr lang="zh-TW" altLang="en-US" sz="2000" dirty="0">
+                <a:latin typeface="Times" panose="02020603050405020304" pitchFamily="18" charset="0"/>
+                <a:ea typeface="標楷體" panose="03000509000000000000" pitchFamily="65" charset="-120"/>
+                <a:cs typeface="Times" panose="02020603050405020304" pitchFamily="18" charset="0"/>
+              </a:rPr>
+              <a:t>）和其他半導體設備的主要工藝之一</a:t>
+            </a:r>
+            <a:endParaRPr lang="en-US" altLang="zh-TW" sz="2000" dirty="0">
+              <a:latin typeface="Times" panose="02020603050405020304" pitchFamily="18" charset="0"/>
+              <a:ea typeface="標楷體" panose="03000509000000000000" pitchFamily="65" charset="-120"/>
+              <a:cs typeface="Times" panose="02020603050405020304" pitchFamily="18" charset="0"/>
+            </a:endParaRPr>
+          </a:p>
+          <a:p>
+            <a:pPr lvl="2">
+              <a:lnSpc>
+                <a:spcPct val="200000"/>
+              </a:lnSpc>
+            </a:pPr>
             <a:r>
               <a:rPr lang="zh-TW" altLang="en-US" sz="1800" dirty="0">
                 <a:latin typeface="Times" panose="02020603050405020304" pitchFamily="18" charset="0"/>
                 <a:ea typeface="標楷體" panose="03000509000000000000" pitchFamily="65" charset="-120"/>
                 <a:cs typeface="Times" panose="02020603050405020304" pitchFamily="18" charset="0"/>
               </a:rPr>
-              <a:t>光學接近校正</a:t>
+              <a:t>將微細的電子元件、晶體管、電容器等結構準確地印刷在半導體材料上</a:t>
             </a:r>
             <a:endParaRPr lang="en-US" altLang="zh-TW" sz="1800" dirty="0">
+              <a:latin typeface="Times" panose="02020603050405020304" pitchFamily="18" charset="0"/>
+              <a:ea typeface="標楷體" panose="03000509000000000000" pitchFamily="65" charset="-120"/>
+              <a:cs typeface="Times" panose="02020603050405020304" pitchFamily="18" charset="0"/>
+            </a:endParaRPr>
+          </a:p>
+          <a:p>
+            <a:pPr>
+              <a:lnSpc>
+                <a:spcPct val="130000"/>
+              </a:lnSpc>
+            </a:pPr>
+            <a:endParaRPr lang="en-US" altLang="zh-TW" sz="2200" dirty="0">
               <a:latin typeface="Times" panose="02020603050405020304" pitchFamily="18" charset="0"/>
               <a:ea typeface="標楷體" panose="03000509000000000000" pitchFamily="65" charset="-120"/>
               <a:cs typeface="Times" panose="02020603050405020304" pitchFamily="18" charset="0"/>
@@ -17526,7 +20597,7 @@
     </p:spTree>
     <p:extLst>
       <p:ext uri="{BB962C8B-B14F-4D97-AF65-F5344CB8AC3E}">
-        <p14:creationId xmlns:p14="http://schemas.microsoft.com/office/powerpoint/2010/main" val="2950715950"/>
+        <p14:creationId xmlns:p14="http://schemas.microsoft.com/office/powerpoint/2010/main" val="615879837"/>
       </p:ext>
     </p:extLst>
   </p:cSld>
@@ -17613,7 +20684,7 @@
           <a:p>
             <a:pPr>
               <a:lnSpc>
-                <a:spcPct val="150000"/>
+                <a:spcPct val="200000"/>
               </a:lnSpc>
             </a:pPr>
             <a:r>
@@ -17622,149 +20693,54 @@
                 <a:ea typeface="標楷體" panose="03000509000000000000" pitchFamily="65" charset="-120"/>
                 <a:cs typeface="Times" panose="02020603050405020304" pitchFamily="18" charset="0"/>
               </a:rPr>
-              <a:t>Optical proximity correction (OPC)</a:t>
-            </a:r>
-          </a:p>
-          <a:p>
-            <a:pPr lvl="1">
+              <a:t>Due to the tiny scale of circuit device size, the influence of interference and diffraction will distort the image on the wafer very much.</a:t>
+            </a:r>
+          </a:p>
+          <a:p>
+            <a:pPr>
               <a:lnSpc>
-                <a:spcPct val="150000"/>
+                <a:spcPct val="200000"/>
               </a:lnSpc>
             </a:pPr>
             <a:r>
-              <a:rPr lang="en-US" altLang="zh-TW" sz="2000" dirty="0">
+              <a:rPr lang="en-US" altLang="zh-TW" sz="2200" dirty="0">
                 <a:latin typeface="Times" panose="02020603050405020304" pitchFamily="18" charset="0"/>
                 <a:ea typeface="標楷體" panose="03000509000000000000" pitchFamily="65" charset="-120"/>
                 <a:cs typeface="Times" panose="02020603050405020304" pitchFamily="18" charset="0"/>
               </a:rPr>
-              <a:t>Adjust the mask layout such that the output pattern approximates the target.</a:t>
+              <a:t>Lots of works are proposed to resolve this kind of distortion:</a:t>
             </a:r>
           </a:p>
           <a:p>
             <a:pPr lvl="1">
               <a:lnSpc>
-                <a:spcPct val="150000"/>
+                <a:spcPct val="200000"/>
               </a:lnSpc>
             </a:pPr>
             <a:r>
-              <a:rPr lang="en-US" altLang="zh-TW" sz="2000" dirty="0">
+              <a:rPr lang="en-US" altLang="zh-TW" sz="1800" dirty="0">
                 <a:latin typeface="Times" panose="02020603050405020304" pitchFamily="18" charset="0"/>
                 <a:ea typeface="標楷體" panose="03000509000000000000" pitchFamily="65" charset="-120"/>
                 <a:cs typeface="Times" panose="02020603050405020304" pitchFamily="18" charset="0"/>
               </a:rPr>
-              <a:t>Discrete the mask into the matrix, and use the </a:t>
-            </a:r>
-            <a:r>
-              <a:rPr lang="en-US" altLang="zh-TW" sz="2000" b="1" dirty="0">
+              <a:t>Optical proximity correction (OPC) </a:t>
+            </a:r>
+            <a:r>
+              <a:rPr lang="zh-TW" altLang="en-US" sz="1800" dirty="0">
                 <a:latin typeface="Times" panose="02020603050405020304" pitchFamily="18" charset="0"/>
                 <a:ea typeface="標楷體" panose="03000509000000000000" pitchFamily="65" charset="-120"/>
                 <a:cs typeface="Times" panose="02020603050405020304" pitchFamily="18" charset="0"/>
               </a:rPr>
-              <a:t>pixel-wise imaging function </a:t>
-            </a:r>
-            <a:r>
-              <a:rPr lang="en-US" altLang="zh-TW" sz="2000" dirty="0">
-                <a:latin typeface="Times" panose="02020603050405020304" pitchFamily="18" charset="0"/>
-                <a:ea typeface="標楷體" panose="03000509000000000000" pitchFamily="65" charset="-120"/>
-                <a:cs typeface="Times" panose="02020603050405020304" pitchFamily="18" charset="0"/>
-              </a:rPr>
-              <a:t>to characterize the imaging procedure.</a:t>
-            </a:r>
-          </a:p>
-          <a:p>
-            <a:pPr lvl="1">
-              <a:lnSpc>
-                <a:spcPct val="150000"/>
-              </a:lnSpc>
-            </a:pPr>
-            <a:r>
-              <a:rPr lang="en-US" altLang="zh-TW" sz="2000" dirty="0">
-                <a:latin typeface="Times" panose="02020603050405020304" pitchFamily="18" charset="0"/>
-                <a:ea typeface="標楷體" panose="03000509000000000000" pitchFamily="65" charset="-120"/>
-                <a:cs typeface="Times" panose="02020603050405020304" pitchFamily="18" charset="0"/>
-              </a:rPr>
-              <a:t>OPC process is model as an </a:t>
-            </a:r>
-            <a:r>
-              <a:rPr lang="en-US" altLang="zh-TW" sz="2000" b="1" dirty="0">
-                <a:latin typeface="Times" panose="02020603050405020304" pitchFamily="18" charset="0"/>
-                <a:ea typeface="標楷體" panose="03000509000000000000" pitchFamily="65" charset="-120"/>
-                <a:cs typeface="Times" panose="02020603050405020304" pitchFamily="18" charset="0"/>
-              </a:rPr>
-              <a:t>inverse</a:t>
-            </a:r>
-            <a:r>
-              <a:rPr lang="en-US" altLang="zh-TW" sz="2000" dirty="0">
-                <a:latin typeface="Times" panose="02020603050405020304" pitchFamily="18" charset="0"/>
-                <a:ea typeface="標楷體" panose="03000509000000000000" pitchFamily="65" charset="-120"/>
-                <a:cs typeface="Times" panose="02020603050405020304" pitchFamily="18" charset="0"/>
-              </a:rPr>
-              <a:t> </a:t>
-            </a:r>
-            <a:r>
-              <a:rPr lang="en-US" altLang="zh-TW" sz="2000" b="1" dirty="0">
-                <a:latin typeface="Times" panose="02020603050405020304" pitchFamily="18" charset="0"/>
-                <a:ea typeface="標楷體" panose="03000509000000000000" pitchFamily="65" charset="-120"/>
-                <a:cs typeface="Times" panose="02020603050405020304" pitchFamily="18" charset="0"/>
-              </a:rPr>
-              <a:t>problem</a:t>
-            </a:r>
-            <a:r>
-              <a:rPr lang="en-US" altLang="zh-TW" sz="2000" dirty="0">
-                <a:latin typeface="Times" panose="02020603050405020304" pitchFamily="18" charset="0"/>
-                <a:ea typeface="標楷體" panose="03000509000000000000" pitchFamily="65" charset="-120"/>
-                <a:cs typeface="Times" panose="02020603050405020304" pitchFamily="18" charset="0"/>
-              </a:rPr>
-              <a:t>, and is also called as inverse lithography techniques </a:t>
-            </a:r>
-            <a:r>
-              <a:rPr lang="en-US" altLang="zh-TW" sz="2000" b="1" dirty="0">
-                <a:latin typeface="Times" panose="02020603050405020304" pitchFamily="18" charset="0"/>
-                <a:ea typeface="標楷體" panose="03000509000000000000" pitchFamily="65" charset="-120"/>
-                <a:cs typeface="Times" panose="02020603050405020304" pitchFamily="18" charset="0"/>
-              </a:rPr>
-              <a:t>(ILT)</a:t>
-            </a:r>
-            <a:r>
-              <a:rPr lang="en-US" altLang="zh-TW" sz="2000" dirty="0">
-                <a:latin typeface="Times" panose="02020603050405020304" pitchFamily="18" charset="0"/>
-                <a:ea typeface="標楷體" panose="03000509000000000000" pitchFamily="65" charset="-120"/>
-                <a:cs typeface="Times" panose="02020603050405020304" pitchFamily="18" charset="0"/>
-              </a:rPr>
-              <a:t>.</a:t>
-            </a:r>
-          </a:p>
-          <a:p>
-            <a:pPr lvl="1">
-              <a:lnSpc>
-                <a:spcPct val="150000"/>
-              </a:lnSpc>
-            </a:pPr>
-            <a:r>
-              <a:rPr lang="en-US" altLang="zh-TW" sz="2000" dirty="0">
-                <a:latin typeface="Times" panose="02020603050405020304" pitchFamily="18" charset="0"/>
-                <a:ea typeface="標楷體" panose="03000509000000000000" pitchFamily="65" charset="-120"/>
-                <a:cs typeface="Times" panose="02020603050405020304" pitchFamily="18" charset="0"/>
-              </a:rPr>
-              <a:t>Inverse problem is formulated as the </a:t>
-            </a:r>
-            <a:r>
-              <a:rPr lang="en-US" altLang="zh-TW" sz="2000" b="1" dirty="0">
-                <a:latin typeface="Times" panose="02020603050405020304" pitchFamily="18" charset="0"/>
-                <a:ea typeface="標楷體" panose="03000509000000000000" pitchFamily="65" charset="-120"/>
-                <a:cs typeface="Times" panose="02020603050405020304" pitchFamily="18" charset="0"/>
-              </a:rPr>
-              <a:t>non-convex optimization problem </a:t>
-            </a:r>
-            <a:r>
-              <a:rPr lang="en-US" altLang="zh-TW" sz="2000" dirty="0">
-                <a:latin typeface="Times" panose="02020603050405020304" pitchFamily="18" charset="0"/>
-                <a:ea typeface="標楷體" panose="03000509000000000000" pitchFamily="65" charset="-120"/>
-                <a:cs typeface="Times" panose="02020603050405020304" pitchFamily="18" charset="0"/>
-              </a:rPr>
-              <a:t>with respect to the matrix elements.</a:t>
-            </a:r>
-            <a:endParaRPr lang="zh-TW" altLang="en-US" sz="2000" dirty="0">
+              <a:t>光學接近校正</a:t>
+            </a:r>
+            <a:endParaRPr lang="en-US" altLang="zh-TW" sz="1800" dirty="0">
+              <a:latin typeface="Times" panose="02020603050405020304" pitchFamily="18" charset="0"/>
+              <a:ea typeface="標楷體" panose="03000509000000000000" pitchFamily="65" charset="-120"/>
+              <a:cs typeface="Times" panose="02020603050405020304" pitchFamily="18" charset="0"/>
+            </a:endParaRPr>
+          </a:p>
+          <a:p>
+            <a:endParaRPr lang="zh-TW" altLang="en-US" sz="2200" dirty="0">
               <a:latin typeface="Times" panose="02020603050405020304" pitchFamily="18" charset="0"/>
               <a:ea typeface="標楷體" panose="03000509000000000000" pitchFamily="65" charset="-120"/>
               <a:cs typeface="Times" panose="02020603050405020304" pitchFamily="18" charset="0"/>
@@ -17796,6 +20772,284 @@
             <a:fld id="{666274A1-CF9C-426A-8DD4-B13ED0C24231}" type="slidenum">
               <a:rPr lang="en-US" smtClean="0"/>
               <a:t>4</a:t>
+            </a:fld>
+            <a:endParaRPr lang="en-US"/>
+          </a:p>
+        </p:txBody>
+      </p:sp>
+    </p:spTree>
+    <p:extLst>
+      <p:ext uri="{BB962C8B-B14F-4D97-AF65-F5344CB8AC3E}">
+        <p14:creationId xmlns:p14="http://schemas.microsoft.com/office/powerpoint/2010/main" val="2950715950"/>
+      </p:ext>
+    </p:extLst>
+  </p:cSld>
+  <p:clrMapOvr>
+    <a:masterClrMapping/>
+  </p:clrMapOvr>
+</p:sld>
+</file>
+
+<file path=ppt/slides/slide6.xml><?xml version="1.0" encoding="utf-8"?>
+<p:sld xmlns:a="http://schemas.openxmlformats.org/drawingml/2006/main" xmlns:r="http://schemas.openxmlformats.org/officeDocument/2006/relationships" xmlns:p="http://schemas.openxmlformats.org/presentationml/2006/main">
+  <p:cSld>
+    <p:spTree>
+      <p:nvGrpSpPr>
+        <p:cNvPr id="1" name=""/>
+        <p:cNvGrpSpPr/>
+        <p:nvPr/>
+      </p:nvGrpSpPr>
+      <p:grpSpPr>
+        <a:xfrm>
+          <a:off x="0" y="0"/>
+          <a:ext cx="0" cy="0"/>
+          <a:chOff x="0" y="0"/>
+          <a:chExt cx="0" cy="0"/>
+        </a:xfrm>
+      </p:grpSpPr>
+      <p:sp>
+        <p:nvSpPr>
+          <p:cNvPr id="2" name="標題 1">
+            <a:extLst>
+              <a:ext uri="{FF2B5EF4-FFF2-40B4-BE49-F238E27FC236}">
+                <a16:creationId xmlns:a16="http://schemas.microsoft.com/office/drawing/2014/main" id="{5CEA9D29-2BBD-0E1E-DBD3-F6145D6CBC63}"/>
+              </a:ext>
+            </a:extLst>
+          </p:cNvPr>
+          <p:cNvSpPr>
+            <a:spLocks noGrp="1"/>
+          </p:cNvSpPr>
+          <p:nvPr>
+            <p:ph type="title"/>
+          </p:nvPr>
+        </p:nvSpPr>
+        <p:spPr/>
+        <p:txBody>
+          <a:bodyPr/>
+          <a:lstStyle/>
+          <a:p>
+            <a:r>
+              <a:rPr lang="en-US" altLang="zh-TW" sz="4000" dirty="0">
+                <a:latin typeface="Times" panose="02020603050405020304" pitchFamily="18" charset="0"/>
+                <a:cs typeface="Times" panose="02020603050405020304" pitchFamily="18" charset="0"/>
+              </a:rPr>
+              <a:t>Introduction</a:t>
+            </a:r>
+            <a:endParaRPr lang="zh-TW" altLang="en-US" dirty="0">
+              <a:latin typeface="Times" panose="02020603050405020304" pitchFamily="18" charset="0"/>
+              <a:cs typeface="Times" panose="02020603050405020304" pitchFamily="18" charset="0"/>
+            </a:endParaRPr>
+          </a:p>
+        </p:txBody>
+      </p:sp>
+      <p:sp>
+        <p:nvSpPr>
+          <p:cNvPr id="3" name="內容版面配置區 2">
+            <a:extLst>
+              <a:ext uri="{FF2B5EF4-FFF2-40B4-BE49-F238E27FC236}">
+                <a16:creationId xmlns:a16="http://schemas.microsoft.com/office/drawing/2014/main" id="{CD74F3A4-97A5-7640-801C-D093727610C1}"/>
+              </a:ext>
+            </a:extLst>
+          </p:cNvPr>
+          <p:cNvSpPr>
+            <a:spLocks noGrp="1"/>
+          </p:cNvSpPr>
+          <p:nvPr>
+            <p:ph idx="1"/>
+          </p:nvPr>
+        </p:nvSpPr>
+        <p:spPr/>
+        <p:txBody>
+          <a:bodyPr>
+            <a:normAutofit/>
+          </a:bodyPr>
+          <a:lstStyle/>
+          <a:p>
+            <a:pPr>
+              <a:lnSpc>
+                <a:spcPct val="150000"/>
+              </a:lnSpc>
+            </a:pPr>
+            <a:r>
+              <a:rPr lang="en-US" altLang="zh-TW" sz="2200" dirty="0">
+                <a:latin typeface="Times" panose="02020603050405020304" pitchFamily="18" charset="0"/>
+                <a:ea typeface="標楷體" panose="03000509000000000000" pitchFamily="65" charset="-120"/>
+                <a:cs typeface="Times" panose="02020603050405020304" pitchFamily="18" charset="0"/>
+              </a:rPr>
+              <a:t>Optical proximity correction (OPC)</a:t>
+            </a:r>
+          </a:p>
+          <a:p>
+            <a:pPr lvl="1">
+              <a:lnSpc>
+                <a:spcPct val="150000"/>
+              </a:lnSpc>
+            </a:pPr>
+            <a:r>
+              <a:rPr lang="en-US" altLang="zh-TW" sz="2000" dirty="0">
+                <a:latin typeface="Times" panose="02020603050405020304" pitchFamily="18" charset="0"/>
+                <a:ea typeface="標楷體" panose="03000509000000000000" pitchFamily="65" charset="-120"/>
+                <a:cs typeface="Times" panose="02020603050405020304" pitchFamily="18" charset="0"/>
+              </a:rPr>
+              <a:t>Adjust the mask layout such that the output pattern approximates the target.</a:t>
+            </a:r>
+          </a:p>
+          <a:p>
+            <a:pPr lvl="1">
+              <a:lnSpc>
+                <a:spcPct val="150000"/>
+              </a:lnSpc>
+            </a:pPr>
+            <a:r>
+              <a:rPr lang="en-US" altLang="zh-TW" sz="2000" dirty="0">
+                <a:latin typeface="Times" panose="02020603050405020304" pitchFamily="18" charset="0"/>
+                <a:ea typeface="標楷體" panose="03000509000000000000" pitchFamily="65" charset="-120"/>
+                <a:cs typeface="Times" panose="02020603050405020304" pitchFamily="18" charset="0"/>
+              </a:rPr>
+              <a:t>Discrete the mask into the matrix, and use the </a:t>
+            </a:r>
+            <a:r>
+              <a:rPr lang="en-US" altLang="zh-TW" sz="2000" b="1" dirty="0">
+                <a:latin typeface="Times" panose="02020603050405020304" pitchFamily="18" charset="0"/>
+                <a:ea typeface="標楷體" panose="03000509000000000000" pitchFamily="65" charset="-120"/>
+                <a:cs typeface="Times" panose="02020603050405020304" pitchFamily="18" charset="0"/>
+              </a:rPr>
+              <a:t>pixel-wise imaging function </a:t>
+            </a:r>
+            <a:r>
+              <a:rPr lang="en-US" altLang="zh-TW" sz="2000" dirty="0">
+                <a:latin typeface="Times" panose="02020603050405020304" pitchFamily="18" charset="0"/>
+                <a:ea typeface="標楷體" panose="03000509000000000000" pitchFamily="65" charset="-120"/>
+                <a:cs typeface="Times" panose="02020603050405020304" pitchFamily="18" charset="0"/>
+              </a:rPr>
+              <a:t>to characterize the imaging procedure.</a:t>
+            </a:r>
+          </a:p>
+          <a:p>
+            <a:pPr lvl="1">
+              <a:lnSpc>
+                <a:spcPct val="150000"/>
+              </a:lnSpc>
+            </a:pPr>
+            <a:r>
+              <a:rPr lang="en-US" altLang="zh-TW" sz="2000" dirty="0">
+                <a:latin typeface="Times" panose="02020603050405020304" pitchFamily="18" charset="0"/>
+                <a:ea typeface="標楷體" panose="03000509000000000000" pitchFamily="65" charset="-120"/>
+                <a:cs typeface="Times" panose="02020603050405020304" pitchFamily="18" charset="0"/>
+              </a:rPr>
+              <a:t>OPC process is model as an </a:t>
+            </a:r>
+            <a:r>
+              <a:rPr lang="en-US" altLang="zh-TW" sz="2000" b="1" dirty="0">
+                <a:latin typeface="Times" panose="02020603050405020304" pitchFamily="18" charset="0"/>
+                <a:ea typeface="標楷體" panose="03000509000000000000" pitchFamily="65" charset="-120"/>
+                <a:cs typeface="Times" panose="02020603050405020304" pitchFamily="18" charset="0"/>
+              </a:rPr>
+              <a:t>inverse</a:t>
+            </a:r>
+            <a:r>
+              <a:rPr lang="en-US" altLang="zh-TW" sz="2000" dirty="0">
+                <a:latin typeface="Times" panose="02020603050405020304" pitchFamily="18" charset="0"/>
+                <a:ea typeface="標楷體" panose="03000509000000000000" pitchFamily="65" charset="-120"/>
+                <a:cs typeface="Times" panose="02020603050405020304" pitchFamily="18" charset="0"/>
+              </a:rPr>
+              <a:t> </a:t>
+            </a:r>
+            <a:r>
+              <a:rPr lang="en-US" altLang="zh-TW" sz="2000" b="1" dirty="0">
+                <a:latin typeface="Times" panose="02020603050405020304" pitchFamily="18" charset="0"/>
+                <a:ea typeface="標楷體" panose="03000509000000000000" pitchFamily="65" charset="-120"/>
+                <a:cs typeface="Times" panose="02020603050405020304" pitchFamily="18" charset="0"/>
+              </a:rPr>
+              <a:t>problem</a:t>
+            </a:r>
+            <a:r>
+              <a:rPr lang="en-US" altLang="zh-TW" sz="2000" dirty="0">
+                <a:latin typeface="Times" panose="02020603050405020304" pitchFamily="18" charset="0"/>
+                <a:ea typeface="標楷體" panose="03000509000000000000" pitchFamily="65" charset="-120"/>
+                <a:cs typeface="Times" panose="02020603050405020304" pitchFamily="18" charset="0"/>
+              </a:rPr>
+              <a:t>, and is also called as inverse lithography techniques </a:t>
+            </a:r>
+            <a:r>
+              <a:rPr lang="en-US" altLang="zh-TW" sz="2000" b="1" dirty="0">
+                <a:latin typeface="Times" panose="02020603050405020304" pitchFamily="18" charset="0"/>
+                <a:ea typeface="標楷體" panose="03000509000000000000" pitchFamily="65" charset="-120"/>
+                <a:cs typeface="Times" panose="02020603050405020304" pitchFamily="18" charset="0"/>
+              </a:rPr>
+              <a:t>(ILT)</a:t>
+            </a:r>
+            <a:r>
+              <a:rPr lang="en-US" altLang="zh-TW" sz="2000" dirty="0">
+                <a:latin typeface="Times" panose="02020603050405020304" pitchFamily="18" charset="0"/>
+                <a:ea typeface="標楷體" panose="03000509000000000000" pitchFamily="65" charset="-120"/>
+                <a:cs typeface="Times" panose="02020603050405020304" pitchFamily="18" charset="0"/>
+              </a:rPr>
+              <a:t>.</a:t>
+            </a:r>
+          </a:p>
+          <a:p>
+            <a:pPr lvl="1">
+              <a:lnSpc>
+                <a:spcPct val="150000"/>
+              </a:lnSpc>
+            </a:pPr>
+            <a:r>
+              <a:rPr lang="en-US" altLang="zh-TW" sz="2000" dirty="0">
+                <a:latin typeface="Times" panose="02020603050405020304" pitchFamily="18" charset="0"/>
+                <a:ea typeface="標楷體" panose="03000509000000000000" pitchFamily="65" charset="-120"/>
+                <a:cs typeface="Times" panose="02020603050405020304" pitchFamily="18" charset="0"/>
+              </a:rPr>
+              <a:t>Inverse problem is formulated as the </a:t>
+            </a:r>
+            <a:r>
+              <a:rPr lang="en-US" altLang="zh-TW" sz="2000" b="1" dirty="0">
+                <a:latin typeface="Times" panose="02020603050405020304" pitchFamily="18" charset="0"/>
+                <a:ea typeface="標楷體" panose="03000509000000000000" pitchFamily="65" charset="-120"/>
+                <a:cs typeface="Times" panose="02020603050405020304" pitchFamily="18" charset="0"/>
+              </a:rPr>
+              <a:t>non-convex optimization problem </a:t>
+            </a:r>
+            <a:r>
+              <a:rPr lang="en-US" altLang="zh-TW" sz="2000" dirty="0">
+                <a:latin typeface="Times" panose="02020603050405020304" pitchFamily="18" charset="0"/>
+                <a:ea typeface="標楷體" panose="03000509000000000000" pitchFamily="65" charset="-120"/>
+                <a:cs typeface="Times" panose="02020603050405020304" pitchFamily="18" charset="0"/>
+              </a:rPr>
+              <a:t>with respect to the matrix elements.</a:t>
+            </a:r>
+            <a:endParaRPr lang="zh-TW" altLang="en-US" sz="2000" dirty="0">
+              <a:latin typeface="Times" panose="02020603050405020304" pitchFamily="18" charset="0"/>
+              <a:ea typeface="標楷體" panose="03000509000000000000" pitchFamily="65" charset="-120"/>
+              <a:cs typeface="Times" panose="02020603050405020304" pitchFamily="18" charset="0"/>
+            </a:endParaRPr>
+          </a:p>
+        </p:txBody>
+      </p:sp>
+      <p:sp>
+        <p:nvSpPr>
+          <p:cNvPr id="4" name="投影片編號版面配置區 3">
+            <a:extLst>
+              <a:ext uri="{FF2B5EF4-FFF2-40B4-BE49-F238E27FC236}">
+                <a16:creationId xmlns:a16="http://schemas.microsoft.com/office/drawing/2014/main" id="{98B5C8A6-9E09-A340-C475-439F204D7E17}"/>
+              </a:ext>
+            </a:extLst>
+          </p:cNvPr>
+          <p:cNvSpPr>
+            <a:spLocks noGrp="1"/>
+          </p:cNvSpPr>
+          <p:nvPr>
+            <p:ph type="sldNum" sz="quarter" idx="12"/>
+          </p:nvPr>
+        </p:nvSpPr>
+        <p:spPr/>
+        <p:txBody>
+          <a:bodyPr/>
+          <a:lstStyle/>
+          <a:p>
+            <a:fld id="{666274A1-CF9C-426A-8DD4-B13ED0C24231}" type="slidenum">
+              <a:rPr lang="en-US" smtClean="0"/>
+              <a:t>5</a:t>
             </a:fld>
             <a:endParaRPr lang="en-US"/>
           </a:p>
@@ -17814,7 +21068,7 @@
 </p:sld>
 </file>
 
-<file path=ppt/slides/slide6.xml><?xml version="1.0" encoding="utf-8"?>
+<file path=ppt/slides/slide7.xml><?xml version="1.0" encoding="utf-8"?>
 <p:sld xmlns:a="http://schemas.openxmlformats.org/drawingml/2006/main" xmlns:r="http://schemas.openxmlformats.org/officeDocument/2006/relationships" xmlns:p="http://schemas.openxmlformats.org/presentationml/2006/main" show="0">
   <p:cSld>
     <p:spTree>
@@ -18002,7 +21256,7 @@
           <a:p>
             <a:fld id="{666274A1-CF9C-426A-8DD4-B13ED0C24231}" type="slidenum">
               <a:rPr lang="en-US" smtClean="0"/>
-              <a:t>5</a:t>
+              <a:t>6</a:t>
             </a:fld>
             <a:endParaRPr lang="en-US" dirty="0"/>
           </a:p>
@@ -18021,7 +21275,7 @@
 </p:sld>
 </file>
 
-<file path=ppt/slides/slide7.xml><?xml version="1.0" encoding="utf-8"?>
+<file path=ppt/slides/slide8.xml><?xml version="1.0" encoding="utf-8"?>
 <p:sld xmlns:a="http://schemas.openxmlformats.org/drawingml/2006/main" xmlns:r="http://schemas.openxmlformats.org/officeDocument/2006/relationships" xmlns:p="http://schemas.openxmlformats.org/presentationml/2006/main">
   <p:cSld>
     <p:spTree>
@@ -18073,8 +21327,8 @@
           </a:p>
         </p:txBody>
       </p:sp>
-      <mc:AlternateContent xmlns:mc="http://schemas.openxmlformats.org/markup-compatibility/2006">
-        <mc:Choice xmlns:a14="http://schemas.microsoft.com/office/drawing/2010/main" Requires="a14">
+      <mc:AlternateContent xmlns:mc="http://schemas.openxmlformats.org/markup-compatibility/2006" xmlns:a14="http://schemas.microsoft.com/office/drawing/2010/main">
+        <mc:Choice Requires="a14">
           <p:sp>
             <p:nvSpPr>
               <p:cNvPr id="3" name="內容版面配置區 2">
@@ -18372,7 +21626,7 @@
             </p:txBody>
           </p:sp>
         </mc:Choice>
-        <mc:Fallback>
+        <mc:Fallback xmlns="">
           <p:sp>
             <p:nvSpPr>
               <p:cNvPr id="3" name="內容版面配置區 2">
@@ -18439,7 +21693,7 @@
           <a:p>
             <a:fld id="{666274A1-CF9C-426A-8DD4-B13ED0C24231}" type="slidenum">
               <a:rPr lang="en-US" smtClean="0"/>
-              <a:t>6</a:t>
+              <a:t>7</a:t>
             </a:fld>
             <a:endParaRPr lang="en-US" dirty="0"/>
           </a:p>
@@ -18458,7 +21712,7 @@
 </p:sld>
 </file>
 
-<file path=ppt/slides/slide8.xml><?xml version="1.0" encoding="utf-8"?>
+<file path=ppt/slides/slide9.xml><?xml version="1.0" encoding="utf-8"?>
 <p:sld xmlns:a="http://schemas.openxmlformats.org/drawingml/2006/main" xmlns:r="http://schemas.openxmlformats.org/officeDocument/2006/relationships" xmlns:p="http://schemas.openxmlformats.org/presentationml/2006/main">
   <p:cSld>
     <p:spTree>
@@ -18791,7 +22045,7 @@
           <a:p>
             <a:fld id="{666274A1-CF9C-426A-8DD4-B13ED0C24231}" type="slidenum">
               <a:rPr lang="en-US" smtClean="0"/>
-              <a:t>7</a:t>
+              <a:t>8</a:t>
             </a:fld>
             <a:endParaRPr lang="en-US" dirty="0"/>
           </a:p>
@@ -18801,693 +22055,6 @@
     <p:extLst>
       <p:ext uri="{BB962C8B-B14F-4D97-AF65-F5344CB8AC3E}">
         <p14:creationId xmlns:p14="http://schemas.microsoft.com/office/powerpoint/2010/main" val="1414771689"/>
-      </p:ext>
-    </p:extLst>
-  </p:cSld>
-  <p:clrMapOvr>
-    <a:masterClrMapping/>
-  </p:clrMapOvr>
-</p:sld>
-</file>
-
-<file path=ppt/slides/slide9.xml><?xml version="1.0" encoding="utf-8"?>
-<p:sld xmlns:a="http://schemas.openxmlformats.org/drawingml/2006/main" xmlns:r="http://schemas.openxmlformats.org/officeDocument/2006/relationships" xmlns:p="http://schemas.openxmlformats.org/presentationml/2006/main">
-  <p:cSld>
-    <p:spTree>
-      <p:nvGrpSpPr>
-        <p:cNvPr id="1" name=""/>
-        <p:cNvGrpSpPr/>
-        <p:nvPr/>
-      </p:nvGrpSpPr>
-      <p:grpSpPr>
-        <a:xfrm>
-          <a:off x="0" y="0"/>
-          <a:ext cx="0" cy="0"/>
-          <a:chOff x="0" y="0"/>
-          <a:chExt cx="0" cy="0"/>
-        </a:xfrm>
-      </p:grpSpPr>
-      <p:sp>
-        <p:nvSpPr>
-          <p:cNvPr id="2" name="標題 1">
-            <a:extLst>
-              <a:ext uri="{FF2B5EF4-FFF2-40B4-BE49-F238E27FC236}">
-                <a16:creationId xmlns:a16="http://schemas.microsoft.com/office/drawing/2014/main" id="{5CEA9D29-2BBD-0E1E-DBD3-F6145D6CBC63}"/>
-              </a:ext>
-            </a:extLst>
-          </p:cNvPr>
-          <p:cNvSpPr>
-            <a:spLocks noGrp="1"/>
-          </p:cNvSpPr>
-          <p:nvPr>
-            <p:ph type="title"/>
-          </p:nvPr>
-        </p:nvSpPr>
-        <p:spPr/>
-        <p:txBody>
-          <a:bodyPr/>
-          <a:lstStyle/>
-          <a:p>
-            <a:r>
-              <a:rPr lang="en-US" altLang="zh-TW" sz="4000" dirty="0">
-                <a:latin typeface="Times" panose="02020603050405020304" pitchFamily="18" charset="0"/>
-                <a:cs typeface="Times" panose="02020603050405020304" pitchFamily="18" charset="0"/>
-              </a:rPr>
-              <a:t>Preliminaries</a:t>
-            </a:r>
-            <a:endParaRPr lang="zh-TW" altLang="en-US" dirty="0">
-              <a:latin typeface="Times" panose="02020603050405020304" pitchFamily="18" charset="0"/>
-              <a:cs typeface="Times" panose="02020603050405020304" pitchFamily="18" charset="0"/>
-            </a:endParaRPr>
-          </a:p>
-        </p:txBody>
-      </p:sp>
-      <mc:AlternateContent xmlns:mc="http://schemas.openxmlformats.org/markup-compatibility/2006" xmlns:a14="http://schemas.microsoft.com/office/drawing/2010/main">
-        <mc:Choice Requires="a14">
-          <p:sp>
-            <p:nvSpPr>
-              <p:cNvPr id="3" name="內容版面配置區 2">
-                <a:extLst>
-                  <a:ext uri="{FF2B5EF4-FFF2-40B4-BE49-F238E27FC236}">
-                    <a16:creationId xmlns:a16="http://schemas.microsoft.com/office/drawing/2014/main" id="{CD74F3A4-97A5-7640-801C-D093727610C1}"/>
-                  </a:ext>
-                </a:extLst>
-              </p:cNvPr>
-              <p:cNvSpPr>
-                <a:spLocks noGrp="1"/>
-              </p:cNvSpPr>
-              <p:nvPr>
-                <p:ph idx="1"/>
-              </p:nvPr>
-            </p:nvSpPr>
-            <p:spPr/>
-            <p:txBody>
-              <a:bodyPr>
-                <a:normAutofit/>
-              </a:bodyPr>
-              <a:lstStyle/>
-              <a:p>
-                <a:pPr>
-                  <a:lnSpc>
-                    <a:spcPct val="150000"/>
-                  </a:lnSpc>
-                </a:pPr>
-                <a:r>
-                  <a:rPr lang="en-US" altLang="zh-TW" sz="2200" dirty="0">
-                    <a:latin typeface="Times" panose="02020603050405020304" pitchFamily="18" charset="0"/>
-                    <a:ea typeface="標楷體" panose="03000509000000000000" pitchFamily="65" charset="-120"/>
-                    <a:cs typeface="Times" panose="02020603050405020304" pitchFamily="18" charset="0"/>
-                  </a:rPr>
-                  <a:t>Most common objective function of the ILT problem is the misfit between the image on wafer and the target pattern:</a:t>
-                </a:r>
-              </a:p>
-              <a:p>
-                <a:pPr lvl="1">
-                  <a:lnSpc>
-                    <a:spcPct val="150000"/>
-                  </a:lnSpc>
-                </a:pPr>
-                <a:r>
-                  <a:rPr lang="en-US" altLang="zh-TW" sz="2000" dirty="0">
-                    <a:latin typeface="Times" panose="02020603050405020304" pitchFamily="18" charset="0"/>
-                    <a:ea typeface="標楷體" panose="03000509000000000000" pitchFamily="65" charset="-120"/>
-                    <a:cs typeface="Times" panose="02020603050405020304" pitchFamily="18" charset="0"/>
-                  </a:rPr>
-                  <a:t>Mask :</a:t>
-                </a:r>
-                <a:r>
-                  <a:rPr lang="zh-TW" altLang="en-US" sz="2000" dirty="0">
-                    <a:latin typeface="Times" panose="02020603050405020304" pitchFamily="18" charset="0"/>
-                    <a:ea typeface="標楷體" panose="03000509000000000000" pitchFamily="65" charset="-120"/>
-                    <a:cs typeface="Times" panose="02020603050405020304" pitchFamily="18" charset="0"/>
-                  </a:rPr>
-                  <a:t>  </a:t>
-                </a:r>
-                <a14:m>
-                  <m:oMath xmlns:m="http://schemas.openxmlformats.org/officeDocument/2006/math">
-                    <m:r>
-                      <a:rPr lang="en-US" altLang="zh-TW" sz="2000" b="0" i="1" smtClean="0">
-                        <a:latin typeface="Cambria Math" panose="02040503050406030204" pitchFamily="18" charset="0"/>
-                        <a:ea typeface="標楷體" panose="03000509000000000000" pitchFamily="65" charset="-120"/>
-                        <a:cs typeface="Times" panose="02020603050405020304" pitchFamily="18" charset="0"/>
-                      </a:rPr>
-                      <m:t>𝑈</m:t>
-                    </m:r>
-                    <m:r>
-                      <a:rPr lang="en-US" altLang="zh-TW" sz="2000" b="0" i="1" smtClean="0">
-                        <a:latin typeface="Cambria Math" panose="02040503050406030204" pitchFamily="18" charset="0"/>
-                        <a:ea typeface="標楷體" panose="03000509000000000000" pitchFamily="65" charset="-120"/>
-                        <a:cs typeface="Times" panose="02020603050405020304" pitchFamily="18" charset="0"/>
-                      </a:rPr>
-                      <m:t> ∈ </m:t>
-                    </m:r>
-                    <m:sSup>
-                      <m:sSupPr>
-                        <m:ctrlPr>
-                          <a:rPr lang="en-US" altLang="zh-TW" sz="2000" b="0" i="1" smtClean="0">
-                            <a:latin typeface="Cambria Math" panose="02040503050406030204" pitchFamily="18" charset="0"/>
-                            <a:ea typeface="Cambria Math" panose="02040503050406030204" pitchFamily="18" charset="0"/>
-                            <a:cs typeface="Times" panose="02020603050405020304" pitchFamily="18" charset="0"/>
-                          </a:rPr>
-                        </m:ctrlPr>
-                      </m:sSupPr>
-                      <m:e>
-                        <m:r>
-                          <a:rPr lang="en-US" altLang="zh-TW" sz="2000" i="1">
-                            <a:latin typeface="Cambria Math" panose="02040503050406030204" pitchFamily="18" charset="0"/>
-                            <a:ea typeface="Cambria Math" panose="02040503050406030204" pitchFamily="18" charset="0"/>
-                            <a:cs typeface="Times" panose="02020603050405020304" pitchFamily="18" charset="0"/>
-                          </a:rPr>
-                          <m:t>ℝ</m:t>
-                        </m:r>
-                      </m:e>
-                      <m:sup>
-                        <m:r>
-                          <a:rPr lang="en-US" altLang="zh-TW" sz="2000" b="0" i="1" smtClean="0">
-                            <a:latin typeface="Cambria Math" panose="02040503050406030204" pitchFamily="18" charset="0"/>
-                            <a:ea typeface="Cambria Math" panose="02040503050406030204" pitchFamily="18" charset="0"/>
-                            <a:cs typeface="Times" panose="02020603050405020304" pitchFamily="18" charset="0"/>
-                          </a:rPr>
-                          <m:t>𝑁</m:t>
-                        </m:r>
-                        <m:r>
-                          <a:rPr lang="en-US" altLang="zh-TW" sz="2000" b="0" i="1" smtClean="0">
-                            <a:latin typeface="Cambria Math" panose="02040503050406030204" pitchFamily="18" charset="0"/>
-                            <a:ea typeface="Cambria Math" panose="02040503050406030204" pitchFamily="18" charset="0"/>
-                            <a:cs typeface="Times" panose="02020603050405020304" pitchFamily="18" charset="0"/>
-                          </a:rPr>
-                          <m:t>×</m:t>
-                        </m:r>
-                        <m:r>
-                          <a:rPr lang="en-US" altLang="zh-TW" sz="2000" b="0" i="1" smtClean="0">
-                            <a:latin typeface="Cambria Math" panose="02040503050406030204" pitchFamily="18" charset="0"/>
-                            <a:ea typeface="Cambria Math" panose="02040503050406030204" pitchFamily="18" charset="0"/>
-                            <a:cs typeface="Times" panose="02020603050405020304" pitchFamily="18" charset="0"/>
-                          </a:rPr>
-                          <m:t>𝑁</m:t>
-                        </m:r>
-                      </m:sup>
-                    </m:sSup>
-                    <m:r>
-                      <a:rPr lang="en-US" altLang="zh-TW" sz="2000" b="0" i="1" smtClean="0">
-                        <a:latin typeface="Cambria Math" panose="02040503050406030204" pitchFamily="18" charset="0"/>
-                        <a:ea typeface="Cambria Math" panose="02040503050406030204" pitchFamily="18" charset="0"/>
-                        <a:cs typeface="Times" panose="02020603050405020304" pitchFamily="18" charset="0"/>
-                      </a:rPr>
-                      <m:t>, </m:t>
-                    </m:r>
-                    <m:sSub>
-                      <m:sSubPr>
-                        <m:ctrlPr>
-                          <a:rPr lang="en-US" altLang="zh-TW" sz="2000" b="0" i="1" smtClean="0">
-                            <a:latin typeface="Cambria Math" panose="02040503050406030204" pitchFamily="18" charset="0"/>
-                            <a:ea typeface="Cambria Math" panose="02040503050406030204" pitchFamily="18" charset="0"/>
-                            <a:cs typeface="Times" panose="02020603050405020304" pitchFamily="18" charset="0"/>
-                          </a:rPr>
-                        </m:ctrlPr>
-                      </m:sSubPr>
-                      <m:e>
-                        <m:r>
-                          <a:rPr lang="en-US" altLang="zh-TW" sz="2000" b="0" i="1" smtClean="0">
-                            <a:latin typeface="Cambria Math" panose="02040503050406030204" pitchFamily="18" charset="0"/>
-                            <a:ea typeface="Cambria Math" panose="02040503050406030204" pitchFamily="18" charset="0"/>
-                            <a:cs typeface="Times" panose="02020603050405020304" pitchFamily="18" charset="0"/>
-                          </a:rPr>
-                          <m:t>𝑈</m:t>
-                        </m:r>
-                      </m:e>
-                      <m:sub>
-                        <m:r>
-                          <a:rPr lang="en-US" altLang="zh-TW" sz="2000" b="0" i="1" smtClean="0">
-                            <a:latin typeface="Cambria Math" panose="02040503050406030204" pitchFamily="18" charset="0"/>
-                            <a:ea typeface="Cambria Math" panose="02040503050406030204" pitchFamily="18" charset="0"/>
-                            <a:cs typeface="Times" panose="02020603050405020304" pitchFamily="18" charset="0"/>
-                          </a:rPr>
-                          <m:t>𝑖𝑗</m:t>
-                        </m:r>
-                      </m:sub>
-                    </m:sSub>
-                    <m:r>
-                      <a:rPr lang="en-US" altLang="zh-TW" sz="2000" b="0" i="1" smtClean="0">
-                        <a:latin typeface="Cambria Math" panose="02040503050406030204" pitchFamily="18" charset="0"/>
-                        <a:ea typeface="Cambria Math" panose="02040503050406030204" pitchFamily="18" charset="0"/>
-                        <a:cs typeface="Times" panose="02020603050405020304" pitchFamily="18" charset="0"/>
-                      </a:rPr>
-                      <m:t> ∈(0, 1)</m:t>
-                    </m:r>
-                  </m:oMath>
-                </a14:m>
-                <a:r>
-                  <a:rPr lang="zh-TW" altLang="en-US" sz="2000" dirty="0">
-                    <a:latin typeface="Times" panose="02020603050405020304" pitchFamily="18" charset="0"/>
-                    <a:ea typeface="標楷體" panose="03000509000000000000" pitchFamily="65" charset="-120"/>
-                    <a:cs typeface="Times" panose="02020603050405020304" pitchFamily="18" charset="0"/>
-                  </a:rPr>
-                  <a:t> </a:t>
-                </a:r>
-                <a:r>
-                  <a:rPr lang="en-US" altLang="zh-TW" sz="2000" dirty="0">
-                    <a:latin typeface="Times" panose="02020603050405020304" pitchFamily="18" charset="0"/>
-                    <a:ea typeface="標楷體" panose="03000509000000000000" pitchFamily="65" charset="-120"/>
-                    <a:cs typeface="Times" panose="02020603050405020304" pitchFamily="18" charset="0"/>
-                  </a:rPr>
-                  <a:t>(is discrete into matrix)</a:t>
-                </a:r>
-              </a:p>
-              <a:p>
-                <a:pPr lvl="1">
-                  <a:lnSpc>
-                    <a:spcPct val="150000"/>
-                  </a:lnSpc>
-                </a:pPr>
-                <a:r>
-                  <a:rPr lang="en-US" altLang="zh-TW" sz="2000" dirty="0">
-                    <a:latin typeface="Times" panose="02020603050405020304" pitchFamily="18" charset="0"/>
-                    <a:ea typeface="標楷體" panose="03000509000000000000" pitchFamily="65" charset="-120"/>
-                    <a:cs typeface="Times" panose="02020603050405020304" pitchFamily="18" charset="0"/>
-                  </a:rPr>
-                  <a:t>Image function: </a:t>
-                </a:r>
-                <a14:m>
-                  <m:oMath xmlns:m="http://schemas.openxmlformats.org/officeDocument/2006/math">
-                    <m:r>
-                      <a:rPr lang="en-US" altLang="zh-TW" sz="2000" b="0" i="1" smtClean="0">
-                        <a:latin typeface="Cambria Math" panose="02040503050406030204" pitchFamily="18" charset="0"/>
-                        <a:ea typeface="標楷體" panose="03000509000000000000" pitchFamily="65" charset="-120"/>
-                        <a:cs typeface="Times" panose="02020603050405020304" pitchFamily="18" charset="0"/>
-                      </a:rPr>
-                      <m:t>𝐼</m:t>
-                    </m:r>
-                    <m:r>
-                      <a:rPr lang="en-US" altLang="zh-TW" sz="2000" b="0" i="1" smtClean="0">
-                        <a:latin typeface="Cambria Math" panose="02040503050406030204" pitchFamily="18" charset="0"/>
-                        <a:ea typeface="標楷體" panose="03000509000000000000" pitchFamily="65" charset="-120"/>
-                        <a:cs typeface="Times" panose="02020603050405020304" pitchFamily="18" charset="0"/>
-                      </a:rPr>
-                      <m:t>: </m:t>
-                    </m:r>
-                    <m:sSup>
-                      <m:sSupPr>
-                        <m:ctrlPr>
-                          <a:rPr lang="en-US" altLang="zh-TW" sz="2000" b="0" i="1" smtClean="0">
-                            <a:latin typeface="Cambria Math" panose="02040503050406030204" pitchFamily="18" charset="0"/>
-                            <a:ea typeface="標楷體" panose="03000509000000000000" pitchFamily="65" charset="-120"/>
-                            <a:cs typeface="Times" panose="02020603050405020304" pitchFamily="18" charset="0"/>
-                          </a:rPr>
-                        </m:ctrlPr>
-                      </m:sSupPr>
-                      <m:e>
-                        <m:r>
-                          <a:rPr lang="en-US" altLang="zh-TW" sz="2000" b="0" i="1" smtClean="0">
-                            <a:latin typeface="Cambria Math" panose="02040503050406030204" pitchFamily="18" charset="0"/>
-                            <a:ea typeface="標楷體" panose="03000509000000000000" pitchFamily="65" charset="-120"/>
-                            <a:cs typeface="Times" panose="02020603050405020304" pitchFamily="18" charset="0"/>
-                          </a:rPr>
-                          <m:t>𝑅</m:t>
-                        </m:r>
-                      </m:e>
-                      <m:sup>
-                        <m:r>
-                          <a:rPr lang="en-US" altLang="zh-TW" sz="2000" b="0" i="1" smtClean="0">
-                            <a:latin typeface="Cambria Math" panose="02040503050406030204" pitchFamily="18" charset="0"/>
-                            <a:ea typeface="標楷體" panose="03000509000000000000" pitchFamily="65" charset="-120"/>
-                            <a:cs typeface="Times" panose="02020603050405020304" pitchFamily="18" charset="0"/>
-                          </a:rPr>
-                          <m:t>𝑁</m:t>
-                        </m:r>
-                        <m:r>
-                          <a:rPr lang="en-US" altLang="zh-TW" sz="2000" b="0" i="1" smtClean="0">
-                            <a:latin typeface="Cambria Math" panose="02040503050406030204" pitchFamily="18" charset="0"/>
-                            <a:ea typeface="Cambria Math" panose="02040503050406030204" pitchFamily="18" charset="0"/>
-                            <a:cs typeface="Times" panose="02020603050405020304" pitchFamily="18" charset="0"/>
-                          </a:rPr>
-                          <m:t>×</m:t>
-                        </m:r>
-                        <m:r>
-                          <a:rPr lang="en-US" altLang="zh-TW" sz="2000" b="0" i="1" smtClean="0">
-                            <a:latin typeface="Cambria Math" panose="02040503050406030204" pitchFamily="18" charset="0"/>
-                            <a:ea typeface="Cambria Math" panose="02040503050406030204" pitchFamily="18" charset="0"/>
-                            <a:cs typeface="Times" panose="02020603050405020304" pitchFamily="18" charset="0"/>
-                          </a:rPr>
-                          <m:t>𝑁</m:t>
-                        </m:r>
-                      </m:sup>
-                    </m:sSup>
-                    <m:r>
-                      <a:rPr lang="en-US" altLang="zh-TW" sz="2000" b="0" i="1" smtClean="0">
-                        <a:latin typeface="Cambria Math" panose="02040503050406030204" pitchFamily="18" charset="0"/>
-                        <a:ea typeface="標楷體" panose="03000509000000000000" pitchFamily="65" charset="-120"/>
-                        <a:cs typeface="Times" panose="02020603050405020304" pitchFamily="18" charset="0"/>
-                      </a:rPr>
-                      <m:t> </m:t>
-                    </m:r>
-                    <m:r>
-                      <a:rPr lang="en-US" altLang="zh-TW" sz="2000" b="0" i="1" smtClean="0">
-                        <a:latin typeface="Cambria Math" panose="02040503050406030204" pitchFamily="18" charset="0"/>
-                        <a:ea typeface="Cambria Math" panose="02040503050406030204" pitchFamily="18" charset="0"/>
-                        <a:cs typeface="Times" panose="02020603050405020304" pitchFamily="18" charset="0"/>
-                      </a:rPr>
-                      <m:t>→</m:t>
-                    </m:r>
-                    <m:sSup>
-                      <m:sSupPr>
-                        <m:ctrlPr>
-                          <a:rPr lang="en-US" altLang="zh-TW" sz="2000" i="1">
-                            <a:latin typeface="Cambria Math" panose="02040503050406030204" pitchFamily="18" charset="0"/>
-                            <a:ea typeface="標楷體" panose="03000509000000000000" pitchFamily="65" charset="-120"/>
-                            <a:cs typeface="Times" panose="02020603050405020304" pitchFamily="18" charset="0"/>
-                          </a:rPr>
-                        </m:ctrlPr>
-                      </m:sSupPr>
-                      <m:e>
-                        <m:r>
-                          <a:rPr lang="en-US" altLang="zh-TW" sz="2000" i="1">
-                            <a:latin typeface="Cambria Math" panose="02040503050406030204" pitchFamily="18" charset="0"/>
-                            <a:ea typeface="標楷體" panose="03000509000000000000" pitchFamily="65" charset="-120"/>
-                            <a:cs typeface="Times" panose="02020603050405020304" pitchFamily="18" charset="0"/>
-                          </a:rPr>
-                          <m:t>𝑅</m:t>
-                        </m:r>
-                      </m:e>
-                      <m:sup>
-                        <m:r>
-                          <a:rPr lang="en-US" altLang="zh-TW" sz="2000" i="1">
-                            <a:latin typeface="Cambria Math" panose="02040503050406030204" pitchFamily="18" charset="0"/>
-                            <a:ea typeface="標楷體" panose="03000509000000000000" pitchFamily="65" charset="-120"/>
-                            <a:cs typeface="Times" panose="02020603050405020304" pitchFamily="18" charset="0"/>
-                          </a:rPr>
-                          <m:t>𝑁</m:t>
-                        </m:r>
-                        <m:r>
-                          <a:rPr lang="en-US" altLang="zh-TW" sz="2000" i="1">
-                            <a:latin typeface="Cambria Math" panose="02040503050406030204" pitchFamily="18" charset="0"/>
-                            <a:ea typeface="Cambria Math" panose="02040503050406030204" pitchFamily="18" charset="0"/>
-                            <a:cs typeface="Times" panose="02020603050405020304" pitchFamily="18" charset="0"/>
-                          </a:rPr>
-                          <m:t>×</m:t>
-                        </m:r>
-                        <m:r>
-                          <a:rPr lang="en-US" altLang="zh-TW" sz="2000" i="1">
-                            <a:latin typeface="Cambria Math" panose="02040503050406030204" pitchFamily="18" charset="0"/>
-                            <a:ea typeface="Cambria Math" panose="02040503050406030204" pitchFamily="18" charset="0"/>
-                            <a:cs typeface="Times" panose="02020603050405020304" pitchFamily="18" charset="0"/>
-                          </a:rPr>
-                          <m:t>𝑁</m:t>
-                        </m:r>
-                      </m:sup>
-                    </m:sSup>
-                  </m:oMath>
-                </a14:m>
-                <a:endParaRPr lang="en-US" altLang="zh-TW" sz="2000" dirty="0">
-                  <a:latin typeface="Times" panose="02020603050405020304" pitchFamily="18" charset="0"/>
-                  <a:ea typeface="標楷體" panose="03000509000000000000" pitchFamily="65" charset="-120"/>
-                  <a:cs typeface="Times" panose="02020603050405020304" pitchFamily="18" charset="0"/>
-                </a:endParaRPr>
-              </a:p>
-              <a:p>
-                <a:pPr lvl="1">
-                  <a:lnSpc>
-                    <a:spcPct val="150000"/>
-                  </a:lnSpc>
-                </a:pPr>
-                <a:r>
-                  <a:rPr lang="en-US" altLang="zh-TW" sz="2000" dirty="0">
-                    <a:latin typeface="Times" panose="02020603050405020304" pitchFamily="18" charset="0"/>
-                    <a:ea typeface="標楷體" panose="03000509000000000000" pitchFamily="65" charset="-120"/>
-                    <a:cs typeface="Times" panose="02020603050405020304" pitchFamily="18" charset="0"/>
-                  </a:rPr>
-                  <a:t>Target pattern: </a:t>
-                </a:r>
-                <a14:m>
-                  <m:oMath xmlns:m="http://schemas.openxmlformats.org/officeDocument/2006/math">
-                    <m:sSub>
-                      <m:sSubPr>
-                        <m:ctrlPr>
-                          <a:rPr lang="en-US" altLang="zh-TW" sz="2000" i="1" smtClean="0">
-                            <a:latin typeface="Cambria Math" panose="02040503050406030204" pitchFamily="18" charset="0"/>
-                            <a:ea typeface="標楷體" panose="03000509000000000000" pitchFamily="65" charset="-120"/>
-                            <a:cs typeface="Times" panose="02020603050405020304" pitchFamily="18" charset="0"/>
-                          </a:rPr>
-                        </m:ctrlPr>
-                      </m:sSubPr>
-                      <m:e>
-                        <m:r>
-                          <a:rPr lang="en-US" altLang="zh-TW" sz="2000" b="0" i="1" smtClean="0">
-                            <a:latin typeface="Cambria Math" panose="02040503050406030204" pitchFamily="18" charset="0"/>
-                            <a:ea typeface="標楷體" panose="03000509000000000000" pitchFamily="65" charset="-120"/>
-                            <a:cs typeface="Times" panose="02020603050405020304" pitchFamily="18" charset="0"/>
-                          </a:rPr>
-                          <m:t>𝑈</m:t>
-                        </m:r>
-                      </m:e>
-                      <m:sub>
-                        <m:r>
-                          <a:rPr lang="en-US" altLang="zh-TW" sz="2000" b="0" i="1" smtClean="0">
-                            <a:latin typeface="Cambria Math" panose="02040503050406030204" pitchFamily="18" charset="0"/>
-                            <a:ea typeface="標楷體" panose="03000509000000000000" pitchFamily="65" charset="-120"/>
-                            <a:cs typeface="Times" panose="02020603050405020304" pitchFamily="18" charset="0"/>
-                          </a:rPr>
-                          <m:t>0</m:t>
-                        </m:r>
-                      </m:sub>
-                    </m:sSub>
-                  </m:oMath>
-                </a14:m>
-                <a:endParaRPr lang="en-US" altLang="zh-TW" sz="2000" dirty="0">
-                  <a:latin typeface="Times" panose="02020603050405020304" pitchFamily="18" charset="0"/>
-                  <a:ea typeface="標楷體" panose="03000509000000000000" pitchFamily="65" charset="-120"/>
-                  <a:cs typeface="Times" panose="02020603050405020304" pitchFamily="18" charset="0"/>
-                </a:endParaRPr>
-              </a:p>
-              <a:p>
-                <a:pPr>
-                  <a:lnSpc>
-                    <a:spcPct val="150000"/>
-                  </a:lnSpc>
-                </a:pPr>
-                <a:r>
-                  <a:rPr lang="en-US" altLang="zh-TW" sz="2200" dirty="0">
-                    <a:latin typeface="Times" panose="02020603050405020304" pitchFamily="18" charset="0"/>
-                    <a:ea typeface="標楷體" panose="03000509000000000000" pitchFamily="65" charset="-120"/>
-                    <a:cs typeface="Times" panose="02020603050405020304" pitchFamily="18" charset="0"/>
-                  </a:rPr>
-                  <a:t>Optimization problem:</a:t>
-                </a:r>
-              </a:p>
-              <a:p>
-                <a:pPr lvl="1">
-                  <a:lnSpc>
-                    <a:spcPct val="150000"/>
-                  </a:lnSpc>
-                </a:pPr>
-                <a:r>
-                  <a:rPr lang="zh-TW" altLang="en-US" sz="2000" dirty="0">
-                    <a:latin typeface="Times" panose="02020603050405020304" pitchFamily="18" charset="0"/>
-                    <a:ea typeface="標楷體" panose="03000509000000000000" pitchFamily="65" charset="-120"/>
-                    <a:cs typeface="Times" panose="02020603050405020304" pitchFamily="18" charset="0"/>
-                  </a:rPr>
-                  <a:t> </a:t>
-                </a:r>
-              </a:p>
-            </p:txBody>
-          </p:sp>
-        </mc:Choice>
-        <mc:Fallback xmlns="">
-          <p:sp>
-            <p:nvSpPr>
-              <p:cNvPr id="3" name="內容版面配置區 2">
-                <a:extLst>
-                  <a:ext uri="{FF2B5EF4-FFF2-40B4-BE49-F238E27FC236}">
-                    <a16:creationId xmlns:a16="http://schemas.microsoft.com/office/drawing/2014/main" id="{CD74F3A4-97A5-7640-801C-D093727610C1}"/>
-                  </a:ext>
-                </a:extLst>
-              </p:cNvPr>
-              <p:cNvSpPr>
-                <a:spLocks noGrp="1" noRot="1" noChangeAspect="1" noMove="1" noResize="1" noEditPoints="1" noAdjustHandles="1" noChangeArrowheads="1" noChangeShapeType="1" noTextEdit="1"/>
-              </p:cNvSpPr>
-              <p:nvPr>
-                <p:ph idx="1"/>
-              </p:nvPr>
-            </p:nvSpPr>
-            <p:spPr>
-              <a:blipFill>
-                <a:blip r:embed="rId3"/>
-                <a:stretch>
-                  <a:fillRect l="-696"/>
-                </a:stretch>
-              </a:blipFill>
-            </p:spPr>
-            <p:txBody>
-              <a:bodyPr/>
-              <a:lstStyle/>
-              <a:p>
-                <a:r>
-                  <a:rPr lang="zh-TW" altLang="en-US">
-                    <a:noFill/>
-                  </a:rPr>
-                  <a:t> </a:t>
-                </a:r>
-              </a:p>
-            </p:txBody>
-          </p:sp>
-        </mc:Fallback>
-      </mc:AlternateContent>
-      <p:sp>
-        <p:nvSpPr>
-          <p:cNvPr id="4" name="投影片編號版面配置區 3">
-            <a:extLst>
-              <a:ext uri="{FF2B5EF4-FFF2-40B4-BE49-F238E27FC236}">
-                <a16:creationId xmlns:a16="http://schemas.microsoft.com/office/drawing/2014/main" id="{98B5C8A6-9E09-A340-C475-439F204D7E17}"/>
-              </a:ext>
-            </a:extLst>
-          </p:cNvPr>
-          <p:cNvSpPr>
-            <a:spLocks noGrp="1"/>
-          </p:cNvSpPr>
-          <p:nvPr>
-            <p:ph type="sldNum" sz="quarter" idx="12"/>
-          </p:nvPr>
-        </p:nvSpPr>
-        <p:spPr/>
-        <p:txBody>
-          <a:bodyPr/>
-          <a:lstStyle/>
-          <a:p>
-            <a:fld id="{666274A1-CF9C-426A-8DD4-B13ED0C24231}" type="slidenum">
-              <a:rPr lang="en-US" smtClean="0"/>
-              <a:t>8</a:t>
-            </a:fld>
-            <a:endParaRPr lang="en-US"/>
-          </a:p>
-        </p:txBody>
-      </p:sp>
-      <p:grpSp>
-        <p:nvGrpSpPr>
-          <p:cNvPr id="8" name="群組 7">
-            <a:extLst>
-              <a:ext uri="{FF2B5EF4-FFF2-40B4-BE49-F238E27FC236}">
-                <a16:creationId xmlns:a16="http://schemas.microsoft.com/office/drawing/2014/main" id="{4A978324-3A8E-21B5-2ACD-1BE3F63FD474}"/>
-              </a:ext>
-            </a:extLst>
-          </p:cNvPr>
-          <p:cNvGrpSpPr/>
-          <p:nvPr/>
-        </p:nvGrpSpPr>
-        <p:grpSpPr>
-          <a:xfrm>
-            <a:off x="1630506" y="5164142"/>
-            <a:ext cx="4905376" cy="589537"/>
-            <a:chOff x="1620115" y="5187808"/>
-            <a:chExt cx="4905376" cy="589537"/>
-          </a:xfrm>
-        </p:grpSpPr>
-        <p:pic>
-          <p:nvPicPr>
-            <p:cNvPr id="6" name="圖片 5">
-              <a:extLst>
-                <a:ext uri="{FF2B5EF4-FFF2-40B4-BE49-F238E27FC236}">
-                  <a16:creationId xmlns:a16="http://schemas.microsoft.com/office/drawing/2014/main" id="{C9C88A9D-A8AD-1445-618D-54D6B5F19737}"/>
-                </a:ext>
-              </a:extLst>
-            </p:cNvPr>
-            <p:cNvPicPr>
-              <a:picLocks noChangeAspect="1"/>
-            </p:cNvPicPr>
-            <p:nvPr/>
-          </p:nvPicPr>
-          <p:blipFill rotWithShape="1">
-            <a:blip r:embed="rId4"/>
-            <a:srcRect b="34177"/>
-            <a:stretch/>
-          </p:blipFill>
-          <p:spPr>
-            <a:xfrm>
-              <a:off x="1620115" y="5187808"/>
-              <a:ext cx="2675659" cy="589537"/>
-            </a:xfrm>
-            <a:prstGeom prst="rect">
-              <a:avLst/>
-            </a:prstGeom>
-          </p:spPr>
-        </p:pic>
-        <p:pic>
-          <p:nvPicPr>
-            <p:cNvPr id="7" name="圖片 6">
-              <a:extLst>
-                <a:ext uri="{FF2B5EF4-FFF2-40B4-BE49-F238E27FC236}">
-                  <a16:creationId xmlns:a16="http://schemas.microsoft.com/office/drawing/2014/main" id="{EB9C2010-7832-C342-0DC8-FC14DCAF754F}"/>
-                </a:ext>
-              </a:extLst>
-            </p:cNvPr>
-            <p:cNvPicPr>
-              <a:picLocks noChangeAspect="1"/>
-            </p:cNvPicPr>
-            <p:nvPr/>
-          </p:nvPicPr>
-          <p:blipFill rotWithShape="1">
-            <a:blip r:embed="rId4"/>
-            <a:srcRect l="22168" t="67676"/>
-            <a:stretch/>
-          </p:blipFill>
-          <p:spPr>
-            <a:xfrm>
-              <a:off x="4295774" y="5320146"/>
-              <a:ext cx="2229717" cy="309967"/>
-            </a:xfrm>
-            <a:prstGeom prst="rect">
-              <a:avLst/>
-            </a:prstGeom>
-          </p:spPr>
-        </p:pic>
-      </p:grpSp>
-      <p:pic>
-        <p:nvPicPr>
-          <p:cNvPr id="12" name="圖片 11">
-            <a:extLst>
-              <a:ext uri="{FF2B5EF4-FFF2-40B4-BE49-F238E27FC236}">
-                <a16:creationId xmlns:a16="http://schemas.microsoft.com/office/drawing/2014/main" id="{301A953D-CDBF-7F23-5CA0-1A0138B761EE}"/>
-              </a:ext>
-            </a:extLst>
-          </p:cNvPr>
-          <p:cNvPicPr>
-            <a:picLocks noChangeAspect="1"/>
-          </p:cNvPicPr>
-          <p:nvPr/>
-        </p:nvPicPr>
-        <p:blipFill>
-          <a:blip r:embed="rId5"/>
-          <a:stretch>
-            <a:fillRect/>
-          </a:stretch>
-        </p:blipFill>
-        <p:spPr>
-          <a:xfrm>
-            <a:off x="7939215" y="4001294"/>
-            <a:ext cx="3414585" cy="702640"/>
-          </a:xfrm>
-          <a:prstGeom prst="rect">
-            <a:avLst/>
-          </a:prstGeom>
-          <a:ln w="38100" cap="sq">
-            <a:solidFill>
-              <a:srgbClr val="000000"/>
-            </a:solidFill>
-            <a:prstDash val="solid"/>
-            <a:miter lim="800000"/>
-          </a:ln>
-          <a:effectLst>
-            <a:outerShdw blurRad="50800" dist="38100" dir="2700000" algn="tl" rotWithShape="0">
-              <a:srgbClr val="000000">
-                <a:alpha val="43000"/>
-              </a:srgbClr>
-            </a:outerShdw>
-          </a:effectLst>
-        </p:spPr>
-      </p:pic>
-    </p:spTree>
-    <p:extLst>
-      <p:ext uri="{BB962C8B-B14F-4D97-AF65-F5344CB8AC3E}">
-        <p14:creationId xmlns:p14="http://schemas.microsoft.com/office/powerpoint/2010/main" val="4020306698"/>
       </p:ext>
     </p:extLst>
   </p:cSld>

--- a/DAC2024/KOSIM/KOSIM A Knowledge-oriented Derivative-free Subspace Method Based on Inexact Model for Inverse Lithography Problems.pptx
+++ b/DAC2024/KOSIM/KOSIM A Knowledge-oriented Derivative-free Subspace Method Based on Inexact Model for Inverse Lithography Problems.pptx
@@ -5,7 +5,7 @@
     <p:sldMasterId id="2147483648" r:id="rId1"/>
   </p:sldMasterIdLst>
   <p:notesMasterIdLst>
-    <p:notesMasterId r:id="rId36"/>
+    <p:notesMasterId r:id="rId37"/>
   </p:notesMasterIdLst>
   <p:sldIdLst>
     <p:sldId id="256" r:id="rId2"/>
@@ -20,28 +20,29 @@
     <p:sldId id="330" r:id="rId11"/>
     <p:sldId id="305" r:id="rId12"/>
     <p:sldId id="323" r:id="rId13"/>
-    <p:sldId id="309" r:id="rId14"/>
-    <p:sldId id="310" r:id="rId15"/>
-    <p:sldId id="311" r:id="rId16"/>
-    <p:sldId id="331" r:id="rId17"/>
-    <p:sldId id="313" r:id="rId18"/>
-    <p:sldId id="314" r:id="rId19"/>
-    <p:sldId id="315" r:id="rId20"/>
-    <p:sldId id="324" r:id="rId21"/>
-    <p:sldId id="326" r:id="rId22"/>
-    <p:sldId id="325" r:id="rId23"/>
-    <p:sldId id="327" r:id="rId24"/>
-    <p:sldId id="332" r:id="rId25"/>
-    <p:sldId id="316" r:id="rId26"/>
-    <p:sldId id="317" r:id="rId27"/>
-    <p:sldId id="318" r:id="rId28"/>
-    <p:sldId id="319" r:id="rId29"/>
-    <p:sldId id="320" r:id="rId30"/>
-    <p:sldId id="321" r:id="rId31"/>
-    <p:sldId id="322" r:id="rId32"/>
-    <p:sldId id="333" r:id="rId33"/>
-    <p:sldId id="328" r:id="rId34"/>
-    <p:sldId id="298" r:id="rId35"/>
+    <p:sldId id="334" r:id="rId14"/>
+    <p:sldId id="309" r:id="rId15"/>
+    <p:sldId id="310" r:id="rId16"/>
+    <p:sldId id="311" r:id="rId17"/>
+    <p:sldId id="331" r:id="rId18"/>
+    <p:sldId id="313" r:id="rId19"/>
+    <p:sldId id="314" r:id="rId20"/>
+    <p:sldId id="315" r:id="rId21"/>
+    <p:sldId id="324" r:id="rId22"/>
+    <p:sldId id="326" r:id="rId23"/>
+    <p:sldId id="325" r:id="rId24"/>
+    <p:sldId id="327" r:id="rId25"/>
+    <p:sldId id="332" r:id="rId26"/>
+    <p:sldId id="316" r:id="rId27"/>
+    <p:sldId id="317" r:id="rId28"/>
+    <p:sldId id="318" r:id="rId29"/>
+    <p:sldId id="319" r:id="rId30"/>
+    <p:sldId id="320" r:id="rId31"/>
+    <p:sldId id="321" r:id="rId32"/>
+    <p:sldId id="322" r:id="rId33"/>
+    <p:sldId id="333" r:id="rId34"/>
+    <p:sldId id="328" r:id="rId35"/>
+    <p:sldId id="298" r:id="rId36"/>
   </p:sldIdLst>
   <p:sldSz cx="12192000" cy="6858000"/>
   <p:notesSz cx="6858000" cy="9144000"/>
@@ -2068,6 +2069,18 @@
               <a:buFont typeface="Arial" panose="020B0604020202020204" pitchFamily="34" charset="0"/>
               <a:buNone/>
             </a:pPr>
+            <a:r>
+              <a:rPr lang="en-US" altLang="zh-TW" dirty="0"/>
+              <a:t>square of </a:t>
+            </a:r>
+            <a:r>
+              <a:rPr lang="zh-TW" altLang="en-US" dirty="0"/>
+              <a:t>𝐿</a:t>
+            </a:r>
+            <a:r>
+              <a:rPr lang="en-US" altLang="zh-TW"/>
+              <a:t>2 norm of the vectorized EPE</a:t>
+            </a:r>
             <a:endParaRPr lang="en-US" altLang="zh-TW" dirty="0"/>
           </a:p>
         </p:txBody>
@@ -2205,7 +2218,7 @@
           <a:p>
             <a:fld id="{9D457EAB-1485-47AD-BEAD-484FAEBF5A54}" type="slidenum">
               <a:rPr lang="en-US" smtClean="0"/>
-              <a:t>12</a:t>
+              <a:t>13</a:t>
             </a:fld>
             <a:endParaRPr lang="en-US"/>
           </a:p>
@@ -2340,7 +2353,7 @@
           <a:p>
             <a:fld id="{9D457EAB-1485-47AD-BEAD-484FAEBF5A54}" type="slidenum">
               <a:rPr lang="en-US" smtClean="0"/>
-              <a:t>13</a:t>
+              <a:t>14</a:t>
             </a:fld>
             <a:endParaRPr lang="en-US"/>
           </a:p>
@@ -2424,7 +2437,7 @@
           <a:p>
             <a:fld id="{9D457EAB-1485-47AD-BEAD-484FAEBF5A54}" type="slidenum">
               <a:rPr lang="en-US" smtClean="0"/>
-              <a:t>15</a:t>
+              <a:t>16</a:t>
             </a:fld>
             <a:endParaRPr lang="en-US"/>
           </a:p>
@@ -2564,6 +2577,285 @@
               </a:rPr>
               <a:t>简而言之，这段文本描述了一种使用子空间投影来近似计算梯度的方法，并且当有先前信息可用时，利用该信息来设置子空间。</a:t>
             </a:r>
+            <a:endParaRPr lang="en-US" altLang="zh-CN" b="0" i="0" dirty="0">
+              <a:solidFill>
+                <a:srgbClr val="374151"/>
+              </a:solidFill>
+              <a:effectLst/>
+              <a:latin typeface="Söhne"/>
+            </a:endParaRPr>
+          </a:p>
+          <a:p>
+            <a:pPr algn="l"/>
+            <a:r>
+              <a:rPr lang="zh-TW" altLang="en-US" b="0" i="0" dirty="0">
+                <a:solidFill>
+                  <a:srgbClr val="374151"/>
+                </a:solidFill>
+                <a:effectLst/>
+                <a:latin typeface="Söhne"/>
+              </a:rPr>
+              <a:t>* 對於 </a:t>
+            </a:r>
+            <a:r>
+              <a:rPr lang="en-US" altLang="zh-TW" b="0" i="0" dirty="0">
+                <a:solidFill>
+                  <a:srgbClr val="374151"/>
+                </a:solidFill>
+                <a:effectLst/>
+                <a:latin typeface="Söhne"/>
+              </a:rPr>
+              <a:t>PS(</a:t>
+            </a:r>
+            <a:r>
+              <a:rPr lang="zh-TW" altLang="en-US" b="0" i="0" dirty="0">
+                <a:solidFill>
+                  <a:srgbClr val="374151"/>
+                </a:solidFill>
+                <a:effectLst/>
+                <a:latin typeface="Söhne"/>
+              </a:rPr>
+              <a:t>𝑘</a:t>
+            </a:r>
+            <a:r>
+              <a:rPr lang="en-US" altLang="zh-TW" b="0" i="0" dirty="0">
+                <a:solidFill>
+                  <a:srgbClr val="374151"/>
+                </a:solidFill>
+                <a:effectLst/>
+                <a:latin typeface="Söhne"/>
+              </a:rPr>
+              <a:t>)</a:t>
+            </a:r>
+            <a:r>
+              <a:rPr lang="zh-TW" altLang="en-US" b="0" i="0" dirty="0">
+                <a:solidFill>
+                  <a:srgbClr val="374151"/>
+                </a:solidFill>
+                <a:effectLst/>
+                <a:latin typeface="Söhne"/>
+              </a:rPr>
+              <a:t>𝑔∇𝑓（𝑥</a:t>
+            </a:r>
+            <a:r>
+              <a:rPr lang="en-US" altLang="zh-TW" b="0" i="0" dirty="0">
+                <a:solidFill>
+                  <a:srgbClr val="374151"/>
+                </a:solidFill>
+                <a:effectLst/>
+                <a:latin typeface="Söhne"/>
+              </a:rPr>
+              <a:t>(</a:t>
+            </a:r>
+            <a:r>
+              <a:rPr lang="zh-TW" altLang="en-US" b="0" i="0" dirty="0">
+                <a:solidFill>
+                  <a:srgbClr val="374151"/>
+                </a:solidFill>
+                <a:effectLst/>
+                <a:latin typeface="Söhne"/>
+              </a:rPr>
+              <a:t>𝑘</a:t>
+            </a:r>
+            <a:r>
+              <a:rPr lang="en-US" altLang="zh-TW" b="0" i="0" dirty="0">
+                <a:solidFill>
+                  <a:srgbClr val="374151"/>
+                </a:solidFill>
+                <a:effectLst/>
+                <a:latin typeface="Söhne"/>
+              </a:rPr>
+              <a:t>)</a:t>
+            </a:r>
+            <a:r>
+              <a:rPr lang="zh-TW" altLang="en-US" b="0" i="0" dirty="0">
+                <a:solidFill>
+                  <a:srgbClr val="374151"/>
+                </a:solidFill>
+                <a:effectLst/>
+                <a:latin typeface="Söhne"/>
+              </a:rPr>
+              <a:t>）的近似計算，我們使用了一個帶有適應性選擇的簡單有限差分，其步長為 𝜌</a:t>
+            </a:r>
+            <a:r>
+              <a:rPr lang="en-US" altLang="zh-TW" b="0" i="0" dirty="0">
+                <a:solidFill>
+                  <a:srgbClr val="374151"/>
+                </a:solidFill>
+                <a:effectLst/>
+                <a:latin typeface="Söhne"/>
+              </a:rPr>
+              <a:t>(</a:t>
+            </a:r>
+            <a:r>
+              <a:rPr lang="zh-TW" altLang="en-US" b="0" i="0" dirty="0">
+                <a:solidFill>
+                  <a:srgbClr val="374151"/>
+                </a:solidFill>
+                <a:effectLst/>
+                <a:latin typeface="Söhne"/>
+              </a:rPr>
+              <a:t>𝑘</a:t>
+            </a:r>
+            <a:r>
+              <a:rPr lang="en-US" altLang="zh-TW" b="0" i="0" dirty="0">
+                <a:solidFill>
+                  <a:srgbClr val="374151"/>
+                </a:solidFill>
+                <a:effectLst/>
+                <a:latin typeface="Söhne"/>
+              </a:rPr>
+              <a:t>)</a:t>
+            </a:r>
+            <a:r>
+              <a:rPr lang="zh-TW" altLang="en-US" b="0" i="0" dirty="0">
+                <a:solidFill>
+                  <a:srgbClr val="374151"/>
+                </a:solidFill>
+                <a:effectLst/>
+                <a:latin typeface="Söhne"/>
+              </a:rPr>
+              <a:t>。</a:t>
+            </a:r>
+          </a:p>
+          <a:p>
+            <a:pPr algn="l"/>
+            <a:r>
+              <a:rPr lang="zh-TW" altLang="en-US" b="0" i="0" dirty="0">
+                <a:solidFill>
+                  <a:srgbClr val="374151"/>
+                </a:solidFill>
+                <a:effectLst/>
+                <a:latin typeface="Söhne"/>
+              </a:rPr>
+              <a:t>當有先前的信息可用時，即有一個先前的生成器 </a:t>
+            </a:r>
+            <a:r>
+              <a:rPr lang="en-US" altLang="zh-TW" b="0" i="0" dirty="0">
+                <a:solidFill>
+                  <a:srgbClr val="374151"/>
+                </a:solidFill>
+                <a:effectLst/>
+                <a:latin typeface="Söhne"/>
+              </a:rPr>
+              <a:t>D </a:t>
+            </a:r>
+            <a:r>
+              <a:rPr lang="zh-TW" altLang="en-US" b="0" i="0" dirty="0">
+                <a:solidFill>
+                  <a:srgbClr val="374151"/>
+                </a:solidFill>
+                <a:effectLst/>
+                <a:latin typeface="Söhne"/>
+              </a:rPr>
+              <a:t>輸入時，我們設定 </a:t>
+            </a:r>
+            <a:r>
+              <a:rPr lang="en-US" altLang="zh-TW" b="0" i="0" dirty="0">
+                <a:solidFill>
+                  <a:srgbClr val="374151"/>
+                </a:solidFill>
+                <a:effectLst/>
+                <a:latin typeface="Söhne"/>
+              </a:rPr>
+              <a:t>D</a:t>
+            </a:r>
+            <a:r>
+              <a:rPr lang="zh-TW" altLang="en-US" b="0" i="0" dirty="0">
+                <a:solidFill>
+                  <a:srgbClr val="374151"/>
+                </a:solidFill>
+                <a:effectLst/>
+                <a:latin typeface="Söhne"/>
+              </a:rPr>
+              <a:t>（𝑥</a:t>
+            </a:r>
+            <a:r>
+              <a:rPr lang="en-US" altLang="zh-TW" b="0" i="0" dirty="0">
+                <a:solidFill>
+                  <a:srgbClr val="374151"/>
+                </a:solidFill>
+                <a:effectLst/>
+                <a:latin typeface="Söhne"/>
+              </a:rPr>
+              <a:t>(</a:t>
+            </a:r>
+            <a:r>
+              <a:rPr lang="zh-TW" altLang="en-US" b="0" i="0" dirty="0">
+                <a:solidFill>
+                  <a:srgbClr val="374151"/>
+                </a:solidFill>
+                <a:effectLst/>
+                <a:latin typeface="Söhne"/>
+              </a:rPr>
+              <a:t>𝑘</a:t>
+            </a:r>
+            <a:r>
+              <a:rPr lang="en-US" altLang="zh-TW" b="0" i="0" dirty="0">
+                <a:solidFill>
+                  <a:srgbClr val="374151"/>
+                </a:solidFill>
+                <a:effectLst/>
+                <a:latin typeface="Söhne"/>
+              </a:rPr>
+              <a:t>)</a:t>
+            </a:r>
+            <a:r>
+              <a:rPr lang="zh-TW" altLang="en-US" b="0" i="0" dirty="0">
+                <a:solidFill>
+                  <a:srgbClr val="374151"/>
+                </a:solidFill>
+                <a:effectLst/>
+                <a:latin typeface="Söhne"/>
+              </a:rPr>
+              <a:t>） ∈ </a:t>
+            </a:r>
+            <a:r>
+              <a:rPr lang="en-US" altLang="zh-TW" b="0" i="0" dirty="0">
+                <a:solidFill>
+                  <a:srgbClr val="374151"/>
+                </a:solidFill>
+                <a:effectLst/>
+                <a:latin typeface="Söhne"/>
+              </a:rPr>
+              <a:t>S(</a:t>
+            </a:r>
+            <a:r>
+              <a:rPr lang="zh-TW" altLang="en-US" b="0" i="0" dirty="0">
+                <a:solidFill>
+                  <a:srgbClr val="374151"/>
+                </a:solidFill>
+                <a:effectLst/>
+                <a:latin typeface="Söhne"/>
+              </a:rPr>
+              <a:t>𝑘</a:t>
+            </a:r>
+            <a:r>
+              <a:rPr lang="en-US" altLang="zh-TW" b="0" i="0" dirty="0">
+                <a:solidFill>
+                  <a:srgbClr val="374151"/>
+                </a:solidFill>
+                <a:effectLst/>
+                <a:latin typeface="Söhne"/>
+              </a:rPr>
+              <a:t>)</a:t>
+            </a:r>
+            <a:r>
+              <a:rPr lang="zh-TW" altLang="en-US" b="0" i="0" dirty="0">
+                <a:solidFill>
+                  <a:srgbClr val="374151"/>
+                </a:solidFill>
+                <a:effectLst/>
+                <a:latin typeface="Söhne"/>
+              </a:rPr>
+              <a:t>𝑔。</a:t>
+            </a:r>
+          </a:p>
+          <a:p>
+            <a:pPr marL="171450" indent="-171450" algn="l">
+              <a:buFont typeface="Arial" panose="020B0604020202020204" pitchFamily="34" charset="0"/>
+              <a:buChar char="•"/>
+            </a:pPr>
             <a:endParaRPr lang="en-US" altLang="zh-TW" dirty="0"/>
           </a:p>
         </p:txBody>
@@ -2585,7 +2877,7 @@
           <a:p>
             <a:fld id="{9D457EAB-1485-47AD-BEAD-484FAEBF5A54}" type="slidenum">
               <a:rPr lang="en-US" smtClean="0"/>
-              <a:t>16</a:t>
+              <a:t>17</a:t>
             </a:fld>
             <a:endParaRPr lang="en-US"/>
           </a:p>
@@ -2674,7 +2966,11 @@
             </a:r>
             <a:r>
               <a:rPr lang="en-US" altLang="zh-TW" dirty="0"/>
-              <a:t> (model???)</a:t>
+              <a:t> (model </a:t>
+            </a:r>
+            <a:r>
+              <a:rPr lang="en-US" altLang="zh-TW"/>
+              <a:t>is linear)</a:t>
             </a:r>
             <a:r>
               <a:rPr lang="zh-TW" altLang="en-US" dirty="0"/>
@@ -2805,7 +3101,7 @@
           <a:p>
             <a:fld id="{9D457EAB-1485-47AD-BEAD-484FAEBF5A54}" type="slidenum">
               <a:rPr lang="en-US" smtClean="0"/>
-              <a:t>17</a:t>
+              <a:t>18</a:t>
             </a:fld>
             <a:endParaRPr lang="en-US"/>
           </a:p>
@@ -3026,7 +3322,7 @@
           <a:p>
             <a:fld id="{9D457EAB-1485-47AD-BEAD-484FAEBF5A54}" type="slidenum">
               <a:rPr lang="en-US" smtClean="0"/>
-              <a:t>18</a:t>
+              <a:t>19</a:t>
             </a:fld>
             <a:endParaRPr lang="en-US"/>
           </a:p>
@@ -3114,7 +3410,7 @@
           <a:p>
             <a:fld id="{9D457EAB-1485-47AD-BEAD-484FAEBF5A54}" type="slidenum">
               <a:rPr lang="en-US" smtClean="0"/>
-              <a:t>19</a:t>
+              <a:t>20</a:t>
             </a:fld>
             <a:endParaRPr lang="en-US"/>
           </a:p>
@@ -3286,7 +3582,7 @@
           <a:p>
             <a:fld id="{9D457EAB-1485-47AD-BEAD-484FAEBF5A54}" type="slidenum">
               <a:rPr lang="en-US" smtClean="0"/>
-              <a:t>20</a:t>
+              <a:t>21</a:t>
             </a:fld>
             <a:endParaRPr lang="en-US"/>
           </a:p>
@@ -3384,7 +3680,7 @@
           <a:p>
             <a:fld id="{9D457EAB-1485-47AD-BEAD-484FAEBF5A54}" type="slidenum">
               <a:rPr lang="en-US" smtClean="0"/>
-              <a:t>21</a:t>
+              <a:t>22</a:t>
             </a:fld>
             <a:endParaRPr lang="en-US"/>
           </a:p>
@@ -3482,7 +3778,7 @@
           <a:p>
             <a:fld id="{9D457EAB-1485-47AD-BEAD-484FAEBF5A54}" type="slidenum">
               <a:rPr lang="en-US" smtClean="0"/>
-              <a:t>22</a:t>
+              <a:t>23</a:t>
             </a:fld>
             <a:endParaRPr lang="en-US"/>
           </a:p>
@@ -3566,7 +3862,7 @@
           <a:p>
             <a:fld id="{9D457EAB-1485-47AD-BEAD-484FAEBF5A54}" type="slidenum">
               <a:rPr lang="en-US" smtClean="0"/>
-              <a:t>23</a:t>
+              <a:t>24</a:t>
             </a:fld>
             <a:endParaRPr lang="en-US"/>
           </a:p>
@@ -3723,7 +4019,7 @@
           <a:p>
             <a:fld id="{9D457EAB-1485-47AD-BEAD-484FAEBF5A54}" type="slidenum">
               <a:rPr lang="en-US" smtClean="0"/>
-              <a:t>24</a:t>
+              <a:t>25</a:t>
             </a:fld>
             <a:endParaRPr lang="en-US"/>
           </a:p>
@@ -3818,7 +4114,7 @@
           <a:p>
             <a:fld id="{9D457EAB-1485-47AD-BEAD-484FAEBF5A54}" type="slidenum">
               <a:rPr lang="en-US" smtClean="0"/>
-              <a:t>25</a:t>
+              <a:t>26</a:t>
             </a:fld>
             <a:endParaRPr lang="en-US"/>
           </a:p>
@@ -3975,7 +4271,7 @@
           <a:p>
             <a:fld id="{9D457EAB-1485-47AD-BEAD-484FAEBF5A54}" type="slidenum">
               <a:rPr lang="en-US" smtClean="0"/>
-              <a:t>26</a:t>
+              <a:t>27</a:t>
             </a:fld>
             <a:endParaRPr lang="en-US"/>
           </a:p>
@@ -4063,7 +4359,7 @@
           <a:p>
             <a:fld id="{9D457EAB-1485-47AD-BEAD-484FAEBF5A54}" type="slidenum">
               <a:rPr lang="en-US" smtClean="0"/>
-              <a:t>27</a:t>
+              <a:t>28</a:t>
             </a:fld>
             <a:endParaRPr lang="en-US"/>
           </a:p>
@@ -4151,7 +4447,7 @@
           <a:p>
             <a:fld id="{9D457EAB-1485-47AD-BEAD-484FAEBF5A54}" type="slidenum">
               <a:rPr lang="en-US" smtClean="0"/>
-              <a:t>28</a:t>
+              <a:t>29</a:t>
             </a:fld>
             <a:endParaRPr lang="en-US"/>
           </a:p>
@@ -4239,7 +4535,7 @@
           <a:p>
             <a:fld id="{9D457EAB-1485-47AD-BEAD-484FAEBF5A54}" type="slidenum">
               <a:rPr lang="en-US" smtClean="0"/>
-              <a:t>29</a:t>
+              <a:t>30</a:t>
             </a:fld>
             <a:endParaRPr lang="en-US"/>
           </a:p>
@@ -4511,7 +4807,7 @@
           <a:p>
             <a:fld id="{9D457EAB-1485-47AD-BEAD-484FAEBF5A54}" type="slidenum">
               <a:rPr lang="en-US" smtClean="0"/>
-              <a:t>30</a:t>
+              <a:t>31</a:t>
             </a:fld>
             <a:endParaRPr lang="en-US"/>
           </a:p>
@@ -4595,7 +4891,7 @@
           <a:p>
             <a:fld id="{9D457EAB-1485-47AD-BEAD-484FAEBF5A54}" type="slidenum">
               <a:rPr lang="en-US" smtClean="0"/>
-              <a:t>31</a:t>
+              <a:t>32</a:t>
             </a:fld>
             <a:endParaRPr lang="en-US"/>
           </a:p>
@@ -10029,6 +10325,144 @@
 </file>
 
 <file path=ppt/slides/slide13.xml><?xml version="1.0" encoding="utf-8"?>
+<p:sld xmlns:a="http://schemas.openxmlformats.org/drawingml/2006/main" xmlns:r="http://schemas.openxmlformats.org/officeDocument/2006/relationships" xmlns:p="http://schemas.openxmlformats.org/presentationml/2006/main" show="0">
+  <p:cSld>
+    <p:spTree>
+      <p:nvGrpSpPr>
+        <p:cNvPr id="1" name=""/>
+        <p:cNvGrpSpPr/>
+        <p:nvPr/>
+      </p:nvGrpSpPr>
+      <p:grpSpPr>
+        <a:xfrm>
+          <a:off x="0" y="0"/>
+          <a:ext cx="0" cy="0"/>
+          <a:chOff x="0" y="0"/>
+          <a:chExt cx="0" cy="0"/>
+        </a:xfrm>
+      </p:grpSpPr>
+      <p:sp>
+        <p:nvSpPr>
+          <p:cNvPr id="2" name="標題 1">
+            <a:extLst>
+              <a:ext uri="{FF2B5EF4-FFF2-40B4-BE49-F238E27FC236}">
+                <a16:creationId xmlns:a16="http://schemas.microsoft.com/office/drawing/2014/main" id="{6D528FA2-23EB-D382-BBD9-D9A8EBD86C4E}"/>
+              </a:ext>
+            </a:extLst>
+          </p:cNvPr>
+          <p:cNvSpPr>
+            <a:spLocks noGrp="1"/>
+          </p:cNvSpPr>
+          <p:nvPr>
+            <p:ph type="title"/>
+          </p:nvPr>
+        </p:nvSpPr>
+        <p:spPr/>
+        <p:txBody>
+          <a:bodyPr/>
+          <a:lstStyle/>
+          <a:p>
+            <a:endParaRPr lang="zh-TW" altLang="en-US"/>
+          </a:p>
+        </p:txBody>
+      </p:sp>
+      <p:sp>
+        <p:nvSpPr>
+          <p:cNvPr id="3" name="內容版面配置區 2">
+            <a:extLst>
+              <a:ext uri="{FF2B5EF4-FFF2-40B4-BE49-F238E27FC236}">
+                <a16:creationId xmlns:a16="http://schemas.microsoft.com/office/drawing/2014/main" id="{1CE1B151-637E-8B66-E81B-83DBDA2CD62F}"/>
+              </a:ext>
+            </a:extLst>
+          </p:cNvPr>
+          <p:cNvSpPr>
+            <a:spLocks noGrp="1"/>
+          </p:cNvSpPr>
+          <p:nvPr>
+            <p:ph idx="1"/>
+          </p:nvPr>
+        </p:nvSpPr>
+        <p:spPr/>
+        <p:txBody>
+          <a:bodyPr/>
+          <a:lstStyle/>
+          <a:p>
+            <a:endParaRPr lang="zh-TW" altLang="en-US" dirty="0"/>
+          </a:p>
+        </p:txBody>
+      </p:sp>
+      <p:sp>
+        <p:nvSpPr>
+          <p:cNvPr id="4" name="投影片編號版面配置區 3">
+            <a:extLst>
+              <a:ext uri="{FF2B5EF4-FFF2-40B4-BE49-F238E27FC236}">
+                <a16:creationId xmlns:a16="http://schemas.microsoft.com/office/drawing/2014/main" id="{09040C1A-BB42-6730-BF88-ED8A067A076E}"/>
+              </a:ext>
+            </a:extLst>
+          </p:cNvPr>
+          <p:cNvSpPr>
+            <a:spLocks noGrp="1"/>
+          </p:cNvSpPr>
+          <p:nvPr>
+            <p:ph type="sldNum" sz="quarter" idx="12"/>
+          </p:nvPr>
+        </p:nvSpPr>
+        <p:spPr/>
+        <p:txBody>
+          <a:bodyPr/>
+          <a:lstStyle/>
+          <a:p>
+            <a:fld id="{666274A1-CF9C-426A-8DD4-B13ED0C24231}" type="slidenum">
+              <a:rPr lang="en-US" smtClean="0"/>
+              <a:t>12</a:t>
+            </a:fld>
+            <a:endParaRPr lang="en-US"/>
+          </a:p>
+        </p:txBody>
+      </p:sp>
+      <p:pic>
+        <p:nvPicPr>
+          <p:cNvPr id="6" name="圖片 5">
+            <a:extLst>
+              <a:ext uri="{FF2B5EF4-FFF2-40B4-BE49-F238E27FC236}">
+                <a16:creationId xmlns:a16="http://schemas.microsoft.com/office/drawing/2014/main" id="{B8AD2B18-8E28-1234-4168-850BED9BC432}"/>
+              </a:ext>
+            </a:extLst>
+          </p:cNvPr>
+          <p:cNvPicPr>
+            <a:picLocks noChangeAspect="1"/>
+          </p:cNvPicPr>
+          <p:nvPr/>
+        </p:nvPicPr>
+        <p:blipFill rotWithShape="1">
+          <a:blip r:embed="rId2"/>
+          <a:srcRect l="8066" t="17948" r="8967" b="11076"/>
+          <a:stretch/>
+        </p:blipFill>
+        <p:spPr>
+          <a:xfrm>
+            <a:off x="2200589" y="3245618"/>
+            <a:ext cx="7707086" cy="1125415"/>
+          </a:xfrm>
+          <a:prstGeom prst="rect">
+            <a:avLst/>
+          </a:prstGeom>
+        </p:spPr>
+      </p:pic>
+    </p:spTree>
+    <p:extLst>
+      <p:ext uri="{BB962C8B-B14F-4D97-AF65-F5344CB8AC3E}">
+        <p14:creationId xmlns:p14="http://schemas.microsoft.com/office/powerpoint/2010/main" val="1553194285"/>
+      </p:ext>
+    </p:extLst>
+  </p:cSld>
+  <p:clrMapOvr>
+    <a:masterClrMapping/>
+  </p:clrMapOvr>
+</p:sld>
+</file>
+
+<file path=ppt/slides/slide14.xml><?xml version="1.0" encoding="utf-8"?>
 <p:sld xmlns:a="http://schemas.openxmlformats.org/drawingml/2006/main" xmlns:r="http://schemas.openxmlformats.org/officeDocument/2006/relationships" xmlns:p="http://schemas.openxmlformats.org/presentationml/2006/main">
   <p:cSld>
     <p:spTree>
@@ -10456,7 +10890,7 @@
           <a:p>
             <a:fld id="{666274A1-CF9C-426A-8DD4-B13ED0C24231}" type="slidenum">
               <a:rPr lang="en-US" smtClean="0"/>
-              <a:t>12</a:t>
+              <a:t>13</a:t>
             </a:fld>
             <a:endParaRPr lang="en-US"/>
           </a:p>
@@ -10535,7 +10969,7 @@
 </p:sld>
 </file>
 
-<file path=ppt/slides/slide14.xml><?xml version="1.0" encoding="utf-8"?>
+<file path=ppt/slides/slide15.xml><?xml version="1.0" encoding="utf-8"?>
 <p:sld xmlns:a="http://schemas.openxmlformats.org/drawingml/2006/main" xmlns:r="http://schemas.openxmlformats.org/officeDocument/2006/relationships" xmlns:p="http://schemas.openxmlformats.org/presentationml/2006/main">
   <p:cSld>
     <p:spTree>
@@ -10971,7 +11405,7 @@
           <a:p>
             <a:fld id="{666274A1-CF9C-426A-8DD4-B13ED0C24231}" type="slidenum">
               <a:rPr lang="en-US" smtClean="0"/>
-              <a:t>13</a:t>
+              <a:t>14</a:t>
             </a:fld>
             <a:endParaRPr lang="en-US" dirty="0"/>
           </a:p>
@@ -11079,126 +11513,6 @@
 </p:sld>
 </file>
 
-<file path=ppt/slides/slide15.xml><?xml version="1.0" encoding="utf-8"?>
-<p:sld xmlns:a="http://schemas.openxmlformats.org/drawingml/2006/main" xmlns:r="http://schemas.openxmlformats.org/officeDocument/2006/relationships" xmlns:p="http://schemas.openxmlformats.org/presentationml/2006/main">
-  <p:cSld>
-    <p:spTree>
-      <p:nvGrpSpPr>
-        <p:cNvPr id="1" name=""/>
-        <p:cNvGrpSpPr/>
-        <p:nvPr/>
-      </p:nvGrpSpPr>
-      <p:grpSpPr>
-        <a:xfrm>
-          <a:off x="0" y="0"/>
-          <a:ext cx="0" cy="0"/>
-          <a:chOff x="0" y="0"/>
-          <a:chExt cx="0" cy="0"/>
-        </a:xfrm>
-      </p:grpSpPr>
-      <p:sp>
-        <p:nvSpPr>
-          <p:cNvPr id="2" name="標題 1">
-            <a:extLst>
-              <a:ext uri="{FF2B5EF4-FFF2-40B4-BE49-F238E27FC236}">
-                <a16:creationId xmlns:a16="http://schemas.microsoft.com/office/drawing/2014/main" id="{B73C8EB6-F33A-052C-C6DD-EC4702B99392}"/>
-              </a:ext>
-            </a:extLst>
-          </p:cNvPr>
-          <p:cNvSpPr>
-            <a:spLocks noGrp="1"/>
-          </p:cNvSpPr>
-          <p:nvPr>
-            <p:ph type="title"/>
-          </p:nvPr>
-        </p:nvSpPr>
-        <p:spPr/>
-        <p:txBody>
-          <a:bodyPr/>
-          <a:lstStyle/>
-          <a:p>
-            <a:r>
-              <a:rPr lang="en-US" altLang="zh-TW" sz="4000" dirty="0">
-                <a:latin typeface="Times" panose="02020603050405020304" pitchFamily="18" charset="0"/>
-                <a:cs typeface="Times" panose="02020603050405020304" pitchFamily="18" charset="0"/>
-              </a:rPr>
-              <a:t>Preliminaries</a:t>
-            </a:r>
-            <a:endParaRPr lang="zh-TW" altLang="en-US" dirty="0"/>
-          </a:p>
-        </p:txBody>
-      </p:sp>
-      <p:pic>
-        <p:nvPicPr>
-          <p:cNvPr id="6" name="內容版面配置區 5">
-            <a:extLst>
-              <a:ext uri="{FF2B5EF4-FFF2-40B4-BE49-F238E27FC236}">
-                <a16:creationId xmlns:a16="http://schemas.microsoft.com/office/drawing/2014/main" id="{07710DD3-81DB-71BD-96F4-9F9A8B7AA2F7}"/>
-              </a:ext>
-            </a:extLst>
-          </p:cNvPr>
-          <p:cNvPicPr>
-            <a:picLocks noGrp="1" noChangeAspect="1"/>
-          </p:cNvPicPr>
-          <p:nvPr>
-            <p:ph idx="1"/>
-          </p:nvPr>
-        </p:nvPicPr>
-        <p:blipFill>
-          <a:blip r:embed="rId2"/>
-          <a:stretch>
-            <a:fillRect/>
-          </a:stretch>
-        </p:blipFill>
-        <p:spPr>
-          <a:xfrm>
-            <a:off x="1115161" y="2954130"/>
-            <a:ext cx="10319688" cy="2199761"/>
-          </a:xfrm>
-        </p:spPr>
-      </p:pic>
-      <p:sp>
-        <p:nvSpPr>
-          <p:cNvPr id="4" name="投影片編號版面配置區 3">
-            <a:extLst>
-              <a:ext uri="{FF2B5EF4-FFF2-40B4-BE49-F238E27FC236}">
-                <a16:creationId xmlns:a16="http://schemas.microsoft.com/office/drawing/2014/main" id="{A0B7CBDB-8AD8-E912-4D05-18E8573EA29E}"/>
-              </a:ext>
-            </a:extLst>
-          </p:cNvPr>
-          <p:cNvSpPr>
-            <a:spLocks noGrp="1"/>
-          </p:cNvSpPr>
-          <p:nvPr>
-            <p:ph type="sldNum" sz="quarter" idx="12"/>
-          </p:nvPr>
-        </p:nvSpPr>
-        <p:spPr/>
-        <p:txBody>
-          <a:bodyPr/>
-          <a:lstStyle/>
-          <a:p>
-            <a:fld id="{666274A1-CF9C-426A-8DD4-B13ED0C24231}" type="slidenum">
-              <a:rPr lang="en-US" smtClean="0"/>
-              <a:t>14</a:t>
-            </a:fld>
-            <a:endParaRPr lang="en-US"/>
-          </a:p>
-        </p:txBody>
-      </p:sp>
-    </p:spTree>
-    <p:extLst>
-      <p:ext uri="{BB962C8B-B14F-4D97-AF65-F5344CB8AC3E}">
-        <p14:creationId xmlns:p14="http://schemas.microsoft.com/office/powerpoint/2010/main" val="3403271771"/>
-      </p:ext>
-    </p:extLst>
-  </p:cSld>
-  <p:clrMapOvr>
-    <a:masterClrMapping/>
-  </p:clrMapOvr>
-</p:sld>
-</file>
-
 <file path=ppt/slides/slide16.xml><?xml version="1.0" encoding="utf-8"?>
 <p:sld xmlns:a="http://schemas.openxmlformats.org/drawingml/2006/main" xmlns:r="http://schemas.openxmlformats.org/officeDocument/2006/relationships" xmlns:p="http://schemas.openxmlformats.org/presentationml/2006/main">
   <p:cSld>
@@ -11218,6 +11532,126 @@
       </p:grpSpPr>
       <p:sp>
         <p:nvSpPr>
+          <p:cNvPr id="2" name="標題 1">
+            <a:extLst>
+              <a:ext uri="{FF2B5EF4-FFF2-40B4-BE49-F238E27FC236}">
+                <a16:creationId xmlns:a16="http://schemas.microsoft.com/office/drawing/2014/main" id="{B73C8EB6-F33A-052C-C6DD-EC4702B99392}"/>
+              </a:ext>
+            </a:extLst>
+          </p:cNvPr>
+          <p:cNvSpPr>
+            <a:spLocks noGrp="1"/>
+          </p:cNvSpPr>
+          <p:nvPr>
+            <p:ph type="title"/>
+          </p:nvPr>
+        </p:nvSpPr>
+        <p:spPr/>
+        <p:txBody>
+          <a:bodyPr/>
+          <a:lstStyle/>
+          <a:p>
+            <a:r>
+              <a:rPr lang="en-US" altLang="zh-TW" sz="4000" dirty="0">
+                <a:latin typeface="Times" panose="02020603050405020304" pitchFamily="18" charset="0"/>
+                <a:cs typeface="Times" panose="02020603050405020304" pitchFamily="18" charset="0"/>
+              </a:rPr>
+              <a:t>Preliminaries</a:t>
+            </a:r>
+            <a:endParaRPr lang="zh-TW" altLang="en-US" dirty="0"/>
+          </a:p>
+        </p:txBody>
+      </p:sp>
+      <p:pic>
+        <p:nvPicPr>
+          <p:cNvPr id="6" name="內容版面配置區 5">
+            <a:extLst>
+              <a:ext uri="{FF2B5EF4-FFF2-40B4-BE49-F238E27FC236}">
+                <a16:creationId xmlns:a16="http://schemas.microsoft.com/office/drawing/2014/main" id="{07710DD3-81DB-71BD-96F4-9F9A8B7AA2F7}"/>
+              </a:ext>
+            </a:extLst>
+          </p:cNvPr>
+          <p:cNvPicPr>
+            <a:picLocks noGrp="1" noChangeAspect="1"/>
+          </p:cNvPicPr>
+          <p:nvPr>
+            <p:ph idx="1"/>
+          </p:nvPr>
+        </p:nvPicPr>
+        <p:blipFill>
+          <a:blip r:embed="rId2"/>
+          <a:stretch>
+            <a:fillRect/>
+          </a:stretch>
+        </p:blipFill>
+        <p:spPr>
+          <a:xfrm>
+            <a:off x="1115161" y="2954130"/>
+            <a:ext cx="10319688" cy="2199761"/>
+          </a:xfrm>
+        </p:spPr>
+      </p:pic>
+      <p:sp>
+        <p:nvSpPr>
+          <p:cNvPr id="4" name="投影片編號版面配置區 3">
+            <a:extLst>
+              <a:ext uri="{FF2B5EF4-FFF2-40B4-BE49-F238E27FC236}">
+                <a16:creationId xmlns:a16="http://schemas.microsoft.com/office/drawing/2014/main" id="{A0B7CBDB-8AD8-E912-4D05-18E8573EA29E}"/>
+              </a:ext>
+            </a:extLst>
+          </p:cNvPr>
+          <p:cNvSpPr>
+            <a:spLocks noGrp="1"/>
+          </p:cNvSpPr>
+          <p:nvPr>
+            <p:ph type="sldNum" sz="quarter" idx="12"/>
+          </p:nvPr>
+        </p:nvSpPr>
+        <p:spPr/>
+        <p:txBody>
+          <a:bodyPr/>
+          <a:lstStyle/>
+          <a:p>
+            <a:fld id="{666274A1-CF9C-426A-8DD4-B13ED0C24231}" type="slidenum">
+              <a:rPr lang="en-US" smtClean="0"/>
+              <a:t>15</a:t>
+            </a:fld>
+            <a:endParaRPr lang="en-US"/>
+          </a:p>
+        </p:txBody>
+      </p:sp>
+    </p:spTree>
+    <p:extLst>
+      <p:ext uri="{BB962C8B-B14F-4D97-AF65-F5344CB8AC3E}">
+        <p14:creationId xmlns:p14="http://schemas.microsoft.com/office/powerpoint/2010/main" val="3403271771"/>
+      </p:ext>
+    </p:extLst>
+  </p:cSld>
+  <p:clrMapOvr>
+    <a:masterClrMapping/>
+  </p:clrMapOvr>
+</p:sld>
+</file>
+
+<file path=ppt/slides/slide17.xml><?xml version="1.0" encoding="utf-8"?>
+<p:sld xmlns:a="http://schemas.openxmlformats.org/drawingml/2006/main" xmlns:r="http://schemas.openxmlformats.org/officeDocument/2006/relationships" xmlns:p="http://schemas.openxmlformats.org/presentationml/2006/main">
+  <p:cSld>
+    <p:spTree>
+      <p:nvGrpSpPr>
+        <p:cNvPr id="1" name=""/>
+        <p:cNvGrpSpPr/>
+        <p:nvPr/>
+      </p:nvGrpSpPr>
+      <p:grpSpPr>
+        <a:xfrm>
+          <a:off x="0" y="0"/>
+          <a:ext cx="0" cy="0"/>
+          <a:chOff x="0" y="0"/>
+          <a:chExt cx="0" cy="0"/>
+        </a:xfrm>
+      </p:grpSpPr>
+      <p:sp>
+        <p:nvSpPr>
           <p:cNvPr id="2" name="Title 1">
             <a:extLst>
               <a:ext uri="{FF2B5EF4-FFF2-40B4-BE49-F238E27FC236}">
@@ -11274,7 +11708,7 @@
           <a:p>
             <a:fld id="{666274A1-CF9C-426A-8DD4-B13ED0C24231}" type="slidenum">
               <a:rPr lang="en-US" smtClean="0"/>
-              <a:t>15</a:t>
+              <a:t>16</a:t>
             </a:fld>
             <a:endParaRPr lang="en-US"/>
           </a:p>
@@ -11580,7 +12014,7 @@
 </p:sld>
 </file>
 
-<file path=ppt/slides/slide17.xml><?xml version="1.0" encoding="utf-8"?>
+<file path=ppt/slides/slide18.xml><?xml version="1.0" encoding="utf-8"?>
 <p:sld xmlns:a="http://schemas.openxmlformats.org/drawingml/2006/main" xmlns:r="http://schemas.openxmlformats.org/officeDocument/2006/relationships" xmlns:p="http://schemas.openxmlformats.org/presentationml/2006/main">
   <p:cSld>
     <p:spTree>
@@ -11632,8 +12066,8 @@
           </a:p>
         </p:txBody>
       </p:sp>
-      <mc:AlternateContent xmlns:mc="http://schemas.openxmlformats.org/markup-compatibility/2006">
-        <mc:Choice xmlns:a14="http://schemas.microsoft.com/office/drawing/2010/main" Requires="a14">
+      <mc:AlternateContent xmlns:mc="http://schemas.openxmlformats.org/markup-compatibility/2006" xmlns:a14="http://schemas.microsoft.com/office/drawing/2010/main">
+        <mc:Choice Requires="a14">
           <p:sp>
             <p:nvSpPr>
               <p:cNvPr id="3" name="內容版面配置區 2">
@@ -12333,7 +12767,7 @@
             </p:txBody>
           </p:sp>
         </mc:Choice>
-        <mc:Fallback>
+        <mc:Fallback xmlns="">
           <p:sp>
             <p:nvSpPr>
               <p:cNvPr id="3" name="內容版面配置區 2">
@@ -12400,7 +12834,7 @@
           <a:p>
             <a:fld id="{666274A1-CF9C-426A-8DD4-B13ED0C24231}" type="slidenum">
               <a:rPr lang="en-US" smtClean="0"/>
-              <a:t>16</a:t>
+              <a:t>17</a:t>
             </a:fld>
             <a:endParaRPr lang="en-US" dirty="0"/>
           </a:p>
@@ -12419,7 +12853,7 @@
 </p:sld>
 </file>
 
-<file path=ppt/slides/slide18.xml><?xml version="1.0" encoding="utf-8"?>
+<file path=ppt/slides/slide19.xml><?xml version="1.0" encoding="utf-8"?>
 <p:sld xmlns:a="http://schemas.openxmlformats.org/drawingml/2006/main" xmlns:r="http://schemas.openxmlformats.org/officeDocument/2006/relationships" xmlns:p="http://schemas.openxmlformats.org/presentationml/2006/main">
   <p:cSld>
     <p:spTree>
@@ -12471,8 +12905,8 @@
           </a:p>
         </p:txBody>
       </p:sp>
-      <mc:AlternateContent xmlns:mc="http://schemas.openxmlformats.org/markup-compatibility/2006" xmlns:a14="http://schemas.microsoft.com/office/drawing/2010/main">
-        <mc:Choice Requires="a14">
+      <mc:AlternateContent xmlns:mc="http://schemas.openxmlformats.org/markup-compatibility/2006">
+        <mc:Choice xmlns:a14="http://schemas.microsoft.com/office/drawing/2010/main" Requires="a14">
           <p:sp>
             <p:nvSpPr>
               <p:cNvPr id="3" name="內容版面配置區 2">
@@ -12512,7 +12946,7 @@
                     <a:ea typeface="標楷體" panose="03000509000000000000" pitchFamily="65" charset="-120"/>
                     <a:cs typeface="Times" panose="02020603050405020304" pitchFamily="18" charset="0"/>
                   </a:rPr>
-                  <a:t>Lower computational complexity compare with quadratic-model-based approaches. </a:t>
+                  <a:t>Lower computational complexity compare with quadratic-model-based approaches.</a:t>
                 </a:r>
               </a:p>
               <a:p>
@@ -13182,7 +13616,7 @@
             </p:txBody>
           </p:sp>
         </mc:Choice>
-        <mc:Fallback xmlns="">
+        <mc:Fallback>
           <p:sp>
             <p:nvSpPr>
               <p:cNvPr id="3" name="內容版面配置區 2">
@@ -13249,7 +13683,7 @@
           <a:p>
             <a:fld id="{666274A1-CF9C-426A-8DD4-B13ED0C24231}" type="slidenum">
               <a:rPr lang="en-US" smtClean="0"/>
-              <a:t>17</a:t>
+              <a:t>18</a:t>
             </a:fld>
             <a:endParaRPr lang="en-US" dirty="0"/>
           </a:p>
@@ -13358,7 +13792,368 @@
 </p:sld>
 </file>
 
-<file path=ppt/slides/slide19.xml><?xml version="1.0" encoding="utf-8"?>
+<file path=ppt/slides/slide2.xml><?xml version="1.0" encoding="utf-8"?>
+<p:sld xmlns:a="http://schemas.openxmlformats.org/drawingml/2006/main" xmlns:r="http://schemas.openxmlformats.org/officeDocument/2006/relationships" xmlns:p="http://schemas.openxmlformats.org/presentationml/2006/main">
+  <p:cSld>
+    <p:spTree>
+      <p:nvGrpSpPr>
+        <p:cNvPr id="1" name=""/>
+        <p:cNvGrpSpPr/>
+        <p:nvPr/>
+      </p:nvGrpSpPr>
+      <p:grpSpPr>
+        <a:xfrm>
+          <a:off x="0" y="0"/>
+          <a:ext cx="0" cy="0"/>
+          <a:chOff x="0" y="0"/>
+          <a:chExt cx="0" cy="0"/>
+        </a:xfrm>
+      </p:grpSpPr>
+      <p:sp>
+        <p:nvSpPr>
+          <p:cNvPr id="2" name="Title 1">
+            <a:extLst>
+              <a:ext uri="{FF2B5EF4-FFF2-40B4-BE49-F238E27FC236}">
+                <a16:creationId xmlns:a16="http://schemas.microsoft.com/office/drawing/2014/main" id="{034B2B09-3A89-725A-85C2-749F88A4474D}"/>
+              </a:ext>
+            </a:extLst>
+          </p:cNvPr>
+          <p:cNvSpPr>
+            <a:spLocks noGrp="1"/>
+          </p:cNvSpPr>
+          <p:nvPr>
+            <p:ph type="title"/>
+          </p:nvPr>
+        </p:nvSpPr>
+        <p:spPr/>
+        <p:txBody>
+          <a:bodyPr/>
+          <a:lstStyle/>
+          <a:p>
+            <a:r>
+              <a:rPr lang="en-US" sz="4000" dirty="0">
+                <a:latin typeface="Times New Roman" panose="02020603050405020304" pitchFamily="18" charset="0"/>
+                <a:cs typeface="Times New Roman" panose="02020603050405020304" pitchFamily="18" charset="0"/>
+              </a:rPr>
+              <a:t>Outline</a:t>
+            </a:r>
+            <a:endParaRPr lang="en-US" dirty="0">
+              <a:latin typeface="Times New Roman" panose="02020603050405020304" pitchFamily="18" charset="0"/>
+              <a:cs typeface="Times New Roman" panose="02020603050405020304" pitchFamily="18" charset="0"/>
+            </a:endParaRPr>
+          </a:p>
+        </p:txBody>
+      </p:sp>
+      <p:sp>
+        <p:nvSpPr>
+          <p:cNvPr id="4" name="Slide Number Placeholder 3">
+            <a:extLst>
+              <a:ext uri="{FF2B5EF4-FFF2-40B4-BE49-F238E27FC236}">
+                <a16:creationId xmlns:a16="http://schemas.microsoft.com/office/drawing/2014/main" id="{3592E110-E718-0573-BF00-CE5E90916A66}"/>
+              </a:ext>
+            </a:extLst>
+          </p:cNvPr>
+          <p:cNvSpPr>
+            <a:spLocks noGrp="1"/>
+          </p:cNvSpPr>
+          <p:nvPr>
+            <p:ph type="sldNum" sz="quarter" idx="12"/>
+          </p:nvPr>
+        </p:nvSpPr>
+        <p:spPr/>
+        <p:txBody>
+          <a:bodyPr/>
+          <a:lstStyle/>
+          <a:p>
+            <a:fld id="{666274A1-CF9C-426A-8DD4-B13ED0C24231}" type="slidenum">
+              <a:rPr lang="en-US" smtClean="0"/>
+              <a:t>1</a:t>
+            </a:fld>
+            <a:endParaRPr lang="en-US"/>
+          </a:p>
+        </p:txBody>
+      </p:sp>
+      <p:sp>
+        <p:nvSpPr>
+          <p:cNvPr id="7" name="Content Placeholder 2">
+            <a:extLst>
+              <a:ext uri="{FF2B5EF4-FFF2-40B4-BE49-F238E27FC236}">
+                <a16:creationId xmlns:a16="http://schemas.microsoft.com/office/drawing/2014/main" id="{85FB6EDC-A81C-417F-C3B2-4378D3D43B94}"/>
+              </a:ext>
+            </a:extLst>
+          </p:cNvPr>
+          <p:cNvSpPr txBox="1">
+            <a:spLocks/>
+          </p:cNvSpPr>
+          <p:nvPr/>
+        </p:nvSpPr>
+        <p:spPr>
+          <a:xfrm>
+            <a:off x="1028700" y="1690688"/>
+            <a:ext cx="10515600" cy="4351338"/>
+          </a:xfrm>
+          <a:prstGeom prst="rect">
+            <a:avLst/>
+          </a:prstGeom>
+        </p:spPr>
+        <p:txBody>
+          <a:bodyPr vert="horz" lIns="91440" tIns="45720" rIns="91440" bIns="45720" rtlCol="0">
+            <a:normAutofit/>
+          </a:bodyPr>
+          <a:lstStyle>
+            <a:lvl1pPr marL="228600" indent="-228600" algn="l" defTabSz="914400" rtl="0" eaLnBrk="1" latinLnBrk="0" hangingPunct="1">
+              <a:lnSpc>
+                <a:spcPct val="90000"/>
+              </a:lnSpc>
+              <a:spcBef>
+                <a:spcPts val="1000"/>
+              </a:spcBef>
+              <a:buFont typeface="Arial" panose="020B0604020202020204" pitchFamily="34" charset="0"/>
+              <a:buChar char="•"/>
+              <a:defRPr sz="2800" kern="1200">
+                <a:solidFill>
+                  <a:schemeClr val="tx1"/>
+                </a:solidFill>
+                <a:latin typeface="+mn-lt"/>
+                <a:ea typeface="+mn-ea"/>
+                <a:cs typeface="+mn-cs"/>
+              </a:defRPr>
+            </a:lvl1pPr>
+            <a:lvl2pPr marL="685800" indent="-228600" algn="l" defTabSz="914400" rtl="0" eaLnBrk="1" latinLnBrk="0" hangingPunct="1">
+              <a:lnSpc>
+                <a:spcPct val="90000"/>
+              </a:lnSpc>
+              <a:spcBef>
+                <a:spcPts val="500"/>
+              </a:spcBef>
+              <a:buFont typeface="Arial" panose="020B0604020202020204" pitchFamily="34" charset="0"/>
+              <a:buChar char="•"/>
+              <a:defRPr sz="2400" kern="1200">
+                <a:solidFill>
+                  <a:schemeClr val="tx1"/>
+                </a:solidFill>
+                <a:latin typeface="+mn-lt"/>
+                <a:ea typeface="+mn-ea"/>
+                <a:cs typeface="+mn-cs"/>
+              </a:defRPr>
+            </a:lvl2pPr>
+            <a:lvl3pPr marL="1143000" indent="-228600" algn="l" defTabSz="914400" rtl="0" eaLnBrk="1" latinLnBrk="0" hangingPunct="1">
+              <a:lnSpc>
+                <a:spcPct val="90000"/>
+              </a:lnSpc>
+              <a:spcBef>
+                <a:spcPts val="500"/>
+              </a:spcBef>
+              <a:buFont typeface="Arial" panose="020B0604020202020204" pitchFamily="34" charset="0"/>
+              <a:buChar char="•"/>
+              <a:defRPr sz="2000" kern="1200">
+                <a:solidFill>
+                  <a:schemeClr val="tx1"/>
+                </a:solidFill>
+                <a:latin typeface="+mn-lt"/>
+                <a:ea typeface="+mn-ea"/>
+                <a:cs typeface="+mn-cs"/>
+              </a:defRPr>
+            </a:lvl3pPr>
+            <a:lvl4pPr marL="1600200" indent="-228600" algn="l" defTabSz="914400" rtl="0" eaLnBrk="1" latinLnBrk="0" hangingPunct="1">
+              <a:lnSpc>
+                <a:spcPct val="90000"/>
+              </a:lnSpc>
+              <a:spcBef>
+                <a:spcPts val="500"/>
+              </a:spcBef>
+              <a:buFont typeface="Arial" panose="020B0604020202020204" pitchFamily="34" charset="0"/>
+              <a:buChar char="•"/>
+              <a:defRPr sz="1800" kern="1200">
+                <a:solidFill>
+                  <a:schemeClr val="tx1"/>
+                </a:solidFill>
+                <a:latin typeface="+mn-lt"/>
+                <a:ea typeface="+mn-ea"/>
+                <a:cs typeface="+mn-cs"/>
+              </a:defRPr>
+            </a:lvl4pPr>
+            <a:lvl5pPr marL="2057400" indent="-228600" algn="l" defTabSz="914400" rtl="0" eaLnBrk="1" latinLnBrk="0" hangingPunct="1">
+              <a:lnSpc>
+                <a:spcPct val="90000"/>
+              </a:lnSpc>
+              <a:spcBef>
+                <a:spcPts val="500"/>
+              </a:spcBef>
+              <a:buFont typeface="Arial" panose="020B0604020202020204" pitchFamily="34" charset="0"/>
+              <a:buChar char="•"/>
+              <a:defRPr sz="1800" kern="1200">
+                <a:solidFill>
+                  <a:schemeClr val="tx1"/>
+                </a:solidFill>
+                <a:latin typeface="+mn-lt"/>
+                <a:ea typeface="+mn-ea"/>
+                <a:cs typeface="+mn-cs"/>
+              </a:defRPr>
+            </a:lvl5pPr>
+            <a:lvl6pPr marL="2514600" indent="-228600" algn="l" defTabSz="914400" rtl="0" eaLnBrk="1" latinLnBrk="0" hangingPunct="1">
+              <a:lnSpc>
+                <a:spcPct val="90000"/>
+              </a:lnSpc>
+              <a:spcBef>
+                <a:spcPts val="500"/>
+              </a:spcBef>
+              <a:buFont typeface="Arial" panose="020B0604020202020204" pitchFamily="34" charset="0"/>
+              <a:buChar char="•"/>
+              <a:defRPr sz="1800" kern="1200">
+                <a:solidFill>
+                  <a:schemeClr val="tx1"/>
+                </a:solidFill>
+                <a:latin typeface="+mn-lt"/>
+                <a:ea typeface="+mn-ea"/>
+                <a:cs typeface="+mn-cs"/>
+              </a:defRPr>
+            </a:lvl6pPr>
+            <a:lvl7pPr marL="2971800" indent="-228600" algn="l" defTabSz="914400" rtl="0" eaLnBrk="1" latinLnBrk="0" hangingPunct="1">
+              <a:lnSpc>
+                <a:spcPct val="90000"/>
+              </a:lnSpc>
+              <a:spcBef>
+                <a:spcPts val="500"/>
+              </a:spcBef>
+              <a:buFont typeface="Arial" panose="020B0604020202020204" pitchFamily="34" charset="0"/>
+              <a:buChar char="•"/>
+              <a:defRPr sz="1800" kern="1200">
+                <a:solidFill>
+                  <a:schemeClr val="tx1"/>
+                </a:solidFill>
+                <a:latin typeface="+mn-lt"/>
+                <a:ea typeface="+mn-ea"/>
+                <a:cs typeface="+mn-cs"/>
+              </a:defRPr>
+            </a:lvl7pPr>
+            <a:lvl8pPr marL="3429000" indent="-228600" algn="l" defTabSz="914400" rtl="0" eaLnBrk="1" latinLnBrk="0" hangingPunct="1">
+              <a:lnSpc>
+                <a:spcPct val="90000"/>
+              </a:lnSpc>
+              <a:spcBef>
+                <a:spcPts val="500"/>
+              </a:spcBef>
+              <a:buFont typeface="Arial" panose="020B0604020202020204" pitchFamily="34" charset="0"/>
+              <a:buChar char="•"/>
+              <a:defRPr sz="1800" kern="1200">
+                <a:solidFill>
+                  <a:schemeClr val="tx1"/>
+                </a:solidFill>
+                <a:latin typeface="+mn-lt"/>
+                <a:ea typeface="+mn-ea"/>
+                <a:cs typeface="+mn-cs"/>
+              </a:defRPr>
+            </a:lvl8pPr>
+            <a:lvl9pPr marL="3886200" indent="-228600" algn="l" defTabSz="914400" rtl="0" eaLnBrk="1" latinLnBrk="0" hangingPunct="1">
+              <a:lnSpc>
+                <a:spcPct val="90000"/>
+              </a:lnSpc>
+              <a:spcBef>
+                <a:spcPts val="500"/>
+              </a:spcBef>
+              <a:buFont typeface="Arial" panose="020B0604020202020204" pitchFamily="34" charset="0"/>
+              <a:buChar char="•"/>
+              <a:defRPr sz="1800" kern="1200">
+                <a:solidFill>
+                  <a:schemeClr val="tx1"/>
+                </a:solidFill>
+                <a:latin typeface="+mn-lt"/>
+                <a:ea typeface="+mn-ea"/>
+                <a:cs typeface="+mn-cs"/>
+              </a:defRPr>
+            </a:lvl9pPr>
+          </a:lstStyle>
+          <a:p>
+            <a:pPr>
+              <a:lnSpc>
+                <a:spcPct val="130000"/>
+              </a:lnSpc>
+            </a:pPr>
+            <a:r>
+              <a:rPr lang="en-US" sz="2400" dirty="0">
+                <a:latin typeface="Times New Roman" panose="02020603050405020304" pitchFamily="18" charset="0"/>
+                <a:cs typeface="Times New Roman" panose="02020603050405020304" pitchFamily="18" charset="0"/>
+              </a:rPr>
+              <a:t>Introduction</a:t>
+            </a:r>
+          </a:p>
+          <a:p>
+            <a:pPr>
+              <a:lnSpc>
+                <a:spcPct val="130000"/>
+              </a:lnSpc>
+            </a:pPr>
+            <a:r>
+              <a:rPr lang="en-US" sz="2400" dirty="0">
+                <a:latin typeface="Times New Roman" panose="02020603050405020304" pitchFamily="18" charset="0"/>
+                <a:cs typeface="Times New Roman" panose="02020603050405020304" pitchFamily="18" charset="0"/>
+              </a:rPr>
+              <a:t>Preliminaries</a:t>
+            </a:r>
+          </a:p>
+          <a:p>
+            <a:pPr>
+              <a:lnSpc>
+                <a:spcPct val="130000"/>
+              </a:lnSpc>
+            </a:pPr>
+            <a:r>
+              <a:rPr lang="en-US" sz="2400" dirty="0">
+                <a:latin typeface="Times New Roman" panose="02020603050405020304" pitchFamily="18" charset="0"/>
+                <a:cs typeface="Times New Roman" panose="02020603050405020304" pitchFamily="18" charset="0"/>
+              </a:rPr>
+              <a:t>Algorithm</a:t>
+            </a:r>
+            <a:endParaRPr lang="en-US" sz="2000" dirty="0">
+              <a:latin typeface="Times New Roman" panose="02020603050405020304" pitchFamily="18" charset="0"/>
+              <a:cs typeface="Times New Roman" panose="02020603050405020304" pitchFamily="18" charset="0"/>
+            </a:endParaRPr>
+          </a:p>
+          <a:p>
+            <a:pPr>
+              <a:lnSpc>
+                <a:spcPct val="130000"/>
+              </a:lnSpc>
+            </a:pPr>
+            <a:r>
+              <a:rPr lang="en-US" sz="2400" dirty="0">
+                <a:latin typeface="Times New Roman" panose="02020603050405020304" pitchFamily="18" charset="0"/>
+                <a:cs typeface="Times New Roman" panose="02020603050405020304" pitchFamily="18" charset="0"/>
+              </a:rPr>
+              <a:t>Experimental Result</a:t>
+            </a:r>
+          </a:p>
+          <a:p>
+            <a:pPr>
+              <a:lnSpc>
+                <a:spcPct val="130000"/>
+              </a:lnSpc>
+            </a:pPr>
+            <a:r>
+              <a:rPr lang="en-US" sz="2400" dirty="0">
+                <a:latin typeface="Times New Roman" panose="02020603050405020304" pitchFamily="18" charset="0"/>
+                <a:cs typeface="Times New Roman" panose="02020603050405020304" pitchFamily="18" charset="0"/>
+              </a:rPr>
+              <a:t>Conclusion</a:t>
+            </a:r>
+          </a:p>
+        </p:txBody>
+      </p:sp>
+    </p:spTree>
+    <p:extLst>
+      <p:ext uri="{BB962C8B-B14F-4D97-AF65-F5344CB8AC3E}">
+        <p14:creationId xmlns:p14="http://schemas.microsoft.com/office/powerpoint/2010/main" val="1597209759"/>
+      </p:ext>
+    </p:extLst>
+  </p:cSld>
+  <p:clrMapOvr>
+    <a:masterClrMapping/>
+  </p:clrMapOvr>
+</p:sld>
+</file>
+
+<file path=ppt/slides/slide20.xml><?xml version="1.0" encoding="utf-8"?>
 <p:sld xmlns:a="http://schemas.openxmlformats.org/drawingml/2006/main" xmlns:r="http://schemas.openxmlformats.org/officeDocument/2006/relationships" xmlns:p="http://schemas.openxmlformats.org/presentationml/2006/main">
   <p:cSld>
     <p:spTree>
@@ -14348,7 +15143,7 @@
           <a:p>
             <a:fld id="{666274A1-CF9C-426A-8DD4-B13ED0C24231}" type="slidenum">
               <a:rPr lang="en-US" smtClean="0"/>
-              <a:t>18</a:t>
+              <a:t>19</a:t>
             </a:fld>
             <a:endParaRPr lang="en-US" dirty="0"/>
           </a:p>
@@ -14426,368 +15221,7 @@
 </p:sld>
 </file>
 
-<file path=ppt/slides/slide2.xml><?xml version="1.0" encoding="utf-8"?>
-<p:sld xmlns:a="http://schemas.openxmlformats.org/drawingml/2006/main" xmlns:r="http://schemas.openxmlformats.org/officeDocument/2006/relationships" xmlns:p="http://schemas.openxmlformats.org/presentationml/2006/main">
-  <p:cSld>
-    <p:spTree>
-      <p:nvGrpSpPr>
-        <p:cNvPr id="1" name=""/>
-        <p:cNvGrpSpPr/>
-        <p:nvPr/>
-      </p:nvGrpSpPr>
-      <p:grpSpPr>
-        <a:xfrm>
-          <a:off x="0" y="0"/>
-          <a:ext cx="0" cy="0"/>
-          <a:chOff x="0" y="0"/>
-          <a:chExt cx="0" cy="0"/>
-        </a:xfrm>
-      </p:grpSpPr>
-      <p:sp>
-        <p:nvSpPr>
-          <p:cNvPr id="2" name="Title 1">
-            <a:extLst>
-              <a:ext uri="{FF2B5EF4-FFF2-40B4-BE49-F238E27FC236}">
-                <a16:creationId xmlns:a16="http://schemas.microsoft.com/office/drawing/2014/main" id="{034B2B09-3A89-725A-85C2-749F88A4474D}"/>
-              </a:ext>
-            </a:extLst>
-          </p:cNvPr>
-          <p:cNvSpPr>
-            <a:spLocks noGrp="1"/>
-          </p:cNvSpPr>
-          <p:nvPr>
-            <p:ph type="title"/>
-          </p:nvPr>
-        </p:nvSpPr>
-        <p:spPr/>
-        <p:txBody>
-          <a:bodyPr/>
-          <a:lstStyle/>
-          <a:p>
-            <a:r>
-              <a:rPr lang="en-US" sz="4000" dirty="0">
-                <a:latin typeface="Times New Roman" panose="02020603050405020304" pitchFamily="18" charset="0"/>
-                <a:cs typeface="Times New Roman" panose="02020603050405020304" pitchFamily="18" charset="0"/>
-              </a:rPr>
-              <a:t>Outline</a:t>
-            </a:r>
-            <a:endParaRPr lang="en-US" dirty="0">
-              <a:latin typeface="Times New Roman" panose="02020603050405020304" pitchFamily="18" charset="0"/>
-              <a:cs typeface="Times New Roman" panose="02020603050405020304" pitchFamily="18" charset="0"/>
-            </a:endParaRPr>
-          </a:p>
-        </p:txBody>
-      </p:sp>
-      <p:sp>
-        <p:nvSpPr>
-          <p:cNvPr id="4" name="Slide Number Placeholder 3">
-            <a:extLst>
-              <a:ext uri="{FF2B5EF4-FFF2-40B4-BE49-F238E27FC236}">
-                <a16:creationId xmlns:a16="http://schemas.microsoft.com/office/drawing/2014/main" id="{3592E110-E718-0573-BF00-CE5E90916A66}"/>
-              </a:ext>
-            </a:extLst>
-          </p:cNvPr>
-          <p:cNvSpPr>
-            <a:spLocks noGrp="1"/>
-          </p:cNvSpPr>
-          <p:nvPr>
-            <p:ph type="sldNum" sz="quarter" idx="12"/>
-          </p:nvPr>
-        </p:nvSpPr>
-        <p:spPr/>
-        <p:txBody>
-          <a:bodyPr/>
-          <a:lstStyle/>
-          <a:p>
-            <a:fld id="{666274A1-CF9C-426A-8DD4-B13ED0C24231}" type="slidenum">
-              <a:rPr lang="en-US" smtClean="0"/>
-              <a:t>1</a:t>
-            </a:fld>
-            <a:endParaRPr lang="en-US"/>
-          </a:p>
-        </p:txBody>
-      </p:sp>
-      <p:sp>
-        <p:nvSpPr>
-          <p:cNvPr id="7" name="Content Placeholder 2">
-            <a:extLst>
-              <a:ext uri="{FF2B5EF4-FFF2-40B4-BE49-F238E27FC236}">
-                <a16:creationId xmlns:a16="http://schemas.microsoft.com/office/drawing/2014/main" id="{85FB6EDC-A81C-417F-C3B2-4378D3D43B94}"/>
-              </a:ext>
-            </a:extLst>
-          </p:cNvPr>
-          <p:cNvSpPr txBox="1">
-            <a:spLocks/>
-          </p:cNvSpPr>
-          <p:nvPr/>
-        </p:nvSpPr>
-        <p:spPr>
-          <a:xfrm>
-            <a:off x="1028700" y="1690688"/>
-            <a:ext cx="10515600" cy="4351338"/>
-          </a:xfrm>
-          <a:prstGeom prst="rect">
-            <a:avLst/>
-          </a:prstGeom>
-        </p:spPr>
-        <p:txBody>
-          <a:bodyPr vert="horz" lIns="91440" tIns="45720" rIns="91440" bIns="45720" rtlCol="0">
-            <a:normAutofit/>
-          </a:bodyPr>
-          <a:lstStyle>
-            <a:lvl1pPr marL="228600" indent="-228600" algn="l" defTabSz="914400" rtl="0" eaLnBrk="1" latinLnBrk="0" hangingPunct="1">
-              <a:lnSpc>
-                <a:spcPct val="90000"/>
-              </a:lnSpc>
-              <a:spcBef>
-                <a:spcPts val="1000"/>
-              </a:spcBef>
-              <a:buFont typeface="Arial" panose="020B0604020202020204" pitchFamily="34" charset="0"/>
-              <a:buChar char="•"/>
-              <a:defRPr sz="2800" kern="1200">
-                <a:solidFill>
-                  <a:schemeClr val="tx1"/>
-                </a:solidFill>
-                <a:latin typeface="+mn-lt"/>
-                <a:ea typeface="+mn-ea"/>
-                <a:cs typeface="+mn-cs"/>
-              </a:defRPr>
-            </a:lvl1pPr>
-            <a:lvl2pPr marL="685800" indent="-228600" algn="l" defTabSz="914400" rtl="0" eaLnBrk="1" latinLnBrk="0" hangingPunct="1">
-              <a:lnSpc>
-                <a:spcPct val="90000"/>
-              </a:lnSpc>
-              <a:spcBef>
-                <a:spcPts val="500"/>
-              </a:spcBef>
-              <a:buFont typeface="Arial" panose="020B0604020202020204" pitchFamily="34" charset="0"/>
-              <a:buChar char="•"/>
-              <a:defRPr sz="2400" kern="1200">
-                <a:solidFill>
-                  <a:schemeClr val="tx1"/>
-                </a:solidFill>
-                <a:latin typeface="+mn-lt"/>
-                <a:ea typeface="+mn-ea"/>
-                <a:cs typeface="+mn-cs"/>
-              </a:defRPr>
-            </a:lvl2pPr>
-            <a:lvl3pPr marL="1143000" indent="-228600" algn="l" defTabSz="914400" rtl="0" eaLnBrk="1" latinLnBrk="0" hangingPunct="1">
-              <a:lnSpc>
-                <a:spcPct val="90000"/>
-              </a:lnSpc>
-              <a:spcBef>
-                <a:spcPts val="500"/>
-              </a:spcBef>
-              <a:buFont typeface="Arial" panose="020B0604020202020204" pitchFamily="34" charset="0"/>
-              <a:buChar char="•"/>
-              <a:defRPr sz="2000" kern="1200">
-                <a:solidFill>
-                  <a:schemeClr val="tx1"/>
-                </a:solidFill>
-                <a:latin typeface="+mn-lt"/>
-                <a:ea typeface="+mn-ea"/>
-                <a:cs typeface="+mn-cs"/>
-              </a:defRPr>
-            </a:lvl3pPr>
-            <a:lvl4pPr marL="1600200" indent="-228600" algn="l" defTabSz="914400" rtl="0" eaLnBrk="1" latinLnBrk="0" hangingPunct="1">
-              <a:lnSpc>
-                <a:spcPct val="90000"/>
-              </a:lnSpc>
-              <a:spcBef>
-                <a:spcPts val="500"/>
-              </a:spcBef>
-              <a:buFont typeface="Arial" panose="020B0604020202020204" pitchFamily="34" charset="0"/>
-              <a:buChar char="•"/>
-              <a:defRPr sz="1800" kern="1200">
-                <a:solidFill>
-                  <a:schemeClr val="tx1"/>
-                </a:solidFill>
-                <a:latin typeface="+mn-lt"/>
-                <a:ea typeface="+mn-ea"/>
-                <a:cs typeface="+mn-cs"/>
-              </a:defRPr>
-            </a:lvl4pPr>
-            <a:lvl5pPr marL="2057400" indent="-228600" algn="l" defTabSz="914400" rtl="0" eaLnBrk="1" latinLnBrk="0" hangingPunct="1">
-              <a:lnSpc>
-                <a:spcPct val="90000"/>
-              </a:lnSpc>
-              <a:spcBef>
-                <a:spcPts val="500"/>
-              </a:spcBef>
-              <a:buFont typeface="Arial" panose="020B0604020202020204" pitchFamily="34" charset="0"/>
-              <a:buChar char="•"/>
-              <a:defRPr sz="1800" kern="1200">
-                <a:solidFill>
-                  <a:schemeClr val="tx1"/>
-                </a:solidFill>
-                <a:latin typeface="+mn-lt"/>
-                <a:ea typeface="+mn-ea"/>
-                <a:cs typeface="+mn-cs"/>
-              </a:defRPr>
-            </a:lvl5pPr>
-            <a:lvl6pPr marL="2514600" indent="-228600" algn="l" defTabSz="914400" rtl="0" eaLnBrk="1" latinLnBrk="0" hangingPunct="1">
-              <a:lnSpc>
-                <a:spcPct val="90000"/>
-              </a:lnSpc>
-              <a:spcBef>
-                <a:spcPts val="500"/>
-              </a:spcBef>
-              <a:buFont typeface="Arial" panose="020B0604020202020204" pitchFamily="34" charset="0"/>
-              <a:buChar char="•"/>
-              <a:defRPr sz="1800" kern="1200">
-                <a:solidFill>
-                  <a:schemeClr val="tx1"/>
-                </a:solidFill>
-                <a:latin typeface="+mn-lt"/>
-                <a:ea typeface="+mn-ea"/>
-                <a:cs typeface="+mn-cs"/>
-              </a:defRPr>
-            </a:lvl6pPr>
-            <a:lvl7pPr marL="2971800" indent="-228600" algn="l" defTabSz="914400" rtl="0" eaLnBrk="1" latinLnBrk="0" hangingPunct="1">
-              <a:lnSpc>
-                <a:spcPct val="90000"/>
-              </a:lnSpc>
-              <a:spcBef>
-                <a:spcPts val="500"/>
-              </a:spcBef>
-              <a:buFont typeface="Arial" panose="020B0604020202020204" pitchFamily="34" charset="0"/>
-              <a:buChar char="•"/>
-              <a:defRPr sz="1800" kern="1200">
-                <a:solidFill>
-                  <a:schemeClr val="tx1"/>
-                </a:solidFill>
-                <a:latin typeface="+mn-lt"/>
-                <a:ea typeface="+mn-ea"/>
-                <a:cs typeface="+mn-cs"/>
-              </a:defRPr>
-            </a:lvl7pPr>
-            <a:lvl8pPr marL="3429000" indent="-228600" algn="l" defTabSz="914400" rtl="0" eaLnBrk="1" latinLnBrk="0" hangingPunct="1">
-              <a:lnSpc>
-                <a:spcPct val="90000"/>
-              </a:lnSpc>
-              <a:spcBef>
-                <a:spcPts val="500"/>
-              </a:spcBef>
-              <a:buFont typeface="Arial" panose="020B0604020202020204" pitchFamily="34" charset="0"/>
-              <a:buChar char="•"/>
-              <a:defRPr sz="1800" kern="1200">
-                <a:solidFill>
-                  <a:schemeClr val="tx1"/>
-                </a:solidFill>
-                <a:latin typeface="+mn-lt"/>
-                <a:ea typeface="+mn-ea"/>
-                <a:cs typeface="+mn-cs"/>
-              </a:defRPr>
-            </a:lvl8pPr>
-            <a:lvl9pPr marL="3886200" indent="-228600" algn="l" defTabSz="914400" rtl="0" eaLnBrk="1" latinLnBrk="0" hangingPunct="1">
-              <a:lnSpc>
-                <a:spcPct val="90000"/>
-              </a:lnSpc>
-              <a:spcBef>
-                <a:spcPts val="500"/>
-              </a:spcBef>
-              <a:buFont typeface="Arial" panose="020B0604020202020204" pitchFamily="34" charset="0"/>
-              <a:buChar char="•"/>
-              <a:defRPr sz="1800" kern="1200">
-                <a:solidFill>
-                  <a:schemeClr val="tx1"/>
-                </a:solidFill>
-                <a:latin typeface="+mn-lt"/>
-                <a:ea typeface="+mn-ea"/>
-                <a:cs typeface="+mn-cs"/>
-              </a:defRPr>
-            </a:lvl9pPr>
-          </a:lstStyle>
-          <a:p>
-            <a:pPr>
-              <a:lnSpc>
-                <a:spcPct val="130000"/>
-              </a:lnSpc>
-            </a:pPr>
-            <a:r>
-              <a:rPr lang="en-US" sz="2400" dirty="0">
-                <a:latin typeface="Times New Roman" panose="02020603050405020304" pitchFamily="18" charset="0"/>
-                <a:cs typeface="Times New Roman" panose="02020603050405020304" pitchFamily="18" charset="0"/>
-              </a:rPr>
-              <a:t>Introduction</a:t>
-            </a:r>
-          </a:p>
-          <a:p>
-            <a:pPr>
-              <a:lnSpc>
-                <a:spcPct val="130000"/>
-              </a:lnSpc>
-            </a:pPr>
-            <a:r>
-              <a:rPr lang="en-US" sz="2400" dirty="0">
-                <a:latin typeface="Times New Roman" panose="02020603050405020304" pitchFamily="18" charset="0"/>
-                <a:cs typeface="Times New Roman" panose="02020603050405020304" pitchFamily="18" charset="0"/>
-              </a:rPr>
-              <a:t>Preliminaries</a:t>
-            </a:r>
-          </a:p>
-          <a:p>
-            <a:pPr>
-              <a:lnSpc>
-                <a:spcPct val="130000"/>
-              </a:lnSpc>
-            </a:pPr>
-            <a:r>
-              <a:rPr lang="en-US" sz="2400" dirty="0">
-                <a:latin typeface="Times New Roman" panose="02020603050405020304" pitchFamily="18" charset="0"/>
-                <a:cs typeface="Times New Roman" panose="02020603050405020304" pitchFamily="18" charset="0"/>
-              </a:rPr>
-              <a:t>Algorithm</a:t>
-            </a:r>
-            <a:endParaRPr lang="en-US" sz="2000" dirty="0">
-              <a:latin typeface="Times New Roman" panose="02020603050405020304" pitchFamily="18" charset="0"/>
-              <a:cs typeface="Times New Roman" panose="02020603050405020304" pitchFamily="18" charset="0"/>
-            </a:endParaRPr>
-          </a:p>
-          <a:p>
-            <a:pPr>
-              <a:lnSpc>
-                <a:spcPct val="130000"/>
-              </a:lnSpc>
-            </a:pPr>
-            <a:r>
-              <a:rPr lang="en-US" sz="2400" dirty="0">
-                <a:latin typeface="Times New Roman" panose="02020603050405020304" pitchFamily="18" charset="0"/>
-                <a:cs typeface="Times New Roman" panose="02020603050405020304" pitchFamily="18" charset="0"/>
-              </a:rPr>
-              <a:t>Experimental Result</a:t>
-            </a:r>
-          </a:p>
-          <a:p>
-            <a:pPr>
-              <a:lnSpc>
-                <a:spcPct val="130000"/>
-              </a:lnSpc>
-            </a:pPr>
-            <a:r>
-              <a:rPr lang="en-US" sz="2400" dirty="0">
-                <a:latin typeface="Times New Roman" panose="02020603050405020304" pitchFamily="18" charset="0"/>
-                <a:cs typeface="Times New Roman" panose="02020603050405020304" pitchFamily="18" charset="0"/>
-              </a:rPr>
-              <a:t>Conclusion</a:t>
-            </a:r>
-          </a:p>
-        </p:txBody>
-      </p:sp>
-    </p:spTree>
-    <p:extLst>
-      <p:ext uri="{BB962C8B-B14F-4D97-AF65-F5344CB8AC3E}">
-        <p14:creationId xmlns:p14="http://schemas.microsoft.com/office/powerpoint/2010/main" val="1597209759"/>
-      </p:ext>
-    </p:extLst>
-  </p:cSld>
-  <p:clrMapOvr>
-    <a:masterClrMapping/>
-  </p:clrMapOvr>
-</p:sld>
-</file>
-
-<file path=ppt/slides/slide20.xml><?xml version="1.0" encoding="utf-8"?>
+<file path=ppt/slides/slide21.xml><?xml version="1.0" encoding="utf-8"?>
 <p:sld xmlns:a="http://schemas.openxmlformats.org/drawingml/2006/main" xmlns:r="http://schemas.openxmlformats.org/officeDocument/2006/relationships" xmlns:p="http://schemas.openxmlformats.org/presentationml/2006/main">
   <p:cSld>
     <p:spTree>
@@ -15094,7 +15528,7 @@
           <a:p>
             <a:fld id="{666274A1-CF9C-426A-8DD4-B13ED0C24231}" type="slidenum">
               <a:rPr lang="en-US" smtClean="0"/>
-              <a:t>19</a:t>
+              <a:t>20</a:t>
             </a:fld>
             <a:endParaRPr lang="en-US" dirty="0"/>
           </a:p>
@@ -15217,7 +15651,7 @@
 </p:sld>
 </file>
 
-<file path=ppt/slides/slide21.xml><?xml version="1.0" encoding="utf-8"?>
+<file path=ppt/slides/slide22.xml><?xml version="1.0" encoding="utf-8"?>
 <p:sld xmlns:a="http://schemas.openxmlformats.org/drawingml/2006/main" xmlns:r="http://schemas.openxmlformats.org/officeDocument/2006/relationships" xmlns:p="http://schemas.openxmlformats.org/presentationml/2006/main">
   <p:cSld>
     <p:spTree>
@@ -16365,7 +16799,7 @@
           <a:p>
             <a:fld id="{666274A1-CF9C-426A-8DD4-B13ED0C24231}" type="slidenum">
               <a:rPr lang="en-US" smtClean="0"/>
-              <a:t>20</a:t>
+              <a:t>21</a:t>
             </a:fld>
             <a:endParaRPr lang="en-US" dirty="0"/>
           </a:p>
@@ -16414,7 +16848,7 @@
 </p:sld>
 </file>
 
-<file path=ppt/slides/slide22.xml><?xml version="1.0" encoding="utf-8"?>
+<file path=ppt/slides/slide23.xml><?xml version="1.0" encoding="utf-8"?>
 <p:sld xmlns:a="http://schemas.openxmlformats.org/drawingml/2006/main" xmlns:r="http://schemas.openxmlformats.org/officeDocument/2006/relationships" xmlns:p="http://schemas.openxmlformats.org/presentationml/2006/main">
   <p:cSld>
     <p:spTree>
@@ -16921,7 +17355,7 @@
           <a:p>
             <a:fld id="{666274A1-CF9C-426A-8DD4-B13ED0C24231}" type="slidenum">
               <a:rPr lang="en-US" smtClean="0"/>
-              <a:t>21</a:t>
+              <a:t>22</a:t>
             </a:fld>
             <a:endParaRPr lang="en-US" dirty="0"/>
           </a:p>
@@ -17000,7 +17434,7 @@
 </p:sld>
 </file>
 
-<file path=ppt/slides/slide23.xml><?xml version="1.0" encoding="utf-8"?>
+<file path=ppt/slides/slide24.xml><?xml version="1.0" encoding="utf-8"?>
 <p:sld xmlns:a="http://schemas.openxmlformats.org/drawingml/2006/main" xmlns:r="http://schemas.openxmlformats.org/officeDocument/2006/relationships" xmlns:p="http://schemas.openxmlformats.org/presentationml/2006/main">
   <p:cSld>
     <p:spTree>
@@ -17075,7 +17509,7 @@
           <a:p>
             <a:fld id="{666274A1-CF9C-426A-8DD4-B13ED0C24231}" type="slidenum">
               <a:rPr lang="en-US" smtClean="0"/>
-              <a:t>22</a:t>
+              <a:t>23</a:t>
             </a:fld>
             <a:endParaRPr lang="en-US" dirty="0"/>
           </a:p>
@@ -17153,7 +17587,7 @@
 </p:sld>
 </file>
 
-<file path=ppt/slides/slide24.xml><?xml version="1.0" encoding="utf-8"?>
+<file path=ppt/slides/slide25.xml><?xml version="1.0" encoding="utf-8"?>
 <p:sld xmlns:a="http://schemas.openxmlformats.org/drawingml/2006/main" xmlns:r="http://schemas.openxmlformats.org/officeDocument/2006/relationships" xmlns:p="http://schemas.openxmlformats.org/presentationml/2006/main">
   <p:cSld>
     <p:spTree>
@@ -17228,7 +17662,7 @@
           <a:p>
             <a:fld id="{666274A1-CF9C-426A-8DD4-B13ED0C24231}" type="slidenum">
               <a:rPr lang="en-US" smtClean="0"/>
-              <a:t>23</a:t>
+              <a:t>24</a:t>
             </a:fld>
             <a:endParaRPr lang="en-US"/>
           </a:p>
@@ -17539,7 +17973,7 @@
 </p:sld>
 </file>
 
-<file path=ppt/slides/slide25.xml><?xml version="1.0" encoding="utf-8"?>
+<file path=ppt/slides/slide26.xml><?xml version="1.0" encoding="utf-8"?>
 <p:sld xmlns:a="http://schemas.openxmlformats.org/drawingml/2006/main" xmlns:r="http://schemas.openxmlformats.org/officeDocument/2006/relationships" xmlns:p="http://schemas.openxmlformats.org/presentationml/2006/main">
   <p:cSld>
     <p:spTree>
@@ -17698,7 +18132,7 @@
           <a:p>
             <a:fld id="{666274A1-CF9C-426A-8DD4-B13ED0C24231}" type="slidenum">
               <a:rPr lang="en-US" smtClean="0"/>
-              <a:t>24</a:t>
+              <a:t>25</a:t>
             </a:fld>
             <a:endParaRPr lang="en-US"/>
           </a:p>
@@ -17747,7 +18181,7 @@
 </p:sld>
 </file>
 
-<file path=ppt/slides/slide26.xml><?xml version="1.0" encoding="utf-8"?>
+<file path=ppt/slides/slide27.xml><?xml version="1.0" encoding="utf-8"?>
 <p:sld xmlns:a="http://schemas.openxmlformats.org/drawingml/2006/main" xmlns:r="http://schemas.openxmlformats.org/officeDocument/2006/relationships" xmlns:p="http://schemas.openxmlformats.org/presentationml/2006/main">
   <p:cSld>
     <p:spTree>
@@ -17822,7 +18256,7 @@
           <a:p>
             <a:fld id="{666274A1-CF9C-426A-8DD4-B13ED0C24231}" type="slidenum">
               <a:rPr lang="en-US" smtClean="0"/>
-              <a:t>25</a:t>
+              <a:t>26</a:t>
             </a:fld>
             <a:endParaRPr lang="en-US"/>
           </a:p>
@@ -17871,7 +18305,7 @@
 </p:sld>
 </file>
 
-<file path=ppt/slides/slide27.xml><?xml version="1.0" encoding="utf-8"?>
+<file path=ppt/slides/slide28.xml><?xml version="1.0" encoding="utf-8"?>
 <p:sld xmlns:a="http://schemas.openxmlformats.org/drawingml/2006/main" xmlns:r="http://schemas.openxmlformats.org/officeDocument/2006/relationships" xmlns:p="http://schemas.openxmlformats.org/presentationml/2006/main">
   <p:cSld>
     <p:spTree>
@@ -17946,7 +18380,7 @@
           <a:p>
             <a:fld id="{666274A1-CF9C-426A-8DD4-B13ED0C24231}" type="slidenum">
               <a:rPr lang="en-US" smtClean="0"/>
-              <a:t>26</a:t>
+              <a:t>27</a:t>
             </a:fld>
             <a:endParaRPr lang="en-US"/>
           </a:p>
@@ -17995,7 +18429,7 @@
 </p:sld>
 </file>
 
-<file path=ppt/slides/slide28.xml><?xml version="1.0" encoding="utf-8"?>
+<file path=ppt/slides/slide29.xml><?xml version="1.0" encoding="utf-8"?>
 <p:sld xmlns:a="http://schemas.openxmlformats.org/drawingml/2006/main" xmlns:r="http://schemas.openxmlformats.org/officeDocument/2006/relationships" xmlns:p="http://schemas.openxmlformats.org/presentationml/2006/main">
   <p:cSld>
     <p:spTree>
@@ -18215,7 +18649,7 @@
           <a:p>
             <a:fld id="{666274A1-CF9C-426A-8DD4-B13ED0C24231}" type="slidenum">
               <a:rPr lang="en-US" smtClean="0"/>
-              <a:t>27</a:t>
+              <a:t>28</a:t>
             </a:fld>
             <a:endParaRPr lang="en-US"/>
           </a:p>
@@ -18264,7 +18698,7 @@
 </p:sld>
 </file>
 
-<file path=ppt/slides/slide29.xml><?xml version="1.0" encoding="utf-8"?>
+<file path=ppt/slides/slide3.xml><?xml version="1.0" encoding="utf-8"?>
 <p:sld xmlns:a="http://schemas.openxmlformats.org/drawingml/2006/main" xmlns:r="http://schemas.openxmlformats.org/officeDocument/2006/relationships" xmlns:p="http://schemas.openxmlformats.org/presentationml/2006/main">
   <p:cSld>
     <p:spTree>
@@ -18283,6 +18717,392 @@
       </p:grpSpPr>
       <p:sp>
         <p:nvSpPr>
+          <p:cNvPr id="2" name="Title 1">
+            <a:extLst>
+              <a:ext uri="{FF2B5EF4-FFF2-40B4-BE49-F238E27FC236}">
+                <a16:creationId xmlns:a16="http://schemas.microsoft.com/office/drawing/2014/main" id="{034B2B09-3A89-725A-85C2-749F88A4474D}"/>
+              </a:ext>
+            </a:extLst>
+          </p:cNvPr>
+          <p:cNvSpPr>
+            <a:spLocks noGrp="1"/>
+          </p:cNvSpPr>
+          <p:nvPr>
+            <p:ph type="title"/>
+          </p:nvPr>
+        </p:nvSpPr>
+        <p:spPr/>
+        <p:txBody>
+          <a:bodyPr/>
+          <a:lstStyle/>
+          <a:p>
+            <a:r>
+              <a:rPr lang="en-US" sz="4000" dirty="0">
+                <a:latin typeface="Times New Roman" panose="02020603050405020304" pitchFamily="18" charset="0"/>
+                <a:cs typeface="Times New Roman" panose="02020603050405020304" pitchFamily="18" charset="0"/>
+              </a:rPr>
+              <a:t>Outline</a:t>
+            </a:r>
+            <a:endParaRPr lang="en-US" dirty="0">
+              <a:latin typeface="Times New Roman" panose="02020603050405020304" pitchFamily="18" charset="0"/>
+              <a:cs typeface="Times New Roman" panose="02020603050405020304" pitchFamily="18" charset="0"/>
+            </a:endParaRPr>
+          </a:p>
+        </p:txBody>
+      </p:sp>
+      <p:sp>
+        <p:nvSpPr>
+          <p:cNvPr id="4" name="Slide Number Placeholder 3">
+            <a:extLst>
+              <a:ext uri="{FF2B5EF4-FFF2-40B4-BE49-F238E27FC236}">
+                <a16:creationId xmlns:a16="http://schemas.microsoft.com/office/drawing/2014/main" id="{3592E110-E718-0573-BF00-CE5E90916A66}"/>
+              </a:ext>
+            </a:extLst>
+          </p:cNvPr>
+          <p:cNvSpPr>
+            <a:spLocks noGrp="1"/>
+          </p:cNvSpPr>
+          <p:nvPr>
+            <p:ph type="sldNum" sz="quarter" idx="12"/>
+          </p:nvPr>
+        </p:nvSpPr>
+        <p:spPr/>
+        <p:txBody>
+          <a:bodyPr/>
+          <a:lstStyle/>
+          <a:p>
+            <a:fld id="{666274A1-CF9C-426A-8DD4-B13ED0C24231}" type="slidenum">
+              <a:rPr lang="en-US" smtClean="0"/>
+              <a:t>2</a:t>
+            </a:fld>
+            <a:endParaRPr lang="en-US"/>
+          </a:p>
+        </p:txBody>
+      </p:sp>
+      <p:sp>
+        <p:nvSpPr>
+          <p:cNvPr id="7" name="Content Placeholder 2">
+            <a:extLst>
+              <a:ext uri="{FF2B5EF4-FFF2-40B4-BE49-F238E27FC236}">
+                <a16:creationId xmlns:a16="http://schemas.microsoft.com/office/drawing/2014/main" id="{85FB6EDC-A81C-417F-C3B2-4378D3D43B94}"/>
+              </a:ext>
+            </a:extLst>
+          </p:cNvPr>
+          <p:cNvSpPr txBox="1">
+            <a:spLocks/>
+          </p:cNvSpPr>
+          <p:nvPr/>
+        </p:nvSpPr>
+        <p:spPr>
+          <a:xfrm>
+            <a:off x="1028700" y="1690688"/>
+            <a:ext cx="10515600" cy="4351338"/>
+          </a:xfrm>
+          <a:prstGeom prst="rect">
+            <a:avLst/>
+          </a:prstGeom>
+        </p:spPr>
+        <p:txBody>
+          <a:bodyPr vert="horz" lIns="91440" tIns="45720" rIns="91440" bIns="45720" rtlCol="0">
+            <a:normAutofit/>
+          </a:bodyPr>
+          <a:lstStyle>
+            <a:lvl1pPr marL="228600" indent="-228600" algn="l" defTabSz="914400" rtl="0" eaLnBrk="1" latinLnBrk="0" hangingPunct="1">
+              <a:lnSpc>
+                <a:spcPct val="90000"/>
+              </a:lnSpc>
+              <a:spcBef>
+                <a:spcPts val="1000"/>
+              </a:spcBef>
+              <a:buFont typeface="Arial" panose="020B0604020202020204" pitchFamily="34" charset="0"/>
+              <a:buChar char="•"/>
+              <a:defRPr sz="2800" kern="1200">
+                <a:solidFill>
+                  <a:schemeClr val="tx1"/>
+                </a:solidFill>
+                <a:latin typeface="+mn-lt"/>
+                <a:ea typeface="+mn-ea"/>
+                <a:cs typeface="+mn-cs"/>
+              </a:defRPr>
+            </a:lvl1pPr>
+            <a:lvl2pPr marL="685800" indent="-228600" algn="l" defTabSz="914400" rtl="0" eaLnBrk="1" latinLnBrk="0" hangingPunct="1">
+              <a:lnSpc>
+                <a:spcPct val="90000"/>
+              </a:lnSpc>
+              <a:spcBef>
+                <a:spcPts val="500"/>
+              </a:spcBef>
+              <a:buFont typeface="Arial" panose="020B0604020202020204" pitchFamily="34" charset="0"/>
+              <a:buChar char="•"/>
+              <a:defRPr sz="2400" kern="1200">
+                <a:solidFill>
+                  <a:schemeClr val="tx1"/>
+                </a:solidFill>
+                <a:latin typeface="+mn-lt"/>
+                <a:ea typeface="+mn-ea"/>
+                <a:cs typeface="+mn-cs"/>
+              </a:defRPr>
+            </a:lvl2pPr>
+            <a:lvl3pPr marL="1143000" indent="-228600" algn="l" defTabSz="914400" rtl="0" eaLnBrk="1" latinLnBrk="0" hangingPunct="1">
+              <a:lnSpc>
+                <a:spcPct val="90000"/>
+              </a:lnSpc>
+              <a:spcBef>
+                <a:spcPts val="500"/>
+              </a:spcBef>
+              <a:buFont typeface="Arial" panose="020B0604020202020204" pitchFamily="34" charset="0"/>
+              <a:buChar char="•"/>
+              <a:defRPr sz="2000" kern="1200">
+                <a:solidFill>
+                  <a:schemeClr val="tx1"/>
+                </a:solidFill>
+                <a:latin typeface="+mn-lt"/>
+                <a:ea typeface="+mn-ea"/>
+                <a:cs typeface="+mn-cs"/>
+              </a:defRPr>
+            </a:lvl3pPr>
+            <a:lvl4pPr marL="1600200" indent="-228600" algn="l" defTabSz="914400" rtl="0" eaLnBrk="1" latinLnBrk="0" hangingPunct="1">
+              <a:lnSpc>
+                <a:spcPct val="90000"/>
+              </a:lnSpc>
+              <a:spcBef>
+                <a:spcPts val="500"/>
+              </a:spcBef>
+              <a:buFont typeface="Arial" panose="020B0604020202020204" pitchFamily="34" charset="0"/>
+              <a:buChar char="•"/>
+              <a:defRPr sz="1800" kern="1200">
+                <a:solidFill>
+                  <a:schemeClr val="tx1"/>
+                </a:solidFill>
+                <a:latin typeface="+mn-lt"/>
+                <a:ea typeface="+mn-ea"/>
+                <a:cs typeface="+mn-cs"/>
+              </a:defRPr>
+            </a:lvl4pPr>
+            <a:lvl5pPr marL="2057400" indent="-228600" algn="l" defTabSz="914400" rtl="0" eaLnBrk="1" latinLnBrk="0" hangingPunct="1">
+              <a:lnSpc>
+                <a:spcPct val="90000"/>
+              </a:lnSpc>
+              <a:spcBef>
+                <a:spcPts val="500"/>
+              </a:spcBef>
+              <a:buFont typeface="Arial" panose="020B0604020202020204" pitchFamily="34" charset="0"/>
+              <a:buChar char="•"/>
+              <a:defRPr sz="1800" kern="1200">
+                <a:solidFill>
+                  <a:schemeClr val="tx1"/>
+                </a:solidFill>
+                <a:latin typeface="+mn-lt"/>
+                <a:ea typeface="+mn-ea"/>
+                <a:cs typeface="+mn-cs"/>
+              </a:defRPr>
+            </a:lvl5pPr>
+            <a:lvl6pPr marL="2514600" indent="-228600" algn="l" defTabSz="914400" rtl="0" eaLnBrk="1" latinLnBrk="0" hangingPunct="1">
+              <a:lnSpc>
+                <a:spcPct val="90000"/>
+              </a:lnSpc>
+              <a:spcBef>
+                <a:spcPts val="500"/>
+              </a:spcBef>
+              <a:buFont typeface="Arial" panose="020B0604020202020204" pitchFamily="34" charset="0"/>
+              <a:buChar char="•"/>
+              <a:defRPr sz="1800" kern="1200">
+                <a:solidFill>
+                  <a:schemeClr val="tx1"/>
+                </a:solidFill>
+                <a:latin typeface="+mn-lt"/>
+                <a:ea typeface="+mn-ea"/>
+                <a:cs typeface="+mn-cs"/>
+              </a:defRPr>
+            </a:lvl6pPr>
+            <a:lvl7pPr marL="2971800" indent="-228600" algn="l" defTabSz="914400" rtl="0" eaLnBrk="1" latinLnBrk="0" hangingPunct="1">
+              <a:lnSpc>
+                <a:spcPct val="90000"/>
+              </a:lnSpc>
+              <a:spcBef>
+                <a:spcPts val="500"/>
+              </a:spcBef>
+              <a:buFont typeface="Arial" panose="020B0604020202020204" pitchFamily="34" charset="0"/>
+              <a:buChar char="•"/>
+              <a:defRPr sz="1800" kern="1200">
+                <a:solidFill>
+                  <a:schemeClr val="tx1"/>
+                </a:solidFill>
+                <a:latin typeface="+mn-lt"/>
+                <a:ea typeface="+mn-ea"/>
+                <a:cs typeface="+mn-cs"/>
+              </a:defRPr>
+            </a:lvl7pPr>
+            <a:lvl8pPr marL="3429000" indent="-228600" algn="l" defTabSz="914400" rtl="0" eaLnBrk="1" latinLnBrk="0" hangingPunct="1">
+              <a:lnSpc>
+                <a:spcPct val="90000"/>
+              </a:lnSpc>
+              <a:spcBef>
+                <a:spcPts val="500"/>
+              </a:spcBef>
+              <a:buFont typeface="Arial" panose="020B0604020202020204" pitchFamily="34" charset="0"/>
+              <a:buChar char="•"/>
+              <a:defRPr sz="1800" kern="1200">
+                <a:solidFill>
+                  <a:schemeClr val="tx1"/>
+                </a:solidFill>
+                <a:latin typeface="+mn-lt"/>
+                <a:ea typeface="+mn-ea"/>
+                <a:cs typeface="+mn-cs"/>
+              </a:defRPr>
+            </a:lvl8pPr>
+            <a:lvl9pPr marL="3886200" indent="-228600" algn="l" defTabSz="914400" rtl="0" eaLnBrk="1" latinLnBrk="0" hangingPunct="1">
+              <a:lnSpc>
+                <a:spcPct val="90000"/>
+              </a:lnSpc>
+              <a:spcBef>
+                <a:spcPts val="500"/>
+              </a:spcBef>
+              <a:buFont typeface="Arial" panose="020B0604020202020204" pitchFamily="34" charset="0"/>
+              <a:buChar char="•"/>
+              <a:defRPr sz="1800" kern="1200">
+                <a:solidFill>
+                  <a:schemeClr val="tx1"/>
+                </a:solidFill>
+                <a:latin typeface="+mn-lt"/>
+                <a:ea typeface="+mn-ea"/>
+                <a:cs typeface="+mn-cs"/>
+              </a:defRPr>
+            </a:lvl9pPr>
+          </a:lstStyle>
+          <a:p>
+            <a:pPr>
+              <a:lnSpc>
+                <a:spcPct val="130000"/>
+              </a:lnSpc>
+            </a:pPr>
+            <a:r>
+              <a:rPr lang="en-US" sz="2400" dirty="0">
+                <a:latin typeface="Times New Roman" panose="02020603050405020304" pitchFamily="18" charset="0"/>
+                <a:cs typeface="Times New Roman" panose="02020603050405020304" pitchFamily="18" charset="0"/>
+              </a:rPr>
+              <a:t>Introduction</a:t>
+            </a:r>
+          </a:p>
+          <a:p>
+            <a:pPr>
+              <a:lnSpc>
+                <a:spcPct val="130000"/>
+              </a:lnSpc>
+            </a:pPr>
+            <a:r>
+              <a:rPr lang="en-US" sz="2400" dirty="0">
+                <a:solidFill>
+                  <a:schemeClr val="bg1">
+                    <a:lumMod val="50000"/>
+                  </a:schemeClr>
+                </a:solidFill>
+                <a:latin typeface="Times New Roman" panose="02020603050405020304" pitchFamily="18" charset="0"/>
+                <a:cs typeface="Times New Roman" panose="02020603050405020304" pitchFamily="18" charset="0"/>
+              </a:rPr>
+              <a:t>Preliminaries</a:t>
+            </a:r>
+          </a:p>
+          <a:p>
+            <a:pPr>
+              <a:lnSpc>
+                <a:spcPct val="130000"/>
+              </a:lnSpc>
+            </a:pPr>
+            <a:r>
+              <a:rPr lang="en-US" sz="2400" dirty="0">
+                <a:solidFill>
+                  <a:schemeClr val="bg1">
+                    <a:lumMod val="50000"/>
+                  </a:schemeClr>
+                </a:solidFill>
+                <a:latin typeface="Times New Roman" panose="02020603050405020304" pitchFamily="18" charset="0"/>
+                <a:cs typeface="Times New Roman" panose="02020603050405020304" pitchFamily="18" charset="0"/>
+              </a:rPr>
+              <a:t>Algorithm</a:t>
+            </a:r>
+            <a:endParaRPr lang="en-US" sz="2000" dirty="0">
+              <a:solidFill>
+                <a:schemeClr val="bg1">
+                  <a:lumMod val="50000"/>
+                </a:schemeClr>
+              </a:solidFill>
+              <a:latin typeface="Times New Roman" panose="02020603050405020304" pitchFamily="18" charset="0"/>
+              <a:cs typeface="Times New Roman" panose="02020603050405020304" pitchFamily="18" charset="0"/>
+            </a:endParaRPr>
+          </a:p>
+          <a:p>
+            <a:pPr>
+              <a:lnSpc>
+                <a:spcPct val="130000"/>
+              </a:lnSpc>
+            </a:pPr>
+            <a:r>
+              <a:rPr lang="en-US" sz="2400" dirty="0">
+                <a:solidFill>
+                  <a:schemeClr val="bg1">
+                    <a:lumMod val="50000"/>
+                  </a:schemeClr>
+                </a:solidFill>
+                <a:latin typeface="Times New Roman" panose="02020603050405020304" pitchFamily="18" charset="0"/>
+                <a:cs typeface="Times New Roman" panose="02020603050405020304" pitchFamily="18" charset="0"/>
+              </a:rPr>
+              <a:t>Experimental Result</a:t>
+            </a:r>
+          </a:p>
+          <a:p>
+            <a:pPr>
+              <a:lnSpc>
+                <a:spcPct val="130000"/>
+              </a:lnSpc>
+            </a:pPr>
+            <a:r>
+              <a:rPr lang="en-US" sz="2400" dirty="0">
+                <a:solidFill>
+                  <a:schemeClr val="bg1">
+                    <a:lumMod val="50000"/>
+                  </a:schemeClr>
+                </a:solidFill>
+                <a:latin typeface="Times New Roman" panose="02020603050405020304" pitchFamily="18" charset="0"/>
+                <a:cs typeface="Times New Roman" panose="02020603050405020304" pitchFamily="18" charset="0"/>
+              </a:rPr>
+              <a:t>Conclusion</a:t>
+            </a:r>
+          </a:p>
+        </p:txBody>
+      </p:sp>
+    </p:spTree>
+    <p:extLst>
+      <p:ext uri="{BB962C8B-B14F-4D97-AF65-F5344CB8AC3E}">
+        <p14:creationId xmlns:p14="http://schemas.microsoft.com/office/powerpoint/2010/main" val="1154730239"/>
+      </p:ext>
+    </p:extLst>
+  </p:cSld>
+  <p:clrMapOvr>
+    <a:masterClrMapping/>
+  </p:clrMapOvr>
+</p:sld>
+</file>
+
+<file path=ppt/slides/slide30.xml><?xml version="1.0" encoding="utf-8"?>
+<p:sld xmlns:a="http://schemas.openxmlformats.org/drawingml/2006/main" xmlns:r="http://schemas.openxmlformats.org/officeDocument/2006/relationships" xmlns:p="http://schemas.openxmlformats.org/presentationml/2006/main">
+  <p:cSld>
+    <p:spTree>
+      <p:nvGrpSpPr>
+        <p:cNvPr id="1" name=""/>
+        <p:cNvGrpSpPr/>
+        <p:nvPr/>
+      </p:nvGrpSpPr>
+      <p:grpSpPr>
+        <a:xfrm>
+          <a:off x="0" y="0"/>
+          <a:ext cx="0" cy="0"/>
+          <a:chOff x="0" y="0"/>
+          <a:chExt cx="0" cy="0"/>
+        </a:xfrm>
+      </p:grpSpPr>
+      <p:sp>
+        <p:nvSpPr>
           <p:cNvPr id="2" name="標題 1">
             <a:extLst>
               <a:ext uri="{FF2B5EF4-FFF2-40B4-BE49-F238E27FC236}">
@@ -18396,7 +19216,7 @@
           <a:p>
             <a:fld id="{666274A1-CF9C-426A-8DD4-B13ED0C24231}" type="slidenum">
               <a:rPr lang="en-US" smtClean="0"/>
-              <a:t>28</a:t>
+              <a:t>29</a:t>
             </a:fld>
             <a:endParaRPr lang="en-US"/>
           </a:p>
@@ -18706,7 +19526,7 @@
 </p:sld>
 </file>
 
-<file path=ppt/slides/slide3.xml><?xml version="1.0" encoding="utf-8"?>
+<file path=ppt/slides/slide31.xml><?xml version="1.0" encoding="utf-8"?>
 <p:sld xmlns:a="http://schemas.openxmlformats.org/drawingml/2006/main" xmlns:r="http://schemas.openxmlformats.org/officeDocument/2006/relationships" xmlns:p="http://schemas.openxmlformats.org/presentationml/2006/main">
   <p:cSld>
     <p:spTree>
@@ -18725,6 +19545,510 @@
       </p:grpSpPr>
       <p:sp>
         <p:nvSpPr>
+          <p:cNvPr id="2" name="標題 1">
+            <a:extLst>
+              <a:ext uri="{FF2B5EF4-FFF2-40B4-BE49-F238E27FC236}">
+                <a16:creationId xmlns:a16="http://schemas.microsoft.com/office/drawing/2014/main" id="{156C4346-F0F9-6C34-7427-C802A4D5EF8E}"/>
+              </a:ext>
+            </a:extLst>
+          </p:cNvPr>
+          <p:cNvSpPr>
+            <a:spLocks noGrp="1"/>
+          </p:cNvSpPr>
+          <p:nvPr>
+            <p:ph type="title"/>
+          </p:nvPr>
+        </p:nvSpPr>
+        <p:spPr/>
+        <p:txBody>
+          <a:bodyPr/>
+          <a:lstStyle/>
+          <a:p>
+            <a:r>
+              <a:rPr lang="en-US" altLang="zh-TW" dirty="0">
+                <a:latin typeface="Times" panose="02020603050405020304" pitchFamily="18" charset="0"/>
+                <a:cs typeface="Times" panose="02020603050405020304" pitchFamily="18" charset="0"/>
+              </a:rPr>
+              <a:t>Experimental Result</a:t>
+            </a:r>
+            <a:r>
+              <a:rPr lang="zh-TW" altLang="en-US" dirty="0">
+                <a:latin typeface="Times" panose="02020603050405020304" pitchFamily="18" charset="0"/>
+                <a:cs typeface="Times" panose="02020603050405020304" pitchFamily="18" charset="0"/>
+              </a:rPr>
+              <a:t> </a:t>
+            </a:r>
+            <a:r>
+              <a:rPr lang="en-US" altLang="zh-TW" dirty="0">
+                <a:latin typeface="Times" panose="02020603050405020304" pitchFamily="18" charset="0"/>
+                <a:cs typeface="Times" panose="02020603050405020304" pitchFamily="18" charset="0"/>
+              </a:rPr>
+              <a:t>–</a:t>
+            </a:r>
+            <a:r>
+              <a:rPr lang="zh-TW" altLang="en-US" dirty="0">
+                <a:latin typeface="Times" panose="02020603050405020304" pitchFamily="18" charset="0"/>
+                <a:cs typeface="Times" panose="02020603050405020304" pitchFamily="18" charset="0"/>
+              </a:rPr>
+              <a:t> </a:t>
+            </a:r>
+            <a:r>
+              <a:rPr lang="en-US" altLang="zh-TW" dirty="0">
+                <a:latin typeface="Times" panose="02020603050405020304" pitchFamily="18" charset="0"/>
+                <a:cs typeface="Times" panose="02020603050405020304" pitchFamily="18" charset="0"/>
+              </a:rPr>
+              <a:t>Solve ILT</a:t>
+            </a:r>
+            <a:endParaRPr lang="zh-TW" altLang="en-US" dirty="0">
+              <a:latin typeface="Times" panose="02020603050405020304" pitchFamily="18" charset="0"/>
+              <a:cs typeface="Times" panose="02020603050405020304" pitchFamily="18" charset="0"/>
+            </a:endParaRPr>
+          </a:p>
+        </p:txBody>
+      </p:sp>
+      <p:sp>
+        <p:nvSpPr>
+          <p:cNvPr id="4" name="投影片編號版面配置區 3">
+            <a:extLst>
+              <a:ext uri="{FF2B5EF4-FFF2-40B4-BE49-F238E27FC236}">
+                <a16:creationId xmlns:a16="http://schemas.microsoft.com/office/drawing/2014/main" id="{DA8021A9-0E61-87CE-88FE-1CFD6F3983FC}"/>
+              </a:ext>
+            </a:extLst>
+          </p:cNvPr>
+          <p:cNvSpPr>
+            <a:spLocks noGrp="1"/>
+          </p:cNvSpPr>
+          <p:nvPr>
+            <p:ph type="sldNum" sz="quarter" idx="12"/>
+          </p:nvPr>
+        </p:nvSpPr>
+        <p:spPr/>
+        <p:txBody>
+          <a:bodyPr/>
+          <a:lstStyle/>
+          <a:p>
+            <a:fld id="{666274A1-CF9C-426A-8DD4-B13ED0C24231}" type="slidenum">
+              <a:rPr lang="en-US" smtClean="0"/>
+              <a:t>30</a:t>
+            </a:fld>
+            <a:endParaRPr lang="en-US"/>
+          </a:p>
+        </p:txBody>
+      </p:sp>
+      <mc:AlternateContent xmlns:mc="http://schemas.openxmlformats.org/markup-compatibility/2006" xmlns:a14="http://schemas.microsoft.com/office/drawing/2010/main">
+        <mc:Choice Requires="a14">
+          <p:sp>
+            <p:nvSpPr>
+              <p:cNvPr id="5" name="內容版面配置區 4">
+                <a:extLst>
+                  <a:ext uri="{FF2B5EF4-FFF2-40B4-BE49-F238E27FC236}">
+                    <a16:creationId xmlns:a16="http://schemas.microsoft.com/office/drawing/2014/main" id="{6AAD9034-713A-21FC-1361-7735EF9A258A}"/>
+                  </a:ext>
+                </a:extLst>
+              </p:cNvPr>
+              <p:cNvSpPr>
+                <a:spLocks noGrp="1"/>
+              </p:cNvSpPr>
+              <p:nvPr>
+                <p:ph idx="1"/>
+              </p:nvPr>
+            </p:nvSpPr>
+            <p:spPr/>
+            <p:txBody>
+              <a:bodyPr>
+                <a:normAutofit/>
+              </a:bodyPr>
+              <a:lstStyle/>
+              <a:p>
+                <a:r>
+                  <a:rPr lang="en-US" altLang="zh-TW" sz="2200" dirty="0">
+                    <a:latin typeface="Times" panose="02020603050405020304" pitchFamily="18" charset="0"/>
+                    <a:cs typeface="Times" panose="02020603050405020304" pitchFamily="18" charset="0"/>
+                  </a:rPr>
+                  <a:t>Mask size = </a:t>
+                </a:r>
+                <a14:m>
+                  <m:oMath xmlns:m="http://schemas.openxmlformats.org/officeDocument/2006/math">
+                    <m:r>
+                      <a:rPr lang="en-US" altLang="zh-TW" sz="2200" b="0" i="1" smtClean="0">
+                        <a:latin typeface="Cambria Math" panose="02040503050406030204" pitchFamily="18" charset="0"/>
+                      </a:rPr>
+                      <m:t>400 </m:t>
+                    </m:r>
+                    <m:r>
+                      <a:rPr lang="en-US" altLang="zh-TW" sz="2200" b="0" i="1" smtClean="0">
+                        <a:latin typeface="Cambria Math" panose="02040503050406030204" pitchFamily="18" charset="0"/>
+                        <a:ea typeface="Cambria Math" panose="02040503050406030204" pitchFamily="18" charset="0"/>
+                      </a:rPr>
+                      <m:t>×400</m:t>
+                    </m:r>
+                  </m:oMath>
+                </a14:m>
+                <a:endParaRPr lang="zh-TW" altLang="en-US" sz="2200" dirty="0">
+                  <a:latin typeface="Times" panose="02020603050405020304" pitchFamily="18" charset="0"/>
+                  <a:cs typeface="Times" panose="02020603050405020304" pitchFamily="18" charset="0"/>
+                </a:endParaRPr>
+              </a:p>
+            </p:txBody>
+          </p:sp>
+        </mc:Choice>
+        <mc:Fallback xmlns="">
+          <p:sp>
+            <p:nvSpPr>
+              <p:cNvPr id="5" name="內容版面配置區 4">
+                <a:extLst>
+                  <a:ext uri="{FF2B5EF4-FFF2-40B4-BE49-F238E27FC236}">
+                    <a16:creationId xmlns:a16="http://schemas.microsoft.com/office/drawing/2014/main" id="{6AAD9034-713A-21FC-1361-7735EF9A258A}"/>
+                  </a:ext>
+                </a:extLst>
+              </p:cNvPr>
+              <p:cNvSpPr>
+                <a:spLocks noGrp="1" noRot="1" noChangeAspect="1" noMove="1" noResize="1" noEditPoints="1" noAdjustHandles="1" noChangeArrowheads="1" noChangeShapeType="1" noTextEdit="1"/>
+              </p:cNvSpPr>
+              <p:nvPr>
+                <p:ph idx="1"/>
+              </p:nvPr>
+            </p:nvSpPr>
+            <p:spPr>
+              <a:blipFill>
+                <a:blip r:embed="rId3"/>
+                <a:stretch>
+                  <a:fillRect l="-696" t="-1541"/>
+                </a:stretch>
+              </a:blipFill>
+            </p:spPr>
+            <p:txBody>
+              <a:bodyPr/>
+              <a:lstStyle/>
+              <a:p>
+                <a:r>
+                  <a:rPr lang="zh-TW" altLang="en-US">
+                    <a:noFill/>
+                  </a:rPr>
+                  <a:t> </a:t>
+                </a:r>
+              </a:p>
+            </p:txBody>
+          </p:sp>
+        </mc:Fallback>
+      </mc:AlternateContent>
+      <p:pic>
+        <p:nvPicPr>
+          <p:cNvPr id="8" name="圖片 7">
+            <a:extLst>
+              <a:ext uri="{FF2B5EF4-FFF2-40B4-BE49-F238E27FC236}">
+                <a16:creationId xmlns:a16="http://schemas.microsoft.com/office/drawing/2014/main" id="{0FB8DC75-E493-DF6E-FBE5-4A53F4A8DF2B}"/>
+              </a:ext>
+            </a:extLst>
+          </p:cNvPr>
+          <p:cNvPicPr>
+            <a:picLocks noChangeAspect="1"/>
+          </p:cNvPicPr>
+          <p:nvPr/>
+        </p:nvPicPr>
+        <p:blipFill>
+          <a:blip r:embed="rId4"/>
+          <a:stretch>
+            <a:fillRect/>
+          </a:stretch>
+        </p:blipFill>
+        <p:spPr>
+          <a:xfrm>
+            <a:off x="4890575" y="1825625"/>
+            <a:ext cx="5716800" cy="4246210"/>
+          </a:xfrm>
+          <a:prstGeom prst="rect">
+            <a:avLst/>
+          </a:prstGeom>
+        </p:spPr>
+      </p:pic>
+    </p:spTree>
+    <p:extLst>
+      <p:ext uri="{BB962C8B-B14F-4D97-AF65-F5344CB8AC3E}">
+        <p14:creationId xmlns:p14="http://schemas.microsoft.com/office/powerpoint/2010/main" val="752599104"/>
+      </p:ext>
+    </p:extLst>
+  </p:cSld>
+  <p:clrMapOvr>
+    <a:masterClrMapping/>
+  </p:clrMapOvr>
+</p:sld>
+</file>
+
+<file path=ppt/slides/slide32.xml><?xml version="1.0" encoding="utf-8"?>
+<p:sld xmlns:a="http://schemas.openxmlformats.org/drawingml/2006/main" xmlns:r="http://schemas.openxmlformats.org/officeDocument/2006/relationships" xmlns:p="http://schemas.openxmlformats.org/presentationml/2006/main">
+  <p:cSld>
+    <p:spTree>
+      <p:nvGrpSpPr>
+        <p:cNvPr id="1" name=""/>
+        <p:cNvGrpSpPr/>
+        <p:nvPr/>
+      </p:nvGrpSpPr>
+      <p:grpSpPr>
+        <a:xfrm>
+          <a:off x="0" y="0"/>
+          <a:ext cx="0" cy="0"/>
+          <a:chOff x="0" y="0"/>
+          <a:chExt cx="0" cy="0"/>
+        </a:xfrm>
+      </p:grpSpPr>
+      <p:sp>
+        <p:nvSpPr>
+          <p:cNvPr id="2" name="標題 1">
+            <a:extLst>
+              <a:ext uri="{FF2B5EF4-FFF2-40B4-BE49-F238E27FC236}">
+                <a16:creationId xmlns:a16="http://schemas.microsoft.com/office/drawing/2014/main" id="{156C4346-F0F9-6C34-7427-C802A4D5EF8E}"/>
+              </a:ext>
+            </a:extLst>
+          </p:cNvPr>
+          <p:cNvSpPr>
+            <a:spLocks noGrp="1"/>
+          </p:cNvSpPr>
+          <p:nvPr>
+            <p:ph type="title"/>
+          </p:nvPr>
+        </p:nvSpPr>
+        <p:spPr/>
+        <p:txBody>
+          <a:bodyPr/>
+          <a:lstStyle/>
+          <a:p>
+            <a:r>
+              <a:rPr lang="en-US" altLang="zh-TW" dirty="0">
+                <a:latin typeface="Times" panose="02020603050405020304" pitchFamily="18" charset="0"/>
+                <a:cs typeface="Times" panose="02020603050405020304" pitchFamily="18" charset="0"/>
+              </a:rPr>
+              <a:t>Experimental Result</a:t>
+            </a:r>
+            <a:r>
+              <a:rPr lang="zh-TW" altLang="en-US" dirty="0">
+                <a:latin typeface="Times" panose="02020603050405020304" pitchFamily="18" charset="0"/>
+                <a:cs typeface="Times" panose="02020603050405020304" pitchFamily="18" charset="0"/>
+              </a:rPr>
+              <a:t> </a:t>
+            </a:r>
+            <a:r>
+              <a:rPr lang="en-US" altLang="zh-TW" dirty="0">
+                <a:latin typeface="Times" panose="02020603050405020304" pitchFamily="18" charset="0"/>
+                <a:cs typeface="Times" panose="02020603050405020304" pitchFamily="18" charset="0"/>
+              </a:rPr>
+              <a:t>–</a:t>
+            </a:r>
+            <a:r>
+              <a:rPr lang="zh-TW" altLang="en-US" dirty="0">
+                <a:latin typeface="Times" panose="02020603050405020304" pitchFamily="18" charset="0"/>
+                <a:cs typeface="Times" panose="02020603050405020304" pitchFamily="18" charset="0"/>
+              </a:rPr>
+              <a:t> </a:t>
+            </a:r>
+            <a:r>
+              <a:rPr lang="en-US" altLang="zh-TW" dirty="0">
+                <a:latin typeface="Times" panose="02020603050405020304" pitchFamily="18" charset="0"/>
+                <a:cs typeface="Times" panose="02020603050405020304" pitchFamily="18" charset="0"/>
+              </a:rPr>
+              <a:t>Solve ILT</a:t>
+            </a:r>
+            <a:endParaRPr lang="zh-TW" altLang="en-US" dirty="0">
+              <a:latin typeface="Times" panose="02020603050405020304" pitchFamily="18" charset="0"/>
+              <a:cs typeface="Times" panose="02020603050405020304" pitchFamily="18" charset="0"/>
+            </a:endParaRPr>
+          </a:p>
+        </p:txBody>
+      </p:sp>
+      <p:sp>
+        <p:nvSpPr>
+          <p:cNvPr id="4" name="投影片編號版面配置區 3">
+            <a:extLst>
+              <a:ext uri="{FF2B5EF4-FFF2-40B4-BE49-F238E27FC236}">
+                <a16:creationId xmlns:a16="http://schemas.microsoft.com/office/drawing/2014/main" id="{DA8021A9-0E61-87CE-88FE-1CFD6F3983FC}"/>
+              </a:ext>
+            </a:extLst>
+          </p:cNvPr>
+          <p:cNvSpPr>
+            <a:spLocks noGrp="1"/>
+          </p:cNvSpPr>
+          <p:nvPr>
+            <p:ph type="sldNum" sz="quarter" idx="12"/>
+          </p:nvPr>
+        </p:nvSpPr>
+        <p:spPr/>
+        <p:txBody>
+          <a:bodyPr/>
+          <a:lstStyle/>
+          <a:p>
+            <a:fld id="{666274A1-CF9C-426A-8DD4-B13ED0C24231}" type="slidenum">
+              <a:rPr lang="en-US" smtClean="0"/>
+              <a:t>31</a:t>
+            </a:fld>
+            <a:endParaRPr lang="en-US"/>
+          </a:p>
+        </p:txBody>
+      </p:sp>
+      <mc:AlternateContent xmlns:mc="http://schemas.openxmlformats.org/markup-compatibility/2006" xmlns:a14="http://schemas.microsoft.com/office/drawing/2010/main">
+        <mc:Choice Requires="a14">
+          <p:sp>
+            <p:nvSpPr>
+              <p:cNvPr id="5" name="內容版面配置區 4">
+                <a:extLst>
+                  <a:ext uri="{FF2B5EF4-FFF2-40B4-BE49-F238E27FC236}">
+                    <a16:creationId xmlns:a16="http://schemas.microsoft.com/office/drawing/2014/main" id="{6AAD9034-713A-21FC-1361-7735EF9A258A}"/>
+                  </a:ext>
+                </a:extLst>
+              </p:cNvPr>
+              <p:cNvSpPr>
+                <a:spLocks noGrp="1"/>
+              </p:cNvSpPr>
+              <p:nvPr>
+                <p:ph idx="1"/>
+              </p:nvPr>
+            </p:nvSpPr>
+            <p:spPr/>
+            <p:txBody>
+              <a:bodyPr>
+                <a:normAutofit/>
+              </a:bodyPr>
+              <a:lstStyle/>
+              <a:p>
+                <a:r>
+                  <a:rPr lang="en-US" altLang="zh-TW" sz="2200" dirty="0">
+                    <a:latin typeface="Times" panose="02020603050405020304" pitchFamily="18" charset="0"/>
+                    <a:cs typeface="Times" panose="02020603050405020304" pitchFamily="18" charset="0"/>
+                  </a:rPr>
+                  <a:t>Mask size = </a:t>
+                </a:r>
+                <a14:m>
+                  <m:oMath xmlns:m="http://schemas.openxmlformats.org/officeDocument/2006/math">
+                    <m:r>
+                      <a:rPr lang="en-US" altLang="zh-TW" sz="2200" i="1">
+                        <a:latin typeface="Cambria Math" panose="02040503050406030204" pitchFamily="18" charset="0"/>
+                      </a:rPr>
+                      <m:t>1</m:t>
+                    </m:r>
+                    <m:r>
+                      <a:rPr lang="en-US" altLang="zh-TW" sz="2200" b="0" i="1" smtClean="0">
+                        <a:latin typeface="Cambria Math" panose="02040503050406030204" pitchFamily="18" charset="0"/>
+                      </a:rPr>
+                      <m:t>000 </m:t>
+                    </m:r>
+                    <m:r>
+                      <a:rPr lang="en-US" altLang="zh-TW" sz="2200" b="0" i="1" smtClean="0">
+                        <a:latin typeface="Cambria Math" panose="02040503050406030204" pitchFamily="18" charset="0"/>
+                        <a:ea typeface="Cambria Math" panose="02040503050406030204" pitchFamily="18" charset="0"/>
+                      </a:rPr>
+                      <m:t>×1000</m:t>
+                    </m:r>
+                  </m:oMath>
+                </a14:m>
+                <a:endParaRPr lang="zh-TW" altLang="en-US" sz="2200" dirty="0">
+                  <a:latin typeface="Times" panose="02020603050405020304" pitchFamily="18" charset="0"/>
+                  <a:cs typeface="Times" panose="02020603050405020304" pitchFamily="18" charset="0"/>
+                </a:endParaRPr>
+              </a:p>
+            </p:txBody>
+          </p:sp>
+        </mc:Choice>
+        <mc:Fallback xmlns="">
+          <p:sp>
+            <p:nvSpPr>
+              <p:cNvPr id="5" name="內容版面配置區 4">
+                <a:extLst>
+                  <a:ext uri="{FF2B5EF4-FFF2-40B4-BE49-F238E27FC236}">
+                    <a16:creationId xmlns:a16="http://schemas.microsoft.com/office/drawing/2014/main" id="{6AAD9034-713A-21FC-1361-7735EF9A258A}"/>
+                  </a:ext>
+                </a:extLst>
+              </p:cNvPr>
+              <p:cNvSpPr>
+                <a:spLocks noGrp="1" noRot="1" noChangeAspect="1" noMove="1" noResize="1" noEditPoints="1" noAdjustHandles="1" noChangeArrowheads="1" noChangeShapeType="1" noTextEdit="1"/>
+              </p:cNvSpPr>
+              <p:nvPr>
+                <p:ph idx="1"/>
+              </p:nvPr>
+            </p:nvSpPr>
+            <p:spPr>
+              <a:blipFill>
+                <a:blip r:embed="rId3"/>
+                <a:stretch>
+                  <a:fillRect l="-696" t="-1541"/>
+                </a:stretch>
+              </a:blipFill>
+            </p:spPr>
+            <p:txBody>
+              <a:bodyPr/>
+              <a:lstStyle/>
+              <a:p>
+                <a:r>
+                  <a:rPr lang="zh-TW" altLang="en-US">
+                    <a:noFill/>
+                  </a:rPr>
+                  <a:t> </a:t>
+                </a:r>
+              </a:p>
+            </p:txBody>
+          </p:sp>
+        </mc:Fallback>
+      </mc:AlternateContent>
+      <p:pic>
+        <p:nvPicPr>
+          <p:cNvPr id="8" name="圖片 7">
+            <a:extLst>
+              <a:ext uri="{FF2B5EF4-FFF2-40B4-BE49-F238E27FC236}">
+                <a16:creationId xmlns:a16="http://schemas.microsoft.com/office/drawing/2014/main" id="{0FB8DC75-E493-DF6E-FBE5-4A53F4A8DF2B}"/>
+              </a:ext>
+            </a:extLst>
+          </p:cNvPr>
+          <p:cNvPicPr>
+            <a:picLocks noChangeAspect="1"/>
+          </p:cNvPicPr>
+          <p:nvPr/>
+        </p:nvPicPr>
+        <p:blipFill>
+          <a:blip r:embed="rId4"/>
+          <a:stretch>
+            <a:fillRect/>
+          </a:stretch>
+        </p:blipFill>
+        <p:spPr>
+          <a:xfrm>
+            <a:off x="4890575" y="1825625"/>
+            <a:ext cx="5716800" cy="4246210"/>
+          </a:xfrm>
+          <a:prstGeom prst="rect">
+            <a:avLst/>
+          </a:prstGeom>
+        </p:spPr>
+      </p:pic>
+    </p:spTree>
+    <p:extLst>
+      <p:ext uri="{BB962C8B-B14F-4D97-AF65-F5344CB8AC3E}">
+        <p14:creationId xmlns:p14="http://schemas.microsoft.com/office/powerpoint/2010/main" val="2101553362"/>
+      </p:ext>
+    </p:extLst>
+  </p:cSld>
+  <p:clrMapOvr>
+    <a:masterClrMapping/>
+  </p:clrMapOvr>
+</p:sld>
+</file>
+
+<file path=ppt/slides/slide33.xml><?xml version="1.0" encoding="utf-8"?>
+<p:sld xmlns:a="http://schemas.openxmlformats.org/drawingml/2006/main" xmlns:r="http://schemas.openxmlformats.org/officeDocument/2006/relationships" xmlns:p="http://schemas.openxmlformats.org/presentationml/2006/main">
+  <p:cSld>
+    <p:spTree>
+      <p:nvGrpSpPr>
+        <p:cNvPr id="1" name=""/>
+        <p:cNvGrpSpPr/>
+        <p:nvPr/>
+      </p:nvGrpSpPr>
+      <p:grpSpPr>
+        <a:xfrm>
+          <a:off x="0" y="0"/>
+          <a:ext cx="0" cy="0"/>
+          <a:chOff x="0" y="0"/>
+          <a:chExt cx="0" cy="0"/>
+        </a:xfrm>
+      </p:grpSpPr>
+      <p:sp>
+        <p:nvSpPr>
           <p:cNvPr id="2" name="Title 1">
             <a:extLst>
               <a:ext uri="{FF2B5EF4-FFF2-40B4-BE49-F238E27FC236}">
@@ -18781,7 +20105,7 @@
           <a:p>
             <a:fld id="{666274A1-CF9C-426A-8DD4-B13ED0C24231}" type="slidenum">
               <a:rPr lang="en-US" smtClean="0"/>
-              <a:t>2</a:t>
+              <a:t>32</a:t>
             </a:fld>
             <a:endParaRPr lang="en-US"/>
           </a:p>
@@ -18986,6 +20310,11 @@
             </a:pPr>
             <a:r>
               <a:rPr lang="en-US" sz="2400" dirty="0">
+                <a:solidFill>
+                  <a:schemeClr val="bg1">
+                    <a:lumMod val="50000"/>
+                  </a:schemeClr>
+                </a:solidFill>
                 <a:latin typeface="Times New Roman" panose="02020603050405020304" pitchFamily="18" charset="0"/>
                 <a:cs typeface="Times New Roman" panose="02020603050405020304" pitchFamily="18" charset="0"/>
               </a:rPr>
@@ -19066,11 +20395,6 @@
             </a:pPr>
             <a:r>
               <a:rPr lang="en-US" sz="2400" dirty="0">
-                <a:solidFill>
-                  <a:schemeClr val="bg1">
-                    <a:lumMod val="50000"/>
-                  </a:schemeClr>
-                </a:solidFill>
                 <a:latin typeface="Times New Roman" panose="02020603050405020304" pitchFamily="18" charset="0"/>
                 <a:cs typeface="Times New Roman" panose="02020603050405020304" pitchFamily="18" charset="0"/>
               </a:rPr>
@@ -19082,1128 +20406,7 @@
     </p:spTree>
     <p:extLst>
       <p:ext uri="{BB962C8B-B14F-4D97-AF65-F5344CB8AC3E}">
-        <p14:creationId xmlns:p14="http://schemas.microsoft.com/office/powerpoint/2010/main" val="1154730239"/>
-      </p:ext>
-    </p:extLst>
-  </p:cSld>
-  <p:clrMapOvr>
-    <a:masterClrMapping/>
-  </p:clrMapOvr>
-</p:sld>
-</file>
-
-<file path=ppt/slides/slide30.xml><?xml version="1.0" encoding="utf-8"?>
-<p:sld xmlns:a="http://schemas.openxmlformats.org/drawingml/2006/main" xmlns:r="http://schemas.openxmlformats.org/officeDocument/2006/relationships" xmlns:p="http://schemas.openxmlformats.org/presentationml/2006/main">
-  <p:cSld>
-    <p:spTree>
-      <p:nvGrpSpPr>
-        <p:cNvPr id="1" name=""/>
-        <p:cNvGrpSpPr/>
-        <p:nvPr/>
-      </p:nvGrpSpPr>
-      <p:grpSpPr>
-        <a:xfrm>
-          <a:off x="0" y="0"/>
-          <a:ext cx="0" cy="0"/>
-          <a:chOff x="0" y="0"/>
-          <a:chExt cx="0" cy="0"/>
-        </a:xfrm>
-      </p:grpSpPr>
-      <p:sp>
-        <p:nvSpPr>
-          <p:cNvPr id="2" name="標題 1">
-            <a:extLst>
-              <a:ext uri="{FF2B5EF4-FFF2-40B4-BE49-F238E27FC236}">
-                <a16:creationId xmlns:a16="http://schemas.microsoft.com/office/drawing/2014/main" id="{156C4346-F0F9-6C34-7427-C802A4D5EF8E}"/>
-              </a:ext>
-            </a:extLst>
-          </p:cNvPr>
-          <p:cNvSpPr>
-            <a:spLocks noGrp="1"/>
-          </p:cNvSpPr>
-          <p:nvPr>
-            <p:ph type="title"/>
-          </p:nvPr>
-        </p:nvSpPr>
-        <p:spPr/>
-        <p:txBody>
-          <a:bodyPr/>
-          <a:lstStyle/>
-          <a:p>
-            <a:r>
-              <a:rPr lang="en-US" altLang="zh-TW" dirty="0">
-                <a:latin typeface="Times" panose="02020603050405020304" pitchFamily="18" charset="0"/>
-                <a:cs typeface="Times" panose="02020603050405020304" pitchFamily="18" charset="0"/>
-              </a:rPr>
-              <a:t>Experimental Result</a:t>
-            </a:r>
-            <a:r>
-              <a:rPr lang="zh-TW" altLang="en-US" dirty="0">
-                <a:latin typeface="Times" panose="02020603050405020304" pitchFamily="18" charset="0"/>
-                <a:cs typeface="Times" panose="02020603050405020304" pitchFamily="18" charset="0"/>
-              </a:rPr>
-              <a:t> </a:t>
-            </a:r>
-            <a:r>
-              <a:rPr lang="en-US" altLang="zh-TW" dirty="0">
-                <a:latin typeface="Times" panose="02020603050405020304" pitchFamily="18" charset="0"/>
-                <a:cs typeface="Times" panose="02020603050405020304" pitchFamily="18" charset="0"/>
-              </a:rPr>
-              <a:t>–</a:t>
-            </a:r>
-            <a:r>
-              <a:rPr lang="zh-TW" altLang="en-US" dirty="0">
-                <a:latin typeface="Times" panose="02020603050405020304" pitchFamily="18" charset="0"/>
-                <a:cs typeface="Times" panose="02020603050405020304" pitchFamily="18" charset="0"/>
-              </a:rPr>
-              <a:t> </a:t>
-            </a:r>
-            <a:r>
-              <a:rPr lang="en-US" altLang="zh-TW" dirty="0">
-                <a:latin typeface="Times" panose="02020603050405020304" pitchFamily="18" charset="0"/>
-                <a:cs typeface="Times" panose="02020603050405020304" pitchFamily="18" charset="0"/>
-              </a:rPr>
-              <a:t>Solve ILT</a:t>
-            </a:r>
-            <a:endParaRPr lang="zh-TW" altLang="en-US" dirty="0">
-              <a:latin typeface="Times" panose="02020603050405020304" pitchFamily="18" charset="0"/>
-              <a:cs typeface="Times" panose="02020603050405020304" pitchFamily="18" charset="0"/>
-            </a:endParaRPr>
-          </a:p>
-        </p:txBody>
-      </p:sp>
-      <p:sp>
-        <p:nvSpPr>
-          <p:cNvPr id="4" name="投影片編號版面配置區 3">
-            <a:extLst>
-              <a:ext uri="{FF2B5EF4-FFF2-40B4-BE49-F238E27FC236}">
-                <a16:creationId xmlns:a16="http://schemas.microsoft.com/office/drawing/2014/main" id="{DA8021A9-0E61-87CE-88FE-1CFD6F3983FC}"/>
-              </a:ext>
-            </a:extLst>
-          </p:cNvPr>
-          <p:cNvSpPr>
-            <a:spLocks noGrp="1"/>
-          </p:cNvSpPr>
-          <p:nvPr>
-            <p:ph type="sldNum" sz="quarter" idx="12"/>
-          </p:nvPr>
-        </p:nvSpPr>
-        <p:spPr/>
-        <p:txBody>
-          <a:bodyPr/>
-          <a:lstStyle/>
-          <a:p>
-            <a:fld id="{666274A1-CF9C-426A-8DD4-B13ED0C24231}" type="slidenum">
-              <a:rPr lang="en-US" smtClean="0"/>
-              <a:t>29</a:t>
-            </a:fld>
-            <a:endParaRPr lang="en-US"/>
-          </a:p>
-        </p:txBody>
-      </p:sp>
-      <mc:AlternateContent xmlns:mc="http://schemas.openxmlformats.org/markup-compatibility/2006" xmlns:a14="http://schemas.microsoft.com/office/drawing/2010/main">
-        <mc:Choice Requires="a14">
-          <p:sp>
-            <p:nvSpPr>
-              <p:cNvPr id="5" name="內容版面配置區 4">
-                <a:extLst>
-                  <a:ext uri="{FF2B5EF4-FFF2-40B4-BE49-F238E27FC236}">
-                    <a16:creationId xmlns:a16="http://schemas.microsoft.com/office/drawing/2014/main" id="{6AAD9034-713A-21FC-1361-7735EF9A258A}"/>
-                  </a:ext>
-                </a:extLst>
-              </p:cNvPr>
-              <p:cNvSpPr>
-                <a:spLocks noGrp="1"/>
-              </p:cNvSpPr>
-              <p:nvPr>
-                <p:ph idx="1"/>
-              </p:nvPr>
-            </p:nvSpPr>
-            <p:spPr/>
-            <p:txBody>
-              <a:bodyPr>
-                <a:normAutofit/>
-              </a:bodyPr>
-              <a:lstStyle/>
-              <a:p>
-                <a:r>
-                  <a:rPr lang="en-US" altLang="zh-TW" sz="2200" dirty="0">
-                    <a:latin typeface="Times" panose="02020603050405020304" pitchFamily="18" charset="0"/>
-                    <a:cs typeface="Times" panose="02020603050405020304" pitchFamily="18" charset="0"/>
-                  </a:rPr>
-                  <a:t>Mask size = </a:t>
-                </a:r>
-                <a14:m>
-                  <m:oMath xmlns:m="http://schemas.openxmlformats.org/officeDocument/2006/math">
-                    <m:r>
-                      <a:rPr lang="en-US" altLang="zh-TW" sz="2200" b="0" i="1" smtClean="0">
-                        <a:latin typeface="Cambria Math" panose="02040503050406030204" pitchFamily="18" charset="0"/>
-                      </a:rPr>
-                      <m:t>400 </m:t>
-                    </m:r>
-                    <m:r>
-                      <a:rPr lang="en-US" altLang="zh-TW" sz="2200" b="0" i="1" smtClean="0">
-                        <a:latin typeface="Cambria Math" panose="02040503050406030204" pitchFamily="18" charset="0"/>
-                        <a:ea typeface="Cambria Math" panose="02040503050406030204" pitchFamily="18" charset="0"/>
-                      </a:rPr>
-                      <m:t>×400</m:t>
-                    </m:r>
-                  </m:oMath>
-                </a14:m>
-                <a:endParaRPr lang="zh-TW" altLang="en-US" sz="2200" dirty="0">
-                  <a:latin typeface="Times" panose="02020603050405020304" pitchFamily="18" charset="0"/>
-                  <a:cs typeface="Times" panose="02020603050405020304" pitchFamily="18" charset="0"/>
-                </a:endParaRPr>
-              </a:p>
-            </p:txBody>
-          </p:sp>
-        </mc:Choice>
-        <mc:Fallback xmlns="">
-          <p:sp>
-            <p:nvSpPr>
-              <p:cNvPr id="5" name="內容版面配置區 4">
-                <a:extLst>
-                  <a:ext uri="{FF2B5EF4-FFF2-40B4-BE49-F238E27FC236}">
-                    <a16:creationId xmlns:a16="http://schemas.microsoft.com/office/drawing/2014/main" id="{6AAD9034-713A-21FC-1361-7735EF9A258A}"/>
-                  </a:ext>
-                </a:extLst>
-              </p:cNvPr>
-              <p:cNvSpPr>
-                <a:spLocks noGrp="1" noRot="1" noChangeAspect="1" noMove="1" noResize="1" noEditPoints="1" noAdjustHandles="1" noChangeArrowheads="1" noChangeShapeType="1" noTextEdit="1"/>
-              </p:cNvSpPr>
-              <p:nvPr>
-                <p:ph idx="1"/>
-              </p:nvPr>
-            </p:nvSpPr>
-            <p:spPr>
-              <a:blipFill>
-                <a:blip r:embed="rId3"/>
-                <a:stretch>
-                  <a:fillRect l="-696" t="-1541"/>
-                </a:stretch>
-              </a:blipFill>
-            </p:spPr>
-            <p:txBody>
-              <a:bodyPr/>
-              <a:lstStyle/>
-              <a:p>
-                <a:r>
-                  <a:rPr lang="zh-TW" altLang="en-US">
-                    <a:noFill/>
-                  </a:rPr>
-                  <a:t> </a:t>
-                </a:r>
-              </a:p>
-            </p:txBody>
-          </p:sp>
-        </mc:Fallback>
-      </mc:AlternateContent>
-      <p:pic>
-        <p:nvPicPr>
-          <p:cNvPr id="8" name="圖片 7">
-            <a:extLst>
-              <a:ext uri="{FF2B5EF4-FFF2-40B4-BE49-F238E27FC236}">
-                <a16:creationId xmlns:a16="http://schemas.microsoft.com/office/drawing/2014/main" id="{0FB8DC75-E493-DF6E-FBE5-4A53F4A8DF2B}"/>
-              </a:ext>
-            </a:extLst>
-          </p:cNvPr>
-          <p:cNvPicPr>
-            <a:picLocks noChangeAspect="1"/>
-          </p:cNvPicPr>
-          <p:nvPr/>
-        </p:nvPicPr>
-        <p:blipFill>
-          <a:blip r:embed="rId4"/>
-          <a:stretch>
-            <a:fillRect/>
-          </a:stretch>
-        </p:blipFill>
-        <p:spPr>
-          <a:xfrm>
-            <a:off x="4890575" y="1825625"/>
-            <a:ext cx="5716800" cy="4246210"/>
-          </a:xfrm>
-          <a:prstGeom prst="rect">
-            <a:avLst/>
-          </a:prstGeom>
-        </p:spPr>
-      </p:pic>
-    </p:spTree>
-    <p:extLst>
-      <p:ext uri="{BB962C8B-B14F-4D97-AF65-F5344CB8AC3E}">
-        <p14:creationId xmlns:p14="http://schemas.microsoft.com/office/powerpoint/2010/main" val="752599104"/>
-      </p:ext>
-    </p:extLst>
-  </p:cSld>
-  <p:clrMapOvr>
-    <a:masterClrMapping/>
-  </p:clrMapOvr>
-</p:sld>
-</file>
-
-<file path=ppt/slides/slide31.xml><?xml version="1.0" encoding="utf-8"?>
-<p:sld xmlns:a="http://schemas.openxmlformats.org/drawingml/2006/main" xmlns:r="http://schemas.openxmlformats.org/officeDocument/2006/relationships" xmlns:p="http://schemas.openxmlformats.org/presentationml/2006/main">
-  <p:cSld>
-    <p:spTree>
-      <p:nvGrpSpPr>
-        <p:cNvPr id="1" name=""/>
-        <p:cNvGrpSpPr/>
-        <p:nvPr/>
-      </p:nvGrpSpPr>
-      <p:grpSpPr>
-        <a:xfrm>
-          <a:off x="0" y="0"/>
-          <a:ext cx="0" cy="0"/>
-          <a:chOff x="0" y="0"/>
-          <a:chExt cx="0" cy="0"/>
-        </a:xfrm>
-      </p:grpSpPr>
-      <p:sp>
-        <p:nvSpPr>
-          <p:cNvPr id="2" name="標題 1">
-            <a:extLst>
-              <a:ext uri="{FF2B5EF4-FFF2-40B4-BE49-F238E27FC236}">
-                <a16:creationId xmlns:a16="http://schemas.microsoft.com/office/drawing/2014/main" id="{156C4346-F0F9-6C34-7427-C802A4D5EF8E}"/>
-              </a:ext>
-            </a:extLst>
-          </p:cNvPr>
-          <p:cNvSpPr>
-            <a:spLocks noGrp="1"/>
-          </p:cNvSpPr>
-          <p:nvPr>
-            <p:ph type="title"/>
-          </p:nvPr>
-        </p:nvSpPr>
-        <p:spPr/>
-        <p:txBody>
-          <a:bodyPr/>
-          <a:lstStyle/>
-          <a:p>
-            <a:r>
-              <a:rPr lang="en-US" altLang="zh-TW" dirty="0">
-                <a:latin typeface="Times" panose="02020603050405020304" pitchFamily="18" charset="0"/>
-                <a:cs typeface="Times" panose="02020603050405020304" pitchFamily="18" charset="0"/>
-              </a:rPr>
-              <a:t>Experimental Result</a:t>
-            </a:r>
-            <a:r>
-              <a:rPr lang="zh-TW" altLang="en-US" dirty="0">
-                <a:latin typeface="Times" panose="02020603050405020304" pitchFamily="18" charset="0"/>
-                <a:cs typeface="Times" panose="02020603050405020304" pitchFamily="18" charset="0"/>
-              </a:rPr>
-              <a:t> </a:t>
-            </a:r>
-            <a:r>
-              <a:rPr lang="en-US" altLang="zh-TW" dirty="0">
-                <a:latin typeface="Times" panose="02020603050405020304" pitchFamily="18" charset="0"/>
-                <a:cs typeface="Times" panose="02020603050405020304" pitchFamily="18" charset="0"/>
-              </a:rPr>
-              <a:t>–</a:t>
-            </a:r>
-            <a:r>
-              <a:rPr lang="zh-TW" altLang="en-US" dirty="0">
-                <a:latin typeface="Times" panose="02020603050405020304" pitchFamily="18" charset="0"/>
-                <a:cs typeface="Times" panose="02020603050405020304" pitchFamily="18" charset="0"/>
-              </a:rPr>
-              <a:t> </a:t>
-            </a:r>
-            <a:r>
-              <a:rPr lang="en-US" altLang="zh-TW" dirty="0">
-                <a:latin typeface="Times" panose="02020603050405020304" pitchFamily="18" charset="0"/>
-                <a:cs typeface="Times" panose="02020603050405020304" pitchFamily="18" charset="0"/>
-              </a:rPr>
-              <a:t>Solve ILT</a:t>
-            </a:r>
-            <a:endParaRPr lang="zh-TW" altLang="en-US" dirty="0">
-              <a:latin typeface="Times" panose="02020603050405020304" pitchFamily="18" charset="0"/>
-              <a:cs typeface="Times" panose="02020603050405020304" pitchFamily="18" charset="0"/>
-            </a:endParaRPr>
-          </a:p>
-        </p:txBody>
-      </p:sp>
-      <p:sp>
-        <p:nvSpPr>
-          <p:cNvPr id="4" name="投影片編號版面配置區 3">
-            <a:extLst>
-              <a:ext uri="{FF2B5EF4-FFF2-40B4-BE49-F238E27FC236}">
-                <a16:creationId xmlns:a16="http://schemas.microsoft.com/office/drawing/2014/main" id="{DA8021A9-0E61-87CE-88FE-1CFD6F3983FC}"/>
-              </a:ext>
-            </a:extLst>
-          </p:cNvPr>
-          <p:cNvSpPr>
-            <a:spLocks noGrp="1"/>
-          </p:cNvSpPr>
-          <p:nvPr>
-            <p:ph type="sldNum" sz="quarter" idx="12"/>
-          </p:nvPr>
-        </p:nvSpPr>
-        <p:spPr/>
-        <p:txBody>
-          <a:bodyPr/>
-          <a:lstStyle/>
-          <a:p>
-            <a:fld id="{666274A1-CF9C-426A-8DD4-B13ED0C24231}" type="slidenum">
-              <a:rPr lang="en-US" smtClean="0"/>
-              <a:t>30</a:t>
-            </a:fld>
-            <a:endParaRPr lang="en-US"/>
-          </a:p>
-        </p:txBody>
-      </p:sp>
-      <mc:AlternateContent xmlns:mc="http://schemas.openxmlformats.org/markup-compatibility/2006" xmlns:a14="http://schemas.microsoft.com/office/drawing/2010/main">
-        <mc:Choice Requires="a14">
-          <p:sp>
-            <p:nvSpPr>
-              <p:cNvPr id="5" name="內容版面配置區 4">
-                <a:extLst>
-                  <a:ext uri="{FF2B5EF4-FFF2-40B4-BE49-F238E27FC236}">
-                    <a16:creationId xmlns:a16="http://schemas.microsoft.com/office/drawing/2014/main" id="{6AAD9034-713A-21FC-1361-7735EF9A258A}"/>
-                  </a:ext>
-                </a:extLst>
-              </p:cNvPr>
-              <p:cNvSpPr>
-                <a:spLocks noGrp="1"/>
-              </p:cNvSpPr>
-              <p:nvPr>
-                <p:ph idx="1"/>
-              </p:nvPr>
-            </p:nvSpPr>
-            <p:spPr/>
-            <p:txBody>
-              <a:bodyPr>
-                <a:normAutofit/>
-              </a:bodyPr>
-              <a:lstStyle/>
-              <a:p>
-                <a:r>
-                  <a:rPr lang="en-US" altLang="zh-TW" sz="2200" dirty="0">
-                    <a:latin typeface="Times" panose="02020603050405020304" pitchFamily="18" charset="0"/>
-                    <a:cs typeface="Times" panose="02020603050405020304" pitchFamily="18" charset="0"/>
-                  </a:rPr>
-                  <a:t>Mask size = </a:t>
-                </a:r>
-                <a14:m>
-                  <m:oMath xmlns:m="http://schemas.openxmlformats.org/officeDocument/2006/math">
-                    <m:r>
-                      <a:rPr lang="en-US" altLang="zh-TW" sz="2200" i="1">
-                        <a:latin typeface="Cambria Math" panose="02040503050406030204" pitchFamily="18" charset="0"/>
-                      </a:rPr>
-                      <m:t>1</m:t>
-                    </m:r>
-                    <m:r>
-                      <a:rPr lang="en-US" altLang="zh-TW" sz="2200" b="0" i="1" smtClean="0">
-                        <a:latin typeface="Cambria Math" panose="02040503050406030204" pitchFamily="18" charset="0"/>
-                      </a:rPr>
-                      <m:t>000 </m:t>
-                    </m:r>
-                    <m:r>
-                      <a:rPr lang="en-US" altLang="zh-TW" sz="2200" b="0" i="1" smtClean="0">
-                        <a:latin typeface="Cambria Math" panose="02040503050406030204" pitchFamily="18" charset="0"/>
-                        <a:ea typeface="Cambria Math" panose="02040503050406030204" pitchFamily="18" charset="0"/>
-                      </a:rPr>
-                      <m:t>×1000</m:t>
-                    </m:r>
-                  </m:oMath>
-                </a14:m>
-                <a:endParaRPr lang="zh-TW" altLang="en-US" sz="2200" dirty="0">
-                  <a:latin typeface="Times" panose="02020603050405020304" pitchFamily="18" charset="0"/>
-                  <a:cs typeface="Times" panose="02020603050405020304" pitchFamily="18" charset="0"/>
-                </a:endParaRPr>
-              </a:p>
-            </p:txBody>
-          </p:sp>
-        </mc:Choice>
-        <mc:Fallback xmlns="">
-          <p:sp>
-            <p:nvSpPr>
-              <p:cNvPr id="5" name="內容版面配置區 4">
-                <a:extLst>
-                  <a:ext uri="{FF2B5EF4-FFF2-40B4-BE49-F238E27FC236}">
-                    <a16:creationId xmlns:a16="http://schemas.microsoft.com/office/drawing/2014/main" id="{6AAD9034-713A-21FC-1361-7735EF9A258A}"/>
-                  </a:ext>
-                </a:extLst>
-              </p:cNvPr>
-              <p:cNvSpPr>
-                <a:spLocks noGrp="1" noRot="1" noChangeAspect="1" noMove="1" noResize="1" noEditPoints="1" noAdjustHandles="1" noChangeArrowheads="1" noChangeShapeType="1" noTextEdit="1"/>
-              </p:cNvSpPr>
-              <p:nvPr>
-                <p:ph idx="1"/>
-              </p:nvPr>
-            </p:nvSpPr>
-            <p:spPr>
-              <a:blipFill>
-                <a:blip r:embed="rId3"/>
-                <a:stretch>
-                  <a:fillRect l="-696" t="-1541"/>
-                </a:stretch>
-              </a:blipFill>
-            </p:spPr>
-            <p:txBody>
-              <a:bodyPr/>
-              <a:lstStyle/>
-              <a:p>
-                <a:r>
-                  <a:rPr lang="zh-TW" altLang="en-US">
-                    <a:noFill/>
-                  </a:rPr>
-                  <a:t> </a:t>
-                </a:r>
-              </a:p>
-            </p:txBody>
-          </p:sp>
-        </mc:Fallback>
-      </mc:AlternateContent>
-      <p:pic>
-        <p:nvPicPr>
-          <p:cNvPr id="8" name="圖片 7">
-            <a:extLst>
-              <a:ext uri="{FF2B5EF4-FFF2-40B4-BE49-F238E27FC236}">
-                <a16:creationId xmlns:a16="http://schemas.microsoft.com/office/drawing/2014/main" id="{0FB8DC75-E493-DF6E-FBE5-4A53F4A8DF2B}"/>
-              </a:ext>
-            </a:extLst>
-          </p:cNvPr>
-          <p:cNvPicPr>
-            <a:picLocks noChangeAspect="1"/>
-          </p:cNvPicPr>
-          <p:nvPr/>
-        </p:nvPicPr>
-        <p:blipFill>
-          <a:blip r:embed="rId4"/>
-          <a:stretch>
-            <a:fillRect/>
-          </a:stretch>
-        </p:blipFill>
-        <p:spPr>
-          <a:xfrm>
-            <a:off x="4890575" y="1825625"/>
-            <a:ext cx="5716800" cy="4246210"/>
-          </a:xfrm>
-          <a:prstGeom prst="rect">
-            <a:avLst/>
-          </a:prstGeom>
-        </p:spPr>
-      </p:pic>
-    </p:spTree>
-    <p:extLst>
-      <p:ext uri="{BB962C8B-B14F-4D97-AF65-F5344CB8AC3E}">
-        <p14:creationId xmlns:p14="http://schemas.microsoft.com/office/powerpoint/2010/main" val="2101553362"/>
-      </p:ext>
-    </p:extLst>
-  </p:cSld>
-  <p:clrMapOvr>
-    <a:masterClrMapping/>
-  </p:clrMapOvr>
-</p:sld>
-</file>
-
-<file path=ppt/slides/slide32.xml><?xml version="1.0" encoding="utf-8"?>
-<p:sld xmlns:a="http://schemas.openxmlformats.org/drawingml/2006/main" xmlns:r="http://schemas.openxmlformats.org/officeDocument/2006/relationships" xmlns:p="http://schemas.openxmlformats.org/presentationml/2006/main">
-  <p:cSld>
-    <p:spTree>
-      <p:nvGrpSpPr>
-        <p:cNvPr id="1" name=""/>
-        <p:cNvGrpSpPr/>
-        <p:nvPr/>
-      </p:nvGrpSpPr>
-      <p:grpSpPr>
-        <a:xfrm>
-          <a:off x="0" y="0"/>
-          <a:ext cx="0" cy="0"/>
-          <a:chOff x="0" y="0"/>
-          <a:chExt cx="0" cy="0"/>
-        </a:xfrm>
-      </p:grpSpPr>
-      <p:sp>
-        <p:nvSpPr>
-          <p:cNvPr id="2" name="Title 1">
-            <a:extLst>
-              <a:ext uri="{FF2B5EF4-FFF2-40B4-BE49-F238E27FC236}">
-                <a16:creationId xmlns:a16="http://schemas.microsoft.com/office/drawing/2014/main" id="{034B2B09-3A89-725A-85C2-749F88A4474D}"/>
-              </a:ext>
-            </a:extLst>
-          </p:cNvPr>
-          <p:cNvSpPr>
-            <a:spLocks noGrp="1"/>
-          </p:cNvSpPr>
-          <p:nvPr>
-            <p:ph type="title"/>
-          </p:nvPr>
-        </p:nvSpPr>
-        <p:spPr/>
-        <p:txBody>
-          <a:bodyPr/>
-          <a:lstStyle/>
-          <a:p>
-            <a:r>
-              <a:rPr lang="en-US" sz="4000" dirty="0">
-                <a:latin typeface="Times New Roman" panose="02020603050405020304" pitchFamily="18" charset="0"/>
-                <a:cs typeface="Times New Roman" panose="02020603050405020304" pitchFamily="18" charset="0"/>
-              </a:rPr>
-              <a:t>Outline</a:t>
-            </a:r>
-            <a:endParaRPr lang="en-US" dirty="0">
-              <a:latin typeface="Times New Roman" panose="02020603050405020304" pitchFamily="18" charset="0"/>
-              <a:cs typeface="Times New Roman" panose="02020603050405020304" pitchFamily="18" charset="0"/>
-            </a:endParaRPr>
-          </a:p>
-        </p:txBody>
-      </p:sp>
-      <p:sp>
-        <p:nvSpPr>
-          <p:cNvPr id="4" name="Slide Number Placeholder 3">
-            <a:extLst>
-              <a:ext uri="{FF2B5EF4-FFF2-40B4-BE49-F238E27FC236}">
-                <a16:creationId xmlns:a16="http://schemas.microsoft.com/office/drawing/2014/main" id="{3592E110-E718-0573-BF00-CE5E90916A66}"/>
-              </a:ext>
-            </a:extLst>
-          </p:cNvPr>
-          <p:cNvSpPr>
-            <a:spLocks noGrp="1"/>
-          </p:cNvSpPr>
-          <p:nvPr>
-            <p:ph type="sldNum" sz="quarter" idx="12"/>
-          </p:nvPr>
-        </p:nvSpPr>
-        <p:spPr/>
-        <p:txBody>
-          <a:bodyPr/>
-          <a:lstStyle/>
-          <a:p>
-            <a:fld id="{666274A1-CF9C-426A-8DD4-B13ED0C24231}" type="slidenum">
-              <a:rPr lang="en-US" smtClean="0"/>
-              <a:t>31</a:t>
-            </a:fld>
-            <a:endParaRPr lang="en-US"/>
-          </a:p>
-        </p:txBody>
-      </p:sp>
-      <p:sp>
-        <p:nvSpPr>
-          <p:cNvPr id="7" name="Content Placeholder 2">
-            <a:extLst>
-              <a:ext uri="{FF2B5EF4-FFF2-40B4-BE49-F238E27FC236}">
-                <a16:creationId xmlns:a16="http://schemas.microsoft.com/office/drawing/2014/main" id="{85FB6EDC-A81C-417F-C3B2-4378D3D43B94}"/>
-              </a:ext>
-            </a:extLst>
-          </p:cNvPr>
-          <p:cNvSpPr txBox="1">
-            <a:spLocks/>
-          </p:cNvSpPr>
-          <p:nvPr/>
-        </p:nvSpPr>
-        <p:spPr>
-          <a:xfrm>
-            <a:off x="1028700" y="1690688"/>
-            <a:ext cx="10515600" cy="4351338"/>
-          </a:xfrm>
-          <a:prstGeom prst="rect">
-            <a:avLst/>
-          </a:prstGeom>
-        </p:spPr>
-        <p:txBody>
-          <a:bodyPr vert="horz" lIns="91440" tIns="45720" rIns="91440" bIns="45720" rtlCol="0">
-            <a:normAutofit/>
-          </a:bodyPr>
-          <a:lstStyle>
-            <a:lvl1pPr marL="228600" indent="-228600" algn="l" defTabSz="914400" rtl="0" eaLnBrk="1" latinLnBrk="0" hangingPunct="1">
-              <a:lnSpc>
-                <a:spcPct val="90000"/>
-              </a:lnSpc>
-              <a:spcBef>
-                <a:spcPts val="1000"/>
-              </a:spcBef>
-              <a:buFont typeface="Arial" panose="020B0604020202020204" pitchFamily="34" charset="0"/>
-              <a:buChar char="•"/>
-              <a:defRPr sz="2800" kern="1200">
-                <a:solidFill>
-                  <a:schemeClr val="tx1"/>
-                </a:solidFill>
-                <a:latin typeface="+mn-lt"/>
-                <a:ea typeface="+mn-ea"/>
-                <a:cs typeface="+mn-cs"/>
-              </a:defRPr>
-            </a:lvl1pPr>
-            <a:lvl2pPr marL="685800" indent="-228600" algn="l" defTabSz="914400" rtl="0" eaLnBrk="1" latinLnBrk="0" hangingPunct="1">
-              <a:lnSpc>
-                <a:spcPct val="90000"/>
-              </a:lnSpc>
-              <a:spcBef>
-                <a:spcPts val="500"/>
-              </a:spcBef>
-              <a:buFont typeface="Arial" panose="020B0604020202020204" pitchFamily="34" charset="0"/>
-              <a:buChar char="•"/>
-              <a:defRPr sz="2400" kern="1200">
-                <a:solidFill>
-                  <a:schemeClr val="tx1"/>
-                </a:solidFill>
-                <a:latin typeface="+mn-lt"/>
-                <a:ea typeface="+mn-ea"/>
-                <a:cs typeface="+mn-cs"/>
-              </a:defRPr>
-            </a:lvl2pPr>
-            <a:lvl3pPr marL="1143000" indent="-228600" algn="l" defTabSz="914400" rtl="0" eaLnBrk="1" latinLnBrk="0" hangingPunct="1">
-              <a:lnSpc>
-                <a:spcPct val="90000"/>
-              </a:lnSpc>
-              <a:spcBef>
-                <a:spcPts val="500"/>
-              </a:spcBef>
-              <a:buFont typeface="Arial" panose="020B0604020202020204" pitchFamily="34" charset="0"/>
-              <a:buChar char="•"/>
-              <a:defRPr sz="2000" kern="1200">
-                <a:solidFill>
-                  <a:schemeClr val="tx1"/>
-                </a:solidFill>
-                <a:latin typeface="+mn-lt"/>
-                <a:ea typeface="+mn-ea"/>
-                <a:cs typeface="+mn-cs"/>
-              </a:defRPr>
-            </a:lvl3pPr>
-            <a:lvl4pPr marL="1600200" indent="-228600" algn="l" defTabSz="914400" rtl="0" eaLnBrk="1" latinLnBrk="0" hangingPunct="1">
-              <a:lnSpc>
-                <a:spcPct val="90000"/>
-              </a:lnSpc>
-              <a:spcBef>
-                <a:spcPts val="500"/>
-              </a:spcBef>
-              <a:buFont typeface="Arial" panose="020B0604020202020204" pitchFamily="34" charset="0"/>
-              <a:buChar char="•"/>
-              <a:defRPr sz="1800" kern="1200">
-                <a:solidFill>
-                  <a:schemeClr val="tx1"/>
-                </a:solidFill>
-                <a:latin typeface="+mn-lt"/>
-                <a:ea typeface="+mn-ea"/>
-                <a:cs typeface="+mn-cs"/>
-              </a:defRPr>
-            </a:lvl4pPr>
-            <a:lvl5pPr marL="2057400" indent="-228600" algn="l" defTabSz="914400" rtl="0" eaLnBrk="1" latinLnBrk="0" hangingPunct="1">
-              <a:lnSpc>
-                <a:spcPct val="90000"/>
-              </a:lnSpc>
-              <a:spcBef>
-                <a:spcPts val="500"/>
-              </a:spcBef>
-              <a:buFont typeface="Arial" panose="020B0604020202020204" pitchFamily="34" charset="0"/>
-              <a:buChar char="•"/>
-              <a:defRPr sz="1800" kern="1200">
-                <a:solidFill>
-                  <a:schemeClr val="tx1"/>
-                </a:solidFill>
-                <a:latin typeface="+mn-lt"/>
-                <a:ea typeface="+mn-ea"/>
-                <a:cs typeface="+mn-cs"/>
-              </a:defRPr>
-            </a:lvl5pPr>
-            <a:lvl6pPr marL="2514600" indent="-228600" algn="l" defTabSz="914400" rtl="0" eaLnBrk="1" latinLnBrk="0" hangingPunct="1">
-              <a:lnSpc>
-                <a:spcPct val="90000"/>
-              </a:lnSpc>
-              <a:spcBef>
-                <a:spcPts val="500"/>
-              </a:spcBef>
-              <a:buFont typeface="Arial" panose="020B0604020202020204" pitchFamily="34" charset="0"/>
-              <a:buChar char="•"/>
-              <a:defRPr sz="1800" kern="1200">
-                <a:solidFill>
-                  <a:schemeClr val="tx1"/>
-                </a:solidFill>
-                <a:latin typeface="+mn-lt"/>
-                <a:ea typeface="+mn-ea"/>
-                <a:cs typeface="+mn-cs"/>
-              </a:defRPr>
-            </a:lvl6pPr>
-            <a:lvl7pPr marL="2971800" indent="-228600" algn="l" defTabSz="914400" rtl="0" eaLnBrk="1" latinLnBrk="0" hangingPunct="1">
-              <a:lnSpc>
-                <a:spcPct val="90000"/>
-              </a:lnSpc>
-              <a:spcBef>
-                <a:spcPts val="500"/>
-              </a:spcBef>
-              <a:buFont typeface="Arial" panose="020B0604020202020204" pitchFamily="34" charset="0"/>
-              <a:buChar char="•"/>
-              <a:defRPr sz="1800" kern="1200">
-                <a:solidFill>
-                  <a:schemeClr val="tx1"/>
-                </a:solidFill>
-                <a:latin typeface="+mn-lt"/>
-                <a:ea typeface="+mn-ea"/>
-                <a:cs typeface="+mn-cs"/>
-              </a:defRPr>
-            </a:lvl7pPr>
-            <a:lvl8pPr marL="3429000" indent="-228600" algn="l" defTabSz="914400" rtl="0" eaLnBrk="1" latinLnBrk="0" hangingPunct="1">
-              <a:lnSpc>
-                <a:spcPct val="90000"/>
-              </a:lnSpc>
-              <a:spcBef>
-                <a:spcPts val="500"/>
-              </a:spcBef>
-              <a:buFont typeface="Arial" panose="020B0604020202020204" pitchFamily="34" charset="0"/>
-              <a:buChar char="•"/>
-              <a:defRPr sz="1800" kern="1200">
-                <a:solidFill>
-                  <a:schemeClr val="tx1"/>
-                </a:solidFill>
-                <a:latin typeface="+mn-lt"/>
-                <a:ea typeface="+mn-ea"/>
-                <a:cs typeface="+mn-cs"/>
-              </a:defRPr>
-            </a:lvl8pPr>
-            <a:lvl9pPr marL="3886200" indent="-228600" algn="l" defTabSz="914400" rtl="0" eaLnBrk="1" latinLnBrk="0" hangingPunct="1">
-              <a:lnSpc>
-                <a:spcPct val="90000"/>
-              </a:lnSpc>
-              <a:spcBef>
-                <a:spcPts val="500"/>
-              </a:spcBef>
-              <a:buFont typeface="Arial" panose="020B0604020202020204" pitchFamily="34" charset="0"/>
-              <a:buChar char="•"/>
-              <a:defRPr sz="1800" kern="1200">
-                <a:solidFill>
-                  <a:schemeClr val="tx1"/>
-                </a:solidFill>
-                <a:latin typeface="+mn-lt"/>
-                <a:ea typeface="+mn-ea"/>
-                <a:cs typeface="+mn-cs"/>
-              </a:defRPr>
-            </a:lvl9pPr>
-          </a:lstStyle>
-          <a:p>
-            <a:pPr>
-              <a:lnSpc>
-                <a:spcPct val="130000"/>
-              </a:lnSpc>
-            </a:pPr>
-            <a:r>
-              <a:rPr lang="en-US" sz="2400" dirty="0">
-                <a:solidFill>
-                  <a:schemeClr val="bg1">
-                    <a:lumMod val="50000"/>
-                  </a:schemeClr>
-                </a:solidFill>
-                <a:latin typeface="Times New Roman" panose="02020603050405020304" pitchFamily="18" charset="0"/>
-                <a:cs typeface="Times New Roman" panose="02020603050405020304" pitchFamily="18" charset="0"/>
-              </a:rPr>
-              <a:t>Introduction</a:t>
-            </a:r>
-          </a:p>
-          <a:p>
-            <a:pPr>
-              <a:lnSpc>
-                <a:spcPct val="130000"/>
-              </a:lnSpc>
-            </a:pPr>
-            <a:r>
-              <a:rPr lang="en-US" sz="2400" dirty="0">
-                <a:solidFill>
-                  <a:schemeClr val="bg1">
-                    <a:lumMod val="50000"/>
-                  </a:schemeClr>
-                </a:solidFill>
-                <a:latin typeface="Times New Roman" panose="02020603050405020304" pitchFamily="18" charset="0"/>
-                <a:cs typeface="Times New Roman" panose="02020603050405020304" pitchFamily="18" charset="0"/>
-              </a:rPr>
-              <a:t>Preliminaries</a:t>
-            </a:r>
-          </a:p>
-          <a:p>
-            <a:pPr>
-              <a:lnSpc>
-                <a:spcPct val="130000"/>
-              </a:lnSpc>
-            </a:pPr>
-            <a:r>
-              <a:rPr lang="en-US" sz="2400" dirty="0">
-                <a:solidFill>
-                  <a:schemeClr val="bg1">
-                    <a:lumMod val="50000"/>
-                  </a:schemeClr>
-                </a:solidFill>
-                <a:latin typeface="Times New Roman" panose="02020603050405020304" pitchFamily="18" charset="0"/>
-                <a:cs typeface="Times New Roman" panose="02020603050405020304" pitchFamily="18" charset="0"/>
-              </a:rPr>
-              <a:t>Algorithm</a:t>
-            </a:r>
-            <a:endParaRPr lang="en-US" sz="2000" dirty="0">
-              <a:solidFill>
-                <a:schemeClr val="bg1">
-                  <a:lumMod val="50000"/>
-                </a:schemeClr>
-              </a:solidFill>
-              <a:latin typeface="Times New Roman" panose="02020603050405020304" pitchFamily="18" charset="0"/>
-              <a:cs typeface="Times New Roman" panose="02020603050405020304" pitchFamily="18" charset="0"/>
-            </a:endParaRPr>
-          </a:p>
-          <a:p>
-            <a:pPr>
-              <a:lnSpc>
-                <a:spcPct val="130000"/>
-              </a:lnSpc>
-            </a:pPr>
-            <a:r>
-              <a:rPr lang="en-US" sz="2400" dirty="0">
-                <a:solidFill>
-                  <a:schemeClr val="bg1">
-                    <a:lumMod val="50000"/>
-                  </a:schemeClr>
-                </a:solidFill>
-                <a:latin typeface="Times New Roman" panose="02020603050405020304" pitchFamily="18" charset="0"/>
-                <a:cs typeface="Times New Roman" panose="02020603050405020304" pitchFamily="18" charset="0"/>
-              </a:rPr>
-              <a:t>Experimental Result</a:t>
-            </a:r>
-          </a:p>
-          <a:p>
-            <a:pPr>
-              <a:lnSpc>
-                <a:spcPct val="130000"/>
-              </a:lnSpc>
-            </a:pPr>
-            <a:r>
-              <a:rPr lang="en-US" sz="2400" dirty="0">
-                <a:latin typeface="Times New Roman" panose="02020603050405020304" pitchFamily="18" charset="0"/>
-                <a:cs typeface="Times New Roman" panose="02020603050405020304" pitchFamily="18" charset="0"/>
-              </a:rPr>
-              <a:t>Conclusion</a:t>
-            </a:r>
-          </a:p>
-        </p:txBody>
-      </p:sp>
-    </p:spTree>
-    <p:extLst>
-      <p:ext uri="{BB962C8B-B14F-4D97-AF65-F5344CB8AC3E}">
         <p14:creationId xmlns:p14="http://schemas.microsoft.com/office/powerpoint/2010/main" val="994511244"/>
-      </p:ext>
-    </p:extLst>
-  </p:cSld>
-  <p:clrMapOvr>
-    <a:masterClrMapping/>
-  </p:clrMapOvr>
-</p:sld>
-</file>
-
-<file path=ppt/slides/slide33.xml><?xml version="1.0" encoding="utf-8"?>
-<p:sld xmlns:a="http://schemas.openxmlformats.org/drawingml/2006/main" xmlns:r="http://schemas.openxmlformats.org/officeDocument/2006/relationships" xmlns:p="http://schemas.openxmlformats.org/presentationml/2006/main">
-  <p:cSld>
-    <p:spTree>
-      <p:nvGrpSpPr>
-        <p:cNvPr id="1" name=""/>
-        <p:cNvGrpSpPr/>
-        <p:nvPr/>
-      </p:nvGrpSpPr>
-      <p:grpSpPr>
-        <a:xfrm>
-          <a:off x="0" y="0"/>
-          <a:ext cx="0" cy="0"/>
-          <a:chOff x="0" y="0"/>
-          <a:chExt cx="0" cy="0"/>
-        </a:xfrm>
-      </p:grpSpPr>
-      <p:sp>
-        <p:nvSpPr>
-          <p:cNvPr id="2" name="標題 1">
-            <a:extLst>
-              <a:ext uri="{FF2B5EF4-FFF2-40B4-BE49-F238E27FC236}">
-                <a16:creationId xmlns:a16="http://schemas.microsoft.com/office/drawing/2014/main" id="{83DC1FF2-4691-98B7-30EE-2D22C34AAC99}"/>
-              </a:ext>
-            </a:extLst>
-          </p:cNvPr>
-          <p:cNvSpPr>
-            <a:spLocks noGrp="1"/>
-          </p:cNvSpPr>
-          <p:nvPr>
-            <p:ph type="title"/>
-          </p:nvPr>
-        </p:nvSpPr>
-        <p:spPr/>
-        <p:txBody>
-          <a:bodyPr/>
-          <a:lstStyle/>
-          <a:p>
-            <a:r>
-              <a:rPr lang="en-US" altLang="zh-TW" dirty="0">
-                <a:latin typeface="Times" panose="02020603050405020304" pitchFamily="18" charset="0"/>
-                <a:cs typeface="Times" panose="02020603050405020304" pitchFamily="18" charset="0"/>
-              </a:rPr>
-              <a:t>Conclusion</a:t>
-            </a:r>
-            <a:endParaRPr lang="zh-TW" altLang="en-US" dirty="0">
-              <a:latin typeface="Times" panose="02020603050405020304" pitchFamily="18" charset="0"/>
-              <a:cs typeface="Times" panose="02020603050405020304" pitchFamily="18" charset="0"/>
-            </a:endParaRPr>
-          </a:p>
-        </p:txBody>
-      </p:sp>
-      <p:sp>
-        <p:nvSpPr>
-          <p:cNvPr id="3" name="內容版面配置區 2">
-            <a:extLst>
-              <a:ext uri="{FF2B5EF4-FFF2-40B4-BE49-F238E27FC236}">
-                <a16:creationId xmlns:a16="http://schemas.microsoft.com/office/drawing/2014/main" id="{6B072075-E05B-FA42-BAC8-CDCAE744247C}"/>
-              </a:ext>
-            </a:extLst>
-          </p:cNvPr>
-          <p:cNvSpPr>
-            <a:spLocks noGrp="1"/>
-          </p:cNvSpPr>
-          <p:nvPr>
-            <p:ph idx="1"/>
-          </p:nvPr>
-        </p:nvSpPr>
-        <p:spPr/>
-        <p:txBody>
-          <a:bodyPr>
-            <a:normAutofit/>
-          </a:bodyPr>
-          <a:lstStyle/>
-          <a:p>
-            <a:pPr>
-              <a:lnSpc>
-                <a:spcPct val="150000"/>
-              </a:lnSpc>
-            </a:pPr>
-            <a:r>
-              <a:rPr lang="en-US" altLang="zh-TW" sz="2400" dirty="0">
-                <a:latin typeface="Times" panose="02020603050405020304" pitchFamily="18" charset="0"/>
-                <a:cs typeface="Times" panose="02020603050405020304" pitchFamily="18" charset="0"/>
-              </a:rPr>
-              <a:t>Several techniques are developed for KOSIM:</a:t>
-            </a:r>
-          </a:p>
-          <a:p>
-            <a:pPr lvl="1">
-              <a:lnSpc>
-                <a:spcPct val="150000"/>
-              </a:lnSpc>
-            </a:pPr>
-            <a:r>
-              <a:rPr lang="en-US" altLang="zh-TW" sz="2000" dirty="0">
-                <a:latin typeface="Times" panose="02020603050405020304" pitchFamily="18" charset="0"/>
-                <a:cs typeface="Times" panose="02020603050405020304" pitchFamily="18" charset="0"/>
-              </a:rPr>
-              <a:t>Knowledge-oriented inexact gradients.</a:t>
-            </a:r>
-          </a:p>
-          <a:p>
-            <a:pPr lvl="1">
-              <a:lnSpc>
-                <a:spcPct val="150000"/>
-              </a:lnSpc>
-            </a:pPr>
-            <a:r>
-              <a:rPr lang="en-US" altLang="zh-TW" sz="2000" dirty="0">
-                <a:latin typeface="Times" panose="02020603050405020304" pitchFamily="18" charset="0"/>
-                <a:cs typeface="Times" panose="02020603050405020304" pitchFamily="18" charset="0"/>
-              </a:rPr>
-              <a:t>Maintaining inexact models.</a:t>
-            </a:r>
-          </a:p>
-          <a:p>
-            <a:pPr lvl="1">
-              <a:lnSpc>
-                <a:spcPct val="150000"/>
-              </a:lnSpc>
-            </a:pPr>
-            <a:r>
-              <a:rPr lang="en-US" altLang="zh-TW" sz="2000" dirty="0">
-                <a:latin typeface="Times" panose="02020603050405020304" pitchFamily="18" charset="0"/>
-                <a:cs typeface="Times" panose="02020603050405020304" pitchFamily="18" charset="0"/>
-              </a:rPr>
-              <a:t>Constructing subspaces.</a:t>
-            </a:r>
-          </a:p>
-          <a:p>
-            <a:pPr lvl="1">
-              <a:lnSpc>
-                <a:spcPct val="150000"/>
-              </a:lnSpc>
-            </a:pPr>
-            <a:r>
-              <a:rPr lang="en-US" altLang="zh-TW" sz="2000" dirty="0">
-                <a:latin typeface="Times" panose="02020603050405020304" pitchFamily="18" charset="0"/>
-                <a:cs typeface="Times" panose="02020603050405020304" pitchFamily="18" charset="0"/>
-              </a:rPr>
-              <a:t>Solving the subproblems.</a:t>
-            </a:r>
-          </a:p>
-          <a:p>
-            <a:pPr lvl="1">
-              <a:lnSpc>
-                <a:spcPct val="150000"/>
-              </a:lnSpc>
-            </a:pPr>
-            <a:endParaRPr lang="en-US" altLang="zh-TW" sz="500" dirty="0">
-              <a:latin typeface="Times" panose="02020603050405020304" pitchFamily="18" charset="0"/>
-              <a:cs typeface="Times" panose="02020603050405020304" pitchFamily="18" charset="0"/>
-            </a:endParaRPr>
-          </a:p>
-          <a:p>
-            <a:pPr>
-              <a:lnSpc>
-                <a:spcPct val="150000"/>
-              </a:lnSpc>
-            </a:pPr>
-            <a:r>
-              <a:rPr lang="en-US" altLang="zh-TW" sz="2200" dirty="0">
-                <a:latin typeface="Times" panose="02020603050405020304" pitchFamily="18" charset="0"/>
-                <a:cs typeface="Times" panose="02020603050405020304" pitchFamily="18" charset="0"/>
-              </a:rPr>
-              <a:t>KOSIM evaluates only O(1) function values and has only O(</a:t>
-            </a:r>
-            <a:r>
-              <a:rPr lang="zh-TW" altLang="en-US" sz="2200" dirty="0">
-                <a:latin typeface="Times" panose="02020603050405020304" pitchFamily="18" charset="0"/>
-                <a:cs typeface="Times" panose="02020603050405020304" pitchFamily="18" charset="0"/>
-              </a:rPr>
-              <a:t>𝑛</a:t>
-            </a:r>
-            <a:r>
-              <a:rPr lang="en-US" altLang="zh-TW" sz="2200" dirty="0">
-                <a:latin typeface="Times" panose="02020603050405020304" pitchFamily="18" charset="0"/>
-                <a:cs typeface="Times" panose="02020603050405020304" pitchFamily="18" charset="0"/>
-              </a:rPr>
-              <a:t>) computational complexity per iteration.</a:t>
-            </a:r>
-            <a:endParaRPr lang="zh-TW" altLang="en-US" sz="2200" dirty="0">
-              <a:latin typeface="Times" panose="02020603050405020304" pitchFamily="18" charset="0"/>
-              <a:cs typeface="Times" panose="02020603050405020304" pitchFamily="18" charset="0"/>
-            </a:endParaRPr>
-          </a:p>
-        </p:txBody>
-      </p:sp>
-      <p:sp>
-        <p:nvSpPr>
-          <p:cNvPr id="4" name="投影片編號版面配置區 3">
-            <a:extLst>
-              <a:ext uri="{FF2B5EF4-FFF2-40B4-BE49-F238E27FC236}">
-                <a16:creationId xmlns:a16="http://schemas.microsoft.com/office/drawing/2014/main" id="{A47FD18C-E873-9438-C2BB-CA63F7C6907E}"/>
-              </a:ext>
-            </a:extLst>
-          </p:cNvPr>
-          <p:cNvSpPr>
-            <a:spLocks noGrp="1"/>
-          </p:cNvSpPr>
-          <p:nvPr>
-            <p:ph type="sldNum" sz="quarter" idx="12"/>
-          </p:nvPr>
-        </p:nvSpPr>
-        <p:spPr/>
-        <p:txBody>
-          <a:bodyPr/>
-          <a:lstStyle/>
-          <a:p>
-            <a:fld id="{666274A1-CF9C-426A-8DD4-B13ED0C24231}" type="slidenum">
-              <a:rPr lang="en-US" smtClean="0"/>
-              <a:t>32</a:t>
-            </a:fld>
-            <a:endParaRPr lang="en-US" dirty="0"/>
-          </a:p>
-        </p:txBody>
-      </p:sp>
-    </p:spTree>
-    <p:extLst>
-      <p:ext uri="{BB962C8B-B14F-4D97-AF65-F5344CB8AC3E}">
-        <p14:creationId xmlns:p14="http://schemas.microsoft.com/office/powerpoint/2010/main" val="436566612"/>
       </p:ext>
     </p:extLst>
   </p:cSld>
@@ -20232,6 +20435,237 @@
       </p:grpSpPr>
       <p:sp>
         <p:nvSpPr>
+          <p:cNvPr id="2" name="標題 1">
+            <a:extLst>
+              <a:ext uri="{FF2B5EF4-FFF2-40B4-BE49-F238E27FC236}">
+                <a16:creationId xmlns:a16="http://schemas.microsoft.com/office/drawing/2014/main" id="{83DC1FF2-4691-98B7-30EE-2D22C34AAC99}"/>
+              </a:ext>
+            </a:extLst>
+          </p:cNvPr>
+          <p:cNvSpPr>
+            <a:spLocks noGrp="1"/>
+          </p:cNvSpPr>
+          <p:nvPr>
+            <p:ph type="title"/>
+          </p:nvPr>
+        </p:nvSpPr>
+        <p:spPr/>
+        <p:txBody>
+          <a:bodyPr/>
+          <a:lstStyle/>
+          <a:p>
+            <a:r>
+              <a:rPr lang="en-US" altLang="zh-TW" dirty="0">
+                <a:latin typeface="Times" panose="02020603050405020304" pitchFamily="18" charset="0"/>
+                <a:cs typeface="Times" panose="02020603050405020304" pitchFamily="18" charset="0"/>
+              </a:rPr>
+              <a:t>Conclusion</a:t>
+            </a:r>
+            <a:endParaRPr lang="zh-TW" altLang="en-US" dirty="0">
+              <a:latin typeface="Times" panose="02020603050405020304" pitchFamily="18" charset="0"/>
+              <a:cs typeface="Times" panose="02020603050405020304" pitchFamily="18" charset="0"/>
+            </a:endParaRPr>
+          </a:p>
+        </p:txBody>
+      </p:sp>
+      <p:sp>
+        <p:nvSpPr>
+          <p:cNvPr id="3" name="內容版面配置區 2">
+            <a:extLst>
+              <a:ext uri="{FF2B5EF4-FFF2-40B4-BE49-F238E27FC236}">
+                <a16:creationId xmlns:a16="http://schemas.microsoft.com/office/drawing/2014/main" id="{6B072075-E05B-FA42-BAC8-CDCAE744247C}"/>
+              </a:ext>
+            </a:extLst>
+          </p:cNvPr>
+          <p:cNvSpPr>
+            <a:spLocks noGrp="1"/>
+          </p:cNvSpPr>
+          <p:nvPr>
+            <p:ph idx="1"/>
+          </p:nvPr>
+        </p:nvSpPr>
+        <p:spPr/>
+        <p:txBody>
+          <a:bodyPr>
+            <a:normAutofit/>
+          </a:bodyPr>
+          <a:lstStyle/>
+          <a:p>
+            <a:pPr>
+              <a:lnSpc>
+                <a:spcPct val="150000"/>
+              </a:lnSpc>
+            </a:pPr>
+            <a:r>
+              <a:rPr lang="en-US" altLang="zh-TW" sz="2400" dirty="0">
+                <a:latin typeface="Times" panose="02020603050405020304" pitchFamily="18" charset="0"/>
+                <a:cs typeface="Times" panose="02020603050405020304" pitchFamily="18" charset="0"/>
+              </a:rPr>
+              <a:t>Several techniques are developed for KOSIM:</a:t>
+            </a:r>
+          </a:p>
+          <a:p>
+            <a:pPr lvl="1">
+              <a:lnSpc>
+                <a:spcPct val="150000"/>
+              </a:lnSpc>
+            </a:pPr>
+            <a:r>
+              <a:rPr lang="en-US" altLang="zh-TW" sz="2000" dirty="0">
+                <a:latin typeface="Times" panose="02020603050405020304" pitchFamily="18" charset="0"/>
+                <a:cs typeface="Times" panose="02020603050405020304" pitchFamily="18" charset="0"/>
+              </a:rPr>
+              <a:t>Knowledge-oriented inexact gradients.</a:t>
+            </a:r>
+          </a:p>
+          <a:p>
+            <a:pPr lvl="1">
+              <a:lnSpc>
+                <a:spcPct val="150000"/>
+              </a:lnSpc>
+            </a:pPr>
+            <a:r>
+              <a:rPr lang="en-US" altLang="zh-TW" sz="2000" dirty="0">
+                <a:latin typeface="Times" panose="02020603050405020304" pitchFamily="18" charset="0"/>
+                <a:cs typeface="Times" panose="02020603050405020304" pitchFamily="18" charset="0"/>
+              </a:rPr>
+              <a:t>Maintaining inexact models.</a:t>
+            </a:r>
+          </a:p>
+          <a:p>
+            <a:pPr lvl="1">
+              <a:lnSpc>
+                <a:spcPct val="150000"/>
+              </a:lnSpc>
+            </a:pPr>
+            <a:r>
+              <a:rPr lang="en-US" altLang="zh-TW" sz="2000" dirty="0">
+                <a:latin typeface="Times" panose="02020603050405020304" pitchFamily="18" charset="0"/>
+                <a:cs typeface="Times" panose="02020603050405020304" pitchFamily="18" charset="0"/>
+              </a:rPr>
+              <a:t>Constructing subspaces.</a:t>
+            </a:r>
+          </a:p>
+          <a:p>
+            <a:pPr lvl="1">
+              <a:lnSpc>
+                <a:spcPct val="150000"/>
+              </a:lnSpc>
+            </a:pPr>
+            <a:r>
+              <a:rPr lang="en-US" altLang="zh-TW" sz="2000" dirty="0">
+                <a:latin typeface="Times" panose="02020603050405020304" pitchFamily="18" charset="0"/>
+                <a:cs typeface="Times" panose="02020603050405020304" pitchFamily="18" charset="0"/>
+              </a:rPr>
+              <a:t>Solving the subproblems.</a:t>
+            </a:r>
+          </a:p>
+          <a:p>
+            <a:pPr lvl="1">
+              <a:lnSpc>
+                <a:spcPct val="150000"/>
+              </a:lnSpc>
+            </a:pPr>
+            <a:endParaRPr lang="en-US" altLang="zh-TW" sz="500" dirty="0">
+              <a:latin typeface="Times" panose="02020603050405020304" pitchFamily="18" charset="0"/>
+              <a:cs typeface="Times" panose="02020603050405020304" pitchFamily="18" charset="0"/>
+            </a:endParaRPr>
+          </a:p>
+          <a:p>
+            <a:pPr>
+              <a:lnSpc>
+                <a:spcPct val="150000"/>
+              </a:lnSpc>
+            </a:pPr>
+            <a:r>
+              <a:rPr lang="en-US" altLang="zh-TW" sz="2200" dirty="0">
+                <a:latin typeface="Times" panose="02020603050405020304" pitchFamily="18" charset="0"/>
+                <a:cs typeface="Times" panose="02020603050405020304" pitchFamily="18" charset="0"/>
+              </a:rPr>
+              <a:t>KOSIM evaluates only O(1) function values and has only O(</a:t>
+            </a:r>
+            <a:r>
+              <a:rPr lang="zh-TW" altLang="en-US" sz="2200" dirty="0">
+                <a:latin typeface="Times" panose="02020603050405020304" pitchFamily="18" charset="0"/>
+                <a:cs typeface="Times" panose="02020603050405020304" pitchFamily="18" charset="0"/>
+              </a:rPr>
+              <a:t>𝑛</a:t>
+            </a:r>
+            <a:r>
+              <a:rPr lang="en-US" altLang="zh-TW" sz="2200" dirty="0">
+                <a:latin typeface="Times" panose="02020603050405020304" pitchFamily="18" charset="0"/>
+                <a:cs typeface="Times" panose="02020603050405020304" pitchFamily="18" charset="0"/>
+              </a:rPr>
+              <a:t>) computational complexity per iteration.</a:t>
+            </a:r>
+            <a:endParaRPr lang="zh-TW" altLang="en-US" sz="2200" dirty="0">
+              <a:latin typeface="Times" panose="02020603050405020304" pitchFamily="18" charset="0"/>
+              <a:cs typeface="Times" panose="02020603050405020304" pitchFamily="18" charset="0"/>
+            </a:endParaRPr>
+          </a:p>
+        </p:txBody>
+      </p:sp>
+      <p:sp>
+        <p:nvSpPr>
+          <p:cNvPr id="4" name="投影片編號版面配置區 3">
+            <a:extLst>
+              <a:ext uri="{FF2B5EF4-FFF2-40B4-BE49-F238E27FC236}">
+                <a16:creationId xmlns:a16="http://schemas.microsoft.com/office/drawing/2014/main" id="{A47FD18C-E873-9438-C2BB-CA63F7C6907E}"/>
+              </a:ext>
+            </a:extLst>
+          </p:cNvPr>
+          <p:cNvSpPr>
+            <a:spLocks noGrp="1"/>
+          </p:cNvSpPr>
+          <p:nvPr>
+            <p:ph type="sldNum" sz="quarter" idx="12"/>
+          </p:nvPr>
+        </p:nvSpPr>
+        <p:spPr/>
+        <p:txBody>
+          <a:bodyPr/>
+          <a:lstStyle/>
+          <a:p>
+            <a:fld id="{666274A1-CF9C-426A-8DD4-B13ED0C24231}" type="slidenum">
+              <a:rPr lang="en-US" smtClean="0"/>
+              <a:t>33</a:t>
+            </a:fld>
+            <a:endParaRPr lang="en-US" dirty="0"/>
+          </a:p>
+        </p:txBody>
+      </p:sp>
+    </p:spTree>
+    <p:extLst>
+      <p:ext uri="{BB962C8B-B14F-4D97-AF65-F5344CB8AC3E}">
+        <p14:creationId xmlns:p14="http://schemas.microsoft.com/office/powerpoint/2010/main" val="436566612"/>
+      </p:ext>
+    </p:extLst>
+  </p:cSld>
+  <p:clrMapOvr>
+    <a:masterClrMapping/>
+  </p:clrMapOvr>
+</p:sld>
+</file>
+
+<file path=ppt/slides/slide35.xml><?xml version="1.0" encoding="utf-8"?>
+<p:sld xmlns:a="http://schemas.openxmlformats.org/drawingml/2006/main" xmlns:r="http://schemas.openxmlformats.org/officeDocument/2006/relationships" xmlns:p="http://schemas.openxmlformats.org/presentationml/2006/main">
+  <p:cSld>
+    <p:spTree>
+      <p:nvGrpSpPr>
+        <p:cNvPr id="1" name=""/>
+        <p:cNvGrpSpPr/>
+        <p:nvPr/>
+      </p:nvGrpSpPr>
+      <p:grpSpPr>
+        <a:xfrm>
+          <a:off x="0" y="0"/>
+          <a:ext cx="0" cy="0"/>
+          <a:chOff x="0" y="0"/>
+          <a:chExt cx="0" cy="0"/>
+        </a:xfrm>
+      </p:grpSpPr>
+      <p:sp>
+        <p:nvSpPr>
           <p:cNvPr id="4" name="Slide Number Placeholder 3">
             <a:extLst>
               <a:ext uri="{FF2B5EF4-FFF2-40B4-BE49-F238E27FC236}">
@@ -20253,7 +20687,7 @@
           <a:p>
             <a:fld id="{666274A1-CF9C-426A-8DD4-B13ED0C24231}" type="slidenum">
               <a:rPr lang="en-US" smtClean="0"/>
-              <a:t>33</a:t>
+              <a:t>34</a:t>
             </a:fld>
             <a:endParaRPr lang="en-US"/>
           </a:p>
